--- a/Vortrag/Vortrag.pptx
+++ b/Vortrag/Vortrag.pptx
@@ -1,11 +1,15 @@
 
 <file path=ppt/presentation.xml><?xml version="1.0" encoding="utf-8"?>
-<p:presentation xmlns:a="http://schemas.openxmlformats.org/drawingml/2006/main" xmlns:r="http://schemas.openxmlformats.org/officeDocument/2006/relationships" xmlns:p="http://schemas.openxmlformats.org/presentationml/2006/main" saveSubsetFonts="1" autoCompressPictures="0">
+<p:presentation xmlns:a="http://schemas.openxmlformats.org/drawingml/2006/main" xmlns:r="http://schemas.openxmlformats.org/officeDocument/2006/relationships" xmlns:p="http://schemas.openxmlformats.org/presentationml/2006/main" showSpecialPlsOnTitleSld="0" saveSubsetFonts="1" autoCompressPictures="0">
   <p:sldMasterIdLst>
     <p:sldMasterId id="2147483648" r:id="rId1"/>
   </p:sldMasterIdLst>
+  <p:notesMasterIdLst>
+    <p:notesMasterId r:id="rId4"/>
+  </p:notesMasterIdLst>
   <p:sldIdLst>
     <p:sldId id="256" r:id="rId2"/>
+    <p:sldId id="257" r:id="rId3"/>
   </p:sldIdLst>
   <p:sldSz cx="12192000" cy="6858000"/>
   <p:notesSz cx="6858000" cy="9144000"/>
@@ -104,7 +108,362 @@
       </a:defRPr>
     </a:lvl9pPr>
   </p:defaultTextStyle>
+  <p:extLst>
+    <p:ext uri="{EFAFB233-063F-42B5-8137-9DF3F51BA10A}">
+      <p15:sldGuideLst xmlns:p15="http://schemas.microsoft.com/office/powerpoint/2012/main"/>
+    </p:ext>
+  </p:extLst>
 </p:presentation>
+</file>
+
+<file path=ppt/notesMasters/notesMaster1.xml><?xml version="1.0" encoding="utf-8"?>
+<p:notesMaster xmlns:a="http://schemas.openxmlformats.org/drawingml/2006/main" xmlns:r="http://schemas.openxmlformats.org/officeDocument/2006/relationships" xmlns:p="http://schemas.openxmlformats.org/presentationml/2006/main">
+  <p:cSld>
+    <p:bg>
+      <p:bgRef idx="1001">
+        <a:schemeClr val="bg1"/>
+      </p:bgRef>
+    </p:bg>
+    <p:spTree>
+      <p:nvGrpSpPr>
+        <p:cNvPr id="1" name=""/>
+        <p:cNvGrpSpPr/>
+        <p:nvPr/>
+      </p:nvGrpSpPr>
+      <p:grpSpPr>
+        <a:xfrm>
+          <a:off x="0" y="0"/>
+          <a:ext cx="0" cy="0"/>
+          <a:chOff x="0" y="0"/>
+          <a:chExt cx="0" cy="0"/>
+        </a:xfrm>
+      </p:grpSpPr>
+      <p:sp>
+        <p:nvSpPr>
+          <p:cNvPr id="2" name="Kopfzeilenplatzhalter 1"/>
+          <p:cNvSpPr>
+            <a:spLocks noGrp="1"/>
+          </p:cNvSpPr>
+          <p:nvPr>
+            <p:ph type="hdr" sz="quarter"/>
+          </p:nvPr>
+        </p:nvSpPr>
+        <p:spPr>
+          <a:xfrm>
+            <a:off x="0" y="0"/>
+            <a:ext cx="2971800" cy="458788"/>
+          </a:xfrm>
+          <a:prstGeom prst="rect">
+            <a:avLst/>
+          </a:prstGeom>
+        </p:spPr>
+        <p:txBody>
+          <a:bodyPr vert="horz" lIns="91440" tIns="45720" rIns="91440" bIns="45720" rtlCol="0"/>
+          <a:lstStyle>
+            <a:lvl1pPr algn="l">
+              <a:defRPr sz="1200"/>
+            </a:lvl1pPr>
+          </a:lstStyle>
+          <a:p>
+            <a:endParaRPr lang="de-DE"/>
+          </a:p>
+        </p:txBody>
+      </p:sp>
+      <p:sp>
+        <p:nvSpPr>
+          <p:cNvPr id="3" name="Datumsplatzhalter 2"/>
+          <p:cNvSpPr>
+            <a:spLocks noGrp="1"/>
+          </p:cNvSpPr>
+          <p:nvPr>
+            <p:ph type="dt" idx="1"/>
+          </p:nvPr>
+        </p:nvSpPr>
+        <p:spPr>
+          <a:xfrm>
+            <a:off x="3884613" y="0"/>
+            <a:ext cx="2971800" cy="458788"/>
+          </a:xfrm>
+          <a:prstGeom prst="rect">
+            <a:avLst/>
+          </a:prstGeom>
+        </p:spPr>
+        <p:txBody>
+          <a:bodyPr vert="horz" lIns="91440" tIns="45720" rIns="91440" bIns="45720" rtlCol="0"/>
+          <a:lstStyle>
+            <a:lvl1pPr algn="r">
+              <a:defRPr sz="1200"/>
+            </a:lvl1pPr>
+          </a:lstStyle>
+          <a:p>
+            <a:fld id="{8BF82955-D74C-4403-9EC5-699BBDFEDB28}" type="datetimeFigureOut">
+              <a:rPr lang="de-DE" smtClean="0"/>
+              <a:t>14.07.2023</a:t>
+            </a:fld>
+            <a:endParaRPr lang="de-DE"/>
+          </a:p>
+        </p:txBody>
+      </p:sp>
+      <p:sp>
+        <p:nvSpPr>
+          <p:cNvPr id="4" name="Folienbildplatzhalter 3"/>
+          <p:cNvSpPr>
+            <a:spLocks noGrp="1" noRot="1" noChangeAspect="1"/>
+          </p:cNvSpPr>
+          <p:nvPr>
+            <p:ph type="sldImg" idx="2"/>
+          </p:nvPr>
+        </p:nvSpPr>
+        <p:spPr>
+          <a:xfrm>
+            <a:off x="685800" y="1143000"/>
+            <a:ext cx="5486400" cy="3086100"/>
+          </a:xfrm>
+          <a:prstGeom prst="rect">
+            <a:avLst/>
+          </a:prstGeom>
+          <a:noFill/>
+          <a:ln w="12700">
+            <a:solidFill>
+              <a:prstClr val="black"/>
+            </a:solidFill>
+          </a:ln>
+        </p:spPr>
+        <p:txBody>
+          <a:bodyPr vert="horz" lIns="91440" tIns="45720" rIns="91440" bIns="45720" rtlCol="0" anchor="ctr"/>
+          <a:lstStyle/>
+          <a:p>
+            <a:endParaRPr lang="de-DE"/>
+          </a:p>
+        </p:txBody>
+      </p:sp>
+      <p:sp>
+        <p:nvSpPr>
+          <p:cNvPr id="5" name="Notizenplatzhalter 4"/>
+          <p:cNvSpPr>
+            <a:spLocks noGrp="1"/>
+          </p:cNvSpPr>
+          <p:nvPr>
+            <p:ph type="body" sz="quarter" idx="3"/>
+          </p:nvPr>
+        </p:nvSpPr>
+        <p:spPr>
+          <a:xfrm>
+            <a:off x="685800" y="4400550"/>
+            <a:ext cx="5486400" cy="3600450"/>
+          </a:xfrm>
+          <a:prstGeom prst="rect">
+            <a:avLst/>
+          </a:prstGeom>
+        </p:spPr>
+        <p:txBody>
+          <a:bodyPr vert="horz" lIns="91440" tIns="45720" rIns="91440" bIns="45720" rtlCol="0"/>
+          <a:lstStyle/>
+          <a:p>
+            <a:pPr lvl="0"/>
+            <a:r>
+              <a:rPr lang="de-DE" smtClean="0"/>
+              <a:t>Formatvorlagen des Textmasters bearbeiten</a:t>
+            </a:r>
+          </a:p>
+          <a:p>
+            <a:pPr lvl="1"/>
+            <a:r>
+              <a:rPr lang="de-DE" smtClean="0"/>
+              <a:t>Zweite Ebene</a:t>
+            </a:r>
+          </a:p>
+          <a:p>
+            <a:pPr lvl="2"/>
+            <a:r>
+              <a:rPr lang="de-DE" smtClean="0"/>
+              <a:t>Dritte Ebene</a:t>
+            </a:r>
+          </a:p>
+          <a:p>
+            <a:pPr lvl="3"/>
+            <a:r>
+              <a:rPr lang="de-DE" smtClean="0"/>
+              <a:t>Vierte Ebene</a:t>
+            </a:r>
+          </a:p>
+          <a:p>
+            <a:pPr lvl="4"/>
+            <a:r>
+              <a:rPr lang="de-DE" smtClean="0"/>
+              <a:t>Fünfte Ebene</a:t>
+            </a:r>
+            <a:endParaRPr lang="de-DE"/>
+          </a:p>
+        </p:txBody>
+      </p:sp>
+      <p:sp>
+        <p:nvSpPr>
+          <p:cNvPr id="6" name="Fußzeilenplatzhalter 5"/>
+          <p:cNvSpPr>
+            <a:spLocks noGrp="1"/>
+          </p:cNvSpPr>
+          <p:nvPr>
+            <p:ph type="ftr" sz="quarter" idx="4"/>
+          </p:nvPr>
+        </p:nvSpPr>
+        <p:spPr>
+          <a:xfrm>
+            <a:off x="0" y="8685213"/>
+            <a:ext cx="2971800" cy="458787"/>
+          </a:xfrm>
+          <a:prstGeom prst="rect">
+            <a:avLst/>
+          </a:prstGeom>
+        </p:spPr>
+        <p:txBody>
+          <a:bodyPr vert="horz" lIns="91440" tIns="45720" rIns="91440" bIns="45720" rtlCol="0" anchor="b"/>
+          <a:lstStyle>
+            <a:lvl1pPr algn="l">
+              <a:defRPr sz="1200"/>
+            </a:lvl1pPr>
+          </a:lstStyle>
+          <a:p>
+            <a:endParaRPr lang="de-DE"/>
+          </a:p>
+        </p:txBody>
+      </p:sp>
+      <p:sp>
+        <p:nvSpPr>
+          <p:cNvPr id="7" name="Foliennummernplatzhalter 6"/>
+          <p:cNvSpPr>
+            <a:spLocks noGrp="1"/>
+          </p:cNvSpPr>
+          <p:nvPr>
+            <p:ph type="sldNum" sz="quarter" idx="5"/>
+          </p:nvPr>
+        </p:nvSpPr>
+        <p:spPr>
+          <a:xfrm>
+            <a:off x="3884613" y="8685213"/>
+            <a:ext cx="2971800" cy="458787"/>
+          </a:xfrm>
+          <a:prstGeom prst="rect">
+            <a:avLst/>
+          </a:prstGeom>
+        </p:spPr>
+        <p:txBody>
+          <a:bodyPr vert="horz" lIns="91440" tIns="45720" rIns="91440" bIns="45720" rtlCol="0" anchor="b"/>
+          <a:lstStyle>
+            <a:lvl1pPr algn="r">
+              <a:defRPr sz="1200"/>
+            </a:lvl1pPr>
+          </a:lstStyle>
+          <a:p>
+            <a:fld id="{ABAF9C1E-7100-4E6B-9E05-C1C263F1D4A1}" type="slidenum">
+              <a:rPr lang="de-DE" smtClean="0"/>
+              <a:t>‹Nr.›</a:t>
+            </a:fld>
+            <a:endParaRPr lang="de-DE"/>
+          </a:p>
+        </p:txBody>
+      </p:sp>
+    </p:spTree>
+    <p:extLst>
+      <p:ext uri="{BB962C8B-B14F-4D97-AF65-F5344CB8AC3E}">
+        <p14:creationId xmlns:p14="http://schemas.microsoft.com/office/powerpoint/2010/main" val="1353834443"/>
+      </p:ext>
+    </p:extLst>
+  </p:cSld>
+  <p:clrMap bg1="lt1" tx1="dk1" bg2="lt2" tx2="dk2" accent1="accent1" accent2="accent2" accent3="accent3" accent4="accent4" accent5="accent5" accent6="accent6" hlink="hlink" folHlink="folHlink"/>
+  <p:notesStyle>
+    <a:lvl1pPr marL="0" algn="l" defTabSz="914400" rtl="0" eaLnBrk="1" latinLnBrk="0" hangingPunct="1">
+      <a:defRPr sz="1200" kern="1200">
+        <a:solidFill>
+          <a:schemeClr val="tx1"/>
+        </a:solidFill>
+        <a:latin typeface="+mn-lt"/>
+        <a:ea typeface="+mn-ea"/>
+        <a:cs typeface="+mn-cs"/>
+      </a:defRPr>
+    </a:lvl1pPr>
+    <a:lvl2pPr marL="457200" algn="l" defTabSz="914400" rtl="0" eaLnBrk="1" latinLnBrk="0" hangingPunct="1">
+      <a:defRPr sz="1200" kern="1200">
+        <a:solidFill>
+          <a:schemeClr val="tx1"/>
+        </a:solidFill>
+        <a:latin typeface="+mn-lt"/>
+        <a:ea typeface="+mn-ea"/>
+        <a:cs typeface="+mn-cs"/>
+      </a:defRPr>
+    </a:lvl2pPr>
+    <a:lvl3pPr marL="914400" algn="l" defTabSz="914400" rtl="0" eaLnBrk="1" latinLnBrk="0" hangingPunct="1">
+      <a:defRPr sz="1200" kern="1200">
+        <a:solidFill>
+          <a:schemeClr val="tx1"/>
+        </a:solidFill>
+        <a:latin typeface="+mn-lt"/>
+        <a:ea typeface="+mn-ea"/>
+        <a:cs typeface="+mn-cs"/>
+      </a:defRPr>
+    </a:lvl3pPr>
+    <a:lvl4pPr marL="1371600" algn="l" defTabSz="914400" rtl="0" eaLnBrk="1" latinLnBrk="0" hangingPunct="1">
+      <a:defRPr sz="1200" kern="1200">
+        <a:solidFill>
+          <a:schemeClr val="tx1"/>
+        </a:solidFill>
+        <a:latin typeface="+mn-lt"/>
+        <a:ea typeface="+mn-ea"/>
+        <a:cs typeface="+mn-cs"/>
+      </a:defRPr>
+    </a:lvl4pPr>
+    <a:lvl5pPr marL="1828800" algn="l" defTabSz="914400" rtl="0" eaLnBrk="1" latinLnBrk="0" hangingPunct="1">
+      <a:defRPr sz="1200" kern="1200">
+        <a:solidFill>
+          <a:schemeClr val="tx1"/>
+        </a:solidFill>
+        <a:latin typeface="+mn-lt"/>
+        <a:ea typeface="+mn-ea"/>
+        <a:cs typeface="+mn-cs"/>
+      </a:defRPr>
+    </a:lvl5pPr>
+    <a:lvl6pPr marL="2286000" algn="l" defTabSz="914400" rtl="0" eaLnBrk="1" latinLnBrk="0" hangingPunct="1">
+      <a:defRPr sz="1200" kern="1200">
+        <a:solidFill>
+          <a:schemeClr val="tx1"/>
+        </a:solidFill>
+        <a:latin typeface="+mn-lt"/>
+        <a:ea typeface="+mn-ea"/>
+        <a:cs typeface="+mn-cs"/>
+      </a:defRPr>
+    </a:lvl6pPr>
+    <a:lvl7pPr marL="2743200" algn="l" defTabSz="914400" rtl="0" eaLnBrk="1" latinLnBrk="0" hangingPunct="1">
+      <a:defRPr sz="1200" kern="1200">
+        <a:solidFill>
+          <a:schemeClr val="tx1"/>
+        </a:solidFill>
+        <a:latin typeface="+mn-lt"/>
+        <a:ea typeface="+mn-ea"/>
+        <a:cs typeface="+mn-cs"/>
+      </a:defRPr>
+    </a:lvl7pPr>
+    <a:lvl8pPr marL="3200400" algn="l" defTabSz="914400" rtl="0" eaLnBrk="1" latinLnBrk="0" hangingPunct="1">
+      <a:defRPr sz="1200" kern="1200">
+        <a:solidFill>
+          <a:schemeClr val="tx1"/>
+        </a:solidFill>
+        <a:latin typeface="+mn-lt"/>
+        <a:ea typeface="+mn-ea"/>
+        <a:cs typeface="+mn-cs"/>
+      </a:defRPr>
+    </a:lvl8pPr>
+    <a:lvl9pPr marL="3657600" algn="l" defTabSz="914400" rtl="0" eaLnBrk="1" latinLnBrk="0" hangingPunct="1">
+      <a:defRPr sz="1200" kern="1200">
+        <a:solidFill>
+          <a:schemeClr val="tx1"/>
+        </a:solidFill>
+        <a:latin typeface="+mn-lt"/>
+        <a:ea typeface="+mn-ea"/>
+        <a:cs typeface="+mn-cs"/>
+      </a:defRPr>
+    </a:lvl9pPr>
+  </p:notesStyle>
+</p:notesMaster>
 </file>
 
 <file path=ppt/slideLayouts/slideLayout1.xml><?xml version="1.0" encoding="utf-8"?>
@@ -252,10 +611,10 @@
           <a:bodyPr/>
           <a:lstStyle/>
           <a:p>
-            <a:fld id="{F114AD53-53C4-5D40-99C3-5E458A06B099}" type="datetimeFigureOut">
+            <a:r>
               <a:rPr lang="de-DE" smtClean="0"/>
-              <a:t>12.07.23</a:t>
-            </a:fld>
+              <a:t>22.08.2023</a:t>
+            </a:r>
             <a:endParaRPr lang="de-DE"/>
           </a:p>
         </p:txBody>
@@ -281,6 +640,10 @@
           <a:bodyPr/>
           <a:lstStyle/>
           <a:p>
+            <a:r>
+              <a:rPr lang="de-DE" smtClean="0"/>
+              <a:t>Aufgabe A326 – Team 213 – Noah Schlenker – Leon B. Kniffki – Christian Krinitsin</a:t>
+            </a:r>
             <a:endParaRPr lang="de-DE"/>
           </a:p>
         </p:txBody>
@@ -450,10 +813,10 @@
           <a:bodyPr/>
           <a:lstStyle/>
           <a:p>
-            <a:fld id="{F114AD53-53C4-5D40-99C3-5E458A06B099}" type="datetimeFigureOut">
+            <a:r>
               <a:rPr lang="de-DE" smtClean="0"/>
-              <a:t>12.07.23</a:t>
-            </a:fld>
+              <a:t>22.08.2023</a:t>
+            </a:r>
             <a:endParaRPr lang="de-DE"/>
           </a:p>
         </p:txBody>
@@ -479,6 +842,10 @@
           <a:bodyPr/>
           <a:lstStyle/>
           <a:p>
+            <a:r>
+              <a:rPr lang="de-DE" smtClean="0"/>
+              <a:t>Aufgabe A326 – Team 213 – Noah Schlenker – Leon B. Kniffki – Christian Krinitsin</a:t>
+            </a:r>
             <a:endParaRPr lang="de-DE"/>
           </a:p>
         </p:txBody>
@@ -658,10 +1025,10 @@
           <a:bodyPr/>
           <a:lstStyle/>
           <a:p>
-            <a:fld id="{F114AD53-53C4-5D40-99C3-5E458A06B099}" type="datetimeFigureOut">
+            <a:r>
               <a:rPr lang="de-DE" smtClean="0"/>
-              <a:t>12.07.23</a:t>
-            </a:fld>
+              <a:t>22.08.2023</a:t>
+            </a:r>
             <a:endParaRPr lang="de-DE"/>
           </a:p>
         </p:txBody>
@@ -687,6 +1054,10 @@
           <a:bodyPr/>
           <a:lstStyle/>
           <a:p>
+            <a:r>
+              <a:rPr lang="de-DE" smtClean="0"/>
+              <a:t>Aufgabe A326 – Team 213 – Noah Schlenker – Leon B. Kniffki – Christian Krinitsin</a:t>
+            </a:r>
             <a:endParaRPr lang="de-DE"/>
           </a:p>
         </p:txBody>
@@ -856,10 +1227,10 @@
           <a:bodyPr/>
           <a:lstStyle/>
           <a:p>
-            <a:fld id="{F114AD53-53C4-5D40-99C3-5E458A06B099}" type="datetimeFigureOut">
+            <a:r>
               <a:rPr lang="de-DE" smtClean="0"/>
-              <a:t>12.07.23</a:t>
-            </a:fld>
+              <a:t>22.08.2023</a:t>
+            </a:r>
             <a:endParaRPr lang="de-DE"/>
           </a:p>
         </p:txBody>
@@ -885,6 +1256,10 @@
           <a:bodyPr/>
           <a:lstStyle/>
           <a:p>
+            <a:r>
+              <a:rPr lang="de-DE" smtClean="0"/>
+              <a:t>Aufgabe A326 – Team 213 – Noah Schlenker – Leon B. Kniffki – Christian Krinitsin</a:t>
+            </a:r>
             <a:endParaRPr lang="de-DE"/>
           </a:p>
         </p:txBody>
@@ -1131,10 +1506,10 @@
           <a:bodyPr/>
           <a:lstStyle/>
           <a:p>
-            <a:fld id="{F114AD53-53C4-5D40-99C3-5E458A06B099}" type="datetimeFigureOut">
+            <a:r>
               <a:rPr lang="de-DE" smtClean="0"/>
-              <a:t>12.07.23</a:t>
-            </a:fld>
+              <a:t>22.08.2023</a:t>
+            </a:r>
             <a:endParaRPr lang="de-DE"/>
           </a:p>
         </p:txBody>
@@ -1160,6 +1535,10 @@
           <a:bodyPr/>
           <a:lstStyle/>
           <a:p>
+            <a:r>
+              <a:rPr lang="de-DE" smtClean="0"/>
+              <a:t>Aufgabe A326 – Team 213 – Noah Schlenker – Leon B. Kniffki – Christian Krinitsin</a:t>
+            </a:r>
             <a:endParaRPr lang="de-DE"/>
           </a:p>
         </p:txBody>
@@ -1396,10 +1775,10 @@
           <a:bodyPr/>
           <a:lstStyle/>
           <a:p>
-            <a:fld id="{F114AD53-53C4-5D40-99C3-5E458A06B099}" type="datetimeFigureOut">
+            <a:r>
               <a:rPr lang="de-DE" smtClean="0"/>
-              <a:t>12.07.23</a:t>
-            </a:fld>
+              <a:t>22.08.2023</a:t>
+            </a:r>
             <a:endParaRPr lang="de-DE"/>
           </a:p>
         </p:txBody>
@@ -1425,6 +1804,10 @@
           <a:bodyPr/>
           <a:lstStyle/>
           <a:p>
+            <a:r>
+              <a:rPr lang="de-DE" smtClean="0"/>
+              <a:t>Aufgabe A326 – Team 213 – Noah Schlenker – Leon B. Kniffki – Christian Krinitsin</a:t>
+            </a:r>
             <a:endParaRPr lang="de-DE"/>
           </a:p>
         </p:txBody>
@@ -1808,10 +2191,10 @@
           <a:bodyPr/>
           <a:lstStyle/>
           <a:p>
-            <a:fld id="{F114AD53-53C4-5D40-99C3-5E458A06B099}" type="datetimeFigureOut">
+            <a:r>
               <a:rPr lang="de-DE" smtClean="0"/>
-              <a:t>12.07.23</a:t>
-            </a:fld>
+              <a:t>22.08.2023</a:t>
+            </a:r>
             <a:endParaRPr lang="de-DE"/>
           </a:p>
         </p:txBody>
@@ -1837,6 +2220,10 @@
           <a:bodyPr/>
           <a:lstStyle/>
           <a:p>
+            <a:r>
+              <a:rPr lang="de-DE" smtClean="0"/>
+              <a:t>Aufgabe A326 – Team 213 – Noah Schlenker – Leon B. Kniffki – Christian Krinitsin</a:t>
+            </a:r>
             <a:endParaRPr lang="de-DE"/>
           </a:p>
         </p:txBody>
@@ -1949,10 +2336,10 @@
           <a:bodyPr/>
           <a:lstStyle/>
           <a:p>
-            <a:fld id="{F114AD53-53C4-5D40-99C3-5E458A06B099}" type="datetimeFigureOut">
+            <a:r>
               <a:rPr lang="de-DE" smtClean="0"/>
-              <a:t>12.07.23</a:t>
-            </a:fld>
+              <a:t>22.08.2023</a:t>
+            </a:r>
             <a:endParaRPr lang="de-DE"/>
           </a:p>
         </p:txBody>
@@ -1978,6 +2365,10 @@
           <a:bodyPr/>
           <a:lstStyle/>
           <a:p>
+            <a:r>
+              <a:rPr lang="de-DE" smtClean="0"/>
+              <a:t>Aufgabe A326 – Team 213 – Noah Schlenker – Leon B. Kniffki – Christian Krinitsin</a:t>
+            </a:r>
             <a:endParaRPr lang="de-DE"/>
           </a:p>
         </p:txBody>
@@ -2062,10 +2453,10 @@
           <a:bodyPr/>
           <a:lstStyle/>
           <a:p>
-            <a:fld id="{F114AD53-53C4-5D40-99C3-5E458A06B099}" type="datetimeFigureOut">
+            <a:r>
               <a:rPr lang="de-DE" smtClean="0"/>
-              <a:t>12.07.23</a:t>
-            </a:fld>
+              <a:t>22.08.2023</a:t>
+            </a:r>
             <a:endParaRPr lang="de-DE"/>
           </a:p>
         </p:txBody>
@@ -2091,6 +2482,10 @@
           <a:bodyPr/>
           <a:lstStyle/>
           <a:p>
+            <a:r>
+              <a:rPr lang="de-DE" smtClean="0"/>
+              <a:t>Aufgabe A326 – Team 213 – Noah Schlenker – Leon B. Kniffki – Christian Krinitsin</a:t>
+            </a:r>
             <a:endParaRPr lang="de-DE"/>
           </a:p>
         </p:txBody>
@@ -2373,10 +2768,10 @@
           <a:bodyPr/>
           <a:lstStyle/>
           <a:p>
-            <a:fld id="{F114AD53-53C4-5D40-99C3-5E458A06B099}" type="datetimeFigureOut">
+            <a:r>
               <a:rPr lang="de-DE" smtClean="0"/>
-              <a:t>12.07.23</a:t>
-            </a:fld>
+              <a:t>22.08.2023</a:t>
+            </a:r>
             <a:endParaRPr lang="de-DE"/>
           </a:p>
         </p:txBody>
@@ -2402,6 +2797,10 @@
           <a:bodyPr/>
           <a:lstStyle/>
           <a:p>
+            <a:r>
+              <a:rPr lang="de-DE" smtClean="0"/>
+              <a:t>Aufgabe A326 – Team 213 – Noah Schlenker – Leon B. Kniffki – Christian Krinitsin</a:t>
+            </a:r>
             <a:endParaRPr lang="de-DE"/>
           </a:p>
         </p:txBody>
@@ -2661,10 +3060,10 @@
           <a:bodyPr/>
           <a:lstStyle/>
           <a:p>
-            <a:fld id="{F114AD53-53C4-5D40-99C3-5E458A06B099}" type="datetimeFigureOut">
+            <a:r>
               <a:rPr lang="de-DE" smtClean="0"/>
-              <a:t>12.07.23</a:t>
-            </a:fld>
+              <a:t>22.08.2023</a:t>
+            </a:r>
             <a:endParaRPr lang="de-DE"/>
           </a:p>
         </p:txBody>
@@ -2690,6 +3089,10 @@
           <a:bodyPr/>
           <a:lstStyle/>
           <a:p>
+            <a:r>
+              <a:rPr lang="de-DE" smtClean="0"/>
+              <a:t>Aufgabe A326 – Team 213 – Noah Schlenker – Leon B. Kniffki – Christian Krinitsin</a:t>
+            </a:r>
             <a:endParaRPr lang="de-DE"/>
           </a:p>
         </p:txBody>
@@ -2902,10 +3305,10 @@
             </a:lvl1pPr>
           </a:lstStyle>
           <a:p>
-            <a:fld id="{F114AD53-53C4-5D40-99C3-5E458A06B099}" type="datetimeFigureOut">
+            <a:r>
               <a:rPr lang="de-DE" smtClean="0"/>
-              <a:t>12.07.23</a:t>
-            </a:fld>
+              <a:t>22.08.2023</a:t>
+            </a:r>
             <a:endParaRPr lang="de-DE"/>
           </a:p>
         </p:txBody>
@@ -2949,6 +3352,10 @@
             </a:lvl1pPr>
           </a:lstStyle>
           <a:p>
+            <a:r>
+              <a:rPr lang="de-DE" smtClean="0"/>
+              <a:t>Aufgabe A326 – Team 213 – Noah Schlenker – Leon B. Kniffki – Christian Krinitsin</a:t>
+            </a:r>
             <a:endParaRPr lang="de-DE"/>
           </a:p>
         </p:txBody>
@@ -3021,6 +3428,7 @@
     <p:sldLayoutId id="2147483658" r:id="rId10"/>
     <p:sldLayoutId id="2147483659" r:id="rId11"/>
   </p:sldLayoutIdLst>
+  <p:hf hdr="0"/>
   <p:txStyles>
     <p:titleStyle>
       <a:lvl1pPr algn="l" defTabSz="914400" rtl="0" eaLnBrk="1" latinLnBrk="0" hangingPunct="1">
@@ -3371,8 +3779,8 @@
           </a:p>
         </p:txBody>
       </p:sp>
-      <mc:AlternateContent xmlns:mc="http://schemas.openxmlformats.org/markup-compatibility/2006">
-        <mc:Choice xmlns:a14="http://schemas.microsoft.com/office/drawing/2010/main" Requires="a14">
+      <mc:AlternateContent xmlns:mc="http://schemas.openxmlformats.org/markup-compatibility/2006" xmlns:a14="http://schemas.microsoft.com/office/drawing/2010/main">
+        <mc:Choice Requires="a14">
           <p:sp>
             <p:nvSpPr>
               <p:cNvPr id="2" name="Titel 1">
@@ -3394,6 +3802,7 @@
               <a:bodyPr/>
               <a:lstStyle/>
               <a:p>
+                <a:pPr/>
                 <a14:m>
                   <m:oMathPara xmlns:m="http://schemas.openxmlformats.org/officeDocument/2006/math">
                     <m:oMathParaPr>
@@ -3427,7 +3836,7 @@
             </p:txBody>
           </p:sp>
         </mc:Choice>
-        <mc:Fallback>
+        <mc:Fallback xmlns="">
           <p:sp>
             <p:nvSpPr>
               <p:cNvPr id="2" name="Titel 1">
@@ -3516,6 +3925,1084 @@
   <p:clrMapOvr>
     <a:masterClrMapping/>
   </p:clrMapOvr>
+  <p:timing>
+    <p:tnLst>
+      <p:par>
+        <p:cTn id="1" dur="indefinite" restart="never" nodeType="tmRoot"/>
+      </p:par>
+    </p:tnLst>
+  </p:timing>
+</p:sld>
+</file>
+
+<file path=ppt/slides/slide2.xml><?xml version="1.0" encoding="utf-8"?>
+<p:sld xmlns:a="http://schemas.openxmlformats.org/drawingml/2006/main" xmlns:r="http://schemas.openxmlformats.org/officeDocument/2006/relationships" xmlns:p="http://schemas.openxmlformats.org/presentationml/2006/main">
+  <p:cSld>
+    <p:spTree>
+      <p:nvGrpSpPr>
+        <p:cNvPr id="1" name=""/>
+        <p:cNvGrpSpPr/>
+        <p:nvPr/>
+      </p:nvGrpSpPr>
+      <p:grpSpPr>
+        <a:xfrm>
+          <a:off x="0" y="0"/>
+          <a:ext cx="0" cy="0"/>
+          <a:chOff x="0" y="0"/>
+          <a:chExt cx="0" cy="0"/>
+        </a:xfrm>
+      </p:grpSpPr>
+      <mc:AlternateContent xmlns:mc="http://schemas.openxmlformats.org/markup-compatibility/2006">
+        <mc:Choice xmlns:a14="http://schemas.microsoft.com/office/drawing/2010/main" Requires="a14">
+          <p:sp>
+            <p:nvSpPr>
+              <p:cNvPr id="3" name="Inhaltsplatzhalter 2"/>
+              <p:cNvSpPr>
+                <a:spLocks noGrp="1"/>
+              </p:cNvSpPr>
+              <p:nvPr>
+                <p:ph idx="1"/>
+              </p:nvPr>
+            </p:nvSpPr>
+            <p:spPr>
+              <a:xfrm>
+                <a:off x="6519672" y="728998"/>
+                <a:ext cx="4861560" cy="5400002"/>
+              </a:xfrm>
+            </p:spPr>
+            <p:txBody>
+              <a:bodyPr>
+                <a:normAutofit lnSpcReduction="10000"/>
+              </a:bodyPr>
+              <a:lstStyle/>
+              <a:p>
+                <a:r>
+                  <a:rPr lang="de-DE" dirty="0" smtClean="0"/>
+                  <a:t>Gesucht: Seitenverhältnis </a:t>
+                </a:r>
+                <a14:m>
+                  <m:oMath xmlns:m="http://schemas.openxmlformats.org/officeDocument/2006/math">
+                    <m:r>
+                      <a:rPr lang="de-DE" b="0" i="1" smtClean="0">
+                        <a:latin typeface="Cambria Math" panose="02040503050406030204" pitchFamily="18" charset="0"/>
+                      </a:rPr>
+                      <m:t>𝑥</m:t>
+                    </m:r>
+                  </m:oMath>
+                </a14:m>
+                <a:endParaRPr lang="de-DE" dirty="0"/>
+              </a:p>
+              <a:p>
+                <a14:m>
+                  <m:oMath xmlns:m="http://schemas.openxmlformats.org/officeDocument/2006/math">
+                    <m:r>
+                      <a:rPr lang="de-DE" b="0" i="1" smtClean="0">
+                        <a:latin typeface="Cambria Math" panose="02040503050406030204" pitchFamily="18" charset="0"/>
+                      </a:rPr>
+                      <m:t>𝑏</m:t>
+                    </m:r>
+                    <m:r>
+                      <a:rPr lang="de-DE" b="0" i="1" smtClean="0">
+                        <a:latin typeface="Cambria Math" panose="02040503050406030204" pitchFamily="18" charset="0"/>
+                      </a:rPr>
+                      <m:t>=</m:t>
+                    </m:r>
+                    <m:r>
+                      <a:rPr lang="de-DE" b="0" i="1" smtClean="0">
+                        <a:latin typeface="Cambria Math" panose="02040503050406030204" pitchFamily="18" charset="0"/>
+                      </a:rPr>
+                      <m:t>𝑥𝑎</m:t>
+                    </m:r>
+                    <m:r>
+                      <a:rPr lang="de-DE" b="0" i="1" smtClean="0">
+                        <a:latin typeface="Cambria Math" panose="02040503050406030204" pitchFamily="18" charset="0"/>
+                      </a:rPr>
+                      <m:t>, </m:t>
+                    </m:r>
+                    <m:r>
+                      <a:rPr lang="de-DE" b="0" i="1" smtClean="0">
+                        <a:latin typeface="Cambria Math" panose="02040503050406030204" pitchFamily="18" charset="0"/>
+                      </a:rPr>
+                      <m:t>𝑎</m:t>
+                    </m:r>
+                    <m:r>
+                      <a:rPr lang="de-DE" b="0" i="1" smtClean="0">
+                        <a:latin typeface="Cambria Math" panose="02040503050406030204" pitchFamily="18" charset="0"/>
+                      </a:rPr>
+                      <m:t>=</m:t>
+                    </m:r>
+                    <m:r>
+                      <a:rPr lang="de-DE" b="0" i="1" smtClean="0">
+                        <a:latin typeface="Cambria Math" panose="02040503050406030204" pitchFamily="18" charset="0"/>
+                      </a:rPr>
+                      <m:t>𝑥𝑐</m:t>
+                    </m:r>
+                    <m:r>
+                      <a:rPr lang="de-DE" b="0" i="1" smtClean="0">
+                        <a:latin typeface="Cambria Math" panose="02040503050406030204" pitchFamily="18" charset="0"/>
+                      </a:rPr>
+                      <m:t>, </m:t>
+                    </m:r>
+                    <m:r>
+                      <a:rPr lang="de-DE" b="0" i="1" smtClean="0">
+                        <a:latin typeface="Cambria Math" panose="02040503050406030204" pitchFamily="18" charset="0"/>
+                      </a:rPr>
+                      <m:t>𝑐</m:t>
+                    </m:r>
+                    <m:r>
+                      <a:rPr lang="de-DE" b="0" i="1" smtClean="0">
+                        <a:latin typeface="Cambria Math" panose="02040503050406030204" pitchFamily="18" charset="0"/>
+                      </a:rPr>
+                      <m:t>= </m:t>
+                    </m:r>
+                    <m:f>
+                      <m:fPr>
+                        <m:ctrlPr>
+                          <a:rPr lang="de-DE" b="0" i="1" smtClean="0">
+                            <a:latin typeface="Cambria Math" panose="02040503050406030204" pitchFamily="18" charset="0"/>
+                          </a:rPr>
+                        </m:ctrlPr>
+                      </m:fPr>
+                      <m:num>
+                        <m:r>
+                          <a:rPr lang="de-DE" b="0" i="1" smtClean="0">
+                            <a:latin typeface="Cambria Math" panose="02040503050406030204" pitchFamily="18" charset="0"/>
+                          </a:rPr>
+                          <m:t>1</m:t>
+                        </m:r>
+                      </m:num>
+                      <m:den>
+                        <m:r>
+                          <a:rPr lang="de-DE" b="0" i="1" smtClean="0">
+                            <a:latin typeface="Cambria Math" panose="02040503050406030204" pitchFamily="18" charset="0"/>
+                          </a:rPr>
+                          <m:t>2</m:t>
+                        </m:r>
+                      </m:den>
+                    </m:f>
+                    <m:r>
+                      <a:rPr lang="de-DE" b="0" i="1" smtClean="0">
+                        <a:latin typeface="Cambria Math" panose="02040503050406030204" pitchFamily="18" charset="0"/>
+                      </a:rPr>
+                      <m:t>𝑏</m:t>
+                    </m:r>
+                  </m:oMath>
+                </a14:m>
+                <a:endParaRPr lang="de-DE" dirty="0" smtClean="0"/>
+              </a:p>
+              <a:p>
+                <a14:m>
+                  <m:oMath xmlns:m="http://schemas.openxmlformats.org/officeDocument/2006/math">
+                    <m:r>
+                      <a:rPr lang="de-DE" b="0" i="1" smtClean="0">
+                        <a:latin typeface="Cambria Math" panose="02040503050406030204" pitchFamily="18" charset="0"/>
+                      </a:rPr>
+                      <m:t>𝑏</m:t>
+                    </m:r>
+                    <m:r>
+                      <a:rPr lang="de-DE" b="0" i="1" smtClean="0">
+                        <a:latin typeface="Cambria Math" panose="02040503050406030204" pitchFamily="18" charset="0"/>
+                      </a:rPr>
+                      <m:t>=</m:t>
+                    </m:r>
+                    <m:r>
+                      <a:rPr lang="de-DE" b="0" i="1" smtClean="0">
+                        <a:latin typeface="Cambria Math" panose="02040503050406030204" pitchFamily="18" charset="0"/>
+                      </a:rPr>
+                      <m:t>𝑥𝑥𝑐</m:t>
+                    </m:r>
+                    <m:r>
+                      <a:rPr lang="de-DE" b="0" i="1" smtClean="0">
+                        <a:latin typeface="Cambria Math" panose="02040503050406030204" pitchFamily="18" charset="0"/>
+                      </a:rPr>
+                      <m:t>=</m:t>
+                    </m:r>
+                    <m:sSup>
+                      <m:sSupPr>
+                        <m:ctrlPr>
+                          <a:rPr lang="de-DE" b="0" i="1" smtClean="0">
+                            <a:latin typeface="Cambria Math" panose="02040503050406030204" pitchFamily="18" charset="0"/>
+                          </a:rPr>
+                        </m:ctrlPr>
+                      </m:sSupPr>
+                      <m:e>
+                        <m:r>
+                          <a:rPr lang="de-DE" b="0" i="1" smtClean="0">
+                            <a:latin typeface="Cambria Math" panose="02040503050406030204" pitchFamily="18" charset="0"/>
+                          </a:rPr>
+                          <m:t>𝑥</m:t>
+                        </m:r>
+                      </m:e>
+                      <m:sup>
+                        <m:r>
+                          <a:rPr lang="de-DE" b="0" i="1" smtClean="0">
+                            <a:latin typeface="Cambria Math" panose="02040503050406030204" pitchFamily="18" charset="0"/>
+                          </a:rPr>
+                          <m:t>2</m:t>
+                        </m:r>
+                      </m:sup>
+                    </m:sSup>
+                    <m:r>
+                      <a:rPr lang="de-DE" b="0" i="1" smtClean="0">
+                        <a:latin typeface="Cambria Math" panose="02040503050406030204" pitchFamily="18" charset="0"/>
+                      </a:rPr>
+                      <m:t>𝑐</m:t>
+                    </m:r>
+                  </m:oMath>
+                </a14:m>
+                <a:endParaRPr lang="de-DE" dirty="0" smtClean="0"/>
+              </a:p>
+              <a:p>
+                <a14:m>
+                  <m:oMath xmlns:m="http://schemas.openxmlformats.org/officeDocument/2006/math">
+                    <m:r>
+                      <a:rPr lang="de-DE" b="0" i="1" smtClean="0">
+                        <a:latin typeface="Cambria Math" panose="02040503050406030204" pitchFamily="18" charset="0"/>
+                      </a:rPr>
+                      <m:t>𝑏</m:t>
+                    </m:r>
+                    <m:r>
+                      <a:rPr lang="de-DE" b="0" i="1" smtClean="0">
+                        <a:latin typeface="Cambria Math" panose="02040503050406030204" pitchFamily="18" charset="0"/>
+                      </a:rPr>
+                      <m:t>=</m:t>
+                    </m:r>
+                    <m:f>
+                      <m:fPr>
+                        <m:ctrlPr>
+                          <a:rPr lang="de-DE" b="0" i="1" smtClean="0">
+                            <a:latin typeface="Cambria Math" panose="02040503050406030204" pitchFamily="18" charset="0"/>
+                          </a:rPr>
+                        </m:ctrlPr>
+                      </m:fPr>
+                      <m:num>
+                        <m:sSup>
+                          <m:sSupPr>
+                            <m:ctrlPr>
+                              <a:rPr lang="de-DE" b="0" i="1" smtClean="0">
+                                <a:latin typeface="Cambria Math" panose="02040503050406030204" pitchFamily="18" charset="0"/>
+                              </a:rPr>
+                            </m:ctrlPr>
+                          </m:sSupPr>
+                          <m:e>
+                            <m:r>
+                              <a:rPr lang="de-DE" b="0" i="1" smtClean="0">
+                                <a:latin typeface="Cambria Math" panose="02040503050406030204" pitchFamily="18" charset="0"/>
+                              </a:rPr>
+                              <m:t>𝑥</m:t>
+                            </m:r>
+                          </m:e>
+                          <m:sup>
+                            <m:r>
+                              <a:rPr lang="de-DE" b="0" i="1" smtClean="0">
+                                <a:latin typeface="Cambria Math" panose="02040503050406030204" pitchFamily="18" charset="0"/>
+                              </a:rPr>
+                              <m:t>2</m:t>
+                            </m:r>
+                          </m:sup>
+                        </m:sSup>
+                      </m:num>
+                      <m:den>
+                        <m:r>
+                          <a:rPr lang="de-DE" b="0" i="1" smtClean="0">
+                            <a:latin typeface="Cambria Math" panose="02040503050406030204" pitchFamily="18" charset="0"/>
+                          </a:rPr>
+                          <m:t>2</m:t>
+                        </m:r>
+                      </m:den>
+                    </m:f>
+                    <m:r>
+                      <a:rPr lang="de-DE" b="0" i="1" smtClean="0">
+                        <a:latin typeface="Cambria Math" panose="02040503050406030204" pitchFamily="18" charset="0"/>
+                      </a:rPr>
+                      <m:t>𝑏</m:t>
+                    </m:r>
+                  </m:oMath>
+                </a14:m>
+                <a:endParaRPr lang="de-DE" dirty="0" smtClean="0"/>
+              </a:p>
+              <a:p>
+                <a14:m>
+                  <m:oMath xmlns:m="http://schemas.openxmlformats.org/officeDocument/2006/math">
+                    <m:r>
+                      <a:rPr lang="de-DE" b="0" i="1" smtClean="0">
+                        <a:latin typeface="Cambria Math" panose="02040503050406030204" pitchFamily="18" charset="0"/>
+                      </a:rPr>
+                      <m:t>1=</m:t>
+                    </m:r>
+                    <m:f>
+                      <m:fPr>
+                        <m:ctrlPr>
+                          <a:rPr lang="de-DE" b="0" i="1" smtClean="0">
+                            <a:latin typeface="Cambria Math" panose="02040503050406030204" pitchFamily="18" charset="0"/>
+                          </a:rPr>
+                        </m:ctrlPr>
+                      </m:fPr>
+                      <m:num>
+                        <m:sSup>
+                          <m:sSupPr>
+                            <m:ctrlPr>
+                              <a:rPr lang="de-DE" b="0" i="1" smtClean="0">
+                                <a:latin typeface="Cambria Math" panose="02040503050406030204" pitchFamily="18" charset="0"/>
+                              </a:rPr>
+                            </m:ctrlPr>
+                          </m:sSupPr>
+                          <m:e>
+                            <m:r>
+                              <a:rPr lang="de-DE" b="0" i="1" smtClean="0">
+                                <a:latin typeface="Cambria Math" panose="02040503050406030204" pitchFamily="18" charset="0"/>
+                              </a:rPr>
+                              <m:t>𝑥</m:t>
+                            </m:r>
+                          </m:e>
+                          <m:sup>
+                            <m:r>
+                              <a:rPr lang="de-DE" b="0" i="1" smtClean="0">
+                                <a:latin typeface="Cambria Math" panose="02040503050406030204" pitchFamily="18" charset="0"/>
+                              </a:rPr>
+                              <m:t>2</m:t>
+                            </m:r>
+                          </m:sup>
+                        </m:sSup>
+                      </m:num>
+                      <m:den>
+                        <m:r>
+                          <a:rPr lang="de-DE" b="0" i="1" smtClean="0">
+                            <a:latin typeface="Cambria Math" panose="02040503050406030204" pitchFamily="18" charset="0"/>
+                          </a:rPr>
+                          <m:t>2</m:t>
+                        </m:r>
+                      </m:den>
+                    </m:f>
+                  </m:oMath>
+                </a14:m>
+                <a:endParaRPr lang="de-DE" dirty="0" smtClean="0"/>
+              </a:p>
+              <a:p>
+                <a14:m>
+                  <m:oMath xmlns:m="http://schemas.openxmlformats.org/officeDocument/2006/math">
+                    <m:r>
+                      <a:rPr lang="de-DE" b="0" i="1" smtClean="0">
+                        <a:latin typeface="Cambria Math" panose="02040503050406030204" pitchFamily="18" charset="0"/>
+                      </a:rPr>
+                      <m:t>2=</m:t>
+                    </m:r>
+                    <m:sSup>
+                      <m:sSupPr>
+                        <m:ctrlPr>
+                          <a:rPr lang="de-DE" b="0" i="1" smtClean="0">
+                            <a:latin typeface="Cambria Math" panose="02040503050406030204" pitchFamily="18" charset="0"/>
+                          </a:rPr>
+                        </m:ctrlPr>
+                      </m:sSupPr>
+                      <m:e>
+                        <m:r>
+                          <a:rPr lang="de-DE" b="0" i="1" smtClean="0">
+                            <a:latin typeface="Cambria Math" panose="02040503050406030204" pitchFamily="18" charset="0"/>
+                          </a:rPr>
+                          <m:t>𝑥</m:t>
+                        </m:r>
+                      </m:e>
+                      <m:sup>
+                        <m:r>
+                          <a:rPr lang="de-DE" b="0" i="1" smtClean="0">
+                            <a:latin typeface="Cambria Math" panose="02040503050406030204" pitchFamily="18" charset="0"/>
+                          </a:rPr>
+                          <m:t>2</m:t>
+                        </m:r>
+                      </m:sup>
+                    </m:sSup>
+                  </m:oMath>
+                </a14:m>
+                <a:endParaRPr lang="de-DE" dirty="0" smtClean="0"/>
+              </a:p>
+              <a:p>
+                <a14:m>
+                  <m:oMath xmlns:m="http://schemas.openxmlformats.org/officeDocument/2006/math">
+                    <m:r>
+                      <a:rPr lang="de-DE" b="0" i="1" smtClean="0">
+                        <a:latin typeface="Cambria Math" panose="02040503050406030204" pitchFamily="18" charset="0"/>
+                      </a:rPr>
+                      <m:t>𝑥</m:t>
+                    </m:r>
+                    <m:r>
+                      <a:rPr lang="de-DE" b="0" i="1" smtClean="0">
+                        <a:latin typeface="Cambria Math" panose="02040503050406030204" pitchFamily="18" charset="0"/>
+                      </a:rPr>
+                      <m:t>=</m:t>
+                    </m:r>
+                    <m:rad>
+                      <m:radPr>
+                        <m:degHide m:val="on"/>
+                        <m:ctrlPr>
+                          <a:rPr lang="de-DE" b="0" i="1" smtClean="0">
+                            <a:latin typeface="Cambria Math" panose="02040503050406030204" pitchFamily="18" charset="0"/>
+                          </a:rPr>
+                        </m:ctrlPr>
+                      </m:radPr>
+                      <m:deg/>
+                      <m:e>
+                        <m:r>
+                          <a:rPr lang="de-DE" b="0" i="1" smtClean="0">
+                            <a:latin typeface="Cambria Math" panose="02040503050406030204" pitchFamily="18" charset="0"/>
+                          </a:rPr>
+                          <m:t>2</m:t>
+                        </m:r>
+                      </m:e>
+                    </m:rad>
+                  </m:oMath>
+                </a14:m>
+                <a:endParaRPr lang="de-DE" dirty="0" smtClean="0"/>
+              </a:p>
+              <a:p>
+                <a:r>
+                  <a:rPr lang="de-DE" dirty="0" smtClean="0"/>
+                  <a:t>Durch das Seitenverhältnis </a:t>
+                </a:r>
+                <a14:m>
+                  <m:oMath xmlns:m="http://schemas.openxmlformats.org/officeDocument/2006/math">
+                    <m:r>
+                      <a:rPr lang="de-DE" b="0" i="1" smtClean="0">
+                        <a:latin typeface="Cambria Math" panose="02040503050406030204" pitchFamily="18" charset="0"/>
+                      </a:rPr>
+                      <m:t>1:</m:t>
+                    </m:r>
+                    <m:rad>
+                      <m:radPr>
+                        <m:degHide m:val="on"/>
+                        <m:ctrlPr>
+                          <a:rPr lang="de-DE" b="0" i="1" smtClean="0">
+                            <a:latin typeface="Cambria Math" panose="02040503050406030204" pitchFamily="18" charset="0"/>
+                          </a:rPr>
+                        </m:ctrlPr>
+                      </m:radPr>
+                      <m:deg/>
+                      <m:e>
+                        <m:r>
+                          <a:rPr lang="de-DE" b="0" i="1" smtClean="0">
+                            <a:latin typeface="Cambria Math" panose="02040503050406030204" pitchFamily="18" charset="0"/>
+                          </a:rPr>
+                          <m:t>2</m:t>
+                        </m:r>
+                      </m:e>
+                    </m:rad>
+                  </m:oMath>
+                </a14:m>
+                <a:r>
+                  <a:rPr lang="de-DE" dirty="0" smtClean="0"/>
+                  <a:t> bleibt das Format beim Halbieren erhalten</a:t>
+                </a:r>
+                <a:endParaRPr lang="de-DE" dirty="0"/>
+              </a:p>
+            </p:txBody>
+          </p:sp>
+        </mc:Choice>
+        <mc:Fallback>
+          <p:sp>
+            <p:nvSpPr>
+              <p:cNvPr id="3" name="Inhaltsplatzhalter 2"/>
+              <p:cNvSpPr>
+                <a:spLocks noGrp="1" noRot="1" noChangeAspect="1" noMove="1" noResize="1" noEditPoints="1" noAdjustHandles="1" noChangeArrowheads="1" noChangeShapeType="1" noTextEdit="1"/>
+              </p:cNvSpPr>
+              <p:nvPr>
+                <p:ph idx="1"/>
+              </p:nvPr>
+            </p:nvSpPr>
+            <p:spPr>
+              <a:xfrm>
+                <a:off x="6519672" y="728998"/>
+                <a:ext cx="4861560" cy="5400002"/>
+              </a:xfrm>
+              <a:blipFill>
+                <a:blip r:embed="rId2"/>
+                <a:stretch>
+                  <a:fillRect l="-2258" t="-2599" b="-1695"/>
+                </a:stretch>
+              </a:blipFill>
+            </p:spPr>
+            <p:txBody>
+              <a:bodyPr/>
+              <a:lstStyle/>
+              <a:p>
+                <a:r>
+                  <a:rPr lang="de-DE">
+                    <a:noFill/>
+                  </a:rPr>
+                  <a:t> </a:t>
+                </a:r>
+              </a:p>
+            </p:txBody>
+          </p:sp>
+        </mc:Fallback>
+      </mc:AlternateContent>
+      <p:sp>
+        <p:nvSpPr>
+          <p:cNvPr id="4" name="Rechteck 3"/>
+          <p:cNvSpPr/>
+          <p:nvPr/>
+        </p:nvSpPr>
+        <p:spPr>
+          <a:xfrm>
+            <a:off x="1060704" y="729000"/>
+            <a:ext cx="3819600" cy="5400000"/>
+          </a:xfrm>
+          <a:prstGeom prst="rect">
+            <a:avLst/>
+          </a:prstGeom>
+          <a:noFill/>
+          <a:ln>
+            <a:solidFill>
+              <a:schemeClr val="tx1">
+                <a:lumMod val="95000"/>
+                <a:lumOff val="5000"/>
+              </a:schemeClr>
+            </a:solidFill>
+          </a:ln>
+        </p:spPr>
+        <p:style>
+          <a:lnRef idx="2">
+            <a:schemeClr val="accent1">
+              <a:shade val="50000"/>
+            </a:schemeClr>
+          </a:lnRef>
+          <a:fillRef idx="1">
+            <a:schemeClr val="accent1"/>
+          </a:fillRef>
+          <a:effectRef idx="0">
+            <a:schemeClr val="accent1"/>
+          </a:effectRef>
+          <a:fontRef idx="minor">
+            <a:schemeClr val="lt1"/>
+          </a:fontRef>
+        </p:style>
+        <p:txBody>
+          <a:bodyPr rtlCol="0" anchor="ctr"/>
+          <a:lstStyle/>
+          <a:p>
+            <a:pPr algn="ctr"/>
+            <a:endParaRPr lang="de-DE"/>
+          </a:p>
+        </p:txBody>
+      </p:sp>
+      <p:cxnSp>
+        <p:nvCxnSpPr>
+          <p:cNvPr id="7" name="Gerader Verbinder 6"/>
+          <p:cNvCxnSpPr>
+            <a:stCxn id="4" idx="1"/>
+            <a:endCxn id="4" idx="3"/>
+          </p:cNvCxnSpPr>
+          <p:nvPr/>
+        </p:nvCxnSpPr>
+        <p:spPr>
+          <a:xfrm>
+            <a:off x="1060704" y="3429000"/>
+            <a:ext cx="3819600" cy="0"/>
+          </a:xfrm>
+          <a:prstGeom prst="line">
+            <a:avLst/>
+          </a:prstGeom>
+          <a:ln>
+            <a:solidFill>
+              <a:srgbClr val="FF0000"/>
+            </a:solidFill>
+          </a:ln>
+        </p:spPr>
+        <p:style>
+          <a:lnRef idx="1">
+            <a:schemeClr val="accent1"/>
+          </a:lnRef>
+          <a:fillRef idx="0">
+            <a:schemeClr val="accent1"/>
+          </a:fillRef>
+          <a:effectRef idx="0">
+            <a:schemeClr val="accent1"/>
+          </a:effectRef>
+          <a:fontRef idx="minor">
+            <a:schemeClr val="tx1"/>
+          </a:fontRef>
+        </p:style>
+      </p:cxnSp>
+      <p:sp>
+        <p:nvSpPr>
+          <p:cNvPr id="9" name="Geschweifte Klammer links 8"/>
+          <p:cNvSpPr/>
+          <p:nvPr/>
+        </p:nvSpPr>
+        <p:spPr>
+          <a:xfrm rot="5400000">
+            <a:off x="2847197" y="-1304106"/>
+            <a:ext cx="246608" cy="3819600"/>
+          </a:xfrm>
+          <a:prstGeom prst="leftBrace">
+            <a:avLst/>
+          </a:prstGeom>
+          <a:ln>
+            <a:solidFill>
+              <a:schemeClr val="tx1"/>
+            </a:solidFill>
+          </a:ln>
+        </p:spPr>
+        <p:style>
+          <a:lnRef idx="1">
+            <a:schemeClr val="accent1"/>
+          </a:lnRef>
+          <a:fillRef idx="0">
+            <a:schemeClr val="accent1"/>
+          </a:fillRef>
+          <a:effectRef idx="0">
+            <a:schemeClr val="accent1"/>
+          </a:effectRef>
+          <a:fontRef idx="minor">
+            <a:schemeClr val="tx1"/>
+          </a:fontRef>
+        </p:style>
+        <p:txBody>
+          <a:bodyPr rtlCol="0" anchor="ctr"/>
+          <a:lstStyle/>
+          <a:p>
+            <a:pPr algn="ctr"/>
+            <a:endParaRPr lang="de-DE"/>
+          </a:p>
+        </p:txBody>
+      </p:sp>
+      <p:sp>
+        <p:nvSpPr>
+          <p:cNvPr id="10" name="Geschweifte Klammer links 9"/>
+          <p:cNvSpPr/>
+          <p:nvPr/>
+        </p:nvSpPr>
+        <p:spPr>
+          <a:xfrm rot="10800000">
+            <a:off x="4880302" y="729000"/>
+            <a:ext cx="246608" cy="5400001"/>
+          </a:xfrm>
+          <a:prstGeom prst="leftBrace">
+            <a:avLst/>
+          </a:prstGeom>
+          <a:ln>
+            <a:solidFill>
+              <a:schemeClr val="tx1"/>
+            </a:solidFill>
+          </a:ln>
+        </p:spPr>
+        <p:style>
+          <a:lnRef idx="1">
+            <a:schemeClr val="accent1"/>
+          </a:lnRef>
+          <a:fillRef idx="0">
+            <a:schemeClr val="accent1"/>
+          </a:fillRef>
+          <a:effectRef idx="0">
+            <a:schemeClr val="accent1"/>
+          </a:effectRef>
+          <a:fontRef idx="minor">
+            <a:schemeClr val="tx1"/>
+          </a:fontRef>
+        </p:style>
+        <p:txBody>
+          <a:bodyPr rtlCol="0" anchor="ctr"/>
+          <a:lstStyle/>
+          <a:p>
+            <a:pPr algn="ctr"/>
+            <a:endParaRPr lang="de-DE"/>
+          </a:p>
+        </p:txBody>
+      </p:sp>
+      <p:sp>
+        <p:nvSpPr>
+          <p:cNvPr id="11" name="Geschweifte Klammer links 10"/>
+          <p:cNvSpPr/>
+          <p:nvPr/>
+        </p:nvSpPr>
+        <p:spPr>
+          <a:xfrm>
+            <a:off x="814098" y="3429001"/>
+            <a:ext cx="246608" cy="2700000"/>
+          </a:xfrm>
+          <a:prstGeom prst="leftBrace">
+            <a:avLst/>
+          </a:prstGeom>
+          <a:ln>
+            <a:solidFill>
+              <a:schemeClr val="tx1"/>
+            </a:solidFill>
+          </a:ln>
+        </p:spPr>
+        <p:style>
+          <a:lnRef idx="1">
+            <a:schemeClr val="accent1"/>
+          </a:lnRef>
+          <a:fillRef idx="0">
+            <a:schemeClr val="accent1"/>
+          </a:fillRef>
+          <a:effectRef idx="0">
+            <a:schemeClr val="accent1"/>
+          </a:effectRef>
+          <a:fontRef idx="minor">
+            <a:schemeClr val="tx1"/>
+          </a:fontRef>
+        </p:style>
+        <p:txBody>
+          <a:bodyPr rtlCol="0" anchor="ctr"/>
+          <a:lstStyle/>
+          <a:p>
+            <a:pPr algn="ctr"/>
+            <a:endParaRPr lang="de-DE"/>
+          </a:p>
+        </p:txBody>
+      </p:sp>
+      <mc:AlternateContent xmlns:mc="http://schemas.openxmlformats.org/markup-compatibility/2006">
+        <mc:Choice xmlns:a14="http://schemas.microsoft.com/office/drawing/2010/main" Requires="a14">
+          <p:sp>
+            <p:nvSpPr>
+              <p:cNvPr id="12" name="Textfeld 11"/>
+              <p:cNvSpPr txBox="1"/>
+              <p:nvPr/>
+            </p:nvSpPr>
+            <p:spPr>
+              <a:xfrm>
+                <a:off x="2732757" y="113056"/>
+                <a:ext cx="475488" cy="369332"/>
+              </a:xfrm>
+              <a:prstGeom prst="rect">
+                <a:avLst/>
+              </a:prstGeom>
+              <a:noFill/>
+            </p:spPr>
+            <p:txBody>
+              <a:bodyPr wrap="square" rtlCol="0">
+                <a:spAutoFit/>
+              </a:bodyPr>
+              <a:lstStyle/>
+              <a:p>
+                <a14:m>
+                  <m:oMathPara xmlns:m="http://schemas.openxmlformats.org/officeDocument/2006/math">
+                    <m:oMathParaPr>
+                      <m:jc m:val="centerGroup"/>
+                    </m:oMathParaPr>
+                    <m:oMath xmlns:m="http://schemas.openxmlformats.org/officeDocument/2006/math">
+                      <m:r>
+                        <a:rPr lang="de-DE" b="0" i="1" smtClean="0">
+                          <a:latin typeface="Cambria Math" panose="02040503050406030204" pitchFamily="18" charset="0"/>
+                        </a:rPr>
+                        <m:t>𝑎</m:t>
+                      </m:r>
+                    </m:oMath>
+                  </m:oMathPara>
+                </a14:m>
+                <a:endParaRPr lang="de-DE" dirty="0"/>
+              </a:p>
+            </p:txBody>
+          </p:sp>
+        </mc:Choice>
+        <mc:Fallback>
+          <p:sp>
+            <p:nvSpPr>
+              <p:cNvPr id="12" name="Textfeld 11"/>
+              <p:cNvSpPr txBox="1">
+                <a:spLocks noRot="1" noChangeAspect="1" noMove="1" noResize="1" noEditPoints="1" noAdjustHandles="1" noChangeArrowheads="1" noChangeShapeType="1" noTextEdit="1"/>
+              </p:cNvSpPr>
+              <p:nvPr/>
+            </p:nvSpPr>
+            <p:spPr>
+              <a:xfrm>
+                <a:off x="2732757" y="113056"/>
+                <a:ext cx="475488" cy="369332"/>
+              </a:xfrm>
+              <a:prstGeom prst="rect">
+                <a:avLst/>
+              </a:prstGeom>
+              <a:blipFill>
+                <a:blip r:embed="rId3"/>
+                <a:stretch>
+                  <a:fillRect/>
+                </a:stretch>
+              </a:blipFill>
+            </p:spPr>
+            <p:txBody>
+              <a:bodyPr/>
+              <a:lstStyle/>
+              <a:p>
+                <a:r>
+                  <a:rPr lang="de-DE">
+                    <a:noFill/>
+                  </a:rPr>
+                  <a:t> </a:t>
+                </a:r>
+              </a:p>
+            </p:txBody>
+          </p:sp>
+        </mc:Fallback>
+      </mc:AlternateContent>
+      <mc:AlternateContent xmlns:mc="http://schemas.openxmlformats.org/markup-compatibility/2006">
+        <mc:Choice xmlns:a14="http://schemas.microsoft.com/office/drawing/2010/main" Requires="a14">
+          <p:sp>
+            <p:nvSpPr>
+              <p:cNvPr id="14" name="Textfeld 13"/>
+              <p:cNvSpPr txBox="1"/>
+              <p:nvPr/>
+            </p:nvSpPr>
+            <p:spPr>
+              <a:xfrm>
+                <a:off x="5146775" y="3244333"/>
+                <a:ext cx="475488" cy="369332"/>
+              </a:xfrm>
+              <a:prstGeom prst="rect">
+                <a:avLst/>
+              </a:prstGeom>
+              <a:noFill/>
+            </p:spPr>
+            <p:txBody>
+              <a:bodyPr wrap="square" rtlCol="0">
+                <a:spAutoFit/>
+              </a:bodyPr>
+              <a:lstStyle/>
+              <a:p>
+                <a14:m>
+                  <m:oMathPara xmlns:m="http://schemas.openxmlformats.org/officeDocument/2006/math">
+                    <m:oMathParaPr>
+                      <m:jc m:val="centerGroup"/>
+                    </m:oMathParaPr>
+                    <m:oMath xmlns:m="http://schemas.openxmlformats.org/officeDocument/2006/math">
+                      <m:r>
+                        <a:rPr lang="de-DE" b="0" i="1" smtClean="0">
+                          <a:latin typeface="Cambria Math" panose="02040503050406030204" pitchFamily="18" charset="0"/>
+                        </a:rPr>
+                        <m:t>𝑏</m:t>
+                      </m:r>
+                    </m:oMath>
+                  </m:oMathPara>
+                </a14:m>
+                <a:endParaRPr lang="de-DE" dirty="0"/>
+              </a:p>
+            </p:txBody>
+          </p:sp>
+        </mc:Choice>
+        <mc:Fallback>
+          <p:sp>
+            <p:nvSpPr>
+              <p:cNvPr id="14" name="Textfeld 13"/>
+              <p:cNvSpPr txBox="1">
+                <a:spLocks noRot="1" noChangeAspect="1" noMove="1" noResize="1" noEditPoints="1" noAdjustHandles="1" noChangeArrowheads="1" noChangeShapeType="1" noTextEdit="1"/>
+              </p:cNvSpPr>
+              <p:nvPr/>
+            </p:nvSpPr>
+            <p:spPr>
+              <a:xfrm>
+                <a:off x="5146775" y="3244333"/>
+                <a:ext cx="475488" cy="369332"/>
+              </a:xfrm>
+              <a:prstGeom prst="rect">
+                <a:avLst/>
+              </a:prstGeom>
+              <a:blipFill>
+                <a:blip r:embed="rId4"/>
+                <a:stretch>
+                  <a:fillRect/>
+                </a:stretch>
+              </a:blipFill>
+            </p:spPr>
+            <p:txBody>
+              <a:bodyPr/>
+              <a:lstStyle/>
+              <a:p>
+                <a:r>
+                  <a:rPr lang="de-DE">
+                    <a:noFill/>
+                  </a:rPr>
+                  <a:t> </a:t>
+                </a:r>
+              </a:p>
+            </p:txBody>
+          </p:sp>
+        </mc:Fallback>
+      </mc:AlternateContent>
+      <mc:AlternateContent xmlns:mc="http://schemas.openxmlformats.org/markup-compatibility/2006">
+        <mc:Choice xmlns:a14="http://schemas.microsoft.com/office/drawing/2010/main" Requires="a14">
+          <p:sp>
+            <p:nvSpPr>
+              <p:cNvPr id="15" name="Textfeld 14"/>
+              <p:cNvSpPr txBox="1"/>
+              <p:nvPr/>
+            </p:nvSpPr>
+            <p:spPr>
+              <a:xfrm>
+                <a:off x="357407" y="4594335"/>
+                <a:ext cx="475488" cy="369332"/>
+              </a:xfrm>
+              <a:prstGeom prst="rect">
+                <a:avLst/>
+              </a:prstGeom>
+              <a:noFill/>
+            </p:spPr>
+            <p:txBody>
+              <a:bodyPr wrap="square" rtlCol="0">
+                <a:spAutoFit/>
+              </a:bodyPr>
+              <a:lstStyle/>
+              <a:p>
+                <a14:m>
+                  <m:oMathPara xmlns:m="http://schemas.openxmlformats.org/officeDocument/2006/math">
+                    <m:oMathParaPr>
+                      <m:jc m:val="centerGroup"/>
+                    </m:oMathParaPr>
+                    <m:oMath xmlns:m="http://schemas.openxmlformats.org/officeDocument/2006/math">
+                      <m:r>
+                        <a:rPr lang="de-DE" b="0" i="1" smtClean="0">
+                          <a:latin typeface="Cambria Math" panose="02040503050406030204" pitchFamily="18" charset="0"/>
+                        </a:rPr>
+                        <m:t>𝑐</m:t>
+                      </m:r>
+                    </m:oMath>
+                  </m:oMathPara>
+                </a14:m>
+                <a:endParaRPr lang="de-DE" dirty="0"/>
+              </a:p>
+            </p:txBody>
+          </p:sp>
+        </mc:Choice>
+        <mc:Fallback>
+          <p:sp>
+            <p:nvSpPr>
+              <p:cNvPr id="15" name="Textfeld 14"/>
+              <p:cNvSpPr txBox="1">
+                <a:spLocks noRot="1" noChangeAspect="1" noMove="1" noResize="1" noEditPoints="1" noAdjustHandles="1" noChangeArrowheads="1" noChangeShapeType="1" noTextEdit="1"/>
+              </p:cNvSpPr>
+              <p:nvPr/>
+            </p:nvSpPr>
+            <p:spPr>
+              <a:xfrm>
+                <a:off x="357407" y="4594335"/>
+                <a:ext cx="475488" cy="369332"/>
+              </a:xfrm>
+              <a:prstGeom prst="rect">
+                <a:avLst/>
+              </a:prstGeom>
+              <a:blipFill>
+                <a:blip r:embed="rId5"/>
+                <a:stretch>
+                  <a:fillRect/>
+                </a:stretch>
+              </a:blipFill>
+            </p:spPr>
+            <p:txBody>
+              <a:bodyPr/>
+              <a:lstStyle/>
+              <a:p>
+                <a:r>
+                  <a:rPr lang="de-DE">
+                    <a:noFill/>
+                  </a:rPr>
+                  <a:t> </a:t>
+                </a:r>
+              </a:p>
+            </p:txBody>
+          </p:sp>
+        </mc:Fallback>
+      </mc:AlternateContent>
+      <p:sp>
+        <p:nvSpPr>
+          <p:cNvPr id="16" name="Datumsplatzhalter 15"/>
+          <p:cNvSpPr>
+            <a:spLocks noGrp="1"/>
+          </p:cNvSpPr>
+          <p:nvPr>
+            <p:ph type="dt" sz="half" idx="10"/>
+          </p:nvPr>
+        </p:nvSpPr>
+        <p:spPr/>
+        <p:txBody>
+          <a:bodyPr/>
+          <a:lstStyle/>
+          <a:p>
+            <a:r>
+              <a:rPr lang="de-DE" smtClean="0"/>
+              <a:t>22.08.2023</a:t>
+            </a:r>
+            <a:endParaRPr lang="de-DE"/>
+          </a:p>
+        </p:txBody>
+      </p:sp>
+      <p:sp>
+        <p:nvSpPr>
+          <p:cNvPr id="17" name="Fußzeilenplatzhalter 16"/>
+          <p:cNvSpPr>
+            <a:spLocks noGrp="1"/>
+          </p:cNvSpPr>
+          <p:nvPr>
+            <p:ph type="ftr" sz="quarter" idx="11"/>
+          </p:nvPr>
+        </p:nvSpPr>
+        <p:spPr>
+          <a:xfrm>
+            <a:off x="3223260" y="6356350"/>
+            <a:ext cx="5745480" cy="365125"/>
+          </a:xfrm>
+        </p:spPr>
+        <p:txBody>
+          <a:bodyPr/>
+          <a:lstStyle/>
+          <a:p>
+            <a:r>
+              <a:rPr lang="de-DE" dirty="0" smtClean="0"/>
+              <a:t>Aufgabe A326 – Team 213 – Noah Schlenker – Leon B. </a:t>
+            </a:r>
+            <a:r>
+              <a:rPr lang="de-DE" dirty="0" err="1" smtClean="0"/>
+              <a:t>Kniffki</a:t>
+            </a:r>
+            <a:r>
+              <a:rPr lang="de-DE" dirty="0" smtClean="0"/>
+              <a:t> – Christian </a:t>
+            </a:r>
+            <a:r>
+              <a:rPr lang="de-DE" dirty="0" err="1" smtClean="0"/>
+              <a:t>Krinitsin</a:t>
+            </a:r>
+            <a:endParaRPr lang="de-DE" dirty="0"/>
+          </a:p>
+        </p:txBody>
+      </p:sp>
+      <p:sp>
+        <p:nvSpPr>
+          <p:cNvPr id="18" name="Foliennummernplatzhalter 17"/>
+          <p:cNvSpPr>
+            <a:spLocks noGrp="1"/>
+          </p:cNvSpPr>
+          <p:nvPr>
+            <p:ph type="sldNum" sz="quarter" idx="12"/>
+          </p:nvPr>
+        </p:nvSpPr>
+        <p:spPr/>
+        <p:txBody>
+          <a:bodyPr/>
+          <a:lstStyle/>
+          <a:p>
+            <a:fld id="{AE07E6DF-0E1A-AC44-B689-ED3A3483D2F3}" type="slidenum">
+              <a:rPr lang="de-DE" smtClean="0"/>
+              <a:t>2</a:t>
+            </a:fld>
+            <a:endParaRPr lang="de-DE"/>
+          </a:p>
+        </p:txBody>
+      </p:sp>
+    </p:spTree>
+    <p:extLst>
+      <p:ext uri="{BB962C8B-B14F-4D97-AF65-F5344CB8AC3E}">
+        <p14:creationId xmlns:p14="http://schemas.microsoft.com/office/powerpoint/2010/main" val="1753651137"/>
+      </p:ext>
+    </p:extLst>
+  </p:cSld>
+  <p:clrMapOvr>
+    <a:masterClrMapping/>
+  </p:clrMapOvr>
+  <p:timing>
+    <p:tnLst>
+      <p:par>
+        <p:cTn id="1" dur="indefinite" restart="never" nodeType="tmRoot"/>
+      </p:par>
+    </p:tnLst>
+  </p:timing>
 </p:sld>
 </file>
 
@@ -3812,4 +5299,265 @@
     </a:ext>
   </a:extLst>
 </a:theme>
+</file>
+
+<file path=ppt/theme/theme2.xml><?xml version="1.0" encoding="utf-8"?>
+<a:theme xmlns:a="http://schemas.openxmlformats.org/drawingml/2006/main" name="Office">
+  <a:themeElements>
+    <a:clrScheme name="Office">
+      <a:dk1>
+        <a:sysClr val="windowText" lastClr="000000"/>
+      </a:dk1>
+      <a:lt1>
+        <a:sysClr val="window" lastClr="FFFFFF"/>
+      </a:lt1>
+      <a:dk2>
+        <a:srgbClr val="44546A"/>
+      </a:dk2>
+      <a:lt2>
+        <a:srgbClr val="E7E6E6"/>
+      </a:lt2>
+      <a:accent1>
+        <a:srgbClr val="5B9BD5"/>
+      </a:accent1>
+      <a:accent2>
+        <a:srgbClr val="ED7D31"/>
+      </a:accent2>
+      <a:accent3>
+        <a:srgbClr val="A5A5A5"/>
+      </a:accent3>
+      <a:accent4>
+        <a:srgbClr val="FFC000"/>
+      </a:accent4>
+      <a:accent5>
+        <a:srgbClr val="4472C4"/>
+      </a:accent5>
+      <a:accent6>
+        <a:srgbClr val="70AD47"/>
+      </a:accent6>
+      <a:hlink>
+        <a:srgbClr val="0563C1"/>
+      </a:hlink>
+      <a:folHlink>
+        <a:srgbClr val="954F72"/>
+      </a:folHlink>
+    </a:clrScheme>
+    <a:fontScheme name="Office">
+      <a:majorFont>
+        <a:latin typeface="Calibri Light" panose="020F0302020204030204"/>
+        <a:ea typeface=""/>
+        <a:cs typeface=""/>
+        <a:font script="Jpan" typeface="游ゴシック Light"/>
+        <a:font script="Hang" typeface="맑은 고딕"/>
+        <a:font script="Hans" typeface="等线 Light"/>
+        <a:font script="Hant" typeface="新細明體"/>
+        <a:font script="Arab" typeface="Times New Roman"/>
+        <a:font script="Hebr" typeface="Times New Roman"/>
+        <a:font script="Thai" typeface="Angsana New"/>
+        <a:font script="Ethi" typeface="Nyala"/>
+        <a:font script="Beng" typeface="Vrinda"/>
+        <a:font script="Gujr" typeface="Shruti"/>
+        <a:font script="Khmr" typeface="MoolBoran"/>
+        <a:font script="Knda" typeface="Tunga"/>
+        <a:font script="Guru" typeface="Raavi"/>
+        <a:font script="Cans" typeface="Euphemia"/>
+        <a:font script="Cher" typeface="Plantagenet Cherokee"/>
+        <a:font script="Yiii" typeface="Microsoft Yi Baiti"/>
+        <a:font script="Tibt" typeface="Microsoft Himalaya"/>
+        <a:font script="Thaa" typeface="MV Boli"/>
+        <a:font script="Deva" typeface="Mangal"/>
+        <a:font script="Telu" typeface="Gautami"/>
+        <a:font script="Taml" typeface="Latha"/>
+        <a:font script="Syrc" typeface="Estrangelo Edessa"/>
+        <a:font script="Orya" typeface="Kalinga"/>
+        <a:font script="Mlym" typeface="Kartika"/>
+        <a:font script="Laoo" typeface="DokChampa"/>
+        <a:font script="Sinh" typeface="Iskoola Pota"/>
+        <a:font script="Mong" typeface="Mongolian Baiti"/>
+        <a:font script="Viet" typeface="Times New Roman"/>
+        <a:font script="Uigh" typeface="Microsoft Uighur"/>
+        <a:font script="Geor" typeface="Sylfaen"/>
+      </a:majorFont>
+      <a:minorFont>
+        <a:latin typeface="Calibri" panose="020F0502020204030204"/>
+        <a:ea typeface=""/>
+        <a:cs typeface=""/>
+        <a:font script="Jpan" typeface="游ゴシック"/>
+        <a:font script="Hang" typeface="맑은 고딕"/>
+        <a:font script="Hans" typeface="等线"/>
+        <a:font script="Hant" typeface="新細明體"/>
+        <a:font script="Arab" typeface="Arial"/>
+        <a:font script="Hebr" typeface="Arial"/>
+        <a:font script="Thai" typeface="Cordia New"/>
+        <a:font script="Ethi" typeface="Nyala"/>
+        <a:font script="Beng" typeface="Vrinda"/>
+        <a:font script="Gujr" typeface="Shruti"/>
+        <a:font script="Khmr" typeface="DaunPenh"/>
+        <a:font script="Knda" typeface="Tunga"/>
+        <a:font script="Guru" typeface="Raavi"/>
+        <a:font script="Cans" typeface="Euphemia"/>
+        <a:font script="Cher" typeface="Plantagenet Cherokee"/>
+        <a:font script="Yiii" typeface="Microsoft Yi Baiti"/>
+        <a:font script="Tibt" typeface="Microsoft Himalaya"/>
+        <a:font script="Thaa" typeface="MV Boli"/>
+        <a:font script="Deva" typeface="Mangal"/>
+        <a:font script="Telu" typeface="Gautami"/>
+        <a:font script="Taml" typeface="Latha"/>
+        <a:font script="Syrc" typeface="Estrangelo Edessa"/>
+        <a:font script="Orya" typeface="Kalinga"/>
+        <a:font script="Mlym" typeface="Kartika"/>
+        <a:font script="Laoo" typeface="DokChampa"/>
+        <a:font script="Sinh" typeface="Iskoola Pota"/>
+        <a:font script="Mong" typeface="Mongolian Baiti"/>
+        <a:font script="Viet" typeface="Arial"/>
+        <a:font script="Uigh" typeface="Microsoft Uighur"/>
+        <a:font script="Geor" typeface="Sylfaen"/>
+      </a:minorFont>
+    </a:fontScheme>
+    <a:fmtScheme name="Office">
+      <a:fillStyleLst>
+        <a:solidFill>
+          <a:schemeClr val="phClr"/>
+        </a:solidFill>
+        <a:gradFill rotWithShape="1">
+          <a:gsLst>
+            <a:gs pos="0">
+              <a:schemeClr val="phClr">
+                <a:lumMod val="110000"/>
+                <a:satMod val="105000"/>
+                <a:tint val="67000"/>
+              </a:schemeClr>
+            </a:gs>
+            <a:gs pos="50000">
+              <a:schemeClr val="phClr">
+                <a:lumMod val="105000"/>
+                <a:satMod val="103000"/>
+                <a:tint val="73000"/>
+              </a:schemeClr>
+            </a:gs>
+            <a:gs pos="100000">
+              <a:schemeClr val="phClr">
+                <a:lumMod val="105000"/>
+                <a:satMod val="109000"/>
+                <a:tint val="81000"/>
+              </a:schemeClr>
+            </a:gs>
+          </a:gsLst>
+          <a:lin ang="5400000" scaled="0"/>
+        </a:gradFill>
+        <a:gradFill rotWithShape="1">
+          <a:gsLst>
+            <a:gs pos="0">
+              <a:schemeClr val="phClr">
+                <a:satMod val="103000"/>
+                <a:lumMod val="102000"/>
+                <a:tint val="94000"/>
+              </a:schemeClr>
+            </a:gs>
+            <a:gs pos="50000">
+              <a:schemeClr val="phClr">
+                <a:satMod val="110000"/>
+                <a:lumMod val="100000"/>
+                <a:shade val="100000"/>
+              </a:schemeClr>
+            </a:gs>
+            <a:gs pos="100000">
+              <a:schemeClr val="phClr">
+                <a:lumMod val="99000"/>
+                <a:satMod val="120000"/>
+                <a:shade val="78000"/>
+              </a:schemeClr>
+            </a:gs>
+          </a:gsLst>
+          <a:lin ang="5400000" scaled="0"/>
+        </a:gradFill>
+      </a:fillStyleLst>
+      <a:lnStyleLst>
+        <a:ln w="6350" cap="flat" cmpd="sng" algn="ctr">
+          <a:solidFill>
+            <a:schemeClr val="phClr"/>
+          </a:solidFill>
+          <a:prstDash val="solid"/>
+          <a:miter lim="800000"/>
+        </a:ln>
+        <a:ln w="12700" cap="flat" cmpd="sng" algn="ctr">
+          <a:solidFill>
+            <a:schemeClr val="phClr"/>
+          </a:solidFill>
+          <a:prstDash val="solid"/>
+          <a:miter lim="800000"/>
+        </a:ln>
+        <a:ln w="19050" cap="flat" cmpd="sng" algn="ctr">
+          <a:solidFill>
+            <a:schemeClr val="phClr"/>
+          </a:solidFill>
+          <a:prstDash val="solid"/>
+          <a:miter lim="800000"/>
+        </a:ln>
+      </a:lnStyleLst>
+      <a:effectStyleLst>
+        <a:effectStyle>
+          <a:effectLst/>
+        </a:effectStyle>
+        <a:effectStyle>
+          <a:effectLst/>
+        </a:effectStyle>
+        <a:effectStyle>
+          <a:effectLst>
+            <a:outerShdw blurRad="57150" dist="19050" dir="5400000" algn="ctr" rotWithShape="0">
+              <a:srgbClr val="000000">
+                <a:alpha val="63000"/>
+              </a:srgbClr>
+            </a:outerShdw>
+          </a:effectLst>
+        </a:effectStyle>
+      </a:effectStyleLst>
+      <a:bgFillStyleLst>
+        <a:solidFill>
+          <a:schemeClr val="phClr"/>
+        </a:solidFill>
+        <a:solidFill>
+          <a:schemeClr val="phClr">
+            <a:tint val="95000"/>
+            <a:satMod val="170000"/>
+          </a:schemeClr>
+        </a:solidFill>
+        <a:gradFill rotWithShape="1">
+          <a:gsLst>
+            <a:gs pos="0">
+              <a:schemeClr val="phClr">
+                <a:tint val="93000"/>
+                <a:satMod val="150000"/>
+                <a:shade val="98000"/>
+                <a:lumMod val="102000"/>
+              </a:schemeClr>
+            </a:gs>
+            <a:gs pos="50000">
+              <a:schemeClr val="phClr">
+                <a:tint val="98000"/>
+                <a:satMod val="130000"/>
+                <a:shade val="90000"/>
+                <a:lumMod val="103000"/>
+              </a:schemeClr>
+            </a:gs>
+            <a:gs pos="100000">
+              <a:schemeClr val="phClr">
+                <a:shade val="63000"/>
+                <a:satMod val="120000"/>
+              </a:schemeClr>
+            </a:gs>
+          </a:gsLst>
+          <a:lin ang="5400000" scaled="0"/>
+        </a:gradFill>
+      </a:bgFillStyleLst>
+    </a:fmtScheme>
+  </a:themeElements>
+  <a:objectDefaults/>
+  <a:extraClrSchemeLst/>
+  <a:extLst>
+    <a:ext uri="{05A4C25C-085E-4340-85A3-A5531E510DB2}">
+      <thm15:themeFamily xmlns:thm15="http://schemas.microsoft.com/office/thememl/2012/main" name="Office Theme" id="{62F939B6-93AF-4DB8-9C6B-D6C7DFDC589F}" vid="{4A3C46E8-61CC-4603-A589-7422A47A8E4A}"/>
+    </a:ext>
+  </a:extLst>
+</a:theme>
 </file>
--- a/Vortrag/Vortrag.pptx
+++ b/Vortrag/Vortrag.pptx
@@ -5,11 +5,14 @@
     <p:sldMasterId id="2147483648" r:id="rId1"/>
   </p:sldMasterIdLst>
   <p:notesMasterIdLst>
-    <p:notesMasterId r:id="rId4"/>
+    <p:notesMasterId r:id="rId7"/>
   </p:notesMasterIdLst>
   <p:sldIdLst>
     <p:sldId id="256" r:id="rId2"/>
     <p:sldId id="257" r:id="rId3"/>
+    <p:sldId id="260" r:id="rId4"/>
+    <p:sldId id="261" r:id="rId5"/>
+    <p:sldId id="262" r:id="rId6"/>
   </p:sldIdLst>
   <p:sldSz cx="12192000" cy="6858000"/>
   <p:notesSz cx="6858000" cy="9144000"/>
@@ -198,7 +201,7 @@
           <a:p>
             <a:fld id="{8BF82955-D74C-4403-9EC5-699BBDFEDB28}" type="datetimeFigureOut">
               <a:rPr lang="de-DE" smtClean="0"/>
-              <a:t>14.07.2023</a:t>
+              <a:t>14.07.23</a:t>
             </a:fld>
             <a:endParaRPr lang="de-DE"/>
           </a:p>
@@ -262,38 +265,37 @@
           <a:p>
             <a:pPr lvl="0"/>
             <a:r>
-              <a:rPr lang="de-DE" smtClean="0"/>
+              <a:rPr lang="de-DE"/>
               <a:t>Formatvorlagen des Textmasters bearbeiten</a:t>
             </a:r>
           </a:p>
           <a:p>
             <a:pPr lvl="1"/>
             <a:r>
-              <a:rPr lang="de-DE" smtClean="0"/>
+              <a:rPr lang="de-DE"/>
               <a:t>Zweite Ebene</a:t>
             </a:r>
           </a:p>
           <a:p>
             <a:pPr lvl="2"/>
             <a:r>
-              <a:rPr lang="de-DE" smtClean="0"/>
+              <a:rPr lang="de-DE"/>
               <a:t>Dritte Ebene</a:t>
             </a:r>
           </a:p>
           <a:p>
             <a:pPr lvl="3"/>
             <a:r>
-              <a:rPr lang="de-DE" smtClean="0"/>
+              <a:rPr lang="de-DE"/>
               <a:t>Vierte Ebene</a:t>
             </a:r>
           </a:p>
           <a:p>
             <a:pPr lvl="4"/>
             <a:r>
-              <a:rPr lang="de-DE" smtClean="0"/>
+              <a:rPr lang="de-DE"/>
               <a:t>Fünfte Ebene</a:t>
             </a:r>
-            <a:endParaRPr lang="de-DE"/>
           </a:p>
         </p:txBody>
       </p:sp>
@@ -612,10 +614,9 @@
           <a:lstStyle/>
           <a:p>
             <a:r>
-              <a:rPr lang="de-DE" smtClean="0"/>
+              <a:rPr lang="de-DE"/>
               <a:t>22.08.2023</a:t>
             </a:r>
-            <a:endParaRPr lang="de-DE"/>
           </a:p>
         </p:txBody>
       </p:sp>
@@ -641,10 +642,9 @@
           <a:lstStyle/>
           <a:p>
             <a:r>
-              <a:rPr lang="de-DE" smtClean="0"/>
+              <a:rPr lang="de-DE"/>
               <a:t>Aufgabe A326 – Team 213 – Noah Schlenker – Leon B. Kniffki – Christian Krinitsin</a:t>
             </a:r>
-            <a:endParaRPr lang="de-DE"/>
           </a:p>
         </p:txBody>
       </p:sp>
@@ -814,10 +814,9 @@
           <a:lstStyle/>
           <a:p>
             <a:r>
-              <a:rPr lang="de-DE" smtClean="0"/>
+              <a:rPr lang="de-DE"/>
               <a:t>22.08.2023</a:t>
             </a:r>
-            <a:endParaRPr lang="de-DE"/>
           </a:p>
         </p:txBody>
       </p:sp>
@@ -843,10 +842,9 @@
           <a:lstStyle/>
           <a:p>
             <a:r>
-              <a:rPr lang="de-DE" smtClean="0"/>
+              <a:rPr lang="de-DE"/>
               <a:t>Aufgabe A326 – Team 213 – Noah Schlenker – Leon B. Kniffki – Christian Krinitsin</a:t>
             </a:r>
-            <a:endParaRPr lang="de-DE"/>
           </a:p>
         </p:txBody>
       </p:sp>
@@ -1026,10 +1024,9 @@
           <a:lstStyle/>
           <a:p>
             <a:r>
-              <a:rPr lang="de-DE" smtClean="0"/>
+              <a:rPr lang="de-DE"/>
               <a:t>22.08.2023</a:t>
             </a:r>
-            <a:endParaRPr lang="de-DE"/>
           </a:p>
         </p:txBody>
       </p:sp>
@@ -1055,10 +1052,9 @@
           <a:lstStyle/>
           <a:p>
             <a:r>
-              <a:rPr lang="de-DE" smtClean="0"/>
+              <a:rPr lang="de-DE"/>
               <a:t>Aufgabe A326 – Team 213 – Noah Schlenker – Leon B. Kniffki – Christian Krinitsin</a:t>
             </a:r>
-            <a:endParaRPr lang="de-DE"/>
           </a:p>
         </p:txBody>
       </p:sp>
@@ -1228,10 +1224,9 @@
           <a:lstStyle/>
           <a:p>
             <a:r>
-              <a:rPr lang="de-DE" smtClean="0"/>
+              <a:rPr lang="de-DE"/>
               <a:t>22.08.2023</a:t>
             </a:r>
-            <a:endParaRPr lang="de-DE"/>
           </a:p>
         </p:txBody>
       </p:sp>
@@ -1257,10 +1252,9 @@
           <a:lstStyle/>
           <a:p>
             <a:r>
-              <a:rPr lang="de-DE" smtClean="0"/>
+              <a:rPr lang="de-DE"/>
               <a:t>Aufgabe A326 – Team 213 – Noah Schlenker – Leon B. Kniffki – Christian Krinitsin</a:t>
             </a:r>
-            <a:endParaRPr lang="de-DE"/>
           </a:p>
         </p:txBody>
       </p:sp>
@@ -1507,10 +1501,9 @@
           <a:lstStyle/>
           <a:p>
             <a:r>
-              <a:rPr lang="de-DE" smtClean="0"/>
+              <a:rPr lang="de-DE"/>
               <a:t>22.08.2023</a:t>
             </a:r>
-            <a:endParaRPr lang="de-DE"/>
           </a:p>
         </p:txBody>
       </p:sp>
@@ -1536,10 +1529,9 @@
           <a:lstStyle/>
           <a:p>
             <a:r>
-              <a:rPr lang="de-DE" smtClean="0"/>
+              <a:rPr lang="de-DE"/>
               <a:t>Aufgabe A326 – Team 213 – Noah Schlenker – Leon B. Kniffki – Christian Krinitsin</a:t>
             </a:r>
-            <a:endParaRPr lang="de-DE"/>
           </a:p>
         </p:txBody>
       </p:sp>
@@ -1776,10 +1768,9 @@
           <a:lstStyle/>
           <a:p>
             <a:r>
-              <a:rPr lang="de-DE" smtClean="0"/>
+              <a:rPr lang="de-DE"/>
               <a:t>22.08.2023</a:t>
             </a:r>
-            <a:endParaRPr lang="de-DE"/>
           </a:p>
         </p:txBody>
       </p:sp>
@@ -1805,10 +1796,9 @@
           <a:lstStyle/>
           <a:p>
             <a:r>
-              <a:rPr lang="de-DE" smtClean="0"/>
+              <a:rPr lang="de-DE"/>
               <a:t>Aufgabe A326 – Team 213 – Noah Schlenker – Leon B. Kniffki – Christian Krinitsin</a:t>
             </a:r>
-            <a:endParaRPr lang="de-DE"/>
           </a:p>
         </p:txBody>
       </p:sp>
@@ -2192,10 +2182,9 @@
           <a:lstStyle/>
           <a:p>
             <a:r>
-              <a:rPr lang="de-DE" smtClean="0"/>
+              <a:rPr lang="de-DE"/>
               <a:t>22.08.2023</a:t>
             </a:r>
-            <a:endParaRPr lang="de-DE"/>
           </a:p>
         </p:txBody>
       </p:sp>
@@ -2221,10 +2210,9 @@
           <a:lstStyle/>
           <a:p>
             <a:r>
-              <a:rPr lang="de-DE" smtClean="0"/>
+              <a:rPr lang="de-DE"/>
               <a:t>Aufgabe A326 – Team 213 – Noah Schlenker – Leon B. Kniffki – Christian Krinitsin</a:t>
             </a:r>
-            <a:endParaRPr lang="de-DE"/>
           </a:p>
         </p:txBody>
       </p:sp>
@@ -2337,10 +2325,9 @@
           <a:lstStyle/>
           <a:p>
             <a:r>
-              <a:rPr lang="de-DE" smtClean="0"/>
+              <a:rPr lang="de-DE"/>
               <a:t>22.08.2023</a:t>
             </a:r>
-            <a:endParaRPr lang="de-DE"/>
           </a:p>
         </p:txBody>
       </p:sp>
@@ -2366,10 +2353,9 @@
           <a:lstStyle/>
           <a:p>
             <a:r>
-              <a:rPr lang="de-DE" smtClean="0"/>
+              <a:rPr lang="de-DE"/>
               <a:t>Aufgabe A326 – Team 213 – Noah Schlenker – Leon B. Kniffki – Christian Krinitsin</a:t>
             </a:r>
-            <a:endParaRPr lang="de-DE"/>
           </a:p>
         </p:txBody>
       </p:sp>
@@ -2454,10 +2440,9 @@
           <a:lstStyle/>
           <a:p>
             <a:r>
-              <a:rPr lang="de-DE" smtClean="0"/>
+              <a:rPr lang="de-DE"/>
               <a:t>22.08.2023</a:t>
             </a:r>
-            <a:endParaRPr lang="de-DE"/>
           </a:p>
         </p:txBody>
       </p:sp>
@@ -2483,10 +2468,9 @@
           <a:lstStyle/>
           <a:p>
             <a:r>
-              <a:rPr lang="de-DE" smtClean="0"/>
+              <a:rPr lang="de-DE"/>
               <a:t>Aufgabe A326 – Team 213 – Noah Schlenker – Leon B. Kniffki – Christian Krinitsin</a:t>
             </a:r>
-            <a:endParaRPr lang="de-DE"/>
           </a:p>
         </p:txBody>
       </p:sp>
@@ -2769,10 +2753,9 @@
           <a:lstStyle/>
           <a:p>
             <a:r>
-              <a:rPr lang="de-DE" smtClean="0"/>
+              <a:rPr lang="de-DE"/>
               <a:t>22.08.2023</a:t>
             </a:r>
-            <a:endParaRPr lang="de-DE"/>
           </a:p>
         </p:txBody>
       </p:sp>
@@ -2798,10 +2781,9 @@
           <a:lstStyle/>
           <a:p>
             <a:r>
-              <a:rPr lang="de-DE" smtClean="0"/>
+              <a:rPr lang="de-DE"/>
               <a:t>Aufgabe A326 – Team 213 – Noah Schlenker – Leon B. Kniffki – Christian Krinitsin</a:t>
             </a:r>
-            <a:endParaRPr lang="de-DE"/>
           </a:p>
         </p:txBody>
       </p:sp>
@@ -3061,10 +3043,9 @@
           <a:lstStyle/>
           <a:p>
             <a:r>
-              <a:rPr lang="de-DE" smtClean="0"/>
+              <a:rPr lang="de-DE"/>
               <a:t>22.08.2023</a:t>
             </a:r>
-            <a:endParaRPr lang="de-DE"/>
           </a:p>
         </p:txBody>
       </p:sp>
@@ -3090,10 +3071,9 @@
           <a:lstStyle/>
           <a:p>
             <a:r>
-              <a:rPr lang="de-DE" smtClean="0"/>
+              <a:rPr lang="de-DE"/>
               <a:t>Aufgabe A326 – Team 213 – Noah Schlenker – Leon B. Kniffki – Christian Krinitsin</a:t>
             </a:r>
-            <a:endParaRPr lang="de-DE"/>
           </a:p>
         </p:txBody>
       </p:sp>
@@ -3306,10 +3286,9 @@
           </a:lstStyle>
           <a:p>
             <a:r>
-              <a:rPr lang="de-DE" smtClean="0"/>
+              <a:rPr lang="de-DE"/>
               <a:t>22.08.2023</a:t>
             </a:r>
-            <a:endParaRPr lang="de-DE"/>
           </a:p>
         </p:txBody>
       </p:sp>
@@ -3353,10 +3332,9 @@
           </a:lstStyle>
           <a:p>
             <a:r>
-              <a:rPr lang="de-DE" smtClean="0"/>
+              <a:rPr lang="de-DE"/>
               <a:t>Aufgabe A326 – Team 213 – Noah Schlenker – Leon B. Kniffki – Christian Krinitsin</a:t>
             </a:r>
-            <a:endParaRPr lang="de-DE"/>
           </a:p>
         </p:txBody>
       </p:sp>
@@ -3779,8 +3757,8 @@
           </a:p>
         </p:txBody>
       </p:sp>
-      <mc:AlternateContent xmlns:mc="http://schemas.openxmlformats.org/markup-compatibility/2006" xmlns:a14="http://schemas.microsoft.com/office/drawing/2010/main">
-        <mc:Choice Requires="a14">
+      <mc:AlternateContent xmlns:mc="http://schemas.openxmlformats.org/markup-compatibility/2006">
+        <mc:Choice xmlns:a14="http://schemas.microsoft.com/office/drawing/2010/main" Requires="a14">
           <p:sp>
             <p:nvSpPr>
               <p:cNvPr id="2" name="Titel 1">
@@ -3836,7 +3814,7 @@
             </p:txBody>
           </p:sp>
         </mc:Choice>
-        <mc:Fallback xmlns="">
+        <mc:Fallback>
           <p:sp>
             <p:nvSpPr>
               <p:cNvPr id="2" name="Titel 1">
@@ -3925,13 +3903,6 @@
   <p:clrMapOvr>
     <a:masterClrMapping/>
   </p:clrMapOvr>
-  <p:timing>
-    <p:tnLst>
-      <p:par>
-        <p:cTn id="1" dur="indefinite" restart="never" nodeType="tmRoot"/>
-      </p:par>
-    </p:tnLst>
-  </p:timing>
 </p:sld>
 </file>
 
@@ -3966,18 +3937,18 @@
             </p:nvSpPr>
             <p:spPr>
               <a:xfrm>
-                <a:off x="6519672" y="728998"/>
-                <a:ext cx="4861560" cy="5400002"/>
+                <a:off x="6519672" y="1676400"/>
+                <a:ext cx="4861560" cy="4452600"/>
               </a:xfrm>
             </p:spPr>
             <p:txBody>
               <a:bodyPr>
-                <a:normAutofit lnSpcReduction="10000"/>
+                <a:normAutofit fontScale="77500" lnSpcReduction="20000"/>
               </a:bodyPr>
               <a:lstStyle/>
               <a:p>
                 <a:r>
-                  <a:rPr lang="de-DE" dirty="0" smtClean="0"/>
+                  <a:rPr lang="de-DE" dirty="0"/>
                   <a:t>Gesucht: Seitenverhältnis </a:t>
                 </a:r>
                 <a14:m>
@@ -4088,7 +4059,7 @@
                     </m:r>
                   </m:oMath>
                 </a14:m>
-                <a:endParaRPr lang="de-DE" dirty="0" smtClean="0"/>
+                <a:endParaRPr lang="de-DE" dirty="0"/>
               </a:p>
               <a:p>
                 <a14:m>
@@ -4150,7 +4121,7 @@
                     </m:r>
                   </m:oMath>
                 </a14:m>
-                <a:endParaRPr lang="de-DE" dirty="0" smtClean="0"/>
+                <a:endParaRPr lang="de-DE" dirty="0"/>
               </a:p>
               <a:p>
                 <a14:m>
@@ -4219,7 +4190,7 @@
                     </m:r>
                   </m:oMath>
                 </a14:m>
-                <a:endParaRPr lang="de-DE" dirty="0" smtClean="0"/>
+                <a:endParaRPr lang="de-DE" dirty="0"/>
               </a:p>
               <a:p>
                 <a14:m>
@@ -4276,7 +4247,7 @@
                     </m:f>
                   </m:oMath>
                 </a14:m>
-                <a:endParaRPr lang="de-DE" dirty="0" smtClean="0"/>
+                <a:endParaRPr lang="de-DE" dirty="0"/>
               </a:p>
               <a:p>
                 <a14:m>
@@ -4314,7 +4285,7 @@
                     </m:sSup>
                   </m:oMath>
                 </a14:m>
-                <a:endParaRPr lang="de-DE" dirty="0" smtClean="0"/>
+                <a:endParaRPr lang="de-DE" dirty="0"/>
               </a:p>
               <a:p>
                 <a14:m>
@@ -4352,11 +4323,11 @@
                     </m:rad>
                   </m:oMath>
                 </a14:m>
-                <a:endParaRPr lang="de-DE" dirty="0" smtClean="0"/>
+                <a:endParaRPr lang="de-DE" dirty="0"/>
               </a:p>
               <a:p>
                 <a:r>
-                  <a:rPr lang="de-DE" dirty="0" smtClean="0"/>
+                  <a:rPr lang="de-DE" dirty="0"/>
                   <a:t>Durch das Seitenverhältnis </a:t>
                 </a:r>
                 <a14:m>
@@ -4389,10 +4360,9 @@
                   </m:oMath>
                 </a14:m>
                 <a:r>
-                  <a:rPr lang="de-DE" dirty="0" smtClean="0"/>
+                  <a:rPr lang="de-DE" dirty="0"/>
                   <a:t> bleibt das Format beim Halbieren erhalten</a:t>
                 </a:r>
-                <a:endParaRPr lang="de-DE" dirty="0"/>
               </a:p>
             </p:txBody>
           </p:sp>
@@ -4410,13 +4380,13 @@
             </p:nvSpPr>
             <p:spPr>
               <a:xfrm>
-                <a:off x="6519672" y="728998"/>
-                <a:ext cx="4861560" cy="5400002"/>
+                <a:off x="6519672" y="1676400"/>
+                <a:ext cx="4861560" cy="4452600"/>
               </a:xfrm>
               <a:blipFill>
                 <a:blip r:embed="rId2"/>
                 <a:stretch>
-                  <a:fillRect l="-2258" t="-2599" b="-1695"/>
+                  <a:fillRect l="-1563" t="-3134" r="-1563"/>
                 </a:stretch>
               </a:blipFill>
             </p:spPr>
@@ -4651,8 +4621,8 @@
           </a:p>
         </p:txBody>
       </p:sp>
-      <mc:AlternateContent xmlns:mc="http://schemas.openxmlformats.org/markup-compatibility/2006">
-        <mc:Choice xmlns:a14="http://schemas.microsoft.com/office/drawing/2010/main" Requires="a14">
+      <mc:AlternateContent xmlns:mc="http://schemas.openxmlformats.org/markup-compatibility/2006" xmlns:a14="http://schemas.microsoft.com/office/drawing/2010/main">
+        <mc:Choice Requires="a14">
           <p:sp>
             <p:nvSpPr>
               <p:cNvPr id="12" name="Textfeld 11"/>
@@ -4675,6 +4645,7 @@
               </a:bodyPr>
               <a:lstStyle/>
               <a:p>
+                <a:pPr/>
                 <a14:m>
                   <m:oMathPara xmlns:m="http://schemas.openxmlformats.org/officeDocument/2006/math">
                     <m:oMathParaPr>
@@ -4695,7 +4666,7 @@
             </p:txBody>
           </p:sp>
         </mc:Choice>
-        <mc:Fallback>
+        <mc:Fallback xmlns="">
           <p:sp>
             <p:nvSpPr>
               <p:cNvPr id="12" name="Textfeld 11"/>
@@ -4734,8 +4705,8 @@
           </p:sp>
         </mc:Fallback>
       </mc:AlternateContent>
-      <mc:AlternateContent xmlns:mc="http://schemas.openxmlformats.org/markup-compatibility/2006">
-        <mc:Choice xmlns:a14="http://schemas.microsoft.com/office/drawing/2010/main" Requires="a14">
+      <mc:AlternateContent xmlns:mc="http://schemas.openxmlformats.org/markup-compatibility/2006" xmlns:a14="http://schemas.microsoft.com/office/drawing/2010/main">
+        <mc:Choice Requires="a14">
           <p:sp>
             <p:nvSpPr>
               <p:cNvPr id="14" name="Textfeld 13"/>
@@ -4758,6 +4729,7 @@
               </a:bodyPr>
               <a:lstStyle/>
               <a:p>
+                <a:pPr/>
                 <a14:m>
                   <m:oMathPara xmlns:m="http://schemas.openxmlformats.org/officeDocument/2006/math">
                     <m:oMathParaPr>
@@ -4778,7 +4750,7 @@
             </p:txBody>
           </p:sp>
         </mc:Choice>
-        <mc:Fallback>
+        <mc:Fallback xmlns="">
           <p:sp>
             <p:nvSpPr>
               <p:cNvPr id="14" name="Textfeld 13"/>
@@ -4817,8 +4789,8 @@
           </p:sp>
         </mc:Fallback>
       </mc:AlternateContent>
-      <mc:AlternateContent xmlns:mc="http://schemas.openxmlformats.org/markup-compatibility/2006">
-        <mc:Choice xmlns:a14="http://schemas.microsoft.com/office/drawing/2010/main" Requires="a14">
+      <mc:AlternateContent xmlns:mc="http://schemas.openxmlformats.org/markup-compatibility/2006" xmlns:a14="http://schemas.microsoft.com/office/drawing/2010/main">
+        <mc:Choice Requires="a14">
           <p:sp>
             <p:nvSpPr>
               <p:cNvPr id="15" name="Textfeld 14"/>
@@ -4841,6 +4813,7 @@
               </a:bodyPr>
               <a:lstStyle/>
               <a:p>
+                <a:pPr/>
                 <a14:m>
                   <m:oMathPara xmlns:m="http://schemas.openxmlformats.org/officeDocument/2006/math">
                     <m:oMathParaPr>
@@ -4861,7 +4834,7 @@
             </p:txBody>
           </p:sp>
         </mc:Choice>
-        <mc:Fallback>
+        <mc:Fallback xmlns="">
           <p:sp>
             <p:nvSpPr>
               <p:cNvPr id="15" name="Textfeld 14"/>
@@ -4916,10 +4889,9 @@
           <a:lstStyle/>
           <a:p>
             <a:r>
-              <a:rPr lang="de-DE" smtClean="0"/>
+              <a:rPr lang="de-DE"/>
               <a:t>22.08.2023</a:t>
             </a:r>
-            <a:endParaRPr lang="de-DE"/>
           </a:p>
         </p:txBody>
       </p:sp>
@@ -4944,19 +4916,19 @@
           <a:lstStyle/>
           <a:p>
             <a:r>
-              <a:rPr lang="de-DE" dirty="0" smtClean="0"/>
+              <a:rPr lang="de-DE" dirty="0"/>
               <a:t>Aufgabe A326 – Team 213 – Noah Schlenker – Leon B. </a:t>
             </a:r>
             <a:r>
-              <a:rPr lang="de-DE" dirty="0" err="1" smtClean="0"/>
+              <a:rPr lang="de-DE" dirty="0" err="1"/>
               <a:t>Kniffki</a:t>
             </a:r>
             <a:r>
-              <a:rPr lang="de-DE" dirty="0" smtClean="0"/>
+              <a:rPr lang="de-DE" dirty="0"/>
               <a:t> – Christian </a:t>
             </a:r>
             <a:r>
-              <a:rPr lang="de-DE" dirty="0" err="1" smtClean="0"/>
+              <a:rPr lang="de-DE" dirty="0" err="1"/>
               <a:t>Krinitsin</a:t>
             </a:r>
             <a:endParaRPr lang="de-DE" dirty="0"/>
@@ -4986,6 +4958,113 @@
           </a:p>
         </p:txBody>
       </p:sp>
+      <mc:AlternateContent xmlns:mc="http://schemas.openxmlformats.org/markup-compatibility/2006">
+        <mc:Choice xmlns:a14="http://schemas.microsoft.com/office/drawing/2010/main" Requires="a14">
+          <p:sp>
+            <p:nvSpPr>
+              <p:cNvPr id="6" name="Titel 1">
+                <a:extLst>
+                  <a:ext uri="{FF2B5EF4-FFF2-40B4-BE49-F238E27FC236}">
+                    <a16:creationId xmlns:a16="http://schemas.microsoft.com/office/drawing/2014/main" id="{BF6D661C-24FB-7388-6411-B53F731B23A8}"/>
+                  </a:ext>
+                </a:extLst>
+              </p:cNvPr>
+              <p:cNvSpPr>
+                <a:spLocks noGrp="1"/>
+              </p:cNvSpPr>
+              <p:nvPr>
+                <p:ph type="title"/>
+              </p:nvPr>
+            </p:nvSpPr>
+            <p:spPr>
+              <a:xfrm>
+                <a:off x="6551676" y="605694"/>
+                <a:ext cx="4834128" cy="932364"/>
+              </a:xfrm>
+            </p:spPr>
+            <p:txBody>
+              <a:bodyPr/>
+              <a:lstStyle/>
+              <a:p>
+                <a:r>
+                  <a:rPr lang="de-DE" dirty="0"/>
+                  <a:t>Wofür ist </a:t>
+                </a:r>
+                <a14:m>
+                  <m:oMath xmlns:m="http://schemas.openxmlformats.org/officeDocument/2006/math">
+                    <m:rad>
+                      <m:radPr>
+                        <m:degHide m:val="on"/>
+                        <m:ctrlPr>
+                          <a:rPr lang="de-DE" i="1" smtClean="0">
+                            <a:latin typeface="Cambria Math" panose="02040503050406030204" pitchFamily="18" charset="0"/>
+                          </a:rPr>
+                        </m:ctrlPr>
+                      </m:radPr>
+                      <m:deg/>
+                      <m:e>
+                        <m:r>
+                          <a:rPr lang="de-DE" b="0" i="1" smtClean="0">
+                            <a:latin typeface="Cambria Math" panose="02040503050406030204" pitchFamily="18" charset="0"/>
+                          </a:rPr>
+                          <m:t>2</m:t>
+                        </m:r>
+                      </m:e>
+                    </m:rad>
+                  </m:oMath>
+                </a14:m>
+                <a:r>
+                  <a:rPr lang="de-DE" dirty="0"/>
+                  <a:t> nötig?</a:t>
+                </a:r>
+              </a:p>
+            </p:txBody>
+          </p:sp>
+        </mc:Choice>
+        <mc:Fallback>
+          <p:sp>
+            <p:nvSpPr>
+              <p:cNvPr id="6" name="Titel 1">
+                <a:extLst>
+                  <a:ext uri="{FF2B5EF4-FFF2-40B4-BE49-F238E27FC236}">
+                    <a16:creationId xmlns:a16="http://schemas.microsoft.com/office/drawing/2014/main" id="{BF6D661C-24FB-7388-6411-B53F731B23A8}"/>
+                  </a:ext>
+                </a:extLst>
+              </p:cNvPr>
+              <p:cNvSpPr>
+                <a:spLocks noGrp="1" noRot="1" noChangeAspect="1" noMove="1" noResize="1" noEditPoints="1" noAdjustHandles="1" noChangeArrowheads="1" noChangeShapeType="1" noTextEdit="1"/>
+              </p:cNvSpPr>
+              <p:nvPr>
+                <p:ph type="title"/>
+              </p:nvPr>
+            </p:nvSpPr>
+            <p:spPr>
+              <a:xfrm>
+                <a:off x="6551676" y="605694"/>
+                <a:ext cx="4834128" cy="932364"/>
+              </a:xfrm>
+              <a:blipFill>
+                <a:blip r:embed="rId6"/>
+                <a:stretch>
+                  <a:fillRect l="-5249" t="-4054" b="-24324"/>
+                </a:stretch>
+              </a:blipFill>
+            </p:spPr>
+            <p:txBody>
+              <a:bodyPr/>
+              <a:lstStyle/>
+              <a:p>
+                <a:r>
+                  <a:rPr lang="de-DE">
+                    <a:noFill/>
+                  </a:rPr>
+                  <a:t> </a:t>
+                </a:r>
+              </a:p>
+            </p:txBody>
+          </p:sp>
+        </mc:Fallback>
+      </mc:AlternateContent>
     </p:spTree>
     <p:extLst>
       <p:ext uri="{BB962C8B-B14F-4D97-AF65-F5344CB8AC3E}">
@@ -4996,13 +5075,4366 @@
   <p:clrMapOvr>
     <a:masterClrMapping/>
   </p:clrMapOvr>
-  <p:timing>
-    <p:tnLst>
-      <p:par>
-        <p:cTn id="1" dur="indefinite" restart="never" nodeType="tmRoot"/>
-      </p:par>
-    </p:tnLst>
-  </p:timing>
+</p:sld>
+</file>
+
+<file path=ppt/slides/slide3.xml><?xml version="1.0" encoding="utf-8"?>
+<p:sld xmlns:a="http://schemas.openxmlformats.org/drawingml/2006/main" xmlns:r="http://schemas.openxmlformats.org/officeDocument/2006/relationships" xmlns:p="http://schemas.openxmlformats.org/presentationml/2006/main">
+  <p:cSld>
+    <p:spTree>
+      <p:nvGrpSpPr>
+        <p:cNvPr id="1" name=""/>
+        <p:cNvGrpSpPr/>
+        <p:nvPr/>
+      </p:nvGrpSpPr>
+      <p:grpSpPr>
+        <a:xfrm>
+          <a:off x="0" y="0"/>
+          <a:ext cx="0" cy="0"/>
+          <a:chOff x="0" y="0"/>
+          <a:chExt cx="0" cy="0"/>
+        </a:xfrm>
+      </p:grpSpPr>
+      <p:sp>
+        <p:nvSpPr>
+          <p:cNvPr id="2" name="Titel 1">
+            <a:extLst>
+              <a:ext uri="{FF2B5EF4-FFF2-40B4-BE49-F238E27FC236}">
+                <a16:creationId xmlns:a16="http://schemas.microsoft.com/office/drawing/2014/main" id="{2D2BFEB1-A380-ADF4-28F1-6184EC290B1F}"/>
+              </a:ext>
+            </a:extLst>
+          </p:cNvPr>
+          <p:cNvSpPr>
+            <a:spLocks noGrp="1"/>
+          </p:cNvSpPr>
+          <p:nvPr>
+            <p:ph type="title"/>
+          </p:nvPr>
+        </p:nvSpPr>
+        <p:spPr/>
+        <p:txBody>
+          <a:bodyPr/>
+          <a:lstStyle/>
+          <a:p>
+            <a:pPr algn="ctr"/>
+            <a:r>
+              <a:rPr lang="de-DE" dirty="0"/>
+              <a:t>Die Matrixmultiplikation</a:t>
+            </a:r>
+          </a:p>
+        </p:txBody>
+      </p:sp>
+      <mc:AlternateContent xmlns:mc="http://schemas.openxmlformats.org/markup-compatibility/2006">
+        <mc:Choice xmlns:a14="http://schemas.microsoft.com/office/drawing/2010/main" Requires="a14">
+          <p:sp>
+            <p:nvSpPr>
+              <p:cNvPr id="3" name="Inhaltsplatzhalter 2">
+                <a:extLst>
+                  <a:ext uri="{FF2B5EF4-FFF2-40B4-BE49-F238E27FC236}">
+                    <a16:creationId xmlns:a16="http://schemas.microsoft.com/office/drawing/2014/main" id="{D79B8B37-8223-C932-B133-60DD5BE628A0}"/>
+                  </a:ext>
+                </a:extLst>
+              </p:cNvPr>
+              <p:cNvSpPr>
+                <a:spLocks noGrp="1"/>
+              </p:cNvSpPr>
+              <p:nvPr>
+                <p:ph idx="1"/>
+              </p:nvPr>
+            </p:nvSpPr>
+            <p:spPr/>
+            <p:txBody>
+              <a:bodyPr>
+                <a:normAutofit/>
+              </a:bodyPr>
+              <a:lstStyle/>
+              <a:p>
+                <a:pPr marL="0" indent="0" algn="ctr">
+                  <a:buNone/>
+                </a:pPr>
+                <a14:m>
+                  <m:oMathPara xmlns:m="http://schemas.openxmlformats.org/officeDocument/2006/math">
+                    <m:oMathParaPr>
+                      <m:jc m:val="centerGroup"/>
+                    </m:oMathParaPr>
+                    <m:oMath xmlns:m="http://schemas.openxmlformats.org/officeDocument/2006/math">
+                      <m:d>
+                        <m:dPr>
+                          <m:ctrlPr>
+                            <a:rPr lang="de-DE" sz="2600" i="1" smtClean="0">
+                              <a:latin typeface="Cambria Math" panose="02040503050406030204" pitchFamily="18" charset="0"/>
+                            </a:rPr>
+                          </m:ctrlPr>
+                        </m:dPr>
+                        <m:e>
+                          <m:m>
+                            <m:mPr>
+                              <m:mcs>
+                                <m:mc>
+                                  <m:mcPr>
+                                    <m:count m:val="2"/>
+                                    <m:mcJc m:val="center"/>
+                                  </m:mcPr>
+                                </m:mc>
+                              </m:mcs>
+                              <m:ctrlPr>
+                                <a:rPr lang="de-DE" sz="2600" i="1" smtClean="0">
+                                  <a:latin typeface="Cambria Math" panose="02040503050406030204" pitchFamily="18" charset="0"/>
+                                </a:rPr>
+                              </m:ctrlPr>
+                            </m:mPr>
+                            <m:mr>
+                              <m:e>
+                                <m:sSub>
+                                  <m:sSubPr>
+                                    <m:ctrlPr>
+                                      <a:rPr lang="de-DE" sz="2600" i="1" smtClean="0">
+                                        <a:latin typeface="Cambria Math" panose="02040503050406030204" pitchFamily="18" charset="0"/>
+                                      </a:rPr>
+                                    </m:ctrlPr>
+                                  </m:sSubPr>
+                                  <m:e>
+                                    <m:r>
+                                      <a:rPr lang="de-DE" sz="2600" b="0" i="1" smtClean="0">
+                                        <a:latin typeface="Cambria Math" panose="02040503050406030204" pitchFamily="18" charset="0"/>
+                                      </a:rPr>
+                                      <m:t>𝑎</m:t>
+                                    </m:r>
+                                  </m:e>
+                                  <m:sub>
+                                    <m:r>
+                                      <a:rPr lang="de-DE" sz="2600" b="0" i="1" smtClean="0">
+                                        <a:latin typeface="Cambria Math" panose="02040503050406030204" pitchFamily="18" charset="0"/>
+                                      </a:rPr>
+                                      <m:t>11</m:t>
+                                    </m:r>
+                                  </m:sub>
+                                </m:sSub>
+                              </m:e>
+                              <m:e>
+                                <m:sSub>
+                                  <m:sSubPr>
+                                    <m:ctrlPr>
+                                      <a:rPr lang="de-DE" sz="2600" i="1">
+                                        <a:latin typeface="Cambria Math" panose="02040503050406030204" pitchFamily="18" charset="0"/>
+                                      </a:rPr>
+                                    </m:ctrlPr>
+                                  </m:sSubPr>
+                                  <m:e>
+                                    <m:r>
+                                      <a:rPr lang="de-DE" sz="2600" i="1">
+                                        <a:latin typeface="Cambria Math" panose="02040503050406030204" pitchFamily="18" charset="0"/>
+                                      </a:rPr>
+                                      <m:t>𝑎</m:t>
+                                    </m:r>
+                                  </m:e>
+                                  <m:sub>
+                                    <m:r>
+                                      <a:rPr lang="de-DE" sz="2600" i="1">
+                                        <a:latin typeface="Cambria Math" panose="02040503050406030204" pitchFamily="18" charset="0"/>
+                                      </a:rPr>
+                                      <m:t>1</m:t>
+                                    </m:r>
+                                    <m:r>
+                                      <a:rPr lang="de-DE" sz="2600" b="0" i="1" smtClean="0">
+                                        <a:latin typeface="Cambria Math" panose="02040503050406030204" pitchFamily="18" charset="0"/>
+                                      </a:rPr>
+                                      <m:t>2</m:t>
+                                    </m:r>
+                                  </m:sub>
+                                </m:sSub>
+                              </m:e>
+                            </m:mr>
+                            <m:mr>
+                              <m:e>
+                                <m:sSub>
+                                  <m:sSubPr>
+                                    <m:ctrlPr>
+                                      <a:rPr lang="de-DE" sz="2600" i="1">
+                                        <a:latin typeface="Cambria Math" panose="02040503050406030204" pitchFamily="18" charset="0"/>
+                                      </a:rPr>
+                                    </m:ctrlPr>
+                                  </m:sSubPr>
+                                  <m:e>
+                                    <m:r>
+                                      <a:rPr lang="de-DE" sz="2600" i="1">
+                                        <a:latin typeface="Cambria Math" panose="02040503050406030204" pitchFamily="18" charset="0"/>
+                                      </a:rPr>
+                                      <m:t>𝑎</m:t>
+                                    </m:r>
+                                  </m:e>
+                                  <m:sub>
+                                    <m:r>
+                                      <a:rPr lang="de-DE" sz="2600" b="0" i="1" smtClean="0">
+                                        <a:latin typeface="Cambria Math" panose="02040503050406030204" pitchFamily="18" charset="0"/>
+                                      </a:rPr>
+                                      <m:t>2</m:t>
+                                    </m:r>
+                                    <m:r>
+                                      <a:rPr lang="de-DE" sz="2600" i="1">
+                                        <a:latin typeface="Cambria Math" panose="02040503050406030204" pitchFamily="18" charset="0"/>
+                                      </a:rPr>
+                                      <m:t>1</m:t>
+                                    </m:r>
+                                  </m:sub>
+                                </m:sSub>
+                              </m:e>
+                              <m:e>
+                                <m:sSub>
+                                  <m:sSubPr>
+                                    <m:ctrlPr>
+                                      <a:rPr lang="de-DE" sz="2600" i="1">
+                                        <a:latin typeface="Cambria Math" panose="02040503050406030204" pitchFamily="18" charset="0"/>
+                                      </a:rPr>
+                                    </m:ctrlPr>
+                                  </m:sSubPr>
+                                  <m:e>
+                                    <m:r>
+                                      <a:rPr lang="de-DE" sz="2600" i="1">
+                                        <a:latin typeface="Cambria Math" panose="02040503050406030204" pitchFamily="18" charset="0"/>
+                                      </a:rPr>
+                                      <m:t>𝑎</m:t>
+                                    </m:r>
+                                  </m:e>
+                                  <m:sub>
+                                    <m:r>
+                                      <a:rPr lang="de-DE" sz="2600" b="0" i="1" smtClean="0">
+                                        <a:latin typeface="Cambria Math" panose="02040503050406030204" pitchFamily="18" charset="0"/>
+                                      </a:rPr>
+                                      <m:t>22</m:t>
+                                    </m:r>
+                                  </m:sub>
+                                </m:sSub>
+                              </m:e>
+                            </m:mr>
+                          </m:m>
+                        </m:e>
+                      </m:d>
+                      <m:d>
+                        <m:dPr>
+                          <m:ctrlPr>
+                            <a:rPr lang="de-DE" sz="2600" i="1">
+                              <a:latin typeface="Cambria Math" panose="02040503050406030204" pitchFamily="18" charset="0"/>
+                            </a:rPr>
+                          </m:ctrlPr>
+                        </m:dPr>
+                        <m:e>
+                          <m:m>
+                            <m:mPr>
+                              <m:mcs>
+                                <m:mc>
+                                  <m:mcPr>
+                                    <m:count m:val="2"/>
+                                    <m:mcJc m:val="center"/>
+                                  </m:mcPr>
+                                </m:mc>
+                              </m:mcs>
+                              <m:ctrlPr>
+                                <a:rPr lang="de-DE" sz="2600" i="1">
+                                  <a:latin typeface="Cambria Math" panose="02040503050406030204" pitchFamily="18" charset="0"/>
+                                </a:rPr>
+                              </m:ctrlPr>
+                            </m:mPr>
+                            <m:mr>
+                              <m:e>
+                                <m:sSub>
+                                  <m:sSubPr>
+                                    <m:ctrlPr>
+                                      <a:rPr lang="de-DE" sz="2600" i="1" smtClean="0">
+                                        <a:latin typeface="Cambria Math" panose="02040503050406030204" pitchFamily="18" charset="0"/>
+                                      </a:rPr>
+                                    </m:ctrlPr>
+                                  </m:sSubPr>
+                                  <m:e>
+                                    <m:r>
+                                      <a:rPr lang="de-DE" sz="2600" b="0" i="1" smtClean="0">
+                                        <a:latin typeface="Cambria Math" panose="02040503050406030204" pitchFamily="18" charset="0"/>
+                                      </a:rPr>
+                                      <m:t>𝑏</m:t>
+                                    </m:r>
+                                  </m:e>
+                                  <m:sub>
+                                    <m:r>
+                                      <a:rPr lang="de-DE" sz="2600" i="1">
+                                        <a:latin typeface="Cambria Math" panose="02040503050406030204" pitchFamily="18" charset="0"/>
+                                      </a:rPr>
+                                      <m:t>11</m:t>
+                                    </m:r>
+                                  </m:sub>
+                                </m:sSub>
+                              </m:e>
+                              <m:e>
+                                <m:sSub>
+                                  <m:sSubPr>
+                                    <m:ctrlPr>
+                                      <a:rPr lang="de-DE" sz="2600" i="1">
+                                        <a:latin typeface="Cambria Math" panose="02040503050406030204" pitchFamily="18" charset="0"/>
+                                      </a:rPr>
+                                    </m:ctrlPr>
+                                  </m:sSubPr>
+                                  <m:e>
+                                    <m:r>
+                                      <a:rPr lang="de-DE" sz="2600" b="0" i="1" smtClean="0">
+                                        <a:latin typeface="Cambria Math" panose="02040503050406030204" pitchFamily="18" charset="0"/>
+                                      </a:rPr>
+                                      <m:t>𝑏</m:t>
+                                    </m:r>
+                                  </m:e>
+                                  <m:sub>
+                                    <m:r>
+                                      <a:rPr lang="de-DE" sz="2600" i="1">
+                                        <a:latin typeface="Cambria Math" panose="02040503050406030204" pitchFamily="18" charset="0"/>
+                                      </a:rPr>
+                                      <m:t>12</m:t>
+                                    </m:r>
+                                  </m:sub>
+                                </m:sSub>
+                              </m:e>
+                            </m:mr>
+                            <m:mr>
+                              <m:e>
+                                <m:sSub>
+                                  <m:sSubPr>
+                                    <m:ctrlPr>
+                                      <a:rPr lang="de-DE" sz="2600" i="1">
+                                        <a:latin typeface="Cambria Math" panose="02040503050406030204" pitchFamily="18" charset="0"/>
+                                      </a:rPr>
+                                    </m:ctrlPr>
+                                  </m:sSubPr>
+                                  <m:e>
+                                    <m:r>
+                                      <a:rPr lang="de-DE" sz="2600" b="0" i="1" smtClean="0">
+                                        <a:latin typeface="Cambria Math" panose="02040503050406030204" pitchFamily="18" charset="0"/>
+                                      </a:rPr>
+                                      <m:t>𝑏</m:t>
+                                    </m:r>
+                                  </m:e>
+                                  <m:sub>
+                                    <m:r>
+                                      <a:rPr lang="de-DE" sz="2600" i="1">
+                                        <a:latin typeface="Cambria Math" panose="02040503050406030204" pitchFamily="18" charset="0"/>
+                                      </a:rPr>
+                                      <m:t>21</m:t>
+                                    </m:r>
+                                  </m:sub>
+                                </m:sSub>
+                              </m:e>
+                              <m:e>
+                                <m:sSub>
+                                  <m:sSubPr>
+                                    <m:ctrlPr>
+                                      <a:rPr lang="de-DE" sz="2600" i="1">
+                                        <a:latin typeface="Cambria Math" panose="02040503050406030204" pitchFamily="18" charset="0"/>
+                                      </a:rPr>
+                                    </m:ctrlPr>
+                                  </m:sSubPr>
+                                  <m:e>
+                                    <m:r>
+                                      <a:rPr lang="de-DE" sz="2600" b="0" i="1" smtClean="0">
+                                        <a:latin typeface="Cambria Math" panose="02040503050406030204" pitchFamily="18" charset="0"/>
+                                      </a:rPr>
+                                      <m:t>𝑏</m:t>
+                                    </m:r>
+                                  </m:e>
+                                  <m:sub>
+                                    <m:r>
+                                      <a:rPr lang="de-DE" sz="2600" i="1">
+                                        <a:latin typeface="Cambria Math" panose="02040503050406030204" pitchFamily="18" charset="0"/>
+                                      </a:rPr>
+                                      <m:t>22</m:t>
+                                    </m:r>
+                                  </m:sub>
+                                </m:sSub>
+                              </m:e>
+                            </m:mr>
+                          </m:m>
+                        </m:e>
+                      </m:d>
+                      <m:r>
+                        <a:rPr lang="de-DE" sz="2600" b="0" i="1" smtClean="0">
+                          <a:latin typeface="Cambria Math" panose="02040503050406030204" pitchFamily="18" charset="0"/>
+                        </a:rPr>
+                        <m:t>=</m:t>
+                      </m:r>
+                      <m:d>
+                        <m:dPr>
+                          <m:ctrlPr>
+                            <a:rPr lang="de-DE" sz="2600" i="1">
+                              <a:latin typeface="Cambria Math" panose="02040503050406030204" pitchFamily="18" charset="0"/>
+                            </a:rPr>
+                          </m:ctrlPr>
+                        </m:dPr>
+                        <m:e>
+                          <m:m>
+                            <m:mPr>
+                              <m:mcs>
+                                <m:mc>
+                                  <m:mcPr>
+                                    <m:count m:val="2"/>
+                                    <m:mcJc m:val="center"/>
+                                  </m:mcPr>
+                                </m:mc>
+                              </m:mcs>
+                              <m:ctrlPr>
+                                <a:rPr lang="de-DE" sz="2600" i="1">
+                                  <a:latin typeface="Cambria Math" panose="02040503050406030204" pitchFamily="18" charset="0"/>
+                                </a:rPr>
+                              </m:ctrlPr>
+                            </m:mPr>
+                            <m:mr>
+                              <m:e>
+                                <m:sSub>
+                                  <m:sSubPr>
+                                    <m:ctrlPr>
+                                      <a:rPr lang="de-DE" sz="2600" i="1">
+                                        <a:latin typeface="Cambria Math" panose="02040503050406030204" pitchFamily="18" charset="0"/>
+                                      </a:rPr>
+                                    </m:ctrlPr>
+                                  </m:sSubPr>
+                                  <m:e>
+                                    <m:r>
+                                      <a:rPr lang="de-DE" sz="2600" i="1">
+                                        <a:latin typeface="Cambria Math" panose="02040503050406030204" pitchFamily="18" charset="0"/>
+                                      </a:rPr>
+                                      <m:t>𝑎</m:t>
+                                    </m:r>
+                                  </m:e>
+                                  <m:sub>
+                                    <m:r>
+                                      <a:rPr lang="de-DE" sz="2600" i="1">
+                                        <a:latin typeface="Cambria Math" panose="02040503050406030204" pitchFamily="18" charset="0"/>
+                                      </a:rPr>
+                                      <m:t>11</m:t>
+                                    </m:r>
+                                  </m:sub>
+                                </m:sSub>
+                                <m:sSub>
+                                  <m:sSubPr>
+                                    <m:ctrlPr>
+                                      <a:rPr lang="de-DE" sz="2600" i="1" smtClean="0">
+                                        <a:latin typeface="Cambria Math" panose="02040503050406030204" pitchFamily="18" charset="0"/>
+                                      </a:rPr>
+                                    </m:ctrlPr>
+                                  </m:sSubPr>
+                                  <m:e>
+                                    <m:r>
+                                      <a:rPr lang="de-DE" sz="2600" i="1" smtClean="0">
+                                        <a:solidFill>
+                                          <a:srgbClr val="FF0000"/>
+                                        </a:solidFill>
+                                        <a:latin typeface="Cambria Math" panose="02040503050406030204" pitchFamily="18" charset="0"/>
+                                        <a:ea typeface="Cambria Math" panose="02040503050406030204" pitchFamily="18" charset="0"/>
+                                      </a:rPr>
+                                      <m:t>∙</m:t>
+                                    </m:r>
+                                    <m:r>
+                                      <a:rPr lang="de-DE" sz="2600" b="0" i="1" smtClean="0">
+                                        <a:latin typeface="Cambria Math" panose="02040503050406030204" pitchFamily="18" charset="0"/>
+                                      </a:rPr>
+                                      <m:t>𝑏</m:t>
+                                    </m:r>
+                                  </m:e>
+                                  <m:sub>
+                                    <m:r>
+                                      <a:rPr lang="de-DE" sz="2600" b="0" i="1" smtClean="0">
+                                        <a:latin typeface="Cambria Math" panose="02040503050406030204" pitchFamily="18" charset="0"/>
+                                      </a:rPr>
+                                      <m:t>11</m:t>
+                                    </m:r>
+                                  </m:sub>
+                                </m:sSub>
+                                <m:r>
+                                  <a:rPr lang="de-DE" sz="2600" b="0" i="1" smtClean="0">
+                                    <a:latin typeface="Cambria Math" panose="02040503050406030204" pitchFamily="18" charset="0"/>
+                                  </a:rPr>
+                                  <m:t>+</m:t>
+                                </m:r>
+                                <m:sSub>
+                                  <m:sSubPr>
+                                    <m:ctrlPr>
+                                      <a:rPr lang="de-DE" sz="2600" i="1">
+                                        <a:latin typeface="Cambria Math" panose="02040503050406030204" pitchFamily="18" charset="0"/>
+                                      </a:rPr>
+                                    </m:ctrlPr>
+                                  </m:sSubPr>
+                                  <m:e>
+                                    <m:r>
+                                      <a:rPr lang="de-DE" sz="2600" i="1">
+                                        <a:latin typeface="Cambria Math" panose="02040503050406030204" pitchFamily="18" charset="0"/>
+                                      </a:rPr>
+                                      <m:t>𝑎</m:t>
+                                    </m:r>
+                                  </m:e>
+                                  <m:sub>
+                                    <m:r>
+                                      <a:rPr lang="de-DE" sz="2600" i="1">
+                                        <a:latin typeface="Cambria Math" panose="02040503050406030204" pitchFamily="18" charset="0"/>
+                                      </a:rPr>
+                                      <m:t>1</m:t>
+                                    </m:r>
+                                    <m:r>
+                                      <a:rPr lang="de-DE" sz="2600" b="0" i="1" smtClean="0">
+                                        <a:latin typeface="Cambria Math" panose="02040503050406030204" pitchFamily="18" charset="0"/>
+                                      </a:rPr>
+                                      <m:t>2</m:t>
+                                    </m:r>
+                                  </m:sub>
+                                </m:sSub>
+                                <m:r>
+                                  <a:rPr lang="de-DE" sz="2600" i="1" smtClean="0">
+                                    <a:solidFill>
+                                      <a:srgbClr val="FF0000"/>
+                                    </a:solidFill>
+                                    <a:latin typeface="Cambria Math" panose="02040503050406030204" pitchFamily="18" charset="0"/>
+                                    <a:ea typeface="Cambria Math" panose="02040503050406030204" pitchFamily="18" charset="0"/>
+                                  </a:rPr>
+                                  <m:t>∙</m:t>
+                                </m:r>
+                                <m:sSub>
+                                  <m:sSubPr>
+                                    <m:ctrlPr>
+                                      <a:rPr lang="de-DE" sz="2600" i="1">
+                                        <a:latin typeface="Cambria Math" panose="02040503050406030204" pitchFamily="18" charset="0"/>
+                                      </a:rPr>
+                                    </m:ctrlPr>
+                                  </m:sSubPr>
+                                  <m:e>
+                                    <m:r>
+                                      <a:rPr lang="de-DE" sz="2600" i="1">
+                                        <a:latin typeface="Cambria Math" panose="02040503050406030204" pitchFamily="18" charset="0"/>
+                                      </a:rPr>
+                                      <m:t>𝑏</m:t>
+                                    </m:r>
+                                  </m:e>
+                                  <m:sub>
+                                    <m:r>
+                                      <a:rPr lang="de-DE" sz="2600" b="0" i="1" smtClean="0">
+                                        <a:latin typeface="Cambria Math" panose="02040503050406030204" pitchFamily="18" charset="0"/>
+                                      </a:rPr>
+                                      <m:t>2</m:t>
+                                    </m:r>
+                                    <m:r>
+                                      <a:rPr lang="de-DE" sz="2600" i="1">
+                                        <a:latin typeface="Cambria Math" panose="02040503050406030204" pitchFamily="18" charset="0"/>
+                                      </a:rPr>
+                                      <m:t>1</m:t>
+                                    </m:r>
+                                  </m:sub>
+                                </m:sSub>
+                              </m:e>
+                              <m:e>
+                                <m:sSub>
+                                  <m:sSubPr>
+                                    <m:ctrlPr>
+                                      <a:rPr lang="de-DE" sz="2600" i="1">
+                                        <a:latin typeface="Cambria Math" panose="02040503050406030204" pitchFamily="18" charset="0"/>
+                                      </a:rPr>
+                                    </m:ctrlPr>
+                                  </m:sSubPr>
+                                  <m:e>
+                                    <m:r>
+                                      <a:rPr lang="de-DE" sz="2600" i="1">
+                                        <a:latin typeface="Cambria Math" panose="02040503050406030204" pitchFamily="18" charset="0"/>
+                                      </a:rPr>
+                                      <m:t>𝑎</m:t>
+                                    </m:r>
+                                  </m:e>
+                                  <m:sub>
+                                    <m:r>
+                                      <a:rPr lang="de-DE" sz="2600" i="1">
+                                        <a:latin typeface="Cambria Math" panose="02040503050406030204" pitchFamily="18" charset="0"/>
+                                      </a:rPr>
+                                      <m:t>11</m:t>
+                                    </m:r>
+                                  </m:sub>
+                                </m:sSub>
+                                <m:sSub>
+                                  <m:sSubPr>
+                                    <m:ctrlPr>
+                                      <a:rPr lang="de-DE" sz="2600" i="1">
+                                        <a:latin typeface="Cambria Math" panose="02040503050406030204" pitchFamily="18" charset="0"/>
+                                      </a:rPr>
+                                    </m:ctrlPr>
+                                  </m:sSubPr>
+                                  <m:e>
+                                    <m:r>
+                                      <a:rPr lang="de-DE" sz="2600" i="1" smtClean="0">
+                                        <a:solidFill>
+                                          <a:srgbClr val="FF0000"/>
+                                        </a:solidFill>
+                                        <a:latin typeface="Cambria Math" panose="02040503050406030204" pitchFamily="18" charset="0"/>
+                                        <a:ea typeface="Cambria Math" panose="02040503050406030204" pitchFamily="18" charset="0"/>
+                                      </a:rPr>
+                                      <m:t>∙</m:t>
+                                    </m:r>
+                                    <m:r>
+                                      <a:rPr lang="de-DE" sz="2600" i="1">
+                                        <a:latin typeface="Cambria Math" panose="02040503050406030204" pitchFamily="18" charset="0"/>
+                                      </a:rPr>
+                                      <m:t>𝑏</m:t>
+                                    </m:r>
+                                  </m:e>
+                                  <m:sub>
+                                    <m:r>
+                                      <a:rPr lang="de-DE" sz="2600" i="1">
+                                        <a:latin typeface="Cambria Math" panose="02040503050406030204" pitchFamily="18" charset="0"/>
+                                      </a:rPr>
+                                      <m:t>1</m:t>
+                                    </m:r>
+                                    <m:r>
+                                      <a:rPr lang="de-DE" sz="2600" b="0" i="1" smtClean="0">
+                                        <a:latin typeface="Cambria Math" panose="02040503050406030204" pitchFamily="18" charset="0"/>
+                                      </a:rPr>
+                                      <m:t>2</m:t>
+                                    </m:r>
+                                  </m:sub>
+                                </m:sSub>
+                                <m:r>
+                                  <a:rPr lang="de-DE" sz="2600" b="0" i="1" smtClean="0">
+                                    <a:latin typeface="Cambria Math" panose="02040503050406030204" pitchFamily="18" charset="0"/>
+                                  </a:rPr>
+                                  <m:t>+</m:t>
+                                </m:r>
+                                <m:sSub>
+                                  <m:sSubPr>
+                                    <m:ctrlPr>
+                                      <a:rPr lang="de-DE" sz="2600" i="1">
+                                        <a:latin typeface="Cambria Math" panose="02040503050406030204" pitchFamily="18" charset="0"/>
+                                      </a:rPr>
+                                    </m:ctrlPr>
+                                  </m:sSubPr>
+                                  <m:e>
+                                    <m:r>
+                                      <a:rPr lang="de-DE" sz="2600" i="1">
+                                        <a:latin typeface="Cambria Math" panose="02040503050406030204" pitchFamily="18" charset="0"/>
+                                      </a:rPr>
+                                      <m:t>𝑎</m:t>
+                                    </m:r>
+                                  </m:e>
+                                  <m:sub>
+                                    <m:r>
+                                      <a:rPr lang="de-DE" sz="2600" i="1">
+                                        <a:latin typeface="Cambria Math" panose="02040503050406030204" pitchFamily="18" charset="0"/>
+                                      </a:rPr>
+                                      <m:t>1</m:t>
+                                    </m:r>
+                                    <m:r>
+                                      <a:rPr lang="de-DE" sz="2600" b="0" i="1" smtClean="0">
+                                        <a:latin typeface="Cambria Math" panose="02040503050406030204" pitchFamily="18" charset="0"/>
+                                      </a:rPr>
+                                      <m:t>2</m:t>
+                                    </m:r>
+                                  </m:sub>
+                                </m:sSub>
+                                <m:sSub>
+                                  <m:sSubPr>
+                                    <m:ctrlPr>
+                                      <a:rPr lang="de-DE" sz="2600" i="1">
+                                        <a:latin typeface="Cambria Math" panose="02040503050406030204" pitchFamily="18" charset="0"/>
+                                      </a:rPr>
+                                    </m:ctrlPr>
+                                  </m:sSubPr>
+                                  <m:e>
+                                    <m:r>
+                                      <a:rPr lang="de-DE" sz="2600" i="1" smtClean="0">
+                                        <a:solidFill>
+                                          <a:srgbClr val="FF0000"/>
+                                        </a:solidFill>
+                                        <a:latin typeface="Cambria Math" panose="02040503050406030204" pitchFamily="18" charset="0"/>
+                                        <a:ea typeface="Cambria Math" panose="02040503050406030204" pitchFamily="18" charset="0"/>
+                                      </a:rPr>
+                                      <m:t>∙</m:t>
+                                    </m:r>
+                                    <m:r>
+                                      <a:rPr lang="de-DE" sz="2600" i="1">
+                                        <a:latin typeface="Cambria Math" panose="02040503050406030204" pitchFamily="18" charset="0"/>
+                                      </a:rPr>
+                                      <m:t>𝑏</m:t>
+                                    </m:r>
+                                  </m:e>
+                                  <m:sub>
+                                    <m:r>
+                                      <a:rPr lang="de-DE" sz="2600" b="0" i="1" smtClean="0">
+                                        <a:latin typeface="Cambria Math" panose="02040503050406030204" pitchFamily="18" charset="0"/>
+                                      </a:rPr>
+                                      <m:t>22</m:t>
+                                    </m:r>
+                                  </m:sub>
+                                </m:sSub>
+                              </m:e>
+                            </m:mr>
+                            <m:mr>
+                              <m:e>
+                                <m:sSub>
+                                  <m:sSubPr>
+                                    <m:ctrlPr>
+                                      <a:rPr lang="de-DE" sz="2600" i="1">
+                                        <a:latin typeface="Cambria Math" panose="02040503050406030204" pitchFamily="18" charset="0"/>
+                                      </a:rPr>
+                                    </m:ctrlPr>
+                                  </m:sSubPr>
+                                  <m:e>
+                                    <m:r>
+                                      <a:rPr lang="de-DE" sz="2600" i="1">
+                                        <a:latin typeface="Cambria Math" panose="02040503050406030204" pitchFamily="18" charset="0"/>
+                                      </a:rPr>
+                                      <m:t>𝑎</m:t>
+                                    </m:r>
+                                  </m:e>
+                                  <m:sub>
+                                    <m:r>
+                                      <a:rPr lang="de-DE" sz="2600" b="0" i="1" smtClean="0">
+                                        <a:latin typeface="Cambria Math" panose="02040503050406030204" pitchFamily="18" charset="0"/>
+                                      </a:rPr>
+                                      <m:t>2</m:t>
+                                    </m:r>
+                                    <m:r>
+                                      <a:rPr lang="de-DE" sz="2600" i="1">
+                                        <a:latin typeface="Cambria Math" panose="02040503050406030204" pitchFamily="18" charset="0"/>
+                                      </a:rPr>
+                                      <m:t>1</m:t>
+                                    </m:r>
+                                  </m:sub>
+                                </m:sSub>
+                                <m:r>
+                                  <a:rPr lang="de-DE" sz="2600" i="1" smtClean="0">
+                                    <a:solidFill>
+                                      <a:srgbClr val="FF0000"/>
+                                    </a:solidFill>
+                                    <a:latin typeface="Cambria Math" panose="02040503050406030204" pitchFamily="18" charset="0"/>
+                                    <a:ea typeface="Cambria Math" panose="02040503050406030204" pitchFamily="18" charset="0"/>
+                                  </a:rPr>
+                                  <m:t>∙</m:t>
+                                </m:r>
+                                <m:sSub>
+                                  <m:sSubPr>
+                                    <m:ctrlPr>
+                                      <a:rPr lang="de-DE" sz="2600" i="1">
+                                        <a:latin typeface="Cambria Math" panose="02040503050406030204" pitchFamily="18" charset="0"/>
+                                      </a:rPr>
+                                    </m:ctrlPr>
+                                  </m:sSubPr>
+                                  <m:e>
+                                    <m:r>
+                                      <a:rPr lang="de-DE" sz="2600" i="1">
+                                        <a:latin typeface="Cambria Math" panose="02040503050406030204" pitchFamily="18" charset="0"/>
+                                      </a:rPr>
+                                      <m:t>𝑏</m:t>
+                                    </m:r>
+                                  </m:e>
+                                  <m:sub>
+                                    <m:r>
+                                      <a:rPr lang="de-DE" sz="2600" b="0" i="1" smtClean="0">
+                                        <a:latin typeface="Cambria Math" panose="02040503050406030204" pitchFamily="18" charset="0"/>
+                                      </a:rPr>
+                                      <m:t>1</m:t>
+                                    </m:r>
+                                    <m:r>
+                                      <a:rPr lang="de-DE" sz="2600" i="1">
+                                        <a:latin typeface="Cambria Math" panose="02040503050406030204" pitchFamily="18" charset="0"/>
+                                      </a:rPr>
+                                      <m:t>1</m:t>
+                                    </m:r>
+                                  </m:sub>
+                                </m:sSub>
+                                <m:r>
+                                  <a:rPr lang="de-DE" sz="2600" i="1">
+                                    <a:latin typeface="Cambria Math" panose="02040503050406030204" pitchFamily="18" charset="0"/>
+                                  </a:rPr>
+                                  <m:t>+</m:t>
+                                </m:r>
+                                <m:sSub>
+                                  <m:sSubPr>
+                                    <m:ctrlPr>
+                                      <a:rPr lang="de-DE" sz="2600" i="1">
+                                        <a:latin typeface="Cambria Math" panose="02040503050406030204" pitchFamily="18" charset="0"/>
+                                      </a:rPr>
+                                    </m:ctrlPr>
+                                  </m:sSubPr>
+                                  <m:e>
+                                    <m:r>
+                                      <a:rPr lang="de-DE" sz="2600" i="1">
+                                        <a:latin typeface="Cambria Math" panose="02040503050406030204" pitchFamily="18" charset="0"/>
+                                      </a:rPr>
+                                      <m:t>𝑎</m:t>
+                                    </m:r>
+                                  </m:e>
+                                  <m:sub>
+                                    <m:r>
+                                      <a:rPr lang="de-DE" sz="2600" b="0" i="1" smtClean="0">
+                                        <a:latin typeface="Cambria Math" panose="02040503050406030204" pitchFamily="18" charset="0"/>
+                                      </a:rPr>
+                                      <m:t>2</m:t>
+                                    </m:r>
+                                    <m:r>
+                                      <a:rPr lang="de-DE" sz="2600" i="1">
+                                        <a:latin typeface="Cambria Math" panose="02040503050406030204" pitchFamily="18" charset="0"/>
+                                      </a:rPr>
+                                      <m:t>2</m:t>
+                                    </m:r>
+                                  </m:sub>
+                                </m:sSub>
+                                <m:sSub>
+                                  <m:sSubPr>
+                                    <m:ctrlPr>
+                                      <a:rPr lang="de-DE" sz="2600" i="1">
+                                        <a:latin typeface="Cambria Math" panose="02040503050406030204" pitchFamily="18" charset="0"/>
+                                      </a:rPr>
+                                    </m:ctrlPr>
+                                  </m:sSubPr>
+                                  <m:e>
+                                    <m:r>
+                                      <a:rPr lang="de-DE" sz="2600" i="1" smtClean="0">
+                                        <a:solidFill>
+                                          <a:srgbClr val="FF0000"/>
+                                        </a:solidFill>
+                                        <a:latin typeface="Cambria Math" panose="02040503050406030204" pitchFamily="18" charset="0"/>
+                                        <a:ea typeface="Cambria Math" panose="02040503050406030204" pitchFamily="18" charset="0"/>
+                                      </a:rPr>
+                                      <m:t>∙</m:t>
+                                    </m:r>
+                                    <m:r>
+                                      <a:rPr lang="de-DE" sz="2600" i="1">
+                                        <a:latin typeface="Cambria Math" panose="02040503050406030204" pitchFamily="18" charset="0"/>
+                                      </a:rPr>
+                                      <m:t>𝑏</m:t>
+                                    </m:r>
+                                  </m:e>
+                                  <m:sub>
+                                    <m:r>
+                                      <a:rPr lang="de-DE" sz="2600" i="1">
+                                        <a:latin typeface="Cambria Math" panose="02040503050406030204" pitchFamily="18" charset="0"/>
+                                      </a:rPr>
+                                      <m:t>21</m:t>
+                                    </m:r>
+                                  </m:sub>
+                                </m:sSub>
+                              </m:e>
+                              <m:e>
+                                <m:sSub>
+                                  <m:sSubPr>
+                                    <m:ctrlPr>
+                                      <a:rPr lang="de-DE" sz="2600" i="1">
+                                        <a:latin typeface="Cambria Math" panose="02040503050406030204" pitchFamily="18" charset="0"/>
+                                      </a:rPr>
+                                    </m:ctrlPr>
+                                  </m:sSubPr>
+                                  <m:e>
+                                    <m:r>
+                                      <a:rPr lang="de-DE" sz="2600" i="1">
+                                        <a:latin typeface="Cambria Math" panose="02040503050406030204" pitchFamily="18" charset="0"/>
+                                      </a:rPr>
+                                      <m:t>𝑎</m:t>
+                                    </m:r>
+                                  </m:e>
+                                  <m:sub>
+                                    <m:r>
+                                      <a:rPr lang="de-DE" sz="2600" b="0" i="1" smtClean="0">
+                                        <a:latin typeface="Cambria Math" panose="02040503050406030204" pitchFamily="18" charset="0"/>
+                                      </a:rPr>
+                                      <m:t>2</m:t>
+                                    </m:r>
+                                    <m:r>
+                                      <a:rPr lang="de-DE" sz="2600" i="1">
+                                        <a:latin typeface="Cambria Math" panose="02040503050406030204" pitchFamily="18" charset="0"/>
+                                      </a:rPr>
+                                      <m:t>1</m:t>
+                                    </m:r>
+                                  </m:sub>
+                                </m:sSub>
+                                <m:sSub>
+                                  <m:sSubPr>
+                                    <m:ctrlPr>
+                                      <a:rPr lang="de-DE" sz="2600" i="1">
+                                        <a:latin typeface="Cambria Math" panose="02040503050406030204" pitchFamily="18" charset="0"/>
+                                      </a:rPr>
+                                    </m:ctrlPr>
+                                  </m:sSubPr>
+                                  <m:e>
+                                    <m:r>
+                                      <a:rPr lang="de-DE" sz="2600" i="1" smtClean="0">
+                                        <a:solidFill>
+                                          <a:srgbClr val="FF0000"/>
+                                        </a:solidFill>
+                                        <a:latin typeface="Cambria Math" panose="02040503050406030204" pitchFamily="18" charset="0"/>
+                                        <a:ea typeface="Cambria Math" panose="02040503050406030204" pitchFamily="18" charset="0"/>
+                                      </a:rPr>
+                                      <m:t>∙</m:t>
+                                    </m:r>
+                                    <m:r>
+                                      <a:rPr lang="de-DE" sz="2600" i="1">
+                                        <a:latin typeface="Cambria Math" panose="02040503050406030204" pitchFamily="18" charset="0"/>
+                                      </a:rPr>
+                                      <m:t>𝑏</m:t>
+                                    </m:r>
+                                  </m:e>
+                                  <m:sub>
+                                    <m:r>
+                                      <a:rPr lang="de-DE" sz="2600" i="1">
+                                        <a:latin typeface="Cambria Math" panose="02040503050406030204" pitchFamily="18" charset="0"/>
+                                      </a:rPr>
+                                      <m:t>12</m:t>
+                                    </m:r>
+                                  </m:sub>
+                                </m:sSub>
+                                <m:r>
+                                  <a:rPr lang="de-DE" sz="2600" i="1">
+                                    <a:latin typeface="Cambria Math" panose="02040503050406030204" pitchFamily="18" charset="0"/>
+                                  </a:rPr>
+                                  <m:t>+</m:t>
+                                </m:r>
+                                <m:sSub>
+                                  <m:sSubPr>
+                                    <m:ctrlPr>
+                                      <a:rPr lang="de-DE" sz="2600" i="1">
+                                        <a:latin typeface="Cambria Math" panose="02040503050406030204" pitchFamily="18" charset="0"/>
+                                      </a:rPr>
+                                    </m:ctrlPr>
+                                  </m:sSubPr>
+                                  <m:e>
+                                    <m:r>
+                                      <a:rPr lang="de-DE" sz="2600" i="1">
+                                        <a:latin typeface="Cambria Math" panose="02040503050406030204" pitchFamily="18" charset="0"/>
+                                      </a:rPr>
+                                      <m:t>𝑎</m:t>
+                                    </m:r>
+                                  </m:e>
+                                  <m:sub>
+                                    <m:r>
+                                      <a:rPr lang="de-DE" sz="2600" b="0" i="1" smtClean="0">
+                                        <a:latin typeface="Cambria Math" panose="02040503050406030204" pitchFamily="18" charset="0"/>
+                                      </a:rPr>
+                                      <m:t>2</m:t>
+                                    </m:r>
+                                    <m:r>
+                                      <a:rPr lang="de-DE" sz="2600" i="1">
+                                        <a:latin typeface="Cambria Math" panose="02040503050406030204" pitchFamily="18" charset="0"/>
+                                      </a:rPr>
+                                      <m:t>2</m:t>
+                                    </m:r>
+                                  </m:sub>
+                                </m:sSub>
+                                <m:sSub>
+                                  <m:sSubPr>
+                                    <m:ctrlPr>
+                                      <a:rPr lang="de-DE" sz="2600" i="1">
+                                        <a:latin typeface="Cambria Math" panose="02040503050406030204" pitchFamily="18" charset="0"/>
+                                      </a:rPr>
+                                    </m:ctrlPr>
+                                  </m:sSubPr>
+                                  <m:e>
+                                    <m:r>
+                                      <a:rPr lang="de-DE" sz="2600" i="1" smtClean="0">
+                                        <a:solidFill>
+                                          <a:srgbClr val="FF0000"/>
+                                        </a:solidFill>
+                                        <a:latin typeface="Cambria Math" panose="02040503050406030204" pitchFamily="18" charset="0"/>
+                                        <a:ea typeface="Cambria Math" panose="02040503050406030204" pitchFamily="18" charset="0"/>
+                                      </a:rPr>
+                                      <m:t>∙</m:t>
+                                    </m:r>
+                                    <m:r>
+                                      <a:rPr lang="de-DE" sz="2600" i="1">
+                                        <a:latin typeface="Cambria Math" panose="02040503050406030204" pitchFamily="18" charset="0"/>
+                                      </a:rPr>
+                                      <m:t>𝑏</m:t>
+                                    </m:r>
+                                  </m:e>
+                                  <m:sub>
+                                    <m:r>
+                                      <a:rPr lang="de-DE" sz="2600" i="1">
+                                        <a:latin typeface="Cambria Math" panose="02040503050406030204" pitchFamily="18" charset="0"/>
+                                      </a:rPr>
+                                      <m:t>22</m:t>
+                                    </m:r>
+                                  </m:sub>
+                                </m:sSub>
+                              </m:e>
+                            </m:mr>
+                          </m:m>
+                        </m:e>
+                      </m:d>
+                    </m:oMath>
+                  </m:oMathPara>
+                </a14:m>
+                <a:endParaRPr lang="de-DE" sz="2600" dirty="0"/>
+              </a:p>
+              <a:p>
+                <a:pPr marL="0" indent="0" algn="ctr">
+                  <a:buNone/>
+                </a:pPr>
+                <a:endParaRPr lang="de-DE" sz="2600" dirty="0"/>
+              </a:p>
+              <a:p>
+                <a:pPr marL="0" indent="0" algn="ctr">
+                  <a:buNone/>
+                </a:pPr>
+                <a:r>
+                  <a:rPr lang="de-DE" sz="2600" dirty="0"/>
+                  <a:t>Acht teure Multiplikationen</a:t>
+                </a:r>
+              </a:p>
+            </p:txBody>
+          </p:sp>
+        </mc:Choice>
+        <mc:Fallback>
+          <p:sp>
+            <p:nvSpPr>
+              <p:cNvPr id="3" name="Inhaltsplatzhalter 2">
+                <a:extLst>
+                  <a:ext uri="{FF2B5EF4-FFF2-40B4-BE49-F238E27FC236}">
+                    <a16:creationId xmlns:a16="http://schemas.microsoft.com/office/drawing/2014/main" id="{D79B8B37-8223-C932-B133-60DD5BE628A0}"/>
+                  </a:ext>
+                </a:extLst>
+              </p:cNvPr>
+              <p:cNvSpPr>
+                <a:spLocks noGrp="1" noRot="1" noChangeAspect="1" noMove="1" noResize="1" noEditPoints="1" noAdjustHandles="1" noChangeArrowheads="1" noChangeShapeType="1" noTextEdit="1"/>
+              </p:cNvSpPr>
+              <p:nvPr>
+                <p:ph idx="1"/>
+              </p:nvPr>
+            </p:nvSpPr>
+            <p:spPr>
+              <a:blipFill>
+                <a:blip r:embed="rId2"/>
+                <a:stretch>
+                  <a:fillRect t="-581"/>
+                </a:stretch>
+              </a:blipFill>
+            </p:spPr>
+            <p:txBody>
+              <a:bodyPr/>
+              <a:lstStyle/>
+              <a:p>
+                <a:r>
+                  <a:rPr lang="de-DE">
+                    <a:noFill/>
+                  </a:rPr>
+                  <a:t> </a:t>
+                </a:r>
+              </a:p>
+            </p:txBody>
+          </p:sp>
+        </mc:Fallback>
+      </mc:AlternateContent>
+      <p:sp>
+        <p:nvSpPr>
+          <p:cNvPr id="4" name="Datumsplatzhalter 3">
+            <a:extLst>
+              <a:ext uri="{FF2B5EF4-FFF2-40B4-BE49-F238E27FC236}">
+                <a16:creationId xmlns:a16="http://schemas.microsoft.com/office/drawing/2014/main" id="{7A57705E-6408-94FD-573F-4E010B2F65CD}"/>
+              </a:ext>
+            </a:extLst>
+          </p:cNvPr>
+          <p:cNvSpPr>
+            <a:spLocks noGrp="1"/>
+          </p:cNvSpPr>
+          <p:nvPr>
+            <p:ph type="dt" sz="half" idx="10"/>
+          </p:nvPr>
+        </p:nvSpPr>
+        <p:spPr/>
+        <p:txBody>
+          <a:bodyPr/>
+          <a:lstStyle/>
+          <a:p>
+            <a:r>
+              <a:rPr lang="de-DE"/>
+              <a:t>22.08.2023</a:t>
+            </a:r>
+          </a:p>
+        </p:txBody>
+      </p:sp>
+      <p:sp>
+        <p:nvSpPr>
+          <p:cNvPr id="5" name="Fußzeilenplatzhalter 4">
+            <a:extLst>
+              <a:ext uri="{FF2B5EF4-FFF2-40B4-BE49-F238E27FC236}">
+                <a16:creationId xmlns:a16="http://schemas.microsoft.com/office/drawing/2014/main" id="{16C28518-7D07-806E-B40F-E702C81D0F4D}"/>
+              </a:ext>
+            </a:extLst>
+          </p:cNvPr>
+          <p:cNvSpPr>
+            <a:spLocks noGrp="1"/>
+          </p:cNvSpPr>
+          <p:nvPr>
+            <p:ph type="ftr" sz="quarter" idx="11"/>
+          </p:nvPr>
+        </p:nvSpPr>
+        <p:spPr>
+          <a:xfrm>
+            <a:off x="3472543" y="6356350"/>
+            <a:ext cx="5246914" cy="365125"/>
+          </a:xfrm>
+        </p:spPr>
+        <p:txBody>
+          <a:bodyPr/>
+          <a:lstStyle/>
+          <a:p>
+            <a:r>
+              <a:rPr lang="de-DE" dirty="0"/>
+              <a:t>Aufgabe A326 – Team 213 – Noah Schlenker – Leon B. Kniffki – Christian </a:t>
+            </a:r>
+            <a:r>
+              <a:rPr lang="de-DE" dirty="0" err="1"/>
+              <a:t>Krinitsin</a:t>
+            </a:r>
+            <a:endParaRPr lang="de-DE" dirty="0"/>
+          </a:p>
+        </p:txBody>
+      </p:sp>
+      <p:sp>
+        <p:nvSpPr>
+          <p:cNvPr id="6" name="Foliennummernplatzhalter 5">
+            <a:extLst>
+              <a:ext uri="{FF2B5EF4-FFF2-40B4-BE49-F238E27FC236}">
+                <a16:creationId xmlns:a16="http://schemas.microsoft.com/office/drawing/2014/main" id="{97C2D911-B162-6E01-9B35-0590D962D8ED}"/>
+              </a:ext>
+            </a:extLst>
+          </p:cNvPr>
+          <p:cNvSpPr>
+            <a:spLocks noGrp="1"/>
+          </p:cNvSpPr>
+          <p:nvPr>
+            <p:ph type="sldNum" sz="quarter" idx="12"/>
+          </p:nvPr>
+        </p:nvSpPr>
+        <p:spPr/>
+        <p:txBody>
+          <a:bodyPr/>
+          <a:lstStyle/>
+          <a:p>
+            <a:fld id="{AE07E6DF-0E1A-AC44-B689-ED3A3483D2F3}" type="slidenum">
+              <a:rPr lang="de-DE" smtClean="0"/>
+              <a:t>3</a:t>
+            </a:fld>
+            <a:endParaRPr lang="de-DE"/>
+          </a:p>
+        </p:txBody>
+      </p:sp>
+    </p:spTree>
+    <p:extLst>
+      <p:ext uri="{BB962C8B-B14F-4D97-AF65-F5344CB8AC3E}">
+        <p14:creationId xmlns:p14="http://schemas.microsoft.com/office/powerpoint/2010/main" val="2070146959"/>
+      </p:ext>
+    </p:extLst>
+  </p:cSld>
+  <p:clrMapOvr>
+    <a:masterClrMapping/>
+  </p:clrMapOvr>
+</p:sld>
+</file>
+
+<file path=ppt/slides/slide4.xml><?xml version="1.0" encoding="utf-8"?>
+<p:sld xmlns:a="http://schemas.openxmlformats.org/drawingml/2006/main" xmlns:r="http://schemas.openxmlformats.org/officeDocument/2006/relationships" xmlns:p="http://schemas.openxmlformats.org/presentationml/2006/main">
+  <p:cSld>
+    <p:spTree>
+      <p:nvGrpSpPr>
+        <p:cNvPr id="1" name=""/>
+        <p:cNvGrpSpPr/>
+        <p:nvPr/>
+      </p:nvGrpSpPr>
+      <p:grpSpPr>
+        <a:xfrm>
+          <a:off x="0" y="0"/>
+          <a:ext cx="0" cy="0"/>
+          <a:chOff x="0" y="0"/>
+          <a:chExt cx="0" cy="0"/>
+        </a:xfrm>
+      </p:grpSpPr>
+      <p:sp>
+        <p:nvSpPr>
+          <p:cNvPr id="2" name="Titel 1">
+            <a:extLst>
+              <a:ext uri="{FF2B5EF4-FFF2-40B4-BE49-F238E27FC236}">
+                <a16:creationId xmlns:a16="http://schemas.microsoft.com/office/drawing/2014/main" id="{2D2BFEB1-A380-ADF4-28F1-6184EC290B1F}"/>
+              </a:ext>
+            </a:extLst>
+          </p:cNvPr>
+          <p:cNvSpPr>
+            <a:spLocks noGrp="1"/>
+          </p:cNvSpPr>
+          <p:nvPr>
+            <p:ph type="title"/>
+          </p:nvPr>
+        </p:nvSpPr>
+        <p:spPr/>
+        <p:txBody>
+          <a:bodyPr/>
+          <a:lstStyle/>
+          <a:p>
+            <a:pPr algn="ctr"/>
+            <a:r>
+              <a:rPr lang="de-DE" dirty="0"/>
+              <a:t>Die Matrixmultiplikation</a:t>
+            </a:r>
+          </a:p>
+        </p:txBody>
+      </p:sp>
+      <mc:AlternateContent xmlns:mc="http://schemas.openxmlformats.org/markup-compatibility/2006">
+        <mc:Choice xmlns:a14="http://schemas.microsoft.com/office/drawing/2010/main" Requires="a14">
+          <p:sp>
+            <p:nvSpPr>
+              <p:cNvPr id="3" name="Inhaltsplatzhalter 2">
+                <a:extLst>
+                  <a:ext uri="{FF2B5EF4-FFF2-40B4-BE49-F238E27FC236}">
+                    <a16:creationId xmlns:a16="http://schemas.microsoft.com/office/drawing/2014/main" id="{D79B8B37-8223-C932-B133-60DD5BE628A0}"/>
+                  </a:ext>
+                </a:extLst>
+              </p:cNvPr>
+              <p:cNvSpPr>
+                <a:spLocks noGrp="1"/>
+              </p:cNvSpPr>
+              <p:nvPr>
+                <p:ph idx="1"/>
+              </p:nvPr>
+            </p:nvSpPr>
+            <p:spPr/>
+            <p:txBody>
+              <a:bodyPr>
+                <a:normAutofit fontScale="92500"/>
+              </a:bodyPr>
+              <a:lstStyle/>
+              <a:p>
+                <a:pPr marL="0" indent="0" algn="ctr">
+                  <a:buNone/>
+                </a:pPr>
+                <a14:m>
+                  <m:oMathPara xmlns:m="http://schemas.openxmlformats.org/officeDocument/2006/math">
+                    <m:oMathParaPr>
+                      <m:jc m:val="centerGroup"/>
+                    </m:oMathParaPr>
+                    <m:oMath xmlns:m="http://schemas.openxmlformats.org/officeDocument/2006/math">
+                      <m:d>
+                        <m:dPr>
+                          <m:ctrlPr>
+                            <a:rPr lang="de-DE" i="1" smtClean="0">
+                              <a:latin typeface="Cambria Math" panose="02040503050406030204" pitchFamily="18" charset="0"/>
+                            </a:rPr>
+                          </m:ctrlPr>
+                        </m:dPr>
+                        <m:e>
+                          <m:m>
+                            <m:mPr>
+                              <m:mcs>
+                                <m:mc>
+                                  <m:mcPr>
+                                    <m:count m:val="2"/>
+                                    <m:mcJc m:val="center"/>
+                                  </m:mcPr>
+                                </m:mc>
+                              </m:mcs>
+                              <m:ctrlPr>
+                                <a:rPr lang="de-DE" i="1" smtClean="0">
+                                  <a:latin typeface="Cambria Math" panose="02040503050406030204" pitchFamily="18" charset="0"/>
+                                </a:rPr>
+                              </m:ctrlPr>
+                            </m:mPr>
+                            <m:mr>
+                              <m:e>
+                                <m:sSub>
+                                  <m:sSubPr>
+                                    <m:ctrlPr>
+                                      <a:rPr lang="de-DE" i="1" smtClean="0">
+                                        <a:latin typeface="Cambria Math" panose="02040503050406030204" pitchFamily="18" charset="0"/>
+                                      </a:rPr>
+                                    </m:ctrlPr>
+                                  </m:sSubPr>
+                                  <m:e>
+                                    <m:r>
+                                      <a:rPr lang="de-DE" b="0" i="1" smtClean="0">
+                                        <a:latin typeface="Cambria Math" panose="02040503050406030204" pitchFamily="18" charset="0"/>
+                                      </a:rPr>
+                                      <m:t>𝑎</m:t>
+                                    </m:r>
+                                  </m:e>
+                                  <m:sub>
+                                    <m:r>
+                                      <a:rPr lang="de-DE" b="0" i="1" smtClean="0">
+                                        <a:latin typeface="Cambria Math" panose="02040503050406030204" pitchFamily="18" charset="0"/>
+                                      </a:rPr>
+                                      <m:t>11</m:t>
+                                    </m:r>
+                                  </m:sub>
+                                </m:sSub>
+                              </m:e>
+                              <m:e>
+                                <m:sSub>
+                                  <m:sSubPr>
+                                    <m:ctrlPr>
+                                      <a:rPr lang="de-DE" i="1">
+                                        <a:latin typeface="Cambria Math" panose="02040503050406030204" pitchFamily="18" charset="0"/>
+                                      </a:rPr>
+                                    </m:ctrlPr>
+                                  </m:sSubPr>
+                                  <m:e>
+                                    <m:r>
+                                      <a:rPr lang="de-DE" i="1">
+                                        <a:latin typeface="Cambria Math" panose="02040503050406030204" pitchFamily="18" charset="0"/>
+                                      </a:rPr>
+                                      <m:t>𝑎</m:t>
+                                    </m:r>
+                                  </m:e>
+                                  <m:sub>
+                                    <m:r>
+                                      <a:rPr lang="de-DE" i="1">
+                                        <a:latin typeface="Cambria Math" panose="02040503050406030204" pitchFamily="18" charset="0"/>
+                                      </a:rPr>
+                                      <m:t>1</m:t>
+                                    </m:r>
+                                    <m:r>
+                                      <a:rPr lang="de-DE" b="0" i="1" smtClean="0">
+                                        <a:latin typeface="Cambria Math" panose="02040503050406030204" pitchFamily="18" charset="0"/>
+                                      </a:rPr>
+                                      <m:t>2</m:t>
+                                    </m:r>
+                                  </m:sub>
+                                </m:sSub>
+                              </m:e>
+                            </m:mr>
+                            <m:mr>
+                              <m:e>
+                                <m:sSub>
+                                  <m:sSubPr>
+                                    <m:ctrlPr>
+                                      <a:rPr lang="de-DE" i="1">
+                                        <a:latin typeface="Cambria Math" panose="02040503050406030204" pitchFamily="18" charset="0"/>
+                                      </a:rPr>
+                                    </m:ctrlPr>
+                                  </m:sSubPr>
+                                  <m:e>
+                                    <m:r>
+                                      <a:rPr lang="de-DE" i="1">
+                                        <a:latin typeface="Cambria Math" panose="02040503050406030204" pitchFamily="18" charset="0"/>
+                                      </a:rPr>
+                                      <m:t>𝑎</m:t>
+                                    </m:r>
+                                  </m:e>
+                                  <m:sub>
+                                    <m:r>
+                                      <a:rPr lang="de-DE" b="0" i="1" smtClean="0">
+                                        <a:latin typeface="Cambria Math" panose="02040503050406030204" pitchFamily="18" charset="0"/>
+                                      </a:rPr>
+                                      <m:t>2</m:t>
+                                    </m:r>
+                                    <m:r>
+                                      <a:rPr lang="de-DE" i="1">
+                                        <a:latin typeface="Cambria Math" panose="02040503050406030204" pitchFamily="18" charset="0"/>
+                                      </a:rPr>
+                                      <m:t>1</m:t>
+                                    </m:r>
+                                  </m:sub>
+                                </m:sSub>
+                              </m:e>
+                              <m:e>
+                                <m:sSub>
+                                  <m:sSubPr>
+                                    <m:ctrlPr>
+                                      <a:rPr lang="de-DE" i="1">
+                                        <a:latin typeface="Cambria Math" panose="02040503050406030204" pitchFamily="18" charset="0"/>
+                                      </a:rPr>
+                                    </m:ctrlPr>
+                                  </m:sSubPr>
+                                  <m:e>
+                                    <m:r>
+                                      <a:rPr lang="de-DE" i="1">
+                                        <a:latin typeface="Cambria Math" panose="02040503050406030204" pitchFamily="18" charset="0"/>
+                                      </a:rPr>
+                                      <m:t>𝑎</m:t>
+                                    </m:r>
+                                  </m:e>
+                                  <m:sub>
+                                    <m:r>
+                                      <a:rPr lang="de-DE" b="0" i="1" smtClean="0">
+                                        <a:latin typeface="Cambria Math" panose="02040503050406030204" pitchFamily="18" charset="0"/>
+                                      </a:rPr>
+                                      <m:t>22</m:t>
+                                    </m:r>
+                                  </m:sub>
+                                </m:sSub>
+                              </m:e>
+                            </m:mr>
+                          </m:m>
+                        </m:e>
+                      </m:d>
+                      <m:d>
+                        <m:dPr>
+                          <m:ctrlPr>
+                            <a:rPr lang="de-DE" i="1">
+                              <a:latin typeface="Cambria Math" panose="02040503050406030204" pitchFamily="18" charset="0"/>
+                            </a:rPr>
+                          </m:ctrlPr>
+                        </m:dPr>
+                        <m:e>
+                          <m:m>
+                            <m:mPr>
+                              <m:mcs>
+                                <m:mc>
+                                  <m:mcPr>
+                                    <m:count m:val="2"/>
+                                    <m:mcJc m:val="center"/>
+                                  </m:mcPr>
+                                </m:mc>
+                              </m:mcs>
+                              <m:ctrlPr>
+                                <a:rPr lang="de-DE" i="1">
+                                  <a:latin typeface="Cambria Math" panose="02040503050406030204" pitchFamily="18" charset="0"/>
+                                </a:rPr>
+                              </m:ctrlPr>
+                            </m:mPr>
+                            <m:mr>
+                              <m:e>
+                                <m:sSub>
+                                  <m:sSubPr>
+                                    <m:ctrlPr>
+                                      <a:rPr lang="de-DE" i="1" smtClean="0">
+                                        <a:latin typeface="Cambria Math" panose="02040503050406030204" pitchFamily="18" charset="0"/>
+                                      </a:rPr>
+                                    </m:ctrlPr>
+                                  </m:sSubPr>
+                                  <m:e>
+                                    <m:r>
+                                      <a:rPr lang="de-DE" b="0" i="1" smtClean="0">
+                                        <a:latin typeface="Cambria Math" panose="02040503050406030204" pitchFamily="18" charset="0"/>
+                                      </a:rPr>
+                                      <m:t>𝑏</m:t>
+                                    </m:r>
+                                  </m:e>
+                                  <m:sub>
+                                    <m:r>
+                                      <a:rPr lang="de-DE" i="1">
+                                        <a:latin typeface="Cambria Math" panose="02040503050406030204" pitchFamily="18" charset="0"/>
+                                      </a:rPr>
+                                      <m:t>11</m:t>
+                                    </m:r>
+                                  </m:sub>
+                                </m:sSub>
+                              </m:e>
+                              <m:e>
+                                <m:sSub>
+                                  <m:sSubPr>
+                                    <m:ctrlPr>
+                                      <a:rPr lang="de-DE" i="1">
+                                        <a:latin typeface="Cambria Math" panose="02040503050406030204" pitchFamily="18" charset="0"/>
+                                      </a:rPr>
+                                    </m:ctrlPr>
+                                  </m:sSubPr>
+                                  <m:e>
+                                    <m:r>
+                                      <a:rPr lang="de-DE" b="0" i="1" smtClean="0">
+                                        <a:latin typeface="Cambria Math" panose="02040503050406030204" pitchFamily="18" charset="0"/>
+                                      </a:rPr>
+                                      <m:t>𝑏</m:t>
+                                    </m:r>
+                                  </m:e>
+                                  <m:sub>
+                                    <m:r>
+                                      <a:rPr lang="de-DE" i="1">
+                                        <a:latin typeface="Cambria Math" panose="02040503050406030204" pitchFamily="18" charset="0"/>
+                                      </a:rPr>
+                                      <m:t>12</m:t>
+                                    </m:r>
+                                  </m:sub>
+                                </m:sSub>
+                              </m:e>
+                            </m:mr>
+                            <m:mr>
+                              <m:e>
+                                <m:sSub>
+                                  <m:sSubPr>
+                                    <m:ctrlPr>
+                                      <a:rPr lang="de-DE" i="1">
+                                        <a:latin typeface="Cambria Math" panose="02040503050406030204" pitchFamily="18" charset="0"/>
+                                      </a:rPr>
+                                    </m:ctrlPr>
+                                  </m:sSubPr>
+                                  <m:e>
+                                    <m:r>
+                                      <a:rPr lang="de-DE" b="0" i="1" smtClean="0">
+                                        <a:latin typeface="Cambria Math" panose="02040503050406030204" pitchFamily="18" charset="0"/>
+                                      </a:rPr>
+                                      <m:t>𝑏</m:t>
+                                    </m:r>
+                                  </m:e>
+                                  <m:sub>
+                                    <m:r>
+                                      <a:rPr lang="de-DE" i="1">
+                                        <a:latin typeface="Cambria Math" panose="02040503050406030204" pitchFamily="18" charset="0"/>
+                                      </a:rPr>
+                                      <m:t>21</m:t>
+                                    </m:r>
+                                  </m:sub>
+                                </m:sSub>
+                              </m:e>
+                              <m:e>
+                                <m:sSub>
+                                  <m:sSubPr>
+                                    <m:ctrlPr>
+                                      <a:rPr lang="de-DE" i="1">
+                                        <a:latin typeface="Cambria Math" panose="02040503050406030204" pitchFamily="18" charset="0"/>
+                                      </a:rPr>
+                                    </m:ctrlPr>
+                                  </m:sSubPr>
+                                  <m:e>
+                                    <m:r>
+                                      <a:rPr lang="de-DE" b="0" i="1" smtClean="0">
+                                        <a:latin typeface="Cambria Math" panose="02040503050406030204" pitchFamily="18" charset="0"/>
+                                      </a:rPr>
+                                      <m:t>𝑏</m:t>
+                                    </m:r>
+                                  </m:e>
+                                  <m:sub>
+                                    <m:r>
+                                      <a:rPr lang="de-DE" i="1">
+                                        <a:latin typeface="Cambria Math" panose="02040503050406030204" pitchFamily="18" charset="0"/>
+                                      </a:rPr>
+                                      <m:t>22</m:t>
+                                    </m:r>
+                                  </m:sub>
+                                </m:sSub>
+                              </m:e>
+                            </m:mr>
+                          </m:m>
+                        </m:e>
+                      </m:d>
+                      <m:r>
+                        <a:rPr lang="de-DE" b="0" i="1" smtClean="0">
+                          <a:latin typeface="Cambria Math" panose="02040503050406030204" pitchFamily="18" charset="0"/>
+                        </a:rPr>
+                        <m:t>=</m:t>
+                      </m:r>
+                      <m:d>
+                        <m:dPr>
+                          <m:ctrlPr>
+                            <a:rPr lang="de-DE" i="1">
+                              <a:latin typeface="Cambria Math" panose="02040503050406030204" pitchFamily="18" charset="0"/>
+                            </a:rPr>
+                          </m:ctrlPr>
+                        </m:dPr>
+                        <m:e>
+                          <m:m>
+                            <m:mPr>
+                              <m:mcs>
+                                <m:mc>
+                                  <m:mcPr>
+                                    <m:count m:val="2"/>
+                                    <m:mcJc m:val="center"/>
+                                  </m:mcPr>
+                                </m:mc>
+                              </m:mcs>
+                              <m:ctrlPr>
+                                <a:rPr lang="de-DE" i="1">
+                                  <a:latin typeface="Cambria Math" panose="02040503050406030204" pitchFamily="18" charset="0"/>
+                                </a:rPr>
+                              </m:ctrlPr>
+                            </m:mPr>
+                            <m:mr>
+                              <m:e>
+                                <m:sSub>
+                                  <m:sSubPr>
+                                    <m:ctrlPr>
+                                      <a:rPr lang="de-DE" i="1">
+                                        <a:latin typeface="Cambria Math" panose="02040503050406030204" pitchFamily="18" charset="0"/>
+                                      </a:rPr>
+                                    </m:ctrlPr>
+                                  </m:sSubPr>
+                                  <m:e>
+                                    <m:r>
+                                      <a:rPr lang="de-DE" i="1">
+                                        <a:latin typeface="Cambria Math" panose="02040503050406030204" pitchFamily="18" charset="0"/>
+                                      </a:rPr>
+                                      <m:t>𝑎</m:t>
+                                    </m:r>
+                                  </m:e>
+                                  <m:sub>
+                                    <m:r>
+                                      <a:rPr lang="de-DE" i="1">
+                                        <a:latin typeface="Cambria Math" panose="02040503050406030204" pitchFamily="18" charset="0"/>
+                                      </a:rPr>
+                                      <m:t>11</m:t>
+                                    </m:r>
+                                  </m:sub>
+                                </m:sSub>
+                                <m:sSub>
+                                  <m:sSubPr>
+                                    <m:ctrlPr>
+                                      <a:rPr lang="de-DE" i="1" smtClean="0">
+                                        <a:latin typeface="Cambria Math" panose="02040503050406030204" pitchFamily="18" charset="0"/>
+                                      </a:rPr>
+                                    </m:ctrlPr>
+                                  </m:sSubPr>
+                                  <m:e>
+                                    <m:r>
+                                      <a:rPr lang="de-DE" i="1" smtClean="0">
+                                        <a:solidFill>
+                                          <a:srgbClr val="FF0000"/>
+                                        </a:solidFill>
+                                        <a:latin typeface="Cambria Math" panose="02040503050406030204" pitchFamily="18" charset="0"/>
+                                        <a:ea typeface="Cambria Math" panose="02040503050406030204" pitchFamily="18" charset="0"/>
+                                      </a:rPr>
+                                      <m:t>∙</m:t>
+                                    </m:r>
+                                    <m:r>
+                                      <a:rPr lang="de-DE" b="0" i="1" smtClean="0">
+                                        <a:latin typeface="Cambria Math" panose="02040503050406030204" pitchFamily="18" charset="0"/>
+                                      </a:rPr>
+                                      <m:t>𝑏</m:t>
+                                    </m:r>
+                                  </m:e>
+                                  <m:sub>
+                                    <m:r>
+                                      <a:rPr lang="de-DE" b="0" i="1" smtClean="0">
+                                        <a:latin typeface="Cambria Math" panose="02040503050406030204" pitchFamily="18" charset="0"/>
+                                      </a:rPr>
+                                      <m:t>11</m:t>
+                                    </m:r>
+                                  </m:sub>
+                                </m:sSub>
+                                <m:r>
+                                  <a:rPr lang="de-DE" b="0" i="1" smtClean="0">
+                                    <a:latin typeface="Cambria Math" panose="02040503050406030204" pitchFamily="18" charset="0"/>
+                                  </a:rPr>
+                                  <m:t>+</m:t>
+                                </m:r>
+                                <m:sSub>
+                                  <m:sSubPr>
+                                    <m:ctrlPr>
+                                      <a:rPr lang="de-DE" i="1">
+                                        <a:latin typeface="Cambria Math" panose="02040503050406030204" pitchFamily="18" charset="0"/>
+                                      </a:rPr>
+                                    </m:ctrlPr>
+                                  </m:sSubPr>
+                                  <m:e>
+                                    <m:r>
+                                      <a:rPr lang="de-DE" i="1">
+                                        <a:latin typeface="Cambria Math" panose="02040503050406030204" pitchFamily="18" charset="0"/>
+                                      </a:rPr>
+                                      <m:t>𝑎</m:t>
+                                    </m:r>
+                                  </m:e>
+                                  <m:sub>
+                                    <m:r>
+                                      <a:rPr lang="de-DE" i="1">
+                                        <a:latin typeface="Cambria Math" panose="02040503050406030204" pitchFamily="18" charset="0"/>
+                                      </a:rPr>
+                                      <m:t>1</m:t>
+                                    </m:r>
+                                    <m:r>
+                                      <a:rPr lang="de-DE" b="0" i="1" smtClean="0">
+                                        <a:latin typeface="Cambria Math" panose="02040503050406030204" pitchFamily="18" charset="0"/>
+                                      </a:rPr>
+                                      <m:t>2</m:t>
+                                    </m:r>
+                                  </m:sub>
+                                </m:sSub>
+                                <m:r>
+                                  <a:rPr lang="de-DE" i="1" smtClean="0">
+                                    <a:solidFill>
+                                      <a:srgbClr val="FF0000"/>
+                                    </a:solidFill>
+                                    <a:latin typeface="Cambria Math" panose="02040503050406030204" pitchFamily="18" charset="0"/>
+                                    <a:ea typeface="Cambria Math" panose="02040503050406030204" pitchFamily="18" charset="0"/>
+                                  </a:rPr>
+                                  <m:t>∙</m:t>
+                                </m:r>
+                                <m:sSub>
+                                  <m:sSubPr>
+                                    <m:ctrlPr>
+                                      <a:rPr lang="de-DE" i="1">
+                                        <a:latin typeface="Cambria Math" panose="02040503050406030204" pitchFamily="18" charset="0"/>
+                                      </a:rPr>
+                                    </m:ctrlPr>
+                                  </m:sSubPr>
+                                  <m:e>
+                                    <m:r>
+                                      <a:rPr lang="de-DE" i="1">
+                                        <a:latin typeface="Cambria Math" panose="02040503050406030204" pitchFamily="18" charset="0"/>
+                                      </a:rPr>
+                                      <m:t>𝑏</m:t>
+                                    </m:r>
+                                  </m:e>
+                                  <m:sub>
+                                    <m:r>
+                                      <a:rPr lang="de-DE" b="0" i="1" smtClean="0">
+                                        <a:latin typeface="Cambria Math" panose="02040503050406030204" pitchFamily="18" charset="0"/>
+                                      </a:rPr>
+                                      <m:t>2</m:t>
+                                    </m:r>
+                                    <m:r>
+                                      <a:rPr lang="de-DE" i="1">
+                                        <a:latin typeface="Cambria Math" panose="02040503050406030204" pitchFamily="18" charset="0"/>
+                                      </a:rPr>
+                                      <m:t>1</m:t>
+                                    </m:r>
+                                  </m:sub>
+                                </m:sSub>
+                              </m:e>
+                              <m:e>
+                                <m:sSub>
+                                  <m:sSubPr>
+                                    <m:ctrlPr>
+                                      <a:rPr lang="de-DE" i="1">
+                                        <a:latin typeface="Cambria Math" panose="02040503050406030204" pitchFamily="18" charset="0"/>
+                                      </a:rPr>
+                                    </m:ctrlPr>
+                                  </m:sSubPr>
+                                  <m:e>
+                                    <m:r>
+                                      <a:rPr lang="de-DE" i="1">
+                                        <a:latin typeface="Cambria Math" panose="02040503050406030204" pitchFamily="18" charset="0"/>
+                                      </a:rPr>
+                                      <m:t>𝑎</m:t>
+                                    </m:r>
+                                  </m:e>
+                                  <m:sub>
+                                    <m:r>
+                                      <a:rPr lang="de-DE" i="1">
+                                        <a:latin typeface="Cambria Math" panose="02040503050406030204" pitchFamily="18" charset="0"/>
+                                      </a:rPr>
+                                      <m:t>11</m:t>
+                                    </m:r>
+                                  </m:sub>
+                                </m:sSub>
+                                <m:sSub>
+                                  <m:sSubPr>
+                                    <m:ctrlPr>
+                                      <a:rPr lang="de-DE" i="1">
+                                        <a:latin typeface="Cambria Math" panose="02040503050406030204" pitchFamily="18" charset="0"/>
+                                      </a:rPr>
+                                    </m:ctrlPr>
+                                  </m:sSubPr>
+                                  <m:e>
+                                    <m:r>
+                                      <a:rPr lang="de-DE" i="1" smtClean="0">
+                                        <a:solidFill>
+                                          <a:srgbClr val="FF0000"/>
+                                        </a:solidFill>
+                                        <a:latin typeface="Cambria Math" panose="02040503050406030204" pitchFamily="18" charset="0"/>
+                                        <a:ea typeface="Cambria Math" panose="02040503050406030204" pitchFamily="18" charset="0"/>
+                                      </a:rPr>
+                                      <m:t>∙</m:t>
+                                    </m:r>
+                                    <m:r>
+                                      <a:rPr lang="de-DE" i="1">
+                                        <a:latin typeface="Cambria Math" panose="02040503050406030204" pitchFamily="18" charset="0"/>
+                                      </a:rPr>
+                                      <m:t>𝑏</m:t>
+                                    </m:r>
+                                  </m:e>
+                                  <m:sub>
+                                    <m:r>
+                                      <a:rPr lang="de-DE" i="1">
+                                        <a:latin typeface="Cambria Math" panose="02040503050406030204" pitchFamily="18" charset="0"/>
+                                      </a:rPr>
+                                      <m:t>1</m:t>
+                                    </m:r>
+                                    <m:r>
+                                      <a:rPr lang="de-DE" b="0" i="1" smtClean="0">
+                                        <a:latin typeface="Cambria Math" panose="02040503050406030204" pitchFamily="18" charset="0"/>
+                                      </a:rPr>
+                                      <m:t>2</m:t>
+                                    </m:r>
+                                  </m:sub>
+                                </m:sSub>
+                                <m:r>
+                                  <a:rPr lang="de-DE" b="0" i="1" smtClean="0">
+                                    <a:latin typeface="Cambria Math" panose="02040503050406030204" pitchFamily="18" charset="0"/>
+                                  </a:rPr>
+                                  <m:t>+</m:t>
+                                </m:r>
+                                <m:sSub>
+                                  <m:sSubPr>
+                                    <m:ctrlPr>
+                                      <a:rPr lang="de-DE" i="1">
+                                        <a:latin typeface="Cambria Math" panose="02040503050406030204" pitchFamily="18" charset="0"/>
+                                      </a:rPr>
+                                    </m:ctrlPr>
+                                  </m:sSubPr>
+                                  <m:e>
+                                    <m:r>
+                                      <a:rPr lang="de-DE" i="1">
+                                        <a:latin typeface="Cambria Math" panose="02040503050406030204" pitchFamily="18" charset="0"/>
+                                      </a:rPr>
+                                      <m:t>𝑎</m:t>
+                                    </m:r>
+                                  </m:e>
+                                  <m:sub>
+                                    <m:r>
+                                      <a:rPr lang="de-DE" i="1">
+                                        <a:latin typeface="Cambria Math" panose="02040503050406030204" pitchFamily="18" charset="0"/>
+                                      </a:rPr>
+                                      <m:t>1</m:t>
+                                    </m:r>
+                                    <m:r>
+                                      <a:rPr lang="de-DE" b="0" i="1" smtClean="0">
+                                        <a:latin typeface="Cambria Math" panose="02040503050406030204" pitchFamily="18" charset="0"/>
+                                      </a:rPr>
+                                      <m:t>2</m:t>
+                                    </m:r>
+                                  </m:sub>
+                                </m:sSub>
+                                <m:sSub>
+                                  <m:sSubPr>
+                                    <m:ctrlPr>
+                                      <a:rPr lang="de-DE" i="1">
+                                        <a:latin typeface="Cambria Math" panose="02040503050406030204" pitchFamily="18" charset="0"/>
+                                      </a:rPr>
+                                    </m:ctrlPr>
+                                  </m:sSubPr>
+                                  <m:e>
+                                    <m:r>
+                                      <a:rPr lang="de-DE" i="1" smtClean="0">
+                                        <a:solidFill>
+                                          <a:srgbClr val="FF0000"/>
+                                        </a:solidFill>
+                                        <a:latin typeface="Cambria Math" panose="02040503050406030204" pitchFamily="18" charset="0"/>
+                                        <a:ea typeface="Cambria Math" panose="02040503050406030204" pitchFamily="18" charset="0"/>
+                                      </a:rPr>
+                                      <m:t>∙</m:t>
+                                    </m:r>
+                                    <m:r>
+                                      <a:rPr lang="de-DE" i="1">
+                                        <a:latin typeface="Cambria Math" panose="02040503050406030204" pitchFamily="18" charset="0"/>
+                                      </a:rPr>
+                                      <m:t>𝑏</m:t>
+                                    </m:r>
+                                  </m:e>
+                                  <m:sub>
+                                    <m:r>
+                                      <a:rPr lang="de-DE" b="0" i="1" smtClean="0">
+                                        <a:latin typeface="Cambria Math" panose="02040503050406030204" pitchFamily="18" charset="0"/>
+                                      </a:rPr>
+                                      <m:t>22</m:t>
+                                    </m:r>
+                                  </m:sub>
+                                </m:sSub>
+                              </m:e>
+                            </m:mr>
+                            <m:mr>
+                              <m:e>
+                                <m:sSub>
+                                  <m:sSubPr>
+                                    <m:ctrlPr>
+                                      <a:rPr lang="de-DE" i="1">
+                                        <a:latin typeface="Cambria Math" panose="02040503050406030204" pitchFamily="18" charset="0"/>
+                                      </a:rPr>
+                                    </m:ctrlPr>
+                                  </m:sSubPr>
+                                  <m:e>
+                                    <m:r>
+                                      <a:rPr lang="de-DE" i="1">
+                                        <a:latin typeface="Cambria Math" panose="02040503050406030204" pitchFamily="18" charset="0"/>
+                                      </a:rPr>
+                                      <m:t>𝑎</m:t>
+                                    </m:r>
+                                  </m:e>
+                                  <m:sub>
+                                    <m:r>
+                                      <a:rPr lang="de-DE" b="0" i="1" smtClean="0">
+                                        <a:latin typeface="Cambria Math" panose="02040503050406030204" pitchFamily="18" charset="0"/>
+                                      </a:rPr>
+                                      <m:t>2</m:t>
+                                    </m:r>
+                                    <m:r>
+                                      <a:rPr lang="de-DE" i="1">
+                                        <a:latin typeface="Cambria Math" panose="02040503050406030204" pitchFamily="18" charset="0"/>
+                                      </a:rPr>
+                                      <m:t>1</m:t>
+                                    </m:r>
+                                  </m:sub>
+                                </m:sSub>
+                                <m:r>
+                                  <a:rPr lang="de-DE" i="1" smtClean="0">
+                                    <a:solidFill>
+                                      <a:srgbClr val="FF0000"/>
+                                    </a:solidFill>
+                                    <a:latin typeface="Cambria Math" panose="02040503050406030204" pitchFamily="18" charset="0"/>
+                                    <a:ea typeface="Cambria Math" panose="02040503050406030204" pitchFamily="18" charset="0"/>
+                                  </a:rPr>
+                                  <m:t>∙</m:t>
+                                </m:r>
+                                <m:sSub>
+                                  <m:sSubPr>
+                                    <m:ctrlPr>
+                                      <a:rPr lang="de-DE" i="1">
+                                        <a:latin typeface="Cambria Math" panose="02040503050406030204" pitchFamily="18" charset="0"/>
+                                      </a:rPr>
+                                    </m:ctrlPr>
+                                  </m:sSubPr>
+                                  <m:e>
+                                    <m:r>
+                                      <a:rPr lang="de-DE" i="1">
+                                        <a:latin typeface="Cambria Math" panose="02040503050406030204" pitchFamily="18" charset="0"/>
+                                      </a:rPr>
+                                      <m:t>𝑏</m:t>
+                                    </m:r>
+                                  </m:e>
+                                  <m:sub>
+                                    <m:r>
+                                      <a:rPr lang="de-DE" b="0" i="1" smtClean="0">
+                                        <a:latin typeface="Cambria Math" panose="02040503050406030204" pitchFamily="18" charset="0"/>
+                                      </a:rPr>
+                                      <m:t>1</m:t>
+                                    </m:r>
+                                    <m:r>
+                                      <a:rPr lang="de-DE" i="1">
+                                        <a:latin typeface="Cambria Math" panose="02040503050406030204" pitchFamily="18" charset="0"/>
+                                      </a:rPr>
+                                      <m:t>1</m:t>
+                                    </m:r>
+                                  </m:sub>
+                                </m:sSub>
+                                <m:r>
+                                  <a:rPr lang="de-DE" i="1">
+                                    <a:latin typeface="Cambria Math" panose="02040503050406030204" pitchFamily="18" charset="0"/>
+                                  </a:rPr>
+                                  <m:t>+</m:t>
+                                </m:r>
+                                <m:sSub>
+                                  <m:sSubPr>
+                                    <m:ctrlPr>
+                                      <a:rPr lang="de-DE" i="1">
+                                        <a:latin typeface="Cambria Math" panose="02040503050406030204" pitchFamily="18" charset="0"/>
+                                      </a:rPr>
+                                    </m:ctrlPr>
+                                  </m:sSubPr>
+                                  <m:e>
+                                    <m:r>
+                                      <a:rPr lang="de-DE" i="1">
+                                        <a:latin typeface="Cambria Math" panose="02040503050406030204" pitchFamily="18" charset="0"/>
+                                      </a:rPr>
+                                      <m:t>𝑎</m:t>
+                                    </m:r>
+                                  </m:e>
+                                  <m:sub>
+                                    <m:r>
+                                      <a:rPr lang="de-DE" b="0" i="1" smtClean="0">
+                                        <a:latin typeface="Cambria Math" panose="02040503050406030204" pitchFamily="18" charset="0"/>
+                                      </a:rPr>
+                                      <m:t>2</m:t>
+                                    </m:r>
+                                    <m:r>
+                                      <a:rPr lang="de-DE" i="1">
+                                        <a:latin typeface="Cambria Math" panose="02040503050406030204" pitchFamily="18" charset="0"/>
+                                      </a:rPr>
+                                      <m:t>2</m:t>
+                                    </m:r>
+                                  </m:sub>
+                                </m:sSub>
+                                <m:sSub>
+                                  <m:sSubPr>
+                                    <m:ctrlPr>
+                                      <a:rPr lang="de-DE" i="1">
+                                        <a:latin typeface="Cambria Math" panose="02040503050406030204" pitchFamily="18" charset="0"/>
+                                      </a:rPr>
+                                    </m:ctrlPr>
+                                  </m:sSubPr>
+                                  <m:e>
+                                    <m:r>
+                                      <a:rPr lang="de-DE" i="1" smtClean="0">
+                                        <a:solidFill>
+                                          <a:srgbClr val="FF0000"/>
+                                        </a:solidFill>
+                                        <a:latin typeface="Cambria Math" panose="02040503050406030204" pitchFamily="18" charset="0"/>
+                                        <a:ea typeface="Cambria Math" panose="02040503050406030204" pitchFamily="18" charset="0"/>
+                                      </a:rPr>
+                                      <m:t>∙</m:t>
+                                    </m:r>
+                                    <m:r>
+                                      <a:rPr lang="de-DE" i="1">
+                                        <a:latin typeface="Cambria Math" panose="02040503050406030204" pitchFamily="18" charset="0"/>
+                                      </a:rPr>
+                                      <m:t>𝑏</m:t>
+                                    </m:r>
+                                  </m:e>
+                                  <m:sub>
+                                    <m:r>
+                                      <a:rPr lang="de-DE" i="1">
+                                        <a:latin typeface="Cambria Math" panose="02040503050406030204" pitchFamily="18" charset="0"/>
+                                      </a:rPr>
+                                      <m:t>21</m:t>
+                                    </m:r>
+                                  </m:sub>
+                                </m:sSub>
+                              </m:e>
+                              <m:e>
+                                <m:sSub>
+                                  <m:sSubPr>
+                                    <m:ctrlPr>
+                                      <a:rPr lang="de-DE" i="1">
+                                        <a:latin typeface="Cambria Math" panose="02040503050406030204" pitchFamily="18" charset="0"/>
+                                      </a:rPr>
+                                    </m:ctrlPr>
+                                  </m:sSubPr>
+                                  <m:e>
+                                    <m:r>
+                                      <a:rPr lang="de-DE" i="1">
+                                        <a:latin typeface="Cambria Math" panose="02040503050406030204" pitchFamily="18" charset="0"/>
+                                      </a:rPr>
+                                      <m:t>𝑎</m:t>
+                                    </m:r>
+                                  </m:e>
+                                  <m:sub>
+                                    <m:r>
+                                      <a:rPr lang="de-DE" b="0" i="1" smtClean="0">
+                                        <a:latin typeface="Cambria Math" panose="02040503050406030204" pitchFamily="18" charset="0"/>
+                                      </a:rPr>
+                                      <m:t>2</m:t>
+                                    </m:r>
+                                    <m:r>
+                                      <a:rPr lang="de-DE" i="1">
+                                        <a:latin typeface="Cambria Math" panose="02040503050406030204" pitchFamily="18" charset="0"/>
+                                      </a:rPr>
+                                      <m:t>1</m:t>
+                                    </m:r>
+                                  </m:sub>
+                                </m:sSub>
+                                <m:sSub>
+                                  <m:sSubPr>
+                                    <m:ctrlPr>
+                                      <a:rPr lang="de-DE" i="1">
+                                        <a:latin typeface="Cambria Math" panose="02040503050406030204" pitchFamily="18" charset="0"/>
+                                      </a:rPr>
+                                    </m:ctrlPr>
+                                  </m:sSubPr>
+                                  <m:e>
+                                    <m:r>
+                                      <a:rPr lang="de-DE" i="1" smtClean="0">
+                                        <a:solidFill>
+                                          <a:srgbClr val="FF0000"/>
+                                        </a:solidFill>
+                                        <a:latin typeface="Cambria Math" panose="02040503050406030204" pitchFamily="18" charset="0"/>
+                                        <a:ea typeface="Cambria Math" panose="02040503050406030204" pitchFamily="18" charset="0"/>
+                                      </a:rPr>
+                                      <m:t>∙</m:t>
+                                    </m:r>
+                                    <m:r>
+                                      <a:rPr lang="de-DE" i="1">
+                                        <a:latin typeface="Cambria Math" panose="02040503050406030204" pitchFamily="18" charset="0"/>
+                                      </a:rPr>
+                                      <m:t>𝑏</m:t>
+                                    </m:r>
+                                  </m:e>
+                                  <m:sub>
+                                    <m:r>
+                                      <a:rPr lang="de-DE" i="1">
+                                        <a:latin typeface="Cambria Math" panose="02040503050406030204" pitchFamily="18" charset="0"/>
+                                      </a:rPr>
+                                      <m:t>12</m:t>
+                                    </m:r>
+                                  </m:sub>
+                                </m:sSub>
+                                <m:r>
+                                  <a:rPr lang="de-DE" i="1">
+                                    <a:latin typeface="Cambria Math" panose="02040503050406030204" pitchFamily="18" charset="0"/>
+                                  </a:rPr>
+                                  <m:t>+</m:t>
+                                </m:r>
+                                <m:sSub>
+                                  <m:sSubPr>
+                                    <m:ctrlPr>
+                                      <a:rPr lang="de-DE" i="1">
+                                        <a:latin typeface="Cambria Math" panose="02040503050406030204" pitchFamily="18" charset="0"/>
+                                      </a:rPr>
+                                    </m:ctrlPr>
+                                  </m:sSubPr>
+                                  <m:e>
+                                    <m:r>
+                                      <a:rPr lang="de-DE" i="1">
+                                        <a:latin typeface="Cambria Math" panose="02040503050406030204" pitchFamily="18" charset="0"/>
+                                      </a:rPr>
+                                      <m:t>𝑎</m:t>
+                                    </m:r>
+                                  </m:e>
+                                  <m:sub>
+                                    <m:r>
+                                      <a:rPr lang="de-DE" b="0" i="1" smtClean="0">
+                                        <a:latin typeface="Cambria Math" panose="02040503050406030204" pitchFamily="18" charset="0"/>
+                                      </a:rPr>
+                                      <m:t>2</m:t>
+                                    </m:r>
+                                    <m:r>
+                                      <a:rPr lang="de-DE" i="1">
+                                        <a:latin typeface="Cambria Math" panose="02040503050406030204" pitchFamily="18" charset="0"/>
+                                      </a:rPr>
+                                      <m:t>2</m:t>
+                                    </m:r>
+                                  </m:sub>
+                                </m:sSub>
+                                <m:sSub>
+                                  <m:sSubPr>
+                                    <m:ctrlPr>
+                                      <a:rPr lang="de-DE" i="1">
+                                        <a:latin typeface="Cambria Math" panose="02040503050406030204" pitchFamily="18" charset="0"/>
+                                      </a:rPr>
+                                    </m:ctrlPr>
+                                  </m:sSubPr>
+                                  <m:e>
+                                    <m:r>
+                                      <a:rPr lang="de-DE" i="1" smtClean="0">
+                                        <a:solidFill>
+                                          <a:srgbClr val="FF0000"/>
+                                        </a:solidFill>
+                                        <a:latin typeface="Cambria Math" panose="02040503050406030204" pitchFamily="18" charset="0"/>
+                                        <a:ea typeface="Cambria Math" panose="02040503050406030204" pitchFamily="18" charset="0"/>
+                                      </a:rPr>
+                                      <m:t>∙</m:t>
+                                    </m:r>
+                                    <m:r>
+                                      <a:rPr lang="de-DE" i="1">
+                                        <a:latin typeface="Cambria Math" panose="02040503050406030204" pitchFamily="18" charset="0"/>
+                                      </a:rPr>
+                                      <m:t>𝑏</m:t>
+                                    </m:r>
+                                  </m:e>
+                                  <m:sub>
+                                    <m:r>
+                                      <a:rPr lang="de-DE" i="1">
+                                        <a:latin typeface="Cambria Math" panose="02040503050406030204" pitchFamily="18" charset="0"/>
+                                      </a:rPr>
+                                      <m:t>22</m:t>
+                                    </m:r>
+                                  </m:sub>
+                                </m:sSub>
+                              </m:e>
+                            </m:mr>
+                          </m:m>
+                        </m:e>
+                      </m:d>
+                    </m:oMath>
+                  </m:oMathPara>
+                </a14:m>
+                <a:endParaRPr lang="de-DE" dirty="0"/>
+              </a:p>
+              <a:p>
+                <a:pPr marL="0" indent="0" algn="ctr">
+                  <a:buNone/>
+                </a:pPr>
+                <a:endParaRPr lang="de-DE" dirty="0"/>
+              </a:p>
+              <a:p>
+                <a:pPr marL="0" indent="0" algn="ctr">
+                  <a:buNone/>
+                </a:pPr>
+                <a:r>
+                  <a:rPr lang="de-DE" dirty="0"/>
+                  <a:t>Acht teure Multiplikationen</a:t>
+                </a:r>
+              </a:p>
+              <a:p>
+                <a:pPr marL="0" indent="0" algn="ctr">
+                  <a:buNone/>
+                </a:pPr>
+                <a:endParaRPr lang="de-DE" dirty="0"/>
+              </a:p>
+              <a:p>
+                <a:pPr marL="0" indent="0" algn="ctr">
+                  <a:buNone/>
+                </a:pPr>
+                <a14:m>
+                  <m:oMathPara xmlns:m="http://schemas.openxmlformats.org/officeDocument/2006/math">
+                    <m:oMathParaPr>
+                      <m:jc m:val="centerGroup"/>
+                    </m:oMathParaPr>
+                    <m:oMath xmlns:m="http://schemas.openxmlformats.org/officeDocument/2006/math">
+                      <m:d>
+                        <m:dPr>
+                          <m:ctrlPr>
+                            <a:rPr lang="de-DE" i="1" smtClean="0">
+                              <a:latin typeface="Cambria Math" panose="02040503050406030204" pitchFamily="18" charset="0"/>
+                            </a:rPr>
+                          </m:ctrlPr>
+                        </m:dPr>
+                        <m:e>
+                          <m:m>
+                            <m:mPr>
+                              <m:mcs>
+                                <m:mc>
+                                  <m:mcPr>
+                                    <m:count m:val="2"/>
+                                    <m:mcJc m:val="center"/>
+                                  </m:mcPr>
+                                </m:mc>
+                              </m:mcs>
+                              <m:ctrlPr>
+                                <a:rPr lang="de-DE" i="1" smtClean="0">
+                                  <a:latin typeface="Cambria Math" panose="02040503050406030204" pitchFamily="18" charset="0"/>
+                                </a:rPr>
+                              </m:ctrlPr>
+                            </m:mPr>
+                            <m:mr>
+                              <m:e>
+                                <m:sSub>
+                                  <m:sSubPr>
+                                    <m:ctrlPr>
+                                      <a:rPr lang="de-DE" i="1" smtClean="0">
+                                        <a:latin typeface="Cambria Math" panose="02040503050406030204" pitchFamily="18" charset="0"/>
+                                      </a:rPr>
+                                    </m:ctrlPr>
+                                  </m:sSubPr>
+                                  <m:e>
+                                    <m:r>
+                                      <a:rPr lang="de-DE" b="0" i="1" smtClean="0">
+                                        <a:latin typeface="Cambria Math" panose="02040503050406030204" pitchFamily="18" charset="0"/>
+                                      </a:rPr>
+                                      <m:t>𝑎</m:t>
+                                    </m:r>
+                                  </m:e>
+                                  <m:sub>
+                                    <m:r>
+                                      <a:rPr lang="de-DE" b="0" i="1" smtClean="0">
+                                        <a:latin typeface="Cambria Math" panose="02040503050406030204" pitchFamily="18" charset="0"/>
+                                      </a:rPr>
+                                      <m:t>1</m:t>
+                                    </m:r>
+                                  </m:sub>
+                                </m:sSub>
+                              </m:e>
+                              <m:e>
+                                <m:sSub>
+                                  <m:sSubPr>
+                                    <m:ctrlPr>
+                                      <a:rPr lang="de-DE" i="1">
+                                        <a:latin typeface="Cambria Math" panose="02040503050406030204" pitchFamily="18" charset="0"/>
+                                      </a:rPr>
+                                    </m:ctrlPr>
+                                  </m:sSubPr>
+                                  <m:e>
+                                    <m:r>
+                                      <a:rPr lang="de-DE" i="1">
+                                        <a:latin typeface="Cambria Math" panose="02040503050406030204" pitchFamily="18" charset="0"/>
+                                      </a:rPr>
+                                      <m:t>𝑎</m:t>
+                                    </m:r>
+                                  </m:e>
+                                  <m:sub>
+                                    <m:r>
+                                      <a:rPr lang="de-DE" b="0" i="1" smtClean="0">
+                                        <a:latin typeface="Cambria Math" panose="02040503050406030204" pitchFamily="18" charset="0"/>
+                                      </a:rPr>
+                                      <m:t>2</m:t>
+                                    </m:r>
+                                  </m:sub>
+                                </m:sSub>
+                              </m:e>
+                            </m:mr>
+                            <m:mr>
+                              <m:e>
+                                <m:sSub>
+                                  <m:sSubPr>
+                                    <m:ctrlPr>
+                                      <a:rPr lang="de-DE" i="1">
+                                        <a:latin typeface="Cambria Math" panose="02040503050406030204" pitchFamily="18" charset="0"/>
+                                      </a:rPr>
+                                    </m:ctrlPr>
+                                  </m:sSubPr>
+                                  <m:e>
+                                    <m:r>
+                                      <a:rPr lang="de-DE" i="1">
+                                        <a:latin typeface="Cambria Math" panose="02040503050406030204" pitchFamily="18" charset="0"/>
+                                      </a:rPr>
+                                      <m:t>𝑎</m:t>
+                                    </m:r>
+                                  </m:e>
+                                  <m:sub>
+                                    <m:r>
+                                      <a:rPr lang="de-DE" b="0" i="1" smtClean="0">
+                                        <a:latin typeface="Cambria Math" panose="02040503050406030204" pitchFamily="18" charset="0"/>
+                                      </a:rPr>
+                                      <m:t>2</m:t>
+                                    </m:r>
+                                  </m:sub>
+                                </m:sSub>
+                              </m:e>
+                              <m:e>
+                                <m:sSub>
+                                  <m:sSubPr>
+                                    <m:ctrlPr>
+                                      <a:rPr lang="de-DE" i="1">
+                                        <a:latin typeface="Cambria Math" panose="02040503050406030204" pitchFamily="18" charset="0"/>
+                                      </a:rPr>
+                                    </m:ctrlPr>
+                                  </m:sSubPr>
+                                  <m:e>
+                                    <m:r>
+                                      <a:rPr lang="de-DE" i="1">
+                                        <a:latin typeface="Cambria Math" panose="02040503050406030204" pitchFamily="18" charset="0"/>
+                                      </a:rPr>
+                                      <m:t>𝑎</m:t>
+                                    </m:r>
+                                  </m:e>
+                                  <m:sub>
+                                    <m:r>
+                                      <a:rPr lang="de-DE" b="0" i="1" smtClean="0">
+                                        <a:latin typeface="Cambria Math" panose="02040503050406030204" pitchFamily="18" charset="0"/>
+                                      </a:rPr>
+                                      <m:t>3</m:t>
+                                    </m:r>
+                                  </m:sub>
+                                </m:sSub>
+                              </m:e>
+                            </m:mr>
+                          </m:m>
+                        </m:e>
+                      </m:d>
+                      <m:d>
+                        <m:dPr>
+                          <m:ctrlPr>
+                            <a:rPr lang="de-DE" i="1">
+                              <a:latin typeface="Cambria Math" panose="02040503050406030204" pitchFamily="18" charset="0"/>
+                            </a:rPr>
+                          </m:ctrlPr>
+                        </m:dPr>
+                        <m:e>
+                          <m:m>
+                            <m:mPr>
+                              <m:mcs>
+                                <m:mc>
+                                  <m:mcPr>
+                                    <m:count m:val="2"/>
+                                    <m:mcJc m:val="center"/>
+                                  </m:mcPr>
+                                </m:mc>
+                              </m:mcs>
+                              <m:ctrlPr>
+                                <a:rPr lang="de-DE" i="1">
+                                  <a:latin typeface="Cambria Math" panose="02040503050406030204" pitchFamily="18" charset="0"/>
+                                </a:rPr>
+                              </m:ctrlPr>
+                            </m:mPr>
+                            <m:mr>
+                              <m:e>
+                                <m:sSub>
+                                  <m:sSubPr>
+                                    <m:ctrlPr>
+                                      <a:rPr lang="de-DE" i="1" smtClean="0">
+                                        <a:latin typeface="Cambria Math" panose="02040503050406030204" pitchFamily="18" charset="0"/>
+                                      </a:rPr>
+                                    </m:ctrlPr>
+                                  </m:sSubPr>
+                                  <m:e>
+                                    <m:r>
+                                      <a:rPr lang="de-DE" b="0" i="1" smtClean="0">
+                                        <a:latin typeface="Cambria Math" panose="02040503050406030204" pitchFamily="18" charset="0"/>
+                                      </a:rPr>
+                                      <m:t>𝑎</m:t>
+                                    </m:r>
+                                  </m:e>
+                                  <m:sub>
+                                    <m:r>
+                                      <a:rPr lang="de-DE" i="1">
+                                        <a:latin typeface="Cambria Math" panose="02040503050406030204" pitchFamily="18" charset="0"/>
+                                      </a:rPr>
+                                      <m:t>1</m:t>
+                                    </m:r>
+                                  </m:sub>
+                                </m:sSub>
+                              </m:e>
+                              <m:e>
+                                <m:sSub>
+                                  <m:sSubPr>
+                                    <m:ctrlPr>
+                                      <a:rPr lang="de-DE" i="1">
+                                        <a:latin typeface="Cambria Math" panose="02040503050406030204" pitchFamily="18" charset="0"/>
+                                      </a:rPr>
+                                    </m:ctrlPr>
+                                  </m:sSubPr>
+                                  <m:e>
+                                    <m:r>
+                                      <a:rPr lang="de-DE" b="0" i="1" smtClean="0">
+                                        <a:latin typeface="Cambria Math" panose="02040503050406030204" pitchFamily="18" charset="0"/>
+                                      </a:rPr>
+                                      <m:t>𝑎</m:t>
+                                    </m:r>
+                                  </m:e>
+                                  <m:sub>
+                                    <m:r>
+                                      <a:rPr lang="de-DE" i="1">
+                                        <a:latin typeface="Cambria Math" panose="02040503050406030204" pitchFamily="18" charset="0"/>
+                                      </a:rPr>
+                                      <m:t>2</m:t>
+                                    </m:r>
+                                  </m:sub>
+                                </m:sSub>
+                              </m:e>
+                            </m:mr>
+                            <m:mr>
+                              <m:e>
+                                <m:sSub>
+                                  <m:sSubPr>
+                                    <m:ctrlPr>
+                                      <a:rPr lang="de-DE" i="1">
+                                        <a:latin typeface="Cambria Math" panose="02040503050406030204" pitchFamily="18" charset="0"/>
+                                      </a:rPr>
+                                    </m:ctrlPr>
+                                  </m:sSubPr>
+                                  <m:e>
+                                    <m:r>
+                                      <a:rPr lang="de-DE" b="0" i="1" smtClean="0">
+                                        <a:latin typeface="Cambria Math" panose="02040503050406030204" pitchFamily="18" charset="0"/>
+                                      </a:rPr>
+                                      <m:t>𝑎</m:t>
+                                    </m:r>
+                                  </m:e>
+                                  <m:sub>
+                                    <m:r>
+                                      <a:rPr lang="de-DE" i="1">
+                                        <a:latin typeface="Cambria Math" panose="02040503050406030204" pitchFamily="18" charset="0"/>
+                                      </a:rPr>
+                                      <m:t>2</m:t>
+                                    </m:r>
+                                  </m:sub>
+                                </m:sSub>
+                              </m:e>
+                              <m:e>
+                                <m:sSub>
+                                  <m:sSubPr>
+                                    <m:ctrlPr>
+                                      <a:rPr lang="de-DE" i="1">
+                                        <a:latin typeface="Cambria Math" panose="02040503050406030204" pitchFamily="18" charset="0"/>
+                                      </a:rPr>
+                                    </m:ctrlPr>
+                                  </m:sSubPr>
+                                  <m:e>
+                                    <m:r>
+                                      <a:rPr lang="de-DE" b="0" i="1" smtClean="0">
+                                        <a:latin typeface="Cambria Math" panose="02040503050406030204" pitchFamily="18" charset="0"/>
+                                      </a:rPr>
+                                      <m:t>𝑎</m:t>
+                                    </m:r>
+                                  </m:e>
+                                  <m:sub>
+                                    <m:r>
+                                      <a:rPr lang="de-DE" b="0" i="1" smtClean="0">
+                                        <a:latin typeface="Cambria Math" panose="02040503050406030204" pitchFamily="18" charset="0"/>
+                                      </a:rPr>
+                                      <m:t>3</m:t>
+                                    </m:r>
+                                  </m:sub>
+                                </m:sSub>
+                              </m:e>
+                            </m:mr>
+                          </m:m>
+                        </m:e>
+                      </m:d>
+                      <m:r>
+                        <a:rPr lang="de-DE" b="0" i="1" smtClean="0">
+                          <a:latin typeface="Cambria Math" panose="02040503050406030204" pitchFamily="18" charset="0"/>
+                        </a:rPr>
+                        <m:t>=</m:t>
+                      </m:r>
+                      <m:d>
+                        <m:dPr>
+                          <m:ctrlPr>
+                            <a:rPr lang="de-DE" i="1">
+                              <a:latin typeface="Cambria Math" panose="02040503050406030204" pitchFamily="18" charset="0"/>
+                            </a:rPr>
+                          </m:ctrlPr>
+                        </m:dPr>
+                        <m:e>
+                          <m:m>
+                            <m:mPr>
+                              <m:mcs>
+                                <m:mc>
+                                  <m:mcPr>
+                                    <m:count m:val="2"/>
+                                    <m:mcJc m:val="center"/>
+                                  </m:mcPr>
+                                </m:mc>
+                              </m:mcs>
+                              <m:ctrlPr>
+                                <a:rPr lang="de-DE" i="1" smtClean="0">
+                                  <a:solidFill>
+                                    <a:schemeClr val="tx1"/>
+                                  </a:solidFill>
+                                  <a:latin typeface="Cambria Math" panose="02040503050406030204" pitchFamily="18" charset="0"/>
+                                </a:rPr>
+                              </m:ctrlPr>
+                            </m:mPr>
+                            <m:mr>
+                              <m:e>
+                                <m:sSub>
+                                  <m:sSubPr>
+                                    <m:ctrlPr>
+                                      <a:rPr lang="de-DE" i="1">
+                                        <a:solidFill>
+                                          <a:schemeClr val="tx1"/>
+                                        </a:solidFill>
+                                        <a:latin typeface="Cambria Math" panose="02040503050406030204" pitchFamily="18" charset="0"/>
+                                      </a:rPr>
+                                    </m:ctrlPr>
+                                  </m:sSubPr>
+                                  <m:e>
+                                    <m:r>
+                                      <a:rPr lang="de-DE" i="1">
+                                        <a:solidFill>
+                                          <a:schemeClr val="tx1"/>
+                                        </a:solidFill>
+                                        <a:latin typeface="Cambria Math" panose="02040503050406030204" pitchFamily="18" charset="0"/>
+                                      </a:rPr>
+                                      <m:t>𝑎</m:t>
+                                    </m:r>
+                                  </m:e>
+                                  <m:sub>
+                                    <m:r>
+                                      <a:rPr lang="de-DE" b="0" i="1" smtClean="0">
+                                        <a:solidFill>
+                                          <a:schemeClr val="tx1"/>
+                                        </a:solidFill>
+                                        <a:latin typeface="Cambria Math" panose="02040503050406030204" pitchFamily="18" charset="0"/>
+                                      </a:rPr>
+                                      <m:t>1</m:t>
+                                    </m:r>
+                                  </m:sub>
+                                </m:sSub>
+                                <m:sSub>
+                                  <m:sSubPr>
+                                    <m:ctrlPr>
+                                      <a:rPr lang="de-DE" i="1" smtClean="0">
+                                        <a:solidFill>
+                                          <a:schemeClr val="tx1"/>
+                                        </a:solidFill>
+                                        <a:latin typeface="Cambria Math" panose="02040503050406030204" pitchFamily="18" charset="0"/>
+                                      </a:rPr>
+                                    </m:ctrlPr>
+                                  </m:sSubPr>
+                                  <m:e>
+                                    <m:r>
+                                      <a:rPr lang="de-DE" i="1" smtClean="0">
+                                        <a:solidFill>
+                                          <a:srgbClr val="FF0000"/>
+                                        </a:solidFill>
+                                        <a:latin typeface="Cambria Math" panose="02040503050406030204" pitchFamily="18" charset="0"/>
+                                        <a:ea typeface="Cambria Math" panose="02040503050406030204" pitchFamily="18" charset="0"/>
+                                      </a:rPr>
+                                      <m:t>∙</m:t>
+                                    </m:r>
+                                    <m:r>
+                                      <a:rPr lang="de-DE" b="0" i="1" smtClean="0">
+                                        <a:solidFill>
+                                          <a:schemeClr val="tx1"/>
+                                        </a:solidFill>
+                                        <a:latin typeface="Cambria Math" panose="02040503050406030204" pitchFamily="18" charset="0"/>
+                                        <a:ea typeface="Cambria Math" panose="02040503050406030204" pitchFamily="18" charset="0"/>
+                                      </a:rPr>
+                                      <m:t>𝑎</m:t>
+                                    </m:r>
+                                  </m:e>
+                                  <m:sub>
+                                    <m:r>
+                                      <a:rPr lang="de-DE" b="0" i="1" smtClean="0">
+                                        <a:solidFill>
+                                          <a:schemeClr val="tx1"/>
+                                        </a:solidFill>
+                                        <a:latin typeface="Cambria Math" panose="02040503050406030204" pitchFamily="18" charset="0"/>
+                                      </a:rPr>
+                                      <m:t>1</m:t>
+                                    </m:r>
+                                  </m:sub>
+                                </m:sSub>
+                                <m:r>
+                                  <a:rPr lang="de-DE" b="0" i="1" smtClean="0">
+                                    <a:solidFill>
+                                      <a:schemeClr val="tx1"/>
+                                    </a:solidFill>
+                                    <a:latin typeface="Cambria Math" panose="02040503050406030204" pitchFamily="18" charset="0"/>
+                                  </a:rPr>
+                                  <m:t>+</m:t>
+                                </m:r>
+                                <m:sSub>
+                                  <m:sSubPr>
+                                    <m:ctrlPr>
+                                      <a:rPr lang="de-DE" i="1">
+                                        <a:solidFill>
+                                          <a:schemeClr val="tx1"/>
+                                        </a:solidFill>
+                                        <a:latin typeface="Cambria Math" panose="02040503050406030204" pitchFamily="18" charset="0"/>
+                                      </a:rPr>
+                                    </m:ctrlPr>
+                                  </m:sSubPr>
+                                  <m:e>
+                                    <m:r>
+                                      <a:rPr lang="de-DE" i="1">
+                                        <a:solidFill>
+                                          <a:schemeClr val="tx1"/>
+                                        </a:solidFill>
+                                        <a:latin typeface="Cambria Math" panose="02040503050406030204" pitchFamily="18" charset="0"/>
+                                      </a:rPr>
+                                      <m:t>𝑎</m:t>
+                                    </m:r>
+                                  </m:e>
+                                  <m:sub>
+                                    <m:r>
+                                      <a:rPr lang="de-DE" b="0" i="1" smtClean="0">
+                                        <a:solidFill>
+                                          <a:schemeClr val="tx1"/>
+                                        </a:solidFill>
+                                        <a:latin typeface="Cambria Math" panose="02040503050406030204" pitchFamily="18" charset="0"/>
+                                      </a:rPr>
+                                      <m:t>2</m:t>
+                                    </m:r>
+                                  </m:sub>
+                                </m:sSub>
+                                <m:r>
+                                  <a:rPr lang="de-DE" i="1" smtClean="0">
+                                    <a:solidFill>
+                                      <a:srgbClr val="FF0000"/>
+                                    </a:solidFill>
+                                    <a:latin typeface="Cambria Math" panose="02040503050406030204" pitchFamily="18" charset="0"/>
+                                    <a:ea typeface="Cambria Math" panose="02040503050406030204" pitchFamily="18" charset="0"/>
+                                  </a:rPr>
+                                  <m:t>∙</m:t>
+                                </m:r>
+                                <m:sSub>
+                                  <m:sSubPr>
+                                    <m:ctrlPr>
+                                      <a:rPr lang="de-DE" i="1">
+                                        <a:solidFill>
+                                          <a:schemeClr val="tx1"/>
+                                        </a:solidFill>
+                                        <a:latin typeface="Cambria Math" panose="02040503050406030204" pitchFamily="18" charset="0"/>
+                                      </a:rPr>
+                                    </m:ctrlPr>
+                                  </m:sSubPr>
+                                  <m:e>
+                                    <m:r>
+                                      <a:rPr lang="de-DE" b="0" i="1" smtClean="0">
+                                        <a:solidFill>
+                                          <a:schemeClr val="tx1"/>
+                                        </a:solidFill>
+                                        <a:latin typeface="Cambria Math" panose="02040503050406030204" pitchFamily="18" charset="0"/>
+                                      </a:rPr>
+                                      <m:t>𝑎</m:t>
+                                    </m:r>
+                                  </m:e>
+                                  <m:sub>
+                                    <m:r>
+                                      <a:rPr lang="de-DE" b="0" i="1" smtClean="0">
+                                        <a:solidFill>
+                                          <a:schemeClr val="tx1"/>
+                                        </a:solidFill>
+                                        <a:latin typeface="Cambria Math" panose="02040503050406030204" pitchFamily="18" charset="0"/>
+                                      </a:rPr>
+                                      <m:t>2</m:t>
+                                    </m:r>
+                                  </m:sub>
+                                </m:sSub>
+                              </m:e>
+                              <m:e>
+                                <m:sSub>
+                                  <m:sSubPr>
+                                    <m:ctrlPr>
+                                      <a:rPr lang="de-DE" i="1">
+                                        <a:solidFill>
+                                          <a:schemeClr val="tx1"/>
+                                        </a:solidFill>
+                                        <a:latin typeface="Cambria Math" panose="02040503050406030204" pitchFamily="18" charset="0"/>
+                                      </a:rPr>
+                                    </m:ctrlPr>
+                                  </m:sSubPr>
+                                  <m:e>
+                                    <m:r>
+                                      <a:rPr lang="de-DE" i="1">
+                                        <a:solidFill>
+                                          <a:schemeClr val="tx1"/>
+                                        </a:solidFill>
+                                        <a:latin typeface="Cambria Math" panose="02040503050406030204" pitchFamily="18" charset="0"/>
+                                      </a:rPr>
+                                      <m:t>𝑎</m:t>
+                                    </m:r>
+                                  </m:e>
+                                  <m:sub>
+                                    <m:r>
+                                      <a:rPr lang="de-DE" i="1">
+                                        <a:solidFill>
+                                          <a:schemeClr val="tx1"/>
+                                        </a:solidFill>
+                                        <a:latin typeface="Cambria Math" panose="02040503050406030204" pitchFamily="18" charset="0"/>
+                                      </a:rPr>
+                                      <m:t>1</m:t>
+                                    </m:r>
+                                  </m:sub>
+                                </m:sSub>
+                                <m:sSub>
+                                  <m:sSubPr>
+                                    <m:ctrlPr>
+                                      <a:rPr lang="de-DE" i="1">
+                                        <a:solidFill>
+                                          <a:schemeClr val="tx1"/>
+                                        </a:solidFill>
+                                        <a:latin typeface="Cambria Math" panose="02040503050406030204" pitchFamily="18" charset="0"/>
+                                      </a:rPr>
+                                    </m:ctrlPr>
+                                  </m:sSubPr>
+                                  <m:e>
+                                    <m:r>
+                                      <a:rPr lang="de-DE" i="1" smtClean="0">
+                                        <a:solidFill>
+                                          <a:srgbClr val="FF0000"/>
+                                        </a:solidFill>
+                                        <a:latin typeface="Cambria Math" panose="02040503050406030204" pitchFamily="18" charset="0"/>
+                                        <a:ea typeface="Cambria Math" panose="02040503050406030204" pitchFamily="18" charset="0"/>
+                                      </a:rPr>
+                                      <m:t>∙</m:t>
+                                    </m:r>
+                                    <m:r>
+                                      <a:rPr lang="de-DE" b="0" i="1" smtClean="0">
+                                        <a:solidFill>
+                                          <a:schemeClr val="tx1"/>
+                                        </a:solidFill>
+                                        <a:latin typeface="Cambria Math" panose="02040503050406030204" pitchFamily="18" charset="0"/>
+                                        <a:ea typeface="Cambria Math" panose="02040503050406030204" pitchFamily="18" charset="0"/>
+                                      </a:rPr>
+                                      <m:t>𝑎</m:t>
+                                    </m:r>
+                                  </m:e>
+                                  <m:sub>
+                                    <m:r>
+                                      <a:rPr lang="de-DE" b="0" i="1" smtClean="0">
+                                        <a:solidFill>
+                                          <a:schemeClr val="tx1"/>
+                                        </a:solidFill>
+                                        <a:latin typeface="Cambria Math" panose="02040503050406030204" pitchFamily="18" charset="0"/>
+                                      </a:rPr>
+                                      <m:t>2</m:t>
+                                    </m:r>
+                                  </m:sub>
+                                </m:sSub>
+                                <m:r>
+                                  <a:rPr lang="de-DE" b="0" i="1" smtClean="0">
+                                    <a:solidFill>
+                                      <a:schemeClr val="tx1"/>
+                                    </a:solidFill>
+                                    <a:latin typeface="Cambria Math" panose="02040503050406030204" pitchFamily="18" charset="0"/>
+                                  </a:rPr>
+                                  <m:t>+</m:t>
+                                </m:r>
+                                <m:sSub>
+                                  <m:sSubPr>
+                                    <m:ctrlPr>
+                                      <a:rPr lang="de-DE" i="1">
+                                        <a:solidFill>
+                                          <a:schemeClr val="tx1"/>
+                                        </a:solidFill>
+                                        <a:latin typeface="Cambria Math" panose="02040503050406030204" pitchFamily="18" charset="0"/>
+                                      </a:rPr>
+                                    </m:ctrlPr>
+                                  </m:sSubPr>
+                                  <m:e>
+                                    <m:r>
+                                      <a:rPr lang="de-DE" i="1">
+                                        <a:solidFill>
+                                          <a:schemeClr val="tx1"/>
+                                        </a:solidFill>
+                                        <a:latin typeface="Cambria Math" panose="02040503050406030204" pitchFamily="18" charset="0"/>
+                                      </a:rPr>
+                                      <m:t>𝑎</m:t>
+                                    </m:r>
+                                  </m:e>
+                                  <m:sub>
+                                    <m:r>
+                                      <a:rPr lang="de-DE" b="0" i="1" smtClean="0">
+                                        <a:solidFill>
+                                          <a:schemeClr val="tx1"/>
+                                        </a:solidFill>
+                                        <a:latin typeface="Cambria Math" panose="02040503050406030204" pitchFamily="18" charset="0"/>
+                                      </a:rPr>
+                                      <m:t>2</m:t>
+                                    </m:r>
+                                  </m:sub>
+                                </m:sSub>
+                                <m:sSub>
+                                  <m:sSubPr>
+                                    <m:ctrlPr>
+                                      <a:rPr lang="de-DE" i="1">
+                                        <a:solidFill>
+                                          <a:schemeClr val="tx1"/>
+                                        </a:solidFill>
+                                        <a:latin typeface="Cambria Math" panose="02040503050406030204" pitchFamily="18" charset="0"/>
+                                      </a:rPr>
+                                    </m:ctrlPr>
+                                  </m:sSubPr>
+                                  <m:e>
+                                    <m:r>
+                                      <a:rPr lang="de-DE" i="1" smtClean="0">
+                                        <a:solidFill>
+                                          <a:srgbClr val="FF0000"/>
+                                        </a:solidFill>
+                                        <a:latin typeface="Cambria Math" panose="02040503050406030204" pitchFamily="18" charset="0"/>
+                                        <a:ea typeface="Cambria Math" panose="02040503050406030204" pitchFamily="18" charset="0"/>
+                                      </a:rPr>
+                                      <m:t>∙</m:t>
+                                    </m:r>
+                                    <m:r>
+                                      <a:rPr lang="de-DE" b="0" i="1" smtClean="0">
+                                        <a:solidFill>
+                                          <a:schemeClr val="tx1"/>
+                                        </a:solidFill>
+                                        <a:latin typeface="Cambria Math" panose="02040503050406030204" pitchFamily="18" charset="0"/>
+                                        <a:ea typeface="Cambria Math" panose="02040503050406030204" pitchFamily="18" charset="0"/>
+                                      </a:rPr>
+                                      <m:t>𝑎</m:t>
+                                    </m:r>
+                                  </m:e>
+                                  <m:sub>
+                                    <m:r>
+                                      <a:rPr lang="de-DE" b="0" i="1" smtClean="0">
+                                        <a:solidFill>
+                                          <a:schemeClr val="tx1"/>
+                                        </a:solidFill>
+                                        <a:latin typeface="Cambria Math" panose="02040503050406030204" pitchFamily="18" charset="0"/>
+                                      </a:rPr>
+                                      <m:t>3</m:t>
+                                    </m:r>
+                                  </m:sub>
+                                </m:sSub>
+                              </m:e>
+                            </m:mr>
+                            <m:mr>
+                              <m:e>
+                                <m:sSub>
+                                  <m:sSubPr>
+                                    <m:ctrlPr>
+                                      <a:rPr lang="de-DE" b="1" i="1">
+                                        <a:solidFill>
+                                          <a:schemeClr val="tx1"/>
+                                        </a:solidFill>
+                                        <a:latin typeface="Cambria Math" panose="02040503050406030204" pitchFamily="18" charset="0"/>
+                                      </a:rPr>
+                                    </m:ctrlPr>
+                                  </m:sSubPr>
+                                  <m:e>
+                                    <m:r>
+                                      <a:rPr lang="de-DE" b="1" i="1">
+                                        <a:solidFill>
+                                          <a:schemeClr val="tx1"/>
+                                        </a:solidFill>
+                                        <a:latin typeface="Cambria Math" panose="02040503050406030204" pitchFamily="18" charset="0"/>
+                                      </a:rPr>
+                                      <m:t>𝒂</m:t>
+                                    </m:r>
+                                  </m:e>
+                                  <m:sub>
+                                    <m:r>
+                                      <a:rPr lang="de-DE" b="1" i="1" smtClean="0">
+                                        <a:solidFill>
+                                          <a:schemeClr val="tx1"/>
+                                        </a:solidFill>
+                                        <a:latin typeface="Cambria Math" panose="02040503050406030204" pitchFamily="18" charset="0"/>
+                                      </a:rPr>
+                                      <m:t>𝟐</m:t>
+                                    </m:r>
+                                  </m:sub>
+                                </m:sSub>
+                                <m:r>
+                                  <a:rPr lang="de-DE" b="1" i="1" smtClean="0">
+                                    <a:solidFill>
+                                      <a:srgbClr val="92D050"/>
+                                    </a:solidFill>
+                                    <a:latin typeface="Cambria Math" panose="02040503050406030204" pitchFamily="18" charset="0"/>
+                                    <a:ea typeface="Cambria Math" panose="02040503050406030204" pitchFamily="18" charset="0"/>
+                                  </a:rPr>
+                                  <m:t>∙</m:t>
+                                </m:r>
+                                <m:sSub>
+                                  <m:sSubPr>
+                                    <m:ctrlPr>
+                                      <a:rPr lang="de-DE" b="1" i="1">
+                                        <a:solidFill>
+                                          <a:schemeClr val="tx1"/>
+                                        </a:solidFill>
+                                        <a:latin typeface="Cambria Math" panose="02040503050406030204" pitchFamily="18" charset="0"/>
+                                      </a:rPr>
+                                    </m:ctrlPr>
+                                  </m:sSubPr>
+                                  <m:e>
+                                    <m:r>
+                                      <a:rPr lang="de-DE" b="1" i="1" smtClean="0">
+                                        <a:solidFill>
+                                          <a:schemeClr val="tx1"/>
+                                        </a:solidFill>
+                                        <a:latin typeface="Cambria Math" panose="02040503050406030204" pitchFamily="18" charset="0"/>
+                                      </a:rPr>
+                                      <m:t>𝒂</m:t>
+                                    </m:r>
+                                  </m:e>
+                                  <m:sub>
+                                    <m:r>
+                                      <a:rPr lang="de-DE" b="1" i="1" smtClean="0">
+                                        <a:solidFill>
+                                          <a:schemeClr val="tx1"/>
+                                        </a:solidFill>
+                                        <a:latin typeface="Cambria Math" panose="02040503050406030204" pitchFamily="18" charset="0"/>
+                                      </a:rPr>
+                                      <m:t>𝟏</m:t>
+                                    </m:r>
+                                  </m:sub>
+                                </m:sSub>
+                                <m:r>
+                                  <a:rPr lang="de-DE" i="1">
+                                    <a:solidFill>
+                                      <a:schemeClr val="tx1"/>
+                                    </a:solidFill>
+                                    <a:latin typeface="Cambria Math" panose="02040503050406030204" pitchFamily="18" charset="0"/>
+                                  </a:rPr>
+                                  <m:t>+</m:t>
+                                </m:r>
+                                <m:sSub>
+                                  <m:sSubPr>
+                                    <m:ctrlPr>
+                                      <a:rPr lang="de-DE" b="1" i="1">
+                                        <a:solidFill>
+                                          <a:schemeClr val="tx1"/>
+                                        </a:solidFill>
+                                        <a:latin typeface="Cambria Math" panose="02040503050406030204" pitchFamily="18" charset="0"/>
+                                      </a:rPr>
+                                    </m:ctrlPr>
+                                  </m:sSubPr>
+                                  <m:e>
+                                    <m:r>
+                                      <a:rPr lang="de-DE" b="1" i="1">
+                                        <a:solidFill>
+                                          <a:schemeClr val="tx1"/>
+                                        </a:solidFill>
+                                        <a:latin typeface="Cambria Math" panose="02040503050406030204" pitchFamily="18" charset="0"/>
+                                      </a:rPr>
+                                      <m:t>𝒂</m:t>
+                                    </m:r>
+                                  </m:e>
+                                  <m:sub>
+                                    <m:r>
+                                      <a:rPr lang="de-DE" b="1" i="1" smtClean="0">
+                                        <a:solidFill>
+                                          <a:schemeClr val="tx1"/>
+                                        </a:solidFill>
+                                        <a:latin typeface="Cambria Math" panose="02040503050406030204" pitchFamily="18" charset="0"/>
+                                      </a:rPr>
+                                      <m:t>𝟑</m:t>
+                                    </m:r>
+                                  </m:sub>
+                                </m:sSub>
+                                <m:sSub>
+                                  <m:sSubPr>
+                                    <m:ctrlPr>
+                                      <a:rPr lang="de-DE" b="1" i="1" smtClean="0">
+                                        <a:solidFill>
+                                          <a:schemeClr val="tx1"/>
+                                        </a:solidFill>
+                                        <a:latin typeface="Cambria Math" panose="02040503050406030204" pitchFamily="18" charset="0"/>
+                                      </a:rPr>
+                                    </m:ctrlPr>
+                                  </m:sSubPr>
+                                  <m:e>
+                                    <m:r>
+                                      <a:rPr lang="de-DE" b="1" i="1" smtClean="0">
+                                        <a:solidFill>
+                                          <a:srgbClr val="92D050"/>
+                                        </a:solidFill>
+                                        <a:latin typeface="Cambria Math" panose="02040503050406030204" pitchFamily="18" charset="0"/>
+                                        <a:ea typeface="Cambria Math" panose="02040503050406030204" pitchFamily="18" charset="0"/>
+                                      </a:rPr>
+                                      <m:t>∙</m:t>
+                                    </m:r>
+                                    <m:r>
+                                      <a:rPr lang="de-DE" b="1" i="1" smtClean="0">
+                                        <a:solidFill>
+                                          <a:schemeClr val="tx1"/>
+                                        </a:solidFill>
+                                        <a:latin typeface="Cambria Math" panose="02040503050406030204" pitchFamily="18" charset="0"/>
+                                        <a:ea typeface="Cambria Math" panose="02040503050406030204" pitchFamily="18" charset="0"/>
+                                      </a:rPr>
+                                      <m:t>𝒂</m:t>
+                                    </m:r>
+                                  </m:e>
+                                  <m:sub>
+                                    <m:r>
+                                      <a:rPr lang="de-DE" b="1" i="1">
+                                        <a:solidFill>
+                                          <a:schemeClr val="tx1"/>
+                                        </a:solidFill>
+                                        <a:latin typeface="Cambria Math" panose="02040503050406030204" pitchFamily="18" charset="0"/>
+                                      </a:rPr>
+                                      <m:t>𝟐</m:t>
+                                    </m:r>
+                                  </m:sub>
+                                </m:sSub>
+                              </m:e>
+                              <m:e>
+                                <m:sSub>
+                                  <m:sSubPr>
+                                    <m:ctrlPr>
+                                      <a:rPr lang="de-DE" b="1" i="1">
+                                        <a:solidFill>
+                                          <a:schemeClr val="tx1"/>
+                                        </a:solidFill>
+                                        <a:latin typeface="Cambria Math" panose="02040503050406030204" pitchFamily="18" charset="0"/>
+                                      </a:rPr>
+                                    </m:ctrlPr>
+                                  </m:sSubPr>
+                                  <m:e>
+                                    <m:r>
+                                      <a:rPr lang="de-DE" b="1" i="1">
+                                        <a:solidFill>
+                                          <a:schemeClr val="tx1"/>
+                                        </a:solidFill>
+                                        <a:latin typeface="Cambria Math" panose="02040503050406030204" pitchFamily="18" charset="0"/>
+                                      </a:rPr>
+                                      <m:t>𝒂</m:t>
+                                    </m:r>
+                                  </m:e>
+                                  <m:sub>
+                                    <m:r>
+                                      <a:rPr lang="de-DE" b="1" i="1" smtClean="0">
+                                        <a:solidFill>
+                                          <a:schemeClr val="tx1"/>
+                                        </a:solidFill>
+                                        <a:latin typeface="Cambria Math" panose="02040503050406030204" pitchFamily="18" charset="0"/>
+                                      </a:rPr>
+                                      <m:t>𝟐</m:t>
+                                    </m:r>
+                                  </m:sub>
+                                </m:sSub>
+                                <m:sSub>
+                                  <m:sSubPr>
+                                    <m:ctrlPr>
+                                      <a:rPr lang="de-DE" b="1" i="1">
+                                        <a:solidFill>
+                                          <a:schemeClr val="tx1"/>
+                                        </a:solidFill>
+                                        <a:latin typeface="Cambria Math" panose="02040503050406030204" pitchFamily="18" charset="0"/>
+                                      </a:rPr>
+                                    </m:ctrlPr>
+                                  </m:sSubPr>
+                                  <m:e>
+                                    <m:r>
+                                      <a:rPr lang="de-DE" b="1" i="1" smtClean="0">
+                                        <a:solidFill>
+                                          <a:srgbClr val="92D050"/>
+                                        </a:solidFill>
+                                        <a:latin typeface="Cambria Math" panose="02040503050406030204" pitchFamily="18" charset="0"/>
+                                        <a:ea typeface="Cambria Math" panose="02040503050406030204" pitchFamily="18" charset="0"/>
+                                      </a:rPr>
+                                      <m:t>∙</m:t>
+                                    </m:r>
+                                    <m:r>
+                                      <a:rPr lang="de-DE" b="1" i="1" smtClean="0">
+                                        <a:solidFill>
+                                          <a:schemeClr val="tx1"/>
+                                        </a:solidFill>
+                                        <a:latin typeface="Cambria Math" panose="02040503050406030204" pitchFamily="18" charset="0"/>
+                                        <a:ea typeface="Cambria Math" panose="02040503050406030204" pitchFamily="18" charset="0"/>
+                                      </a:rPr>
+                                      <m:t>𝒂</m:t>
+                                    </m:r>
+                                  </m:e>
+                                  <m:sub>
+                                    <m:r>
+                                      <a:rPr lang="de-DE" b="1" i="1">
+                                        <a:solidFill>
+                                          <a:schemeClr val="tx1"/>
+                                        </a:solidFill>
+                                        <a:latin typeface="Cambria Math" panose="02040503050406030204" pitchFamily="18" charset="0"/>
+                                      </a:rPr>
+                                      <m:t>𝟐</m:t>
+                                    </m:r>
+                                  </m:sub>
+                                </m:sSub>
+                                <m:r>
+                                  <a:rPr lang="de-DE" i="1">
+                                    <a:solidFill>
+                                      <a:schemeClr val="tx1"/>
+                                    </a:solidFill>
+                                    <a:latin typeface="Cambria Math" panose="02040503050406030204" pitchFamily="18" charset="0"/>
+                                  </a:rPr>
+                                  <m:t>+</m:t>
+                                </m:r>
+                                <m:sSub>
+                                  <m:sSubPr>
+                                    <m:ctrlPr>
+                                      <a:rPr lang="de-DE" i="1">
+                                        <a:solidFill>
+                                          <a:schemeClr val="tx1"/>
+                                        </a:solidFill>
+                                        <a:latin typeface="Cambria Math" panose="02040503050406030204" pitchFamily="18" charset="0"/>
+                                      </a:rPr>
+                                    </m:ctrlPr>
+                                  </m:sSubPr>
+                                  <m:e>
+                                    <m:r>
+                                      <a:rPr lang="de-DE" i="1">
+                                        <a:solidFill>
+                                          <a:schemeClr val="tx1"/>
+                                        </a:solidFill>
+                                        <a:latin typeface="Cambria Math" panose="02040503050406030204" pitchFamily="18" charset="0"/>
+                                      </a:rPr>
+                                      <m:t>𝑎</m:t>
+                                    </m:r>
+                                  </m:e>
+                                  <m:sub>
+                                    <m:r>
+                                      <a:rPr lang="de-DE" b="0" i="1" smtClean="0">
+                                        <a:solidFill>
+                                          <a:schemeClr val="tx1"/>
+                                        </a:solidFill>
+                                        <a:latin typeface="Cambria Math" panose="02040503050406030204" pitchFamily="18" charset="0"/>
+                                      </a:rPr>
+                                      <m:t>3</m:t>
+                                    </m:r>
+                                  </m:sub>
+                                </m:sSub>
+                                <m:sSub>
+                                  <m:sSubPr>
+                                    <m:ctrlPr>
+                                      <a:rPr lang="de-DE" i="1">
+                                        <a:solidFill>
+                                          <a:schemeClr val="tx1"/>
+                                        </a:solidFill>
+                                        <a:latin typeface="Cambria Math" panose="02040503050406030204" pitchFamily="18" charset="0"/>
+                                      </a:rPr>
+                                    </m:ctrlPr>
+                                  </m:sSubPr>
+                                  <m:e>
+                                    <m:r>
+                                      <a:rPr lang="de-DE" i="1" smtClean="0">
+                                        <a:solidFill>
+                                          <a:srgbClr val="FF0000"/>
+                                        </a:solidFill>
+                                        <a:latin typeface="Cambria Math" panose="02040503050406030204" pitchFamily="18" charset="0"/>
+                                        <a:ea typeface="Cambria Math" panose="02040503050406030204" pitchFamily="18" charset="0"/>
+                                      </a:rPr>
+                                      <m:t>∙</m:t>
+                                    </m:r>
+                                    <m:r>
+                                      <a:rPr lang="de-DE" b="0" i="1" smtClean="0">
+                                        <a:solidFill>
+                                          <a:schemeClr val="tx1"/>
+                                        </a:solidFill>
+                                        <a:latin typeface="Cambria Math" panose="02040503050406030204" pitchFamily="18" charset="0"/>
+                                        <a:ea typeface="Cambria Math" panose="02040503050406030204" pitchFamily="18" charset="0"/>
+                                      </a:rPr>
+                                      <m:t>𝑎</m:t>
+                                    </m:r>
+                                  </m:e>
+                                  <m:sub>
+                                    <m:r>
+                                      <a:rPr lang="de-DE" b="0" i="1" smtClean="0">
+                                        <a:solidFill>
+                                          <a:schemeClr val="tx1"/>
+                                        </a:solidFill>
+                                        <a:latin typeface="Cambria Math" panose="02040503050406030204" pitchFamily="18" charset="0"/>
+                                      </a:rPr>
+                                      <m:t>3</m:t>
+                                    </m:r>
+                                  </m:sub>
+                                </m:sSub>
+                              </m:e>
+                            </m:mr>
+                          </m:m>
+                        </m:e>
+                      </m:d>
+                    </m:oMath>
+                  </m:oMathPara>
+                </a14:m>
+                <a:endParaRPr lang="de-DE" dirty="0"/>
+              </a:p>
+              <a:p>
+                <a:pPr marL="0" indent="0" algn="ctr">
+                  <a:buNone/>
+                </a:pPr>
+                <a:endParaRPr lang="de-DE" dirty="0"/>
+              </a:p>
+              <a:p>
+                <a:pPr marL="0" indent="0" algn="ctr">
+                  <a:buNone/>
+                </a:pPr>
+                <a:r>
+                  <a:rPr lang="de-DE" dirty="0"/>
+                  <a:t>Nur noch fünf Multiplikationen</a:t>
+                </a:r>
+              </a:p>
+            </p:txBody>
+          </p:sp>
+        </mc:Choice>
+        <mc:Fallback>
+          <p:sp>
+            <p:nvSpPr>
+              <p:cNvPr id="3" name="Inhaltsplatzhalter 2">
+                <a:extLst>
+                  <a:ext uri="{FF2B5EF4-FFF2-40B4-BE49-F238E27FC236}">
+                    <a16:creationId xmlns:a16="http://schemas.microsoft.com/office/drawing/2014/main" id="{D79B8B37-8223-C932-B133-60DD5BE628A0}"/>
+                  </a:ext>
+                </a:extLst>
+              </p:cNvPr>
+              <p:cNvSpPr>
+                <a:spLocks noGrp="1" noRot="1" noChangeAspect="1" noMove="1" noResize="1" noEditPoints="1" noAdjustHandles="1" noChangeArrowheads="1" noChangeShapeType="1" noTextEdit="1"/>
+              </p:cNvSpPr>
+              <p:nvPr>
+                <p:ph idx="1"/>
+              </p:nvPr>
+            </p:nvSpPr>
+            <p:spPr>
+              <a:blipFill>
+                <a:blip r:embed="rId2"/>
+                <a:stretch>
+                  <a:fillRect t="-581"/>
+                </a:stretch>
+              </a:blipFill>
+            </p:spPr>
+            <p:txBody>
+              <a:bodyPr/>
+              <a:lstStyle/>
+              <a:p>
+                <a:r>
+                  <a:rPr lang="de-DE">
+                    <a:noFill/>
+                  </a:rPr>
+                  <a:t> </a:t>
+                </a:r>
+              </a:p>
+            </p:txBody>
+          </p:sp>
+        </mc:Fallback>
+      </mc:AlternateContent>
+      <p:sp>
+        <p:nvSpPr>
+          <p:cNvPr id="4" name="Datumsplatzhalter 3">
+            <a:extLst>
+              <a:ext uri="{FF2B5EF4-FFF2-40B4-BE49-F238E27FC236}">
+                <a16:creationId xmlns:a16="http://schemas.microsoft.com/office/drawing/2014/main" id="{7A57705E-6408-94FD-573F-4E010B2F65CD}"/>
+              </a:ext>
+            </a:extLst>
+          </p:cNvPr>
+          <p:cNvSpPr>
+            <a:spLocks noGrp="1"/>
+          </p:cNvSpPr>
+          <p:nvPr>
+            <p:ph type="dt" sz="half" idx="10"/>
+          </p:nvPr>
+        </p:nvSpPr>
+        <p:spPr/>
+        <p:txBody>
+          <a:bodyPr/>
+          <a:lstStyle/>
+          <a:p>
+            <a:r>
+              <a:rPr lang="de-DE"/>
+              <a:t>22.08.2023</a:t>
+            </a:r>
+          </a:p>
+        </p:txBody>
+      </p:sp>
+      <p:sp>
+        <p:nvSpPr>
+          <p:cNvPr id="5" name="Fußzeilenplatzhalter 4">
+            <a:extLst>
+              <a:ext uri="{FF2B5EF4-FFF2-40B4-BE49-F238E27FC236}">
+                <a16:creationId xmlns:a16="http://schemas.microsoft.com/office/drawing/2014/main" id="{16C28518-7D07-806E-B40F-E702C81D0F4D}"/>
+              </a:ext>
+            </a:extLst>
+          </p:cNvPr>
+          <p:cNvSpPr>
+            <a:spLocks noGrp="1"/>
+          </p:cNvSpPr>
+          <p:nvPr>
+            <p:ph type="ftr" sz="quarter" idx="11"/>
+          </p:nvPr>
+        </p:nvSpPr>
+        <p:spPr>
+          <a:xfrm>
+            <a:off x="3472543" y="6356350"/>
+            <a:ext cx="5246914" cy="365125"/>
+          </a:xfrm>
+        </p:spPr>
+        <p:txBody>
+          <a:bodyPr/>
+          <a:lstStyle/>
+          <a:p>
+            <a:r>
+              <a:rPr lang="de-DE" dirty="0"/>
+              <a:t>Aufgabe A326 – Team 213 – Noah Schlenker – Leon B. Kniffki – Christian </a:t>
+            </a:r>
+            <a:r>
+              <a:rPr lang="de-DE" dirty="0" err="1"/>
+              <a:t>Krinitsin</a:t>
+            </a:r>
+            <a:endParaRPr lang="de-DE" dirty="0"/>
+          </a:p>
+        </p:txBody>
+      </p:sp>
+      <p:sp>
+        <p:nvSpPr>
+          <p:cNvPr id="6" name="Foliennummernplatzhalter 5">
+            <a:extLst>
+              <a:ext uri="{FF2B5EF4-FFF2-40B4-BE49-F238E27FC236}">
+                <a16:creationId xmlns:a16="http://schemas.microsoft.com/office/drawing/2014/main" id="{97C2D911-B162-6E01-9B35-0590D962D8ED}"/>
+              </a:ext>
+            </a:extLst>
+          </p:cNvPr>
+          <p:cNvSpPr>
+            <a:spLocks noGrp="1"/>
+          </p:cNvSpPr>
+          <p:nvPr>
+            <p:ph type="sldNum" sz="quarter" idx="12"/>
+          </p:nvPr>
+        </p:nvSpPr>
+        <p:spPr/>
+        <p:txBody>
+          <a:bodyPr/>
+          <a:lstStyle/>
+          <a:p>
+            <a:fld id="{AE07E6DF-0E1A-AC44-B689-ED3A3483D2F3}" type="slidenum">
+              <a:rPr lang="de-DE" smtClean="0"/>
+              <a:t>4</a:t>
+            </a:fld>
+            <a:endParaRPr lang="de-DE"/>
+          </a:p>
+        </p:txBody>
+      </p:sp>
+    </p:spTree>
+    <p:extLst>
+      <p:ext uri="{BB962C8B-B14F-4D97-AF65-F5344CB8AC3E}">
+        <p14:creationId xmlns:p14="http://schemas.microsoft.com/office/powerpoint/2010/main" val="2838875854"/>
+      </p:ext>
+    </p:extLst>
+  </p:cSld>
+  <p:clrMapOvr>
+    <a:masterClrMapping/>
+  </p:clrMapOvr>
+</p:sld>
+</file>
+
+<file path=ppt/slides/slide5.xml><?xml version="1.0" encoding="utf-8"?>
+<p:sld xmlns:a="http://schemas.openxmlformats.org/drawingml/2006/main" xmlns:r="http://schemas.openxmlformats.org/officeDocument/2006/relationships" xmlns:p="http://schemas.openxmlformats.org/presentationml/2006/main">
+  <p:cSld>
+    <p:spTree>
+      <p:nvGrpSpPr>
+        <p:cNvPr id="1" name=""/>
+        <p:cNvGrpSpPr/>
+        <p:nvPr/>
+      </p:nvGrpSpPr>
+      <p:grpSpPr>
+        <a:xfrm>
+          <a:off x="0" y="0"/>
+          <a:ext cx="0" cy="0"/>
+          <a:chOff x="0" y="0"/>
+          <a:chExt cx="0" cy="0"/>
+        </a:xfrm>
+      </p:grpSpPr>
+      <mc:AlternateContent xmlns:mc="http://schemas.openxmlformats.org/markup-compatibility/2006">
+        <mc:Choice xmlns:a14="http://schemas.microsoft.com/office/drawing/2010/main" Requires="a14">
+          <p:sp>
+            <p:nvSpPr>
+              <p:cNvPr id="2" name="Titel 1">
+                <a:extLst>
+                  <a:ext uri="{FF2B5EF4-FFF2-40B4-BE49-F238E27FC236}">
+                    <a16:creationId xmlns:a16="http://schemas.microsoft.com/office/drawing/2014/main" id="{2D2BFEB1-A380-ADF4-28F1-6184EC290B1F}"/>
+                  </a:ext>
+                </a:extLst>
+              </p:cNvPr>
+              <p:cNvSpPr>
+                <a:spLocks noGrp="1"/>
+              </p:cNvSpPr>
+              <p:nvPr>
+                <p:ph type="title"/>
+              </p:nvPr>
+            </p:nvSpPr>
+            <p:spPr/>
+            <p:txBody>
+              <a:bodyPr anchor="ctr">
+                <a:normAutofit/>
+              </a:bodyPr>
+              <a:lstStyle/>
+              <a:p>
+                <a:pPr algn="ctr"/>
+                <a:r>
+                  <a:rPr lang="de-DE" dirty="0"/>
+                  <a:t>Mit</a:t>
+                </a:r>
+                <a:r>
+                  <a:rPr lang="de-DE" sz="2800" dirty="0"/>
+                  <a:t> </a:t>
+                </a:r>
+                <a14:m>
+                  <m:oMath xmlns:m="http://schemas.openxmlformats.org/officeDocument/2006/math">
+                    <m:d>
+                      <m:dPr>
+                        <m:ctrlPr>
+                          <a:rPr lang="de-DE" sz="2800" i="1" smtClean="0">
+                            <a:latin typeface="Cambria Math" panose="02040503050406030204" pitchFamily="18" charset="0"/>
+                          </a:rPr>
+                        </m:ctrlPr>
+                      </m:dPr>
+                      <m:e>
+                        <m:m>
+                          <m:mPr>
+                            <m:mcs>
+                              <m:mc>
+                                <m:mcPr>
+                                  <m:count m:val="2"/>
+                                  <m:mcJc m:val="center"/>
+                                </m:mcPr>
+                              </m:mc>
+                            </m:mcs>
+                            <m:ctrlPr>
+                              <a:rPr lang="de-DE" sz="2800" i="1" smtClean="0">
+                                <a:latin typeface="Cambria Math" panose="02040503050406030204" pitchFamily="18" charset="0"/>
+                              </a:rPr>
+                            </m:ctrlPr>
+                          </m:mPr>
+                          <m:mr>
+                            <m:e>
+                              <m:r>
+                                <m:rPr>
+                                  <m:brk m:alnAt="7"/>
+                                </m:rPr>
+                                <a:rPr lang="de-DE" sz="2800" b="0" i="1" smtClean="0">
+                                  <a:latin typeface="Cambria Math" panose="02040503050406030204" pitchFamily="18" charset="0"/>
+                                </a:rPr>
+                                <m:t>0</m:t>
+                              </m:r>
+                            </m:e>
+                            <m:e>
+                              <m:r>
+                                <a:rPr lang="de-DE" sz="2800" b="0" i="1" smtClean="0">
+                                  <a:latin typeface="Cambria Math" panose="02040503050406030204" pitchFamily="18" charset="0"/>
+                                </a:rPr>
+                                <m:t>1</m:t>
+                              </m:r>
+                            </m:e>
+                          </m:mr>
+                          <m:mr>
+                            <m:e>
+                              <m:r>
+                                <a:rPr lang="de-DE" sz="2800" b="0" i="1" smtClean="0">
+                                  <a:latin typeface="Cambria Math" panose="02040503050406030204" pitchFamily="18" charset="0"/>
+                                </a:rPr>
+                                <m:t>1</m:t>
+                              </m:r>
+                            </m:e>
+                            <m:e>
+                              <m:r>
+                                <a:rPr lang="de-DE" sz="2800" b="0" i="1" smtClean="0">
+                                  <a:latin typeface="Cambria Math" panose="02040503050406030204" pitchFamily="18" charset="0"/>
+                                </a:rPr>
+                                <m:t>2</m:t>
+                              </m:r>
+                            </m:e>
+                          </m:mr>
+                        </m:m>
+                      </m:e>
+                    </m:d>
+                  </m:oMath>
+                </a14:m>
+                <a:endParaRPr lang="de-DE" sz="2800" dirty="0"/>
+              </a:p>
+            </p:txBody>
+          </p:sp>
+        </mc:Choice>
+        <mc:Fallback>
+          <p:sp>
+            <p:nvSpPr>
+              <p:cNvPr id="2" name="Titel 1">
+                <a:extLst>
+                  <a:ext uri="{FF2B5EF4-FFF2-40B4-BE49-F238E27FC236}">
+                    <a16:creationId xmlns:a16="http://schemas.microsoft.com/office/drawing/2014/main" id="{2D2BFEB1-A380-ADF4-28F1-6184EC290B1F}"/>
+                  </a:ext>
+                </a:extLst>
+              </p:cNvPr>
+              <p:cNvSpPr>
+                <a:spLocks noGrp="1" noRot="1" noChangeAspect="1" noMove="1" noResize="1" noEditPoints="1" noAdjustHandles="1" noChangeArrowheads="1" noChangeShapeType="1" noTextEdit="1"/>
+              </p:cNvSpPr>
+              <p:nvPr>
+                <p:ph type="title"/>
+              </p:nvPr>
+            </p:nvSpPr>
+            <p:spPr>
+              <a:blipFill>
+                <a:blip r:embed="rId2"/>
+                <a:stretch>
+                  <a:fillRect/>
+                </a:stretch>
+              </a:blipFill>
+            </p:spPr>
+            <p:txBody>
+              <a:bodyPr/>
+              <a:lstStyle/>
+              <a:p>
+                <a:r>
+                  <a:rPr lang="de-DE">
+                    <a:noFill/>
+                  </a:rPr>
+                  <a:t> </a:t>
+                </a:r>
+              </a:p>
+            </p:txBody>
+          </p:sp>
+        </mc:Fallback>
+      </mc:AlternateContent>
+      <mc:AlternateContent xmlns:mc="http://schemas.openxmlformats.org/markup-compatibility/2006">
+        <mc:Choice xmlns:a14="http://schemas.microsoft.com/office/drawing/2010/main" Requires="a14">
+          <p:sp>
+            <p:nvSpPr>
+              <p:cNvPr id="3" name="Inhaltsplatzhalter 2">
+                <a:extLst>
+                  <a:ext uri="{FF2B5EF4-FFF2-40B4-BE49-F238E27FC236}">
+                    <a16:creationId xmlns:a16="http://schemas.microsoft.com/office/drawing/2014/main" id="{D79B8B37-8223-C932-B133-60DD5BE628A0}"/>
+                  </a:ext>
+                </a:extLst>
+              </p:cNvPr>
+              <p:cNvSpPr>
+                <a:spLocks noGrp="1"/>
+              </p:cNvSpPr>
+              <p:nvPr>
+                <p:ph idx="1"/>
+              </p:nvPr>
+            </p:nvSpPr>
+            <p:spPr/>
+            <p:txBody>
+              <a:bodyPr>
+                <a:normAutofit/>
+              </a:bodyPr>
+              <a:lstStyle/>
+              <a:p>
+                <a:pPr marL="0" indent="0" algn="ctr">
+                  <a:buNone/>
+                </a:pPr>
+                <a14:m>
+                  <m:oMathPara xmlns:m="http://schemas.openxmlformats.org/officeDocument/2006/math">
+                    <m:oMathParaPr>
+                      <m:jc m:val="centerGroup"/>
+                    </m:oMathParaPr>
+                    <m:oMath xmlns:m="http://schemas.openxmlformats.org/officeDocument/2006/math">
+                      <m:d>
+                        <m:dPr>
+                          <m:ctrlPr>
+                            <a:rPr lang="de-DE" i="1" smtClean="0">
+                              <a:latin typeface="Cambria Math" panose="02040503050406030204" pitchFamily="18" charset="0"/>
+                            </a:rPr>
+                          </m:ctrlPr>
+                        </m:dPr>
+                        <m:e>
+                          <m:m>
+                            <m:mPr>
+                              <m:mcs>
+                                <m:mc>
+                                  <m:mcPr>
+                                    <m:count m:val="2"/>
+                                    <m:mcJc m:val="center"/>
+                                  </m:mcPr>
+                                </m:mc>
+                              </m:mcs>
+                              <m:ctrlPr>
+                                <a:rPr lang="de-DE" i="1">
+                                  <a:latin typeface="Cambria Math" panose="02040503050406030204" pitchFamily="18" charset="0"/>
+                                </a:rPr>
+                              </m:ctrlPr>
+                            </m:mPr>
+                            <m:mr>
+                              <m:e>
+                                <m:r>
+                                  <m:rPr>
+                                    <m:brk m:alnAt="7"/>
+                                  </m:rPr>
+                                  <a:rPr lang="de-DE" i="1">
+                                    <a:latin typeface="Cambria Math" panose="02040503050406030204" pitchFamily="18" charset="0"/>
+                                  </a:rPr>
+                                  <m:t>0</m:t>
+                                </m:r>
+                              </m:e>
+                              <m:e>
+                                <m:r>
+                                  <a:rPr lang="de-DE" i="1">
+                                    <a:latin typeface="Cambria Math" panose="02040503050406030204" pitchFamily="18" charset="0"/>
+                                  </a:rPr>
+                                  <m:t>1</m:t>
+                                </m:r>
+                              </m:e>
+                            </m:mr>
+                            <m:mr>
+                              <m:e>
+                                <m:r>
+                                  <a:rPr lang="de-DE" i="1">
+                                    <a:latin typeface="Cambria Math" panose="02040503050406030204" pitchFamily="18" charset="0"/>
+                                  </a:rPr>
+                                  <m:t>1</m:t>
+                                </m:r>
+                              </m:e>
+                              <m:e>
+                                <m:r>
+                                  <a:rPr lang="de-DE" i="1">
+                                    <a:latin typeface="Cambria Math" panose="02040503050406030204" pitchFamily="18" charset="0"/>
+                                  </a:rPr>
+                                  <m:t>2</m:t>
+                                </m:r>
+                              </m:e>
+                            </m:mr>
+                          </m:m>
+                        </m:e>
+                      </m:d>
+                      <m:d>
+                        <m:dPr>
+                          <m:ctrlPr>
+                            <a:rPr lang="de-DE" i="1">
+                              <a:latin typeface="Cambria Math" panose="02040503050406030204" pitchFamily="18" charset="0"/>
+                            </a:rPr>
+                          </m:ctrlPr>
+                        </m:dPr>
+                        <m:e>
+                          <m:m>
+                            <m:mPr>
+                              <m:mcs>
+                                <m:mc>
+                                  <m:mcPr>
+                                    <m:count m:val="2"/>
+                                    <m:mcJc m:val="center"/>
+                                  </m:mcPr>
+                                </m:mc>
+                              </m:mcs>
+                              <m:ctrlPr>
+                                <a:rPr lang="de-DE" i="1">
+                                  <a:latin typeface="Cambria Math" panose="02040503050406030204" pitchFamily="18" charset="0"/>
+                                </a:rPr>
+                              </m:ctrlPr>
+                            </m:mPr>
+                            <m:mr>
+                              <m:e>
+                                <m:sSub>
+                                  <m:sSubPr>
+                                    <m:ctrlPr>
+                                      <a:rPr lang="de-DE" i="1">
+                                        <a:latin typeface="Cambria Math" panose="02040503050406030204" pitchFamily="18" charset="0"/>
+                                      </a:rPr>
+                                    </m:ctrlPr>
+                                  </m:sSubPr>
+                                  <m:e>
+                                    <m:r>
+                                      <a:rPr lang="de-DE" i="1">
+                                        <a:latin typeface="Cambria Math" panose="02040503050406030204" pitchFamily="18" charset="0"/>
+                                      </a:rPr>
+                                      <m:t>𝑎</m:t>
+                                    </m:r>
+                                  </m:e>
+                                  <m:sub>
+                                    <m:r>
+                                      <a:rPr lang="de-DE" i="1">
+                                        <a:latin typeface="Cambria Math" panose="02040503050406030204" pitchFamily="18" charset="0"/>
+                                      </a:rPr>
+                                      <m:t>1</m:t>
+                                    </m:r>
+                                  </m:sub>
+                                </m:sSub>
+                              </m:e>
+                              <m:e>
+                                <m:sSub>
+                                  <m:sSubPr>
+                                    <m:ctrlPr>
+                                      <a:rPr lang="de-DE" i="1">
+                                        <a:latin typeface="Cambria Math" panose="02040503050406030204" pitchFamily="18" charset="0"/>
+                                      </a:rPr>
+                                    </m:ctrlPr>
+                                  </m:sSubPr>
+                                  <m:e>
+                                    <m:r>
+                                      <a:rPr lang="de-DE" i="1">
+                                        <a:latin typeface="Cambria Math" panose="02040503050406030204" pitchFamily="18" charset="0"/>
+                                      </a:rPr>
+                                      <m:t>𝑎</m:t>
+                                    </m:r>
+                                  </m:e>
+                                  <m:sub>
+                                    <m:r>
+                                      <a:rPr lang="de-DE" i="1">
+                                        <a:latin typeface="Cambria Math" panose="02040503050406030204" pitchFamily="18" charset="0"/>
+                                      </a:rPr>
+                                      <m:t>2</m:t>
+                                    </m:r>
+                                  </m:sub>
+                                </m:sSub>
+                              </m:e>
+                            </m:mr>
+                            <m:mr>
+                              <m:e>
+                                <m:sSub>
+                                  <m:sSubPr>
+                                    <m:ctrlPr>
+                                      <a:rPr lang="de-DE" i="1">
+                                        <a:latin typeface="Cambria Math" panose="02040503050406030204" pitchFamily="18" charset="0"/>
+                                      </a:rPr>
+                                    </m:ctrlPr>
+                                  </m:sSubPr>
+                                  <m:e>
+                                    <m:r>
+                                      <a:rPr lang="de-DE" i="1">
+                                        <a:latin typeface="Cambria Math" panose="02040503050406030204" pitchFamily="18" charset="0"/>
+                                      </a:rPr>
+                                      <m:t>𝑎</m:t>
+                                    </m:r>
+                                  </m:e>
+                                  <m:sub>
+                                    <m:r>
+                                      <a:rPr lang="de-DE" i="1">
+                                        <a:latin typeface="Cambria Math" panose="02040503050406030204" pitchFamily="18" charset="0"/>
+                                      </a:rPr>
+                                      <m:t>2</m:t>
+                                    </m:r>
+                                  </m:sub>
+                                </m:sSub>
+                              </m:e>
+                              <m:e>
+                                <m:sSub>
+                                  <m:sSubPr>
+                                    <m:ctrlPr>
+                                      <a:rPr lang="de-DE" i="1">
+                                        <a:latin typeface="Cambria Math" panose="02040503050406030204" pitchFamily="18" charset="0"/>
+                                      </a:rPr>
+                                    </m:ctrlPr>
+                                  </m:sSubPr>
+                                  <m:e>
+                                    <m:r>
+                                      <a:rPr lang="de-DE" i="1">
+                                        <a:latin typeface="Cambria Math" panose="02040503050406030204" pitchFamily="18" charset="0"/>
+                                      </a:rPr>
+                                      <m:t>𝑎</m:t>
+                                    </m:r>
+                                  </m:e>
+                                  <m:sub>
+                                    <m:r>
+                                      <a:rPr lang="de-DE" i="1">
+                                        <a:latin typeface="Cambria Math" panose="02040503050406030204" pitchFamily="18" charset="0"/>
+                                      </a:rPr>
+                                      <m:t>3</m:t>
+                                    </m:r>
+                                  </m:sub>
+                                </m:sSub>
+                              </m:e>
+                            </m:mr>
+                          </m:m>
+                        </m:e>
+                      </m:d>
+                      <m:r>
+                        <a:rPr lang="de-DE" i="1">
+                          <a:latin typeface="Cambria Math" panose="02040503050406030204" pitchFamily="18" charset="0"/>
+                        </a:rPr>
+                        <m:t>=</m:t>
+                      </m:r>
+                      <m:d>
+                        <m:dPr>
+                          <m:ctrlPr>
+                            <a:rPr lang="de-DE" i="1">
+                              <a:latin typeface="Cambria Math" panose="02040503050406030204" pitchFamily="18" charset="0"/>
+                            </a:rPr>
+                          </m:ctrlPr>
+                        </m:dPr>
+                        <m:e>
+                          <m:m>
+                            <m:mPr>
+                              <m:mcs>
+                                <m:mc>
+                                  <m:mcPr>
+                                    <m:count m:val="2"/>
+                                    <m:mcJc m:val="center"/>
+                                  </m:mcPr>
+                                </m:mc>
+                              </m:mcs>
+                              <m:ctrlPr>
+                                <a:rPr lang="de-DE" i="1">
+                                  <a:latin typeface="Cambria Math" panose="02040503050406030204" pitchFamily="18" charset="0"/>
+                                </a:rPr>
+                              </m:ctrlPr>
+                            </m:mPr>
+                            <m:mr>
+                              <m:e>
+                                <m:sSub>
+                                  <m:sSubPr>
+                                    <m:ctrlPr>
+                                      <a:rPr lang="de-DE" i="1">
+                                        <a:latin typeface="Cambria Math" panose="02040503050406030204" pitchFamily="18" charset="0"/>
+                                      </a:rPr>
+                                    </m:ctrlPr>
+                                  </m:sSubPr>
+                                  <m:e>
+                                    <m:r>
+                                      <a:rPr lang="de-DE" b="0" i="1">
+                                        <a:latin typeface="Cambria Math" panose="02040503050406030204" pitchFamily="18" charset="0"/>
+                                      </a:rPr>
+                                      <m:t>𝑎</m:t>
+                                    </m:r>
+                                  </m:e>
+                                  <m:sub>
+                                    <m:r>
+                                      <a:rPr lang="de-DE" b="0" i="1">
+                                        <a:latin typeface="Cambria Math" panose="02040503050406030204" pitchFamily="18" charset="0"/>
+                                      </a:rPr>
+                                      <m:t>2</m:t>
+                                    </m:r>
+                                  </m:sub>
+                                </m:sSub>
+                              </m:e>
+                              <m:e>
+                                <m:sSub>
+                                  <m:sSubPr>
+                                    <m:ctrlPr>
+                                      <a:rPr lang="de-DE" i="1" smtClean="0">
+                                        <a:latin typeface="Cambria Math" panose="02040503050406030204" pitchFamily="18" charset="0"/>
+                                      </a:rPr>
+                                    </m:ctrlPr>
+                                  </m:sSubPr>
+                                  <m:e>
+                                    <m:r>
+                                      <a:rPr lang="de-DE" b="0" i="1">
+                                        <a:latin typeface="Cambria Math" panose="02040503050406030204" pitchFamily="18" charset="0"/>
+                                        <a:ea typeface="Cambria Math" panose="02040503050406030204" pitchFamily="18" charset="0"/>
+                                      </a:rPr>
+                                      <m:t>𝑎</m:t>
+                                    </m:r>
+                                  </m:e>
+                                  <m:sub>
+                                    <m:r>
+                                      <a:rPr lang="de-DE" b="0" i="1">
+                                        <a:latin typeface="Cambria Math" panose="02040503050406030204" pitchFamily="18" charset="0"/>
+                                      </a:rPr>
+                                      <m:t>3</m:t>
+                                    </m:r>
+                                  </m:sub>
+                                </m:sSub>
+                              </m:e>
+                            </m:mr>
+                            <m:mr>
+                              <m:e>
+                                <m:sSub>
+                                  <m:sSubPr>
+                                    <m:ctrlPr>
+                                      <a:rPr lang="de-DE" i="1">
+                                        <a:latin typeface="Cambria Math" panose="02040503050406030204" pitchFamily="18" charset="0"/>
+                                      </a:rPr>
+                                    </m:ctrlPr>
+                                  </m:sSubPr>
+                                  <m:e>
+                                    <m:r>
+                                      <a:rPr lang="de-DE" b="0" i="1">
+                                        <a:latin typeface="Cambria Math" panose="02040503050406030204" pitchFamily="18" charset="0"/>
+                                      </a:rPr>
+                                      <m:t>𝑎</m:t>
+                                    </m:r>
+                                  </m:e>
+                                  <m:sub>
+                                    <m:r>
+                                      <a:rPr lang="de-DE" b="0" i="1">
+                                        <a:latin typeface="Cambria Math" panose="02040503050406030204" pitchFamily="18" charset="0"/>
+                                      </a:rPr>
+                                      <m:t>1</m:t>
+                                    </m:r>
+                                  </m:sub>
+                                </m:sSub>
+                                <m:r>
+                                  <a:rPr lang="de-DE" b="0" i="1">
+                                    <a:latin typeface="Cambria Math" panose="02040503050406030204" pitchFamily="18" charset="0"/>
+                                  </a:rPr>
+                                  <m:t>+</m:t>
+                                </m:r>
+                                <m:r>
+                                  <a:rPr lang="de-DE" i="1" smtClean="0">
+                                    <a:latin typeface="Cambria Math" panose="02040503050406030204" pitchFamily="18" charset="0"/>
+                                  </a:rPr>
+                                  <m:t>2</m:t>
+                                </m:r>
+                                <m:sSub>
+                                  <m:sSubPr>
+                                    <m:ctrlPr>
+                                      <a:rPr lang="de-DE" i="1">
+                                        <a:latin typeface="Cambria Math" panose="02040503050406030204" pitchFamily="18" charset="0"/>
+                                      </a:rPr>
+                                    </m:ctrlPr>
+                                  </m:sSubPr>
+                                  <m:e>
+                                    <m:r>
+                                      <a:rPr lang="de-DE" b="0" i="1">
+                                        <a:latin typeface="Cambria Math" panose="02040503050406030204" pitchFamily="18" charset="0"/>
+                                        <a:ea typeface="Cambria Math" panose="02040503050406030204" pitchFamily="18" charset="0"/>
+                                      </a:rPr>
+                                      <m:t>𝑎</m:t>
+                                    </m:r>
+                                  </m:e>
+                                  <m:sub>
+                                    <m:r>
+                                      <a:rPr lang="de-DE" b="0" i="1">
+                                        <a:latin typeface="Cambria Math" panose="02040503050406030204" pitchFamily="18" charset="0"/>
+                                      </a:rPr>
+                                      <m:t>2</m:t>
+                                    </m:r>
+                                  </m:sub>
+                                </m:sSub>
+                              </m:e>
+                              <m:e>
+                                <m:sSub>
+                                  <m:sSubPr>
+                                    <m:ctrlPr>
+                                      <a:rPr lang="de-DE" i="1">
+                                        <a:latin typeface="Cambria Math" panose="02040503050406030204" pitchFamily="18" charset="0"/>
+                                      </a:rPr>
+                                    </m:ctrlPr>
+                                  </m:sSubPr>
+                                  <m:e>
+                                    <m:r>
+                                      <a:rPr lang="de-DE" b="0" i="1">
+                                        <a:latin typeface="Cambria Math" panose="02040503050406030204" pitchFamily="18" charset="0"/>
+                                        <a:ea typeface="Cambria Math" panose="02040503050406030204" pitchFamily="18" charset="0"/>
+                                      </a:rPr>
+                                      <m:t>𝑎</m:t>
+                                    </m:r>
+                                  </m:e>
+                                  <m:sub>
+                                    <m:r>
+                                      <a:rPr lang="de-DE" b="0" i="1">
+                                        <a:latin typeface="Cambria Math" panose="02040503050406030204" pitchFamily="18" charset="0"/>
+                                      </a:rPr>
+                                      <m:t>2</m:t>
+                                    </m:r>
+                                  </m:sub>
+                                </m:sSub>
+                                <m:r>
+                                  <a:rPr lang="de-DE" b="0" i="1">
+                                    <a:latin typeface="Cambria Math" panose="02040503050406030204" pitchFamily="18" charset="0"/>
+                                  </a:rPr>
+                                  <m:t>+</m:t>
+                                </m:r>
+                                <m:r>
+                                  <a:rPr lang="de-DE" i="1" smtClean="0">
+                                    <a:latin typeface="Cambria Math" panose="02040503050406030204" pitchFamily="18" charset="0"/>
+                                  </a:rPr>
+                                  <m:t>2</m:t>
+                                </m:r>
+                                <m:sSub>
+                                  <m:sSubPr>
+                                    <m:ctrlPr>
+                                      <a:rPr lang="de-DE" i="1">
+                                        <a:latin typeface="Cambria Math" panose="02040503050406030204" pitchFamily="18" charset="0"/>
+                                      </a:rPr>
+                                    </m:ctrlPr>
+                                  </m:sSubPr>
+                                  <m:e>
+                                    <m:r>
+                                      <a:rPr lang="de-DE" b="0" i="1">
+                                        <a:latin typeface="Cambria Math" panose="02040503050406030204" pitchFamily="18" charset="0"/>
+                                        <a:ea typeface="Cambria Math" panose="02040503050406030204" pitchFamily="18" charset="0"/>
+                                      </a:rPr>
+                                      <m:t>𝑎</m:t>
+                                    </m:r>
+                                  </m:e>
+                                  <m:sub>
+                                    <m:r>
+                                      <a:rPr lang="de-DE" b="0" i="1">
+                                        <a:latin typeface="Cambria Math" panose="02040503050406030204" pitchFamily="18" charset="0"/>
+                                      </a:rPr>
+                                      <m:t>3</m:t>
+                                    </m:r>
+                                  </m:sub>
+                                </m:sSub>
+                              </m:e>
+                            </m:mr>
+                          </m:m>
+                        </m:e>
+                      </m:d>
+                    </m:oMath>
+                  </m:oMathPara>
+                </a14:m>
+                <a:endParaRPr lang="de-DE" dirty="0"/>
+              </a:p>
+              <a:p>
+                <a:pPr marL="0" indent="0" algn="ctr">
+                  <a:buNone/>
+                </a:pPr>
+                <a:endParaRPr lang="de-DE" dirty="0"/>
+              </a:p>
+              <a:p>
+                <a:pPr marL="0" indent="0" algn="ctr">
+                  <a:buNone/>
+                </a:pPr>
+                <a:r>
+                  <a:rPr lang="de-DE" dirty="0"/>
+                  <a:t>Durch </a:t>
+                </a:r>
+                <a:r>
+                  <a:rPr lang="de-DE" dirty="0" err="1"/>
+                  <a:t>Bitshifts</a:t>
+                </a:r>
+                <a:r>
+                  <a:rPr lang="de-DE" dirty="0"/>
+                  <a:t> und Addition realisierbar</a:t>
+                </a:r>
+              </a:p>
+              <a:p>
+                <a:pPr marL="0" indent="0" algn="ctr">
+                  <a:buNone/>
+                </a:pPr>
+                <a:endParaRPr lang="de-DE" dirty="0"/>
+              </a:p>
+              <a:p>
+                <a:pPr marL="0" indent="0" algn="ctr">
+                  <a:buNone/>
+                </a:pPr>
+                <a14:m>
+                  <m:oMathPara xmlns:m="http://schemas.openxmlformats.org/officeDocument/2006/math">
+                    <m:oMathParaPr>
+                      <m:jc m:val="centerGroup"/>
+                    </m:oMathParaPr>
+                    <m:oMath xmlns:m="http://schemas.openxmlformats.org/officeDocument/2006/math">
+                      <m:sSub>
+                        <m:sSubPr>
+                          <m:ctrlPr>
+                            <a:rPr lang="de-DE" i="1" smtClean="0">
+                              <a:latin typeface="Cambria Math" panose="02040503050406030204" pitchFamily="18" charset="0"/>
+                            </a:rPr>
+                          </m:ctrlPr>
+                        </m:sSubPr>
+                        <m:e>
+                          <m:r>
+                            <a:rPr lang="de-DE" b="0" i="1" smtClean="0">
+                              <a:latin typeface="Cambria Math" panose="02040503050406030204" pitchFamily="18" charset="0"/>
+                            </a:rPr>
+                            <m:t>𝑥</m:t>
+                          </m:r>
+                        </m:e>
+                        <m:sub>
+                          <m:r>
+                            <a:rPr lang="de-DE" b="0" i="1" smtClean="0">
+                              <a:latin typeface="Cambria Math" panose="02040503050406030204" pitchFamily="18" charset="0"/>
+                            </a:rPr>
+                            <m:t>0</m:t>
+                          </m:r>
+                        </m:sub>
+                      </m:sSub>
+                      <m:r>
+                        <a:rPr lang="de-DE" b="0" i="1" smtClean="0">
+                          <a:latin typeface="Cambria Math" panose="02040503050406030204" pitchFamily="18" charset="0"/>
+                        </a:rPr>
+                        <m:t>=0, </m:t>
+                      </m:r>
+                      <m:sSub>
+                        <m:sSubPr>
+                          <m:ctrlPr>
+                            <a:rPr lang="de-DE" b="0" i="1" smtClean="0">
+                              <a:latin typeface="Cambria Math" panose="02040503050406030204" pitchFamily="18" charset="0"/>
+                            </a:rPr>
+                          </m:ctrlPr>
+                        </m:sSubPr>
+                        <m:e>
+                          <m:r>
+                            <a:rPr lang="de-DE" b="0" i="1" smtClean="0">
+                              <a:latin typeface="Cambria Math" panose="02040503050406030204" pitchFamily="18" charset="0"/>
+                            </a:rPr>
+                            <m:t> </m:t>
+                          </m:r>
+                          <m:r>
+                            <a:rPr lang="de-DE" b="0" i="1" smtClean="0">
+                              <a:latin typeface="Cambria Math" panose="02040503050406030204" pitchFamily="18" charset="0"/>
+                            </a:rPr>
+                            <m:t>𝑥</m:t>
+                          </m:r>
+                        </m:e>
+                        <m:sub>
+                          <m:r>
+                            <a:rPr lang="de-DE" b="0" i="1" smtClean="0">
+                              <a:latin typeface="Cambria Math" panose="02040503050406030204" pitchFamily="18" charset="0"/>
+                            </a:rPr>
+                            <m:t>1</m:t>
+                          </m:r>
+                        </m:sub>
+                      </m:sSub>
+                      <m:r>
+                        <a:rPr lang="de-DE" b="0" i="1" smtClean="0">
+                          <a:latin typeface="Cambria Math" panose="02040503050406030204" pitchFamily="18" charset="0"/>
+                        </a:rPr>
+                        <m:t>=1</m:t>
+                      </m:r>
+                    </m:oMath>
+                  </m:oMathPara>
+                </a14:m>
+                <a:endParaRPr lang="de-DE" dirty="0"/>
+              </a:p>
+              <a:p>
+                <a:pPr marL="0" indent="0" algn="ctr">
+                  <a:buNone/>
+                </a:pPr>
+                <a14:m>
+                  <m:oMathPara xmlns:m="http://schemas.openxmlformats.org/officeDocument/2006/math">
+                    <m:oMathParaPr>
+                      <m:jc m:val="centerGroup"/>
+                    </m:oMathParaPr>
+                    <m:oMath xmlns:m="http://schemas.openxmlformats.org/officeDocument/2006/math">
+                      <m:sSub>
+                        <m:sSubPr>
+                          <m:ctrlPr>
+                            <a:rPr lang="de-DE" i="1" smtClean="0">
+                              <a:latin typeface="Cambria Math" panose="02040503050406030204" pitchFamily="18" charset="0"/>
+                            </a:rPr>
+                          </m:ctrlPr>
+                        </m:sSubPr>
+                        <m:e>
+                          <m:r>
+                            <a:rPr lang="de-DE" b="0" i="1" smtClean="0">
+                              <a:latin typeface="Cambria Math" panose="02040503050406030204" pitchFamily="18" charset="0"/>
+                            </a:rPr>
+                            <m:t>𝑥</m:t>
+                          </m:r>
+                        </m:e>
+                        <m:sub>
+                          <m:r>
+                            <a:rPr lang="de-DE" b="0" i="1" smtClean="0">
+                              <a:latin typeface="Cambria Math" panose="02040503050406030204" pitchFamily="18" charset="0"/>
+                            </a:rPr>
+                            <m:t>𝑛</m:t>
+                          </m:r>
+                        </m:sub>
+                      </m:sSub>
+                      <m:r>
+                        <a:rPr lang="de-DE" b="0" i="1" smtClean="0">
+                          <a:latin typeface="Cambria Math" panose="02040503050406030204" pitchFamily="18" charset="0"/>
+                        </a:rPr>
+                        <m:t>=</m:t>
+                      </m:r>
+                      <m:sSub>
+                        <m:sSubPr>
+                          <m:ctrlPr>
+                            <a:rPr lang="de-DE" b="0" i="1" smtClean="0">
+                              <a:latin typeface="Cambria Math" panose="02040503050406030204" pitchFamily="18" charset="0"/>
+                            </a:rPr>
+                          </m:ctrlPr>
+                        </m:sSubPr>
+                        <m:e>
+                          <m:r>
+                            <a:rPr lang="de-DE" b="0" i="1" smtClean="0">
+                              <a:latin typeface="Cambria Math" panose="02040503050406030204" pitchFamily="18" charset="0"/>
+                            </a:rPr>
+                            <m:t>2</m:t>
+                          </m:r>
+                          <m:r>
+                            <a:rPr lang="de-DE" b="0" i="1" smtClean="0">
+                              <a:latin typeface="Cambria Math" panose="02040503050406030204" pitchFamily="18" charset="0"/>
+                            </a:rPr>
+                            <m:t>𝑥</m:t>
+                          </m:r>
+                        </m:e>
+                        <m:sub>
+                          <m:r>
+                            <a:rPr lang="de-DE" b="0" i="1" smtClean="0">
+                              <a:latin typeface="Cambria Math" panose="02040503050406030204" pitchFamily="18" charset="0"/>
+                            </a:rPr>
+                            <m:t>𝑛</m:t>
+                          </m:r>
+                          <m:r>
+                            <a:rPr lang="de-DE" b="0" i="1" smtClean="0">
+                              <a:latin typeface="Cambria Math" panose="02040503050406030204" pitchFamily="18" charset="0"/>
+                            </a:rPr>
+                            <m:t>−1</m:t>
+                          </m:r>
+                        </m:sub>
+                      </m:sSub>
+                      <m:r>
+                        <a:rPr lang="de-DE" b="0" i="1" smtClean="0">
+                          <a:latin typeface="Cambria Math" panose="02040503050406030204" pitchFamily="18" charset="0"/>
+                        </a:rPr>
+                        <m:t>+</m:t>
+                      </m:r>
+                      <m:sSub>
+                        <m:sSubPr>
+                          <m:ctrlPr>
+                            <a:rPr lang="de-DE" b="0" i="1" smtClean="0">
+                              <a:latin typeface="Cambria Math" panose="02040503050406030204" pitchFamily="18" charset="0"/>
+                            </a:rPr>
+                          </m:ctrlPr>
+                        </m:sSubPr>
+                        <m:e>
+                          <m:r>
+                            <a:rPr lang="de-DE" b="0" i="1" smtClean="0">
+                              <a:latin typeface="Cambria Math" panose="02040503050406030204" pitchFamily="18" charset="0"/>
+                            </a:rPr>
+                            <m:t>𝑥</m:t>
+                          </m:r>
+                        </m:e>
+                        <m:sub>
+                          <m:r>
+                            <a:rPr lang="de-DE" b="0" i="1" smtClean="0">
+                              <a:latin typeface="Cambria Math" panose="02040503050406030204" pitchFamily="18" charset="0"/>
+                            </a:rPr>
+                            <m:t>𝑛</m:t>
+                          </m:r>
+                          <m:r>
+                            <a:rPr lang="de-DE" b="0" i="1" smtClean="0">
+                              <a:latin typeface="Cambria Math" panose="02040503050406030204" pitchFamily="18" charset="0"/>
+                            </a:rPr>
+                            <m:t>−2</m:t>
+                          </m:r>
+                        </m:sub>
+                      </m:sSub>
+                    </m:oMath>
+                  </m:oMathPara>
+                </a14:m>
+                <a:endParaRPr lang="de-DE" dirty="0"/>
+              </a:p>
+              <a:p>
+                <a:pPr marL="0" indent="0" algn="ctr">
+                  <a:buNone/>
+                </a:pPr>
+                <a:endParaRPr lang="de-DE" dirty="0"/>
+              </a:p>
+              <a:p>
+                <a:pPr marL="0" indent="0" algn="ctr">
+                  <a:buNone/>
+                </a:pPr>
+                <a:r>
+                  <a:rPr lang="de-DE" dirty="0"/>
+                  <a:t>Vier Multiplikationen</a:t>
+                </a:r>
+              </a:p>
+            </p:txBody>
+          </p:sp>
+        </mc:Choice>
+        <mc:Fallback>
+          <p:sp>
+            <p:nvSpPr>
+              <p:cNvPr id="3" name="Inhaltsplatzhalter 2">
+                <a:extLst>
+                  <a:ext uri="{FF2B5EF4-FFF2-40B4-BE49-F238E27FC236}">
+                    <a16:creationId xmlns:a16="http://schemas.microsoft.com/office/drawing/2014/main" id="{D79B8B37-8223-C932-B133-60DD5BE628A0}"/>
+                  </a:ext>
+                </a:extLst>
+              </p:cNvPr>
+              <p:cNvSpPr>
+                <a:spLocks noGrp="1" noRot="1" noChangeAspect="1" noMove="1" noResize="1" noEditPoints="1" noAdjustHandles="1" noChangeArrowheads="1" noChangeShapeType="1" noTextEdit="1"/>
+              </p:cNvSpPr>
+              <p:nvPr>
+                <p:ph idx="1"/>
+              </p:nvPr>
+            </p:nvSpPr>
+            <p:spPr>
+              <a:blipFill>
+                <a:blip r:embed="rId3"/>
+                <a:stretch>
+                  <a:fillRect t="-291"/>
+                </a:stretch>
+              </a:blipFill>
+            </p:spPr>
+            <p:txBody>
+              <a:bodyPr/>
+              <a:lstStyle/>
+              <a:p>
+                <a:r>
+                  <a:rPr lang="de-DE">
+                    <a:noFill/>
+                  </a:rPr>
+                  <a:t> </a:t>
+                </a:r>
+              </a:p>
+            </p:txBody>
+          </p:sp>
+        </mc:Fallback>
+      </mc:AlternateContent>
+      <p:sp>
+        <p:nvSpPr>
+          <p:cNvPr id="4" name="Datumsplatzhalter 3">
+            <a:extLst>
+              <a:ext uri="{FF2B5EF4-FFF2-40B4-BE49-F238E27FC236}">
+                <a16:creationId xmlns:a16="http://schemas.microsoft.com/office/drawing/2014/main" id="{7A57705E-6408-94FD-573F-4E010B2F65CD}"/>
+              </a:ext>
+            </a:extLst>
+          </p:cNvPr>
+          <p:cNvSpPr>
+            <a:spLocks noGrp="1"/>
+          </p:cNvSpPr>
+          <p:nvPr>
+            <p:ph type="dt" sz="half" idx="10"/>
+          </p:nvPr>
+        </p:nvSpPr>
+        <p:spPr/>
+        <p:txBody>
+          <a:bodyPr/>
+          <a:lstStyle/>
+          <a:p>
+            <a:r>
+              <a:rPr lang="de-DE"/>
+              <a:t>22.08.2023</a:t>
+            </a:r>
+          </a:p>
+        </p:txBody>
+      </p:sp>
+      <p:sp>
+        <p:nvSpPr>
+          <p:cNvPr id="5" name="Fußzeilenplatzhalter 4">
+            <a:extLst>
+              <a:ext uri="{FF2B5EF4-FFF2-40B4-BE49-F238E27FC236}">
+                <a16:creationId xmlns:a16="http://schemas.microsoft.com/office/drawing/2014/main" id="{16C28518-7D07-806E-B40F-E702C81D0F4D}"/>
+              </a:ext>
+            </a:extLst>
+          </p:cNvPr>
+          <p:cNvSpPr>
+            <a:spLocks noGrp="1"/>
+          </p:cNvSpPr>
+          <p:nvPr>
+            <p:ph type="ftr" sz="quarter" idx="11"/>
+          </p:nvPr>
+        </p:nvSpPr>
+        <p:spPr>
+          <a:xfrm>
+            <a:off x="3472543" y="6356350"/>
+            <a:ext cx="5246914" cy="365125"/>
+          </a:xfrm>
+        </p:spPr>
+        <p:txBody>
+          <a:bodyPr/>
+          <a:lstStyle/>
+          <a:p>
+            <a:r>
+              <a:rPr lang="de-DE" dirty="0"/>
+              <a:t>Aufgabe A326 – Team 213 – Noah Schlenker – Leon B. Kniffki – Christian </a:t>
+            </a:r>
+            <a:r>
+              <a:rPr lang="de-DE" dirty="0" err="1"/>
+              <a:t>Krinitsin</a:t>
+            </a:r>
+            <a:endParaRPr lang="de-DE" dirty="0"/>
+          </a:p>
+        </p:txBody>
+      </p:sp>
+      <p:sp>
+        <p:nvSpPr>
+          <p:cNvPr id="6" name="Foliennummernplatzhalter 5">
+            <a:extLst>
+              <a:ext uri="{FF2B5EF4-FFF2-40B4-BE49-F238E27FC236}">
+                <a16:creationId xmlns:a16="http://schemas.microsoft.com/office/drawing/2014/main" id="{97C2D911-B162-6E01-9B35-0590D962D8ED}"/>
+              </a:ext>
+            </a:extLst>
+          </p:cNvPr>
+          <p:cNvSpPr>
+            <a:spLocks noGrp="1"/>
+          </p:cNvSpPr>
+          <p:nvPr>
+            <p:ph type="sldNum" sz="quarter" idx="12"/>
+          </p:nvPr>
+        </p:nvSpPr>
+        <p:spPr/>
+        <p:txBody>
+          <a:bodyPr/>
+          <a:lstStyle/>
+          <a:p>
+            <a:fld id="{AE07E6DF-0E1A-AC44-B689-ED3A3483D2F3}" type="slidenum">
+              <a:rPr lang="de-DE" smtClean="0"/>
+              <a:t>5</a:t>
+            </a:fld>
+            <a:endParaRPr lang="de-DE"/>
+          </a:p>
+        </p:txBody>
+      </p:sp>
+    </p:spTree>
+    <p:extLst>
+      <p:ext uri="{BB962C8B-B14F-4D97-AF65-F5344CB8AC3E}">
+        <p14:creationId xmlns:p14="http://schemas.microsoft.com/office/powerpoint/2010/main" val="3814051070"/>
+      </p:ext>
+    </p:extLst>
+  </p:cSld>
+  <p:clrMapOvr>
+    <a:masterClrMapping/>
+  </p:clrMapOvr>
 </p:sld>
 </file>
 

--- a/Vortrag/Vortrag.pptx
+++ b/Vortrag/Vortrag.pptx
@@ -5,14 +5,16 @@
     <p:sldMasterId id="2147483648" r:id="rId1"/>
   </p:sldMasterIdLst>
   <p:notesMasterIdLst>
-    <p:notesMasterId r:id="rId7"/>
+    <p:notesMasterId r:id="rId9"/>
   </p:notesMasterIdLst>
   <p:sldIdLst>
     <p:sldId id="256" r:id="rId2"/>
     <p:sldId id="257" r:id="rId3"/>
-    <p:sldId id="260" r:id="rId4"/>
-    <p:sldId id="261" r:id="rId5"/>
-    <p:sldId id="262" r:id="rId6"/>
+    <p:sldId id="264" r:id="rId4"/>
+    <p:sldId id="265" r:id="rId5"/>
+    <p:sldId id="260" r:id="rId6"/>
+    <p:sldId id="261" r:id="rId7"/>
+    <p:sldId id="262" r:id="rId8"/>
   </p:sldIdLst>
   <p:sldSz cx="12192000" cy="6858000"/>
   <p:notesSz cx="6858000" cy="9144000"/>
@@ -5095,6 +5097,1489 @@
           <a:chExt cx="0" cy="0"/>
         </a:xfrm>
       </p:grpSpPr>
+      <mc:AlternateContent xmlns:mc="http://schemas.openxmlformats.org/markup-compatibility/2006">
+        <mc:Choice xmlns:a14="http://schemas.microsoft.com/office/drawing/2010/main" Requires="a14">
+          <p:sp>
+            <p:nvSpPr>
+              <p:cNvPr id="2" name="Titel 1">
+                <a:extLst>
+                  <a:ext uri="{FF2B5EF4-FFF2-40B4-BE49-F238E27FC236}">
+                    <a16:creationId xmlns:a16="http://schemas.microsoft.com/office/drawing/2014/main" id="{A161E9DB-2D80-98DC-892C-DEA9728AF58D}"/>
+                  </a:ext>
+                </a:extLst>
+              </p:cNvPr>
+              <p:cNvSpPr>
+                <a:spLocks noGrp="1"/>
+              </p:cNvSpPr>
+              <p:nvPr>
+                <p:ph type="title"/>
+              </p:nvPr>
+            </p:nvSpPr>
+            <p:spPr/>
+            <p:txBody>
+              <a:bodyPr/>
+              <a:lstStyle/>
+              <a:p>
+                <a:r>
+                  <a:rPr lang="de-DE" dirty="0"/>
+                  <a:t>Wie bestimmt man </a:t>
+                </a:r>
+                <a14:m>
+                  <m:oMath xmlns:m="http://schemas.openxmlformats.org/officeDocument/2006/math">
+                    <m:rad>
+                      <m:radPr>
+                        <m:degHide m:val="on"/>
+                        <m:ctrlPr>
+                          <a:rPr lang="de-DE" i="1" smtClean="0">
+                            <a:latin typeface="Cambria Math" panose="02040503050406030204" pitchFamily="18" charset="0"/>
+                          </a:rPr>
+                        </m:ctrlPr>
+                      </m:radPr>
+                      <m:deg/>
+                      <m:e>
+                        <m:r>
+                          <a:rPr lang="de-DE" b="0" i="1" smtClean="0">
+                            <a:latin typeface="Cambria Math" panose="02040503050406030204" pitchFamily="18" charset="0"/>
+                          </a:rPr>
+                          <m:t>2</m:t>
+                        </m:r>
+                      </m:e>
+                    </m:rad>
+                  </m:oMath>
+                </a14:m>
+                <a:r>
+                  <a:rPr lang="de-DE" dirty="0"/>
+                  <a:t>?</a:t>
+                </a:r>
+              </a:p>
+            </p:txBody>
+          </p:sp>
+        </mc:Choice>
+        <mc:Fallback>
+          <p:sp>
+            <p:nvSpPr>
+              <p:cNvPr id="2" name="Titel 1">
+                <a:extLst>
+                  <a:ext uri="{FF2B5EF4-FFF2-40B4-BE49-F238E27FC236}">
+                    <a16:creationId xmlns:a16="http://schemas.microsoft.com/office/drawing/2014/main" id="{A161E9DB-2D80-98DC-892C-DEA9728AF58D}"/>
+                  </a:ext>
+                </a:extLst>
+              </p:cNvPr>
+              <p:cNvSpPr>
+                <a:spLocks noGrp="1" noRot="1" noChangeAspect="1" noMove="1" noResize="1" noEditPoints="1" noAdjustHandles="1" noChangeArrowheads="1" noChangeShapeType="1" noTextEdit="1"/>
+              </p:cNvSpPr>
+              <p:nvPr>
+                <p:ph type="title"/>
+              </p:nvPr>
+            </p:nvSpPr>
+            <p:spPr>
+              <a:blipFill>
+                <a:blip r:embed="rId2"/>
+                <a:stretch>
+                  <a:fillRect l="-2413" b="-1905"/>
+                </a:stretch>
+              </a:blipFill>
+            </p:spPr>
+            <p:txBody>
+              <a:bodyPr/>
+              <a:lstStyle/>
+              <a:p>
+                <a:r>
+                  <a:rPr lang="de-DE">
+                    <a:noFill/>
+                  </a:rPr>
+                  <a:t> </a:t>
+                </a:r>
+              </a:p>
+            </p:txBody>
+          </p:sp>
+        </mc:Fallback>
+      </mc:AlternateContent>
+      <mc:AlternateContent xmlns:mc="http://schemas.openxmlformats.org/markup-compatibility/2006">
+        <mc:Choice xmlns:a14="http://schemas.microsoft.com/office/drawing/2010/main" Requires="a14">
+          <p:sp>
+            <p:nvSpPr>
+              <p:cNvPr id="3" name="Inhaltsplatzhalter 2">
+                <a:extLst>
+                  <a:ext uri="{FF2B5EF4-FFF2-40B4-BE49-F238E27FC236}">
+                    <a16:creationId xmlns:a16="http://schemas.microsoft.com/office/drawing/2014/main" id="{AE321ABA-405B-568E-F853-A4D682A067B3}"/>
+                  </a:ext>
+                </a:extLst>
+              </p:cNvPr>
+              <p:cNvSpPr>
+                <a:spLocks noGrp="1"/>
+              </p:cNvSpPr>
+              <p:nvPr>
+                <p:ph idx="1"/>
+              </p:nvPr>
+            </p:nvSpPr>
+            <p:spPr/>
+            <p:txBody>
+              <a:bodyPr/>
+              <a:lstStyle/>
+              <a:p>
+                <a:pPr marL="0" indent="0">
+                  <a:buNone/>
+                </a:pPr>
+                <a:br>
+                  <a:rPr lang="de-DE" i="1" dirty="0">
+                    <a:latin typeface="Cambria Math" panose="02040503050406030204" pitchFamily="18" charset="0"/>
+                  </a:rPr>
+                </a:br>
+                <a14:m>
+                  <m:oMathPara xmlns:m="http://schemas.openxmlformats.org/officeDocument/2006/math">
+                    <m:oMathParaPr>
+                      <m:jc m:val="centerGroup"/>
+                    </m:oMathParaPr>
+                    <m:oMath xmlns:m="http://schemas.openxmlformats.org/officeDocument/2006/math">
+                      <m:sSup>
+                        <m:sSupPr>
+                          <m:ctrlPr>
+                            <a:rPr lang="de-DE" i="1" smtClean="0">
+                              <a:latin typeface="Cambria Math" panose="02040503050406030204" pitchFamily="18" charset="0"/>
+                            </a:rPr>
+                          </m:ctrlPr>
+                        </m:sSupPr>
+                        <m:e>
+                          <m:d>
+                            <m:dPr>
+                              <m:ctrlPr>
+                                <a:rPr lang="de-DE" i="1" smtClean="0">
+                                  <a:latin typeface="Cambria Math" panose="02040503050406030204" pitchFamily="18" charset="0"/>
+                                </a:rPr>
+                              </m:ctrlPr>
+                            </m:dPr>
+                            <m:e>
+                              <m:m>
+                                <m:mPr>
+                                  <m:mcs>
+                                    <m:mc>
+                                      <m:mcPr>
+                                        <m:count m:val="2"/>
+                                        <m:mcJc m:val="center"/>
+                                      </m:mcPr>
+                                    </m:mc>
+                                  </m:mcs>
+                                  <m:ctrlPr>
+                                    <a:rPr lang="de-DE" i="1" smtClean="0">
+                                      <a:latin typeface="Cambria Math" panose="02040503050406030204" pitchFamily="18" charset="0"/>
+                                    </a:rPr>
+                                  </m:ctrlPr>
+                                </m:mPr>
+                                <m:mr>
+                                  <m:e>
+                                    <m:r>
+                                      <m:rPr>
+                                        <m:brk m:alnAt="7"/>
+                                      </m:rPr>
+                                      <a:rPr lang="de-DE" b="0" i="1" smtClean="0">
+                                        <a:latin typeface="Cambria Math" panose="02040503050406030204" pitchFamily="18" charset="0"/>
+                                      </a:rPr>
+                                      <m:t>0</m:t>
+                                    </m:r>
+                                  </m:e>
+                                  <m:e>
+                                    <m:r>
+                                      <a:rPr lang="de-DE" b="0" i="1" smtClean="0">
+                                        <a:latin typeface="Cambria Math" panose="02040503050406030204" pitchFamily="18" charset="0"/>
+                                      </a:rPr>
+                                      <m:t>1</m:t>
+                                    </m:r>
+                                  </m:e>
+                                </m:mr>
+                                <m:mr>
+                                  <m:e>
+                                    <m:r>
+                                      <a:rPr lang="de-DE" b="0" i="1" smtClean="0">
+                                        <a:latin typeface="Cambria Math" panose="02040503050406030204" pitchFamily="18" charset="0"/>
+                                      </a:rPr>
+                                      <m:t>1</m:t>
+                                    </m:r>
+                                  </m:e>
+                                  <m:e>
+                                    <m:r>
+                                      <a:rPr lang="de-DE" b="0" i="1" smtClean="0">
+                                        <a:latin typeface="Cambria Math" panose="02040503050406030204" pitchFamily="18" charset="0"/>
+                                      </a:rPr>
+                                      <m:t>2</m:t>
+                                    </m:r>
+                                  </m:e>
+                                </m:mr>
+                              </m:m>
+                            </m:e>
+                          </m:d>
+                        </m:e>
+                        <m:sup>
+                          <m:r>
+                            <a:rPr lang="de-DE" b="0" i="1" smtClean="0">
+                              <a:latin typeface="Cambria Math" panose="02040503050406030204" pitchFamily="18" charset="0"/>
+                            </a:rPr>
+                            <m:t>𝑛</m:t>
+                          </m:r>
+                        </m:sup>
+                      </m:sSup>
+                      <m:r>
+                        <a:rPr lang="de-DE" b="0" i="1" smtClean="0">
+                          <a:latin typeface="Cambria Math" panose="02040503050406030204" pitchFamily="18" charset="0"/>
+                        </a:rPr>
+                        <m:t>=</m:t>
+                      </m:r>
+                      <m:d>
+                        <m:dPr>
+                          <m:ctrlPr>
+                            <a:rPr lang="de-DE" b="0" i="1" smtClean="0">
+                              <a:latin typeface="Cambria Math" panose="02040503050406030204" pitchFamily="18" charset="0"/>
+                            </a:rPr>
+                          </m:ctrlPr>
+                        </m:dPr>
+                        <m:e>
+                          <m:m>
+                            <m:mPr>
+                              <m:mcs>
+                                <m:mc>
+                                  <m:mcPr>
+                                    <m:count m:val="2"/>
+                                    <m:mcJc m:val="center"/>
+                                  </m:mcPr>
+                                </m:mc>
+                              </m:mcs>
+                              <m:ctrlPr>
+                                <a:rPr lang="de-DE" b="0" i="1" smtClean="0">
+                                  <a:latin typeface="Cambria Math" panose="02040503050406030204" pitchFamily="18" charset="0"/>
+                                </a:rPr>
+                              </m:ctrlPr>
+                            </m:mPr>
+                            <m:mr>
+                              <m:e>
+                                <m:sSub>
+                                  <m:sSubPr>
+                                    <m:ctrlPr>
+                                      <a:rPr lang="de-DE" b="0" i="1" smtClean="0">
+                                        <a:latin typeface="Cambria Math" panose="02040503050406030204" pitchFamily="18" charset="0"/>
+                                      </a:rPr>
+                                    </m:ctrlPr>
+                                  </m:sSubPr>
+                                  <m:e>
+                                    <m:r>
+                                      <a:rPr lang="de-DE" b="0" i="1" smtClean="0">
+                                        <a:latin typeface="Cambria Math" panose="02040503050406030204" pitchFamily="18" charset="0"/>
+                                      </a:rPr>
+                                      <m:t>𝑥</m:t>
+                                    </m:r>
+                                  </m:e>
+                                  <m:sub>
+                                    <m:r>
+                                      <a:rPr lang="de-DE" b="0" i="1" smtClean="0">
+                                        <a:latin typeface="Cambria Math" panose="02040503050406030204" pitchFamily="18" charset="0"/>
+                                      </a:rPr>
+                                      <m:t>𝑛</m:t>
+                                    </m:r>
+                                    <m:r>
+                                      <a:rPr lang="de-DE" b="0" i="1" smtClean="0">
+                                        <a:latin typeface="Cambria Math" panose="02040503050406030204" pitchFamily="18" charset="0"/>
+                                      </a:rPr>
+                                      <m:t>−1</m:t>
+                                    </m:r>
+                                  </m:sub>
+                                </m:sSub>
+                              </m:e>
+                              <m:e>
+                                <m:sSub>
+                                  <m:sSubPr>
+                                    <m:ctrlPr>
+                                      <a:rPr lang="de-DE" b="0" i="1" smtClean="0">
+                                        <a:latin typeface="Cambria Math" panose="02040503050406030204" pitchFamily="18" charset="0"/>
+                                      </a:rPr>
+                                    </m:ctrlPr>
+                                  </m:sSubPr>
+                                  <m:e>
+                                    <m:r>
+                                      <a:rPr lang="de-DE" b="0" i="1" smtClean="0">
+                                        <a:latin typeface="Cambria Math" panose="02040503050406030204" pitchFamily="18" charset="0"/>
+                                      </a:rPr>
+                                      <m:t>𝑥</m:t>
+                                    </m:r>
+                                  </m:e>
+                                  <m:sub>
+                                    <m:r>
+                                      <a:rPr lang="de-DE" b="0" i="1" smtClean="0">
+                                        <a:latin typeface="Cambria Math" panose="02040503050406030204" pitchFamily="18" charset="0"/>
+                                      </a:rPr>
+                                      <m:t>𝑛</m:t>
+                                    </m:r>
+                                  </m:sub>
+                                </m:sSub>
+                              </m:e>
+                            </m:mr>
+                            <m:mr>
+                              <m:e>
+                                <m:sSub>
+                                  <m:sSubPr>
+                                    <m:ctrlPr>
+                                      <a:rPr lang="de-DE" b="0" i="1" smtClean="0">
+                                        <a:latin typeface="Cambria Math" panose="02040503050406030204" pitchFamily="18" charset="0"/>
+                                      </a:rPr>
+                                    </m:ctrlPr>
+                                  </m:sSubPr>
+                                  <m:e>
+                                    <m:r>
+                                      <a:rPr lang="de-DE" b="0" i="1" smtClean="0">
+                                        <a:latin typeface="Cambria Math" panose="02040503050406030204" pitchFamily="18" charset="0"/>
+                                      </a:rPr>
+                                      <m:t>𝑥</m:t>
+                                    </m:r>
+                                  </m:e>
+                                  <m:sub>
+                                    <m:r>
+                                      <a:rPr lang="de-DE" b="0" i="1" smtClean="0">
+                                        <a:latin typeface="Cambria Math" panose="02040503050406030204" pitchFamily="18" charset="0"/>
+                                      </a:rPr>
+                                      <m:t>𝑛</m:t>
+                                    </m:r>
+                                  </m:sub>
+                                </m:sSub>
+                              </m:e>
+                              <m:e>
+                                <m:sSub>
+                                  <m:sSubPr>
+                                    <m:ctrlPr>
+                                      <a:rPr lang="de-DE" b="0" i="1" smtClean="0">
+                                        <a:latin typeface="Cambria Math" panose="02040503050406030204" pitchFamily="18" charset="0"/>
+                                      </a:rPr>
+                                    </m:ctrlPr>
+                                  </m:sSubPr>
+                                  <m:e>
+                                    <m:r>
+                                      <a:rPr lang="de-DE" b="0" i="1" smtClean="0">
+                                        <a:latin typeface="Cambria Math" panose="02040503050406030204" pitchFamily="18" charset="0"/>
+                                      </a:rPr>
+                                      <m:t>𝑥</m:t>
+                                    </m:r>
+                                  </m:e>
+                                  <m:sub>
+                                    <m:r>
+                                      <a:rPr lang="de-DE" b="0" i="1" smtClean="0">
+                                        <a:latin typeface="Cambria Math" panose="02040503050406030204" pitchFamily="18" charset="0"/>
+                                      </a:rPr>
+                                      <m:t>𝑛</m:t>
+                                    </m:r>
+                                    <m:r>
+                                      <a:rPr lang="de-DE" b="0" i="1" smtClean="0">
+                                        <a:latin typeface="Cambria Math" panose="02040503050406030204" pitchFamily="18" charset="0"/>
+                                      </a:rPr>
+                                      <m:t>+1</m:t>
+                                    </m:r>
+                                  </m:sub>
+                                </m:sSub>
+                              </m:e>
+                            </m:mr>
+                          </m:m>
+                        </m:e>
+                      </m:d>
+                      <m:r>
+                        <a:rPr lang="de-DE" b="0" i="1" smtClean="0">
+                          <a:latin typeface="Cambria Math" panose="02040503050406030204" pitchFamily="18" charset="0"/>
+                          <a:ea typeface="Cambria Math" panose="02040503050406030204" pitchFamily="18" charset="0"/>
+                        </a:rPr>
+                        <m:t>⇒</m:t>
+                      </m:r>
+                      <m:func>
+                        <m:funcPr>
+                          <m:ctrlPr>
+                            <a:rPr lang="de-DE" b="0" i="1" smtClean="0">
+                              <a:latin typeface="Cambria Math" panose="02040503050406030204" pitchFamily="18" charset="0"/>
+                              <a:ea typeface="Cambria Math" panose="02040503050406030204" pitchFamily="18" charset="0"/>
+                            </a:rPr>
+                          </m:ctrlPr>
+                        </m:funcPr>
+                        <m:fName>
+                          <m:limLow>
+                            <m:limLowPr>
+                              <m:ctrlPr>
+                                <a:rPr lang="de-DE" b="0" i="1" smtClean="0">
+                                  <a:latin typeface="Cambria Math" panose="02040503050406030204" pitchFamily="18" charset="0"/>
+                                  <a:ea typeface="Cambria Math" panose="02040503050406030204" pitchFamily="18" charset="0"/>
+                                </a:rPr>
+                              </m:ctrlPr>
+                            </m:limLowPr>
+                            <m:e>
+                              <m:r>
+                                <m:rPr>
+                                  <m:sty m:val="p"/>
+                                </m:rPr>
+                                <a:rPr lang="de-DE" b="0" i="0" smtClean="0">
+                                  <a:latin typeface="Cambria Math" panose="02040503050406030204" pitchFamily="18" charset="0"/>
+                                  <a:ea typeface="Cambria Math" panose="02040503050406030204" pitchFamily="18" charset="0"/>
+                                </a:rPr>
+                                <m:t>lim</m:t>
+                              </m:r>
+                            </m:e>
+                            <m:lim>
+                              <m:r>
+                                <a:rPr lang="de-DE" b="0" i="1" smtClean="0">
+                                  <a:latin typeface="Cambria Math" panose="02040503050406030204" pitchFamily="18" charset="0"/>
+                                  <a:ea typeface="Cambria Math" panose="02040503050406030204" pitchFamily="18" charset="0"/>
+                                </a:rPr>
+                                <m:t>𝑛</m:t>
+                              </m:r>
+                              <m:r>
+                                <a:rPr lang="de-DE" b="0" i="1" smtClean="0">
+                                  <a:latin typeface="Cambria Math" panose="02040503050406030204" pitchFamily="18" charset="0"/>
+                                  <a:ea typeface="Cambria Math" panose="02040503050406030204" pitchFamily="18" charset="0"/>
+                                </a:rPr>
+                                <m:t>→∞</m:t>
+                              </m:r>
+                            </m:lim>
+                          </m:limLow>
+                        </m:fName>
+                        <m:e>
+                          <m:r>
+                            <a:rPr lang="de-DE" b="0" i="1" smtClean="0">
+                              <a:latin typeface="Cambria Math" panose="02040503050406030204" pitchFamily="18" charset="0"/>
+                              <a:ea typeface="Cambria Math" panose="02040503050406030204" pitchFamily="18" charset="0"/>
+                            </a:rPr>
+                            <m:t>1+</m:t>
+                          </m:r>
+                          <m:f>
+                            <m:fPr>
+                              <m:ctrlPr>
+                                <a:rPr lang="de-DE" b="0" i="1" smtClean="0">
+                                  <a:latin typeface="Cambria Math" panose="02040503050406030204" pitchFamily="18" charset="0"/>
+                                  <a:ea typeface="Cambria Math" panose="02040503050406030204" pitchFamily="18" charset="0"/>
+                                </a:rPr>
+                              </m:ctrlPr>
+                            </m:fPr>
+                            <m:num>
+                              <m:sSub>
+                                <m:sSubPr>
+                                  <m:ctrlPr>
+                                    <a:rPr lang="de-DE" b="0" i="1" smtClean="0">
+                                      <a:latin typeface="Cambria Math" panose="02040503050406030204" pitchFamily="18" charset="0"/>
+                                      <a:ea typeface="Cambria Math" panose="02040503050406030204" pitchFamily="18" charset="0"/>
+                                    </a:rPr>
+                                  </m:ctrlPr>
+                                </m:sSubPr>
+                                <m:e>
+                                  <m:r>
+                                    <a:rPr lang="de-DE" b="0" i="1" smtClean="0">
+                                      <a:latin typeface="Cambria Math" panose="02040503050406030204" pitchFamily="18" charset="0"/>
+                                      <a:ea typeface="Cambria Math" panose="02040503050406030204" pitchFamily="18" charset="0"/>
+                                    </a:rPr>
+                                    <m:t>𝑥</m:t>
+                                  </m:r>
+                                </m:e>
+                                <m:sub>
+                                  <m:r>
+                                    <a:rPr lang="de-DE" b="0" i="1" smtClean="0">
+                                      <a:latin typeface="Cambria Math" panose="02040503050406030204" pitchFamily="18" charset="0"/>
+                                      <a:ea typeface="Cambria Math" panose="02040503050406030204" pitchFamily="18" charset="0"/>
+                                    </a:rPr>
+                                    <m:t>𝑛</m:t>
+                                  </m:r>
+                                </m:sub>
+                              </m:sSub>
+                            </m:num>
+                            <m:den>
+                              <m:sSub>
+                                <m:sSubPr>
+                                  <m:ctrlPr>
+                                    <a:rPr lang="de-DE" b="0" i="1" smtClean="0">
+                                      <a:latin typeface="Cambria Math" panose="02040503050406030204" pitchFamily="18" charset="0"/>
+                                      <a:ea typeface="Cambria Math" panose="02040503050406030204" pitchFamily="18" charset="0"/>
+                                    </a:rPr>
+                                  </m:ctrlPr>
+                                </m:sSubPr>
+                                <m:e>
+                                  <m:r>
+                                    <a:rPr lang="de-DE" b="0" i="1" smtClean="0">
+                                      <a:latin typeface="Cambria Math" panose="02040503050406030204" pitchFamily="18" charset="0"/>
+                                      <a:ea typeface="Cambria Math" panose="02040503050406030204" pitchFamily="18" charset="0"/>
+                                    </a:rPr>
+                                    <m:t>𝑥</m:t>
+                                  </m:r>
+                                </m:e>
+                                <m:sub>
+                                  <m:r>
+                                    <a:rPr lang="de-DE" b="0" i="1" smtClean="0">
+                                      <a:latin typeface="Cambria Math" panose="02040503050406030204" pitchFamily="18" charset="0"/>
+                                      <a:ea typeface="Cambria Math" panose="02040503050406030204" pitchFamily="18" charset="0"/>
+                                    </a:rPr>
+                                    <m:t>𝑛</m:t>
+                                  </m:r>
+                                  <m:r>
+                                    <a:rPr lang="de-DE" b="0" i="1" smtClean="0">
+                                      <a:latin typeface="Cambria Math" panose="02040503050406030204" pitchFamily="18" charset="0"/>
+                                      <a:ea typeface="Cambria Math" panose="02040503050406030204" pitchFamily="18" charset="0"/>
+                                    </a:rPr>
+                                    <m:t>+1</m:t>
+                                  </m:r>
+                                </m:sub>
+                              </m:sSub>
+                            </m:den>
+                          </m:f>
+                          <m:r>
+                            <a:rPr lang="de-DE" b="0" i="1" smtClean="0">
+                              <a:latin typeface="Cambria Math" panose="02040503050406030204" pitchFamily="18" charset="0"/>
+                              <a:ea typeface="Cambria Math" panose="02040503050406030204" pitchFamily="18" charset="0"/>
+                            </a:rPr>
+                            <m:t>=</m:t>
+                          </m:r>
+                          <m:rad>
+                            <m:radPr>
+                              <m:degHide m:val="on"/>
+                              <m:ctrlPr>
+                                <a:rPr lang="de-DE" b="0" i="1" smtClean="0">
+                                  <a:latin typeface="Cambria Math" panose="02040503050406030204" pitchFamily="18" charset="0"/>
+                                  <a:ea typeface="Cambria Math" panose="02040503050406030204" pitchFamily="18" charset="0"/>
+                                </a:rPr>
+                              </m:ctrlPr>
+                            </m:radPr>
+                            <m:deg/>
+                            <m:e>
+                              <m:r>
+                                <a:rPr lang="de-DE" b="0" i="1" smtClean="0">
+                                  <a:latin typeface="Cambria Math" panose="02040503050406030204" pitchFamily="18" charset="0"/>
+                                  <a:ea typeface="Cambria Math" panose="02040503050406030204" pitchFamily="18" charset="0"/>
+                                </a:rPr>
+                                <m:t>2</m:t>
+                              </m:r>
+                            </m:e>
+                          </m:rad>
+                        </m:e>
+                      </m:func>
+                    </m:oMath>
+                  </m:oMathPara>
+                </a14:m>
+                <a:endParaRPr lang="de-DE" dirty="0"/>
+              </a:p>
+            </p:txBody>
+          </p:sp>
+        </mc:Choice>
+        <mc:Fallback>
+          <p:sp>
+            <p:nvSpPr>
+              <p:cNvPr id="3" name="Inhaltsplatzhalter 2">
+                <a:extLst>
+                  <a:ext uri="{FF2B5EF4-FFF2-40B4-BE49-F238E27FC236}">
+                    <a16:creationId xmlns:a16="http://schemas.microsoft.com/office/drawing/2014/main" id="{AE321ABA-405B-568E-F853-A4D682A067B3}"/>
+                  </a:ext>
+                </a:extLst>
+              </p:cNvPr>
+              <p:cNvSpPr>
+                <a:spLocks noGrp="1" noRot="1" noChangeAspect="1" noMove="1" noResize="1" noEditPoints="1" noAdjustHandles="1" noChangeArrowheads="1" noChangeShapeType="1" noTextEdit="1"/>
+              </p:cNvSpPr>
+              <p:nvPr>
+                <p:ph idx="1"/>
+              </p:nvPr>
+            </p:nvSpPr>
+            <p:spPr>
+              <a:blipFill>
+                <a:blip r:embed="rId3"/>
+                <a:stretch>
+                  <a:fillRect/>
+                </a:stretch>
+              </a:blipFill>
+            </p:spPr>
+            <p:txBody>
+              <a:bodyPr/>
+              <a:lstStyle/>
+              <a:p>
+                <a:r>
+                  <a:rPr lang="de-DE">
+                    <a:noFill/>
+                  </a:rPr>
+                  <a:t> </a:t>
+                </a:r>
+              </a:p>
+            </p:txBody>
+          </p:sp>
+        </mc:Fallback>
+      </mc:AlternateContent>
+      <p:sp>
+        <p:nvSpPr>
+          <p:cNvPr id="4" name="Datumsplatzhalter 3">
+            <a:extLst>
+              <a:ext uri="{FF2B5EF4-FFF2-40B4-BE49-F238E27FC236}">
+                <a16:creationId xmlns:a16="http://schemas.microsoft.com/office/drawing/2014/main" id="{00B5B41B-B4B8-042D-A728-4C625519A3C4}"/>
+              </a:ext>
+            </a:extLst>
+          </p:cNvPr>
+          <p:cNvSpPr>
+            <a:spLocks noGrp="1"/>
+          </p:cNvSpPr>
+          <p:nvPr>
+            <p:ph type="dt" sz="half" idx="10"/>
+          </p:nvPr>
+        </p:nvSpPr>
+        <p:spPr/>
+        <p:txBody>
+          <a:bodyPr/>
+          <a:lstStyle/>
+          <a:p>
+            <a:r>
+              <a:rPr lang="de-DE"/>
+              <a:t>22.08.2023</a:t>
+            </a:r>
+          </a:p>
+        </p:txBody>
+      </p:sp>
+      <p:sp>
+        <p:nvSpPr>
+          <p:cNvPr id="5" name="Fußzeilenplatzhalter 4">
+            <a:extLst>
+              <a:ext uri="{FF2B5EF4-FFF2-40B4-BE49-F238E27FC236}">
+                <a16:creationId xmlns:a16="http://schemas.microsoft.com/office/drawing/2014/main" id="{A03FC7B8-A005-3FBA-616E-D423A307B144}"/>
+              </a:ext>
+            </a:extLst>
+          </p:cNvPr>
+          <p:cNvSpPr>
+            <a:spLocks noGrp="1"/>
+          </p:cNvSpPr>
+          <p:nvPr>
+            <p:ph type="ftr" sz="quarter" idx="11"/>
+          </p:nvPr>
+        </p:nvSpPr>
+        <p:spPr>
+          <a:xfrm>
+            <a:off x="3260271" y="6356350"/>
+            <a:ext cx="5671458" cy="365125"/>
+          </a:xfrm>
+        </p:spPr>
+        <p:txBody>
+          <a:bodyPr/>
+          <a:lstStyle/>
+          <a:p>
+            <a:r>
+              <a:rPr lang="de-DE" dirty="0"/>
+              <a:t>Aufgabe A326 – Team 213 – Noah Schlenker – Leon B. Kniffki – Christian </a:t>
+            </a:r>
+            <a:r>
+              <a:rPr lang="de-DE" dirty="0" err="1"/>
+              <a:t>Krinitsin</a:t>
+            </a:r>
+            <a:endParaRPr lang="de-DE" dirty="0"/>
+          </a:p>
+        </p:txBody>
+      </p:sp>
+      <p:sp>
+        <p:nvSpPr>
+          <p:cNvPr id="6" name="Foliennummernplatzhalter 5">
+            <a:extLst>
+              <a:ext uri="{FF2B5EF4-FFF2-40B4-BE49-F238E27FC236}">
+                <a16:creationId xmlns:a16="http://schemas.microsoft.com/office/drawing/2014/main" id="{DB33F6F9-ED30-61D1-9476-2F261C86DE5D}"/>
+              </a:ext>
+            </a:extLst>
+          </p:cNvPr>
+          <p:cNvSpPr>
+            <a:spLocks noGrp="1"/>
+          </p:cNvSpPr>
+          <p:nvPr>
+            <p:ph type="sldNum" sz="quarter" idx="12"/>
+          </p:nvPr>
+        </p:nvSpPr>
+        <p:spPr/>
+        <p:txBody>
+          <a:bodyPr/>
+          <a:lstStyle/>
+          <a:p>
+            <a:fld id="{AE07E6DF-0E1A-AC44-B689-ED3A3483D2F3}" type="slidenum">
+              <a:rPr lang="de-DE" smtClean="0"/>
+              <a:t>3</a:t>
+            </a:fld>
+            <a:endParaRPr lang="de-DE"/>
+          </a:p>
+        </p:txBody>
+      </p:sp>
+    </p:spTree>
+    <p:extLst>
+      <p:ext uri="{BB962C8B-B14F-4D97-AF65-F5344CB8AC3E}">
+        <p14:creationId xmlns:p14="http://schemas.microsoft.com/office/powerpoint/2010/main" val="640342623"/>
+      </p:ext>
+    </p:extLst>
+  </p:cSld>
+  <p:clrMapOvr>
+    <a:masterClrMapping/>
+  </p:clrMapOvr>
+</p:sld>
+</file>
+
+<file path=ppt/slides/slide4.xml><?xml version="1.0" encoding="utf-8"?>
+<p:sld xmlns:a="http://schemas.openxmlformats.org/drawingml/2006/main" xmlns:r="http://schemas.openxmlformats.org/officeDocument/2006/relationships" xmlns:p="http://schemas.openxmlformats.org/presentationml/2006/main">
+  <p:cSld>
+    <p:spTree>
+      <p:nvGrpSpPr>
+        <p:cNvPr id="1" name=""/>
+        <p:cNvGrpSpPr/>
+        <p:nvPr/>
+      </p:nvGrpSpPr>
+      <p:grpSpPr>
+        <a:xfrm>
+          <a:off x="0" y="0"/>
+          <a:ext cx="0" cy="0"/>
+          <a:chOff x="0" y="0"/>
+          <a:chExt cx="0" cy="0"/>
+        </a:xfrm>
+      </p:grpSpPr>
+      <mc:AlternateContent xmlns:mc="http://schemas.openxmlformats.org/markup-compatibility/2006">
+        <mc:Choice xmlns:a14="http://schemas.microsoft.com/office/drawing/2010/main" Requires="a14">
+          <p:sp>
+            <p:nvSpPr>
+              <p:cNvPr id="2" name="Titel 1">
+                <a:extLst>
+                  <a:ext uri="{FF2B5EF4-FFF2-40B4-BE49-F238E27FC236}">
+                    <a16:creationId xmlns:a16="http://schemas.microsoft.com/office/drawing/2014/main" id="{A161E9DB-2D80-98DC-892C-DEA9728AF58D}"/>
+                  </a:ext>
+                </a:extLst>
+              </p:cNvPr>
+              <p:cNvSpPr>
+                <a:spLocks noGrp="1"/>
+              </p:cNvSpPr>
+              <p:nvPr>
+                <p:ph type="title"/>
+              </p:nvPr>
+            </p:nvSpPr>
+            <p:spPr/>
+            <p:txBody>
+              <a:bodyPr/>
+              <a:lstStyle/>
+              <a:p>
+                <a:r>
+                  <a:rPr lang="de-DE" dirty="0"/>
+                  <a:t>Wie bestimmt man </a:t>
+                </a:r>
+                <a14:m>
+                  <m:oMath xmlns:m="http://schemas.openxmlformats.org/officeDocument/2006/math">
+                    <m:rad>
+                      <m:radPr>
+                        <m:degHide m:val="on"/>
+                        <m:ctrlPr>
+                          <a:rPr lang="de-DE" i="1" smtClean="0">
+                            <a:latin typeface="Cambria Math" panose="02040503050406030204" pitchFamily="18" charset="0"/>
+                          </a:rPr>
+                        </m:ctrlPr>
+                      </m:radPr>
+                      <m:deg/>
+                      <m:e>
+                        <m:r>
+                          <a:rPr lang="de-DE" b="0" i="1" smtClean="0">
+                            <a:latin typeface="Cambria Math" panose="02040503050406030204" pitchFamily="18" charset="0"/>
+                          </a:rPr>
+                          <m:t>2</m:t>
+                        </m:r>
+                      </m:e>
+                    </m:rad>
+                  </m:oMath>
+                </a14:m>
+                <a:r>
+                  <a:rPr lang="de-DE" dirty="0"/>
+                  <a:t>?</a:t>
+                </a:r>
+              </a:p>
+            </p:txBody>
+          </p:sp>
+        </mc:Choice>
+        <mc:Fallback>
+          <p:sp>
+            <p:nvSpPr>
+              <p:cNvPr id="2" name="Titel 1">
+                <a:extLst>
+                  <a:ext uri="{FF2B5EF4-FFF2-40B4-BE49-F238E27FC236}">
+                    <a16:creationId xmlns:a16="http://schemas.microsoft.com/office/drawing/2014/main" id="{A161E9DB-2D80-98DC-892C-DEA9728AF58D}"/>
+                  </a:ext>
+                </a:extLst>
+              </p:cNvPr>
+              <p:cNvSpPr>
+                <a:spLocks noGrp="1" noRot="1" noChangeAspect="1" noMove="1" noResize="1" noEditPoints="1" noAdjustHandles="1" noChangeArrowheads="1" noChangeShapeType="1" noTextEdit="1"/>
+              </p:cNvSpPr>
+              <p:nvPr>
+                <p:ph type="title"/>
+              </p:nvPr>
+            </p:nvSpPr>
+            <p:spPr>
+              <a:blipFill>
+                <a:blip r:embed="rId2"/>
+                <a:stretch>
+                  <a:fillRect l="-2413" b="-1905"/>
+                </a:stretch>
+              </a:blipFill>
+            </p:spPr>
+            <p:txBody>
+              <a:bodyPr/>
+              <a:lstStyle/>
+              <a:p>
+                <a:r>
+                  <a:rPr lang="de-DE">
+                    <a:noFill/>
+                  </a:rPr>
+                  <a:t> </a:t>
+                </a:r>
+              </a:p>
+            </p:txBody>
+          </p:sp>
+        </mc:Fallback>
+      </mc:AlternateContent>
+      <mc:AlternateContent xmlns:mc="http://schemas.openxmlformats.org/markup-compatibility/2006">
+        <mc:Choice xmlns:a14="http://schemas.microsoft.com/office/drawing/2010/main" Requires="a14">
+          <p:sp>
+            <p:nvSpPr>
+              <p:cNvPr id="3" name="Inhaltsplatzhalter 2">
+                <a:extLst>
+                  <a:ext uri="{FF2B5EF4-FFF2-40B4-BE49-F238E27FC236}">
+                    <a16:creationId xmlns:a16="http://schemas.microsoft.com/office/drawing/2014/main" id="{AE321ABA-405B-568E-F853-A4D682A067B3}"/>
+                  </a:ext>
+                </a:extLst>
+              </p:cNvPr>
+              <p:cNvSpPr>
+                <a:spLocks noGrp="1"/>
+              </p:cNvSpPr>
+              <p:nvPr>
+                <p:ph idx="1"/>
+              </p:nvPr>
+            </p:nvSpPr>
+            <p:spPr/>
+            <p:txBody>
+              <a:bodyPr/>
+              <a:lstStyle/>
+              <a:p>
+                <a:pPr marL="0" indent="0">
+                  <a:buNone/>
+                </a:pPr>
+                <a:br>
+                  <a:rPr lang="de-DE" i="1" dirty="0">
+                    <a:latin typeface="Cambria Math" panose="02040503050406030204" pitchFamily="18" charset="0"/>
+                  </a:rPr>
+                </a:br>
+                <a14:m>
+                  <m:oMathPara xmlns:m="http://schemas.openxmlformats.org/officeDocument/2006/math">
+                    <m:oMathParaPr>
+                      <m:jc m:val="centerGroup"/>
+                    </m:oMathParaPr>
+                    <m:oMath xmlns:m="http://schemas.openxmlformats.org/officeDocument/2006/math">
+                      <m:sSup>
+                        <m:sSupPr>
+                          <m:ctrlPr>
+                            <a:rPr lang="de-DE" i="1" smtClean="0">
+                              <a:latin typeface="Cambria Math" panose="02040503050406030204" pitchFamily="18" charset="0"/>
+                            </a:rPr>
+                          </m:ctrlPr>
+                        </m:sSupPr>
+                        <m:e>
+                          <m:d>
+                            <m:dPr>
+                              <m:ctrlPr>
+                                <a:rPr lang="de-DE" i="1" smtClean="0">
+                                  <a:latin typeface="Cambria Math" panose="02040503050406030204" pitchFamily="18" charset="0"/>
+                                </a:rPr>
+                              </m:ctrlPr>
+                            </m:dPr>
+                            <m:e>
+                              <m:m>
+                                <m:mPr>
+                                  <m:mcs>
+                                    <m:mc>
+                                      <m:mcPr>
+                                        <m:count m:val="2"/>
+                                        <m:mcJc m:val="center"/>
+                                      </m:mcPr>
+                                    </m:mc>
+                                  </m:mcs>
+                                  <m:ctrlPr>
+                                    <a:rPr lang="de-DE" i="1" smtClean="0">
+                                      <a:latin typeface="Cambria Math" panose="02040503050406030204" pitchFamily="18" charset="0"/>
+                                    </a:rPr>
+                                  </m:ctrlPr>
+                                </m:mPr>
+                                <m:mr>
+                                  <m:e>
+                                    <m:r>
+                                      <m:rPr>
+                                        <m:brk m:alnAt="7"/>
+                                      </m:rPr>
+                                      <a:rPr lang="de-DE" b="0" i="1" smtClean="0">
+                                        <a:latin typeface="Cambria Math" panose="02040503050406030204" pitchFamily="18" charset="0"/>
+                                      </a:rPr>
+                                      <m:t>0</m:t>
+                                    </m:r>
+                                  </m:e>
+                                  <m:e>
+                                    <m:r>
+                                      <a:rPr lang="de-DE" b="0" i="1" smtClean="0">
+                                        <a:latin typeface="Cambria Math" panose="02040503050406030204" pitchFamily="18" charset="0"/>
+                                      </a:rPr>
+                                      <m:t>1</m:t>
+                                    </m:r>
+                                  </m:e>
+                                </m:mr>
+                                <m:mr>
+                                  <m:e>
+                                    <m:r>
+                                      <a:rPr lang="de-DE" b="0" i="1" smtClean="0">
+                                        <a:latin typeface="Cambria Math" panose="02040503050406030204" pitchFamily="18" charset="0"/>
+                                      </a:rPr>
+                                      <m:t>1</m:t>
+                                    </m:r>
+                                  </m:e>
+                                  <m:e>
+                                    <m:r>
+                                      <a:rPr lang="de-DE" b="0" i="1" smtClean="0">
+                                        <a:latin typeface="Cambria Math" panose="02040503050406030204" pitchFamily="18" charset="0"/>
+                                      </a:rPr>
+                                      <m:t>2</m:t>
+                                    </m:r>
+                                  </m:e>
+                                </m:mr>
+                              </m:m>
+                            </m:e>
+                          </m:d>
+                        </m:e>
+                        <m:sup>
+                          <m:r>
+                            <a:rPr lang="de-DE" b="0" i="1" smtClean="0">
+                              <a:latin typeface="Cambria Math" panose="02040503050406030204" pitchFamily="18" charset="0"/>
+                            </a:rPr>
+                            <m:t>𝑛</m:t>
+                          </m:r>
+                        </m:sup>
+                      </m:sSup>
+                      <m:r>
+                        <a:rPr lang="de-DE" b="0" i="1" smtClean="0">
+                          <a:latin typeface="Cambria Math" panose="02040503050406030204" pitchFamily="18" charset="0"/>
+                        </a:rPr>
+                        <m:t>=</m:t>
+                      </m:r>
+                      <m:d>
+                        <m:dPr>
+                          <m:ctrlPr>
+                            <a:rPr lang="de-DE" b="0" i="1" smtClean="0">
+                              <a:latin typeface="Cambria Math" panose="02040503050406030204" pitchFamily="18" charset="0"/>
+                            </a:rPr>
+                          </m:ctrlPr>
+                        </m:dPr>
+                        <m:e>
+                          <m:m>
+                            <m:mPr>
+                              <m:mcs>
+                                <m:mc>
+                                  <m:mcPr>
+                                    <m:count m:val="2"/>
+                                    <m:mcJc m:val="center"/>
+                                  </m:mcPr>
+                                </m:mc>
+                              </m:mcs>
+                              <m:ctrlPr>
+                                <a:rPr lang="de-DE" b="0" i="1" smtClean="0">
+                                  <a:latin typeface="Cambria Math" panose="02040503050406030204" pitchFamily="18" charset="0"/>
+                                </a:rPr>
+                              </m:ctrlPr>
+                            </m:mPr>
+                            <m:mr>
+                              <m:e>
+                                <m:sSub>
+                                  <m:sSubPr>
+                                    <m:ctrlPr>
+                                      <a:rPr lang="de-DE" b="0" i="1" smtClean="0">
+                                        <a:latin typeface="Cambria Math" panose="02040503050406030204" pitchFamily="18" charset="0"/>
+                                      </a:rPr>
+                                    </m:ctrlPr>
+                                  </m:sSubPr>
+                                  <m:e>
+                                    <m:r>
+                                      <a:rPr lang="de-DE" b="0" i="1" smtClean="0">
+                                        <a:latin typeface="Cambria Math" panose="02040503050406030204" pitchFamily="18" charset="0"/>
+                                      </a:rPr>
+                                      <m:t>𝑥</m:t>
+                                    </m:r>
+                                  </m:e>
+                                  <m:sub>
+                                    <m:r>
+                                      <a:rPr lang="de-DE" b="0" i="1" smtClean="0">
+                                        <a:latin typeface="Cambria Math" panose="02040503050406030204" pitchFamily="18" charset="0"/>
+                                      </a:rPr>
+                                      <m:t>𝑛</m:t>
+                                    </m:r>
+                                    <m:r>
+                                      <a:rPr lang="de-DE" b="0" i="1" smtClean="0">
+                                        <a:latin typeface="Cambria Math" panose="02040503050406030204" pitchFamily="18" charset="0"/>
+                                      </a:rPr>
+                                      <m:t>−1</m:t>
+                                    </m:r>
+                                  </m:sub>
+                                </m:sSub>
+                              </m:e>
+                              <m:e>
+                                <m:sSub>
+                                  <m:sSubPr>
+                                    <m:ctrlPr>
+                                      <a:rPr lang="de-DE" b="0" i="1" smtClean="0">
+                                        <a:latin typeface="Cambria Math" panose="02040503050406030204" pitchFamily="18" charset="0"/>
+                                      </a:rPr>
+                                    </m:ctrlPr>
+                                  </m:sSubPr>
+                                  <m:e>
+                                    <m:r>
+                                      <a:rPr lang="de-DE" b="0" i="1" smtClean="0">
+                                        <a:latin typeface="Cambria Math" panose="02040503050406030204" pitchFamily="18" charset="0"/>
+                                      </a:rPr>
+                                      <m:t>𝑥</m:t>
+                                    </m:r>
+                                  </m:e>
+                                  <m:sub>
+                                    <m:r>
+                                      <a:rPr lang="de-DE" b="0" i="1" smtClean="0">
+                                        <a:latin typeface="Cambria Math" panose="02040503050406030204" pitchFamily="18" charset="0"/>
+                                      </a:rPr>
+                                      <m:t>𝑛</m:t>
+                                    </m:r>
+                                  </m:sub>
+                                </m:sSub>
+                              </m:e>
+                            </m:mr>
+                            <m:mr>
+                              <m:e>
+                                <m:sSub>
+                                  <m:sSubPr>
+                                    <m:ctrlPr>
+                                      <a:rPr lang="de-DE" b="0" i="1" smtClean="0">
+                                        <a:latin typeface="Cambria Math" panose="02040503050406030204" pitchFamily="18" charset="0"/>
+                                      </a:rPr>
+                                    </m:ctrlPr>
+                                  </m:sSubPr>
+                                  <m:e>
+                                    <m:r>
+                                      <a:rPr lang="de-DE" b="0" i="1" smtClean="0">
+                                        <a:latin typeface="Cambria Math" panose="02040503050406030204" pitchFamily="18" charset="0"/>
+                                      </a:rPr>
+                                      <m:t>𝑥</m:t>
+                                    </m:r>
+                                  </m:e>
+                                  <m:sub>
+                                    <m:r>
+                                      <a:rPr lang="de-DE" b="0" i="1" smtClean="0">
+                                        <a:latin typeface="Cambria Math" panose="02040503050406030204" pitchFamily="18" charset="0"/>
+                                      </a:rPr>
+                                      <m:t>𝑛</m:t>
+                                    </m:r>
+                                  </m:sub>
+                                </m:sSub>
+                              </m:e>
+                              <m:e>
+                                <m:sSub>
+                                  <m:sSubPr>
+                                    <m:ctrlPr>
+                                      <a:rPr lang="de-DE" b="0" i="1" smtClean="0">
+                                        <a:latin typeface="Cambria Math" panose="02040503050406030204" pitchFamily="18" charset="0"/>
+                                      </a:rPr>
+                                    </m:ctrlPr>
+                                  </m:sSubPr>
+                                  <m:e>
+                                    <m:r>
+                                      <a:rPr lang="de-DE" b="0" i="1" smtClean="0">
+                                        <a:latin typeface="Cambria Math" panose="02040503050406030204" pitchFamily="18" charset="0"/>
+                                      </a:rPr>
+                                      <m:t>𝑥</m:t>
+                                    </m:r>
+                                  </m:e>
+                                  <m:sub>
+                                    <m:r>
+                                      <a:rPr lang="de-DE" b="0" i="1" smtClean="0">
+                                        <a:latin typeface="Cambria Math" panose="02040503050406030204" pitchFamily="18" charset="0"/>
+                                      </a:rPr>
+                                      <m:t>𝑛</m:t>
+                                    </m:r>
+                                    <m:r>
+                                      <a:rPr lang="de-DE" b="0" i="1" smtClean="0">
+                                        <a:latin typeface="Cambria Math" panose="02040503050406030204" pitchFamily="18" charset="0"/>
+                                      </a:rPr>
+                                      <m:t>+1</m:t>
+                                    </m:r>
+                                  </m:sub>
+                                </m:sSub>
+                              </m:e>
+                            </m:mr>
+                          </m:m>
+                        </m:e>
+                      </m:d>
+                      <m:r>
+                        <a:rPr lang="de-DE" b="0" i="1" smtClean="0">
+                          <a:latin typeface="Cambria Math" panose="02040503050406030204" pitchFamily="18" charset="0"/>
+                          <a:ea typeface="Cambria Math" panose="02040503050406030204" pitchFamily="18" charset="0"/>
+                        </a:rPr>
+                        <m:t>⇒</m:t>
+                      </m:r>
+                      <m:func>
+                        <m:funcPr>
+                          <m:ctrlPr>
+                            <a:rPr lang="de-DE" b="0" i="1" smtClean="0">
+                              <a:latin typeface="Cambria Math" panose="02040503050406030204" pitchFamily="18" charset="0"/>
+                              <a:ea typeface="Cambria Math" panose="02040503050406030204" pitchFamily="18" charset="0"/>
+                            </a:rPr>
+                          </m:ctrlPr>
+                        </m:funcPr>
+                        <m:fName>
+                          <m:limLow>
+                            <m:limLowPr>
+                              <m:ctrlPr>
+                                <a:rPr lang="de-DE" b="0" i="1" smtClean="0">
+                                  <a:latin typeface="Cambria Math" panose="02040503050406030204" pitchFamily="18" charset="0"/>
+                                  <a:ea typeface="Cambria Math" panose="02040503050406030204" pitchFamily="18" charset="0"/>
+                                </a:rPr>
+                              </m:ctrlPr>
+                            </m:limLowPr>
+                            <m:e>
+                              <m:r>
+                                <m:rPr>
+                                  <m:sty m:val="p"/>
+                                </m:rPr>
+                                <a:rPr lang="de-DE" b="0" i="0" smtClean="0">
+                                  <a:latin typeface="Cambria Math" panose="02040503050406030204" pitchFamily="18" charset="0"/>
+                                  <a:ea typeface="Cambria Math" panose="02040503050406030204" pitchFamily="18" charset="0"/>
+                                </a:rPr>
+                                <m:t>lim</m:t>
+                              </m:r>
+                            </m:e>
+                            <m:lim>
+                              <m:r>
+                                <a:rPr lang="de-DE" b="0" i="1" smtClean="0">
+                                  <a:latin typeface="Cambria Math" panose="02040503050406030204" pitchFamily="18" charset="0"/>
+                                  <a:ea typeface="Cambria Math" panose="02040503050406030204" pitchFamily="18" charset="0"/>
+                                </a:rPr>
+                                <m:t>𝑛</m:t>
+                              </m:r>
+                              <m:r>
+                                <a:rPr lang="de-DE" b="0" i="1" smtClean="0">
+                                  <a:latin typeface="Cambria Math" panose="02040503050406030204" pitchFamily="18" charset="0"/>
+                                  <a:ea typeface="Cambria Math" panose="02040503050406030204" pitchFamily="18" charset="0"/>
+                                </a:rPr>
+                                <m:t>→∞</m:t>
+                              </m:r>
+                            </m:lim>
+                          </m:limLow>
+                        </m:fName>
+                        <m:e>
+                          <m:r>
+                            <a:rPr lang="de-DE" b="0" i="1" smtClean="0">
+                              <a:latin typeface="Cambria Math" panose="02040503050406030204" pitchFamily="18" charset="0"/>
+                              <a:ea typeface="Cambria Math" panose="02040503050406030204" pitchFamily="18" charset="0"/>
+                            </a:rPr>
+                            <m:t>1+</m:t>
+                          </m:r>
+                          <m:f>
+                            <m:fPr>
+                              <m:ctrlPr>
+                                <a:rPr lang="de-DE" b="0" i="1" smtClean="0">
+                                  <a:latin typeface="Cambria Math" panose="02040503050406030204" pitchFamily="18" charset="0"/>
+                                  <a:ea typeface="Cambria Math" panose="02040503050406030204" pitchFamily="18" charset="0"/>
+                                </a:rPr>
+                              </m:ctrlPr>
+                            </m:fPr>
+                            <m:num>
+                              <m:sSub>
+                                <m:sSubPr>
+                                  <m:ctrlPr>
+                                    <a:rPr lang="de-DE" b="0" i="1" smtClean="0">
+                                      <a:latin typeface="Cambria Math" panose="02040503050406030204" pitchFamily="18" charset="0"/>
+                                      <a:ea typeface="Cambria Math" panose="02040503050406030204" pitchFamily="18" charset="0"/>
+                                    </a:rPr>
+                                  </m:ctrlPr>
+                                </m:sSubPr>
+                                <m:e>
+                                  <m:r>
+                                    <a:rPr lang="de-DE" b="0" i="1" smtClean="0">
+                                      <a:latin typeface="Cambria Math" panose="02040503050406030204" pitchFamily="18" charset="0"/>
+                                      <a:ea typeface="Cambria Math" panose="02040503050406030204" pitchFamily="18" charset="0"/>
+                                    </a:rPr>
+                                    <m:t>𝑥</m:t>
+                                  </m:r>
+                                </m:e>
+                                <m:sub>
+                                  <m:r>
+                                    <a:rPr lang="de-DE" b="0" i="1" smtClean="0">
+                                      <a:latin typeface="Cambria Math" panose="02040503050406030204" pitchFamily="18" charset="0"/>
+                                      <a:ea typeface="Cambria Math" panose="02040503050406030204" pitchFamily="18" charset="0"/>
+                                    </a:rPr>
+                                    <m:t>𝑛</m:t>
+                                  </m:r>
+                                </m:sub>
+                              </m:sSub>
+                            </m:num>
+                            <m:den>
+                              <m:sSub>
+                                <m:sSubPr>
+                                  <m:ctrlPr>
+                                    <a:rPr lang="de-DE" b="0" i="1" smtClean="0">
+                                      <a:latin typeface="Cambria Math" panose="02040503050406030204" pitchFamily="18" charset="0"/>
+                                      <a:ea typeface="Cambria Math" panose="02040503050406030204" pitchFamily="18" charset="0"/>
+                                    </a:rPr>
+                                  </m:ctrlPr>
+                                </m:sSubPr>
+                                <m:e>
+                                  <m:r>
+                                    <a:rPr lang="de-DE" b="0" i="1" smtClean="0">
+                                      <a:latin typeface="Cambria Math" panose="02040503050406030204" pitchFamily="18" charset="0"/>
+                                      <a:ea typeface="Cambria Math" panose="02040503050406030204" pitchFamily="18" charset="0"/>
+                                    </a:rPr>
+                                    <m:t>𝑥</m:t>
+                                  </m:r>
+                                </m:e>
+                                <m:sub>
+                                  <m:r>
+                                    <a:rPr lang="de-DE" b="0" i="1" smtClean="0">
+                                      <a:latin typeface="Cambria Math" panose="02040503050406030204" pitchFamily="18" charset="0"/>
+                                      <a:ea typeface="Cambria Math" panose="02040503050406030204" pitchFamily="18" charset="0"/>
+                                    </a:rPr>
+                                    <m:t>𝑛</m:t>
+                                  </m:r>
+                                  <m:r>
+                                    <a:rPr lang="de-DE" b="0" i="1" smtClean="0">
+                                      <a:latin typeface="Cambria Math" panose="02040503050406030204" pitchFamily="18" charset="0"/>
+                                      <a:ea typeface="Cambria Math" panose="02040503050406030204" pitchFamily="18" charset="0"/>
+                                    </a:rPr>
+                                    <m:t>+1</m:t>
+                                  </m:r>
+                                </m:sub>
+                              </m:sSub>
+                            </m:den>
+                          </m:f>
+                          <m:r>
+                            <a:rPr lang="de-DE" b="0" i="1" smtClean="0">
+                              <a:latin typeface="Cambria Math" panose="02040503050406030204" pitchFamily="18" charset="0"/>
+                              <a:ea typeface="Cambria Math" panose="02040503050406030204" pitchFamily="18" charset="0"/>
+                            </a:rPr>
+                            <m:t>=</m:t>
+                          </m:r>
+                          <m:rad>
+                            <m:radPr>
+                              <m:degHide m:val="on"/>
+                              <m:ctrlPr>
+                                <a:rPr lang="de-DE" b="0" i="1" smtClean="0">
+                                  <a:latin typeface="Cambria Math" panose="02040503050406030204" pitchFamily="18" charset="0"/>
+                                  <a:ea typeface="Cambria Math" panose="02040503050406030204" pitchFamily="18" charset="0"/>
+                                </a:rPr>
+                              </m:ctrlPr>
+                            </m:radPr>
+                            <m:deg/>
+                            <m:e>
+                              <m:r>
+                                <a:rPr lang="de-DE" b="0" i="1" smtClean="0">
+                                  <a:latin typeface="Cambria Math" panose="02040503050406030204" pitchFamily="18" charset="0"/>
+                                  <a:ea typeface="Cambria Math" panose="02040503050406030204" pitchFamily="18" charset="0"/>
+                                </a:rPr>
+                                <m:t>2</m:t>
+                              </m:r>
+                            </m:e>
+                          </m:rad>
+                        </m:e>
+                      </m:func>
+                    </m:oMath>
+                  </m:oMathPara>
+                </a14:m>
+                <a:endParaRPr lang="de-DE" dirty="0"/>
+              </a:p>
+              <a:p>
+                <a:endParaRPr lang="de-DE" dirty="0"/>
+              </a:p>
+              <a:p>
+                <a:endParaRPr lang="de-DE" dirty="0"/>
+              </a:p>
+              <a:p>
+                <a:r>
+                  <a:rPr lang="de-DE" dirty="0"/>
+                  <a:t>Probleme:</a:t>
+                </a:r>
+              </a:p>
+              <a:p>
+                <a:pPr lvl="1"/>
+                <a:r>
+                  <a:rPr lang="de-DE" dirty="0"/>
+                  <a:t>Beliebig große Zahlen</a:t>
+                </a:r>
+              </a:p>
+              <a:p>
+                <a:pPr lvl="1"/>
+                <a:r>
+                  <a:rPr lang="de-DE" dirty="0" err="1"/>
+                  <a:t>Exponentiationen</a:t>
+                </a:r>
+                <a:r>
+                  <a:rPr lang="de-DE" dirty="0"/>
+                  <a:t> dauern lange</a:t>
+                </a:r>
+              </a:p>
+              <a:p>
+                <a:pPr lvl="1"/>
+                <a:r>
+                  <a:rPr lang="de-DE" dirty="0"/>
+                  <a:t>Division beliebig genauer Zahlen</a:t>
+                </a:r>
+              </a:p>
+            </p:txBody>
+          </p:sp>
+        </mc:Choice>
+        <mc:Fallback>
+          <p:sp>
+            <p:nvSpPr>
+              <p:cNvPr id="3" name="Inhaltsplatzhalter 2">
+                <a:extLst>
+                  <a:ext uri="{FF2B5EF4-FFF2-40B4-BE49-F238E27FC236}">
+                    <a16:creationId xmlns:a16="http://schemas.microsoft.com/office/drawing/2014/main" id="{AE321ABA-405B-568E-F853-A4D682A067B3}"/>
+                  </a:ext>
+                </a:extLst>
+              </p:cNvPr>
+              <p:cNvSpPr>
+                <a:spLocks noGrp="1" noRot="1" noChangeAspect="1" noMove="1" noResize="1" noEditPoints="1" noAdjustHandles="1" noChangeArrowheads="1" noChangeShapeType="1" noTextEdit="1"/>
+              </p:cNvSpPr>
+              <p:nvPr>
+                <p:ph idx="1"/>
+              </p:nvPr>
+            </p:nvSpPr>
+            <p:spPr>
+              <a:blipFill>
+                <a:blip r:embed="rId3"/>
+                <a:stretch>
+                  <a:fillRect l="-1086"/>
+                </a:stretch>
+              </a:blipFill>
+            </p:spPr>
+            <p:txBody>
+              <a:bodyPr/>
+              <a:lstStyle/>
+              <a:p>
+                <a:r>
+                  <a:rPr lang="de-DE">
+                    <a:noFill/>
+                  </a:rPr>
+                  <a:t> </a:t>
+                </a:r>
+              </a:p>
+            </p:txBody>
+          </p:sp>
+        </mc:Fallback>
+      </mc:AlternateContent>
+      <p:sp>
+        <p:nvSpPr>
+          <p:cNvPr id="4" name="Datumsplatzhalter 3">
+            <a:extLst>
+              <a:ext uri="{FF2B5EF4-FFF2-40B4-BE49-F238E27FC236}">
+                <a16:creationId xmlns:a16="http://schemas.microsoft.com/office/drawing/2014/main" id="{00B5B41B-B4B8-042D-A728-4C625519A3C4}"/>
+              </a:ext>
+            </a:extLst>
+          </p:cNvPr>
+          <p:cNvSpPr>
+            <a:spLocks noGrp="1"/>
+          </p:cNvSpPr>
+          <p:nvPr>
+            <p:ph type="dt" sz="half" idx="10"/>
+          </p:nvPr>
+        </p:nvSpPr>
+        <p:spPr/>
+        <p:txBody>
+          <a:bodyPr/>
+          <a:lstStyle/>
+          <a:p>
+            <a:r>
+              <a:rPr lang="de-DE"/>
+              <a:t>22.08.2023</a:t>
+            </a:r>
+          </a:p>
+        </p:txBody>
+      </p:sp>
+      <p:sp>
+        <p:nvSpPr>
+          <p:cNvPr id="5" name="Fußzeilenplatzhalter 4">
+            <a:extLst>
+              <a:ext uri="{FF2B5EF4-FFF2-40B4-BE49-F238E27FC236}">
+                <a16:creationId xmlns:a16="http://schemas.microsoft.com/office/drawing/2014/main" id="{A03FC7B8-A005-3FBA-616E-D423A307B144}"/>
+              </a:ext>
+            </a:extLst>
+          </p:cNvPr>
+          <p:cNvSpPr>
+            <a:spLocks noGrp="1"/>
+          </p:cNvSpPr>
+          <p:nvPr>
+            <p:ph type="ftr" sz="quarter" idx="11"/>
+          </p:nvPr>
+        </p:nvSpPr>
+        <p:spPr>
+          <a:xfrm>
+            <a:off x="3260271" y="6356350"/>
+            <a:ext cx="5671458" cy="365125"/>
+          </a:xfrm>
+        </p:spPr>
+        <p:txBody>
+          <a:bodyPr/>
+          <a:lstStyle/>
+          <a:p>
+            <a:r>
+              <a:rPr lang="de-DE" dirty="0"/>
+              <a:t>Aufgabe A326 – Team 213 – Noah Schlenker – Leon B. Kniffki – Christian </a:t>
+            </a:r>
+            <a:r>
+              <a:rPr lang="de-DE" dirty="0" err="1"/>
+              <a:t>Krinitsin</a:t>
+            </a:r>
+            <a:endParaRPr lang="de-DE" dirty="0"/>
+          </a:p>
+        </p:txBody>
+      </p:sp>
+      <p:sp>
+        <p:nvSpPr>
+          <p:cNvPr id="6" name="Foliennummernplatzhalter 5">
+            <a:extLst>
+              <a:ext uri="{FF2B5EF4-FFF2-40B4-BE49-F238E27FC236}">
+                <a16:creationId xmlns:a16="http://schemas.microsoft.com/office/drawing/2014/main" id="{DB33F6F9-ED30-61D1-9476-2F261C86DE5D}"/>
+              </a:ext>
+            </a:extLst>
+          </p:cNvPr>
+          <p:cNvSpPr>
+            <a:spLocks noGrp="1"/>
+          </p:cNvSpPr>
+          <p:nvPr>
+            <p:ph type="sldNum" sz="quarter" idx="12"/>
+          </p:nvPr>
+        </p:nvSpPr>
+        <p:spPr/>
+        <p:txBody>
+          <a:bodyPr/>
+          <a:lstStyle/>
+          <a:p>
+            <a:fld id="{AE07E6DF-0E1A-AC44-B689-ED3A3483D2F3}" type="slidenum">
+              <a:rPr lang="de-DE" smtClean="0"/>
+              <a:t>4</a:t>
+            </a:fld>
+            <a:endParaRPr lang="de-DE"/>
+          </a:p>
+        </p:txBody>
+      </p:sp>
+    </p:spTree>
+    <p:extLst>
+      <p:ext uri="{BB962C8B-B14F-4D97-AF65-F5344CB8AC3E}">
+        <p14:creationId xmlns:p14="http://schemas.microsoft.com/office/powerpoint/2010/main" val="1930837926"/>
+      </p:ext>
+    </p:extLst>
+  </p:cSld>
+  <p:clrMapOvr>
+    <a:masterClrMapping/>
+  </p:clrMapOvr>
+</p:sld>
+</file>
+
+<file path=ppt/slides/slide5.xml><?xml version="1.0" encoding="utf-8"?>
+<p:sld xmlns:a="http://schemas.openxmlformats.org/drawingml/2006/main" xmlns:r="http://schemas.openxmlformats.org/officeDocument/2006/relationships" xmlns:p="http://schemas.openxmlformats.org/presentationml/2006/main">
+  <p:cSld>
+    <p:spTree>
+      <p:nvGrpSpPr>
+        <p:cNvPr id="1" name=""/>
+        <p:cNvGrpSpPr/>
+        <p:nvPr/>
+      </p:nvGrpSpPr>
+      <p:grpSpPr>
+        <a:xfrm>
+          <a:off x="0" y="0"/>
+          <a:ext cx="0" cy="0"/>
+          <a:chOff x="0" y="0"/>
+          <a:chExt cx="0" cy="0"/>
+        </a:xfrm>
+      </p:grpSpPr>
       <p:sp>
         <p:nvSpPr>
           <p:cNvPr id="2" name="Titel 1">
@@ -6206,7 +7691,7 @@
           <a:p>
             <a:fld id="{AE07E6DF-0E1A-AC44-B689-ED3A3483D2F3}" type="slidenum">
               <a:rPr lang="de-DE" smtClean="0"/>
-              <a:t>3</a:t>
+              <a:t>5</a:t>
             </a:fld>
             <a:endParaRPr lang="de-DE"/>
           </a:p>
@@ -6225,7 +7710,7 @@
 </p:sld>
 </file>
 
-<file path=ppt/slides/slide4.xml><?xml version="1.0" encoding="utf-8"?>
+<file path=ppt/slides/slide6.xml><?xml version="1.0" encoding="utf-8"?>
 <p:sld xmlns:a="http://schemas.openxmlformats.org/drawingml/2006/main" xmlns:r="http://schemas.openxmlformats.org/officeDocument/2006/relationships" xmlns:p="http://schemas.openxmlformats.org/presentationml/2006/main">
   <p:cSld>
     <p:spTree>
@@ -8384,7 +9869,7 @@
           <a:p>
             <a:fld id="{AE07E6DF-0E1A-AC44-B689-ED3A3483D2F3}" type="slidenum">
               <a:rPr lang="de-DE" smtClean="0"/>
-              <a:t>4</a:t>
+              <a:t>6</a:t>
             </a:fld>
             <a:endParaRPr lang="de-DE"/>
           </a:p>
@@ -8403,7 +9888,7 @@
 </p:sld>
 </file>
 
-<file path=ppt/slides/slide5.xml><?xml version="1.0" encoding="utf-8"?>
+<file path=ppt/slides/slide7.xml><?xml version="1.0" encoding="utf-8"?>
 <p:sld xmlns:a="http://schemas.openxmlformats.org/drawingml/2006/main" xmlns:r="http://schemas.openxmlformats.org/officeDocument/2006/relationships" xmlns:p="http://schemas.openxmlformats.org/presentationml/2006/main">
   <p:cSld>
     <p:spTree>
@@ -9419,7 +10904,7 @@
           <a:p>
             <a:fld id="{AE07E6DF-0E1A-AC44-B689-ED3A3483D2F3}" type="slidenum">
               <a:rPr lang="de-DE" smtClean="0"/>
-              <a:t>5</a:t>
+              <a:t>7</a:t>
             </a:fld>
             <a:endParaRPr lang="de-DE"/>
           </a:p>

--- a/Vortrag/Vortrag.pptx
+++ b/Vortrag/Vortrag.pptx
@@ -5,7 +5,7 @@
     <p:sldMasterId id="2147483648" r:id="rId1"/>
   </p:sldMasterIdLst>
   <p:notesMasterIdLst>
-    <p:notesMasterId r:id="rId24"/>
+    <p:notesMasterId r:id="rId26"/>
   </p:notesMasterIdLst>
   <p:sldIdLst>
     <p:sldId id="256" r:id="rId2"/>
@@ -29,7 +29,9 @@
     <p:sldId id="274" r:id="rId20"/>
     <p:sldId id="278" r:id="rId21"/>
     <p:sldId id="279" r:id="rId22"/>
-    <p:sldId id="280" r:id="rId23"/>
+    <p:sldId id="281" r:id="rId23"/>
+    <p:sldId id="282" r:id="rId24"/>
+    <p:sldId id="280" r:id="rId25"/>
   </p:sldIdLst>
   <p:sldSz cx="12192000" cy="6858000"/>
   <p:notesSz cx="6858000" cy="9144000"/>
@@ -31266,13 +31268,13 @@
         </p:nvSpPr>
         <p:spPr>
           <a:xfrm>
-            <a:off x="4038600" y="6356350"/>
-            <a:ext cx="4114800" cy="365125"/>
+            <a:off x="3325586" y="6356350"/>
+            <a:ext cx="5540829" cy="365125"/>
           </a:xfrm>
         </p:spPr>
         <p:txBody>
           <a:bodyPr vert="horz" lIns="91440" tIns="45720" rIns="91440" bIns="45720" rtlCol="0" anchor="ctr">
-            <a:normAutofit/>
+            <a:noAutofit/>
           </a:bodyPr>
           <a:lstStyle/>
           <a:p>
@@ -31285,7 +31287,7 @@
               </a:spcAft>
             </a:pPr>
             <a:r>
-              <a:rPr lang="en-US" sz="900" kern="1200">
+              <a:rPr lang="en-US" kern="1200" dirty="0">
                 <a:solidFill>
                   <a:schemeClr val="tx1">
                     <a:tint val="75000"/>
@@ -31295,8 +31297,57 @@
                 <a:ea typeface="+mn-ea"/>
                 <a:cs typeface="+mn-cs"/>
               </a:rPr>
-              <a:t>Aufgabe A326 – Team 213 – Noah Schlenker – Leon B. Kniffki – Christian Krinitsin</a:t>
+              <a:t>Aufgabe A326 – Team 213 – Noah </a:t>
             </a:r>
+            <a:r>
+              <a:rPr lang="en-US" kern="1200" dirty="0" err="1">
+                <a:solidFill>
+                  <a:schemeClr val="tx1">
+                    <a:tint val="75000"/>
+                  </a:schemeClr>
+                </a:solidFill>
+                <a:latin typeface="+mn-lt"/>
+                <a:ea typeface="+mn-ea"/>
+                <a:cs typeface="+mn-cs"/>
+              </a:rPr>
+              <a:t>Schlenker</a:t>
+            </a:r>
+            <a:r>
+              <a:rPr lang="en-US" kern="1200" dirty="0">
+                <a:solidFill>
+                  <a:schemeClr val="tx1">
+                    <a:tint val="75000"/>
+                  </a:schemeClr>
+                </a:solidFill>
+                <a:latin typeface="+mn-lt"/>
+                <a:ea typeface="+mn-ea"/>
+                <a:cs typeface="+mn-cs"/>
+              </a:rPr>
+              <a:t> – Leon B. Kniffki – Christian </a:t>
+            </a:r>
+            <a:r>
+              <a:rPr lang="en-US" kern="1200" dirty="0" err="1">
+                <a:solidFill>
+                  <a:schemeClr val="tx1">
+                    <a:tint val="75000"/>
+                  </a:schemeClr>
+                </a:solidFill>
+                <a:latin typeface="+mn-lt"/>
+                <a:ea typeface="+mn-ea"/>
+                <a:cs typeface="+mn-cs"/>
+              </a:rPr>
+              <a:t>Krinitsin</a:t>
+            </a:r>
+            <a:endParaRPr lang="en-US" kern="1200" dirty="0">
+              <a:solidFill>
+                <a:schemeClr val="tx1">
+                  <a:tint val="75000"/>
+                </a:schemeClr>
+              </a:solidFill>
+              <a:latin typeface="+mn-lt"/>
+              <a:ea typeface="+mn-ea"/>
+              <a:cs typeface="+mn-cs"/>
+            </a:endParaRPr>
           </a:p>
         </p:txBody>
       </p:sp>
@@ -31409,31 +31460,198 @@
           </a:p>
         </p:txBody>
       </p:sp>
-      <p:sp>
-        <p:nvSpPr>
-          <p:cNvPr id="3" name="Inhaltsplatzhalter 2">
-            <a:extLst>
-              <a:ext uri="{FF2B5EF4-FFF2-40B4-BE49-F238E27FC236}">
-                <a16:creationId xmlns:a16="http://schemas.microsoft.com/office/drawing/2014/main" id="{EE027477-67BC-6D4B-CB95-AAA6B0F7EACF}"/>
-              </a:ext>
-            </a:extLst>
-          </p:cNvPr>
-          <p:cNvSpPr>
-            <a:spLocks noGrp="1"/>
-          </p:cNvSpPr>
-          <p:nvPr>
-            <p:ph idx="1"/>
-          </p:nvPr>
-        </p:nvSpPr>
-        <p:spPr/>
-        <p:txBody>
-          <a:bodyPr/>
-          <a:lstStyle/>
-          <a:p>
-            <a:endParaRPr lang="de-DE" dirty="0"/>
-          </a:p>
-        </p:txBody>
-      </p:sp>
+      <mc:AlternateContent xmlns:mc="http://schemas.openxmlformats.org/markup-compatibility/2006">
+        <mc:Choice xmlns:a14="http://schemas.microsoft.com/office/drawing/2010/main" Requires="a14">
+          <p:sp>
+            <p:nvSpPr>
+              <p:cNvPr id="3" name="Inhaltsplatzhalter 2">
+                <a:extLst>
+                  <a:ext uri="{FF2B5EF4-FFF2-40B4-BE49-F238E27FC236}">
+                    <a16:creationId xmlns:a16="http://schemas.microsoft.com/office/drawing/2014/main" id="{EE027477-67BC-6D4B-CB95-AAA6B0F7EACF}"/>
+                  </a:ext>
+                </a:extLst>
+              </p:cNvPr>
+              <p:cNvSpPr>
+                <a:spLocks noGrp="1"/>
+              </p:cNvSpPr>
+              <p:nvPr>
+                <p:ph idx="1"/>
+              </p:nvPr>
+            </p:nvSpPr>
+            <p:spPr/>
+            <p:txBody>
+              <a:bodyPr/>
+              <a:lstStyle/>
+              <a:p>
+                <a:r>
+                  <a:rPr lang="de-DE" dirty="0"/>
+                  <a:t>Teure Operation</a:t>
+                </a:r>
+              </a:p>
+              <a:p>
+                <a:r>
+                  <a:rPr lang="de-DE" dirty="0"/>
+                  <a:t>Muss nur auf gewünschte Nachkommastellen genau sein</a:t>
+                </a:r>
+              </a:p>
+              <a:p>
+                <a:r>
+                  <a:rPr lang="de-DE" dirty="0"/>
+                  <a:t>Einfaches Verfahren:</a:t>
+                </a:r>
+              </a:p>
+              <a:p>
+                <a:pPr lvl="1"/>
+                <a:r>
+                  <a:rPr lang="de-DE" dirty="0"/>
+                  <a:t>Dividend &gt; Divisor → Aktuelles </a:t>
+                </a:r>
+                <a:r>
+                  <a:rPr lang="de-DE" dirty="0" err="1"/>
+                  <a:t>bit</a:t>
+                </a:r>
+                <a:r>
+                  <a:rPr lang="de-DE" dirty="0"/>
+                  <a:t> = 1, </a:t>
+                </a:r>
+                <a14:m>
+                  <m:oMath xmlns:m="http://schemas.openxmlformats.org/officeDocument/2006/math">
+                    <m:r>
+                      <a:rPr lang="de-DE" b="0" i="1" smtClean="0">
+                        <a:latin typeface="Cambria Math" panose="02040503050406030204" pitchFamily="18" charset="0"/>
+                      </a:rPr>
+                      <m:t>𝐷𝑖𝑣𝑖𝑑𝑒𝑛𝑑</m:t>
+                    </m:r>
+                    <m:r>
+                      <a:rPr lang="de-DE" b="0" i="1" smtClean="0">
+                        <a:latin typeface="Cambria Math" panose="02040503050406030204" pitchFamily="18" charset="0"/>
+                      </a:rPr>
+                      <m:t>=2(</m:t>
+                    </m:r>
+                    <m:r>
+                      <a:rPr lang="de-DE" b="0" i="1" smtClean="0">
+                        <a:latin typeface="Cambria Math" panose="02040503050406030204" pitchFamily="18" charset="0"/>
+                      </a:rPr>
+                      <m:t>𝐷𝑖𝑣𝑖𝑑𝑒𝑛𝑑</m:t>
+                    </m:r>
+                    <m:r>
+                      <a:rPr lang="de-DE" b="0" i="1" smtClean="0">
+                        <a:latin typeface="Cambria Math" panose="02040503050406030204" pitchFamily="18" charset="0"/>
+                      </a:rPr>
+                      <m:t>−</m:t>
+                    </m:r>
+                    <m:r>
+                      <a:rPr lang="de-DE" b="0" i="1" smtClean="0">
+                        <a:latin typeface="Cambria Math" panose="02040503050406030204" pitchFamily="18" charset="0"/>
+                      </a:rPr>
+                      <m:t>𝐷𝑖𝑣𝑖𝑠𝑜𝑟</m:t>
+                    </m:r>
+                    <m:r>
+                      <a:rPr lang="de-DE" b="0" i="1" smtClean="0">
+                        <a:latin typeface="Cambria Math" panose="02040503050406030204" pitchFamily="18" charset="0"/>
+                      </a:rPr>
+                      <m:t>)</m:t>
+                    </m:r>
+                  </m:oMath>
+                </a14:m>
+                <a:endParaRPr lang="de-DE" dirty="0"/>
+              </a:p>
+              <a:p>
+                <a:pPr lvl="1"/>
+                <a:r>
+                  <a:rPr lang="de-DE" dirty="0"/>
+                  <a:t>Dividend = Divisor → Aktuelles </a:t>
+                </a:r>
+                <a:r>
+                  <a:rPr lang="de-DE" dirty="0" err="1"/>
+                  <a:t>bit</a:t>
+                </a:r>
+                <a:r>
+                  <a:rPr lang="de-DE" dirty="0"/>
+                  <a:t> = 1, Ergebnis exakt bestimmt</a:t>
+                </a:r>
+              </a:p>
+              <a:p>
+                <a:pPr lvl="1"/>
+                <a:r>
+                  <a:rPr lang="de-DE" dirty="0"/>
+                  <a:t>Dividend &lt; Divisor → Aktuelles </a:t>
+                </a:r>
+                <a:r>
+                  <a:rPr lang="de-DE" dirty="0" err="1"/>
+                  <a:t>bit</a:t>
+                </a:r>
+                <a:r>
+                  <a:rPr lang="de-DE" dirty="0"/>
+                  <a:t> = 0, </a:t>
+                </a:r>
+                <a14:m>
+                  <m:oMath xmlns:m="http://schemas.openxmlformats.org/officeDocument/2006/math">
+                    <m:r>
+                      <a:rPr lang="de-DE" b="0" i="1" smtClean="0">
+                        <a:latin typeface="Cambria Math" panose="02040503050406030204" pitchFamily="18" charset="0"/>
+                      </a:rPr>
+                      <m:t>𝐷𝑖𝑣𝑖𝑑𝑒𝑛𝑑</m:t>
+                    </m:r>
+                    <m:r>
+                      <a:rPr lang="de-DE" b="0" i="1" smtClean="0">
+                        <a:latin typeface="Cambria Math" panose="02040503050406030204" pitchFamily="18" charset="0"/>
+                      </a:rPr>
+                      <m:t>=2</m:t>
+                    </m:r>
+                    <m:r>
+                      <a:rPr lang="de-DE" b="0" i="1" smtClean="0">
+                        <a:latin typeface="Cambria Math" panose="02040503050406030204" pitchFamily="18" charset="0"/>
+                      </a:rPr>
+                      <m:t>𝐷𝑖𝑣𝑖𝑑𝑒𝑛𝑑</m:t>
+                    </m:r>
+                  </m:oMath>
+                </a14:m>
+                <a:endParaRPr lang="de-DE" dirty="0"/>
+              </a:p>
+            </p:txBody>
+          </p:sp>
+        </mc:Choice>
+        <mc:Fallback>
+          <p:sp>
+            <p:nvSpPr>
+              <p:cNvPr id="3" name="Inhaltsplatzhalter 2">
+                <a:extLst>
+                  <a:ext uri="{FF2B5EF4-FFF2-40B4-BE49-F238E27FC236}">
+                    <a16:creationId xmlns:a16="http://schemas.microsoft.com/office/drawing/2014/main" id="{EE027477-67BC-6D4B-CB95-AAA6B0F7EACF}"/>
+                  </a:ext>
+                </a:extLst>
+              </p:cNvPr>
+              <p:cNvSpPr>
+                <a:spLocks noGrp="1" noRot="1" noChangeAspect="1" noMove="1" noResize="1" noEditPoints="1" noAdjustHandles="1" noChangeArrowheads="1" noChangeShapeType="1" noTextEdit="1"/>
+              </p:cNvSpPr>
+              <p:nvPr>
+                <p:ph idx="1"/>
+              </p:nvPr>
+            </p:nvSpPr>
+            <p:spPr>
+              <a:blipFill>
+                <a:blip r:embed="rId2"/>
+                <a:stretch>
+                  <a:fillRect l="-1086" t="-2326"/>
+                </a:stretch>
+              </a:blipFill>
+            </p:spPr>
+            <p:txBody>
+              <a:bodyPr/>
+              <a:lstStyle/>
+              <a:p>
+                <a:r>
+                  <a:rPr lang="de-DE">
+                    <a:noFill/>
+                  </a:rPr>
+                  <a:t> </a:t>
+                </a:r>
+              </a:p>
+            </p:txBody>
+          </p:sp>
+        </mc:Fallback>
+      </mc:AlternateContent>
       <p:sp>
         <p:nvSpPr>
           <p:cNvPr id="4" name="Datumsplatzhalter 3">
@@ -31478,15 +31696,25 @@
             <p:ph type="ftr" sz="quarter" idx="11"/>
           </p:nvPr>
         </p:nvSpPr>
-        <p:spPr/>
+        <p:spPr>
+          <a:xfrm>
+            <a:off x="3461239" y="6356350"/>
+            <a:ext cx="5269523" cy="365125"/>
+          </a:xfrm>
+        </p:spPr>
         <p:txBody>
           <a:bodyPr/>
           <a:lstStyle/>
           <a:p>
             <a:r>
-              <a:rPr lang="de-DE"/>
-              <a:t>Aufgabe A326 – Team 213 – Noah Schlenker – Leon B. Kniffki – Christian Krinitsin</a:t>
+              <a:rPr lang="de-DE" dirty="0"/>
+              <a:t>Aufgabe A326 – Team 213 – Noah Schlenker – Leon B. Kniffki – Christian </a:t>
             </a:r>
+            <a:r>
+              <a:rPr lang="de-DE" dirty="0" err="1"/>
+              <a:t>Krinitsin</a:t>
+            </a:r>
+            <a:endParaRPr lang="de-DE" dirty="0"/>
           </a:p>
         </p:txBody>
       </p:sp>
@@ -31533,6 +31761,767 @@
 </file>
 
 <file path=ppt/slides/slide22.xml><?xml version="1.0" encoding="utf-8"?>
+<p:sld xmlns:a="http://schemas.openxmlformats.org/drawingml/2006/main" xmlns:r="http://schemas.openxmlformats.org/officeDocument/2006/relationships" xmlns:p="http://schemas.openxmlformats.org/presentationml/2006/main">
+  <p:cSld>
+    <p:spTree>
+      <p:nvGrpSpPr>
+        <p:cNvPr id="1" name=""/>
+        <p:cNvGrpSpPr/>
+        <p:nvPr/>
+      </p:nvGrpSpPr>
+      <p:grpSpPr>
+        <a:xfrm>
+          <a:off x="0" y="0"/>
+          <a:ext cx="0" cy="0"/>
+          <a:chOff x="0" y="0"/>
+          <a:chExt cx="0" cy="0"/>
+        </a:xfrm>
+      </p:grpSpPr>
+      <p:sp>
+        <p:nvSpPr>
+          <p:cNvPr id="2" name="Titel 1">
+            <a:extLst>
+              <a:ext uri="{FF2B5EF4-FFF2-40B4-BE49-F238E27FC236}">
+                <a16:creationId xmlns:a16="http://schemas.microsoft.com/office/drawing/2014/main" id="{1A4C5710-ACB5-7C05-D71F-E6EE1C8D5BD6}"/>
+              </a:ext>
+            </a:extLst>
+          </p:cNvPr>
+          <p:cNvSpPr>
+            <a:spLocks noGrp="1"/>
+          </p:cNvSpPr>
+          <p:nvPr>
+            <p:ph type="title"/>
+          </p:nvPr>
+        </p:nvSpPr>
+        <p:spPr/>
+        <p:txBody>
+          <a:bodyPr/>
+          <a:lstStyle/>
+          <a:p>
+            <a:r>
+              <a:rPr lang="de-DE" dirty="0"/>
+              <a:t>Division von </a:t>
+            </a:r>
+            <a:r>
+              <a:rPr lang="de-DE" dirty="0" err="1"/>
+              <a:t>Bignums</a:t>
+            </a:r>
+            <a:endParaRPr lang="de-DE" dirty="0"/>
+          </a:p>
+        </p:txBody>
+      </p:sp>
+      <mc:AlternateContent xmlns:mc="http://schemas.openxmlformats.org/markup-compatibility/2006">
+        <mc:Choice xmlns:a14="http://schemas.microsoft.com/office/drawing/2010/main" Requires="a14">
+          <p:sp>
+            <p:nvSpPr>
+              <p:cNvPr id="3" name="Inhaltsplatzhalter 2">
+                <a:extLst>
+                  <a:ext uri="{FF2B5EF4-FFF2-40B4-BE49-F238E27FC236}">
+                    <a16:creationId xmlns:a16="http://schemas.microsoft.com/office/drawing/2014/main" id="{EE027477-67BC-6D4B-CB95-AAA6B0F7EACF}"/>
+                  </a:ext>
+                </a:extLst>
+              </p:cNvPr>
+              <p:cNvSpPr>
+                <a:spLocks noGrp="1"/>
+              </p:cNvSpPr>
+              <p:nvPr>
+                <p:ph idx="1"/>
+              </p:nvPr>
+            </p:nvSpPr>
+            <p:spPr/>
+            <p:txBody>
+              <a:bodyPr>
+                <a:normAutofit/>
+              </a:bodyPr>
+              <a:lstStyle/>
+              <a:p>
+                <a:pPr marL="0" indent="0">
+                  <a:buNone/>
+                </a:pPr>
+                <a14:m>
+                  <m:oMathPara xmlns:m="http://schemas.openxmlformats.org/officeDocument/2006/math">
+                    <m:oMathParaPr>
+                      <m:jc m:val="left"/>
+                    </m:oMathParaPr>
+                    <m:oMath xmlns:m="http://schemas.openxmlformats.org/officeDocument/2006/math">
+                      <m:f>
+                        <m:fPr>
+                          <m:ctrlPr>
+                            <a:rPr lang="de-DE" sz="2400" i="1" smtClean="0">
+                              <a:latin typeface="Cambria Math" panose="02040503050406030204" pitchFamily="18" charset="0"/>
+                            </a:rPr>
+                          </m:ctrlPr>
+                        </m:fPr>
+                        <m:num>
+                          <m:sSub>
+                            <m:sSubPr>
+                              <m:ctrlPr>
+                                <a:rPr lang="de-DE" sz="2400" i="1" smtClean="0">
+                                  <a:latin typeface="Cambria Math" panose="02040503050406030204" pitchFamily="18" charset="0"/>
+                                </a:rPr>
+                              </m:ctrlPr>
+                            </m:sSubPr>
+                            <m:e>
+                              <m:r>
+                                <a:rPr lang="de-DE" sz="2400" b="0" i="1" smtClean="0">
+                                  <a:latin typeface="Cambria Math" panose="02040503050406030204" pitchFamily="18" charset="0"/>
+                                </a:rPr>
+                                <m:t>5</m:t>
+                              </m:r>
+                            </m:e>
+                            <m:sub>
+                              <m:r>
+                                <a:rPr lang="de-DE" sz="2400" b="0" i="1" smtClean="0">
+                                  <a:latin typeface="Cambria Math" panose="02040503050406030204" pitchFamily="18" charset="0"/>
+                                </a:rPr>
+                                <m:t>10</m:t>
+                              </m:r>
+                            </m:sub>
+                          </m:sSub>
+                        </m:num>
+                        <m:den>
+                          <m:sSub>
+                            <m:sSubPr>
+                              <m:ctrlPr>
+                                <a:rPr lang="de-DE" sz="2400" i="1" smtClean="0">
+                                  <a:latin typeface="Cambria Math" panose="02040503050406030204" pitchFamily="18" charset="0"/>
+                                </a:rPr>
+                              </m:ctrlPr>
+                            </m:sSubPr>
+                            <m:e>
+                              <m:r>
+                                <a:rPr lang="de-DE" sz="2400" b="0" i="1" smtClean="0">
+                                  <a:latin typeface="Cambria Math" panose="02040503050406030204" pitchFamily="18" charset="0"/>
+                                </a:rPr>
+                                <m:t>12</m:t>
+                              </m:r>
+                            </m:e>
+                            <m:sub>
+                              <m:r>
+                                <a:rPr lang="de-DE" sz="2400" b="0" i="1" smtClean="0">
+                                  <a:latin typeface="Cambria Math" panose="02040503050406030204" pitchFamily="18" charset="0"/>
+                                </a:rPr>
+                                <m:t>10</m:t>
+                              </m:r>
+                            </m:sub>
+                          </m:sSub>
+                        </m:den>
+                      </m:f>
+                      <m:r>
+                        <a:rPr lang="de-DE" sz="2400" b="0" i="1" smtClean="0">
+                          <a:latin typeface="Cambria Math" panose="02040503050406030204" pitchFamily="18" charset="0"/>
+                        </a:rPr>
+                        <m:t>=</m:t>
+                      </m:r>
+                      <m:f>
+                        <m:fPr>
+                          <m:ctrlPr>
+                            <a:rPr lang="de-DE" sz="2400" b="0" i="1" smtClean="0">
+                              <a:latin typeface="Cambria Math" panose="02040503050406030204" pitchFamily="18" charset="0"/>
+                            </a:rPr>
+                          </m:ctrlPr>
+                        </m:fPr>
+                        <m:num>
+                          <m:sSub>
+                            <m:sSubPr>
+                              <m:ctrlPr>
+                                <a:rPr lang="de-DE" sz="2400" b="0" i="1" smtClean="0">
+                                  <a:latin typeface="Cambria Math" panose="02040503050406030204" pitchFamily="18" charset="0"/>
+                                </a:rPr>
+                              </m:ctrlPr>
+                            </m:sSubPr>
+                            <m:e>
+                              <m:r>
+                                <a:rPr lang="de-DE" sz="2400" b="0" i="1" smtClean="0">
+                                  <a:latin typeface="Cambria Math" panose="02040503050406030204" pitchFamily="18" charset="0"/>
+                                </a:rPr>
+                                <m:t>101</m:t>
+                              </m:r>
+                            </m:e>
+                            <m:sub>
+                              <m:r>
+                                <a:rPr lang="de-DE" sz="2400" b="0" i="1" smtClean="0">
+                                  <a:latin typeface="Cambria Math" panose="02040503050406030204" pitchFamily="18" charset="0"/>
+                                </a:rPr>
+                                <m:t>2</m:t>
+                              </m:r>
+                            </m:sub>
+                          </m:sSub>
+                        </m:num>
+                        <m:den>
+                          <m:sSub>
+                            <m:sSubPr>
+                              <m:ctrlPr>
+                                <a:rPr lang="de-DE" sz="2400" b="0" i="1" smtClean="0">
+                                  <a:latin typeface="Cambria Math" panose="02040503050406030204" pitchFamily="18" charset="0"/>
+                                </a:rPr>
+                              </m:ctrlPr>
+                            </m:sSubPr>
+                            <m:e>
+                              <m:r>
+                                <a:rPr lang="de-DE" sz="2400" b="0" i="1" smtClean="0">
+                                  <a:latin typeface="Cambria Math" panose="02040503050406030204" pitchFamily="18" charset="0"/>
+                                </a:rPr>
+                                <m:t>1100</m:t>
+                              </m:r>
+                            </m:e>
+                            <m:sub>
+                              <m:r>
+                                <a:rPr lang="de-DE" sz="2400" b="0" i="1" smtClean="0">
+                                  <a:latin typeface="Cambria Math" panose="02040503050406030204" pitchFamily="18" charset="0"/>
+                                </a:rPr>
+                                <m:t>2</m:t>
+                              </m:r>
+                            </m:sub>
+                          </m:sSub>
+                        </m:den>
+                      </m:f>
+                      <m:r>
+                        <a:rPr lang="de-DE" sz="2400" b="0" i="1" smtClean="0">
+                          <a:latin typeface="Cambria Math" panose="02040503050406030204" pitchFamily="18" charset="0"/>
+                        </a:rPr>
+                        <m:t>=</m:t>
+                      </m:r>
+                    </m:oMath>
+                  </m:oMathPara>
+                </a14:m>
+                <a:endParaRPr lang="de-DE" sz="2400" dirty="0"/>
+              </a:p>
+            </p:txBody>
+          </p:sp>
+        </mc:Choice>
+        <mc:Fallback>
+          <p:sp>
+            <p:nvSpPr>
+              <p:cNvPr id="3" name="Inhaltsplatzhalter 2">
+                <a:extLst>
+                  <a:ext uri="{FF2B5EF4-FFF2-40B4-BE49-F238E27FC236}">
+                    <a16:creationId xmlns:a16="http://schemas.microsoft.com/office/drawing/2014/main" id="{EE027477-67BC-6D4B-CB95-AAA6B0F7EACF}"/>
+                  </a:ext>
+                </a:extLst>
+              </p:cNvPr>
+              <p:cNvSpPr>
+                <a:spLocks noGrp="1" noRot="1" noChangeAspect="1" noMove="1" noResize="1" noEditPoints="1" noAdjustHandles="1" noChangeArrowheads="1" noChangeShapeType="1" noTextEdit="1"/>
+              </p:cNvSpPr>
+              <p:nvPr>
+                <p:ph idx="1"/>
+              </p:nvPr>
+            </p:nvSpPr>
+            <p:spPr>
+              <a:blipFill>
+                <a:blip r:embed="rId2"/>
+                <a:stretch>
+                  <a:fillRect l="-241" t="-581"/>
+                </a:stretch>
+              </a:blipFill>
+            </p:spPr>
+            <p:txBody>
+              <a:bodyPr/>
+              <a:lstStyle/>
+              <a:p>
+                <a:r>
+                  <a:rPr lang="de-DE">
+                    <a:noFill/>
+                  </a:rPr>
+                  <a:t> </a:t>
+                </a:r>
+              </a:p>
+            </p:txBody>
+          </p:sp>
+        </mc:Fallback>
+      </mc:AlternateContent>
+      <p:sp>
+        <p:nvSpPr>
+          <p:cNvPr id="4" name="Datumsplatzhalter 3">
+            <a:extLst>
+              <a:ext uri="{FF2B5EF4-FFF2-40B4-BE49-F238E27FC236}">
+                <a16:creationId xmlns:a16="http://schemas.microsoft.com/office/drawing/2014/main" id="{06E636D6-938B-5E0A-24ED-AD68643FB7D4}"/>
+              </a:ext>
+            </a:extLst>
+          </p:cNvPr>
+          <p:cNvSpPr>
+            <a:spLocks noGrp="1"/>
+          </p:cNvSpPr>
+          <p:nvPr>
+            <p:ph type="dt" sz="half" idx="10"/>
+          </p:nvPr>
+        </p:nvSpPr>
+        <p:spPr/>
+        <p:txBody>
+          <a:bodyPr/>
+          <a:lstStyle/>
+          <a:p>
+            <a:r>
+              <a:rPr lang="de-DE"/>
+              <a:t>22.08.2023</a:t>
+            </a:r>
+          </a:p>
+        </p:txBody>
+      </p:sp>
+      <p:sp>
+        <p:nvSpPr>
+          <p:cNvPr id="5" name="Fußzeilenplatzhalter 4">
+            <a:extLst>
+              <a:ext uri="{FF2B5EF4-FFF2-40B4-BE49-F238E27FC236}">
+                <a16:creationId xmlns:a16="http://schemas.microsoft.com/office/drawing/2014/main" id="{F6C50C41-7373-4EA2-936A-78116F347BA7}"/>
+              </a:ext>
+            </a:extLst>
+          </p:cNvPr>
+          <p:cNvSpPr>
+            <a:spLocks noGrp="1"/>
+          </p:cNvSpPr>
+          <p:nvPr>
+            <p:ph type="ftr" sz="quarter" idx="11"/>
+          </p:nvPr>
+        </p:nvSpPr>
+        <p:spPr>
+          <a:xfrm>
+            <a:off x="3461239" y="6356350"/>
+            <a:ext cx="5269523" cy="365125"/>
+          </a:xfrm>
+        </p:spPr>
+        <p:txBody>
+          <a:bodyPr/>
+          <a:lstStyle/>
+          <a:p>
+            <a:r>
+              <a:rPr lang="de-DE" dirty="0"/>
+              <a:t>Aufgabe A326 – Team 213 – Noah Schlenker – Leon B. Kniffki – Christian </a:t>
+            </a:r>
+            <a:r>
+              <a:rPr lang="de-DE" dirty="0" err="1"/>
+              <a:t>Krinitsin</a:t>
+            </a:r>
+            <a:endParaRPr lang="de-DE" dirty="0"/>
+          </a:p>
+        </p:txBody>
+      </p:sp>
+      <p:sp>
+        <p:nvSpPr>
+          <p:cNvPr id="6" name="Foliennummernplatzhalter 5">
+            <a:extLst>
+              <a:ext uri="{FF2B5EF4-FFF2-40B4-BE49-F238E27FC236}">
+                <a16:creationId xmlns:a16="http://schemas.microsoft.com/office/drawing/2014/main" id="{7C3B81DD-D50B-E417-B9D8-4F8501441C1D}"/>
+              </a:ext>
+            </a:extLst>
+          </p:cNvPr>
+          <p:cNvSpPr>
+            <a:spLocks noGrp="1"/>
+          </p:cNvSpPr>
+          <p:nvPr>
+            <p:ph type="sldNum" sz="quarter" idx="12"/>
+          </p:nvPr>
+        </p:nvSpPr>
+        <p:spPr/>
+        <p:txBody>
+          <a:bodyPr/>
+          <a:lstStyle/>
+          <a:p>
+            <a:fld id="{AE07E6DF-0E1A-AC44-B689-ED3A3483D2F3}" type="slidenum">
+              <a:rPr lang="de-DE" smtClean="0"/>
+              <a:t>22</a:t>
+            </a:fld>
+            <a:endParaRPr lang="de-DE"/>
+          </a:p>
+        </p:txBody>
+      </p:sp>
+      <p:pic>
+        <p:nvPicPr>
+          <p:cNvPr id="1028" name="Picture 4">
+            <a:extLst>
+              <a:ext uri="{FF2B5EF4-FFF2-40B4-BE49-F238E27FC236}">
+                <a16:creationId xmlns:a16="http://schemas.microsoft.com/office/drawing/2014/main" id="{D34D5452-55A2-B708-542C-F46726EBD510}"/>
+              </a:ext>
+            </a:extLst>
+          </p:cNvPr>
+          <p:cNvPicPr>
+            <a:picLocks noChangeAspect="1" noChangeArrowheads="1"/>
+          </p:cNvPicPr>
+          <p:nvPr/>
+        </p:nvPicPr>
+        <p:blipFill>
+          <a:blip r:embed="rId3">
+            <a:extLst>
+              <a:ext uri="{28A0092B-C50C-407E-A947-70E740481C1C}">
+                <a14:useLocalDpi xmlns:a14="http://schemas.microsoft.com/office/drawing/2010/main" val="0"/>
+              </a:ext>
+            </a:extLst>
+          </a:blip>
+          <a:srcRect/>
+          <a:stretch>
+            <a:fillRect/>
+          </a:stretch>
+        </p:blipFill>
+        <p:spPr bwMode="auto">
+          <a:xfrm>
+            <a:off x="4160017" y="1807578"/>
+            <a:ext cx="6610978" cy="3985407"/>
+          </a:xfrm>
+          <a:prstGeom prst="rect">
+            <a:avLst/>
+          </a:prstGeom>
+          <a:noFill/>
+          <a:extLst>
+            <a:ext uri="{909E8E84-426E-40DD-AFC4-6F175D3DCCD1}">
+              <a14:hiddenFill xmlns:a14="http://schemas.microsoft.com/office/drawing/2010/main">
+                <a:solidFill>
+                  <a:srgbClr val="FFFFFF"/>
+                </a:solidFill>
+              </a14:hiddenFill>
+            </a:ext>
+          </a:extLst>
+        </p:spPr>
+      </p:pic>
+    </p:spTree>
+    <p:extLst>
+      <p:ext uri="{BB962C8B-B14F-4D97-AF65-F5344CB8AC3E}">
+        <p14:creationId xmlns:p14="http://schemas.microsoft.com/office/powerpoint/2010/main" val="3430859970"/>
+      </p:ext>
+    </p:extLst>
+  </p:cSld>
+  <p:clrMapOvr>
+    <a:masterClrMapping/>
+  </p:clrMapOvr>
+</p:sld>
+</file>
+
+<file path=ppt/slides/slide23.xml><?xml version="1.0" encoding="utf-8"?>
+<p:sld xmlns:a="http://schemas.openxmlformats.org/drawingml/2006/main" xmlns:r="http://schemas.openxmlformats.org/officeDocument/2006/relationships" xmlns:p="http://schemas.openxmlformats.org/presentationml/2006/main">
+  <p:cSld>
+    <p:spTree>
+      <p:nvGrpSpPr>
+        <p:cNvPr id="1" name=""/>
+        <p:cNvGrpSpPr/>
+        <p:nvPr/>
+      </p:nvGrpSpPr>
+      <p:grpSpPr>
+        <a:xfrm>
+          <a:off x="0" y="0"/>
+          <a:ext cx="0" cy="0"/>
+          <a:chOff x="0" y="0"/>
+          <a:chExt cx="0" cy="0"/>
+        </a:xfrm>
+      </p:grpSpPr>
+      <p:sp>
+        <p:nvSpPr>
+          <p:cNvPr id="2" name="Titel 1">
+            <a:extLst>
+              <a:ext uri="{FF2B5EF4-FFF2-40B4-BE49-F238E27FC236}">
+                <a16:creationId xmlns:a16="http://schemas.microsoft.com/office/drawing/2014/main" id="{FA56D006-DEDA-443E-BFDA-D77600B7A1C7}"/>
+              </a:ext>
+            </a:extLst>
+          </p:cNvPr>
+          <p:cNvSpPr>
+            <a:spLocks noGrp="1"/>
+          </p:cNvSpPr>
+          <p:nvPr>
+            <p:ph type="title"/>
+          </p:nvPr>
+        </p:nvSpPr>
+        <p:spPr/>
+        <p:txBody>
+          <a:bodyPr/>
+          <a:lstStyle/>
+          <a:p>
+            <a:r>
+              <a:rPr lang="de-DE" dirty="0"/>
+              <a:t>Was hat es gebracht?</a:t>
+            </a:r>
+          </a:p>
+        </p:txBody>
+      </p:sp>
+      <p:sp>
+        <p:nvSpPr>
+          <p:cNvPr id="4" name="Datumsplatzhalter 3">
+            <a:extLst>
+              <a:ext uri="{FF2B5EF4-FFF2-40B4-BE49-F238E27FC236}">
+                <a16:creationId xmlns:a16="http://schemas.microsoft.com/office/drawing/2014/main" id="{1536DBBA-DB1C-5039-A447-76B330A7CE4B}"/>
+              </a:ext>
+            </a:extLst>
+          </p:cNvPr>
+          <p:cNvSpPr>
+            <a:spLocks noGrp="1"/>
+          </p:cNvSpPr>
+          <p:nvPr>
+            <p:ph type="dt" sz="half" idx="10"/>
+          </p:nvPr>
+        </p:nvSpPr>
+        <p:spPr/>
+        <p:txBody>
+          <a:bodyPr/>
+          <a:lstStyle/>
+          <a:p>
+            <a:r>
+              <a:rPr lang="de-DE"/>
+              <a:t>22.08.2023</a:t>
+            </a:r>
+          </a:p>
+        </p:txBody>
+      </p:sp>
+      <p:sp>
+        <p:nvSpPr>
+          <p:cNvPr id="5" name="Fußzeilenplatzhalter 4">
+            <a:extLst>
+              <a:ext uri="{FF2B5EF4-FFF2-40B4-BE49-F238E27FC236}">
+                <a16:creationId xmlns:a16="http://schemas.microsoft.com/office/drawing/2014/main" id="{99978615-D556-08C1-A0FC-D9D67931E1E4}"/>
+              </a:ext>
+            </a:extLst>
+          </p:cNvPr>
+          <p:cNvSpPr>
+            <a:spLocks noGrp="1"/>
+          </p:cNvSpPr>
+          <p:nvPr>
+            <p:ph type="ftr" sz="quarter" idx="11"/>
+          </p:nvPr>
+        </p:nvSpPr>
+        <p:spPr>
+          <a:xfrm>
+            <a:off x="3317212" y="6356350"/>
+            <a:ext cx="5557576" cy="365125"/>
+          </a:xfrm>
+        </p:spPr>
+        <p:txBody>
+          <a:bodyPr/>
+          <a:lstStyle/>
+          <a:p>
+            <a:r>
+              <a:rPr lang="de-DE" dirty="0"/>
+              <a:t>Aufgabe A326 – Team 213 – Noah Schlenker – Leon B. Kniffki – Christian </a:t>
+            </a:r>
+            <a:r>
+              <a:rPr lang="de-DE" dirty="0" err="1"/>
+              <a:t>Krinitsin</a:t>
+            </a:r>
+            <a:endParaRPr lang="de-DE" dirty="0"/>
+          </a:p>
+        </p:txBody>
+      </p:sp>
+      <p:sp>
+        <p:nvSpPr>
+          <p:cNvPr id="6" name="Foliennummernplatzhalter 5">
+            <a:extLst>
+              <a:ext uri="{FF2B5EF4-FFF2-40B4-BE49-F238E27FC236}">
+                <a16:creationId xmlns:a16="http://schemas.microsoft.com/office/drawing/2014/main" id="{E75BDF1E-4307-587E-A172-023DC31FC88A}"/>
+              </a:ext>
+            </a:extLst>
+          </p:cNvPr>
+          <p:cNvSpPr>
+            <a:spLocks noGrp="1"/>
+          </p:cNvSpPr>
+          <p:nvPr>
+            <p:ph type="sldNum" sz="quarter" idx="12"/>
+          </p:nvPr>
+        </p:nvSpPr>
+        <p:spPr/>
+        <p:txBody>
+          <a:bodyPr/>
+          <a:lstStyle/>
+          <a:p>
+            <a:fld id="{AE07E6DF-0E1A-AC44-B689-ED3A3483D2F3}" type="slidenum">
+              <a:rPr lang="de-DE" smtClean="0"/>
+              <a:t>23</a:t>
+            </a:fld>
+            <a:endParaRPr lang="de-DE"/>
+          </a:p>
+        </p:txBody>
+      </p:sp>
+      <p:pic>
+        <p:nvPicPr>
+          <p:cNvPr id="2050" name="Picture 2">
+            <a:extLst>
+              <a:ext uri="{FF2B5EF4-FFF2-40B4-BE49-F238E27FC236}">
+                <a16:creationId xmlns:a16="http://schemas.microsoft.com/office/drawing/2014/main" id="{92D38892-BF34-523F-51B1-6E8D1BEF16A4}"/>
+              </a:ext>
+            </a:extLst>
+          </p:cNvPr>
+          <p:cNvPicPr>
+            <a:picLocks noGrp="1" noChangeAspect="1" noChangeArrowheads="1"/>
+          </p:cNvPicPr>
+          <p:nvPr>
+            <p:ph idx="1"/>
+          </p:nvPr>
+        </p:nvPicPr>
+        <p:blipFill rotWithShape="1">
+          <a:blip r:embed="rId2">
+            <a:extLst>
+              <a:ext uri="{28A0092B-C50C-407E-A947-70E740481C1C}">
+                <a14:useLocalDpi xmlns:a14="http://schemas.microsoft.com/office/drawing/2010/main" val="0"/>
+              </a:ext>
+            </a:extLst>
+          </a:blip>
+          <a:srcRect l="3773" t="11102" r="6518" b="4282"/>
+          <a:stretch/>
+        </p:blipFill>
+        <p:spPr bwMode="auto">
+          <a:xfrm>
+            <a:off x="5968721" y="185189"/>
+            <a:ext cx="6039059" cy="6029771"/>
+          </a:xfrm>
+          <a:prstGeom prst="rect">
+            <a:avLst/>
+          </a:prstGeom>
+          <a:noFill/>
+          <a:extLst>
+            <a:ext uri="{909E8E84-426E-40DD-AFC4-6F175D3DCCD1}">
+              <a14:hiddenFill xmlns:a14="http://schemas.microsoft.com/office/drawing/2010/main">
+                <a:solidFill>
+                  <a:srgbClr val="FFFFFF"/>
+                </a:solidFill>
+              </a14:hiddenFill>
+            </a:ext>
+          </a:extLst>
+        </p:spPr>
+      </p:pic>
+      <p:sp>
+        <p:nvSpPr>
+          <p:cNvPr id="7" name="Textfeld 6">
+            <a:extLst>
+              <a:ext uri="{FF2B5EF4-FFF2-40B4-BE49-F238E27FC236}">
+                <a16:creationId xmlns:a16="http://schemas.microsoft.com/office/drawing/2014/main" id="{49905C61-DDBB-DB0E-89B5-1315E96930B0}"/>
+              </a:ext>
+            </a:extLst>
+          </p:cNvPr>
+          <p:cNvSpPr txBox="1"/>
+          <p:nvPr/>
+        </p:nvSpPr>
+        <p:spPr>
+          <a:xfrm>
+            <a:off x="915656" y="2136338"/>
+            <a:ext cx="4803112" cy="2585323"/>
+          </a:xfrm>
+          <a:prstGeom prst="rect">
+            <a:avLst/>
+          </a:prstGeom>
+          <a:noFill/>
+        </p:spPr>
+        <p:txBody>
+          <a:bodyPr wrap="square" rtlCol="0">
+            <a:spAutoFit/>
+          </a:bodyPr>
+          <a:lstStyle/>
+          <a:p>
+            <a:r>
+              <a:rPr lang="de-DE" dirty="0">
+                <a:solidFill>
+                  <a:srgbClr val="1571B0"/>
+                </a:solidFill>
+              </a:rPr>
+              <a:t>Einfache Arithmetik, Normale Matrizen</a:t>
+            </a:r>
+          </a:p>
+          <a:p>
+            <a:endParaRPr lang="de-DE" dirty="0">
+              <a:solidFill>
+                <a:srgbClr val="1571B0"/>
+              </a:solidFill>
+            </a:endParaRPr>
+          </a:p>
+          <a:p>
+            <a:r>
+              <a:rPr lang="de-DE" dirty="0">
+                <a:solidFill>
+                  <a:srgbClr val="FF7907"/>
+                </a:solidFill>
+              </a:rPr>
+              <a:t>Einfache Arithmetik, Kompakte Matrizen</a:t>
+            </a:r>
+            <a:endParaRPr lang="de-DE" dirty="0">
+              <a:solidFill>
+                <a:srgbClr val="42B22A"/>
+              </a:solidFill>
+            </a:endParaRPr>
+          </a:p>
+          <a:p>
+            <a:endParaRPr lang="de-DE" dirty="0">
+              <a:solidFill>
+                <a:srgbClr val="42B22A"/>
+              </a:solidFill>
+            </a:endParaRPr>
+          </a:p>
+          <a:p>
+            <a:r>
+              <a:rPr lang="de-DE" dirty="0">
+                <a:solidFill>
+                  <a:srgbClr val="42B22A"/>
+                </a:solidFill>
+              </a:rPr>
+              <a:t>SIMD Addition, </a:t>
+            </a:r>
+            <a:r>
+              <a:rPr lang="de-DE" dirty="0" err="1">
+                <a:solidFill>
+                  <a:srgbClr val="42B22A"/>
+                </a:solidFill>
+              </a:rPr>
+              <a:t>Karazuba</a:t>
+            </a:r>
+            <a:r>
+              <a:rPr lang="de-DE" dirty="0">
+                <a:solidFill>
+                  <a:srgbClr val="42B22A"/>
+                </a:solidFill>
+              </a:rPr>
+              <a:t>-Multiplikation,</a:t>
+            </a:r>
+            <a:br>
+              <a:rPr lang="de-DE" dirty="0">
+                <a:solidFill>
+                  <a:srgbClr val="42B22A"/>
+                </a:solidFill>
+              </a:rPr>
+            </a:br>
+            <a:r>
+              <a:rPr lang="de-DE" dirty="0">
+                <a:solidFill>
+                  <a:srgbClr val="42B22A"/>
+                </a:solidFill>
+              </a:rPr>
+              <a:t>Kompakte Matrizen</a:t>
+            </a:r>
+          </a:p>
+          <a:p>
+            <a:endParaRPr lang="de-DE" dirty="0">
+              <a:solidFill>
+                <a:srgbClr val="42B22A"/>
+              </a:solidFill>
+            </a:endParaRPr>
+          </a:p>
+          <a:p>
+            <a:r>
+              <a:rPr lang="de-DE" dirty="0">
+                <a:solidFill>
+                  <a:srgbClr val="D11918"/>
+                </a:solidFill>
+              </a:rPr>
+              <a:t>SIMD Addition, SIMD Multiplikation,</a:t>
+            </a:r>
+          </a:p>
+          <a:p>
+            <a:r>
+              <a:rPr lang="de-DE" dirty="0">
+                <a:solidFill>
+                  <a:srgbClr val="D11918"/>
+                </a:solidFill>
+              </a:rPr>
+              <a:t>Kompakte Matrizen</a:t>
+            </a:r>
+          </a:p>
+        </p:txBody>
+      </p:sp>
+    </p:spTree>
+    <p:extLst>
+      <p:ext uri="{BB962C8B-B14F-4D97-AF65-F5344CB8AC3E}">
+        <p14:creationId xmlns:p14="http://schemas.microsoft.com/office/powerpoint/2010/main" val="2880573386"/>
+      </p:ext>
+    </p:extLst>
+  </p:cSld>
+  <p:clrMapOvr>
+    <a:masterClrMapping/>
+  </p:clrMapOvr>
+</p:sld>
+</file>
+
+<file path=ppt/slides/slide24.xml><?xml version="1.0" encoding="utf-8"?>
 <p:sld xmlns:a="http://schemas.openxmlformats.org/drawingml/2006/main" xmlns:r="http://schemas.openxmlformats.org/officeDocument/2006/relationships" xmlns:p="http://schemas.openxmlformats.org/presentationml/2006/main">
   <p:cSld>
     <p:spTree>
@@ -31733,7 +32722,7 @@
           <a:p>
             <a:fld id="{AE07E6DF-0E1A-AC44-B689-ED3A3483D2F3}" type="slidenum">
               <a:rPr lang="de-DE" smtClean="0"/>
-              <a:t>22</a:t>
+              <a:t>24</a:t>
             </a:fld>
             <a:endParaRPr lang="de-DE"/>
           </a:p>

--- a/Vortrag/Vortrag.pptx
+++ b/Vortrag/Vortrag.pptx
@@ -241,618 +241,324 @@
           </c:marker>
           <c:cat>
             <c:numRef>
-              <c:f>Tabelle1!$A$2:$A$101</c:f>
+              <c:f>Tabelle1!$A$2:$A$52</c:f>
               <c:numCache>
                 <c:formatCode>General</c:formatCode>
-                <c:ptCount val="100"/>
+                <c:ptCount val="51"/>
                 <c:pt idx="0">
                   <c:v>0</c:v>
                 </c:pt>
                 <c:pt idx="1">
-                  <c:v>10</c:v>
+                  <c:v>100</c:v>
                 </c:pt>
                 <c:pt idx="2">
-                  <c:v>20</c:v>
+                  <c:v>200</c:v>
                 </c:pt>
                 <c:pt idx="3">
-                  <c:v>30</c:v>
+                  <c:v>300</c:v>
                 </c:pt>
                 <c:pt idx="4">
-                  <c:v>40</c:v>
+                  <c:v>400</c:v>
                 </c:pt>
                 <c:pt idx="5">
-                  <c:v>50</c:v>
+                  <c:v>500</c:v>
                 </c:pt>
                 <c:pt idx="6">
-                  <c:v>60</c:v>
+                  <c:v>600</c:v>
                 </c:pt>
                 <c:pt idx="7">
-                  <c:v>70</c:v>
+                  <c:v>700</c:v>
                 </c:pt>
                 <c:pt idx="8">
-                  <c:v>80</c:v>
+                  <c:v>800</c:v>
                 </c:pt>
                 <c:pt idx="9">
-                  <c:v>90</c:v>
+                  <c:v>900</c:v>
                 </c:pt>
                 <c:pt idx="10">
-                  <c:v>100</c:v>
+                  <c:v>1000</c:v>
                 </c:pt>
                 <c:pt idx="11">
-                  <c:v>110</c:v>
+                  <c:v>1100</c:v>
                 </c:pt>
                 <c:pt idx="12">
-                  <c:v>120</c:v>
+                  <c:v>1200</c:v>
                 </c:pt>
                 <c:pt idx="13">
-                  <c:v>130</c:v>
+                  <c:v>1300</c:v>
                 </c:pt>
                 <c:pt idx="14">
-                  <c:v>140</c:v>
+                  <c:v>1400</c:v>
                 </c:pt>
                 <c:pt idx="15">
-                  <c:v>150</c:v>
+                  <c:v>1500</c:v>
                 </c:pt>
                 <c:pt idx="16">
-                  <c:v>160</c:v>
+                  <c:v>1600</c:v>
                 </c:pt>
                 <c:pt idx="17">
-                  <c:v>170</c:v>
+                  <c:v>1700</c:v>
                 </c:pt>
                 <c:pt idx="18">
-                  <c:v>180</c:v>
+                  <c:v>1800</c:v>
                 </c:pt>
                 <c:pt idx="19">
-                  <c:v>190</c:v>
+                  <c:v>1900</c:v>
                 </c:pt>
                 <c:pt idx="20">
-                  <c:v>200</c:v>
+                  <c:v>2000</c:v>
                 </c:pt>
                 <c:pt idx="21">
-                  <c:v>210</c:v>
+                  <c:v>2100</c:v>
                 </c:pt>
                 <c:pt idx="22">
-                  <c:v>220</c:v>
+                  <c:v>2200</c:v>
                 </c:pt>
                 <c:pt idx="23">
-                  <c:v>230</c:v>
+                  <c:v>2300</c:v>
                 </c:pt>
                 <c:pt idx="24">
-                  <c:v>240</c:v>
+                  <c:v>2400</c:v>
                 </c:pt>
                 <c:pt idx="25">
-                  <c:v>250</c:v>
+                  <c:v>2500</c:v>
                 </c:pt>
                 <c:pt idx="26">
-                  <c:v>260</c:v>
+                  <c:v>2600</c:v>
                 </c:pt>
                 <c:pt idx="27">
-                  <c:v>270</c:v>
+                  <c:v>2700</c:v>
                 </c:pt>
                 <c:pt idx="28">
-                  <c:v>280</c:v>
+                  <c:v>2800</c:v>
                 </c:pt>
                 <c:pt idx="29">
-                  <c:v>290</c:v>
+                  <c:v>2900</c:v>
                 </c:pt>
                 <c:pt idx="30">
-                  <c:v>300</c:v>
+                  <c:v>3000</c:v>
                 </c:pt>
                 <c:pt idx="31">
-                  <c:v>310</c:v>
+                  <c:v>3100</c:v>
                 </c:pt>
                 <c:pt idx="32">
-                  <c:v>320</c:v>
+                  <c:v>3200</c:v>
                 </c:pt>
                 <c:pt idx="33">
-                  <c:v>330</c:v>
+                  <c:v>3300</c:v>
                 </c:pt>
                 <c:pt idx="34">
-                  <c:v>340</c:v>
+                  <c:v>3400</c:v>
                 </c:pt>
                 <c:pt idx="35">
-                  <c:v>350</c:v>
+                  <c:v>3500</c:v>
                 </c:pt>
                 <c:pt idx="36">
-                  <c:v>360</c:v>
+                  <c:v>3600</c:v>
                 </c:pt>
                 <c:pt idx="37">
-                  <c:v>370</c:v>
+                  <c:v>3700</c:v>
                 </c:pt>
                 <c:pt idx="38">
-                  <c:v>380</c:v>
+                  <c:v>3800</c:v>
                 </c:pt>
                 <c:pt idx="39">
-                  <c:v>390</c:v>
+                  <c:v>3900</c:v>
                 </c:pt>
                 <c:pt idx="40">
-                  <c:v>400</c:v>
+                  <c:v>4000</c:v>
                 </c:pt>
                 <c:pt idx="41">
-                  <c:v>410</c:v>
+                  <c:v>4100</c:v>
                 </c:pt>
                 <c:pt idx="42">
-                  <c:v>420</c:v>
+                  <c:v>4200</c:v>
                 </c:pt>
                 <c:pt idx="43">
-                  <c:v>430</c:v>
+                  <c:v>4300</c:v>
                 </c:pt>
                 <c:pt idx="44">
-                  <c:v>440</c:v>
+                  <c:v>4400</c:v>
                 </c:pt>
                 <c:pt idx="45">
-                  <c:v>450</c:v>
+                  <c:v>4500</c:v>
                 </c:pt>
                 <c:pt idx="46">
-                  <c:v>460</c:v>
+                  <c:v>4600</c:v>
                 </c:pt>
                 <c:pt idx="47">
-                  <c:v>470</c:v>
+                  <c:v>4700</c:v>
                 </c:pt>
                 <c:pt idx="48">
-                  <c:v>480</c:v>
+                  <c:v>4800</c:v>
                 </c:pt>
                 <c:pt idx="49">
-                  <c:v>490</c:v>
+                  <c:v>4900</c:v>
                 </c:pt>
                 <c:pt idx="50">
-                  <c:v>500</c:v>
-                </c:pt>
-                <c:pt idx="51">
-                  <c:v>510</c:v>
-                </c:pt>
-                <c:pt idx="52">
-                  <c:v>520</c:v>
-                </c:pt>
-                <c:pt idx="53">
-                  <c:v>530</c:v>
-                </c:pt>
-                <c:pt idx="54">
-                  <c:v>540</c:v>
-                </c:pt>
-                <c:pt idx="55">
-                  <c:v>550</c:v>
-                </c:pt>
-                <c:pt idx="56">
-                  <c:v>560</c:v>
-                </c:pt>
-                <c:pt idx="57">
-                  <c:v>570</c:v>
-                </c:pt>
-                <c:pt idx="58">
-                  <c:v>580</c:v>
-                </c:pt>
-                <c:pt idx="59">
-                  <c:v>590</c:v>
-                </c:pt>
-                <c:pt idx="60">
-                  <c:v>600</c:v>
-                </c:pt>
-                <c:pt idx="61">
-                  <c:v>610</c:v>
-                </c:pt>
-                <c:pt idx="62">
-                  <c:v>620</c:v>
-                </c:pt>
-                <c:pt idx="63">
-                  <c:v>630</c:v>
-                </c:pt>
-                <c:pt idx="64">
-                  <c:v>640</c:v>
-                </c:pt>
-                <c:pt idx="65">
-                  <c:v>650</c:v>
-                </c:pt>
-                <c:pt idx="66">
-                  <c:v>660</c:v>
-                </c:pt>
-                <c:pt idx="67">
-                  <c:v>670</c:v>
-                </c:pt>
-                <c:pt idx="68">
-                  <c:v>680</c:v>
-                </c:pt>
-                <c:pt idx="69">
-                  <c:v>690</c:v>
-                </c:pt>
-                <c:pt idx="70">
-                  <c:v>700</c:v>
-                </c:pt>
-                <c:pt idx="71">
-                  <c:v>710</c:v>
-                </c:pt>
-                <c:pt idx="72">
-                  <c:v>720</c:v>
-                </c:pt>
-                <c:pt idx="73">
-                  <c:v>730</c:v>
-                </c:pt>
-                <c:pt idx="74">
-                  <c:v>740</c:v>
-                </c:pt>
-                <c:pt idx="75">
-                  <c:v>750</c:v>
-                </c:pt>
-                <c:pt idx="76">
-                  <c:v>760</c:v>
-                </c:pt>
-                <c:pt idx="77">
-                  <c:v>770</c:v>
-                </c:pt>
-                <c:pt idx="78">
-                  <c:v>780</c:v>
-                </c:pt>
-                <c:pt idx="79">
-                  <c:v>790</c:v>
-                </c:pt>
-                <c:pt idx="80">
-                  <c:v>800</c:v>
-                </c:pt>
-                <c:pt idx="81">
-                  <c:v>810</c:v>
-                </c:pt>
-                <c:pt idx="82">
-                  <c:v>820</c:v>
-                </c:pt>
-                <c:pt idx="83">
-                  <c:v>830</c:v>
-                </c:pt>
-                <c:pt idx="84">
-                  <c:v>840</c:v>
-                </c:pt>
-                <c:pt idx="85">
-                  <c:v>850</c:v>
-                </c:pt>
-                <c:pt idx="86">
-                  <c:v>860</c:v>
-                </c:pt>
-                <c:pt idx="87">
-                  <c:v>870</c:v>
-                </c:pt>
-                <c:pt idx="88">
-                  <c:v>880</c:v>
-                </c:pt>
-                <c:pt idx="89">
-                  <c:v>890</c:v>
-                </c:pt>
-                <c:pt idx="90">
-                  <c:v>900</c:v>
-                </c:pt>
-                <c:pt idx="91">
-                  <c:v>910</c:v>
-                </c:pt>
-                <c:pt idx="92">
-                  <c:v>920</c:v>
-                </c:pt>
-                <c:pt idx="93">
-                  <c:v>930</c:v>
-                </c:pt>
-                <c:pt idx="94">
-                  <c:v>940</c:v>
-                </c:pt>
-                <c:pt idx="95">
-                  <c:v>950</c:v>
-                </c:pt>
-                <c:pt idx="96">
-                  <c:v>960</c:v>
-                </c:pt>
-                <c:pt idx="97">
-                  <c:v>970</c:v>
-                </c:pt>
-                <c:pt idx="98">
-                  <c:v>980</c:v>
-                </c:pt>
-                <c:pt idx="99">
-                  <c:v>990</c:v>
+                  <c:v>5000</c:v>
                 </c:pt>
               </c:numCache>
             </c:numRef>
           </c:cat>
           <c:val>
             <c:numRef>
-              <c:f>Tabelle1!$B$2:$B$101</c:f>
+              <c:f>Tabelle1!$B$2:$B$52</c:f>
               <c:numCache>
                 <c:formatCode>General</c:formatCode>
-                <c:ptCount val="100"/>
+                <c:ptCount val="51"/>
                 <c:pt idx="0">
-                  <c:v>2.0999999999999999E-5</c:v>
+                  <c:v>6.0000000000000002E-6</c:v>
                 </c:pt>
                 <c:pt idx="1">
-                  <c:v>1.4100000000000001E-4</c:v>
+                  <c:v>2.0669999999999998E-3</c:v>
                 </c:pt>
                 <c:pt idx="2">
-                  <c:v>4.5899999999999999E-4</c:v>
+                  <c:v>1.0007E-2</c:v>
                 </c:pt>
                 <c:pt idx="3">
-                  <c:v>1.157E-3</c:v>
+                  <c:v>4.6075999999999999E-2</c:v>
                 </c:pt>
                 <c:pt idx="4">
-                  <c:v>2.1540000000000001E-3</c:v>
+                  <c:v>7.9915E-2</c:v>
                 </c:pt>
                 <c:pt idx="5">
-                  <c:v>3.1180000000000001E-3</c:v>
+                  <c:v>0.12731400000000001</c:v>
                 </c:pt>
                 <c:pt idx="6">
-                  <c:v>5.4739999999999997E-3</c:v>
+                  <c:v>0.17869699999999999</c:v>
                 </c:pt>
                 <c:pt idx="7">
-                  <c:v>7.5659999999999998E-3</c:v>
+                  <c:v>0.25513599999999997</c:v>
                 </c:pt>
                 <c:pt idx="8">
-                  <c:v>9.7490000000000007E-3</c:v>
+                  <c:v>0.32518399999999997</c:v>
                 </c:pt>
                 <c:pt idx="9">
-                  <c:v>1.3084999999999999E-2</c:v>
+                  <c:v>0.44184499999999999</c:v>
                 </c:pt>
                 <c:pt idx="10">
-                  <c:v>1.2978999999999999E-2</c:v>
+                  <c:v>0.513706</c:v>
                 </c:pt>
                 <c:pt idx="11">
-                  <c:v>1.8603000000000001E-2</c:v>
+                  <c:v>0.54838200000000004</c:v>
                 </c:pt>
                 <c:pt idx="12">
-                  <c:v>2.2298999999999999E-2</c:v>
+                  <c:v>0.711059</c:v>
                 </c:pt>
                 <c:pt idx="13">
-                  <c:v>2.6276000000000001E-2</c:v>
+                  <c:v>0.86880000000000002</c:v>
                 </c:pt>
                 <c:pt idx="14">
-                  <c:v>3.1563000000000001E-2</c:v>
+                  <c:v>1.0018309999999999</c:v>
                 </c:pt>
                 <c:pt idx="15">
-                  <c:v>2.6610999999999999E-2</c:v>
+                  <c:v>1.1472020000000001</c:v>
                 </c:pt>
                 <c:pt idx="16">
-                  <c:v>3.8501000000000001E-2</c:v>
+                  <c:v>1.4013150000000001</c:v>
                 </c:pt>
                 <c:pt idx="17">
-                  <c:v>4.3971999999999997E-2</c:v>
+                  <c:v>1.5840369999999999</c:v>
                 </c:pt>
                 <c:pt idx="18">
-                  <c:v>5.1128E-2</c:v>
+                  <c:v>1.760386</c:v>
                 </c:pt>
                 <c:pt idx="19">
-                  <c:v>4.2556999999999998E-2</c:v>
+                  <c:v>1.8433839999999999</c:v>
                 </c:pt>
                 <c:pt idx="20">
-                  <c:v>5.3506999999999999E-2</c:v>
+                  <c:v>2.0349900000000001</c:v>
                 </c:pt>
                 <c:pt idx="21">
-                  <c:v>5.3831999999999998E-2</c:v>
+                  <c:v>2.2668430000000002</c:v>
                 </c:pt>
                 <c:pt idx="22">
-                  <c:v>8.2435999999999995E-2</c:v>
+                  <c:v>2.6429909999999999</c:v>
                 </c:pt>
                 <c:pt idx="23">
-                  <c:v>8.3363000000000007E-2</c:v>
+                  <c:v>2.7801170000000002</c:v>
                 </c:pt>
                 <c:pt idx="24">
-                  <c:v>0.104133</c:v>
+                  <c:v>3.0169510000000002</c:v>
                 </c:pt>
                 <c:pt idx="25">
-                  <c:v>8.3108000000000001E-2</c:v>
+                  <c:v>3.3165369999999998</c:v>
                 </c:pt>
                 <c:pt idx="26">
-                  <c:v>9.6674999999999997E-2</c:v>
+                  <c:v>3.5260989999999999</c:v>
                 </c:pt>
                 <c:pt idx="27">
-                  <c:v>0.119545</c:v>
+                  <c:v>3.8312029999999999</c:v>
                 </c:pt>
                 <c:pt idx="28">
-                  <c:v>0.13916300000000001</c:v>
+                  <c:v>4.2873669999999997</c:v>
                 </c:pt>
                 <c:pt idx="29">
-                  <c:v>0.13686100000000001</c:v>
+                  <c:v>4.456874</c:v>
                 </c:pt>
                 <c:pt idx="30">
-                  <c:v>0.13691800000000001</c:v>
+                  <c:v>4.7994120000000002</c:v>
                 </c:pt>
                 <c:pt idx="31">
-                  <c:v>0.158191</c:v>
+                  <c:v>5.0831210000000002</c:v>
                 </c:pt>
                 <c:pt idx="32">
-                  <c:v>0.169929</c:v>
+                  <c:v>5.4964639999999996</c:v>
                 </c:pt>
                 <c:pt idx="33">
-                  <c:v>0.14759800000000001</c:v>
+                  <c:v>5.8130300000000004</c:v>
                 </c:pt>
                 <c:pt idx="34">
-                  <c:v>0.13502600000000001</c:v>
+                  <c:v>6.2942869999999997</c:v>
                 </c:pt>
                 <c:pt idx="35">
-                  <c:v>0.174763</c:v>
+                  <c:v>6.6542839999999996</c:v>
                 </c:pt>
                 <c:pt idx="36">
-                  <c:v>0.22451099999999999</c:v>
+                  <c:v>7.2123229999999996</c:v>
                 </c:pt>
                 <c:pt idx="37">
-                  <c:v>0.215526</c:v>
+                  <c:v>7.5389710000000001</c:v>
                 </c:pt>
                 <c:pt idx="38">
-                  <c:v>0.172763</c:v>
+                  <c:v>8.0023280000000003</c:v>
                 </c:pt>
                 <c:pt idx="39">
-                  <c:v>0.18324299999999999</c:v>
+                  <c:v>8.588165</c:v>
                 </c:pt>
                 <c:pt idx="40">
-                  <c:v>0.249775</c:v>
+                  <c:v>8.8685939999999999</c:v>
                 </c:pt>
                 <c:pt idx="41">
-                  <c:v>0.30535800000000002</c:v>
+                  <c:v>9.3124120000000001</c:v>
                 </c:pt>
                 <c:pt idx="42">
-                  <c:v>0.38310899999999998</c:v>
+                  <c:v>9.534592</c:v>
                 </c:pt>
                 <c:pt idx="43">
-                  <c:v>0.367979</c:v>
+                  <c:v>10.09778</c:v>
                 </c:pt>
                 <c:pt idx="44">
-                  <c:v>0.23894399999999999</c:v>
+                  <c:v>10.870831000000001</c:v>
                 </c:pt>
                 <c:pt idx="45">
-                  <c:v>0.316166</c:v>
+                  <c:v>10.968616000000001</c:v>
                 </c:pt>
                 <c:pt idx="46">
-                  <c:v>0.32784400000000002</c:v>
+                  <c:v>11.710711999999999</c:v>
                 </c:pt>
                 <c:pt idx="47">
-                  <c:v>0.30701099999999998</c:v>
+                  <c:v>12.397207999999999</c:v>
                 </c:pt>
                 <c:pt idx="48">
-                  <c:v>0.37251699999999999</c:v>
+                  <c:v>12.587801000000001</c:v>
                 </c:pt>
                 <c:pt idx="49">
-                  <c:v>0.432174</c:v>
+                  <c:v>12.910491</c:v>
                 </c:pt>
                 <c:pt idx="50">
-                  <c:v>0.40401100000000001</c:v>
-                </c:pt>
-                <c:pt idx="51">
-                  <c:v>0.33900400000000003</c:v>
-                </c:pt>
-                <c:pt idx="52">
-                  <c:v>0.44308700000000001</c:v>
-                </c:pt>
-                <c:pt idx="53">
-                  <c:v>0.50194499999999997</c:v>
-                </c:pt>
-                <c:pt idx="54">
-                  <c:v>0.47332000000000002</c:v>
-                </c:pt>
-                <c:pt idx="55">
-                  <c:v>0.52001900000000001</c:v>
-                </c:pt>
-                <c:pt idx="56">
-                  <c:v>0.51629899999999995</c:v>
-                </c:pt>
-                <c:pt idx="57">
-                  <c:v>0.52721700000000005</c:v>
-                </c:pt>
-                <c:pt idx="58">
-                  <c:v>0.52612700000000001</c:v>
-                </c:pt>
-                <c:pt idx="59">
-                  <c:v>0.60840399999999994</c:v>
-                </c:pt>
-                <c:pt idx="60">
-                  <c:v>0.52641099999999996</c:v>
-                </c:pt>
-                <c:pt idx="61">
-                  <c:v>0.58511500000000005</c:v>
-                </c:pt>
-                <c:pt idx="62">
-                  <c:v>0.62251599999999996</c:v>
-                </c:pt>
-                <c:pt idx="63">
-                  <c:v>0.63453099999999996</c:v>
-                </c:pt>
-                <c:pt idx="64">
-                  <c:v>0.64964200000000005</c:v>
-                </c:pt>
-                <c:pt idx="65">
-                  <c:v>0.68052400000000002</c:v>
-                </c:pt>
-                <c:pt idx="66">
-                  <c:v>0.71221500000000004</c:v>
-                </c:pt>
-                <c:pt idx="67">
-                  <c:v>0.691743</c:v>
-                </c:pt>
-                <c:pt idx="68">
-                  <c:v>0.67977399999999999</c:v>
-                </c:pt>
-                <c:pt idx="69">
-                  <c:v>0.78127400000000002</c:v>
-                </c:pt>
-                <c:pt idx="70">
-                  <c:v>0.79766999999999999</c:v>
-                </c:pt>
-                <c:pt idx="71">
-                  <c:v>0.80783199999999999</c:v>
-                </c:pt>
-                <c:pt idx="72">
-                  <c:v>0.82764000000000004</c:v>
-                </c:pt>
-                <c:pt idx="73">
-                  <c:v>0.88419899999999996</c:v>
-                </c:pt>
-                <c:pt idx="74">
-                  <c:v>0.92040900000000003</c:v>
-                </c:pt>
-                <c:pt idx="75">
-                  <c:v>0.91464599999999996</c:v>
-                </c:pt>
-                <c:pt idx="76">
-                  <c:v>0.92734899999999998</c:v>
-                </c:pt>
-                <c:pt idx="77">
-                  <c:v>1.064586</c:v>
-                </c:pt>
-                <c:pt idx="78">
-                  <c:v>1.045784</c:v>
-                </c:pt>
-                <c:pt idx="79">
-                  <c:v>1.108873</c:v>
-                </c:pt>
-                <c:pt idx="80">
-                  <c:v>1.1126659999999999</c:v>
-                </c:pt>
-                <c:pt idx="81">
-                  <c:v>1.064713</c:v>
-                </c:pt>
-                <c:pt idx="82">
-                  <c:v>1.111804</c:v>
-                </c:pt>
-                <c:pt idx="83">
-                  <c:v>1.220105</c:v>
-                </c:pt>
-                <c:pt idx="84">
-                  <c:v>1.157449</c:v>
-                </c:pt>
-                <c:pt idx="85">
-                  <c:v>1.149362</c:v>
-                </c:pt>
-                <c:pt idx="86">
-                  <c:v>1.211273</c:v>
-                </c:pt>
-                <c:pt idx="87">
-                  <c:v>1.277207</c:v>
-                </c:pt>
-                <c:pt idx="88">
-                  <c:v>1.3054650000000001</c:v>
-                </c:pt>
-                <c:pt idx="89">
-                  <c:v>1.2580880000000001</c:v>
-                </c:pt>
-                <c:pt idx="90">
-                  <c:v>1.3588169999999999</c:v>
-                </c:pt>
-                <c:pt idx="91">
-                  <c:v>1.375928</c:v>
-                </c:pt>
-                <c:pt idx="92">
-                  <c:v>1.4353210000000001</c:v>
-                </c:pt>
-                <c:pt idx="93">
-                  <c:v>1.429581</c:v>
-                </c:pt>
-                <c:pt idx="94">
-                  <c:v>1.440812</c:v>
-                </c:pt>
-                <c:pt idx="95">
-                  <c:v>1.4238249999999999</c:v>
-                </c:pt>
-                <c:pt idx="96">
-                  <c:v>1.5261290000000001</c:v>
-                </c:pt>
-                <c:pt idx="97">
-                  <c:v>1.5549630000000001</c:v>
-                </c:pt>
-                <c:pt idx="98">
-                  <c:v>1.6573819999999999</c:v>
-                </c:pt>
-                <c:pt idx="99">
-                  <c:v>1.53864</c:v>
+                  <c:v>13.572288</c:v>
                 </c:pt>
               </c:numCache>
             </c:numRef>
@@ -892,618 +598,324 @@
           </c:marker>
           <c:cat>
             <c:numRef>
-              <c:f>Tabelle1!$A$2:$A$101</c:f>
+              <c:f>Tabelle1!$A$2:$A$52</c:f>
               <c:numCache>
                 <c:formatCode>General</c:formatCode>
-                <c:ptCount val="100"/>
+                <c:ptCount val="51"/>
                 <c:pt idx="0">
                   <c:v>0</c:v>
                 </c:pt>
                 <c:pt idx="1">
-                  <c:v>10</c:v>
+                  <c:v>100</c:v>
                 </c:pt>
                 <c:pt idx="2">
-                  <c:v>20</c:v>
+                  <c:v>200</c:v>
                 </c:pt>
                 <c:pt idx="3">
-                  <c:v>30</c:v>
+                  <c:v>300</c:v>
                 </c:pt>
                 <c:pt idx="4">
-                  <c:v>40</c:v>
+                  <c:v>400</c:v>
                 </c:pt>
                 <c:pt idx="5">
-                  <c:v>50</c:v>
+                  <c:v>500</c:v>
                 </c:pt>
                 <c:pt idx="6">
-                  <c:v>60</c:v>
+                  <c:v>600</c:v>
                 </c:pt>
                 <c:pt idx="7">
-                  <c:v>70</c:v>
+                  <c:v>700</c:v>
                 </c:pt>
                 <c:pt idx="8">
-                  <c:v>80</c:v>
+                  <c:v>800</c:v>
                 </c:pt>
                 <c:pt idx="9">
-                  <c:v>90</c:v>
+                  <c:v>900</c:v>
                 </c:pt>
                 <c:pt idx="10">
-                  <c:v>100</c:v>
+                  <c:v>1000</c:v>
                 </c:pt>
                 <c:pt idx="11">
-                  <c:v>110</c:v>
+                  <c:v>1100</c:v>
                 </c:pt>
                 <c:pt idx="12">
-                  <c:v>120</c:v>
+                  <c:v>1200</c:v>
                 </c:pt>
                 <c:pt idx="13">
-                  <c:v>130</c:v>
+                  <c:v>1300</c:v>
                 </c:pt>
                 <c:pt idx="14">
-                  <c:v>140</c:v>
+                  <c:v>1400</c:v>
                 </c:pt>
                 <c:pt idx="15">
-                  <c:v>150</c:v>
+                  <c:v>1500</c:v>
                 </c:pt>
                 <c:pt idx="16">
-                  <c:v>160</c:v>
+                  <c:v>1600</c:v>
                 </c:pt>
                 <c:pt idx="17">
-                  <c:v>170</c:v>
+                  <c:v>1700</c:v>
                 </c:pt>
                 <c:pt idx="18">
-                  <c:v>180</c:v>
+                  <c:v>1800</c:v>
                 </c:pt>
                 <c:pt idx="19">
-                  <c:v>190</c:v>
+                  <c:v>1900</c:v>
                 </c:pt>
                 <c:pt idx="20">
-                  <c:v>200</c:v>
+                  <c:v>2000</c:v>
                 </c:pt>
                 <c:pt idx="21">
-                  <c:v>210</c:v>
+                  <c:v>2100</c:v>
                 </c:pt>
                 <c:pt idx="22">
-                  <c:v>220</c:v>
+                  <c:v>2200</c:v>
                 </c:pt>
                 <c:pt idx="23">
-                  <c:v>230</c:v>
+                  <c:v>2300</c:v>
                 </c:pt>
                 <c:pt idx="24">
-                  <c:v>240</c:v>
+                  <c:v>2400</c:v>
                 </c:pt>
                 <c:pt idx="25">
-                  <c:v>250</c:v>
+                  <c:v>2500</c:v>
                 </c:pt>
                 <c:pt idx="26">
-                  <c:v>260</c:v>
+                  <c:v>2600</c:v>
                 </c:pt>
                 <c:pt idx="27">
-                  <c:v>270</c:v>
+                  <c:v>2700</c:v>
                 </c:pt>
                 <c:pt idx="28">
-                  <c:v>280</c:v>
+                  <c:v>2800</c:v>
                 </c:pt>
                 <c:pt idx="29">
-                  <c:v>290</c:v>
+                  <c:v>2900</c:v>
                 </c:pt>
                 <c:pt idx="30">
-                  <c:v>300</c:v>
+                  <c:v>3000</c:v>
                 </c:pt>
                 <c:pt idx="31">
-                  <c:v>310</c:v>
+                  <c:v>3100</c:v>
                 </c:pt>
                 <c:pt idx="32">
-                  <c:v>320</c:v>
+                  <c:v>3200</c:v>
                 </c:pt>
                 <c:pt idx="33">
-                  <c:v>330</c:v>
+                  <c:v>3300</c:v>
                 </c:pt>
                 <c:pt idx="34">
-                  <c:v>340</c:v>
+                  <c:v>3400</c:v>
                 </c:pt>
                 <c:pt idx="35">
-                  <c:v>350</c:v>
+                  <c:v>3500</c:v>
                 </c:pt>
                 <c:pt idx="36">
-                  <c:v>360</c:v>
+                  <c:v>3600</c:v>
                 </c:pt>
                 <c:pt idx="37">
-                  <c:v>370</c:v>
+                  <c:v>3700</c:v>
                 </c:pt>
                 <c:pt idx="38">
-                  <c:v>380</c:v>
+                  <c:v>3800</c:v>
                 </c:pt>
                 <c:pt idx="39">
-                  <c:v>390</c:v>
+                  <c:v>3900</c:v>
                 </c:pt>
                 <c:pt idx="40">
-                  <c:v>400</c:v>
+                  <c:v>4000</c:v>
                 </c:pt>
                 <c:pt idx="41">
-                  <c:v>410</c:v>
+                  <c:v>4100</c:v>
                 </c:pt>
                 <c:pt idx="42">
-                  <c:v>420</c:v>
+                  <c:v>4200</c:v>
                 </c:pt>
                 <c:pt idx="43">
-                  <c:v>430</c:v>
+                  <c:v>4300</c:v>
                 </c:pt>
                 <c:pt idx="44">
-                  <c:v>440</c:v>
+                  <c:v>4400</c:v>
                 </c:pt>
                 <c:pt idx="45">
-                  <c:v>450</c:v>
+                  <c:v>4500</c:v>
                 </c:pt>
                 <c:pt idx="46">
-                  <c:v>460</c:v>
+                  <c:v>4600</c:v>
                 </c:pt>
                 <c:pt idx="47">
-                  <c:v>470</c:v>
+                  <c:v>4700</c:v>
                 </c:pt>
                 <c:pt idx="48">
-                  <c:v>480</c:v>
+                  <c:v>4800</c:v>
                 </c:pt>
                 <c:pt idx="49">
-                  <c:v>490</c:v>
+                  <c:v>4900</c:v>
                 </c:pt>
                 <c:pt idx="50">
-                  <c:v>500</c:v>
-                </c:pt>
-                <c:pt idx="51">
-                  <c:v>510</c:v>
-                </c:pt>
-                <c:pt idx="52">
-                  <c:v>520</c:v>
-                </c:pt>
-                <c:pt idx="53">
-                  <c:v>530</c:v>
-                </c:pt>
-                <c:pt idx="54">
-                  <c:v>540</c:v>
-                </c:pt>
-                <c:pt idx="55">
-                  <c:v>550</c:v>
-                </c:pt>
-                <c:pt idx="56">
-                  <c:v>560</c:v>
-                </c:pt>
-                <c:pt idx="57">
-                  <c:v>570</c:v>
-                </c:pt>
-                <c:pt idx="58">
-                  <c:v>580</c:v>
-                </c:pt>
-                <c:pt idx="59">
-                  <c:v>590</c:v>
-                </c:pt>
-                <c:pt idx="60">
-                  <c:v>600</c:v>
-                </c:pt>
-                <c:pt idx="61">
-                  <c:v>610</c:v>
-                </c:pt>
-                <c:pt idx="62">
-                  <c:v>620</c:v>
-                </c:pt>
-                <c:pt idx="63">
-                  <c:v>630</c:v>
-                </c:pt>
-                <c:pt idx="64">
-                  <c:v>640</c:v>
-                </c:pt>
-                <c:pt idx="65">
-                  <c:v>650</c:v>
-                </c:pt>
-                <c:pt idx="66">
-                  <c:v>660</c:v>
-                </c:pt>
-                <c:pt idx="67">
-                  <c:v>670</c:v>
-                </c:pt>
-                <c:pt idx="68">
-                  <c:v>680</c:v>
-                </c:pt>
-                <c:pt idx="69">
-                  <c:v>690</c:v>
-                </c:pt>
-                <c:pt idx="70">
-                  <c:v>700</c:v>
-                </c:pt>
-                <c:pt idx="71">
-                  <c:v>710</c:v>
-                </c:pt>
-                <c:pt idx="72">
-                  <c:v>720</c:v>
-                </c:pt>
-                <c:pt idx="73">
-                  <c:v>730</c:v>
-                </c:pt>
-                <c:pt idx="74">
-                  <c:v>740</c:v>
-                </c:pt>
-                <c:pt idx="75">
-                  <c:v>750</c:v>
-                </c:pt>
-                <c:pt idx="76">
-                  <c:v>760</c:v>
-                </c:pt>
-                <c:pt idx="77">
-                  <c:v>770</c:v>
-                </c:pt>
-                <c:pt idx="78">
-                  <c:v>780</c:v>
-                </c:pt>
-                <c:pt idx="79">
-                  <c:v>790</c:v>
-                </c:pt>
-                <c:pt idx="80">
-                  <c:v>800</c:v>
-                </c:pt>
-                <c:pt idx="81">
-                  <c:v>810</c:v>
-                </c:pt>
-                <c:pt idx="82">
-                  <c:v>820</c:v>
-                </c:pt>
-                <c:pt idx="83">
-                  <c:v>830</c:v>
-                </c:pt>
-                <c:pt idx="84">
-                  <c:v>840</c:v>
-                </c:pt>
-                <c:pt idx="85">
-                  <c:v>850</c:v>
-                </c:pt>
-                <c:pt idx="86">
-                  <c:v>860</c:v>
-                </c:pt>
-                <c:pt idx="87">
-                  <c:v>870</c:v>
-                </c:pt>
-                <c:pt idx="88">
-                  <c:v>880</c:v>
-                </c:pt>
-                <c:pt idx="89">
-                  <c:v>890</c:v>
-                </c:pt>
-                <c:pt idx="90">
-                  <c:v>900</c:v>
-                </c:pt>
-                <c:pt idx="91">
-                  <c:v>910</c:v>
-                </c:pt>
-                <c:pt idx="92">
-                  <c:v>920</c:v>
-                </c:pt>
-                <c:pt idx="93">
-                  <c:v>930</c:v>
-                </c:pt>
-                <c:pt idx="94">
-                  <c:v>940</c:v>
-                </c:pt>
-                <c:pt idx="95">
-                  <c:v>950</c:v>
-                </c:pt>
-                <c:pt idx="96">
-                  <c:v>960</c:v>
-                </c:pt>
-                <c:pt idx="97">
-                  <c:v>970</c:v>
-                </c:pt>
-                <c:pt idx="98">
-                  <c:v>980</c:v>
-                </c:pt>
-                <c:pt idx="99">
-                  <c:v>990</c:v>
+                  <c:v>5000</c:v>
                 </c:pt>
               </c:numCache>
             </c:numRef>
           </c:cat>
           <c:val>
             <c:numRef>
-              <c:f>Tabelle1!$C$2:$C$101</c:f>
+              <c:f>Tabelle1!$C$2:$C$52</c:f>
               <c:numCache>
                 <c:formatCode>General</c:formatCode>
-                <c:ptCount val="100"/>
+                <c:ptCount val="51"/>
                 <c:pt idx="0">
-                  <c:v>7.9999999999999996E-6</c:v>
+                  <c:v>3.0000000000000001E-6</c:v>
                 </c:pt>
                 <c:pt idx="1">
-                  <c:v>6.3E-5</c:v>
+                  <c:v>1.031E-3</c:v>
                 </c:pt>
                 <c:pt idx="2">
-                  <c:v>2.33E-4</c:v>
+                  <c:v>5.0350000000000004E-3</c:v>
                 </c:pt>
                 <c:pt idx="3">
-                  <c:v>5.4799999999999998E-4</c:v>
+                  <c:v>2.2952E-2</c:v>
                 </c:pt>
                 <c:pt idx="4">
-                  <c:v>1.024E-3</c:v>
+                  <c:v>4.0183000000000003E-2</c:v>
                 </c:pt>
                 <c:pt idx="5">
-                  <c:v>1.495E-3</c:v>
+                  <c:v>6.3801999999999998E-2</c:v>
                 </c:pt>
                 <c:pt idx="6">
-                  <c:v>2.6489999999999999E-3</c:v>
+                  <c:v>8.8090000000000002E-2</c:v>
                 </c:pt>
                 <c:pt idx="7">
-                  <c:v>3.8149999999999998E-3</c:v>
+                  <c:v>0.123796</c:v>
                 </c:pt>
                 <c:pt idx="8">
-                  <c:v>5.0270000000000002E-3</c:v>
+                  <c:v>0.168629</c:v>
                 </c:pt>
                 <c:pt idx="9">
-                  <c:v>6.3680000000000004E-3</c:v>
+                  <c:v>0.225911</c:v>
                 </c:pt>
                 <c:pt idx="10">
-                  <c:v>6.7860000000000004E-3</c:v>
+                  <c:v>0.25734699999999999</c:v>
                 </c:pt>
                 <c:pt idx="11">
-                  <c:v>9.4870000000000006E-3</c:v>
+                  <c:v>0.23420299999999999</c:v>
                 </c:pt>
                 <c:pt idx="12">
-                  <c:v>1.1218000000000001E-2</c:v>
+                  <c:v>0.36021599999999998</c:v>
                 </c:pt>
                 <c:pt idx="13">
-                  <c:v>1.3483E-2</c:v>
+                  <c:v>0.43567400000000001</c:v>
                 </c:pt>
                 <c:pt idx="14">
-                  <c:v>1.5855999999999999E-2</c:v>
+                  <c:v>0.50145200000000001</c:v>
                 </c:pt>
                 <c:pt idx="15">
-                  <c:v>1.3861999999999999E-2</c:v>
+                  <c:v>0.589314</c:v>
                 </c:pt>
                 <c:pt idx="16">
-                  <c:v>1.9167E-2</c:v>
+                  <c:v>0.70857899999999996</c:v>
                 </c:pt>
                 <c:pt idx="17">
-                  <c:v>2.2141000000000001E-2</c:v>
+                  <c:v>0.78085499999999997</c:v>
                 </c:pt>
                 <c:pt idx="18">
-                  <c:v>2.5367000000000001E-2</c:v>
+                  <c:v>0.89660200000000001</c:v>
                 </c:pt>
                 <c:pt idx="19">
-                  <c:v>2.2120000000000001E-2</c:v>
+                  <c:v>0.91658700000000004</c:v>
                 </c:pt>
                 <c:pt idx="20">
-                  <c:v>2.6467999999999998E-2</c:v>
+                  <c:v>1.0169520000000001</c:v>
                 </c:pt>
                 <c:pt idx="21">
-                  <c:v>3.1748999999999999E-2</c:v>
+                  <c:v>1.133643</c:v>
                 </c:pt>
                 <c:pt idx="22">
-                  <c:v>4.2305000000000002E-2</c:v>
+                  <c:v>1.2699290000000001</c:v>
                 </c:pt>
                 <c:pt idx="23">
-                  <c:v>4.326E-2</c:v>
+                  <c:v>1.3902509999999999</c:v>
                 </c:pt>
                 <c:pt idx="24">
-                  <c:v>5.6998E-2</c:v>
+                  <c:v>1.5455159999999999</c:v>
                 </c:pt>
                 <c:pt idx="25">
-                  <c:v>4.1022000000000003E-2</c:v>
+                  <c:v>1.6911719999999999</c:v>
                 </c:pt>
                 <c:pt idx="26">
-                  <c:v>4.8051000000000003E-2</c:v>
+                  <c:v>1.8135460000000001</c:v>
                 </c:pt>
                 <c:pt idx="27">
-                  <c:v>6.1636999999999997E-2</c:v>
+                  <c:v>1.944679</c:v>
                 </c:pt>
                 <c:pt idx="28">
-                  <c:v>6.7804000000000003E-2</c:v>
+                  <c:v>2.0841240000000001</c:v>
                 </c:pt>
                 <c:pt idx="29">
-                  <c:v>6.1601000000000003E-2</c:v>
+                  <c:v>2.24979</c:v>
                 </c:pt>
                 <c:pt idx="30">
-                  <c:v>7.1859000000000006E-2</c:v>
+                  <c:v>2.407457</c:v>
                 </c:pt>
                 <c:pt idx="31">
-                  <c:v>7.8559000000000004E-2</c:v>
+                  <c:v>2.5572840000000001</c:v>
                 </c:pt>
                 <c:pt idx="32">
-                  <c:v>8.4806000000000006E-2</c:v>
+                  <c:v>2.6627710000000002</c:v>
                 </c:pt>
                 <c:pt idx="33">
-                  <c:v>8.2089999999999996E-2</c:v>
+                  <c:v>2.958215</c:v>
                 </c:pt>
                 <c:pt idx="34">
-                  <c:v>6.2462999999999998E-2</c:v>
+                  <c:v>3.1837879999999998</c:v>
                 </c:pt>
                 <c:pt idx="35">
-                  <c:v>0.103654</c:v>
+                  <c:v>3.3790800000000001</c:v>
                 </c:pt>
                 <c:pt idx="36">
-                  <c:v>0.108393</c:v>
+                  <c:v>3.5824690000000001</c:v>
                 </c:pt>
                 <c:pt idx="37">
-                  <c:v>0.10134799999999999</c:v>
+                  <c:v>3.7559610000000001</c:v>
                 </c:pt>
                 <c:pt idx="38">
-                  <c:v>9.4022999999999995E-2</c:v>
+                  <c:v>3.9636689999999999</c:v>
                 </c:pt>
                 <c:pt idx="39">
-                  <c:v>7.8536999999999996E-2</c:v>
+                  <c:v>4.176825</c:v>
                 </c:pt>
                 <c:pt idx="40">
-                  <c:v>0.13101099999999999</c:v>
+                  <c:v>4.4597619999999996</c:v>
                 </c:pt>
                 <c:pt idx="41">
-                  <c:v>0.17836199999999999</c:v>
+                  <c:v>4.7285510000000004</c:v>
                 </c:pt>
                 <c:pt idx="42">
-                  <c:v>0.18642400000000001</c:v>
+                  <c:v>4.83744</c:v>
                 </c:pt>
                 <c:pt idx="43">
-                  <c:v>0.14918600000000001</c:v>
+                  <c:v>5.1356390000000003</c:v>
                 </c:pt>
                 <c:pt idx="44">
-                  <c:v>0.11577</c:v>
+                  <c:v>5.3687370000000003</c:v>
                 </c:pt>
                 <c:pt idx="45">
-                  <c:v>0.136129</c:v>
+                  <c:v>5.5643929999999999</c:v>
                 </c:pt>
                 <c:pt idx="46">
-                  <c:v>0.166518</c:v>
+                  <c:v>5.6916339999999996</c:v>
                 </c:pt>
                 <c:pt idx="47">
-                  <c:v>0.18473600000000001</c:v>
+                  <c:v>6.2185379999999997</c:v>
                 </c:pt>
                 <c:pt idx="48">
-                  <c:v>0.19706399999999999</c:v>
+                  <c:v>6.2861409999999998</c:v>
                 </c:pt>
                 <c:pt idx="49">
-                  <c:v>0.214284</c:v>
+                  <c:v>6.5954519999999999</c:v>
                 </c:pt>
                 <c:pt idx="50">
-                  <c:v>0.18917800000000001</c:v>
-                </c:pt>
-                <c:pt idx="51">
-                  <c:v>0.17168700000000001</c:v>
-                </c:pt>
-                <c:pt idx="52">
-                  <c:v>0.229965</c:v>
-                </c:pt>
-                <c:pt idx="53">
-                  <c:v>0.23519999999999999</c:v>
-                </c:pt>
-                <c:pt idx="54">
-                  <c:v>0.24282400000000001</c:v>
-                </c:pt>
-                <c:pt idx="55">
-                  <c:v>0.26235799999999998</c:v>
-                </c:pt>
-                <c:pt idx="56">
-                  <c:v>0.24207500000000001</c:v>
-                </c:pt>
-                <c:pt idx="57">
-                  <c:v>0.27185999999999999</c:v>
-                </c:pt>
-                <c:pt idx="58">
-                  <c:v>0.2722</c:v>
-                </c:pt>
-                <c:pt idx="59">
-                  <c:v>0.28688399999999997</c:v>
-                </c:pt>
-                <c:pt idx="60">
-                  <c:v>0.29689599999999999</c:v>
-                </c:pt>
-                <c:pt idx="61">
-                  <c:v>0.29709400000000002</c:v>
-                </c:pt>
-                <c:pt idx="62">
-                  <c:v>0.335733</c:v>
-                </c:pt>
-                <c:pt idx="63">
-                  <c:v>0.31821199999999999</c:v>
-                </c:pt>
-                <c:pt idx="64">
-                  <c:v>0.32483699999999999</c:v>
-                </c:pt>
-                <c:pt idx="65">
-                  <c:v>0.34340999999999999</c:v>
-                </c:pt>
-                <c:pt idx="66">
-                  <c:v>0.33686899999999997</c:v>
-                </c:pt>
-                <c:pt idx="67">
-                  <c:v>0.33293099999999998</c:v>
-                </c:pt>
-                <c:pt idx="68">
-                  <c:v>0.35219499999999998</c:v>
-                </c:pt>
-                <c:pt idx="69">
-                  <c:v>0.388988</c:v>
-                </c:pt>
-                <c:pt idx="70">
-                  <c:v>0.398397</c:v>
-                </c:pt>
-                <c:pt idx="71">
-                  <c:v>0.40494200000000002</c:v>
-                </c:pt>
-                <c:pt idx="72">
-                  <c:v>0.42074400000000001</c:v>
-                </c:pt>
-                <c:pt idx="73">
-                  <c:v>0.45769300000000002</c:v>
-                </c:pt>
-                <c:pt idx="74">
-                  <c:v>0.44063999999999998</c:v>
-                </c:pt>
-                <c:pt idx="75">
-                  <c:v>0.44563900000000001</c:v>
-                </c:pt>
-                <c:pt idx="76">
-                  <c:v>0.46417599999999998</c:v>
-                </c:pt>
-                <c:pt idx="77">
-                  <c:v>0.57894699999999999</c:v>
-                </c:pt>
-                <c:pt idx="78">
-                  <c:v>0.50663199999999997</c:v>
-                </c:pt>
-                <c:pt idx="79">
-                  <c:v>0.54908400000000002</c:v>
-                </c:pt>
-                <c:pt idx="80">
-                  <c:v>0.55678399999999995</c:v>
-                </c:pt>
-                <c:pt idx="81">
-                  <c:v>0.53271900000000005</c:v>
-                </c:pt>
-                <c:pt idx="82">
-                  <c:v>0.56208199999999997</c:v>
-                </c:pt>
-                <c:pt idx="83">
-                  <c:v>0.59465199999999996</c:v>
-                </c:pt>
-                <c:pt idx="84">
-                  <c:v>0.57355400000000001</c:v>
-                </c:pt>
-                <c:pt idx="85">
-                  <c:v>0.58863799999999999</c:v>
-                </c:pt>
-                <c:pt idx="86">
-                  <c:v>0.58172000000000001</c:v>
-                </c:pt>
-                <c:pt idx="87">
-                  <c:v>0.63038400000000006</c:v>
-                </c:pt>
-                <c:pt idx="88">
-                  <c:v>0.64594499999999999</c:v>
-                </c:pt>
-                <c:pt idx="89">
-                  <c:v>0.64168499999999995</c:v>
-                </c:pt>
-                <c:pt idx="90">
-                  <c:v>0.68173399999999995</c:v>
-                </c:pt>
-                <c:pt idx="91">
-                  <c:v>0.62791600000000003</c:v>
-                </c:pt>
-                <c:pt idx="92">
-                  <c:v>0.75293900000000002</c:v>
-                </c:pt>
-                <c:pt idx="93">
-                  <c:v>0.69076800000000005</c:v>
-                </c:pt>
-                <c:pt idx="94">
-                  <c:v>0.70289199999999996</c:v>
-                </c:pt>
-                <c:pt idx="95">
-                  <c:v>0.71551299999999995</c:v>
-                </c:pt>
-                <c:pt idx="96">
-                  <c:v>0.761625</c:v>
-                </c:pt>
-                <c:pt idx="97">
-                  <c:v>0.94903899999999997</c:v>
-                </c:pt>
-                <c:pt idx="98">
-                  <c:v>0.79983300000000002</c:v>
-                </c:pt>
-                <c:pt idx="99">
-                  <c:v>0.77543399999999996</c:v>
+                  <c:v>6.8252189999999997</c:v>
                 </c:pt>
               </c:numCache>
             </c:numRef>
@@ -2424,604 +1836,604 @@
                 <c:formatCode>General</c:formatCode>
                 <c:ptCount val="200"/>
                 <c:pt idx="0">
-                  <c:v>1.56E-4</c:v>
+                  <c:v>1.6200000000000001E-4</c:v>
                 </c:pt>
                 <c:pt idx="1">
+                  <c:v>2.2179999999999999E-3</c:v>
+                </c:pt>
+                <c:pt idx="2">
+                  <c:v>2.771E-3</c:v>
+                </c:pt>
+                <c:pt idx="3">
+                  <c:v>3.3860000000000001E-3</c:v>
+                </c:pt>
+                <c:pt idx="4">
+                  <c:v>3.3059999999999999E-3</c:v>
+                </c:pt>
+                <c:pt idx="5">
+                  <c:v>4.5469999999999998E-3</c:v>
+                </c:pt>
+                <c:pt idx="6">
                   <c:v>4.4149999999999997E-3</c:v>
                 </c:pt>
-                <c:pt idx="2">
-                  <c:v>5.2700000000000004E-3</c:v>
-                </c:pt>
-                <c:pt idx="3">
-                  <c:v>6.8469999999999998E-3</c:v>
-                </c:pt>
-                <c:pt idx="4">
-                  <c:v>3.6329999999999999E-3</c:v>
-                </c:pt>
-                <c:pt idx="5">
-                  <c:v>5.9909999999999998E-3</c:v>
-                </c:pt>
-                <c:pt idx="6">
-                  <c:v>6.1850000000000004E-3</c:v>
-                </c:pt>
                 <c:pt idx="7">
-                  <c:v>7.6730000000000001E-3</c:v>
+                  <c:v>5.3839999999999999E-3</c:v>
                 </c:pt>
                 <c:pt idx="8">
-                  <c:v>9.3439999999999999E-3</c:v>
+                  <c:v>4.8960000000000002E-3</c:v>
                 </c:pt>
                 <c:pt idx="9">
-                  <c:v>9.4959999999999992E-3</c:v>
+                  <c:v>5.5050000000000003E-3</c:v>
                 </c:pt>
                 <c:pt idx="10">
-                  <c:v>1.7812000000000001E-2</c:v>
+                  <c:v>6.8190000000000004E-3</c:v>
                 </c:pt>
                 <c:pt idx="11">
-                  <c:v>1.235E-2</c:v>
+                  <c:v>6.5599999999999999E-3</c:v>
                 </c:pt>
                 <c:pt idx="12">
-                  <c:v>1.4035000000000001E-2</c:v>
+                  <c:v>7.071E-3</c:v>
                 </c:pt>
                 <c:pt idx="13">
-                  <c:v>1.5716999999999998E-2</c:v>
+                  <c:v>7.6239999999999997E-3</c:v>
                 </c:pt>
                 <c:pt idx="14">
-                  <c:v>2.5155E-2</c:v>
+                  <c:v>9.0670000000000004E-3</c:v>
                 </c:pt>
                 <c:pt idx="15">
-                  <c:v>2.8923999999999998E-2</c:v>
+                  <c:v>1.0061E-2</c:v>
                 </c:pt>
                 <c:pt idx="16">
-                  <c:v>2.8257000000000001E-2</c:v>
+                  <c:v>9.2849999999999999E-3</c:v>
                 </c:pt>
                 <c:pt idx="17">
-                  <c:v>3.27E-2</c:v>
+                  <c:v>1.0904E-2</c:v>
                 </c:pt>
                 <c:pt idx="18">
-                  <c:v>3.5874999999999997E-2</c:v>
+                  <c:v>1.1376000000000001E-2</c:v>
                 </c:pt>
                 <c:pt idx="19">
-                  <c:v>4.3128E-2</c:v>
+                  <c:v>1.3487000000000001E-2</c:v>
                 </c:pt>
                 <c:pt idx="20">
-                  <c:v>4.9153000000000002E-2</c:v>
+                  <c:v>1.4364E-2</c:v>
                 </c:pt>
                 <c:pt idx="21">
-                  <c:v>4.4059000000000001E-2</c:v>
+                  <c:v>1.3454000000000001E-2</c:v>
                 </c:pt>
                 <c:pt idx="22">
-                  <c:v>4.5622000000000003E-2</c:v>
+                  <c:v>1.4787E-2</c:v>
                 </c:pt>
                 <c:pt idx="23">
-                  <c:v>6.8667000000000006E-2</c:v>
+                  <c:v>1.7062999999999998E-2</c:v>
                 </c:pt>
                 <c:pt idx="24">
-                  <c:v>5.4613000000000002E-2</c:v>
+                  <c:v>1.8173999999999999E-2</c:v>
                 </c:pt>
                 <c:pt idx="25">
-                  <c:v>7.2079000000000004E-2</c:v>
+                  <c:v>1.9462E-2</c:v>
                 </c:pt>
                 <c:pt idx="26">
-                  <c:v>8.6546999999999999E-2</c:v>
+                  <c:v>2.1534000000000001E-2</c:v>
                 </c:pt>
                 <c:pt idx="27">
-                  <c:v>6.1665999999999999E-2</c:v>
+                  <c:v>2.4201E-2</c:v>
                 </c:pt>
                 <c:pt idx="28">
-                  <c:v>8.8472999999999996E-2</c:v>
+                  <c:v>2.6287999999999999E-2</c:v>
                 </c:pt>
                 <c:pt idx="29">
-                  <c:v>9.6769999999999995E-2</c:v>
+                  <c:v>3.4558999999999999E-2</c:v>
                 </c:pt>
                 <c:pt idx="30">
-                  <c:v>0.104727</c:v>
+                  <c:v>3.8258E-2</c:v>
                 </c:pt>
                 <c:pt idx="31">
-                  <c:v>0.100411</c:v>
+                  <c:v>4.0299000000000001E-2</c:v>
                 </c:pt>
                 <c:pt idx="32">
-                  <c:v>0.100176</c:v>
+                  <c:v>4.4194999999999998E-2</c:v>
                 </c:pt>
                 <c:pt idx="33">
-                  <c:v>0.11912200000000001</c:v>
+                  <c:v>5.0457000000000002E-2</c:v>
                 </c:pt>
                 <c:pt idx="34">
-                  <c:v>0.119354</c:v>
+                  <c:v>5.7327000000000003E-2</c:v>
                 </c:pt>
                 <c:pt idx="35">
-                  <c:v>0.14003599999999999</c:v>
+                  <c:v>6.5314999999999998E-2</c:v>
                 </c:pt>
                 <c:pt idx="36">
-                  <c:v>0.15184900000000001</c:v>
+                  <c:v>6.0181999999999999E-2</c:v>
                 </c:pt>
                 <c:pt idx="37">
-                  <c:v>0.14161399999999999</c:v>
+                  <c:v>6.4394999999999994E-2</c:v>
                 </c:pt>
                 <c:pt idx="38">
-                  <c:v>0.162046</c:v>
+                  <c:v>8.2766000000000006E-2</c:v>
                 </c:pt>
                 <c:pt idx="39">
-                  <c:v>0.165965</c:v>
+                  <c:v>9.1625999999999999E-2</c:v>
                 </c:pt>
                 <c:pt idx="40">
-                  <c:v>0.19117300000000001</c:v>
+                  <c:v>8.4499000000000005E-2</c:v>
                 </c:pt>
                 <c:pt idx="41">
-                  <c:v>0.15470800000000001</c:v>
+                  <c:v>8.0034999999999995E-2</c:v>
                 </c:pt>
                 <c:pt idx="42">
-                  <c:v>0.163913</c:v>
+                  <c:v>7.1480000000000002E-2</c:v>
                 </c:pt>
                 <c:pt idx="43">
-                  <c:v>0.19168199999999999</c:v>
+                  <c:v>7.7715000000000006E-2</c:v>
                 </c:pt>
                 <c:pt idx="44">
-                  <c:v>0.23830599999999999</c:v>
+                  <c:v>8.7756000000000001E-2</c:v>
                 </c:pt>
                 <c:pt idx="45">
-                  <c:v>0.21853700000000001</c:v>
+                  <c:v>9.5585000000000003E-2</c:v>
                 </c:pt>
                 <c:pt idx="46">
-                  <c:v>0.20208699999999999</c:v>
+                  <c:v>0.10457</c:v>
                 </c:pt>
                 <c:pt idx="47">
-                  <c:v>0.21895899999999999</c:v>
+                  <c:v>0.11644500000000001</c:v>
                 </c:pt>
                 <c:pt idx="48">
-                  <c:v>0.22459799999999999</c:v>
+                  <c:v>0.11586399999999999</c:v>
                 </c:pt>
                 <c:pt idx="49">
-                  <c:v>0.2417</c:v>
+                  <c:v>0.14768400000000001</c:v>
                 </c:pt>
                 <c:pt idx="50">
-                  <c:v>0.25588300000000003</c:v>
+                  <c:v>0.14272699999999999</c:v>
                 </c:pt>
                 <c:pt idx="51">
-                  <c:v>0.28885899999999998</c:v>
+                  <c:v>0.162026</c:v>
                 </c:pt>
                 <c:pt idx="52">
-                  <c:v>0.26490799999999998</c:v>
+                  <c:v>0.16506599999999999</c:v>
                 </c:pt>
                 <c:pt idx="53">
-                  <c:v>0.287748</c:v>
+                  <c:v>0.179839</c:v>
                 </c:pt>
                 <c:pt idx="54">
-                  <c:v>0.32541599999999998</c:v>
+                  <c:v>0.19430500000000001</c:v>
                 </c:pt>
                 <c:pt idx="55">
-                  <c:v>0.30847000000000002</c:v>
+                  <c:v>0.19992399999999999</c:v>
                 </c:pt>
                 <c:pt idx="56">
-                  <c:v>0.336951</c:v>
+                  <c:v>0.211335</c:v>
                 </c:pt>
                 <c:pt idx="57">
-                  <c:v>0.36015599999999998</c:v>
+                  <c:v>0.20818600000000001</c:v>
                 </c:pt>
                 <c:pt idx="58">
-                  <c:v>0.39236599999999999</c:v>
+                  <c:v>0.22755300000000001</c:v>
                 </c:pt>
                 <c:pt idx="59">
-                  <c:v>0.36053299999999999</c:v>
+                  <c:v>0.239782</c:v>
                 </c:pt>
                 <c:pt idx="60">
-                  <c:v>0.35582000000000003</c:v>
+                  <c:v>0.25112699999999999</c:v>
                 </c:pt>
                 <c:pt idx="61">
-                  <c:v>0.38483400000000001</c:v>
+                  <c:v>0.26292100000000002</c:v>
                 </c:pt>
                 <c:pt idx="62">
-                  <c:v>0.36771399999999999</c:v>
+                  <c:v>0.25231300000000001</c:v>
                 </c:pt>
                 <c:pt idx="63">
-                  <c:v>0.38886700000000002</c:v>
+                  <c:v>0.26156000000000001</c:v>
                 </c:pt>
                 <c:pt idx="64">
-                  <c:v>0.50262099999999998</c:v>
+                  <c:v>0.27530700000000002</c:v>
                 </c:pt>
                 <c:pt idx="65">
-                  <c:v>0.42005799999999999</c:v>
+                  <c:v>0.28714800000000001</c:v>
                 </c:pt>
                 <c:pt idx="66">
-                  <c:v>0.48857699999999998</c:v>
+                  <c:v>0.31210399999999999</c:v>
                 </c:pt>
                 <c:pt idx="67">
-                  <c:v>0.45215499999999997</c:v>
+                  <c:v>0.304035</c:v>
                 </c:pt>
                 <c:pt idx="68">
-                  <c:v>0.49271500000000001</c:v>
+                  <c:v>0.32314999999999999</c:v>
                 </c:pt>
                 <c:pt idx="69">
-                  <c:v>0.49424499999999999</c:v>
+                  <c:v>0.33285199999999998</c:v>
                 </c:pt>
                 <c:pt idx="70">
-                  <c:v>0.511208</c:v>
+                  <c:v>0.34551300000000001</c:v>
                 </c:pt>
                 <c:pt idx="71">
-                  <c:v>0.52289099999999999</c:v>
+                  <c:v>0.36098799999999998</c:v>
                 </c:pt>
                 <c:pt idx="72">
-                  <c:v>0.53439999999999999</c:v>
+                  <c:v>0.36814599999999997</c:v>
                 </c:pt>
                 <c:pt idx="73">
-                  <c:v>0.53663400000000006</c:v>
+                  <c:v>0.383741</c:v>
                 </c:pt>
                 <c:pt idx="74">
-                  <c:v>0.62142900000000001</c:v>
+                  <c:v>0.395675</c:v>
                 </c:pt>
                 <c:pt idx="75">
-                  <c:v>0.60025700000000004</c:v>
+                  <c:v>0.41242899999999999</c:v>
                 </c:pt>
                 <c:pt idx="76">
-                  <c:v>0.65804600000000002</c:v>
+                  <c:v>0.42900700000000003</c:v>
                 </c:pt>
                 <c:pt idx="77">
-                  <c:v>0.56839600000000001</c:v>
+                  <c:v>0.43438399999999999</c:v>
                 </c:pt>
                 <c:pt idx="78">
-                  <c:v>0.67577799999999999</c:v>
+                  <c:v>0.45172600000000002</c:v>
                 </c:pt>
                 <c:pt idx="79">
-                  <c:v>0.62798600000000004</c:v>
+                  <c:v>0.46535900000000002</c:v>
                 </c:pt>
                 <c:pt idx="80">
-                  <c:v>0.63837900000000003</c:v>
+                  <c:v>0.478184</c:v>
                 </c:pt>
                 <c:pt idx="81">
-                  <c:v>0.78119000000000005</c:v>
+                  <c:v>0.499388</c:v>
                 </c:pt>
                 <c:pt idx="82">
-                  <c:v>0.62367099999999998</c:v>
+                  <c:v>0.41845900000000003</c:v>
                 </c:pt>
                 <c:pt idx="83">
-                  <c:v>0.63664699999999996</c:v>
+                  <c:v>0.421653</c:v>
                 </c:pt>
                 <c:pt idx="84">
-                  <c:v>0.62719199999999997</c:v>
+                  <c:v>0.435506</c:v>
                 </c:pt>
                 <c:pt idx="85">
-                  <c:v>0.664906</c:v>
+                  <c:v>0.44961299999999998</c:v>
                 </c:pt>
                 <c:pt idx="86">
-                  <c:v>0.71536999999999995</c:v>
+                  <c:v>0.47056300000000001</c:v>
                 </c:pt>
                 <c:pt idx="87">
-                  <c:v>0.73818300000000003</c:v>
+                  <c:v>0.47504600000000002</c:v>
                 </c:pt>
                 <c:pt idx="88">
-                  <c:v>0.69356300000000004</c:v>
+                  <c:v>0.497832</c:v>
                 </c:pt>
                 <c:pt idx="89">
-                  <c:v>0.708592</c:v>
+                  <c:v>0.50386699999999995</c:v>
                 </c:pt>
                 <c:pt idx="90">
-                  <c:v>0.99874300000000005</c:v>
+                  <c:v>0.52773800000000004</c:v>
                 </c:pt>
                 <c:pt idx="91">
-                  <c:v>0.84116000000000002</c:v>
+                  <c:v>0.552458</c:v>
                 </c:pt>
                 <c:pt idx="92">
-                  <c:v>0.76835699999999996</c:v>
+                  <c:v>0.574762</c:v>
                 </c:pt>
                 <c:pt idx="93">
-                  <c:v>0.78038200000000002</c:v>
+                  <c:v>0.58082900000000004</c:v>
                 </c:pt>
                 <c:pt idx="94">
-                  <c:v>0.85375100000000004</c:v>
+                  <c:v>0.59240499999999996</c:v>
                 </c:pt>
                 <c:pt idx="95">
-                  <c:v>0.85990500000000003</c:v>
+                  <c:v>0.631077</c:v>
                 </c:pt>
                 <c:pt idx="96">
-                  <c:v>0.932176</c:v>
+                  <c:v>0.63480099999999995</c:v>
                 </c:pt>
                 <c:pt idx="97">
-                  <c:v>0.97943400000000003</c:v>
+                  <c:v>0.66029300000000002</c:v>
                 </c:pt>
                 <c:pt idx="98">
-                  <c:v>1.001009</c:v>
+                  <c:v>0.67149999999999999</c:v>
                 </c:pt>
                 <c:pt idx="99">
-                  <c:v>1.035423</c:v>
+                  <c:v>0.69191400000000003</c:v>
                 </c:pt>
                 <c:pt idx="100">
-                  <c:v>1.0125820000000001</c:v>
+                  <c:v>0.70663100000000001</c:v>
                 </c:pt>
                 <c:pt idx="101">
-                  <c:v>0.99941999999999998</c:v>
+                  <c:v>0.72455400000000003</c:v>
                 </c:pt>
                 <c:pt idx="102">
-                  <c:v>1.1250519999999999</c:v>
+                  <c:v>0.74858100000000005</c:v>
                 </c:pt>
                 <c:pt idx="103">
-                  <c:v>1.322303</c:v>
+                  <c:v>0.73406400000000005</c:v>
                 </c:pt>
                 <c:pt idx="104">
-                  <c:v>1.1430180000000001</c:v>
+                  <c:v>0.77375099999999997</c:v>
                 </c:pt>
                 <c:pt idx="105">
-                  <c:v>1.124665</c:v>
+                  <c:v>0.76892499999999997</c:v>
                 </c:pt>
                 <c:pt idx="106">
-                  <c:v>1.128204</c:v>
+                  <c:v>0.79216399999999998</c:v>
                 </c:pt>
                 <c:pt idx="107">
-                  <c:v>1.1331979999999999</c:v>
+                  <c:v>0.83692</c:v>
                 </c:pt>
                 <c:pt idx="108">
-                  <c:v>1.184404</c:v>
+                  <c:v>0.84120399999999995</c:v>
                 </c:pt>
                 <c:pt idx="109">
-                  <c:v>1.240969</c:v>
+                  <c:v>0.87773100000000004</c:v>
                 </c:pt>
                 <c:pt idx="110">
-                  <c:v>1.173163</c:v>
+                  <c:v>0.89797499999999997</c:v>
                 </c:pt>
                 <c:pt idx="111">
-                  <c:v>1.2766599999999999</c:v>
+                  <c:v>0.90893400000000002</c:v>
                 </c:pt>
                 <c:pt idx="112">
-                  <c:v>1.225762</c:v>
+                  <c:v>0.91775799999999996</c:v>
                 </c:pt>
                 <c:pt idx="113">
-                  <c:v>1.3390599999999999</c:v>
+                  <c:v>0.93431900000000001</c:v>
                 </c:pt>
                 <c:pt idx="114">
-                  <c:v>1.3317589999999999</c:v>
+                  <c:v>0.957812</c:v>
                 </c:pt>
                 <c:pt idx="115">
-                  <c:v>1.3854930000000001</c:v>
+                  <c:v>0.96367000000000003</c:v>
                 </c:pt>
                 <c:pt idx="116">
-                  <c:v>1.4504870000000001</c:v>
+                  <c:v>0.99305500000000002</c:v>
                 </c:pt>
                 <c:pt idx="117">
-                  <c:v>1.3675040000000001</c:v>
+                  <c:v>1.0212460000000001</c:v>
                 </c:pt>
                 <c:pt idx="118">
-                  <c:v>1.41005</c:v>
+                  <c:v>1.0406949999999999</c:v>
                 </c:pt>
                 <c:pt idx="119">
-                  <c:v>1.5745929999999999</c:v>
+                  <c:v>1.0620959999999999</c:v>
                 </c:pt>
                 <c:pt idx="120">
-                  <c:v>1.5323370000000001</c:v>
+                  <c:v>1.0826169999999999</c:v>
                 </c:pt>
                 <c:pt idx="121">
-                  <c:v>1.8404640000000001</c:v>
+                  <c:v>1.100357</c:v>
                 </c:pt>
                 <c:pt idx="122">
-                  <c:v>1.7406999999999999</c:v>
+                  <c:v>1.1475200000000001</c:v>
                 </c:pt>
                 <c:pt idx="123">
-                  <c:v>1.4502729999999999</c:v>
+                  <c:v>1.0704530000000001</c:v>
                 </c:pt>
                 <c:pt idx="124">
-                  <c:v>1.490027</c:v>
+                  <c:v>1.096757</c:v>
                 </c:pt>
                 <c:pt idx="125">
-                  <c:v>1.527107</c:v>
+                  <c:v>1.089615</c:v>
                 </c:pt>
                 <c:pt idx="126">
-                  <c:v>1.691918</c:v>
+                  <c:v>1.143823</c:v>
                 </c:pt>
                 <c:pt idx="127">
-                  <c:v>1.596401</c:v>
+                  <c:v>1.1469879999999999</c:v>
                 </c:pt>
                 <c:pt idx="128">
-                  <c:v>1.667807</c:v>
+                  <c:v>1.1772130000000001</c:v>
                 </c:pt>
                 <c:pt idx="129">
-                  <c:v>1.7797019999999999</c:v>
+                  <c:v>1.20957</c:v>
                 </c:pt>
                 <c:pt idx="130">
-                  <c:v>1.8037859999999999</c:v>
+                  <c:v>1.214996</c:v>
                 </c:pt>
                 <c:pt idx="131">
-                  <c:v>1.8659859999999999</c:v>
+                  <c:v>1.248281</c:v>
                 </c:pt>
                 <c:pt idx="132">
-                  <c:v>1.7953809999999999</c:v>
+                  <c:v>1.268524</c:v>
                 </c:pt>
                 <c:pt idx="133">
-                  <c:v>1.84975</c:v>
+                  <c:v>1.3231820000000001</c:v>
                 </c:pt>
                 <c:pt idx="134">
-                  <c:v>1.8735269999999999</c:v>
+                  <c:v>1.3248610000000001</c:v>
                 </c:pt>
                 <c:pt idx="135">
-                  <c:v>2.0038969999999998</c:v>
+                  <c:v>1.3720779999999999</c:v>
                 </c:pt>
                 <c:pt idx="136">
-                  <c:v>1.8118840000000001</c:v>
+                  <c:v>1.388787</c:v>
                 </c:pt>
                 <c:pt idx="137">
-                  <c:v>2.1048230000000001</c:v>
+                  <c:v>1.3992340000000001</c:v>
                 </c:pt>
                 <c:pt idx="138">
-                  <c:v>1.7943389999999999</c:v>
+                  <c:v>1.4259900000000001</c:v>
                 </c:pt>
                 <c:pt idx="139">
-                  <c:v>1.9812529999999999</c:v>
+                  <c:v>1.473247</c:v>
                 </c:pt>
                 <c:pt idx="140">
-                  <c:v>2.1436820000000001</c:v>
+                  <c:v>1.4871460000000001</c:v>
                 </c:pt>
                 <c:pt idx="141">
-                  <c:v>2.2426219999999999</c:v>
+                  <c:v>1.512553</c:v>
                 </c:pt>
                 <c:pt idx="142">
-                  <c:v>2.5297679999999998</c:v>
+                  <c:v>1.513101</c:v>
                 </c:pt>
                 <c:pt idx="143">
-                  <c:v>2.0043340000000001</c:v>
+                  <c:v>1.5584849999999999</c:v>
                 </c:pt>
                 <c:pt idx="144">
-                  <c:v>2.1735630000000001</c:v>
+                  <c:v>1.5456259999999999</c:v>
                 </c:pt>
                 <c:pt idx="145">
-                  <c:v>2.072975</c:v>
+                  <c:v>1.601542</c:v>
                 </c:pt>
                 <c:pt idx="146">
-                  <c:v>2.4145910000000002</c:v>
+                  <c:v>1.6522829999999999</c:v>
                 </c:pt>
                 <c:pt idx="147">
-                  <c:v>2.1762299999999999</c:v>
+                  <c:v>1.642158</c:v>
                 </c:pt>
                 <c:pt idx="148">
-                  <c:v>2.4335680000000002</c:v>
+                  <c:v>1.663948</c:v>
                 </c:pt>
                 <c:pt idx="149">
-                  <c:v>2.6566550000000002</c:v>
+                  <c:v>1.6923360000000001</c:v>
                 </c:pt>
                 <c:pt idx="150">
-                  <c:v>2.4750009999999998</c:v>
+                  <c:v>1.756883</c:v>
                 </c:pt>
                 <c:pt idx="151">
-                  <c:v>2.2310020000000002</c:v>
+                  <c:v>1.747069</c:v>
                 </c:pt>
                 <c:pt idx="152">
-                  <c:v>2.5434329999999998</c:v>
+                  <c:v>1.7845470000000001</c:v>
                 </c:pt>
                 <c:pt idx="153">
-                  <c:v>2.5525549999999999</c:v>
+                  <c:v>1.8233839999999999</c:v>
                 </c:pt>
                 <c:pt idx="154">
-                  <c:v>2.6847449999999999</c:v>
+                  <c:v>1.826524</c:v>
                 </c:pt>
                 <c:pt idx="155">
-                  <c:v>2.5976469999999998</c:v>
+                  <c:v>1.8632789999999999</c:v>
                 </c:pt>
                 <c:pt idx="156">
-                  <c:v>2.5456430000000001</c:v>
+                  <c:v>1.8952450000000001</c:v>
                 </c:pt>
                 <c:pt idx="157">
-                  <c:v>2.4154149999999999</c:v>
+                  <c:v>1.9026970000000001</c:v>
                 </c:pt>
                 <c:pt idx="158">
-                  <c:v>2.6081970000000001</c:v>
+                  <c:v>1.971228</c:v>
                 </c:pt>
                 <c:pt idx="159">
-                  <c:v>2.8195899999999998</c:v>
+                  <c:v>2.0531630000000001</c:v>
                 </c:pt>
                 <c:pt idx="160">
-                  <c:v>2.7222400000000002</c:v>
+                  <c:v>2.0219369999999999</c:v>
                 </c:pt>
                 <c:pt idx="161">
-                  <c:v>3.062001</c:v>
+                  <c:v>2.0433500000000002</c:v>
                 </c:pt>
                 <c:pt idx="162">
-                  <c:v>3.5432860000000002</c:v>
+                  <c:v>2.0711249999999999</c:v>
                 </c:pt>
                 <c:pt idx="163">
-                  <c:v>3.1066630000000002</c:v>
+                  <c:v>2.1099399999999999</c:v>
                 </c:pt>
                 <c:pt idx="164">
-                  <c:v>2.4286439999999998</c:v>
+                  <c:v>1.723727</c:v>
                 </c:pt>
                 <c:pt idx="165">
-                  <c:v>2.5172300000000001</c:v>
+                  <c:v>1.741628</c:v>
                 </c:pt>
                 <c:pt idx="166">
-                  <c:v>2.2831269999999999</c:v>
+                  <c:v>1.772265</c:v>
                 </c:pt>
                 <c:pt idx="167">
-                  <c:v>2.6080990000000002</c:v>
+                  <c:v>1.812398</c:v>
                 </c:pt>
                 <c:pt idx="168">
-                  <c:v>2.5925699999999998</c:v>
+                  <c:v>1.8462989999999999</c:v>
                 </c:pt>
                 <c:pt idx="169">
-                  <c:v>2.5833740000000001</c:v>
+                  <c:v>1.8709359999999999</c:v>
                 </c:pt>
                 <c:pt idx="170">
-                  <c:v>2.751182</c:v>
+                  <c:v>1.9018809999999999</c:v>
                 </c:pt>
                 <c:pt idx="171">
-                  <c:v>2.9329019999999999</c:v>
+                  <c:v>1.9583280000000001</c:v>
                 </c:pt>
                 <c:pt idx="172">
-                  <c:v>2.8886470000000002</c:v>
+                  <c:v>1.980054</c:v>
                 </c:pt>
                 <c:pt idx="173">
-                  <c:v>2.5823200000000002</c:v>
+                  <c:v>2.0031189999999999</c:v>
                 </c:pt>
                 <c:pt idx="174">
-                  <c:v>2.9014310000000001</c:v>
+                  <c:v>2.0554160000000001</c:v>
                 </c:pt>
                 <c:pt idx="175">
-                  <c:v>2.7402380000000002</c:v>
+                  <c:v>2.1014219999999999</c:v>
                 </c:pt>
                 <c:pt idx="176">
-                  <c:v>2.9449550000000002</c:v>
+                  <c:v>2.0931489999999999</c:v>
                 </c:pt>
                 <c:pt idx="177">
-                  <c:v>2.7779349999999998</c:v>
+                  <c:v>2.1257540000000001</c:v>
                 </c:pt>
                 <c:pt idx="178">
-                  <c:v>3.3252190000000001</c:v>
+                  <c:v>2.1725829999999999</c:v>
                 </c:pt>
                 <c:pt idx="179">
-                  <c:v>2.8752909999999998</c:v>
+                  <c:v>2.2065100000000002</c:v>
                 </c:pt>
                 <c:pt idx="180">
-                  <c:v>3.2682120000000001</c:v>
+                  <c:v>2.262464</c:v>
                 </c:pt>
                 <c:pt idx="181">
-                  <c:v>3.1027979999999999</c:v>
+                  <c:v>2.2917130000000001</c:v>
                 </c:pt>
                 <c:pt idx="182">
-                  <c:v>3.3357700000000001</c:v>
+                  <c:v>2.3252160000000002</c:v>
                 </c:pt>
                 <c:pt idx="183">
-                  <c:v>3.2952699999999999</c:v>
+                  <c:v>2.3368890000000002</c:v>
                 </c:pt>
                 <c:pt idx="184">
-                  <c:v>3.0557979999999998</c:v>
+                  <c:v>2.38531</c:v>
                 </c:pt>
                 <c:pt idx="185">
-                  <c:v>3.4861110000000002</c:v>
+                  <c:v>2.3747579999999999</c:v>
                 </c:pt>
                 <c:pt idx="186">
-                  <c:v>3.3719929999999998</c:v>
+                  <c:v>2.4261780000000002</c:v>
                 </c:pt>
                 <c:pt idx="187">
-                  <c:v>3.5577589999999999</c:v>
+                  <c:v>2.4351189999999998</c:v>
                 </c:pt>
                 <c:pt idx="188">
-                  <c:v>3.4369809999999998</c:v>
+                  <c:v>2.4992930000000002</c:v>
                 </c:pt>
                 <c:pt idx="189">
-                  <c:v>3.4759639999999998</c:v>
+                  <c:v>2.5080930000000001</c:v>
                 </c:pt>
                 <c:pt idx="190">
-                  <c:v>3.6991070000000001</c:v>
+                  <c:v>2.5645920000000002</c:v>
                 </c:pt>
                 <c:pt idx="191">
-                  <c:v>3.4662120000000001</c:v>
+                  <c:v>2.6419619999999999</c:v>
                 </c:pt>
                 <c:pt idx="192">
-                  <c:v>3.6447349999999998</c:v>
+                  <c:v>2.6880109999999999</c:v>
                 </c:pt>
                 <c:pt idx="193">
-                  <c:v>3.6631520000000002</c:v>
+                  <c:v>2.7302740000000001</c:v>
                 </c:pt>
                 <c:pt idx="194">
-                  <c:v>3.8592040000000001</c:v>
+                  <c:v>2.715649</c:v>
                 </c:pt>
                 <c:pt idx="195">
-                  <c:v>3.9578790000000001</c:v>
+                  <c:v>2.7980740000000002</c:v>
                 </c:pt>
                 <c:pt idx="196">
-                  <c:v>3.8701379999999999</c:v>
+                  <c:v>2.8172779999999999</c:v>
                 </c:pt>
                 <c:pt idx="197">
-                  <c:v>3.7428279999999998</c:v>
+                  <c:v>2.8325490000000002</c:v>
                 </c:pt>
                 <c:pt idx="198">
-                  <c:v>4.1725589999999997</c:v>
+                  <c:v>2.8751220000000002</c:v>
                 </c:pt>
                 <c:pt idx="199">
-                  <c:v>3.9086609999999999</c:v>
+                  <c:v>2.9250799999999999</c:v>
                 </c:pt>
               </c:numCache>
             </c:numRef>
@@ -3029,7 +2441,7 @@
           <c:smooth val="0"/>
           <c:extLst>
             <c:ext xmlns:c16="http://schemas.microsoft.com/office/drawing/2014/chart" uri="{C3380CC4-5D6E-409C-BE32-E72D297353CC}">
-              <c16:uniqueId val="{00000000-0324-754A-BB0C-9CD09730FA93}"/>
+              <c16:uniqueId val="{00000000-505D-CB4B-9EC2-99EE2941739E}"/>
             </c:ext>
           </c:extLst>
         </c:ser>
@@ -3042,7 +2454,7 @@
               <c:strCache>
                 <c:ptCount val="1"/>
                 <c:pt idx="0">
-                  <c:v>Schnell mit kompakter Matrix</c:v>
+                  <c:v>Folge</c:v>
                 </c:pt>
               </c:strCache>
             </c:strRef>
@@ -3675,604 +3087,604 @@
                 <c:formatCode>General</c:formatCode>
                 <c:ptCount val="200"/>
                 <c:pt idx="0">
-                  <c:v>1.0900000000000001E-4</c:v>
+                  <c:v>6.0999999999999999E-5</c:v>
                 </c:pt>
                 <c:pt idx="1">
-                  <c:v>1.572E-3</c:v>
+                  <c:v>1.7669999999999999E-3</c:v>
                 </c:pt>
                 <c:pt idx="2">
-                  <c:v>3.6970000000000002E-3</c:v>
+                  <c:v>4.7260000000000002E-3</c:v>
                 </c:pt>
                 <c:pt idx="3">
-                  <c:v>4.052E-3</c:v>
+                  <c:v>9.3109999999999998E-3</c:v>
                 </c:pt>
                 <c:pt idx="4">
-                  <c:v>2.5790000000000001E-3</c:v>
+                  <c:v>1.4106E-2</c:v>
                 </c:pt>
                 <c:pt idx="5">
-                  <c:v>4.8609999999999999E-3</c:v>
+                  <c:v>1.9741999999999999E-2</c:v>
                 </c:pt>
                 <c:pt idx="6">
-                  <c:v>3.712E-3</c:v>
+                  <c:v>2.555E-2</c:v>
                 </c:pt>
                 <c:pt idx="7">
-                  <c:v>4.4180000000000001E-3</c:v>
+                  <c:v>3.2302999999999998E-2</c:v>
                 </c:pt>
                 <c:pt idx="8">
-                  <c:v>4.5030000000000001E-3</c:v>
+                  <c:v>3.9407999999999999E-2</c:v>
                 </c:pt>
                 <c:pt idx="9">
-                  <c:v>6.4130000000000003E-3</c:v>
+                  <c:v>4.7345999999999999E-2</c:v>
                 </c:pt>
                 <c:pt idx="10">
-                  <c:v>6.9129999999999999E-3</c:v>
+                  <c:v>5.6136999999999999E-2</c:v>
                 </c:pt>
                 <c:pt idx="11">
-                  <c:v>7.1219999999999999E-3</c:v>
+                  <c:v>6.6763000000000003E-2</c:v>
                 </c:pt>
                 <c:pt idx="12">
-                  <c:v>7.6540000000000002E-3</c:v>
+                  <c:v>7.8240000000000004E-2</c:v>
                 </c:pt>
                 <c:pt idx="13">
-                  <c:v>9.9810000000000003E-3</c:v>
+                  <c:v>9.1936000000000004E-2</c:v>
                 </c:pt>
                 <c:pt idx="14">
-                  <c:v>1.4807000000000001E-2</c:v>
+                  <c:v>0.107977</c:v>
                 </c:pt>
                 <c:pt idx="15">
-                  <c:v>1.5880999999999999E-2</c:v>
+                  <c:v>0.12529299999999999</c:v>
                 </c:pt>
                 <c:pt idx="16">
-                  <c:v>1.5769999999999999E-2</c:v>
+                  <c:v>0.142675</c:v>
                 </c:pt>
                 <c:pt idx="17">
-                  <c:v>1.8119E-2</c:v>
+                  <c:v>0.16312099999999999</c:v>
                 </c:pt>
                 <c:pt idx="18">
-                  <c:v>1.9650000000000001E-2</c:v>
+                  <c:v>0.18513299999999999</c:v>
                 </c:pt>
                 <c:pt idx="19">
-                  <c:v>2.3111E-2</c:v>
+                  <c:v>0.207479</c:v>
                 </c:pt>
                 <c:pt idx="20">
-                  <c:v>2.6557999999999998E-2</c:v>
+                  <c:v>0.23235900000000001</c:v>
                 </c:pt>
                 <c:pt idx="21">
-                  <c:v>2.0854999999999999E-2</c:v>
+                  <c:v>0.26241399999999998</c:v>
                 </c:pt>
                 <c:pt idx="22">
-                  <c:v>3.1304999999999999E-2</c:v>
+                  <c:v>0.28252300000000002</c:v>
                 </c:pt>
                 <c:pt idx="23">
-                  <c:v>2.6069999999999999E-2</c:v>
+                  <c:v>0.30844500000000002</c:v>
                 </c:pt>
                 <c:pt idx="24">
-                  <c:v>2.7248000000000001E-2</c:v>
+                  <c:v>0.338866</c:v>
                 </c:pt>
                 <c:pt idx="25">
-                  <c:v>4.0545999999999999E-2</c:v>
+                  <c:v>0.36534899999999998</c:v>
                 </c:pt>
                 <c:pt idx="26">
-                  <c:v>2.6005E-2</c:v>
+                  <c:v>0.39673700000000001</c:v>
                 </c:pt>
                 <c:pt idx="27">
-                  <c:v>3.9099000000000002E-2</c:v>
+                  <c:v>0.42804300000000001</c:v>
                 </c:pt>
                 <c:pt idx="28">
-                  <c:v>5.2801000000000001E-2</c:v>
+                  <c:v>0.45915400000000001</c:v>
                 </c:pt>
                 <c:pt idx="29">
-                  <c:v>4.7545999999999998E-2</c:v>
+                  <c:v>0.49291499999999999</c:v>
                 </c:pt>
                 <c:pt idx="30">
-                  <c:v>5.1367000000000003E-2</c:v>
+                  <c:v>0.52650600000000003</c:v>
                 </c:pt>
                 <c:pt idx="31">
-                  <c:v>4.6543000000000001E-2</c:v>
+                  <c:v>0.56293499999999996</c:v>
                 </c:pt>
                 <c:pt idx="32">
-                  <c:v>5.0574000000000001E-2</c:v>
+                  <c:v>0.60141199999999995</c:v>
                 </c:pt>
                 <c:pt idx="33">
-                  <c:v>5.4900999999999998E-2</c:v>
+                  <c:v>0.639679</c:v>
                 </c:pt>
                 <c:pt idx="34">
-                  <c:v>6.003E-2</c:v>
+                  <c:v>0.68106199999999995</c:v>
                 </c:pt>
                 <c:pt idx="35">
-                  <c:v>8.7050000000000002E-2</c:v>
+                  <c:v>0.72040700000000002</c:v>
                 </c:pt>
                 <c:pt idx="36">
-                  <c:v>6.8693000000000004E-2</c:v>
+                  <c:v>0.76031400000000005</c:v>
                 </c:pt>
                 <c:pt idx="37">
-                  <c:v>7.3120000000000004E-2</c:v>
+                  <c:v>0.805504</c:v>
                 </c:pt>
                 <c:pt idx="38">
-                  <c:v>9.7992999999999997E-2</c:v>
+                  <c:v>0.85748000000000002</c:v>
                 </c:pt>
                 <c:pt idx="39">
-                  <c:v>9.2799000000000006E-2</c:v>
+                  <c:v>0.91</c:v>
                 </c:pt>
                 <c:pt idx="40">
-                  <c:v>8.9081999999999995E-2</c:v>
+                  <c:v>0.95797500000000002</c:v>
                 </c:pt>
                 <c:pt idx="41">
-                  <c:v>7.8798000000000007E-2</c:v>
+                  <c:v>1.0091639999999999</c:v>
                 </c:pt>
                 <c:pt idx="42">
-                  <c:v>8.6828000000000002E-2</c:v>
+                  <c:v>1.059496</c:v>
                 </c:pt>
                 <c:pt idx="43">
-                  <c:v>0.11402</c:v>
+                  <c:v>1.111246</c:v>
                 </c:pt>
                 <c:pt idx="44">
-                  <c:v>0.11303100000000001</c:v>
+                  <c:v>1.160164</c:v>
                 </c:pt>
                 <c:pt idx="45">
-                  <c:v>0.107641</c:v>
+                  <c:v>1.2214100000000001</c:v>
                 </c:pt>
                 <c:pt idx="46">
-                  <c:v>0.115816</c:v>
+                  <c:v>1.2712190000000001</c:v>
                 </c:pt>
                 <c:pt idx="47">
-                  <c:v>0.112299</c:v>
+                  <c:v>1.327183</c:v>
                 </c:pt>
                 <c:pt idx="48">
-                  <c:v>0.115193</c:v>
+                  <c:v>1.3832800000000001</c:v>
                 </c:pt>
                 <c:pt idx="49">
-                  <c:v>0.124641</c:v>
+                  <c:v>1.4407099999999999</c:v>
                 </c:pt>
                 <c:pt idx="50">
-                  <c:v>0.142987</c:v>
+                  <c:v>1.4975020000000001</c:v>
                 </c:pt>
                 <c:pt idx="51">
-                  <c:v>0.13395899999999999</c:v>
+                  <c:v>1.557366</c:v>
                 </c:pt>
                 <c:pt idx="52">
-                  <c:v>0.13634199999999999</c:v>
+                  <c:v>1.6178490000000001</c:v>
                 </c:pt>
                 <c:pt idx="53">
-                  <c:v>0.143375</c:v>
+                  <c:v>1.6768110000000001</c:v>
                 </c:pt>
                 <c:pt idx="54">
-                  <c:v>0.15171699999999999</c:v>
+                  <c:v>1.7383489999999999</c:v>
                 </c:pt>
                 <c:pt idx="55">
-                  <c:v>0.17033999999999999</c:v>
+                  <c:v>1.8024260000000001</c:v>
                 </c:pt>
                 <c:pt idx="56">
-                  <c:v>0.182558</c:v>
+                  <c:v>1.865893</c:v>
                 </c:pt>
                 <c:pt idx="57">
-                  <c:v>0.18304799999999999</c:v>
+                  <c:v>1.9312199999999999</c:v>
                 </c:pt>
                 <c:pt idx="58">
-                  <c:v>0.174263</c:v>
+                  <c:v>1.9944519999999999</c:v>
                 </c:pt>
                 <c:pt idx="59">
-                  <c:v>0.179088</c:v>
+                  <c:v>2.0594350000000001</c:v>
                 </c:pt>
                 <c:pt idx="60">
-                  <c:v>0.19381699999999999</c:v>
+                  <c:v>2.1266720000000001</c:v>
                 </c:pt>
                 <c:pt idx="61">
-                  <c:v>0.201794</c:v>
+                  <c:v>2.197238</c:v>
                 </c:pt>
                 <c:pt idx="62">
-                  <c:v>0.19150700000000001</c:v>
+                  <c:v>2.2672050000000001</c:v>
                 </c:pt>
                 <c:pt idx="63">
-                  <c:v>0.20450599999999999</c:v>
+                  <c:v>2.3406920000000002</c:v>
                 </c:pt>
                 <c:pt idx="64">
-                  <c:v>0.21601999999999999</c:v>
+                  <c:v>2.4213610000000001</c:v>
                 </c:pt>
                 <c:pt idx="65">
-                  <c:v>0.237785</c:v>
+                  <c:v>2.497544</c:v>
                 </c:pt>
                 <c:pt idx="66">
-                  <c:v>0.23191700000000001</c:v>
+                  <c:v>2.569512</c:v>
                 </c:pt>
                 <c:pt idx="67">
-                  <c:v>0.24149200000000001</c:v>
+                  <c:v>2.6453920000000002</c:v>
                 </c:pt>
                 <c:pt idx="68">
-                  <c:v>0.23896100000000001</c:v>
+                  <c:v>2.7217660000000001</c:v>
                 </c:pt>
                 <c:pt idx="69">
-                  <c:v>0.25364100000000001</c:v>
+                  <c:v>2.800173</c:v>
                 </c:pt>
                 <c:pt idx="70">
-                  <c:v>0.25866800000000001</c:v>
+                  <c:v>2.8772410000000002</c:v>
                 </c:pt>
                 <c:pt idx="71">
-                  <c:v>0.26712399999999997</c:v>
+                  <c:v>2.9599859999999998</c:v>
                 </c:pt>
                 <c:pt idx="72">
-                  <c:v>0.26544899999999999</c:v>
+                  <c:v>3.0401129999999998</c:v>
                 </c:pt>
                 <c:pt idx="73">
-                  <c:v>0.31218899999999999</c:v>
+                  <c:v>3.1213989999999998</c:v>
                 </c:pt>
                 <c:pt idx="74">
-                  <c:v>0.29234599999999999</c:v>
+                  <c:v>3.2032660000000002</c:v>
                 </c:pt>
                 <c:pt idx="75">
-                  <c:v>0.32764500000000002</c:v>
+                  <c:v>3.2851590000000002</c:v>
                 </c:pt>
                 <c:pt idx="76">
-                  <c:v>0.303981</c:v>
+                  <c:v>3.3712800000000001</c:v>
                 </c:pt>
                 <c:pt idx="77">
-                  <c:v>0.30186000000000002</c:v>
+                  <c:v>3.4556200000000001</c:v>
                 </c:pt>
                 <c:pt idx="78">
-                  <c:v>0.356769</c:v>
+                  <c:v>3.5444059999999999</c:v>
                 </c:pt>
                 <c:pt idx="79">
-                  <c:v>0.36682100000000001</c:v>
+                  <c:v>3.6338029999999999</c:v>
                 </c:pt>
                 <c:pt idx="80">
-                  <c:v>0.34741100000000003</c:v>
+                  <c:v>3.7237749999999998</c:v>
                 </c:pt>
                 <c:pt idx="81">
-                  <c:v>0.44373099999999999</c:v>
+                  <c:v>3.814489</c:v>
                 </c:pt>
                 <c:pt idx="82">
-                  <c:v>0.32436599999999999</c:v>
+                  <c:v>3.9039429999999999</c:v>
                 </c:pt>
                 <c:pt idx="83">
-                  <c:v>0.30685400000000002</c:v>
+                  <c:v>3.9975290000000001</c:v>
                 </c:pt>
                 <c:pt idx="84">
-                  <c:v>0.32619799999999999</c:v>
+                  <c:v>4.0945470000000004</c:v>
                 </c:pt>
                 <c:pt idx="85">
-                  <c:v>0.32226399999999999</c:v>
+                  <c:v>4.190817</c:v>
                 </c:pt>
                 <c:pt idx="86">
-                  <c:v>0.33118700000000001</c:v>
+                  <c:v>4.2820609999999997</c:v>
                 </c:pt>
                 <c:pt idx="87">
-                  <c:v>0.34716900000000001</c:v>
+                  <c:v>4.3752529999999998</c:v>
                 </c:pt>
                 <c:pt idx="88">
-                  <c:v>0.35181499999999999</c:v>
+                  <c:v>4.4745309999999998</c:v>
                 </c:pt>
                 <c:pt idx="89">
-                  <c:v>0.36592799999999998</c:v>
+                  <c:v>4.5738649999999996</c:v>
                 </c:pt>
                 <c:pt idx="90">
-                  <c:v>0.41245999999999999</c:v>
+                  <c:v>4.6712170000000004</c:v>
                 </c:pt>
                 <c:pt idx="91">
-                  <c:v>0.39502999999999999</c:v>
+                  <c:v>4.772996</c:v>
                 </c:pt>
                 <c:pt idx="92">
-                  <c:v>0.39658300000000002</c:v>
+                  <c:v>4.8718519999999996</c:v>
                 </c:pt>
                 <c:pt idx="93">
-                  <c:v>0.421402</c:v>
+                  <c:v>4.9762779999999998</c:v>
                 </c:pt>
                 <c:pt idx="94">
-                  <c:v>0.39761000000000002</c:v>
+                  <c:v>5.0807010000000004</c:v>
                 </c:pt>
                 <c:pt idx="95">
-                  <c:v>0.47868500000000003</c:v>
+                  <c:v>5.1913929999999997</c:v>
                 </c:pt>
                 <c:pt idx="96">
-                  <c:v>0.50126000000000004</c:v>
+                  <c:v>5.3087730000000004</c:v>
                 </c:pt>
                 <c:pt idx="97">
-                  <c:v>0.505718</c:v>
+                  <c:v>5.4124049999999997</c:v>
                 </c:pt>
                 <c:pt idx="98">
-                  <c:v>0.52115100000000003</c:v>
+                  <c:v>5.5228039999999998</c:v>
                 </c:pt>
                 <c:pt idx="99">
-                  <c:v>0.515602</c:v>
+                  <c:v>5.6293220000000002</c:v>
                 </c:pt>
                 <c:pt idx="100">
-                  <c:v>0.491317</c:v>
+                  <c:v>5.7460089999999999</c:v>
                 </c:pt>
                 <c:pt idx="101">
-                  <c:v>0.51462399999999997</c:v>
+                  <c:v>5.8533749999999998</c:v>
                 </c:pt>
                 <c:pt idx="102">
-                  <c:v>0.53321399999999997</c:v>
+                  <c:v>5.9708500000000004</c:v>
                 </c:pt>
                 <c:pt idx="103">
-                  <c:v>0.55968899999999999</c:v>
+                  <c:v>6.0801869999999996</c:v>
                 </c:pt>
                 <c:pt idx="104">
-                  <c:v>0.56430000000000002</c:v>
+                  <c:v>6.1981099999999998</c:v>
                 </c:pt>
                 <c:pt idx="105">
-                  <c:v>0.58325800000000005</c:v>
+                  <c:v>6.3142269999999998</c:v>
                 </c:pt>
                 <c:pt idx="106">
-                  <c:v>0.53368099999999996</c:v>
+                  <c:v>6.428623</c:v>
                 </c:pt>
                 <c:pt idx="107">
-                  <c:v>0.63942200000000005</c:v>
+                  <c:v>6.5461320000000001</c:v>
                 </c:pt>
                 <c:pt idx="108">
-                  <c:v>0.57174499999999995</c:v>
+                  <c:v>6.6668659999999997</c:v>
                 </c:pt>
                 <c:pt idx="109">
-                  <c:v>0.602607</c:v>
+                  <c:v>6.7904390000000001</c:v>
                 </c:pt>
                 <c:pt idx="110">
-                  <c:v>0.62565000000000004</c:v>
+                  <c:v>6.9137769999999996</c:v>
                 </c:pt>
                 <c:pt idx="111">
-                  <c:v>0.74398900000000001</c:v>
+                  <c:v>7.033404</c:v>
                 </c:pt>
                 <c:pt idx="112">
-                  <c:v>0.68699399999999999</c:v>
+                  <c:v>7.1646429999999999</c:v>
                 </c:pt>
                 <c:pt idx="113">
-                  <c:v>0.63615299999999997</c:v>
+                  <c:v>7.2851970000000001</c:v>
                 </c:pt>
                 <c:pt idx="114">
-                  <c:v>0.72870800000000002</c:v>
+                  <c:v>7.4144069999999997</c:v>
                 </c:pt>
                 <c:pt idx="115">
-                  <c:v>0.73454900000000001</c:v>
+                  <c:v>7.5443049999999996</c:v>
                 </c:pt>
                 <c:pt idx="116">
-                  <c:v>0.64986900000000003</c:v>
+                  <c:v>7.6714599999999997</c:v>
                 </c:pt>
                 <c:pt idx="117">
-                  <c:v>0.748749</c:v>
+                  <c:v>7.8037080000000003</c:v>
                 </c:pt>
                 <c:pt idx="118">
-                  <c:v>0.77440600000000004</c:v>
+                  <c:v>7.9333600000000004</c:v>
                 </c:pt>
                 <c:pt idx="119">
-                  <c:v>0.73661399999999999</c:v>
+                  <c:v>8.0686909999999994</c:v>
                 </c:pt>
                 <c:pt idx="120">
-                  <c:v>0.79103800000000002</c:v>
+                  <c:v>8.1965260000000004</c:v>
                 </c:pt>
                 <c:pt idx="121">
-                  <c:v>0.79961800000000005</c:v>
+                  <c:v>8.3291249999999994</c:v>
                 </c:pt>
                 <c:pt idx="122">
-                  <c:v>0.80533299999999997</c:v>
+                  <c:v>8.4668790000000005</c:v>
                 </c:pt>
                 <c:pt idx="123">
-                  <c:v>0.718005</c:v>
+                  <c:v>8.6037320000000008</c:v>
                 </c:pt>
                 <c:pt idx="124">
-                  <c:v>0.74662200000000001</c:v>
+                  <c:v>8.7341250000000006</c:v>
                 </c:pt>
                 <c:pt idx="125">
-                  <c:v>0.75450799999999996</c:v>
+                  <c:v>8.8801310000000004</c:v>
                 </c:pt>
                 <c:pt idx="126">
-                  <c:v>0.79516500000000001</c:v>
+                  <c:v>9.0159680000000009</c:v>
                 </c:pt>
                 <c:pt idx="127">
-                  <c:v>0.80733299999999997</c:v>
+                  <c:v>9.1628620000000005</c:v>
                 </c:pt>
                 <c:pt idx="128">
-                  <c:v>0.89602599999999999</c:v>
+                  <c:v>9.3054079999999999</c:v>
                 </c:pt>
                 <c:pt idx="129">
-                  <c:v>0.84573100000000001</c:v>
+                  <c:v>9.4483090000000001</c:v>
                 </c:pt>
                 <c:pt idx="130">
-                  <c:v>0.85931599999999997</c:v>
+                  <c:v>9.6040460000000003</c:v>
                 </c:pt>
                 <c:pt idx="131">
-                  <c:v>0.86712400000000001</c:v>
+                  <c:v>9.7503709999999995</c:v>
                 </c:pt>
                 <c:pt idx="132">
-                  <c:v>0.86774499999999999</c:v>
+                  <c:v>9.9005659999999995</c:v>
                 </c:pt>
                 <c:pt idx="133">
-                  <c:v>0.91493000000000002</c:v>
+                  <c:v>10.055937999999999</c:v>
                 </c:pt>
                 <c:pt idx="134">
-                  <c:v>1.000569</c:v>
+                  <c:v>10.202237</c:v>
                 </c:pt>
                 <c:pt idx="135">
-                  <c:v>0.87839800000000001</c:v>
+                  <c:v>10.356121999999999</c:v>
                 </c:pt>
                 <c:pt idx="136">
-                  <c:v>0.95200200000000001</c:v>
+                  <c:v>10.520743</c:v>
                 </c:pt>
                 <c:pt idx="137">
-                  <c:v>0.95305499999999999</c:v>
+                  <c:v>10.670252</c:v>
                 </c:pt>
                 <c:pt idx="138">
-                  <c:v>0.93725400000000003</c:v>
+                  <c:v>10.832087</c:v>
                 </c:pt>
                 <c:pt idx="139">
-                  <c:v>1.0494380000000001</c:v>
+                  <c:v>10.990861000000001</c:v>
                 </c:pt>
                 <c:pt idx="140">
-                  <c:v>1.0941970000000001</c:v>
+                  <c:v>11.152199</c:v>
                 </c:pt>
                 <c:pt idx="141">
-                  <c:v>1.117388</c:v>
+                  <c:v>11.306891</c:v>
                 </c:pt>
                 <c:pt idx="142">
-                  <c:v>1.0300579999999999</c:v>
+                  <c:v>11.466326</c:v>
                 </c:pt>
                 <c:pt idx="143">
-                  <c:v>1.334476</c:v>
+                  <c:v>11.637335999999999</c:v>
                 </c:pt>
                 <c:pt idx="144">
-                  <c:v>1.179738</c:v>
+                  <c:v>11.801653999999999</c:v>
                 </c:pt>
                 <c:pt idx="145">
-                  <c:v>1.138838</c:v>
+                  <c:v>11.961653</c:v>
                 </c:pt>
                 <c:pt idx="146">
-                  <c:v>1.0792550000000001</c:v>
+                  <c:v>12.133079</c:v>
                 </c:pt>
                 <c:pt idx="147">
-                  <c:v>1.211627</c:v>
+                  <c:v>12.303285000000001</c:v>
                 </c:pt>
                 <c:pt idx="148">
-                  <c:v>1.095078</c:v>
+                  <c:v>12.479513000000001</c:v>
                 </c:pt>
                 <c:pt idx="149">
-                  <c:v>1.146177</c:v>
+                  <c:v>12.641173999999999</c:v>
                 </c:pt>
                 <c:pt idx="150">
-                  <c:v>1.198985</c:v>
+                  <c:v>12.810394000000001</c:v>
                 </c:pt>
                 <c:pt idx="151">
-                  <c:v>1.257117</c:v>
+                  <c:v>12.982217</c:v>
                 </c:pt>
                 <c:pt idx="152">
-                  <c:v>1.140274</c:v>
+                  <c:v>13.162960999999999</c:v>
                 </c:pt>
                 <c:pt idx="153">
-                  <c:v>1.3610880000000001</c:v>
+                  <c:v>13.330683000000001</c:v>
                 </c:pt>
                 <c:pt idx="154">
-                  <c:v>1.1092249999999999</c:v>
+                  <c:v>13.512651999999999</c:v>
                 </c:pt>
                 <c:pt idx="155">
-                  <c:v>1.2129490000000001</c:v>
+                  <c:v>13.710893</c:v>
                 </c:pt>
                 <c:pt idx="156">
-                  <c:v>1.2111730000000001</c:v>
+                  <c:v>13.945686</c:v>
                 </c:pt>
                 <c:pt idx="157">
-                  <c:v>1.326559</c:v>
+                  <c:v>14.049588999999999</c:v>
                 </c:pt>
                 <c:pt idx="158">
-                  <c:v>1.400336</c:v>
+                  <c:v>14.224701</c:v>
                 </c:pt>
                 <c:pt idx="159">
-                  <c:v>1.2767679999999999</c:v>
+                  <c:v>14.405832999999999</c:v>
                 </c:pt>
                 <c:pt idx="160">
-                  <c:v>1.459133</c:v>
+                  <c:v>14.582152000000001</c:v>
                 </c:pt>
                 <c:pt idx="161">
-                  <c:v>1.6762379999999999</c:v>
+                  <c:v>14.765385</c:v>
                 </c:pt>
                 <c:pt idx="162">
-                  <c:v>1.438828</c:v>
+                  <c:v>14.948943999999999</c:v>
                 </c:pt>
                 <c:pt idx="163">
-                  <c:v>1.4821770000000001</c:v>
+                  <c:v>15.435947000000001</c:v>
                 </c:pt>
                 <c:pt idx="164">
-                  <c:v>1.1974370000000001</c:v>
+                  <c:v>15.339966</c:v>
                 </c:pt>
                 <c:pt idx="165">
-                  <c:v>1.2232430000000001</c:v>
+                  <c:v>15.537734</c:v>
                 </c:pt>
                 <c:pt idx="166">
-                  <c:v>1.2963499999999999</c:v>
+                  <c:v>15.887715</c:v>
                 </c:pt>
                 <c:pt idx="167">
-                  <c:v>1.260642</c:v>
+                  <c:v>15.903623</c:v>
                 </c:pt>
                 <c:pt idx="168">
-                  <c:v>1.2650950000000001</c:v>
+                  <c:v>16.086486000000001</c:v>
                 </c:pt>
                 <c:pt idx="169">
-                  <c:v>1.2948139999999999</c:v>
+                  <c:v>16.282532</c:v>
                 </c:pt>
                 <c:pt idx="170">
-                  <c:v>1.447778</c:v>
+                  <c:v>16.503717000000002</c:v>
                 </c:pt>
                 <c:pt idx="171">
-                  <c:v>1.307123</c:v>
+                  <c:v>16.721623999999998</c:v>
                 </c:pt>
                 <c:pt idx="172">
-                  <c:v>1.3027550000000001</c:v>
+                  <c:v>16.865738</c:v>
                 </c:pt>
                 <c:pt idx="173">
-                  <c:v>1.406242</c:v>
+                  <c:v>17.063227000000001</c:v>
                 </c:pt>
                 <c:pt idx="174">
-                  <c:v>1.405097</c:v>
+                  <c:v>17.252448999999999</c:v>
                 </c:pt>
                 <c:pt idx="175">
-                  <c:v>1.462372</c:v>
+                  <c:v>17.45927</c:v>
                 </c:pt>
                 <c:pt idx="176">
-                  <c:v>1.44631</c:v>
+                  <c:v>17.644976</c:v>
                 </c:pt>
                 <c:pt idx="177">
-                  <c:v>1.4504779999999999</c:v>
+                  <c:v>17.849132999999998</c:v>
                 </c:pt>
                 <c:pt idx="178">
-                  <c:v>1.5770679999999999</c:v>
+                  <c:v>18.050201000000001</c:v>
                 </c:pt>
                 <c:pt idx="179">
-                  <c:v>1.5608949999999999</c:v>
+                  <c:v>18.253834000000001</c:v>
                 </c:pt>
                 <c:pt idx="180">
-                  <c:v>1.4684729999999999</c:v>
+                  <c:v>18.464808999999999</c:v>
                 </c:pt>
                 <c:pt idx="181">
-                  <c:v>1.6672720000000001</c:v>
+                  <c:v>18.669391999999998</c:v>
                 </c:pt>
                 <c:pt idx="182">
-                  <c:v>1.670909</c:v>
+                  <c:v>18.885549000000001</c:v>
                 </c:pt>
                 <c:pt idx="183">
-                  <c:v>1.561269</c:v>
+                  <c:v>19.230634999999999</c:v>
                 </c:pt>
                 <c:pt idx="184">
-                  <c:v>1.6241730000000001</c:v>
+                  <c:v>19.324020999999998</c:v>
                 </c:pt>
                 <c:pt idx="185">
-                  <c:v>1.6535660000000001</c:v>
+                  <c:v>19.517906</c:v>
                 </c:pt>
                 <c:pt idx="186">
-                  <c:v>1.8530789999999999</c:v>
+                  <c:v>19.721347000000002</c:v>
                 </c:pt>
                 <c:pt idx="187">
-                  <c:v>1.8801319999999999</c:v>
+                  <c:v>19.926811000000001</c:v>
                 </c:pt>
                 <c:pt idx="188">
-                  <c:v>1.643602</c:v>
+                  <c:v>20.143201000000001</c:v>
                 </c:pt>
                 <c:pt idx="189">
-                  <c:v>1.826854</c:v>
+                  <c:v>20.360233999999998</c:v>
                 </c:pt>
                 <c:pt idx="190">
-                  <c:v>1.805113</c:v>
+                  <c:v>20.576239000000001</c:v>
                 </c:pt>
                 <c:pt idx="191">
-                  <c:v>1.874892</c:v>
+                  <c:v>20.801756999999998</c:v>
                 </c:pt>
                 <c:pt idx="192">
-                  <c:v>1.8228629999999999</c:v>
+                  <c:v>21.030003000000001</c:v>
                 </c:pt>
                 <c:pt idx="193">
-                  <c:v>1.9481710000000001</c:v>
+                  <c:v>21.224218</c:v>
                 </c:pt>
                 <c:pt idx="194">
-                  <c:v>1.794486</c:v>
+                  <c:v>21.468039000000001</c:v>
                 </c:pt>
                 <c:pt idx="195">
-                  <c:v>1.833572</c:v>
+                  <c:v>21.671966999999999</c:v>
                 </c:pt>
                 <c:pt idx="196">
-                  <c:v>2.067148</c:v>
+                  <c:v>21.909942999999998</c:v>
                 </c:pt>
                 <c:pt idx="197">
-                  <c:v>1.9826299999999999</c:v>
+                  <c:v>22.123484000000001</c:v>
                 </c:pt>
                 <c:pt idx="198">
-                  <c:v>2.0266220000000001</c:v>
+                  <c:v>22.35886</c:v>
                 </c:pt>
                 <c:pt idx="199">
-                  <c:v>2.0524290000000001</c:v>
+                  <c:v>22.617626000000001</c:v>
                 </c:pt>
               </c:numCache>
             </c:numRef>
@@ -4280,7 +3692,1258 @@
           <c:smooth val="0"/>
           <c:extLst>
             <c:ext xmlns:c16="http://schemas.microsoft.com/office/drawing/2014/chart" uri="{C3380CC4-5D6E-409C-BE32-E72D297353CC}">
-              <c16:uniqueId val="{00000001-0324-754A-BB0C-9CD09730FA93}"/>
+              <c16:uniqueId val="{00000001-505D-CB4B-9EC2-99EE2941739E}"/>
+            </c:ext>
+          </c:extLst>
+        </c:ser>
+        <c:ser>
+          <c:idx val="2"/>
+          <c:order val="2"/>
+          <c:tx>
+            <c:strRef>
+              <c:f>Tabelle1!$D$1</c:f>
+              <c:strCache>
+                <c:ptCount val="1"/>
+                <c:pt idx="0">
+                  <c:v>Schnell mit kompakter Matrix</c:v>
+                </c:pt>
+              </c:strCache>
+            </c:strRef>
+          </c:tx>
+          <c:spPr>
+            <a:ln w="28575" cap="rnd">
+              <a:solidFill>
+                <a:schemeClr val="accent3"/>
+              </a:solidFill>
+              <a:round/>
+            </a:ln>
+            <a:effectLst/>
+          </c:spPr>
+          <c:marker>
+            <c:symbol val="none"/>
+          </c:marker>
+          <c:cat>
+            <c:numRef>
+              <c:f>Tabelle1!$A$2:$A$201</c:f>
+              <c:numCache>
+                <c:formatCode>General</c:formatCode>
+                <c:ptCount val="200"/>
+                <c:pt idx="0">
+                  <c:v>0</c:v>
+                </c:pt>
+                <c:pt idx="1">
+                  <c:v>50</c:v>
+                </c:pt>
+                <c:pt idx="2">
+                  <c:v>100</c:v>
+                </c:pt>
+                <c:pt idx="3">
+                  <c:v>150</c:v>
+                </c:pt>
+                <c:pt idx="4">
+                  <c:v>200</c:v>
+                </c:pt>
+                <c:pt idx="5">
+                  <c:v>250</c:v>
+                </c:pt>
+                <c:pt idx="6">
+                  <c:v>300</c:v>
+                </c:pt>
+                <c:pt idx="7">
+                  <c:v>350</c:v>
+                </c:pt>
+                <c:pt idx="8">
+                  <c:v>400</c:v>
+                </c:pt>
+                <c:pt idx="9">
+                  <c:v>450</c:v>
+                </c:pt>
+                <c:pt idx="10">
+                  <c:v>500</c:v>
+                </c:pt>
+                <c:pt idx="11">
+                  <c:v>550</c:v>
+                </c:pt>
+                <c:pt idx="12">
+                  <c:v>600</c:v>
+                </c:pt>
+                <c:pt idx="13">
+                  <c:v>650</c:v>
+                </c:pt>
+                <c:pt idx="14">
+                  <c:v>700</c:v>
+                </c:pt>
+                <c:pt idx="15">
+                  <c:v>750</c:v>
+                </c:pt>
+                <c:pt idx="16">
+                  <c:v>800</c:v>
+                </c:pt>
+                <c:pt idx="17">
+                  <c:v>850</c:v>
+                </c:pt>
+                <c:pt idx="18">
+                  <c:v>900</c:v>
+                </c:pt>
+                <c:pt idx="19">
+                  <c:v>950</c:v>
+                </c:pt>
+                <c:pt idx="20">
+                  <c:v>1000</c:v>
+                </c:pt>
+                <c:pt idx="21">
+                  <c:v>1050</c:v>
+                </c:pt>
+                <c:pt idx="22">
+                  <c:v>1100</c:v>
+                </c:pt>
+                <c:pt idx="23">
+                  <c:v>1150</c:v>
+                </c:pt>
+                <c:pt idx="24">
+                  <c:v>1200</c:v>
+                </c:pt>
+                <c:pt idx="25">
+                  <c:v>1250</c:v>
+                </c:pt>
+                <c:pt idx="26">
+                  <c:v>1300</c:v>
+                </c:pt>
+                <c:pt idx="27">
+                  <c:v>1350</c:v>
+                </c:pt>
+                <c:pt idx="28">
+                  <c:v>1400</c:v>
+                </c:pt>
+                <c:pt idx="29">
+                  <c:v>1450</c:v>
+                </c:pt>
+                <c:pt idx="30">
+                  <c:v>1500</c:v>
+                </c:pt>
+                <c:pt idx="31">
+                  <c:v>1550</c:v>
+                </c:pt>
+                <c:pt idx="32">
+                  <c:v>1600</c:v>
+                </c:pt>
+                <c:pt idx="33">
+                  <c:v>1650</c:v>
+                </c:pt>
+                <c:pt idx="34">
+                  <c:v>1700</c:v>
+                </c:pt>
+                <c:pt idx="35">
+                  <c:v>1750</c:v>
+                </c:pt>
+                <c:pt idx="36">
+                  <c:v>1800</c:v>
+                </c:pt>
+                <c:pt idx="37">
+                  <c:v>1850</c:v>
+                </c:pt>
+                <c:pt idx="38">
+                  <c:v>1900</c:v>
+                </c:pt>
+                <c:pt idx="39">
+                  <c:v>1950</c:v>
+                </c:pt>
+                <c:pt idx="40">
+                  <c:v>2000</c:v>
+                </c:pt>
+                <c:pt idx="41">
+                  <c:v>2050</c:v>
+                </c:pt>
+                <c:pt idx="42">
+                  <c:v>2100</c:v>
+                </c:pt>
+                <c:pt idx="43">
+                  <c:v>2150</c:v>
+                </c:pt>
+                <c:pt idx="44">
+                  <c:v>2200</c:v>
+                </c:pt>
+                <c:pt idx="45">
+                  <c:v>2250</c:v>
+                </c:pt>
+                <c:pt idx="46">
+                  <c:v>2300</c:v>
+                </c:pt>
+                <c:pt idx="47">
+                  <c:v>2350</c:v>
+                </c:pt>
+                <c:pt idx="48">
+                  <c:v>2400</c:v>
+                </c:pt>
+                <c:pt idx="49">
+                  <c:v>2450</c:v>
+                </c:pt>
+                <c:pt idx="50">
+                  <c:v>2500</c:v>
+                </c:pt>
+                <c:pt idx="51">
+                  <c:v>2550</c:v>
+                </c:pt>
+                <c:pt idx="52">
+                  <c:v>2600</c:v>
+                </c:pt>
+                <c:pt idx="53">
+                  <c:v>2650</c:v>
+                </c:pt>
+                <c:pt idx="54">
+                  <c:v>2700</c:v>
+                </c:pt>
+                <c:pt idx="55">
+                  <c:v>2750</c:v>
+                </c:pt>
+                <c:pt idx="56">
+                  <c:v>2800</c:v>
+                </c:pt>
+                <c:pt idx="57">
+                  <c:v>2850</c:v>
+                </c:pt>
+                <c:pt idx="58">
+                  <c:v>2900</c:v>
+                </c:pt>
+                <c:pt idx="59">
+                  <c:v>2950</c:v>
+                </c:pt>
+                <c:pt idx="60">
+                  <c:v>3000</c:v>
+                </c:pt>
+                <c:pt idx="61">
+                  <c:v>3050</c:v>
+                </c:pt>
+                <c:pt idx="62">
+                  <c:v>3100</c:v>
+                </c:pt>
+                <c:pt idx="63">
+                  <c:v>3150</c:v>
+                </c:pt>
+                <c:pt idx="64">
+                  <c:v>3200</c:v>
+                </c:pt>
+                <c:pt idx="65">
+                  <c:v>3250</c:v>
+                </c:pt>
+                <c:pt idx="66">
+                  <c:v>3300</c:v>
+                </c:pt>
+                <c:pt idx="67">
+                  <c:v>3350</c:v>
+                </c:pt>
+                <c:pt idx="68">
+                  <c:v>3400</c:v>
+                </c:pt>
+                <c:pt idx="69">
+                  <c:v>3450</c:v>
+                </c:pt>
+                <c:pt idx="70">
+                  <c:v>3500</c:v>
+                </c:pt>
+                <c:pt idx="71">
+                  <c:v>3550</c:v>
+                </c:pt>
+                <c:pt idx="72">
+                  <c:v>3600</c:v>
+                </c:pt>
+                <c:pt idx="73">
+                  <c:v>3650</c:v>
+                </c:pt>
+                <c:pt idx="74">
+                  <c:v>3700</c:v>
+                </c:pt>
+                <c:pt idx="75">
+                  <c:v>3750</c:v>
+                </c:pt>
+                <c:pt idx="76">
+                  <c:v>3800</c:v>
+                </c:pt>
+                <c:pt idx="77">
+                  <c:v>3850</c:v>
+                </c:pt>
+                <c:pt idx="78">
+                  <c:v>3900</c:v>
+                </c:pt>
+                <c:pt idx="79">
+                  <c:v>3950</c:v>
+                </c:pt>
+                <c:pt idx="80">
+                  <c:v>4000</c:v>
+                </c:pt>
+                <c:pt idx="81">
+                  <c:v>4050</c:v>
+                </c:pt>
+                <c:pt idx="82">
+                  <c:v>4100</c:v>
+                </c:pt>
+                <c:pt idx="83">
+                  <c:v>4150</c:v>
+                </c:pt>
+                <c:pt idx="84">
+                  <c:v>4200</c:v>
+                </c:pt>
+                <c:pt idx="85">
+                  <c:v>4250</c:v>
+                </c:pt>
+                <c:pt idx="86">
+                  <c:v>4300</c:v>
+                </c:pt>
+                <c:pt idx="87">
+                  <c:v>4350</c:v>
+                </c:pt>
+                <c:pt idx="88">
+                  <c:v>4400</c:v>
+                </c:pt>
+                <c:pt idx="89">
+                  <c:v>4450</c:v>
+                </c:pt>
+                <c:pt idx="90">
+                  <c:v>4500</c:v>
+                </c:pt>
+                <c:pt idx="91">
+                  <c:v>4550</c:v>
+                </c:pt>
+                <c:pt idx="92">
+                  <c:v>4600</c:v>
+                </c:pt>
+                <c:pt idx="93">
+                  <c:v>4650</c:v>
+                </c:pt>
+                <c:pt idx="94">
+                  <c:v>4700</c:v>
+                </c:pt>
+                <c:pt idx="95">
+                  <c:v>4750</c:v>
+                </c:pt>
+                <c:pt idx="96">
+                  <c:v>4800</c:v>
+                </c:pt>
+                <c:pt idx="97">
+                  <c:v>4850</c:v>
+                </c:pt>
+                <c:pt idx="98">
+                  <c:v>4900</c:v>
+                </c:pt>
+                <c:pt idx="99">
+                  <c:v>4950</c:v>
+                </c:pt>
+                <c:pt idx="100">
+                  <c:v>5000</c:v>
+                </c:pt>
+                <c:pt idx="101">
+                  <c:v>5050</c:v>
+                </c:pt>
+                <c:pt idx="102">
+                  <c:v>5100</c:v>
+                </c:pt>
+                <c:pt idx="103">
+                  <c:v>5150</c:v>
+                </c:pt>
+                <c:pt idx="104">
+                  <c:v>5200</c:v>
+                </c:pt>
+                <c:pt idx="105">
+                  <c:v>5250</c:v>
+                </c:pt>
+                <c:pt idx="106">
+                  <c:v>5300</c:v>
+                </c:pt>
+                <c:pt idx="107">
+                  <c:v>5350</c:v>
+                </c:pt>
+                <c:pt idx="108">
+                  <c:v>5400</c:v>
+                </c:pt>
+                <c:pt idx="109">
+                  <c:v>5450</c:v>
+                </c:pt>
+                <c:pt idx="110">
+                  <c:v>5500</c:v>
+                </c:pt>
+                <c:pt idx="111">
+                  <c:v>5550</c:v>
+                </c:pt>
+                <c:pt idx="112">
+                  <c:v>5600</c:v>
+                </c:pt>
+                <c:pt idx="113">
+                  <c:v>5650</c:v>
+                </c:pt>
+                <c:pt idx="114">
+                  <c:v>5700</c:v>
+                </c:pt>
+                <c:pt idx="115">
+                  <c:v>5750</c:v>
+                </c:pt>
+                <c:pt idx="116">
+                  <c:v>5800</c:v>
+                </c:pt>
+                <c:pt idx="117">
+                  <c:v>5850</c:v>
+                </c:pt>
+                <c:pt idx="118">
+                  <c:v>5900</c:v>
+                </c:pt>
+                <c:pt idx="119">
+                  <c:v>5950</c:v>
+                </c:pt>
+                <c:pt idx="120">
+                  <c:v>6000</c:v>
+                </c:pt>
+                <c:pt idx="121">
+                  <c:v>6050</c:v>
+                </c:pt>
+                <c:pt idx="122">
+                  <c:v>6100</c:v>
+                </c:pt>
+                <c:pt idx="123">
+                  <c:v>6150</c:v>
+                </c:pt>
+                <c:pt idx="124">
+                  <c:v>6200</c:v>
+                </c:pt>
+                <c:pt idx="125">
+                  <c:v>6250</c:v>
+                </c:pt>
+                <c:pt idx="126">
+                  <c:v>6300</c:v>
+                </c:pt>
+                <c:pt idx="127">
+                  <c:v>6350</c:v>
+                </c:pt>
+                <c:pt idx="128">
+                  <c:v>6400</c:v>
+                </c:pt>
+                <c:pt idx="129">
+                  <c:v>6450</c:v>
+                </c:pt>
+                <c:pt idx="130">
+                  <c:v>6500</c:v>
+                </c:pt>
+                <c:pt idx="131">
+                  <c:v>6550</c:v>
+                </c:pt>
+                <c:pt idx="132">
+                  <c:v>6600</c:v>
+                </c:pt>
+                <c:pt idx="133">
+                  <c:v>6650</c:v>
+                </c:pt>
+                <c:pt idx="134">
+                  <c:v>6700</c:v>
+                </c:pt>
+                <c:pt idx="135">
+                  <c:v>6750</c:v>
+                </c:pt>
+                <c:pt idx="136">
+                  <c:v>6800</c:v>
+                </c:pt>
+                <c:pt idx="137">
+                  <c:v>6850</c:v>
+                </c:pt>
+                <c:pt idx="138">
+                  <c:v>6900</c:v>
+                </c:pt>
+                <c:pt idx="139">
+                  <c:v>6950</c:v>
+                </c:pt>
+                <c:pt idx="140">
+                  <c:v>7000</c:v>
+                </c:pt>
+                <c:pt idx="141">
+                  <c:v>7050</c:v>
+                </c:pt>
+                <c:pt idx="142">
+                  <c:v>7100</c:v>
+                </c:pt>
+                <c:pt idx="143">
+                  <c:v>7150</c:v>
+                </c:pt>
+                <c:pt idx="144">
+                  <c:v>7200</c:v>
+                </c:pt>
+                <c:pt idx="145">
+                  <c:v>7250</c:v>
+                </c:pt>
+                <c:pt idx="146">
+                  <c:v>7300</c:v>
+                </c:pt>
+                <c:pt idx="147">
+                  <c:v>7350</c:v>
+                </c:pt>
+                <c:pt idx="148">
+                  <c:v>7400</c:v>
+                </c:pt>
+                <c:pt idx="149">
+                  <c:v>7450</c:v>
+                </c:pt>
+                <c:pt idx="150">
+                  <c:v>7500</c:v>
+                </c:pt>
+                <c:pt idx="151">
+                  <c:v>7550</c:v>
+                </c:pt>
+                <c:pt idx="152">
+                  <c:v>7600</c:v>
+                </c:pt>
+                <c:pt idx="153">
+                  <c:v>7650</c:v>
+                </c:pt>
+                <c:pt idx="154">
+                  <c:v>7700</c:v>
+                </c:pt>
+                <c:pt idx="155">
+                  <c:v>7750</c:v>
+                </c:pt>
+                <c:pt idx="156">
+                  <c:v>7800</c:v>
+                </c:pt>
+                <c:pt idx="157">
+                  <c:v>7850</c:v>
+                </c:pt>
+                <c:pt idx="158">
+                  <c:v>7900</c:v>
+                </c:pt>
+                <c:pt idx="159">
+                  <c:v>7950</c:v>
+                </c:pt>
+                <c:pt idx="160">
+                  <c:v>8000</c:v>
+                </c:pt>
+                <c:pt idx="161">
+                  <c:v>8050</c:v>
+                </c:pt>
+                <c:pt idx="162">
+                  <c:v>8100</c:v>
+                </c:pt>
+                <c:pt idx="163">
+                  <c:v>8150</c:v>
+                </c:pt>
+                <c:pt idx="164">
+                  <c:v>8200</c:v>
+                </c:pt>
+                <c:pt idx="165">
+                  <c:v>8250</c:v>
+                </c:pt>
+                <c:pt idx="166">
+                  <c:v>8300</c:v>
+                </c:pt>
+                <c:pt idx="167">
+                  <c:v>8350</c:v>
+                </c:pt>
+                <c:pt idx="168">
+                  <c:v>8400</c:v>
+                </c:pt>
+                <c:pt idx="169">
+                  <c:v>8450</c:v>
+                </c:pt>
+                <c:pt idx="170">
+                  <c:v>8500</c:v>
+                </c:pt>
+                <c:pt idx="171">
+                  <c:v>8550</c:v>
+                </c:pt>
+                <c:pt idx="172">
+                  <c:v>8600</c:v>
+                </c:pt>
+                <c:pt idx="173">
+                  <c:v>8650</c:v>
+                </c:pt>
+                <c:pt idx="174">
+                  <c:v>8700</c:v>
+                </c:pt>
+                <c:pt idx="175">
+                  <c:v>8750</c:v>
+                </c:pt>
+                <c:pt idx="176">
+                  <c:v>8800</c:v>
+                </c:pt>
+                <c:pt idx="177">
+                  <c:v>8850</c:v>
+                </c:pt>
+                <c:pt idx="178">
+                  <c:v>8900</c:v>
+                </c:pt>
+                <c:pt idx="179">
+                  <c:v>8950</c:v>
+                </c:pt>
+                <c:pt idx="180">
+                  <c:v>9000</c:v>
+                </c:pt>
+                <c:pt idx="181">
+                  <c:v>9050</c:v>
+                </c:pt>
+                <c:pt idx="182">
+                  <c:v>9100</c:v>
+                </c:pt>
+                <c:pt idx="183">
+                  <c:v>9150</c:v>
+                </c:pt>
+                <c:pt idx="184">
+                  <c:v>9200</c:v>
+                </c:pt>
+                <c:pt idx="185">
+                  <c:v>9250</c:v>
+                </c:pt>
+                <c:pt idx="186">
+                  <c:v>9300</c:v>
+                </c:pt>
+                <c:pt idx="187">
+                  <c:v>9350</c:v>
+                </c:pt>
+                <c:pt idx="188">
+                  <c:v>9400</c:v>
+                </c:pt>
+                <c:pt idx="189">
+                  <c:v>9450</c:v>
+                </c:pt>
+                <c:pt idx="190">
+                  <c:v>9500</c:v>
+                </c:pt>
+                <c:pt idx="191">
+                  <c:v>9550</c:v>
+                </c:pt>
+                <c:pt idx="192">
+                  <c:v>9600</c:v>
+                </c:pt>
+                <c:pt idx="193">
+                  <c:v>9650</c:v>
+                </c:pt>
+                <c:pt idx="194">
+                  <c:v>9700</c:v>
+                </c:pt>
+                <c:pt idx="195">
+                  <c:v>9750</c:v>
+                </c:pt>
+                <c:pt idx="196">
+                  <c:v>9800</c:v>
+                </c:pt>
+                <c:pt idx="197">
+                  <c:v>9850</c:v>
+                </c:pt>
+                <c:pt idx="198">
+                  <c:v>9900</c:v>
+                </c:pt>
+                <c:pt idx="199">
+                  <c:v>9950</c:v>
+                </c:pt>
+              </c:numCache>
+            </c:numRef>
+          </c:cat>
+          <c:val>
+            <c:numRef>
+              <c:f>Tabelle1!$D$2:$D$201</c:f>
+              <c:numCache>
+                <c:formatCode>General</c:formatCode>
+                <c:ptCount val="200"/>
+                <c:pt idx="0">
+                  <c:v>1.22E-4</c:v>
+                </c:pt>
+                <c:pt idx="1">
+                  <c:v>1.464E-3</c:v>
+                </c:pt>
+                <c:pt idx="2">
+                  <c:v>1.748E-3</c:v>
+                </c:pt>
+                <c:pt idx="3">
+                  <c:v>2.1610000000000002E-3</c:v>
+                </c:pt>
+                <c:pt idx="4">
+                  <c:v>2.1090000000000002E-3</c:v>
+                </c:pt>
+                <c:pt idx="5">
+                  <c:v>2.8509999999999998E-3</c:v>
+                </c:pt>
+                <c:pt idx="6">
+                  <c:v>2.7789999999999998E-3</c:v>
+                </c:pt>
+                <c:pt idx="7">
+                  <c:v>3.3519999999999999E-3</c:v>
+                </c:pt>
+                <c:pt idx="8">
+                  <c:v>3.0300000000000001E-3</c:v>
+                </c:pt>
+                <c:pt idx="9">
+                  <c:v>3.395E-3</c:v>
+                </c:pt>
+                <c:pt idx="10">
+                  <c:v>4.0969999999999999E-3</c:v>
+                </c:pt>
+                <c:pt idx="11">
+                  <c:v>4.0070000000000001E-3</c:v>
+                </c:pt>
+                <c:pt idx="12">
+                  <c:v>4.2810000000000001E-3</c:v>
+                </c:pt>
+                <c:pt idx="13">
+                  <c:v>4.6189999999999998E-3</c:v>
+                </c:pt>
+                <c:pt idx="14">
+                  <c:v>5.365E-3</c:v>
+                </c:pt>
+                <c:pt idx="15">
+                  <c:v>5.9509999999999997E-3</c:v>
+                </c:pt>
+                <c:pt idx="16">
+                  <c:v>5.4270000000000004E-3</c:v>
+                </c:pt>
+                <c:pt idx="17">
+                  <c:v>6.3509999999999999E-3</c:v>
+                </c:pt>
+                <c:pt idx="18">
+                  <c:v>6.5519999999999997E-3</c:v>
+                </c:pt>
+                <c:pt idx="19">
+                  <c:v>7.6410000000000002E-3</c:v>
+                </c:pt>
+                <c:pt idx="20">
+                  <c:v>8.2430000000000003E-3</c:v>
+                </c:pt>
+                <c:pt idx="21">
+                  <c:v>7.7140000000000004E-3</c:v>
+                </c:pt>
+                <c:pt idx="22">
+                  <c:v>8.5159999999999993E-3</c:v>
+                </c:pt>
+                <c:pt idx="23">
+                  <c:v>9.8219999999999991E-3</c:v>
+                </c:pt>
+                <c:pt idx="24">
+                  <c:v>9.9640000000000006E-3</c:v>
+                </c:pt>
+                <c:pt idx="25">
+                  <c:v>1.0838E-2</c:v>
+                </c:pt>
+                <c:pt idx="26">
+                  <c:v>1.1365E-2</c:v>
+                </c:pt>
+                <c:pt idx="27">
+                  <c:v>1.2489E-2</c:v>
+                </c:pt>
+                <c:pt idx="28">
+                  <c:v>1.3636000000000001E-2</c:v>
+                </c:pt>
+                <c:pt idx="29">
+                  <c:v>1.4304000000000001E-2</c:v>
+                </c:pt>
+                <c:pt idx="30">
+                  <c:v>1.5813000000000001E-2</c:v>
+                </c:pt>
+                <c:pt idx="31">
+                  <c:v>1.5403999999999999E-2</c:v>
+                </c:pt>
+                <c:pt idx="32">
+                  <c:v>1.6542999999999999E-2</c:v>
+                </c:pt>
+                <c:pt idx="33">
+                  <c:v>1.7927999999999999E-2</c:v>
+                </c:pt>
+                <c:pt idx="34">
+                  <c:v>1.9043999999999998E-2</c:v>
+                </c:pt>
+                <c:pt idx="35">
+                  <c:v>3.4040000000000001E-2</c:v>
+                </c:pt>
+                <c:pt idx="36">
+                  <c:v>3.7546999999999997E-2</c:v>
+                </c:pt>
+                <c:pt idx="37">
+                  <c:v>2.3854E-2</c:v>
+                </c:pt>
+                <c:pt idx="38">
+                  <c:v>3.7335E-2</c:v>
+                </c:pt>
+                <c:pt idx="39">
+                  <c:v>4.2675999999999999E-2</c:v>
+                </c:pt>
+                <c:pt idx="40">
+                  <c:v>3.3475999999999999E-2</c:v>
+                </c:pt>
+                <c:pt idx="41">
+                  <c:v>3.4872E-2</c:v>
+                </c:pt>
+                <c:pt idx="42">
+                  <c:v>2.8608000000000001E-2</c:v>
+                </c:pt>
+                <c:pt idx="43">
+                  <c:v>4.1921E-2</c:v>
+                </c:pt>
+                <c:pt idx="44">
+                  <c:v>4.5934000000000003E-2</c:v>
+                </c:pt>
+                <c:pt idx="45">
+                  <c:v>5.2634E-2</c:v>
+                </c:pt>
+                <c:pt idx="46">
+                  <c:v>5.7790000000000001E-2</c:v>
+                </c:pt>
+                <c:pt idx="47">
+                  <c:v>6.1133E-2</c:v>
+                </c:pt>
+                <c:pt idx="48">
+                  <c:v>6.1064E-2</c:v>
+                </c:pt>
+                <c:pt idx="49">
+                  <c:v>5.9513999999999997E-2</c:v>
+                </c:pt>
+                <c:pt idx="50">
+                  <c:v>7.3735999999999996E-2</c:v>
+                </c:pt>
+                <c:pt idx="51">
+                  <c:v>7.0220000000000005E-2</c:v>
+                </c:pt>
+                <c:pt idx="52">
+                  <c:v>7.8399999999999997E-2</c:v>
+                </c:pt>
+                <c:pt idx="53">
+                  <c:v>8.5932999999999995E-2</c:v>
+                </c:pt>
+                <c:pt idx="54">
+                  <c:v>9.1503000000000001E-2</c:v>
+                </c:pt>
+                <c:pt idx="55">
+                  <c:v>8.9242000000000002E-2</c:v>
+                </c:pt>
+                <c:pt idx="56">
+                  <c:v>9.6919000000000005E-2</c:v>
+                </c:pt>
+                <c:pt idx="57">
+                  <c:v>9.5782000000000006E-2</c:v>
+                </c:pt>
+                <c:pt idx="58">
+                  <c:v>0.104673</c:v>
+                </c:pt>
+                <c:pt idx="59">
+                  <c:v>0.109152</c:v>
+                </c:pt>
+                <c:pt idx="60">
+                  <c:v>0.121535</c:v>
+                </c:pt>
+                <c:pt idx="61">
+                  <c:v>0.12645300000000001</c:v>
+                </c:pt>
+                <c:pt idx="62">
+                  <c:v>0.12009599999999999</c:v>
+                </c:pt>
+                <c:pt idx="63">
+                  <c:v>0.123198</c:v>
+                </c:pt>
+                <c:pt idx="64">
+                  <c:v>0.132025</c:v>
+                </c:pt>
+                <c:pt idx="65">
+                  <c:v>0.138456</c:v>
+                </c:pt>
+                <c:pt idx="66">
+                  <c:v>0.15056800000000001</c:v>
+                </c:pt>
+                <c:pt idx="67">
+                  <c:v>0.144288</c:v>
+                </c:pt>
+                <c:pt idx="68">
+                  <c:v>0.15170800000000001</c:v>
+                </c:pt>
+                <c:pt idx="69">
+                  <c:v>0.15856100000000001</c:v>
+                </c:pt>
+                <c:pt idx="70">
+                  <c:v>0.16738500000000001</c:v>
+                </c:pt>
+                <c:pt idx="71">
+                  <c:v>0.172819</c:v>
+                </c:pt>
+                <c:pt idx="72">
+                  <c:v>0.177588</c:v>
+                </c:pt>
+                <c:pt idx="73">
+                  <c:v>0.18950500000000001</c:v>
+                </c:pt>
+                <c:pt idx="74">
+                  <c:v>0.18936500000000001</c:v>
+                </c:pt>
+                <c:pt idx="75">
+                  <c:v>0.19882</c:v>
+                </c:pt>
+                <c:pt idx="76">
+                  <c:v>0.21130499999999999</c:v>
+                </c:pt>
+                <c:pt idx="77">
+                  <c:v>0.20874400000000001</c:v>
+                </c:pt>
+                <c:pt idx="78">
+                  <c:v>0.2225</c:v>
+                </c:pt>
+                <c:pt idx="79">
+                  <c:v>0.22695499999999999</c:v>
+                </c:pt>
+                <c:pt idx="80">
+                  <c:v>0.235628</c:v>
+                </c:pt>
+                <c:pt idx="81">
+                  <c:v>0.24603</c:v>
+                </c:pt>
+                <c:pt idx="82">
+                  <c:v>0.201906</c:v>
+                </c:pt>
+                <c:pt idx="83">
+                  <c:v>0.20977599999999999</c:v>
+                </c:pt>
+                <c:pt idx="84">
+                  <c:v>0.211589</c:v>
+                </c:pt>
+                <c:pt idx="85">
+                  <c:v>0.22423699999999999</c:v>
+                </c:pt>
+                <c:pt idx="86">
+                  <c:v>0.22861000000000001</c:v>
+                </c:pt>
+                <c:pt idx="87">
+                  <c:v>0.23897099999999999</c:v>
+                </c:pt>
+                <c:pt idx="88">
+                  <c:v>0.24376100000000001</c:v>
+                </c:pt>
+                <c:pt idx="89">
+                  <c:v>0.25193100000000002</c:v>
+                </c:pt>
+                <c:pt idx="90">
+                  <c:v>0.26179000000000002</c:v>
+                </c:pt>
+                <c:pt idx="91">
+                  <c:v>0.27542800000000001</c:v>
+                </c:pt>
+                <c:pt idx="92">
+                  <c:v>0.28637200000000002</c:v>
+                </c:pt>
+                <c:pt idx="93">
+                  <c:v>0.285271</c:v>
+                </c:pt>
+                <c:pt idx="94">
+                  <c:v>0.29619899999999999</c:v>
+                </c:pt>
+                <c:pt idx="95">
+                  <c:v>0.312697</c:v>
+                </c:pt>
+                <c:pt idx="96">
+                  <c:v>0.31331700000000001</c:v>
+                </c:pt>
+                <c:pt idx="97">
+                  <c:v>0.32818599999999998</c:v>
+                </c:pt>
+                <c:pt idx="98">
+                  <c:v>0.33199899999999999</c:v>
+                </c:pt>
+                <c:pt idx="99">
+                  <c:v>0.346474</c:v>
+                </c:pt>
+                <c:pt idx="100">
+                  <c:v>0.35108400000000001</c:v>
+                </c:pt>
+                <c:pt idx="101">
+                  <c:v>0.35897400000000002</c:v>
+                </c:pt>
+                <c:pt idx="102">
+                  <c:v>0.368529</c:v>
+                </c:pt>
+                <c:pt idx="103">
+                  <c:v>0.36743799999999999</c:v>
+                </c:pt>
+                <c:pt idx="104">
+                  <c:v>0.38458900000000001</c:v>
+                </c:pt>
+                <c:pt idx="105">
+                  <c:v>0.382909</c:v>
+                </c:pt>
+                <c:pt idx="106">
+                  <c:v>0.392646</c:v>
+                </c:pt>
+                <c:pt idx="107">
+                  <c:v>0.41661300000000001</c:v>
+                </c:pt>
+                <c:pt idx="108">
+                  <c:v>0.42155399999999998</c:v>
+                </c:pt>
+                <c:pt idx="109">
+                  <c:v>0.42875000000000002</c:v>
+                </c:pt>
+                <c:pt idx="110">
+                  <c:v>0.44335599999999997</c:v>
+                </c:pt>
+                <c:pt idx="111">
+                  <c:v>0.45485799999999998</c:v>
+                </c:pt>
+                <c:pt idx="112">
+                  <c:v>0.46344000000000002</c:v>
+                </c:pt>
+                <c:pt idx="113">
+                  <c:v>0.46654499999999999</c:v>
+                </c:pt>
+                <c:pt idx="114">
+                  <c:v>0.47379900000000003</c:v>
+                </c:pt>
+                <c:pt idx="115">
+                  <c:v>0.48699399999999998</c:v>
+                </c:pt>
+                <c:pt idx="116">
+                  <c:v>0.49004700000000001</c:v>
+                </c:pt>
+                <c:pt idx="117">
+                  <c:v>0.50777799999999995</c:v>
+                </c:pt>
+                <c:pt idx="118">
+                  <c:v>0.51633600000000002</c:v>
+                </c:pt>
+                <c:pt idx="119">
+                  <c:v>0.53098100000000004</c:v>
+                </c:pt>
+                <c:pt idx="120">
+                  <c:v>0.54088499999999995</c:v>
+                </c:pt>
+                <c:pt idx="121">
+                  <c:v>0.551566</c:v>
+                </c:pt>
+                <c:pt idx="122">
+                  <c:v>0.57806299999999999</c:v>
+                </c:pt>
+                <c:pt idx="123">
+                  <c:v>0.53498500000000004</c:v>
+                </c:pt>
+                <c:pt idx="124">
+                  <c:v>0.53959299999999999</c:v>
+                </c:pt>
+                <c:pt idx="125">
+                  <c:v>0.54682299999999995</c:v>
+                </c:pt>
+                <c:pt idx="126">
+                  <c:v>0.56618800000000002</c:v>
+                </c:pt>
+                <c:pt idx="127">
+                  <c:v>0.57846900000000001</c:v>
+                </c:pt>
+                <c:pt idx="128">
+                  <c:v>0.59072100000000005</c:v>
+                </c:pt>
+                <c:pt idx="129">
+                  <c:v>0.60942799999999997</c:v>
+                </c:pt>
+                <c:pt idx="130">
+                  <c:v>0.61504099999999995</c:v>
+                </c:pt>
+                <c:pt idx="131">
+                  <c:v>0.63115900000000003</c:v>
+                </c:pt>
+                <c:pt idx="132">
+                  <c:v>0.63809899999999997</c:v>
+                </c:pt>
+                <c:pt idx="133">
+                  <c:v>0.67101299999999997</c:v>
+                </c:pt>
+                <c:pt idx="134">
+                  <c:v>0.66178199999999998</c:v>
+                </c:pt>
+                <c:pt idx="135">
+                  <c:v>0.69599299999999997</c:v>
+                </c:pt>
+                <c:pt idx="136">
+                  <c:v>0.69994400000000001</c:v>
+                </c:pt>
+                <c:pt idx="137">
+                  <c:v>0.70040599999999997</c:v>
+                </c:pt>
+                <c:pt idx="138">
+                  <c:v>0.71055500000000005</c:v>
+                </c:pt>
+                <c:pt idx="139">
+                  <c:v>0.73916400000000004</c:v>
+                </c:pt>
+                <c:pt idx="140">
+                  <c:v>0.73832600000000004</c:v>
+                </c:pt>
+                <c:pt idx="141">
+                  <c:v>0.75651100000000004</c:v>
+                </c:pt>
+                <c:pt idx="142">
+                  <c:v>0.76292599999999999</c:v>
+                </c:pt>
+                <c:pt idx="143">
+                  <c:v>0.78769599999999995</c:v>
+                </c:pt>
+                <c:pt idx="144">
+                  <c:v>0.77720699999999998</c:v>
+                </c:pt>
+                <c:pt idx="145">
+                  <c:v>0.80383099999999996</c:v>
+                </c:pt>
+                <c:pt idx="146">
+                  <c:v>0.83640499999999995</c:v>
+                </c:pt>
+                <c:pt idx="147">
+                  <c:v>0.82626100000000002</c:v>
+                </c:pt>
+                <c:pt idx="148">
+                  <c:v>0.83663399999999999</c:v>
+                </c:pt>
+                <c:pt idx="149">
+                  <c:v>0.85465100000000005</c:v>
+                </c:pt>
+                <c:pt idx="150">
+                  <c:v>0.87790800000000002</c:v>
+                </c:pt>
+                <c:pt idx="151">
+                  <c:v>0.88672499999999999</c:v>
+                </c:pt>
+                <c:pt idx="152">
+                  <c:v>0.90060700000000005</c:v>
+                </c:pt>
+                <c:pt idx="153">
+                  <c:v>0.91952699999999998</c:v>
+                </c:pt>
+                <c:pt idx="154">
+                  <c:v>0.91734599999999999</c:v>
+                </c:pt>
+                <c:pt idx="155">
+                  <c:v>1.0535019999999999</c:v>
+                </c:pt>
+                <c:pt idx="156">
+                  <c:v>0.94962899999999995</c:v>
+                </c:pt>
+                <c:pt idx="157">
+                  <c:v>0.95687599999999995</c:v>
+                </c:pt>
+                <c:pt idx="158">
+                  <c:v>0.99297899999999995</c:v>
+                </c:pt>
+                <c:pt idx="159">
+                  <c:v>1.038791</c:v>
+                </c:pt>
+                <c:pt idx="160">
+                  <c:v>1.0168250000000001</c:v>
+                </c:pt>
+                <c:pt idx="161">
+                  <c:v>1.0328189999999999</c:v>
+                </c:pt>
+                <c:pt idx="162">
+                  <c:v>1.04589</c:v>
+                </c:pt>
+                <c:pt idx="163">
+                  <c:v>1.146458</c:v>
+                </c:pt>
+                <c:pt idx="164">
+                  <c:v>0.87438000000000005</c:v>
+                </c:pt>
+                <c:pt idx="165">
+                  <c:v>0.88456100000000004</c:v>
+                </c:pt>
+                <c:pt idx="166">
+                  <c:v>0.89808600000000005</c:v>
+                </c:pt>
+                <c:pt idx="167">
+                  <c:v>0.91993599999999998</c:v>
+                </c:pt>
+                <c:pt idx="168">
+                  <c:v>0.92999100000000001</c:v>
+                </c:pt>
+                <c:pt idx="169">
+                  <c:v>0.95254799999999995</c:v>
+                </c:pt>
+                <c:pt idx="170">
+                  <c:v>0.97288300000000005</c:v>
+                </c:pt>
+                <c:pt idx="171">
+                  <c:v>0.98950700000000003</c:v>
+                </c:pt>
+                <c:pt idx="172">
+                  <c:v>1.0041340000000001</c:v>
+                </c:pt>
+                <c:pt idx="173">
+                  <c:v>1.0206500000000001</c:v>
+                </c:pt>
+                <c:pt idx="174">
+                  <c:v>1.0422370000000001</c:v>
+                </c:pt>
+                <c:pt idx="175">
+                  <c:v>1.057264</c:v>
+                </c:pt>
+                <c:pt idx="176">
+                  <c:v>1.062408</c:v>
+                </c:pt>
+                <c:pt idx="177">
+                  <c:v>1.0720989999999999</c:v>
+                </c:pt>
+                <c:pt idx="178">
+                  <c:v>1.1007070000000001</c:v>
+                </c:pt>
+                <c:pt idx="179">
+                  <c:v>1.1151040000000001</c:v>
+                </c:pt>
+                <c:pt idx="180">
+                  <c:v>1.152525</c:v>
+                </c:pt>
+                <c:pt idx="181">
+                  <c:v>1.1525700000000001</c:v>
+                </c:pt>
+                <c:pt idx="182">
+                  <c:v>1.1706700000000001</c:v>
+                </c:pt>
+                <c:pt idx="183">
+                  <c:v>1.179635</c:v>
+                </c:pt>
+                <c:pt idx="184">
+                  <c:v>1.197835</c:v>
+                </c:pt>
+                <c:pt idx="185">
+                  <c:v>1.2031909999999999</c:v>
+                </c:pt>
+                <c:pt idx="186">
+                  <c:v>1.224532</c:v>
+                </c:pt>
+                <c:pt idx="187">
+                  <c:v>1.232324</c:v>
+                </c:pt>
+                <c:pt idx="188">
+                  <c:v>1.26362</c:v>
+                </c:pt>
+                <c:pt idx="189">
+                  <c:v>1.2693019999999999</c:v>
+                </c:pt>
+                <c:pt idx="190">
+                  <c:v>1.2910509999999999</c:v>
+                </c:pt>
+                <c:pt idx="191">
+                  <c:v>1.3282290000000001</c:v>
+                </c:pt>
+                <c:pt idx="192">
+                  <c:v>1.34145</c:v>
+                </c:pt>
+                <c:pt idx="193">
+                  <c:v>1.3697140000000001</c:v>
+                </c:pt>
+                <c:pt idx="194">
+                  <c:v>1.3810659999999999</c:v>
+                </c:pt>
+                <c:pt idx="195">
+                  <c:v>1.4087069999999999</c:v>
+                </c:pt>
+                <c:pt idx="196">
+                  <c:v>1.418944</c:v>
+                </c:pt>
+                <c:pt idx="197">
+                  <c:v>1.4363710000000001</c:v>
+                </c:pt>
+                <c:pt idx="198">
+                  <c:v>1.468253</c:v>
+                </c:pt>
+                <c:pt idx="199">
+                  <c:v>1.4669319999999999</c:v>
+                </c:pt>
+              </c:numCache>
+            </c:numRef>
+          </c:val>
+          <c:smooth val="0"/>
+          <c:extLst>
+            <c:ext xmlns:c16="http://schemas.microsoft.com/office/drawing/2014/chart" uri="{C3380CC4-5D6E-409C-BE32-E72D297353CC}">
+              <c16:uniqueId val="{00000002-505D-CB4B-9EC2-99EE2941739E}"/>
             </c:ext>
           </c:extLst>
         </c:ser>
@@ -4511,8 +5174,13 @@
             </a:pPr>
             <a:r>
               <a:rPr lang="de-DE" dirty="0"/>
-              <a:t>Laufzeitentwicklungen</a:t>
+              <a:t>Schnelle </a:t>
             </a:r>
+            <a:r>
+              <a:rPr lang="de-DE" dirty="0" err="1"/>
+              <a:t>Exponentiationen</a:t>
+            </a:r>
+            <a:endParaRPr lang="de-DE" dirty="0"/>
           </a:p>
         </c:rich>
       </c:tx>
@@ -5193,604 +5861,604 @@
                 <c:formatCode>General</c:formatCode>
                 <c:ptCount val="200"/>
                 <c:pt idx="0">
-                  <c:v>1.56E-4</c:v>
+                  <c:v>1.6200000000000001E-4</c:v>
                 </c:pt>
                 <c:pt idx="1">
+                  <c:v>2.2179999999999999E-3</c:v>
+                </c:pt>
+                <c:pt idx="2">
+                  <c:v>2.771E-3</c:v>
+                </c:pt>
+                <c:pt idx="3">
+                  <c:v>3.3860000000000001E-3</c:v>
+                </c:pt>
+                <c:pt idx="4">
+                  <c:v>3.3059999999999999E-3</c:v>
+                </c:pt>
+                <c:pt idx="5">
+                  <c:v>4.5469999999999998E-3</c:v>
+                </c:pt>
+                <c:pt idx="6">
                   <c:v>4.4149999999999997E-3</c:v>
                 </c:pt>
-                <c:pt idx="2">
-                  <c:v>5.2700000000000004E-3</c:v>
-                </c:pt>
-                <c:pt idx="3">
-                  <c:v>6.8469999999999998E-3</c:v>
-                </c:pt>
-                <c:pt idx="4">
-                  <c:v>3.6329999999999999E-3</c:v>
-                </c:pt>
-                <c:pt idx="5">
-                  <c:v>5.9909999999999998E-3</c:v>
-                </c:pt>
-                <c:pt idx="6">
-                  <c:v>6.1850000000000004E-3</c:v>
-                </c:pt>
                 <c:pt idx="7">
-                  <c:v>7.6730000000000001E-3</c:v>
+                  <c:v>5.3839999999999999E-3</c:v>
                 </c:pt>
                 <c:pt idx="8">
-                  <c:v>9.3439999999999999E-3</c:v>
+                  <c:v>4.8960000000000002E-3</c:v>
                 </c:pt>
                 <c:pt idx="9">
-                  <c:v>9.4959999999999992E-3</c:v>
+                  <c:v>5.5050000000000003E-3</c:v>
                 </c:pt>
                 <c:pt idx="10">
-                  <c:v>1.7812000000000001E-2</c:v>
+                  <c:v>6.8190000000000004E-3</c:v>
                 </c:pt>
                 <c:pt idx="11">
-                  <c:v>1.235E-2</c:v>
+                  <c:v>6.5599999999999999E-3</c:v>
                 </c:pt>
                 <c:pt idx="12">
-                  <c:v>1.4035000000000001E-2</c:v>
+                  <c:v>7.071E-3</c:v>
                 </c:pt>
                 <c:pt idx="13">
-                  <c:v>1.5716999999999998E-2</c:v>
+                  <c:v>7.6239999999999997E-3</c:v>
                 </c:pt>
                 <c:pt idx="14">
-                  <c:v>2.5155E-2</c:v>
+                  <c:v>9.0670000000000004E-3</c:v>
                 </c:pt>
                 <c:pt idx="15">
-                  <c:v>2.8923999999999998E-2</c:v>
+                  <c:v>1.0061E-2</c:v>
                 </c:pt>
                 <c:pt idx="16">
-                  <c:v>2.8257000000000001E-2</c:v>
+                  <c:v>9.2849999999999999E-3</c:v>
                 </c:pt>
                 <c:pt idx="17">
-                  <c:v>3.27E-2</c:v>
+                  <c:v>1.0904E-2</c:v>
                 </c:pt>
                 <c:pt idx="18">
-                  <c:v>3.5874999999999997E-2</c:v>
+                  <c:v>1.1376000000000001E-2</c:v>
                 </c:pt>
                 <c:pt idx="19">
-                  <c:v>4.3128E-2</c:v>
+                  <c:v>1.3487000000000001E-2</c:v>
                 </c:pt>
                 <c:pt idx="20">
-                  <c:v>4.9153000000000002E-2</c:v>
+                  <c:v>1.4364E-2</c:v>
                 </c:pt>
                 <c:pt idx="21">
-                  <c:v>4.4059000000000001E-2</c:v>
+                  <c:v>1.3454000000000001E-2</c:v>
                 </c:pt>
                 <c:pt idx="22">
-                  <c:v>4.5622000000000003E-2</c:v>
+                  <c:v>1.4787E-2</c:v>
                 </c:pt>
                 <c:pt idx="23">
-                  <c:v>6.8667000000000006E-2</c:v>
+                  <c:v>1.7062999999999998E-2</c:v>
                 </c:pt>
                 <c:pt idx="24">
-                  <c:v>5.4613000000000002E-2</c:v>
+                  <c:v>1.8173999999999999E-2</c:v>
                 </c:pt>
                 <c:pt idx="25">
-                  <c:v>7.2079000000000004E-2</c:v>
+                  <c:v>1.9462E-2</c:v>
                 </c:pt>
                 <c:pt idx="26">
-                  <c:v>8.6546999999999999E-2</c:v>
+                  <c:v>2.1534000000000001E-2</c:v>
                 </c:pt>
                 <c:pt idx="27">
-                  <c:v>6.1665999999999999E-2</c:v>
+                  <c:v>2.4201E-2</c:v>
                 </c:pt>
                 <c:pt idx="28">
-                  <c:v>8.8472999999999996E-2</c:v>
+                  <c:v>2.6287999999999999E-2</c:v>
                 </c:pt>
                 <c:pt idx="29">
-                  <c:v>9.6769999999999995E-2</c:v>
+                  <c:v>3.4558999999999999E-2</c:v>
                 </c:pt>
                 <c:pt idx="30">
-                  <c:v>0.104727</c:v>
+                  <c:v>3.8258E-2</c:v>
                 </c:pt>
                 <c:pt idx="31">
-                  <c:v>0.100411</c:v>
+                  <c:v>4.0299000000000001E-2</c:v>
                 </c:pt>
                 <c:pt idx="32">
-                  <c:v>0.100176</c:v>
+                  <c:v>4.4194999999999998E-2</c:v>
                 </c:pt>
                 <c:pt idx="33">
-                  <c:v>0.11912200000000001</c:v>
+                  <c:v>5.0457000000000002E-2</c:v>
                 </c:pt>
                 <c:pt idx="34">
-                  <c:v>0.119354</c:v>
+                  <c:v>5.7327000000000003E-2</c:v>
                 </c:pt>
                 <c:pt idx="35">
-                  <c:v>0.14003599999999999</c:v>
+                  <c:v>6.5314999999999998E-2</c:v>
                 </c:pt>
                 <c:pt idx="36">
-                  <c:v>0.15184900000000001</c:v>
+                  <c:v>6.0181999999999999E-2</c:v>
                 </c:pt>
                 <c:pt idx="37">
-                  <c:v>0.14161399999999999</c:v>
+                  <c:v>6.4394999999999994E-2</c:v>
                 </c:pt>
                 <c:pt idx="38">
-                  <c:v>0.162046</c:v>
+                  <c:v>8.2766000000000006E-2</c:v>
                 </c:pt>
                 <c:pt idx="39">
-                  <c:v>0.165965</c:v>
+                  <c:v>9.1625999999999999E-2</c:v>
                 </c:pt>
                 <c:pt idx="40">
-                  <c:v>0.19117300000000001</c:v>
+                  <c:v>8.4499000000000005E-2</c:v>
                 </c:pt>
                 <c:pt idx="41">
-                  <c:v>0.15470800000000001</c:v>
+                  <c:v>8.0034999999999995E-2</c:v>
                 </c:pt>
                 <c:pt idx="42">
-                  <c:v>0.163913</c:v>
+                  <c:v>7.1480000000000002E-2</c:v>
                 </c:pt>
                 <c:pt idx="43">
-                  <c:v>0.19168199999999999</c:v>
+                  <c:v>7.7715000000000006E-2</c:v>
                 </c:pt>
                 <c:pt idx="44">
-                  <c:v>0.23830599999999999</c:v>
+                  <c:v>8.7756000000000001E-2</c:v>
                 </c:pt>
                 <c:pt idx="45">
-                  <c:v>0.21853700000000001</c:v>
+                  <c:v>9.5585000000000003E-2</c:v>
                 </c:pt>
                 <c:pt idx="46">
-                  <c:v>0.20208699999999999</c:v>
+                  <c:v>0.10457</c:v>
                 </c:pt>
                 <c:pt idx="47">
-                  <c:v>0.21895899999999999</c:v>
+                  <c:v>0.11644500000000001</c:v>
                 </c:pt>
                 <c:pt idx="48">
-                  <c:v>0.22459799999999999</c:v>
+                  <c:v>0.11586399999999999</c:v>
                 </c:pt>
                 <c:pt idx="49">
-                  <c:v>0.2417</c:v>
+                  <c:v>0.14768400000000001</c:v>
                 </c:pt>
                 <c:pt idx="50">
-                  <c:v>0.25588300000000003</c:v>
+                  <c:v>0.14272699999999999</c:v>
                 </c:pt>
                 <c:pt idx="51">
-                  <c:v>0.28885899999999998</c:v>
+                  <c:v>0.162026</c:v>
                 </c:pt>
                 <c:pt idx="52">
-                  <c:v>0.26490799999999998</c:v>
+                  <c:v>0.16506599999999999</c:v>
                 </c:pt>
                 <c:pt idx="53">
-                  <c:v>0.287748</c:v>
+                  <c:v>0.179839</c:v>
                 </c:pt>
                 <c:pt idx="54">
-                  <c:v>0.32541599999999998</c:v>
+                  <c:v>0.19430500000000001</c:v>
                 </c:pt>
                 <c:pt idx="55">
-                  <c:v>0.30847000000000002</c:v>
+                  <c:v>0.19992399999999999</c:v>
                 </c:pt>
                 <c:pt idx="56">
-                  <c:v>0.336951</c:v>
+                  <c:v>0.211335</c:v>
                 </c:pt>
                 <c:pt idx="57">
-                  <c:v>0.36015599999999998</c:v>
+                  <c:v>0.20818600000000001</c:v>
                 </c:pt>
                 <c:pt idx="58">
-                  <c:v>0.39236599999999999</c:v>
+                  <c:v>0.22755300000000001</c:v>
                 </c:pt>
                 <c:pt idx="59">
-                  <c:v>0.36053299999999999</c:v>
+                  <c:v>0.239782</c:v>
                 </c:pt>
                 <c:pt idx="60">
-                  <c:v>0.35582000000000003</c:v>
+                  <c:v>0.25112699999999999</c:v>
                 </c:pt>
                 <c:pt idx="61">
-                  <c:v>0.38483400000000001</c:v>
+                  <c:v>0.26292100000000002</c:v>
                 </c:pt>
                 <c:pt idx="62">
-                  <c:v>0.36771399999999999</c:v>
+                  <c:v>0.25231300000000001</c:v>
                 </c:pt>
                 <c:pt idx="63">
-                  <c:v>0.38886700000000002</c:v>
+                  <c:v>0.26156000000000001</c:v>
                 </c:pt>
                 <c:pt idx="64">
-                  <c:v>0.50262099999999998</c:v>
+                  <c:v>0.27530700000000002</c:v>
                 </c:pt>
                 <c:pt idx="65">
-                  <c:v>0.42005799999999999</c:v>
+                  <c:v>0.28714800000000001</c:v>
                 </c:pt>
                 <c:pt idx="66">
-                  <c:v>0.48857699999999998</c:v>
+                  <c:v>0.31210399999999999</c:v>
                 </c:pt>
                 <c:pt idx="67">
-                  <c:v>0.45215499999999997</c:v>
+                  <c:v>0.304035</c:v>
                 </c:pt>
                 <c:pt idx="68">
-                  <c:v>0.49271500000000001</c:v>
+                  <c:v>0.32314999999999999</c:v>
                 </c:pt>
                 <c:pt idx="69">
-                  <c:v>0.49424499999999999</c:v>
+                  <c:v>0.33285199999999998</c:v>
                 </c:pt>
                 <c:pt idx="70">
-                  <c:v>0.511208</c:v>
+                  <c:v>0.34551300000000001</c:v>
                 </c:pt>
                 <c:pt idx="71">
-                  <c:v>0.52289099999999999</c:v>
+                  <c:v>0.36098799999999998</c:v>
                 </c:pt>
                 <c:pt idx="72">
-                  <c:v>0.53439999999999999</c:v>
+                  <c:v>0.36814599999999997</c:v>
                 </c:pt>
                 <c:pt idx="73">
-                  <c:v>0.53663400000000006</c:v>
+                  <c:v>0.383741</c:v>
                 </c:pt>
                 <c:pt idx="74">
-                  <c:v>0.62142900000000001</c:v>
+                  <c:v>0.395675</c:v>
                 </c:pt>
                 <c:pt idx="75">
-                  <c:v>0.60025700000000004</c:v>
+                  <c:v>0.41242899999999999</c:v>
                 </c:pt>
                 <c:pt idx="76">
-                  <c:v>0.65804600000000002</c:v>
+                  <c:v>0.42900700000000003</c:v>
                 </c:pt>
                 <c:pt idx="77">
-                  <c:v>0.56839600000000001</c:v>
+                  <c:v>0.43438399999999999</c:v>
                 </c:pt>
                 <c:pt idx="78">
-                  <c:v>0.67577799999999999</c:v>
+                  <c:v>0.45172600000000002</c:v>
                 </c:pt>
                 <c:pt idx="79">
-                  <c:v>0.62798600000000004</c:v>
+                  <c:v>0.46535900000000002</c:v>
                 </c:pt>
                 <c:pt idx="80">
-                  <c:v>0.63837900000000003</c:v>
+                  <c:v>0.478184</c:v>
                 </c:pt>
                 <c:pt idx="81">
-                  <c:v>0.78119000000000005</c:v>
+                  <c:v>0.499388</c:v>
                 </c:pt>
                 <c:pt idx="82">
-                  <c:v>0.62367099999999998</c:v>
+                  <c:v>0.41845900000000003</c:v>
                 </c:pt>
                 <c:pt idx="83">
-                  <c:v>0.63664699999999996</c:v>
+                  <c:v>0.421653</c:v>
                 </c:pt>
                 <c:pt idx="84">
-                  <c:v>0.62719199999999997</c:v>
+                  <c:v>0.435506</c:v>
                 </c:pt>
                 <c:pt idx="85">
-                  <c:v>0.664906</c:v>
+                  <c:v>0.44961299999999998</c:v>
                 </c:pt>
                 <c:pt idx="86">
-                  <c:v>0.71536999999999995</c:v>
+                  <c:v>0.47056300000000001</c:v>
                 </c:pt>
                 <c:pt idx="87">
-                  <c:v>0.73818300000000003</c:v>
+                  <c:v>0.47504600000000002</c:v>
                 </c:pt>
                 <c:pt idx="88">
-                  <c:v>0.69356300000000004</c:v>
+                  <c:v>0.497832</c:v>
                 </c:pt>
                 <c:pt idx="89">
-                  <c:v>0.708592</c:v>
+                  <c:v>0.50386699999999995</c:v>
                 </c:pt>
                 <c:pt idx="90">
-                  <c:v>0.99874300000000005</c:v>
+                  <c:v>0.52773800000000004</c:v>
                 </c:pt>
                 <c:pt idx="91">
-                  <c:v>0.84116000000000002</c:v>
+                  <c:v>0.552458</c:v>
                 </c:pt>
                 <c:pt idx="92">
-                  <c:v>0.76835699999999996</c:v>
+                  <c:v>0.574762</c:v>
                 </c:pt>
                 <c:pt idx="93">
-                  <c:v>0.78038200000000002</c:v>
+                  <c:v>0.58082900000000004</c:v>
                 </c:pt>
                 <c:pt idx="94">
-                  <c:v>0.85375100000000004</c:v>
+                  <c:v>0.59240499999999996</c:v>
                 </c:pt>
                 <c:pt idx="95">
-                  <c:v>0.85990500000000003</c:v>
+                  <c:v>0.631077</c:v>
                 </c:pt>
                 <c:pt idx="96">
-                  <c:v>0.932176</c:v>
+                  <c:v>0.63480099999999995</c:v>
                 </c:pt>
                 <c:pt idx="97">
-                  <c:v>0.97943400000000003</c:v>
+                  <c:v>0.66029300000000002</c:v>
                 </c:pt>
                 <c:pt idx="98">
-                  <c:v>1.001009</c:v>
+                  <c:v>0.67149999999999999</c:v>
                 </c:pt>
                 <c:pt idx="99">
-                  <c:v>1.035423</c:v>
+                  <c:v>0.69191400000000003</c:v>
                 </c:pt>
                 <c:pt idx="100">
-                  <c:v>1.0125820000000001</c:v>
+                  <c:v>0.70663100000000001</c:v>
                 </c:pt>
                 <c:pt idx="101">
-                  <c:v>0.99941999999999998</c:v>
+                  <c:v>0.72455400000000003</c:v>
                 </c:pt>
                 <c:pt idx="102">
-                  <c:v>1.1250519999999999</c:v>
+                  <c:v>0.74858100000000005</c:v>
                 </c:pt>
                 <c:pt idx="103">
-                  <c:v>1.322303</c:v>
+                  <c:v>0.73406400000000005</c:v>
                 </c:pt>
                 <c:pt idx="104">
-                  <c:v>1.1430180000000001</c:v>
+                  <c:v>0.77375099999999997</c:v>
                 </c:pt>
                 <c:pt idx="105">
-                  <c:v>1.124665</c:v>
+                  <c:v>0.76892499999999997</c:v>
                 </c:pt>
                 <c:pt idx="106">
-                  <c:v>1.128204</c:v>
+                  <c:v>0.79216399999999998</c:v>
                 </c:pt>
                 <c:pt idx="107">
-                  <c:v>1.1331979999999999</c:v>
+                  <c:v>0.83692</c:v>
                 </c:pt>
                 <c:pt idx="108">
-                  <c:v>1.184404</c:v>
+                  <c:v>0.84120399999999995</c:v>
                 </c:pt>
                 <c:pt idx="109">
-                  <c:v>1.240969</c:v>
+                  <c:v>0.87773100000000004</c:v>
                 </c:pt>
                 <c:pt idx="110">
-                  <c:v>1.173163</c:v>
+                  <c:v>0.89797499999999997</c:v>
                 </c:pt>
                 <c:pt idx="111">
-                  <c:v>1.2766599999999999</c:v>
+                  <c:v>0.90893400000000002</c:v>
                 </c:pt>
                 <c:pt idx="112">
-                  <c:v>1.225762</c:v>
+                  <c:v>0.91775799999999996</c:v>
                 </c:pt>
                 <c:pt idx="113">
-                  <c:v>1.3390599999999999</c:v>
+                  <c:v>0.93431900000000001</c:v>
                 </c:pt>
                 <c:pt idx="114">
-                  <c:v>1.3317589999999999</c:v>
+                  <c:v>0.957812</c:v>
                 </c:pt>
                 <c:pt idx="115">
-                  <c:v>1.3854930000000001</c:v>
+                  <c:v>0.96367000000000003</c:v>
                 </c:pt>
                 <c:pt idx="116">
-                  <c:v>1.4504870000000001</c:v>
+                  <c:v>0.99305500000000002</c:v>
                 </c:pt>
                 <c:pt idx="117">
-                  <c:v>1.3675040000000001</c:v>
+                  <c:v>1.0212460000000001</c:v>
                 </c:pt>
                 <c:pt idx="118">
-                  <c:v>1.41005</c:v>
+                  <c:v>1.0406949999999999</c:v>
                 </c:pt>
                 <c:pt idx="119">
-                  <c:v>1.5745929999999999</c:v>
+                  <c:v>1.0620959999999999</c:v>
                 </c:pt>
                 <c:pt idx="120">
-                  <c:v>1.5323370000000001</c:v>
+                  <c:v>1.0826169999999999</c:v>
                 </c:pt>
                 <c:pt idx="121">
-                  <c:v>1.8404640000000001</c:v>
+                  <c:v>1.100357</c:v>
                 </c:pt>
                 <c:pt idx="122">
-                  <c:v>1.7406999999999999</c:v>
+                  <c:v>1.1475200000000001</c:v>
                 </c:pt>
                 <c:pt idx="123">
-                  <c:v>1.4502729999999999</c:v>
+                  <c:v>1.0704530000000001</c:v>
                 </c:pt>
                 <c:pt idx="124">
-                  <c:v>1.490027</c:v>
+                  <c:v>1.096757</c:v>
                 </c:pt>
                 <c:pt idx="125">
-                  <c:v>1.527107</c:v>
+                  <c:v>1.089615</c:v>
                 </c:pt>
                 <c:pt idx="126">
-                  <c:v>1.691918</c:v>
+                  <c:v>1.143823</c:v>
                 </c:pt>
                 <c:pt idx="127">
-                  <c:v>1.596401</c:v>
+                  <c:v>1.1469879999999999</c:v>
                 </c:pt>
                 <c:pt idx="128">
-                  <c:v>1.667807</c:v>
+                  <c:v>1.1772130000000001</c:v>
                 </c:pt>
                 <c:pt idx="129">
-                  <c:v>1.7797019999999999</c:v>
+                  <c:v>1.20957</c:v>
                 </c:pt>
                 <c:pt idx="130">
-                  <c:v>1.8037859999999999</c:v>
+                  <c:v>1.214996</c:v>
                 </c:pt>
                 <c:pt idx="131">
-                  <c:v>1.8659859999999999</c:v>
+                  <c:v>1.248281</c:v>
                 </c:pt>
                 <c:pt idx="132">
-                  <c:v>1.7953809999999999</c:v>
+                  <c:v>1.268524</c:v>
                 </c:pt>
                 <c:pt idx="133">
-                  <c:v>1.84975</c:v>
+                  <c:v>1.3231820000000001</c:v>
                 </c:pt>
                 <c:pt idx="134">
-                  <c:v>1.8735269999999999</c:v>
+                  <c:v>1.3248610000000001</c:v>
                 </c:pt>
                 <c:pt idx="135">
-                  <c:v>2.0038969999999998</c:v>
+                  <c:v>1.3720779999999999</c:v>
                 </c:pt>
                 <c:pt idx="136">
-                  <c:v>1.8118840000000001</c:v>
+                  <c:v>1.388787</c:v>
                 </c:pt>
                 <c:pt idx="137">
-                  <c:v>2.1048230000000001</c:v>
+                  <c:v>1.3992340000000001</c:v>
                 </c:pt>
                 <c:pt idx="138">
-                  <c:v>1.7943389999999999</c:v>
+                  <c:v>1.4259900000000001</c:v>
                 </c:pt>
                 <c:pt idx="139">
-                  <c:v>1.9812529999999999</c:v>
+                  <c:v>1.473247</c:v>
                 </c:pt>
                 <c:pt idx="140">
-                  <c:v>2.1436820000000001</c:v>
+                  <c:v>1.4871460000000001</c:v>
                 </c:pt>
                 <c:pt idx="141">
-                  <c:v>2.2426219999999999</c:v>
+                  <c:v>1.512553</c:v>
                 </c:pt>
                 <c:pt idx="142">
-                  <c:v>2.5297679999999998</c:v>
+                  <c:v>1.513101</c:v>
                 </c:pt>
                 <c:pt idx="143">
-                  <c:v>2.0043340000000001</c:v>
+                  <c:v>1.5584849999999999</c:v>
                 </c:pt>
                 <c:pt idx="144">
-                  <c:v>2.1735630000000001</c:v>
+                  <c:v>1.5456259999999999</c:v>
                 </c:pt>
                 <c:pt idx="145">
-                  <c:v>2.072975</c:v>
+                  <c:v>1.601542</c:v>
                 </c:pt>
                 <c:pt idx="146">
-                  <c:v>2.4145910000000002</c:v>
+                  <c:v>1.6522829999999999</c:v>
                 </c:pt>
                 <c:pt idx="147">
-                  <c:v>2.1762299999999999</c:v>
+                  <c:v>1.642158</c:v>
                 </c:pt>
                 <c:pt idx="148">
-                  <c:v>2.4335680000000002</c:v>
+                  <c:v>1.663948</c:v>
                 </c:pt>
                 <c:pt idx="149">
-                  <c:v>2.6566550000000002</c:v>
+                  <c:v>1.6923360000000001</c:v>
                 </c:pt>
                 <c:pt idx="150">
-                  <c:v>2.4750009999999998</c:v>
+                  <c:v>1.756883</c:v>
                 </c:pt>
                 <c:pt idx="151">
-                  <c:v>2.2310020000000002</c:v>
+                  <c:v>1.747069</c:v>
                 </c:pt>
                 <c:pt idx="152">
-                  <c:v>2.5434329999999998</c:v>
+                  <c:v>1.7845470000000001</c:v>
                 </c:pt>
                 <c:pt idx="153">
-                  <c:v>2.5525549999999999</c:v>
+                  <c:v>1.8233839999999999</c:v>
                 </c:pt>
                 <c:pt idx="154">
-                  <c:v>2.6847449999999999</c:v>
+                  <c:v>1.826524</c:v>
                 </c:pt>
                 <c:pt idx="155">
-                  <c:v>2.5976469999999998</c:v>
+                  <c:v>1.8632789999999999</c:v>
                 </c:pt>
                 <c:pt idx="156">
-                  <c:v>2.5456430000000001</c:v>
+                  <c:v>1.8952450000000001</c:v>
                 </c:pt>
                 <c:pt idx="157">
-                  <c:v>2.4154149999999999</c:v>
+                  <c:v>1.9026970000000001</c:v>
                 </c:pt>
                 <c:pt idx="158">
-                  <c:v>2.6081970000000001</c:v>
+                  <c:v>1.971228</c:v>
                 </c:pt>
                 <c:pt idx="159">
-                  <c:v>2.8195899999999998</c:v>
+                  <c:v>2.0531630000000001</c:v>
                 </c:pt>
                 <c:pt idx="160">
-                  <c:v>2.7222400000000002</c:v>
+                  <c:v>2.0219369999999999</c:v>
                 </c:pt>
                 <c:pt idx="161">
-                  <c:v>3.062001</c:v>
+                  <c:v>2.0433500000000002</c:v>
                 </c:pt>
                 <c:pt idx="162">
-                  <c:v>3.5432860000000002</c:v>
+                  <c:v>2.0711249999999999</c:v>
                 </c:pt>
                 <c:pt idx="163">
-                  <c:v>3.1066630000000002</c:v>
+                  <c:v>2.1099399999999999</c:v>
                 </c:pt>
                 <c:pt idx="164">
-                  <c:v>2.4286439999999998</c:v>
+                  <c:v>1.723727</c:v>
                 </c:pt>
                 <c:pt idx="165">
-                  <c:v>2.5172300000000001</c:v>
+                  <c:v>1.741628</c:v>
                 </c:pt>
                 <c:pt idx="166">
-                  <c:v>2.2831269999999999</c:v>
+                  <c:v>1.772265</c:v>
                 </c:pt>
                 <c:pt idx="167">
-                  <c:v>2.6080990000000002</c:v>
+                  <c:v>1.812398</c:v>
                 </c:pt>
                 <c:pt idx="168">
-                  <c:v>2.5925699999999998</c:v>
+                  <c:v>1.8462989999999999</c:v>
                 </c:pt>
                 <c:pt idx="169">
-                  <c:v>2.5833740000000001</c:v>
+                  <c:v>1.8709359999999999</c:v>
                 </c:pt>
                 <c:pt idx="170">
-                  <c:v>2.751182</c:v>
+                  <c:v>1.9018809999999999</c:v>
                 </c:pt>
                 <c:pt idx="171">
-                  <c:v>2.9329019999999999</c:v>
+                  <c:v>1.9583280000000001</c:v>
                 </c:pt>
                 <c:pt idx="172">
-                  <c:v>2.8886470000000002</c:v>
+                  <c:v>1.980054</c:v>
                 </c:pt>
                 <c:pt idx="173">
-                  <c:v>2.5823200000000002</c:v>
+                  <c:v>2.0031189999999999</c:v>
                 </c:pt>
                 <c:pt idx="174">
-                  <c:v>2.9014310000000001</c:v>
+                  <c:v>2.0554160000000001</c:v>
                 </c:pt>
                 <c:pt idx="175">
-                  <c:v>2.7402380000000002</c:v>
+                  <c:v>2.1014219999999999</c:v>
                 </c:pt>
                 <c:pt idx="176">
-                  <c:v>2.9449550000000002</c:v>
+                  <c:v>2.0931489999999999</c:v>
                 </c:pt>
                 <c:pt idx="177">
-                  <c:v>2.7779349999999998</c:v>
+                  <c:v>2.1257540000000001</c:v>
                 </c:pt>
                 <c:pt idx="178">
-                  <c:v>3.3252190000000001</c:v>
+                  <c:v>2.1725829999999999</c:v>
                 </c:pt>
                 <c:pt idx="179">
-                  <c:v>2.8752909999999998</c:v>
+                  <c:v>2.2065100000000002</c:v>
                 </c:pt>
                 <c:pt idx="180">
-                  <c:v>3.2682120000000001</c:v>
+                  <c:v>2.262464</c:v>
                 </c:pt>
                 <c:pt idx="181">
-                  <c:v>3.1027979999999999</c:v>
+                  <c:v>2.2917130000000001</c:v>
                 </c:pt>
                 <c:pt idx="182">
-                  <c:v>3.3357700000000001</c:v>
+                  <c:v>2.3252160000000002</c:v>
                 </c:pt>
                 <c:pt idx="183">
-                  <c:v>3.2952699999999999</c:v>
+                  <c:v>2.3368890000000002</c:v>
                 </c:pt>
                 <c:pt idx="184">
-                  <c:v>3.0557979999999998</c:v>
+                  <c:v>2.38531</c:v>
                 </c:pt>
                 <c:pt idx="185">
-                  <c:v>3.4861110000000002</c:v>
+                  <c:v>2.3747579999999999</c:v>
                 </c:pt>
                 <c:pt idx="186">
-                  <c:v>3.3719929999999998</c:v>
+                  <c:v>2.4261780000000002</c:v>
                 </c:pt>
                 <c:pt idx="187">
-                  <c:v>3.5577589999999999</c:v>
+                  <c:v>2.4351189999999998</c:v>
                 </c:pt>
                 <c:pt idx="188">
-                  <c:v>3.4369809999999998</c:v>
+                  <c:v>2.4992930000000002</c:v>
                 </c:pt>
                 <c:pt idx="189">
-                  <c:v>3.4759639999999998</c:v>
+                  <c:v>2.5080930000000001</c:v>
                 </c:pt>
                 <c:pt idx="190">
-                  <c:v>3.6991070000000001</c:v>
+                  <c:v>2.5645920000000002</c:v>
                 </c:pt>
                 <c:pt idx="191">
-                  <c:v>3.4662120000000001</c:v>
+                  <c:v>2.6419619999999999</c:v>
                 </c:pt>
                 <c:pt idx="192">
-                  <c:v>3.6447349999999998</c:v>
+                  <c:v>2.6880109999999999</c:v>
                 </c:pt>
                 <c:pt idx="193">
-                  <c:v>3.6631520000000002</c:v>
+                  <c:v>2.7302740000000001</c:v>
                 </c:pt>
                 <c:pt idx="194">
-                  <c:v>3.8592040000000001</c:v>
+                  <c:v>2.715649</c:v>
                 </c:pt>
                 <c:pt idx="195">
-                  <c:v>3.9578790000000001</c:v>
+                  <c:v>2.7980740000000002</c:v>
                 </c:pt>
                 <c:pt idx="196">
-                  <c:v>3.8701379999999999</c:v>
+                  <c:v>2.8172779999999999</c:v>
                 </c:pt>
                 <c:pt idx="197">
-                  <c:v>3.7428279999999998</c:v>
+                  <c:v>2.8325490000000002</c:v>
                 </c:pt>
                 <c:pt idx="198">
-                  <c:v>4.1725589999999997</c:v>
+                  <c:v>2.8751220000000002</c:v>
                 </c:pt>
                 <c:pt idx="199">
-                  <c:v>3.9086609999999999</c:v>
+                  <c:v>2.9250799999999999</c:v>
                 </c:pt>
               </c:numCache>
             </c:numRef>
@@ -5798,7 +6466,7 @@
           <c:smooth val="0"/>
           <c:extLst>
             <c:ext xmlns:c16="http://schemas.microsoft.com/office/drawing/2014/chart" uri="{C3380CC4-5D6E-409C-BE32-E72D297353CC}">
-              <c16:uniqueId val="{00000000-505D-CB4B-9EC2-99EE2941739E}"/>
+              <c16:uniqueId val="{00000000-C6A9-3948-A0D2-9DDDE9D82A8E}"/>
             </c:ext>
           </c:extLst>
         </c:ser>
@@ -5811,7 +6479,7 @@
               <c:strCache>
                 <c:ptCount val="1"/>
                 <c:pt idx="0">
-                  <c:v>Folge</c:v>
+                  <c:v>Schnell mit kompakter Matrix</c:v>
                 </c:pt>
               </c:strCache>
             </c:strRef>
@@ -6444,604 +7112,604 @@
                 <c:formatCode>General</c:formatCode>
                 <c:ptCount val="200"/>
                 <c:pt idx="0">
-                  <c:v>5.8999999999999998E-5</c:v>
+                  <c:v>1.22E-4</c:v>
                 </c:pt>
                 <c:pt idx="1">
-                  <c:v>2.323E-3</c:v>
+                  <c:v>1.464E-3</c:v>
                 </c:pt>
                 <c:pt idx="2">
-                  <c:v>9.0500000000000008E-3</c:v>
+                  <c:v>1.748E-3</c:v>
                 </c:pt>
                 <c:pt idx="3">
-                  <c:v>1.3008E-2</c:v>
+                  <c:v>2.1610000000000002E-3</c:v>
                 </c:pt>
                 <c:pt idx="4">
-                  <c:v>1.37E-2</c:v>
+                  <c:v>2.1090000000000002E-3</c:v>
                 </c:pt>
                 <c:pt idx="5">
-                  <c:v>1.8874999999999999E-2</c:v>
+                  <c:v>2.8509999999999998E-3</c:v>
                 </c:pt>
                 <c:pt idx="6">
-                  <c:v>2.6898999999999999E-2</c:v>
+                  <c:v>2.7789999999999998E-3</c:v>
                 </c:pt>
                 <c:pt idx="7">
-                  <c:v>3.5346000000000002E-2</c:v>
+                  <c:v>3.3519999999999999E-3</c:v>
                 </c:pt>
                 <c:pt idx="8">
-                  <c:v>4.5047999999999998E-2</c:v>
+                  <c:v>3.0300000000000001E-3</c:v>
                 </c:pt>
                 <c:pt idx="9">
-                  <c:v>5.9818000000000003E-2</c:v>
+                  <c:v>3.395E-3</c:v>
                 </c:pt>
                 <c:pt idx="10">
-                  <c:v>8.6557999999999996E-2</c:v>
+                  <c:v>4.0969999999999999E-3</c:v>
                 </c:pt>
                 <c:pt idx="11">
-                  <c:v>8.4950999999999999E-2</c:v>
+                  <c:v>4.0070000000000001E-3</c:v>
                 </c:pt>
                 <c:pt idx="12">
-                  <c:v>9.9376999999999993E-2</c:v>
+                  <c:v>4.2810000000000001E-3</c:v>
                 </c:pt>
                 <c:pt idx="13">
-                  <c:v>0.12048200000000001</c:v>
+                  <c:v>4.6189999999999998E-3</c:v>
                 </c:pt>
                 <c:pt idx="14">
-                  <c:v>0.16830200000000001</c:v>
+                  <c:v>5.365E-3</c:v>
                 </c:pt>
                 <c:pt idx="15">
-                  <c:v>0.19018699999999999</c:v>
+                  <c:v>5.9509999999999997E-3</c:v>
                 </c:pt>
                 <c:pt idx="16">
-                  <c:v>0.21359</c:v>
+                  <c:v>5.4270000000000004E-3</c:v>
                 </c:pt>
                 <c:pt idx="17">
-                  <c:v>0.23755100000000001</c:v>
+                  <c:v>6.3509999999999999E-3</c:v>
                 </c:pt>
                 <c:pt idx="18">
-                  <c:v>0.26502599999999998</c:v>
+                  <c:v>6.5519999999999997E-3</c:v>
                 </c:pt>
                 <c:pt idx="19">
-                  <c:v>0.29400700000000002</c:v>
+                  <c:v>7.6410000000000002E-3</c:v>
                 </c:pt>
                 <c:pt idx="20">
-                  <c:v>0.32207799999999998</c:v>
+                  <c:v>8.2430000000000003E-3</c:v>
                 </c:pt>
                 <c:pt idx="21">
-                  <c:v>0.34980899999999998</c:v>
+                  <c:v>7.7140000000000004E-3</c:v>
                 </c:pt>
                 <c:pt idx="22">
-                  <c:v>0.39128000000000002</c:v>
+                  <c:v>8.5159999999999993E-3</c:v>
                 </c:pt>
                 <c:pt idx="23">
-                  <c:v>0.40166800000000003</c:v>
+                  <c:v>9.8219999999999991E-3</c:v>
                 </c:pt>
                 <c:pt idx="24">
-                  <c:v>0.42216700000000001</c:v>
+                  <c:v>9.9640000000000006E-3</c:v>
                 </c:pt>
                 <c:pt idx="25">
-                  <c:v>0.58445499999999995</c:v>
+                  <c:v>1.0838E-2</c:v>
                 </c:pt>
                 <c:pt idx="26">
-                  <c:v>0.45138800000000001</c:v>
+                  <c:v>1.1365E-2</c:v>
                 </c:pt>
                 <c:pt idx="27">
-                  <c:v>0.49682999999999999</c:v>
+                  <c:v>1.2489E-2</c:v>
                 </c:pt>
                 <c:pt idx="28">
-                  <c:v>0.64154999999999995</c:v>
+                  <c:v>1.3636000000000001E-2</c:v>
                 </c:pt>
                 <c:pt idx="29">
-                  <c:v>0.645926</c:v>
+                  <c:v>1.4304000000000001E-2</c:v>
                 </c:pt>
                 <c:pt idx="30">
-                  <c:v>0.68282200000000004</c:v>
+                  <c:v>1.5813000000000001E-2</c:v>
                 </c:pt>
                 <c:pt idx="31">
-                  <c:v>0.69001400000000002</c:v>
+                  <c:v>1.5403999999999999E-2</c:v>
                 </c:pt>
                 <c:pt idx="32">
-                  <c:v>0.73175599999999996</c:v>
+                  <c:v>1.6542999999999999E-2</c:v>
                 </c:pt>
                 <c:pt idx="33">
-                  <c:v>0.83941299999999996</c:v>
+                  <c:v>1.7927999999999999E-2</c:v>
                 </c:pt>
                 <c:pt idx="34">
-                  <c:v>0.79130900000000004</c:v>
+                  <c:v>1.9043999999999998E-2</c:v>
                 </c:pt>
                 <c:pt idx="35">
-                  <c:v>1.1307590000000001</c:v>
+                  <c:v>3.4040000000000001E-2</c:v>
                 </c:pt>
                 <c:pt idx="36">
-                  <c:v>0.91676100000000005</c:v>
+                  <c:v>3.7546999999999997E-2</c:v>
                 </c:pt>
                 <c:pt idx="37">
-                  <c:v>0.90987399999999996</c:v>
+                  <c:v>2.3854E-2</c:v>
                 </c:pt>
                 <c:pt idx="38">
-                  <c:v>1.0902799999999999</c:v>
+                  <c:v>3.7335E-2</c:v>
                 </c:pt>
                 <c:pt idx="39">
-                  <c:v>1.0481750000000001</c:v>
+                  <c:v>4.2675999999999999E-2</c:v>
                 </c:pt>
                 <c:pt idx="40">
-                  <c:v>1.126954</c:v>
+                  <c:v>3.3475999999999999E-2</c:v>
                 </c:pt>
                 <c:pt idx="41">
-                  <c:v>1.1304179999999999</c:v>
+                  <c:v>3.4872E-2</c:v>
                 </c:pt>
                 <c:pt idx="42">
-                  <c:v>1.2474510000000001</c:v>
+                  <c:v>2.8608000000000001E-2</c:v>
                 </c:pt>
                 <c:pt idx="43">
-                  <c:v>1.414374</c:v>
+                  <c:v>4.1921E-2</c:v>
                 </c:pt>
                 <c:pt idx="44">
-                  <c:v>1.5378890000000001</c:v>
+                  <c:v>4.5934000000000003E-2</c:v>
                 </c:pt>
                 <c:pt idx="45">
-                  <c:v>1.396226</c:v>
+                  <c:v>5.2634E-2</c:v>
                 </c:pt>
                 <c:pt idx="46">
-                  <c:v>1.4037379999999999</c:v>
+                  <c:v>5.7790000000000001E-2</c:v>
                 </c:pt>
                 <c:pt idx="47">
-                  <c:v>1.434097</c:v>
+                  <c:v>6.1133E-2</c:v>
                 </c:pt>
                 <c:pt idx="48">
-                  <c:v>1.5144390000000001</c:v>
+                  <c:v>6.1064E-2</c:v>
                 </c:pt>
                 <c:pt idx="49">
-                  <c:v>1.5863290000000001</c:v>
+                  <c:v>5.9513999999999997E-2</c:v>
                 </c:pt>
                 <c:pt idx="50">
-                  <c:v>1.813485</c:v>
+                  <c:v>7.3735999999999996E-2</c:v>
                 </c:pt>
                 <c:pt idx="51">
-                  <c:v>1.913168</c:v>
+                  <c:v>7.0220000000000005E-2</c:v>
                 </c:pt>
                 <c:pt idx="52">
-                  <c:v>1.763072</c:v>
+                  <c:v>7.8399999999999997E-2</c:v>
                 </c:pt>
                 <c:pt idx="53">
-                  <c:v>1.9597709999999999</c:v>
+                  <c:v>8.5932999999999995E-2</c:v>
                 </c:pt>
                 <c:pt idx="54">
-                  <c:v>1.891416</c:v>
+                  <c:v>9.1503000000000001E-2</c:v>
                 </c:pt>
                 <c:pt idx="55">
-                  <c:v>2.0283579999999999</c:v>
+                  <c:v>8.9242000000000002E-2</c:v>
                 </c:pt>
                 <c:pt idx="56">
-                  <c:v>2.0484230000000001</c:v>
+                  <c:v>9.6919000000000005E-2</c:v>
                 </c:pt>
                 <c:pt idx="57">
-                  <c:v>2.3373620000000002</c:v>
+                  <c:v>9.5782000000000006E-2</c:v>
                 </c:pt>
                 <c:pt idx="58">
-                  <c:v>2.3018740000000002</c:v>
+                  <c:v>0.104673</c:v>
                 </c:pt>
                 <c:pt idx="59">
-                  <c:v>2.2699850000000001</c:v>
+                  <c:v>0.109152</c:v>
                 </c:pt>
                 <c:pt idx="60">
-                  <c:v>2.4844560000000002</c:v>
+                  <c:v>0.121535</c:v>
                 </c:pt>
                 <c:pt idx="61">
-                  <c:v>2.307064</c:v>
+                  <c:v>0.12645300000000001</c:v>
                 </c:pt>
                 <c:pt idx="62">
-                  <c:v>2.532969</c:v>
+                  <c:v>0.12009599999999999</c:v>
                 </c:pt>
                 <c:pt idx="63">
-                  <c:v>2.5681509999999999</c:v>
+                  <c:v>0.123198</c:v>
                 </c:pt>
                 <c:pt idx="64">
-                  <c:v>2.5691470000000001</c:v>
+                  <c:v>0.132025</c:v>
                 </c:pt>
                 <c:pt idx="65">
-                  <c:v>2.9055149999999998</c:v>
+                  <c:v>0.138456</c:v>
                 </c:pt>
                 <c:pt idx="66">
-                  <c:v>2.8414799999999998</c:v>
+                  <c:v>0.15056800000000001</c:v>
                 </c:pt>
                 <c:pt idx="67">
-                  <c:v>2.983803</c:v>
+                  <c:v>0.144288</c:v>
                 </c:pt>
                 <c:pt idx="68">
-                  <c:v>3.294975</c:v>
+                  <c:v>0.15170800000000001</c:v>
                 </c:pt>
                 <c:pt idx="69">
-                  <c:v>3.2340249999999999</c:v>
+                  <c:v>0.15856100000000001</c:v>
                 </c:pt>
                 <c:pt idx="70">
-                  <c:v>3.2169789999999998</c:v>
+                  <c:v>0.16738500000000001</c:v>
                 </c:pt>
                 <c:pt idx="71">
-                  <c:v>3.2071610000000002</c:v>
+                  <c:v>0.172819</c:v>
                 </c:pt>
                 <c:pt idx="72">
-                  <c:v>3.483606</c:v>
+                  <c:v>0.177588</c:v>
                 </c:pt>
                 <c:pt idx="73">
-                  <c:v>3.7967439999999999</c:v>
+                  <c:v>0.18950500000000001</c:v>
                 </c:pt>
                 <c:pt idx="74">
-                  <c:v>3.4760900000000001</c:v>
+                  <c:v>0.18936500000000001</c:v>
                 </c:pt>
                 <c:pt idx="75">
-                  <c:v>3.9883860000000002</c:v>
+                  <c:v>0.19882</c:v>
                 </c:pt>
                 <c:pt idx="76">
-                  <c:v>3.5775549999999998</c:v>
+                  <c:v>0.21130499999999999</c:v>
                 </c:pt>
                 <c:pt idx="77">
-                  <c:v>3.8854199999999999</c:v>
+                  <c:v>0.20874400000000001</c:v>
                 </c:pt>
                 <c:pt idx="78">
-                  <c:v>4.0494760000000003</c:v>
+                  <c:v>0.2225</c:v>
                 </c:pt>
                 <c:pt idx="79">
-                  <c:v>4.5646610000000001</c:v>
+                  <c:v>0.22695499999999999</c:v>
                 </c:pt>
                 <c:pt idx="80">
-                  <c:v>4.1183129999999997</c:v>
+                  <c:v>0.235628</c:v>
                 </c:pt>
                 <c:pt idx="81">
-                  <c:v>4.3912319999999996</c:v>
+                  <c:v>0.24603</c:v>
                 </c:pt>
                 <c:pt idx="82">
-                  <c:v>4.6101570000000001</c:v>
+                  <c:v>0.201906</c:v>
                 </c:pt>
                 <c:pt idx="83">
-                  <c:v>4.6086169999999997</c:v>
+                  <c:v>0.20977599999999999</c:v>
                 </c:pt>
                 <c:pt idx="84">
-                  <c:v>4.6199190000000003</c:v>
+                  <c:v>0.211589</c:v>
                 </c:pt>
                 <c:pt idx="85">
-                  <c:v>4.7307360000000003</c:v>
+                  <c:v>0.22423699999999999</c:v>
                 </c:pt>
                 <c:pt idx="86">
-                  <c:v>4.9743630000000003</c:v>
+                  <c:v>0.22861000000000001</c:v>
                 </c:pt>
                 <c:pt idx="87">
-                  <c:v>4.9189189999999998</c:v>
+                  <c:v>0.23897099999999999</c:v>
                 </c:pt>
                 <c:pt idx="88">
-                  <c:v>4.9076409999999999</c:v>
+                  <c:v>0.24376100000000001</c:v>
                 </c:pt>
                 <c:pt idx="89">
-                  <c:v>4.9922589999999998</c:v>
+                  <c:v>0.25193100000000002</c:v>
                 </c:pt>
                 <c:pt idx="90">
-                  <c:v>5.3138160000000001</c:v>
+                  <c:v>0.26179000000000002</c:v>
                 </c:pt>
                 <c:pt idx="91">
-                  <c:v>5.3117520000000003</c:v>
+                  <c:v>0.27542800000000001</c:v>
                 </c:pt>
                 <c:pt idx="92">
-                  <c:v>5.3926069999999999</c:v>
+                  <c:v>0.28637200000000002</c:v>
                 </c:pt>
                 <c:pt idx="93">
-                  <c:v>5.6632189999999998</c:v>
+                  <c:v>0.285271</c:v>
                 </c:pt>
                 <c:pt idx="94">
-                  <c:v>6.300224</c:v>
+                  <c:v>0.29619899999999999</c:v>
                 </c:pt>
                 <c:pt idx="95">
-                  <c:v>6.4015370000000003</c:v>
+                  <c:v>0.312697</c:v>
                 </c:pt>
                 <c:pt idx="96">
-                  <c:v>6.3126319999999998</c:v>
+                  <c:v>0.31331700000000001</c:v>
                 </c:pt>
                 <c:pt idx="97">
-                  <c:v>6.1272690000000001</c:v>
+                  <c:v>0.32818599999999998</c:v>
                 </c:pt>
                 <c:pt idx="98">
-                  <c:v>6.2378130000000001</c:v>
+                  <c:v>0.33199899999999999</c:v>
                 </c:pt>
                 <c:pt idx="99">
-                  <c:v>6.3662929999999998</c:v>
+                  <c:v>0.346474</c:v>
                 </c:pt>
                 <c:pt idx="100">
-                  <c:v>6.6138279999999998</c:v>
+                  <c:v>0.35108400000000001</c:v>
                 </c:pt>
                 <c:pt idx="101">
-                  <c:v>6.6941579999999998</c:v>
+                  <c:v>0.35897400000000002</c:v>
                 </c:pt>
                 <c:pt idx="102">
-                  <c:v>6.8851909999999998</c:v>
+                  <c:v>0.368529</c:v>
                 </c:pt>
                 <c:pt idx="103">
-                  <c:v>6.9429090000000002</c:v>
+                  <c:v>0.36743799999999999</c:v>
                 </c:pt>
                 <c:pt idx="104">
-                  <c:v>7.1800649999999999</c:v>
+                  <c:v>0.38458900000000001</c:v>
                 </c:pt>
                 <c:pt idx="105">
-                  <c:v>7.1203070000000004</c:v>
+                  <c:v>0.382909</c:v>
                 </c:pt>
                 <c:pt idx="106">
-                  <c:v>7.2726129999999998</c:v>
+                  <c:v>0.392646</c:v>
                 </c:pt>
                 <c:pt idx="107">
-                  <c:v>7.0348379999999997</c:v>
+                  <c:v>0.41661300000000001</c:v>
                 </c:pt>
                 <c:pt idx="108">
-                  <c:v>7.9021480000000004</c:v>
+                  <c:v>0.42155399999999998</c:v>
                 </c:pt>
                 <c:pt idx="109">
-                  <c:v>8.3109219999999997</c:v>
+                  <c:v>0.42875000000000002</c:v>
                 </c:pt>
                 <c:pt idx="110">
-                  <c:v>7.6795730000000004</c:v>
+                  <c:v>0.44335599999999997</c:v>
                 </c:pt>
                 <c:pt idx="111">
-                  <c:v>7.9666959999999998</c:v>
+                  <c:v>0.45485799999999998</c:v>
                 </c:pt>
                 <c:pt idx="112">
-                  <c:v>8.2196800000000003</c:v>
+                  <c:v>0.46344000000000002</c:v>
                 </c:pt>
                 <c:pt idx="113">
-                  <c:v>8.370514</c:v>
+                  <c:v>0.46654499999999999</c:v>
                 </c:pt>
                 <c:pt idx="114">
-                  <c:v>8.7052040000000002</c:v>
+                  <c:v>0.47379900000000003</c:v>
                 </c:pt>
                 <c:pt idx="115">
-                  <c:v>8.5531520000000008</c:v>
+                  <c:v>0.48699399999999998</c:v>
                 </c:pt>
                 <c:pt idx="116">
-                  <c:v>9.5470349999999993</c:v>
+                  <c:v>0.49004700000000001</c:v>
                 </c:pt>
                 <c:pt idx="117">
-                  <c:v>8.7095909999999996</c:v>
+                  <c:v>0.50777799999999995</c:v>
                 </c:pt>
                 <c:pt idx="118">
-                  <c:v>9.5701180000000008</c:v>
+                  <c:v>0.51633600000000002</c:v>
                 </c:pt>
                 <c:pt idx="119">
-                  <c:v>9.5886220000000009</c:v>
+                  <c:v>0.53098100000000004</c:v>
                 </c:pt>
                 <c:pt idx="120">
-                  <c:v>9.3545979999999993</c:v>
+                  <c:v>0.54088499999999995</c:v>
                 </c:pt>
                 <c:pt idx="121">
-                  <c:v>9.5669170000000001</c:v>
+                  <c:v>0.551566</c:v>
                 </c:pt>
                 <c:pt idx="122">
-                  <c:v>9.0741270000000007</c:v>
+                  <c:v>0.57806299999999999</c:v>
                 </c:pt>
                 <c:pt idx="123">
-                  <c:v>9.8550590000000007</c:v>
+                  <c:v>0.53498500000000004</c:v>
                 </c:pt>
                 <c:pt idx="124">
-                  <c:v>10.276249999999999</c:v>
+                  <c:v>0.53959299999999999</c:v>
                 </c:pt>
                 <c:pt idx="125">
-                  <c:v>9.9473830000000003</c:v>
+                  <c:v>0.54682299999999995</c:v>
                 </c:pt>
                 <c:pt idx="126">
-                  <c:v>10.490990999999999</c:v>
+                  <c:v>0.56618800000000002</c:v>
                 </c:pt>
                 <c:pt idx="127">
-                  <c:v>10.458945</c:v>
+                  <c:v>0.57846900000000001</c:v>
                 </c:pt>
                 <c:pt idx="128">
-                  <c:v>10.273788</c:v>
+                  <c:v>0.59072100000000005</c:v>
                 </c:pt>
                 <c:pt idx="129">
-                  <c:v>11.191015999999999</c:v>
+                  <c:v>0.60942799999999997</c:v>
                 </c:pt>
                 <c:pt idx="130">
-                  <c:v>10.962821</c:v>
+                  <c:v>0.61504099999999995</c:v>
                 </c:pt>
                 <c:pt idx="131">
-                  <c:v>10.64941</c:v>
+                  <c:v>0.63115900000000003</c:v>
                 </c:pt>
                 <c:pt idx="132">
-                  <c:v>10.846562</c:v>
+                  <c:v>0.63809899999999997</c:v>
                 </c:pt>
                 <c:pt idx="133">
-                  <c:v>11.365389</c:v>
+                  <c:v>0.67101299999999997</c:v>
                 </c:pt>
                 <c:pt idx="134">
-                  <c:v>11.512597</c:v>
+                  <c:v>0.66178199999999998</c:v>
                 </c:pt>
                 <c:pt idx="135">
-                  <c:v>12.278826</c:v>
+                  <c:v>0.69599299999999997</c:v>
                 </c:pt>
                 <c:pt idx="136">
-                  <c:v>11.942596999999999</c:v>
+                  <c:v>0.69994400000000001</c:v>
                 </c:pt>
                 <c:pt idx="137">
-                  <c:v>12.079848999999999</c:v>
+                  <c:v>0.70040599999999997</c:v>
                 </c:pt>
                 <c:pt idx="138">
-                  <c:v>12.065248</c:v>
+                  <c:v>0.71055500000000005</c:v>
                 </c:pt>
                 <c:pt idx="139">
-                  <c:v>12.68627</c:v>
+                  <c:v>0.73916400000000004</c:v>
                 </c:pt>
                 <c:pt idx="140">
-                  <c:v>12.646387000000001</c:v>
+                  <c:v>0.73832600000000004</c:v>
                 </c:pt>
                 <c:pt idx="141">
-                  <c:v>12.892925999999999</c:v>
+                  <c:v>0.75651100000000004</c:v>
                 </c:pt>
                 <c:pt idx="142">
-                  <c:v>13.670908000000001</c:v>
+                  <c:v>0.76292599999999999</c:v>
                 </c:pt>
                 <c:pt idx="143">
-                  <c:v>13.194822</c:v>
+                  <c:v>0.78769599999999995</c:v>
                 </c:pt>
                 <c:pt idx="144">
-                  <c:v>13.458422000000001</c:v>
+                  <c:v>0.77720699999999998</c:v>
                 </c:pt>
                 <c:pt idx="145">
-                  <c:v>14.164288000000001</c:v>
+                  <c:v>0.80383099999999996</c:v>
                 </c:pt>
                 <c:pt idx="146">
-                  <c:v>14.003515</c:v>
+                  <c:v>0.83640499999999995</c:v>
                 </c:pt>
                 <c:pt idx="147">
-                  <c:v>13.576053999999999</c:v>
+                  <c:v>0.82626100000000002</c:v>
                 </c:pt>
                 <c:pt idx="148">
-                  <c:v>13.730130000000001</c:v>
+                  <c:v>0.83663399999999999</c:v>
                 </c:pt>
                 <c:pt idx="149">
-                  <c:v>14.811028</c:v>
+                  <c:v>0.85465100000000005</c:v>
                 </c:pt>
                 <c:pt idx="150">
-                  <c:v>14.340781</c:v>
+                  <c:v>0.87790800000000002</c:v>
                 </c:pt>
                 <c:pt idx="151">
-                  <c:v>15.111452</c:v>
+                  <c:v>0.88672499999999999</c:v>
                 </c:pt>
                 <c:pt idx="152">
-                  <c:v>14.800141999999999</c:v>
+                  <c:v>0.90060700000000005</c:v>
                 </c:pt>
                 <c:pt idx="153">
-                  <c:v>14.853904999999999</c:v>
+                  <c:v>0.91952699999999998</c:v>
                 </c:pt>
                 <c:pt idx="154">
-                  <c:v>15.583411999999999</c:v>
+                  <c:v>0.91734599999999999</c:v>
                 </c:pt>
                 <c:pt idx="155">
-                  <c:v>14.738377</c:v>
+                  <c:v>1.0535019999999999</c:v>
                 </c:pt>
                 <c:pt idx="156">
-                  <c:v>15.662592999999999</c:v>
+                  <c:v>0.94962899999999995</c:v>
                 </c:pt>
                 <c:pt idx="157">
-                  <c:v>15.688890000000001</c:v>
+                  <c:v>0.95687599999999995</c:v>
                 </c:pt>
                 <c:pt idx="158">
-                  <c:v>16.440995999999998</c:v>
+                  <c:v>0.99297899999999995</c:v>
                 </c:pt>
                 <c:pt idx="159">
-                  <c:v>16.126042000000002</c:v>
+                  <c:v>1.038791</c:v>
                 </c:pt>
                 <c:pt idx="160">
-                  <c:v>17.506622</c:v>
+                  <c:v>1.0168250000000001</c:v>
                 </c:pt>
                 <c:pt idx="161">
-                  <c:v>16.492327</c:v>
+                  <c:v>1.0328189999999999</c:v>
                 </c:pt>
                 <c:pt idx="162">
-                  <c:v>16.961483999999999</c:v>
+                  <c:v>1.04589</c:v>
                 </c:pt>
                 <c:pt idx="163">
-                  <c:v>16.697838999999998</c:v>
+                  <c:v>1.146458</c:v>
                 </c:pt>
                 <c:pt idx="164">
-                  <c:v>17.513076999999999</c:v>
+                  <c:v>0.87438000000000005</c:v>
                 </c:pt>
                 <c:pt idx="165">
-                  <c:v>17.392120999999999</c:v>
+                  <c:v>0.88456100000000004</c:v>
                 </c:pt>
                 <c:pt idx="166">
-                  <c:v>17.626239000000002</c:v>
+                  <c:v>0.89808600000000005</c:v>
                 </c:pt>
                 <c:pt idx="167">
-                  <c:v>18.262146000000001</c:v>
+                  <c:v>0.91993599999999998</c:v>
                 </c:pt>
                 <c:pt idx="168">
-                  <c:v>18.297640000000001</c:v>
+                  <c:v>0.92999100000000001</c:v>
                 </c:pt>
                 <c:pt idx="169">
-                  <c:v>18.341894</c:v>
+                  <c:v>0.95254799999999995</c:v>
                 </c:pt>
                 <c:pt idx="170">
-                  <c:v>18.956291</c:v>
+                  <c:v>0.97288300000000005</c:v>
                 </c:pt>
                 <c:pt idx="171">
-                  <c:v>18.534327000000001</c:v>
+                  <c:v>0.98950700000000003</c:v>
                 </c:pt>
                 <c:pt idx="172">
-                  <c:v>18.563489000000001</c:v>
+                  <c:v>1.0041340000000001</c:v>
                 </c:pt>
                 <c:pt idx="173">
-                  <c:v>19.490424999999998</c:v>
+                  <c:v>1.0206500000000001</c:v>
                 </c:pt>
                 <c:pt idx="174">
-                  <c:v>20.217963999999998</c:v>
+                  <c:v>1.0422370000000001</c:v>
                 </c:pt>
                 <c:pt idx="175">
-                  <c:v>19.070723000000001</c:v>
+                  <c:v>1.057264</c:v>
                 </c:pt>
                 <c:pt idx="176">
-                  <c:v>19.966540999999999</c:v>
+                  <c:v>1.062408</c:v>
                 </c:pt>
                 <c:pt idx="177">
-                  <c:v>19.843202000000002</c:v>
+                  <c:v>1.0720989999999999</c:v>
                 </c:pt>
                 <c:pt idx="178">
-                  <c:v>20.898661000000001</c:v>
+                  <c:v>1.1007070000000001</c:v>
                 </c:pt>
                 <c:pt idx="179">
-                  <c:v>20.092151000000001</c:v>
+                  <c:v>1.1151040000000001</c:v>
                 </c:pt>
                 <c:pt idx="180">
-                  <c:v>20.356653999999999</c:v>
+                  <c:v>1.152525</c:v>
                 </c:pt>
                 <c:pt idx="181">
-                  <c:v>21.634737000000001</c:v>
+                  <c:v>1.1525700000000001</c:v>
                 </c:pt>
                 <c:pt idx="182">
-                  <c:v>22.388055999999999</c:v>
+                  <c:v>1.1706700000000001</c:v>
                 </c:pt>
                 <c:pt idx="183">
-                  <c:v>20.906817</c:v>
+                  <c:v>1.179635</c:v>
                 </c:pt>
                 <c:pt idx="184">
-                  <c:v>20.743445999999999</c:v>
+                  <c:v>1.197835</c:v>
                 </c:pt>
                 <c:pt idx="185">
-                  <c:v>22.444198</c:v>
+                  <c:v>1.2031909999999999</c:v>
                 </c:pt>
                 <c:pt idx="186">
-                  <c:v>22.484383999999999</c:v>
+                  <c:v>1.224532</c:v>
                 </c:pt>
                 <c:pt idx="187">
-                  <c:v>24.043095000000001</c:v>
+                  <c:v>1.232324</c:v>
                 </c:pt>
                 <c:pt idx="188">
-                  <c:v>23.385743999999999</c:v>
+                  <c:v>1.26362</c:v>
                 </c:pt>
                 <c:pt idx="189">
-                  <c:v>23.380821000000001</c:v>
+                  <c:v>1.2693019999999999</c:v>
                 </c:pt>
                 <c:pt idx="190">
-                  <c:v>23.489729000000001</c:v>
+                  <c:v>1.2910509999999999</c:v>
                 </c:pt>
                 <c:pt idx="191">
-                  <c:v>23.789421999999998</c:v>
+                  <c:v>1.3282290000000001</c:v>
                 </c:pt>
                 <c:pt idx="192">
-                  <c:v>25.841698000000001</c:v>
+                  <c:v>1.34145</c:v>
                 </c:pt>
                 <c:pt idx="193">
-                  <c:v>24.585591999999998</c:v>
+                  <c:v>1.3697140000000001</c:v>
                 </c:pt>
                 <c:pt idx="194">
-                  <c:v>24.223234999999999</c:v>
+                  <c:v>1.3810659999999999</c:v>
                 </c:pt>
                 <c:pt idx="195">
-                  <c:v>28.241761</c:v>
+                  <c:v>1.4087069999999999</c:v>
                 </c:pt>
                 <c:pt idx="196">
-                  <c:v>25.830929999999999</c:v>
+                  <c:v>1.418944</c:v>
                 </c:pt>
                 <c:pt idx="197">
-                  <c:v>25.726897999999998</c:v>
+                  <c:v>1.4363710000000001</c:v>
                 </c:pt>
                 <c:pt idx="198">
-                  <c:v>24.941106000000001</c:v>
+                  <c:v>1.468253</c:v>
                 </c:pt>
                 <c:pt idx="199">
-                  <c:v>25.947392000000001</c:v>
+                  <c:v>1.4669319999999999</c:v>
                 </c:pt>
               </c:numCache>
             </c:numRef>
@@ -7049,1258 +7717,7 @@
           <c:smooth val="0"/>
           <c:extLst>
             <c:ext xmlns:c16="http://schemas.microsoft.com/office/drawing/2014/chart" uri="{C3380CC4-5D6E-409C-BE32-E72D297353CC}">
-              <c16:uniqueId val="{00000001-505D-CB4B-9EC2-99EE2941739E}"/>
-            </c:ext>
-          </c:extLst>
-        </c:ser>
-        <c:ser>
-          <c:idx val="2"/>
-          <c:order val="2"/>
-          <c:tx>
-            <c:strRef>
-              <c:f>Tabelle1!$D$1</c:f>
-              <c:strCache>
-                <c:ptCount val="1"/>
-                <c:pt idx="0">
-                  <c:v>Schnell mit kompakter Matrix</c:v>
-                </c:pt>
-              </c:strCache>
-            </c:strRef>
-          </c:tx>
-          <c:spPr>
-            <a:ln w="28575" cap="rnd">
-              <a:solidFill>
-                <a:schemeClr val="accent3"/>
-              </a:solidFill>
-              <a:round/>
-            </a:ln>
-            <a:effectLst/>
-          </c:spPr>
-          <c:marker>
-            <c:symbol val="none"/>
-          </c:marker>
-          <c:cat>
-            <c:numRef>
-              <c:f>Tabelle1!$A$2:$A$201</c:f>
-              <c:numCache>
-                <c:formatCode>General</c:formatCode>
-                <c:ptCount val="200"/>
-                <c:pt idx="0">
-                  <c:v>0</c:v>
-                </c:pt>
-                <c:pt idx="1">
-                  <c:v>50</c:v>
-                </c:pt>
-                <c:pt idx="2">
-                  <c:v>100</c:v>
-                </c:pt>
-                <c:pt idx="3">
-                  <c:v>150</c:v>
-                </c:pt>
-                <c:pt idx="4">
-                  <c:v>200</c:v>
-                </c:pt>
-                <c:pt idx="5">
-                  <c:v>250</c:v>
-                </c:pt>
-                <c:pt idx="6">
-                  <c:v>300</c:v>
-                </c:pt>
-                <c:pt idx="7">
-                  <c:v>350</c:v>
-                </c:pt>
-                <c:pt idx="8">
-                  <c:v>400</c:v>
-                </c:pt>
-                <c:pt idx="9">
-                  <c:v>450</c:v>
-                </c:pt>
-                <c:pt idx="10">
-                  <c:v>500</c:v>
-                </c:pt>
-                <c:pt idx="11">
-                  <c:v>550</c:v>
-                </c:pt>
-                <c:pt idx="12">
-                  <c:v>600</c:v>
-                </c:pt>
-                <c:pt idx="13">
-                  <c:v>650</c:v>
-                </c:pt>
-                <c:pt idx="14">
-                  <c:v>700</c:v>
-                </c:pt>
-                <c:pt idx="15">
-                  <c:v>750</c:v>
-                </c:pt>
-                <c:pt idx="16">
-                  <c:v>800</c:v>
-                </c:pt>
-                <c:pt idx="17">
-                  <c:v>850</c:v>
-                </c:pt>
-                <c:pt idx="18">
-                  <c:v>900</c:v>
-                </c:pt>
-                <c:pt idx="19">
-                  <c:v>950</c:v>
-                </c:pt>
-                <c:pt idx="20">
-                  <c:v>1000</c:v>
-                </c:pt>
-                <c:pt idx="21">
-                  <c:v>1050</c:v>
-                </c:pt>
-                <c:pt idx="22">
-                  <c:v>1100</c:v>
-                </c:pt>
-                <c:pt idx="23">
-                  <c:v>1150</c:v>
-                </c:pt>
-                <c:pt idx="24">
-                  <c:v>1200</c:v>
-                </c:pt>
-                <c:pt idx="25">
-                  <c:v>1250</c:v>
-                </c:pt>
-                <c:pt idx="26">
-                  <c:v>1300</c:v>
-                </c:pt>
-                <c:pt idx="27">
-                  <c:v>1350</c:v>
-                </c:pt>
-                <c:pt idx="28">
-                  <c:v>1400</c:v>
-                </c:pt>
-                <c:pt idx="29">
-                  <c:v>1450</c:v>
-                </c:pt>
-                <c:pt idx="30">
-                  <c:v>1500</c:v>
-                </c:pt>
-                <c:pt idx="31">
-                  <c:v>1550</c:v>
-                </c:pt>
-                <c:pt idx="32">
-                  <c:v>1600</c:v>
-                </c:pt>
-                <c:pt idx="33">
-                  <c:v>1650</c:v>
-                </c:pt>
-                <c:pt idx="34">
-                  <c:v>1700</c:v>
-                </c:pt>
-                <c:pt idx="35">
-                  <c:v>1750</c:v>
-                </c:pt>
-                <c:pt idx="36">
-                  <c:v>1800</c:v>
-                </c:pt>
-                <c:pt idx="37">
-                  <c:v>1850</c:v>
-                </c:pt>
-                <c:pt idx="38">
-                  <c:v>1900</c:v>
-                </c:pt>
-                <c:pt idx="39">
-                  <c:v>1950</c:v>
-                </c:pt>
-                <c:pt idx="40">
-                  <c:v>2000</c:v>
-                </c:pt>
-                <c:pt idx="41">
-                  <c:v>2050</c:v>
-                </c:pt>
-                <c:pt idx="42">
-                  <c:v>2100</c:v>
-                </c:pt>
-                <c:pt idx="43">
-                  <c:v>2150</c:v>
-                </c:pt>
-                <c:pt idx="44">
-                  <c:v>2200</c:v>
-                </c:pt>
-                <c:pt idx="45">
-                  <c:v>2250</c:v>
-                </c:pt>
-                <c:pt idx="46">
-                  <c:v>2300</c:v>
-                </c:pt>
-                <c:pt idx="47">
-                  <c:v>2350</c:v>
-                </c:pt>
-                <c:pt idx="48">
-                  <c:v>2400</c:v>
-                </c:pt>
-                <c:pt idx="49">
-                  <c:v>2450</c:v>
-                </c:pt>
-                <c:pt idx="50">
-                  <c:v>2500</c:v>
-                </c:pt>
-                <c:pt idx="51">
-                  <c:v>2550</c:v>
-                </c:pt>
-                <c:pt idx="52">
-                  <c:v>2600</c:v>
-                </c:pt>
-                <c:pt idx="53">
-                  <c:v>2650</c:v>
-                </c:pt>
-                <c:pt idx="54">
-                  <c:v>2700</c:v>
-                </c:pt>
-                <c:pt idx="55">
-                  <c:v>2750</c:v>
-                </c:pt>
-                <c:pt idx="56">
-                  <c:v>2800</c:v>
-                </c:pt>
-                <c:pt idx="57">
-                  <c:v>2850</c:v>
-                </c:pt>
-                <c:pt idx="58">
-                  <c:v>2900</c:v>
-                </c:pt>
-                <c:pt idx="59">
-                  <c:v>2950</c:v>
-                </c:pt>
-                <c:pt idx="60">
-                  <c:v>3000</c:v>
-                </c:pt>
-                <c:pt idx="61">
-                  <c:v>3050</c:v>
-                </c:pt>
-                <c:pt idx="62">
-                  <c:v>3100</c:v>
-                </c:pt>
-                <c:pt idx="63">
-                  <c:v>3150</c:v>
-                </c:pt>
-                <c:pt idx="64">
-                  <c:v>3200</c:v>
-                </c:pt>
-                <c:pt idx="65">
-                  <c:v>3250</c:v>
-                </c:pt>
-                <c:pt idx="66">
-                  <c:v>3300</c:v>
-                </c:pt>
-                <c:pt idx="67">
-                  <c:v>3350</c:v>
-                </c:pt>
-                <c:pt idx="68">
-                  <c:v>3400</c:v>
-                </c:pt>
-                <c:pt idx="69">
-                  <c:v>3450</c:v>
-                </c:pt>
-                <c:pt idx="70">
-                  <c:v>3500</c:v>
-                </c:pt>
-                <c:pt idx="71">
-                  <c:v>3550</c:v>
-                </c:pt>
-                <c:pt idx="72">
-                  <c:v>3600</c:v>
-                </c:pt>
-                <c:pt idx="73">
-                  <c:v>3650</c:v>
-                </c:pt>
-                <c:pt idx="74">
-                  <c:v>3700</c:v>
-                </c:pt>
-                <c:pt idx="75">
-                  <c:v>3750</c:v>
-                </c:pt>
-                <c:pt idx="76">
-                  <c:v>3800</c:v>
-                </c:pt>
-                <c:pt idx="77">
-                  <c:v>3850</c:v>
-                </c:pt>
-                <c:pt idx="78">
-                  <c:v>3900</c:v>
-                </c:pt>
-                <c:pt idx="79">
-                  <c:v>3950</c:v>
-                </c:pt>
-                <c:pt idx="80">
-                  <c:v>4000</c:v>
-                </c:pt>
-                <c:pt idx="81">
-                  <c:v>4050</c:v>
-                </c:pt>
-                <c:pt idx="82">
-                  <c:v>4100</c:v>
-                </c:pt>
-                <c:pt idx="83">
-                  <c:v>4150</c:v>
-                </c:pt>
-                <c:pt idx="84">
-                  <c:v>4200</c:v>
-                </c:pt>
-                <c:pt idx="85">
-                  <c:v>4250</c:v>
-                </c:pt>
-                <c:pt idx="86">
-                  <c:v>4300</c:v>
-                </c:pt>
-                <c:pt idx="87">
-                  <c:v>4350</c:v>
-                </c:pt>
-                <c:pt idx="88">
-                  <c:v>4400</c:v>
-                </c:pt>
-                <c:pt idx="89">
-                  <c:v>4450</c:v>
-                </c:pt>
-                <c:pt idx="90">
-                  <c:v>4500</c:v>
-                </c:pt>
-                <c:pt idx="91">
-                  <c:v>4550</c:v>
-                </c:pt>
-                <c:pt idx="92">
-                  <c:v>4600</c:v>
-                </c:pt>
-                <c:pt idx="93">
-                  <c:v>4650</c:v>
-                </c:pt>
-                <c:pt idx="94">
-                  <c:v>4700</c:v>
-                </c:pt>
-                <c:pt idx="95">
-                  <c:v>4750</c:v>
-                </c:pt>
-                <c:pt idx="96">
-                  <c:v>4800</c:v>
-                </c:pt>
-                <c:pt idx="97">
-                  <c:v>4850</c:v>
-                </c:pt>
-                <c:pt idx="98">
-                  <c:v>4900</c:v>
-                </c:pt>
-                <c:pt idx="99">
-                  <c:v>4950</c:v>
-                </c:pt>
-                <c:pt idx="100">
-                  <c:v>5000</c:v>
-                </c:pt>
-                <c:pt idx="101">
-                  <c:v>5050</c:v>
-                </c:pt>
-                <c:pt idx="102">
-                  <c:v>5100</c:v>
-                </c:pt>
-                <c:pt idx="103">
-                  <c:v>5150</c:v>
-                </c:pt>
-                <c:pt idx="104">
-                  <c:v>5200</c:v>
-                </c:pt>
-                <c:pt idx="105">
-                  <c:v>5250</c:v>
-                </c:pt>
-                <c:pt idx="106">
-                  <c:v>5300</c:v>
-                </c:pt>
-                <c:pt idx="107">
-                  <c:v>5350</c:v>
-                </c:pt>
-                <c:pt idx="108">
-                  <c:v>5400</c:v>
-                </c:pt>
-                <c:pt idx="109">
-                  <c:v>5450</c:v>
-                </c:pt>
-                <c:pt idx="110">
-                  <c:v>5500</c:v>
-                </c:pt>
-                <c:pt idx="111">
-                  <c:v>5550</c:v>
-                </c:pt>
-                <c:pt idx="112">
-                  <c:v>5600</c:v>
-                </c:pt>
-                <c:pt idx="113">
-                  <c:v>5650</c:v>
-                </c:pt>
-                <c:pt idx="114">
-                  <c:v>5700</c:v>
-                </c:pt>
-                <c:pt idx="115">
-                  <c:v>5750</c:v>
-                </c:pt>
-                <c:pt idx="116">
-                  <c:v>5800</c:v>
-                </c:pt>
-                <c:pt idx="117">
-                  <c:v>5850</c:v>
-                </c:pt>
-                <c:pt idx="118">
-                  <c:v>5900</c:v>
-                </c:pt>
-                <c:pt idx="119">
-                  <c:v>5950</c:v>
-                </c:pt>
-                <c:pt idx="120">
-                  <c:v>6000</c:v>
-                </c:pt>
-                <c:pt idx="121">
-                  <c:v>6050</c:v>
-                </c:pt>
-                <c:pt idx="122">
-                  <c:v>6100</c:v>
-                </c:pt>
-                <c:pt idx="123">
-                  <c:v>6150</c:v>
-                </c:pt>
-                <c:pt idx="124">
-                  <c:v>6200</c:v>
-                </c:pt>
-                <c:pt idx="125">
-                  <c:v>6250</c:v>
-                </c:pt>
-                <c:pt idx="126">
-                  <c:v>6300</c:v>
-                </c:pt>
-                <c:pt idx="127">
-                  <c:v>6350</c:v>
-                </c:pt>
-                <c:pt idx="128">
-                  <c:v>6400</c:v>
-                </c:pt>
-                <c:pt idx="129">
-                  <c:v>6450</c:v>
-                </c:pt>
-                <c:pt idx="130">
-                  <c:v>6500</c:v>
-                </c:pt>
-                <c:pt idx="131">
-                  <c:v>6550</c:v>
-                </c:pt>
-                <c:pt idx="132">
-                  <c:v>6600</c:v>
-                </c:pt>
-                <c:pt idx="133">
-                  <c:v>6650</c:v>
-                </c:pt>
-                <c:pt idx="134">
-                  <c:v>6700</c:v>
-                </c:pt>
-                <c:pt idx="135">
-                  <c:v>6750</c:v>
-                </c:pt>
-                <c:pt idx="136">
-                  <c:v>6800</c:v>
-                </c:pt>
-                <c:pt idx="137">
-                  <c:v>6850</c:v>
-                </c:pt>
-                <c:pt idx="138">
-                  <c:v>6900</c:v>
-                </c:pt>
-                <c:pt idx="139">
-                  <c:v>6950</c:v>
-                </c:pt>
-                <c:pt idx="140">
-                  <c:v>7000</c:v>
-                </c:pt>
-                <c:pt idx="141">
-                  <c:v>7050</c:v>
-                </c:pt>
-                <c:pt idx="142">
-                  <c:v>7100</c:v>
-                </c:pt>
-                <c:pt idx="143">
-                  <c:v>7150</c:v>
-                </c:pt>
-                <c:pt idx="144">
-                  <c:v>7200</c:v>
-                </c:pt>
-                <c:pt idx="145">
-                  <c:v>7250</c:v>
-                </c:pt>
-                <c:pt idx="146">
-                  <c:v>7300</c:v>
-                </c:pt>
-                <c:pt idx="147">
-                  <c:v>7350</c:v>
-                </c:pt>
-                <c:pt idx="148">
-                  <c:v>7400</c:v>
-                </c:pt>
-                <c:pt idx="149">
-                  <c:v>7450</c:v>
-                </c:pt>
-                <c:pt idx="150">
-                  <c:v>7500</c:v>
-                </c:pt>
-                <c:pt idx="151">
-                  <c:v>7550</c:v>
-                </c:pt>
-                <c:pt idx="152">
-                  <c:v>7600</c:v>
-                </c:pt>
-                <c:pt idx="153">
-                  <c:v>7650</c:v>
-                </c:pt>
-                <c:pt idx="154">
-                  <c:v>7700</c:v>
-                </c:pt>
-                <c:pt idx="155">
-                  <c:v>7750</c:v>
-                </c:pt>
-                <c:pt idx="156">
-                  <c:v>7800</c:v>
-                </c:pt>
-                <c:pt idx="157">
-                  <c:v>7850</c:v>
-                </c:pt>
-                <c:pt idx="158">
-                  <c:v>7900</c:v>
-                </c:pt>
-                <c:pt idx="159">
-                  <c:v>7950</c:v>
-                </c:pt>
-                <c:pt idx="160">
-                  <c:v>8000</c:v>
-                </c:pt>
-                <c:pt idx="161">
-                  <c:v>8050</c:v>
-                </c:pt>
-                <c:pt idx="162">
-                  <c:v>8100</c:v>
-                </c:pt>
-                <c:pt idx="163">
-                  <c:v>8150</c:v>
-                </c:pt>
-                <c:pt idx="164">
-                  <c:v>8200</c:v>
-                </c:pt>
-                <c:pt idx="165">
-                  <c:v>8250</c:v>
-                </c:pt>
-                <c:pt idx="166">
-                  <c:v>8300</c:v>
-                </c:pt>
-                <c:pt idx="167">
-                  <c:v>8350</c:v>
-                </c:pt>
-                <c:pt idx="168">
-                  <c:v>8400</c:v>
-                </c:pt>
-                <c:pt idx="169">
-                  <c:v>8450</c:v>
-                </c:pt>
-                <c:pt idx="170">
-                  <c:v>8500</c:v>
-                </c:pt>
-                <c:pt idx="171">
-                  <c:v>8550</c:v>
-                </c:pt>
-                <c:pt idx="172">
-                  <c:v>8600</c:v>
-                </c:pt>
-                <c:pt idx="173">
-                  <c:v>8650</c:v>
-                </c:pt>
-                <c:pt idx="174">
-                  <c:v>8700</c:v>
-                </c:pt>
-                <c:pt idx="175">
-                  <c:v>8750</c:v>
-                </c:pt>
-                <c:pt idx="176">
-                  <c:v>8800</c:v>
-                </c:pt>
-                <c:pt idx="177">
-                  <c:v>8850</c:v>
-                </c:pt>
-                <c:pt idx="178">
-                  <c:v>8900</c:v>
-                </c:pt>
-                <c:pt idx="179">
-                  <c:v>8950</c:v>
-                </c:pt>
-                <c:pt idx="180">
-                  <c:v>9000</c:v>
-                </c:pt>
-                <c:pt idx="181">
-                  <c:v>9050</c:v>
-                </c:pt>
-                <c:pt idx="182">
-                  <c:v>9100</c:v>
-                </c:pt>
-                <c:pt idx="183">
-                  <c:v>9150</c:v>
-                </c:pt>
-                <c:pt idx="184">
-                  <c:v>9200</c:v>
-                </c:pt>
-                <c:pt idx="185">
-                  <c:v>9250</c:v>
-                </c:pt>
-                <c:pt idx="186">
-                  <c:v>9300</c:v>
-                </c:pt>
-                <c:pt idx="187">
-                  <c:v>9350</c:v>
-                </c:pt>
-                <c:pt idx="188">
-                  <c:v>9400</c:v>
-                </c:pt>
-                <c:pt idx="189">
-                  <c:v>9450</c:v>
-                </c:pt>
-                <c:pt idx="190">
-                  <c:v>9500</c:v>
-                </c:pt>
-                <c:pt idx="191">
-                  <c:v>9550</c:v>
-                </c:pt>
-                <c:pt idx="192">
-                  <c:v>9600</c:v>
-                </c:pt>
-                <c:pt idx="193">
-                  <c:v>9650</c:v>
-                </c:pt>
-                <c:pt idx="194">
-                  <c:v>9700</c:v>
-                </c:pt>
-                <c:pt idx="195">
-                  <c:v>9750</c:v>
-                </c:pt>
-                <c:pt idx="196">
-                  <c:v>9800</c:v>
-                </c:pt>
-                <c:pt idx="197">
-                  <c:v>9850</c:v>
-                </c:pt>
-                <c:pt idx="198">
-                  <c:v>9900</c:v>
-                </c:pt>
-                <c:pt idx="199">
-                  <c:v>9950</c:v>
-                </c:pt>
-              </c:numCache>
-            </c:numRef>
-          </c:cat>
-          <c:val>
-            <c:numRef>
-              <c:f>Tabelle1!$D$2:$D$201</c:f>
-              <c:numCache>
-                <c:formatCode>General</c:formatCode>
-                <c:ptCount val="200"/>
-                <c:pt idx="0">
-                  <c:v>1.0900000000000001E-4</c:v>
-                </c:pt>
-                <c:pt idx="1">
-                  <c:v>1.572E-3</c:v>
-                </c:pt>
-                <c:pt idx="2">
-                  <c:v>3.6970000000000002E-3</c:v>
-                </c:pt>
-                <c:pt idx="3">
-                  <c:v>4.052E-3</c:v>
-                </c:pt>
-                <c:pt idx="4">
-                  <c:v>2.5790000000000001E-3</c:v>
-                </c:pt>
-                <c:pt idx="5">
-                  <c:v>4.8609999999999999E-3</c:v>
-                </c:pt>
-                <c:pt idx="6">
-                  <c:v>3.712E-3</c:v>
-                </c:pt>
-                <c:pt idx="7">
-                  <c:v>4.4180000000000001E-3</c:v>
-                </c:pt>
-                <c:pt idx="8">
-                  <c:v>4.5030000000000001E-3</c:v>
-                </c:pt>
-                <c:pt idx="9">
-                  <c:v>6.4130000000000003E-3</c:v>
-                </c:pt>
-                <c:pt idx="10">
-                  <c:v>6.9129999999999999E-3</c:v>
-                </c:pt>
-                <c:pt idx="11">
-                  <c:v>7.1219999999999999E-3</c:v>
-                </c:pt>
-                <c:pt idx="12">
-                  <c:v>7.6540000000000002E-3</c:v>
-                </c:pt>
-                <c:pt idx="13">
-                  <c:v>9.9810000000000003E-3</c:v>
-                </c:pt>
-                <c:pt idx="14">
-                  <c:v>1.4807000000000001E-2</c:v>
-                </c:pt>
-                <c:pt idx="15">
-                  <c:v>1.5880999999999999E-2</c:v>
-                </c:pt>
-                <c:pt idx="16">
-                  <c:v>1.5769999999999999E-2</c:v>
-                </c:pt>
-                <c:pt idx="17">
-                  <c:v>1.8119E-2</c:v>
-                </c:pt>
-                <c:pt idx="18">
-                  <c:v>1.9650000000000001E-2</c:v>
-                </c:pt>
-                <c:pt idx="19">
-                  <c:v>2.3111E-2</c:v>
-                </c:pt>
-                <c:pt idx="20">
-                  <c:v>2.6557999999999998E-2</c:v>
-                </c:pt>
-                <c:pt idx="21">
-                  <c:v>2.0854999999999999E-2</c:v>
-                </c:pt>
-                <c:pt idx="22">
-                  <c:v>3.1304999999999999E-2</c:v>
-                </c:pt>
-                <c:pt idx="23">
-                  <c:v>2.6069999999999999E-2</c:v>
-                </c:pt>
-                <c:pt idx="24">
-                  <c:v>2.7248000000000001E-2</c:v>
-                </c:pt>
-                <c:pt idx="25">
-                  <c:v>4.0545999999999999E-2</c:v>
-                </c:pt>
-                <c:pt idx="26">
-                  <c:v>2.6005E-2</c:v>
-                </c:pt>
-                <c:pt idx="27">
-                  <c:v>3.9099000000000002E-2</c:v>
-                </c:pt>
-                <c:pt idx="28">
-                  <c:v>5.2801000000000001E-2</c:v>
-                </c:pt>
-                <c:pt idx="29">
-                  <c:v>4.7545999999999998E-2</c:v>
-                </c:pt>
-                <c:pt idx="30">
-                  <c:v>5.1367000000000003E-2</c:v>
-                </c:pt>
-                <c:pt idx="31">
-                  <c:v>4.6543000000000001E-2</c:v>
-                </c:pt>
-                <c:pt idx="32">
-                  <c:v>5.0574000000000001E-2</c:v>
-                </c:pt>
-                <c:pt idx="33">
-                  <c:v>5.4900999999999998E-2</c:v>
-                </c:pt>
-                <c:pt idx="34">
-                  <c:v>6.003E-2</c:v>
-                </c:pt>
-                <c:pt idx="35">
-                  <c:v>8.7050000000000002E-2</c:v>
-                </c:pt>
-                <c:pt idx="36">
-                  <c:v>6.8693000000000004E-2</c:v>
-                </c:pt>
-                <c:pt idx="37">
-                  <c:v>7.3120000000000004E-2</c:v>
-                </c:pt>
-                <c:pt idx="38">
-                  <c:v>9.7992999999999997E-2</c:v>
-                </c:pt>
-                <c:pt idx="39">
-                  <c:v>9.2799000000000006E-2</c:v>
-                </c:pt>
-                <c:pt idx="40">
-                  <c:v>8.9081999999999995E-2</c:v>
-                </c:pt>
-                <c:pt idx="41">
-                  <c:v>7.8798000000000007E-2</c:v>
-                </c:pt>
-                <c:pt idx="42">
-                  <c:v>8.6828000000000002E-2</c:v>
-                </c:pt>
-                <c:pt idx="43">
-                  <c:v>0.11402</c:v>
-                </c:pt>
-                <c:pt idx="44">
-                  <c:v>0.11303100000000001</c:v>
-                </c:pt>
-                <c:pt idx="45">
-                  <c:v>0.107641</c:v>
-                </c:pt>
-                <c:pt idx="46">
-                  <c:v>0.115816</c:v>
-                </c:pt>
-                <c:pt idx="47">
-                  <c:v>0.112299</c:v>
-                </c:pt>
-                <c:pt idx="48">
-                  <c:v>0.115193</c:v>
-                </c:pt>
-                <c:pt idx="49">
-                  <c:v>0.124641</c:v>
-                </c:pt>
-                <c:pt idx="50">
-                  <c:v>0.142987</c:v>
-                </c:pt>
-                <c:pt idx="51">
-                  <c:v>0.13395899999999999</c:v>
-                </c:pt>
-                <c:pt idx="52">
-                  <c:v>0.13634199999999999</c:v>
-                </c:pt>
-                <c:pt idx="53">
-                  <c:v>0.143375</c:v>
-                </c:pt>
-                <c:pt idx="54">
-                  <c:v>0.15171699999999999</c:v>
-                </c:pt>
-                <c:pt idx="55">
-                  <c:v>0.17033999999999999</c:v>
-                </c:pt>
-                <c:pt idx="56">
-                  <c:v>0.182558</c:v>
-                </c:pt>
-                <c:pt idx="57">
-                  <c:v>0.18304799999999999</c:v>
-                </c:pt>
-                <c:pt idx="58">
-                  <c:v>0.174263</c:v>
-                </c:pt>
-                <c:pt idx="59">
-                  <c:v>0.179088</c:v>
-                </c:pt>
-                <c:pt idx="60">
-                  <c:v>0.19381699999999999</c:v>
-                </c:pt>
-                <c:pt idx="61">
-                  <c:v>0.201794</c:v>
-                </c:pt>
-                <c:pt idx="62">
-                  <c:v>0.19150700000000001</c:v>
-                </c:pt>
-                <c:pt idx="63">
-                  <c:v>0.20450599999999999</c:v>
-                </c:pt>
-                <c:pt idx="64">
-                  <c:v>0.21601999999999999</c:v>
-                </c:pt>
-                <c:pt idx="65">
-                  <c:v>0.237785</c:v>
-                </c:pt>
-                <c:pt idx="66">
-                  <c:v>0.23191700000000001</c:v>
-                </c:pt>
-                <c:pt idx="67">
-                  <c:v>0.24149200000000001</c:v>
-                </c:pt>
-                <c:pt idx="68">
-                  <c:v>0.23896100000000001</c:v>
-                </c:pt>
-                <c:pt idx="69">
-                  <c:v>0.25364100000000001</c:v>
-                </c:pt>
-                <c:pt idx="70">
-                  <c:v>0.25866800000000001</c:v>
-                </c:pt>
-                <c:pt idx="71">
-                  <c:v>0.26712399999999997</c:v>
-                </c:pt>
-                <c:pt idx="72">
-                  <c:v>0.26544899999999999</c:v>
-                </c:pt>
-                <c:pt idx="73">
-                  <c:v>0.31218899999999999</c:v>
-                </c:pt>
-                <c:pt idx="74">
-                  <c:v>0.29234599999999999</c:v>
-                </c:pt>
-                <c:pt idx="75">
-                  <c:v>0.32764500000000002</c:v>
-                </c:pt>
-                <c:pt idx="76">
-                  <c:v>0.303981</c:v>
-                </c:pt>
-                <c:pt idx="77">
-                  <c:v>0.30186000000000002</c:v>
-                </c:pt>
-                <c:pt idx="78">
-                  <c:v>0.356769</c:v>
-                </c:pt>
-                <c:pt idx="79">
-                  <c:v>0.36682100000000001</c:v>
-                </c:pt>
-                <c:pt idx="80">
-                  <c:v>0.34741100000000003</c:v>
-                </c:pt>
-                <c:pt idx="81">
-                  <c:v>0.44373099999999999</c:v>
-                </c:pt>
-                <c:pt idx="82">
-                  <c:v>0.32436599999999999</c:v>
-                </c:pt>
-                <c:pt idx="83">
-                  <c:v>0.30685400000000002</c:v>
-                </c:pt>
-                <c:pt idx="84">
-                  <c:v>0.32619799999999999</c:v>
-                </c:pt>
-                <c:pt idx="85">
-                  <c:v>0.32226399999999999</c:v>
-                </c:pt>
-                <c:pt idx="86">
-                  <c:v>0.33118700000000001</c:v>
-                </c:pt>
-                <c:pt idx="87">
-                  <c:v>0.34716900000000001</c:v>
-                </c:pt>
-                <c:pt idx="88">
-                  <c:v>0.35181499999999999</c:v>
-                </c:pt>
-                <c:pt idx="89">
-                  <c:v>0.36592799999999998</c:v>
-                </c:pt>
-                <c:pt idx="90">
-                  <c:v>0.41245999999999999</c:v>
-                </c:pt>
-                <c:pt idx="91">
-                  <c:v>0.39502999999999999</c:v>
-                </c:pt>
-                <c:pt idx="92">
-                  <c:v>0.39658300000000002</c:v>
-                </c:pt>
-                <c:pt idx="93">
-                  <c:v>0.421402</c:v>
-                </c:pt>
-                <c:pt idx="94">
-                  <c:v>0.39761000000000002</c:v>
-                </c:pt>
-                <c:pt idx="95">
-                  <c:v>0.47868500000000003</c:v>
-                </c:pt>
-                <c:pt idx="96">
-                  <c:v>0.50126000000000004</c:v>
-                </c:pt>
-                <c:pt idx="97">
-                  <c:v>0.505718</c:v>
-                </c:pt>
-                <c:pt idx="98">
-                  <c:v>0.52115100000000003</c:v>
-                </c:pt>
-                <c:pt idx="99">
-                  <c:v>0.515602</c:v>
-                </c:pt>
-                <c:pt idx="100">
-                  <c:v>0.491317</c:v>
-                </c:pt>
-                <c:pt idx="101">
-                  <c:v>0.51462399999999997</c:v>
-                </c:pt>
-                <c:pt idx="102">
-                  <c:v>0.53321399999999997</c:v>
-                </c:pt>
-                <c:pt idx="103">
-                  <c:v>0.55968899999999999</c:v>
-                </c:pt>
-                <c:pt idx="104">
-                  <c:v>0.56430000000000002</c:v>
-                </c:pt>
-                <c:pt idx="105">
-                  <c:v>0.58325800000000005</c:v>
-                </c:pt>
-                <c:pt idx="106">
-                  <c:v>0.53368099999999996</c:v>
-                </c:pt>
-                <c:pt idx="107">
-                  <c:v>0.63942200000000005</c:v>
-                </c:pt>
-                <c:pt idx="108">
-                  <c:v>0.57174499999999995</c:v>
-                </c:pt>
-                <c:pt idx="109">
-                  <c:v>0.602607</c:v>
-                </c:pt>
-                <c:pt idx="110">
-                  <c:v>0.62565000000000004</c:v>
-                </c:pt>
-                <c:pt idx="111">
-                  <c:v>0.74398900000000001</c:v>
-                </c:pt>
-                <c:pt idx="112">
-                  <c:v>0.68699399999999999</c:v>
-                </c:pt>
-                <c:pt idx="113">
-                  <c:v>0.63615299999999997</c:v>
-                </c:pt>
-                <c:pt idx="114">
-                  <c:v>0.72870800000000002</c:v>
-                </c:pt>
-                <c:pt idx="115">
-                  <c:v>0.73454900000000001</c:v>
-                </c:pt>
-                <c:pt idx="116">
-                  <c:v>0.64986900000000003</c:v>
-                </c:pt>
-                <c:pt idx="117">
-                  <c:v>0.748749</c:v>
-                </c:pt>
-                <c:pt idx="118">
-                  <c:v>0.77440600000000004</c:v>
-                </c:pt>
-                <c:pt idx="119">
-                  <c:v>0.73661399999999999</c:v>
-                </c:pt>
-                <c:pt idx="120">
-                  <c:v>0.79103800000000002</c:v>
-                </c:pt>
-                <c:pt idx="121">
-                  <c:v>0.79961800000000005</c:v>
-                </c:pt>
-                <c:pt idx="122">
-                  <c:v>0.80533299999999997</c:v>
-                </c:pt>
-                <c:pt idx="123">
-                  <c:v>0.718005</c:v>
-                </c:pt>
-                <c:pt idx="124">
-                  <c:v>0.74662200000000001</c:v>
-                </c:pt>
-                <c:pt idx="125">
-                  <c:v>0.75450799999999996</c:v>
-                </c:pt>
-                <c:pt idx="126">
-                  <c:v>0.79516500000000001</c:v>
-                </c:pt>
-                <c:pt idx="127">
-                  <c:v>0.80733299999999997</c:v>
-                </c:pt>
-                <c:pt idx="128">
-                  <c:v>0.89602599999999999</c:v>
-                </c:pt>
-                <c:pt idx="129">
-                  <c:v>0.84573100000000001</c:v>
-                </c:pt>
-                <c:pt idx="130">
-                  <c:v>0.85931599999999997</c:v>
-                </c:pt>
-                <c:pt idx="131">
-                  <c:v>0.86712400000000001</c:v>
-                </c:pt>
-                <c:pt idx="132">
-                  <c:v>0.86774499999999999</c:v>
-                </c:pt>
-                <c:pt idx="133">
-                  <c:v>0.91493000000000002</c:v>
-                </c:pt>
-                <c:pt idx="134">
-                  <c:v>1.000569</c:v>
-                </c:pt>
-                <c:pt idx="135">
-                  <c:v>0.87839800000000001</c:v>
-                </c:pt>
-                <c:pt idx="136">
-                  <c:v>0.95200200000000001</c:v>
-                </c:pt>
-                <c:pt idx="137">
-                  <c:v>0.95305499999999999</c:v>
-                </c:pt>
-                <c:pt idx="138">
-                  <c:v>0.93725400000000003</c:v>
-                </c:pt>
-                <c:pt idx="139">
-                  <c:v>1.0494380000000001</c:v>
-                </c:pt>
-                <c:pt idx="140">
-                  <c:v>1.0941970000000001</c:v>
-                </c:pt>
-                <c:pt idx="141">
-                  <c:v>1.117388</c:v>
-                </c:pt>
-                <c:pt idx="142">
-                  <c:v>1.0300579999999999</c:v>
-                </c:pt>
-                <c:pt idx="143">
-                  <c:v>1.334476</c:v>
-                </c:pt>
-                <c:pt idx="144">
-                  <c:v>1.179738</c:v>
-                </c:pt>
-                <c:pt idx="145">
-                  <c:v>1.138838</c:v>
-                </c:pt>
-                <c:pt idx="146">
-                  <c:v>1.0792550000000001</c:v>
-                </c:pt>
-                <c:pt idx="147">
-                  <c:v>1.211627</c:v>
-                </c:pt>
-                <c:pt idx="148">
-                  <c:v>1.095078</c:v>
-                </c:pt>
-                <c:pt idx="149">
-                  <c:v>1.146177</c:v>
-                </c:pt>
-                <c:pt idx="150">
-                  <c:v>1.198985</c:v>
-                </c:pt>
-                <c:pt idx="151">
-                  <c:v>1.257117</c:v>
-                </c:pt>
-                <c:pt idx="152">
-                  <c:v>1.140274</c:v>
-                </c:pt>
-                <c:pt idx="153">
-                  <c:v>1.3610880000000001</c:v>
-                </c:pt>
-                <c:pt idx="154">
-                  <c:v>1.1092249999999999</c:v>
-                </c:pt>
-                <c:pt idx="155">
-                  <c:v>1.2129490000000001</c:v>
-                </c:pt>
-                <c:pt idx="156">
-                  <c:v>1.2111730000000001</c:v>
-                </c:pt>
-                <c:pt idx="157">
-                  <c:v>1.326559</c:v>
-                </c:pt>
-                <c:pt idx="158">
-                  <c:v>1.400336</c:v>
-                </c:pt>
-                <c:pt idx="159">
-                  <c:v>1.2767679999999999</c:v>
-                </c:pt>
-                <c:pt idx="160">
-                  <c:v>1.459133</c:v>
-                </c:pt>
-                <c:pt idx="161">
-                  <c:v>1.6762379999999999</c:v>
-                </c:pt>
-                <c:pt idx="162">
-                  <c:v>1.438828</c:v>
-                </c:pt>
-                <c:pt idx="163">
-                  <c:v>1.4821770000000001</c:v>
-                </c:pt>
-                <c:pt idx="164">
-                  <c:v>1.1974370000000001</c:v>
-                </c:pt>
-                <c:pt idx="165">
-                  <c:v>1.2232430000000001</c:v>
-                </c:pt>
-                <c:pt idx="166">
-                  <c:v>1.2963499999999999</c:v>
-                </c:pt>
-                <c:pt idx="167">
-                  <c:v>1.260642</c:v>
-                </c:pt>
-                <c:pt idx="168">
-                  <c:v>1.2650950000000001</c:v>
-                </c:pt>
-                <c:pt idx="169">
-                  <c:v>1.2948139999999999</c:v>
-                </c:pt>
-                <c:pt idx="170">
-                  <c:v>1.447778</c:v>
-                </c:pt>
-                <c:pt idx="171">
-                  <c:v>1.307123</c:v>
-                </c:pt>
-                <c:pt idx="172">
-                  <c:v>1.3027550000000001</c:v>
-                </c:pt>
-                <c:pt idx="173">
-                  <c:v>1.406242</c:v>
-                </c:pt>
-                <c:pt idx="174">
-                  <c:v>1.405097</c:v>
-                </c:pt>
-                <c:pt idx="175">
-                  <c:v>1.462372</c:v>
-                </c:pt>
-                <c:pt idx="176">
-                  <c:v>1.44631</c:v>
-                </c:pt>
-                <c:pt idx="177">
-                  <c:v>1.4504779999999999</c:v>
-                </c:pt>
-                <c:pt idx="178">
-                  <c:v>1.5770679999999999</c:v>
-                </c:pt>
-                <c:pt idx="179">
-                  <c:v>1.5608949999999999</c:v>
-                </c:pt>
-                <c:pt idx="180">
-                  <c:v>1.4684729999999999</c:v>
-                </c:pt>
-                <c:pt idx="181">
-                  <c:v>1.6672720000000001</c:v>
-                </c:pt>
-                <c:pt idx="182">
-                  <c:v>1.670909</c:v>
-                </c:pt>
-                <c:pt idx="183">
-                  <c:v>1.561269</c:v>
-                </c:pt>
-                <c:pt idx="184">
-                  <c:v>1.6241730000000001</c:v>
-                </c:pt>
-                <c:pt idx="185">
-                  <c:v>1.6535660000000001</c:v>
-                </c:pt>
-                <c:pt idx="186">
-                  <c:v>1.8530789999999999</c:v>
-                </c:pt>
-                <c:pt idx="187">
-                  <c:v>1.8801319999999999</c:v>
-                </c:pt>
-                <c:pt idx="188">
-                  <c:v>1.643602</c:v>
-                </c:pt>
-                <c:pt idx="189">
-                  <c:v>1.826854</c:v>
-                </c:pt>
-                <c:pt idx="190">
-                  <c:v>1.805113</c:v>
-                </c:pt>
-                <c:pt idx="191">
-                  <c:v>1.874892</c:v>
-                </c:pt>
-                <c:pt idx="192">
-                  <c:v>1.8228629999999999</c:v>
-                </c:pt>
-                <c:pt idx="193">
-                  <c:v>1.9481710000000001</c:v>
-                </c:pt>
-                <c:pt idx="194">
-                  <c:v>1.794486</c:v>
-                </c:pt>
-                <c:pt idx="195">
-                  <c:v>1.833572</c:v>
-                </c:pt>
-                <c:pt idx="196">
-                  <c:v>2.067148</c:v>
-                </c:pt>
-                <c:pt idx="197">
-                  <c:v>1.9826299999999999</c:v>
-                </c:pt>
-                <c:pt idx="198">
-                  <c:v>2.0266220000000001</c:v>
-                </c:pt>
-                <c:pt idx="199">
-                  <c:v>2.0524290000000001</c:v>
-                </c:pt>
-              </c:numCache>
-            </c:numRef>
-          </c:val>
-          <c:smooth val="0"/>
-          <c:extLst>
-            <c:ext xmlns:c16="http://schemas.microsoft.com/office/drawing/2014/chart" uri="{C3380CC4-5D6E-409C-BE32-E72D297353CC}">
-              <c16:uniqueId val="{00000002-505D-CB4B-9EC2-99EE2941739E}"/>
+              <c16:uniqueId val="{00000001-C6A9-3948-A0D2-9DDDE9D82A8E}"/>
             </c:ext>
           </c:extLst>
         </c:ser>
@@ -10246,7 +9663,7 @@
           <a:p>
             <a:fld id="{8BF82955-D74C-4403-9EC5-699BBDFEDB28}" type="datetimeFigureOut">
               <a:rPr lang="de-DE" smtClean="0"/>
-              <a:t>15.07.23</a:t>
+              <a:t>16.07.23</a:t>
             </a:fld>
             <a:endParaRPr lang="de-DE"/>
           </a:p>
@@ -13996,8 +13413,8 @@
           </a:p>
         </p:txBody>
       </p:sp>
-      <mc:AlternateContent xmlns:mc="http://schemas.openxmlformats.org/markup-compatibility/2006">
-        <mc:Choice xmlns:a14="http://schemas.microsoft.com/office/drawing/2010/main" Requires="a14">
+      <mc:AlternateContent xmlns:mc="http://schemas.openxmlformats.org/markup-compatibility/2006" xmlns:a14="http://schemas.microsoft.com/office/drawing/2010/main">
+        <mc:Choice Requires="a14">
           <p:graphicFrame>
             <p:nvGraphicFramePr>
               <p:cNvPr id="7" name="Tabelle 7">
@@ -15618,7 +15035,7 @@
             </a:graphic>
           </p:graphicFrame>
         </mc:Choice>
-        <mc:Fallback>
+        <mc:Fallback xmlns="">
           <p:graphicFrame>
             <p:nvGraphicFramePr>
               <p:cNvPr id="7" name="Tabelle 7">
@@ -21211,8 +20628,8 @@
           </p:sp>
         </mc:Fallback>
       </mc:AlternateContent>
-      <mc:AlternateContent xmlns:mc="http://schemas.openxmlformats.org/markup-compatibility/2006">
-        <mc:Choice xmlns:a14="http://schemas.microsoft.com/office/drawing/2010/main" Requires="a14">
+      <mc:AlternateContent xmlns:mc="http://schemas.openxmlformats.org/markup-compatibility/2006" xmlns:a14="http://schemas.microsoft.com/office/drawing/2010/main">
+        <mc:Choice Requires="a14">
           <p:sp>
             <p:nvSpPr>
               <p:cNvPr id="22" name="Textfeld 21">
@@ -21347,7 +20764,7 @@
             </p:txBody>
           </p:sp>
         </mc:Choice>
-        <mc:Fallback>
+        <mc:Fallback xmlns="">
           <p:sp>
             <p:nvSpPr>
               <p:cNvPr id="22" name="Textfeld 21">
@@ -21397,8 +20814,8 @@
           </p:sp>
         </mc:Fallback>
       </mc:AlternateContent>
-      <mc:AlternateContent xmlns:mc="http://schemas.openxmlformats.org/markup-compatibility/2006">
-        <mc:Choice xmlns:a14="http://schemas.microsoft.com/office/drawing/2010/main" Requires="a14">
+      <mc:AlternateContent xmlns:mc="http://schemas.openxmlformats.org/markup-compatibility/2006" xmlns:a14="http://schemas.microsoft.com/office/drawing/2010/main">
+        <mc:Choice Requires="a14">
           <p:sp>
             <p:nvSpPr>
               <p:cNvPr id="23" name="Textfeld 22">
@@ -21533,7 +20950,7 @@
             </p:txBody>
           </p:sp>
         </mc:Choice>
-        <mc:Fallback>
+        <mc:Fallback xmlns="">
           <p:sp>
             <p:nvSpPr>
               <p:cNvPr id="23" name="Textfeld 22">
@@ -22621,8 +22038,8 @@
           </a:fontRef>
         </p:style>
       </p:cxnSp>
-      <mc:AlternateContent xmlns:mc="http://schemas.openxmlformats.org/markup-compatibility/2006">
-        <mc:Choice xmlns:a14="http://schemas.microsoft.com/office/drawing/2010/main" Requires="a14">
+      <mc:AlternateContent xmlns:mc="http://schemas.openxmlformats.org/markup-compatibility/2006" xmlns:a14="http://schemas.microsoft.com/office/drawing/2010/main">
+        <mc:Choice Requires="a14">
           <p:sp>
             <p:nvSpPr>
               <p:cNvPr id="7" name="Textfeld 6">
@@ -22672,7 +22089,7 @@
             </p:txBody>
           </p:sp>
         </mc:Choice>
-        <mc:Fallback>
+        <mc:Fallback xmlns="">
           <p:sp>
             <p:nvSpPr>
               <p:cNvPr id="7" name="Textfeld 6">
@@ -22761,8 +22178,8 @@
           </a:fontRef>
         </p:style>
       </p:cxnSp>
-      <mc:AlternateContent xmlns:mc="http://schemas.openxmlformats.org/markup-compatibility/2006">
-        <mc:Choice xmlns:a14="http://schemas.microsoft.com/office/drawing/2010/main" Requires="a14">
+      <mc:AlternateContent xmlns:mc="http://schemas.openxmlformats.org/markup-compatibility/2006" xmlns:a14="http://schemas.microsoft.com/office/drawing/2010/main">
+        <mc:Choice Requires="a14">
           <p:sp>
             <p:nvSpPr>
               <p:cNvPr id="9" name="Textfeld 8">
@@ -22818,7 +22235,7 @@
             </p:txBody>
           </p:sp>
         </mc:Choice>
-        <mc:Fallback>
+        <mc:Fallback xmlns="">
           <p:sp>
             <p:nvSpPr>
               <p:cNvPr id="9" name="Textfeld 8">
@@ -27393,7 +26810,7 @@
             <p:ph idx="1"/>
             <p:extLst>
               <p:ext uri="{D42A27DB-BD31-4B8C-83A1-F6EECF244321}">
-                <p14:modId xmlns:p14="http://schemas.microsoft.com/office/powerpoint/2010/main" val="1721761496"/>
+                <p14:modId xmlns:p14="http://schemas.microsoft.com/office/powerpoint/2010/main" val="2422444105"/>
               </p:ext>
             </p:extLst>
           </p:nvPr>
@@ -31107,36 +30524,6 @@
           </a:p>
         </p:txBody>
       </p:sp>
-      <p:graphicFrame>
-        <p:nvGraphicFramePr>
-          <p:cNvPr id="9" name="Inhaltsplatzhalter 6">
-            <a:extLst>
-              <a:ext uri="{FF2B5EF4-FFF2-40B4-BE49-F238E27FC236}">
-                <a16:creationId xmlns:a16="http://schemas.microsoft.com/office/drawing/2014/main" id="{269D3016-221A-B885-4FBE-7D1296E060CF}"/>
-              </a:ext>
-            </a:extLst>
-          </p:cNvPr>
-          <p:cNvGraphicFramePr>
-            <a:graphicFrameLocks/>
-          </p:cNvGraphicFramePr>
-          <p:nvPr>
-            <p:extLst>
-              <p:ext uri="{D42A27DB-BD31-4B8C-83A1-F6EECF244321}">
-                <p14:modId xmlns:p14="http://schemas.microsoft.com/office/powerpoint/2010/main" val="3495117614"/>
-              </p:ext>
-            </p:extLst>
-          </p:nvPr>
-        </p:nvGraphicFramePr>
-        <p:xfrm>
-          <a:off x="6129338" y="1844675"/>
-          <a:ext cx="5219700" cy="4449763"/>
-        </p:xfrm>
-        <a:graphic>
-          <a:graphicData uri="http://schemas.openxmlformats.org/drawingml/2006/chart">
-            <c:chart xmlns:c="http://schemas.openxmlformats.org/drawingml/2006/chart" xmlns:r="http://schemas.openxmlformats.org/officeDocument/2006/relationships" r:id="rId2"/>
-          </a:graphicData>
-        </a:graphic>
-      </p:graphicFrame>
       <p:sp>
         <p:nvSpPr>
           <p:cNvPr id="2" name="Titel 1">
@@ -31195,7 +30582,7 @@
             <p:ph idx="1"/>
             <p:extLst>
               <p:ext uri="{D42A27DB-BD31-4B8C-83A1-F6EECF244321}">
-                <p14:modId xmlns:p14="http://schemas.microsoft.com/office/powerpoint/2010/main" val="3771339521"/>
+                <p14:modId xmlns:p14="http://schemas.microsoft.com/office/powerpoint/2010/main" val="3972245823"/>
               </p:ext>
             </p:extLst>
           </p:nvPr>
@@ -31206,7 +30593,7 @@
         </p:xfrm>
         <a:graphic>
           <a:graphicData uri="http://schemas.openxmlformats.org/drawingml/2006/chart">
-            <c:chart xmlns:c="http://schemas.openxmlformats.org/drawingml/2006/chart" xmlns:r="http://schemas.openxmlformats.org/officeDocument/2006/relationships" r:id="rId3"/>
+            <c:chart xmlns:c="http://schemas.openxmlformats.org/drawingml/2006/chart" xmlns:r="http://schemas.openxmlformats.org/officeDocument/2006/relationships" r:id="rId2"/>
           </a:graphicData>
         </a:graphic>
       </p:graphicFrame>
@@ -31351,52 +30738,36 @@
           </a:p>
         </p:txBody>
       </p:sp>
-      <p:sp>
-        <p:nvSpPr>
-          <p:cNvPr id="6" name="Foliennummernplatzhalter 5">
+      <p:graphicFrame>
+        <p:nvGraphicFramePr>
+          <p:cNvPr id="3" name="Inhaltsplatzhalter 6">
             <a:extLst>
               <a:ext uri="{FF2B5EF4-FFF2-40B4-BE49-F238E27FC236}">
-                <a16:creationId xmlns:a16="http://schemas.microsoft.com/office/drawing/2014/main" id="{93299332-DDF2-DD30-769D-DF27537D3A4E}"/>
+                <a16:creationId xmlns:a16="http://schemas.microsoft.com/office/drawing/2014/main" id="{D65DF475-5615-7167-6570-4F6E1A78AEE1}"/>
               </a:ext>
             </a:extLst>
           </p:cNvPr>
-          <p:cNvSpPr>
-            <a:spLocks noGrp="1"/>
-          </p:cNvSpPr>
+          <p:cNvGraphicFramePr>
+            <a:graphicFrameLocks/>
+          </p:cNvGraphicFramePr>
           <p:nvPr>
-            <p:ph type="sldNum" sz="quarter" idx="12"/>
+            <p:extLst>
+              <p:ext uri="{D42A27DB-BD31-4B8C-83A1-F6EECF244321}">
+                <p14:modId xmlns:p14="http://schemas.microsoft.com/office/powerpoint/2010/main" val="254145731"/>
+              </p:ext>
+            </p:extLst>
           </p:nvPr>
-        </p:nvSpPr>
-        <p:spPr>
-          <a:xfrm>
-            <a:off x="8610600" y="6356350"/>
-            <a:ext cx="2743200" cy="365125"/>
-          </a:xfrm>
-        </p:spPr>
-        <p:txBody>
-          <a:bodyPr vert="horz" lIns="91440" tIns="45720" rIns="91440" bIns="45720" rtlCol="0" anchor="ctr">
-            <a:normAutofit/>
-          </a:bodyPr>
-          <a:lstStyle/>
-          <a:p>
-            <a:pPr>
-              <a:spcAft>
-                <a:spcPts val="600"/>
-              </a:spcAft>
-            </a:pPr>
-            <a:fld id="{AE07E6DF-0E1A-AC44-B689-ED3A3483D2F3}" type="slidenum">
-              <a:rPr lang="en-US" smtClean="0"/>
-              <a:pPr>
-                <a:spcAft>
-                  <a:spcPts val="600"/>
-                </a:spcAft>
-              </a:pPr>
-              <a:t>20</a:t>
-            </a:fld>
-            <a:endParaRPr lang="en-US"/>
-          </a:p>
-        </p:txBody>
-      </p:sp>
+        </p:nvGraphicFramePr>
+        <p:xfrm>
+          <a:off x="6256565" y="1844674"/>
+          <a:ext cx="5219700" cy="4449763"/>
+        </p:xfrm>
+        <a:graphic>
+          <a:graphicData uri="http://schemas.openxmlformats.org/drawingml/2006/chart">
+            <c:chart xmlns:c="http://schemas.openxmlformats.org/drawingml/2006/chart" xmlns:r="http://schemas.openxmlformats.org/officeDocument/2006/relationships" r:id="rId3"/>
+          </a:graphicData>
+        </a:graphic>
+      </p:graphicFrame>
     </p:spTree>
     <p:extLst>
       <p:ext uri="{BB962C8B-B14F-4D97-AF65-F5344CB8AC3E}">
@@ -31460,8 +30831,8 @@
           </a:p>
         </p:txBody>
       </p:sp>
-      <mc:AlternateContent xmlns:mc="http://schemas.openxmlformats.org/markup-compatibility/2006">
-        <mc:Choice xmlns:a14="http://schemas.microsoft.com/office/drawing/2010/main" Requires="a14">
+      <mc:AlternateContent xmlns:mc="http://schemas.openxmlformats.org/markup-compatibility/2006" xmlns:a14="http://schemas.microsoft.com/office/drawing/2010/main">
+        <mc:Choice Requires="a14">
           <p:sp>
             <p:nvSpPr>
               <p:cNvPr id="3" name="Inhaltsplatzhalter 2">
@@ -31612,7 +30983,7 @@
             </p:txBody>
           </p:sp>
         </mc:Choice>
-        <mc:Fallback>
+        <mc:Fallback xmlns="">
           <p:sp>
             <p:nvSpPr>
               <p:cNvPr id="3" name="Inhaltsplatzhalter 2">
@@ -31810,8 +31181,8 @@
           </a:p>
         </p:txBody>
       </p:sp>
-      <mc:AlternateContent xmlns:mc="http://schemas.openxmlformats.org/markup-compatibility/2006">
-        <mc:Choice xmlns:a14="http://schemas.microsoft.com/office/drawing/2010/main" Requires="a14">
+      <mc:AlternateContent xmlns:mc="http://schemas.openxmlformats.org/markup-compatibility/2006" xmlns:a14="http://schemas.microsoft.com/office/drawing/2010/main">
+        <mc:Choice Requires="a14">
           <p:sp>
             <p:nvSpPr>
               <p:cNvPr id="3" name="Inhaltsplatzhalter 2">
@@ -31990,7 +31361,7 @@
             </p:txBody>
           </p:sp>
         </mc:Choice>
-        <mc:Fallback>
+        <mc:Fallback xmlns="">
           <p:sp>
             <p:nvSpPr>
               <p:cNvPr id="3" name="Inhaltsplatzhalter 2">
@@ -32538,8 +31909,8 @@
           <a:chExt cx="0" cy="0"/>
         </a:xfrm>
       </p:grpSpPr>
-      <mc:AlternateContent xmlns:mc="http://schemas.openxmlformats.org/markup-compatibility/2006">
-        <mc:Choice xmlns:a14="http://schemas.microsoft.com/office/drawing/2010/main" Requires="a14">
+      <mc:AlternateContent xmlns:mc="http://schemas.openxmlformats.org/markup-compatibility/2006" xmlns:a14="http://schemas.microsoft.com/office/drawing/2010/main">
+        <mc:Choice Requires="a14">
           <p:sp>
             <p:nvSpPr>
               <p:cNvPr id="2" name="Titel 1">
@@ -32593,7 +31964,7 @@
             </p:txBody>
           </p:sp>
         </mc:Choice>
-        <mc:Fallback>
+        <mc:Fallback xmlns="">
           <p:sp>
             <p:nvSpPr>
               <p:cNvPr id="2" name="Titel 1">
@@ -38073,8 +37444,8 @@
           </a:p>
         </p:txBody>
       </p:sp>
-      <mc:AlternateContent xmlns:mc="http://schemas.openxmlformats.org/markup-compatibility/2006">
-        <mc:Choice xmlns:a14="http://schemas.microsoft.com/office/drawing/2010/main" Requires="a14">
+      <mc:AlternateContent xmlns:mc="http://schemas.openxmlformats.org/markup-compatibility/2006" xmlns:a14="http://schemas.microsoft.com/office/drawing/2010/main">
+        <mc:Choice Requires="a14">
           <p:graphicFrame>
             <p:nvGraphicFramePr>
               <p:cNvPr id="7" name="Tabelle 7">
@@ -38905,7 +38276,7 @@
             </a:graphic>
           </p:graphicFrame>
         </mc:Choice>
-        <mc:Fallback>
+        <mc:Fallback xmlns="">
           <p:graphicFrame>
             <p:nvGraphicFramePr>
               <p:cNvPr id="7" name="Tabelle 7">

--- a/Vortrag/Vortrag.pptx
+++ b/Vortrag/Vortrag.pptx
@@ -13385,6 +13385,394 @@
           <a:chExt cx="0" cy="0"/>
         </a:xfrm>
       </p:grpSpPr>
+      <p:graphicFrame>
+        <p:nvGraphicFramePr>
+          <p:cNvPr id="7" name="Tabelle 7">
+            <a:extLst>
+              <a:ext uri="{FF2B5EF4-FFF2-40B4-BE49-F238E27FC236}">
+                <a16:creationId xmlns:a16="http://schemas.microsoft.com/office/drawing/2014/main" id="{1D620688-278A-8970-5E20-5E7CBB563480}"/>
+              </a:ext>
+            </a:extLst>
+          </p:cNvPr>
+          <p:cNvGraphicFramePr>
+            <a:graphicFrameLocks noGrp="1"/>
+          </p:cNvGraphicFramePr>
+          <p:nvPr>
+            <p:ph idx="1"/>
+            <p:extLst>
+              <p:ext uri="{D42A27DB-BD31-4B8C-83A1-F6EECF244321}">
+                <p14:modId xmlns:p14="http://schemas.microsoft.com/office/powerpoint/2010/main" val="550535662"/>
+              </p:ext>
+            </p:extLst>
+          </p:nvPr>
+        </p:nvGraphicFramePr>
+        <p:xfrm>
+          <a:off x="221382" y="1825624"/>
+          <a:ext cx="11970618" cy="3911032"/>
+        </p:xfrm>
+        <a:graphic>
+          <a:graphicData uri="http://schemas.openxmlformats.org/drawingml/2006/table">
+            <a:tbl>
+              <a:tblPr>
+                <a:tableStyleId>{5C22544A-7EE6-4342-B048-85BDC9FD1C3A}</a:tableStyleId>
+              </a:tblPr>
+              <a:tblGrid>
+                <a:gridCol w="2383892">
+                  <a:extLst>
+                    <a:ext uri="{9D8B030D-6E8A-4147-A177-3AD203B41FA5}">
+                      <a16:colId xmlns:a16="http://schemas.microsoft.com/office/drawing/2014/main" val="3467056871"/>
+                    </a:ext>
+                  </a:extLst>
+                </a:gridCol>
+                <a:gridCol w="4594516">
+                  <a:extLst>
+                    <a:ext uri="{9D8B030D-6E8A-4147-A177-3AD203B41FA5}">
+                      <a16:colId xmlns:a16="http://schemas.microsoft.com/office/drawing/2014/main" val="1201333690"/>
+                    </a:ext>
+                  </a:extLst>
+                </a:gridCol>
+                <a:gridCol w="4992210">
+                  <a:extLst>
+                    <a:ext uri="{9D8B030D-6E8A-4147-A177-3AD203B41FA5}">
+                      <a16:colId xmlns:a16="http://schemas.microsoft.com/office/drawing/2014/main" val="1993540366"/>
+                    </a:ext>
+                  </a:extLst>
+                </a:gridCol>
+              </a:tblGrid>
+              <a:tr h="849678">
+                <a:tc>
+                  <a:txBody>
+                    <a:bodyPr/>
+                    <a:lstStyle/>
+                    <a:p>
+                      <a:pPr algn="ctr"/>
+                      <a:endParaRPr lang="de-DE" sz="2800" dirty="0"/>
+                    </a:p>
+                  </a:txBody>
+                  <a:tcPr anchor="ctr">
+                    <a:lnL w="12700" cmpd="sng">
+                      <a:noFill/>
+                    </a:lnL>
+                    <a:lnR w="12700" cmpd="sng">
+                      <a:noFill/>
+                    </a:lnR>
+                    <a:lnT w="12700" cmpd="sng">
+                      <a:noFill/>
+                    </a:lnT>
+                    <a:lnB w="12700" cmpd="sng">
+                      <a:noFill/>
+                    </a:lnB>
+                    <a:lnTlToBr w="12700" cmpd="sng">
+                      <a:noFill/>
+                      <a:prstDash val="solid"/>
+                    </a:lnTlToBr>
+                    <a:lnBlToTr w="12700" cmpd="sng">
+                      <a:noFill/>
+                      <a:prstDash val="solid"/>
+                    </a:lnBlToTr>
+                    <a:noFill/>
+                  </a:tcPr>
+                </a:tc>
+                <a:tc>
+                  <a:txBody>
+                    <a:bodyPr/>
+                    <a:lstStyle/>
+                    <a:p>
+                      <a:pPr algn="ctr"/>
+                      <a:r>
+                        <a:rPr lang="de-DE" sz="2800" dirty="0"/>
+                        <a:t>Einfach</a:t>
+                      </a:r>
+                    </a:p>
+                  </a:txBody>
+                  <a:tcPr anchor="ctr">
+                    <a:lnL w="12700" cmpd="sng">
+                      <a:noFill/>
+                    </a:lnL>
+                    <a:lnR w="12700" cmpd="sng">
+                      <a:noFill/>
+                    </a:lnR>
+                    <a:lnT w="12700" cmpd="sng">
+                      <a:noFill/>
+                    </a:lnT>
+                    <a:lnB w="12700" cmpd="sng">
+                      <a:noFill/>
+                    </a:lnB>
+                    <a:lnTlToBr w="12700" cmpd="sng">
+                      <a:noFill/>
+                      <a:prstDash val="solid"/>
+                    </a:lnTlToBr>
+                    <a:lnBlToTr w="12700" cmpd="sng">
+                      <a:noFill/>
+                      <a:prstDash val="solid"/>
+                    </a:lnBlToTr>
+                    <a:noFill/>
+                  </a:tcPr>
+                </a:tc>
+                <a:tc>
+                  <a:txBody>
+                    <a:bodyPr/>
+                    <a:lstStyle/>
+                    <a:p>
+                      <a:pPr algn="ctr"/>
+                      <a:r>
+                        <a:rPr lang="de-DE" sz="2800" dirty="0"/>
+                        <a:t>Mit SIMD</a:t>
+                      </a:r>
+                    </a:p>
+                  </a:txBody>
+                  <a:tcPr anchor="ctr">
+                    <a:lnL w="12700" cmpd="sng">
+                      <a:noFill/>
+                    </a:lnL>
+                    <a:lnR w="12700" cmpd="sng">
+                      <a:noFill/>
+                    </a:lnR>
+                    <a:lnT w="12700" cmpd="sng">
+                      <a:noFill/>
+                    </a:lnT>
+                    <a:lnB w="12700" cmpd="sng">
+                      <a:noFill/>
+                    </a:lnB>
+                    <a:lnTlToBr w="12700" cmpd="sng">
+                      <a:noFill/>
+                      <a:prstDash val="solid"/>
+                    </a:lnTlToBr>
+                    <a:lnBlToTr w="12700" cmpd="sng">
+                      <a:noFill/>
+                      <a:prstDash val="solid"/>
+                    </a:lnBlToTr>
+                    <a:noFill/>
+                  </a:tcPr>
+                </a:tc>
+                <a:extLst>
+                  <a:ext uri="{0D108BD9-81ED-4DB2-BD59-A6C34878D82A}">
+                    <a16:rowId xmlns:a16="http://schemas.microsoft.com/office/drawing/2014/main" val="3124689841"/>
+                  </a:ext>
+                </a:extLst>
+              </a:tr>
+              <a:tr h="1530677">
+                <a:tc>
+                  <a:txBody>
+                    <a:bodyPr/>
+                    <a:lstStyle/>
+                    <a:p>
+                      <a:pPr algn="ctr"/>
+                      <a:r>
+                        <a:rPr lang="de-DE" sz="2800" dirty="0"/>
+                        <a:t>Addition</a:t>
+                      </a:r>
+                    </a:p>
+                  </a:txBody>
+                  <a:tcPr anchor="ctr">
+                    <a:lnL w="12700" cmpd="sng">
+                      <a:noFill/>
+                    </a:lnL>
+                    <a:lnR w="12700" cmpd="sng">
+                      <a:noFill/>
+                    </a:lnR>
+                    <a:lnT w="12700" cmpd="sng">
+                      <a:noFill/>
+                    </a:lnT>
+                    <a:lnB w="12700" cmpd="sng">
+                      <a:noFill/>
+                    </a:lnB>
+                    <a:lnTlToBr w="12700" cmpd="sng">
+                      <a:noFill/>
+                      <a:prstDash val="solid"/>
+                    </a:lnTlToBr>
+                    <a:lnBlToTr w="12700" cmpd="sng">
+                      <a:noFill/>
+                      <a:prstDash val="solid"/>
+                    </a:lnBlToTr>
+                    <a:noFill/>
+                  </a:tcPr>
+                </a:tc>
+                <a:tc>
+                  <a:txBody>
+                    <a:bodyPr/>
+                    <a:lstStyle/>
+                    <a:p>
+                      <a:pPr algn="ctr"/>
+                      <a:endParaRPr lang="de-DE" dirty="0"/>
+                    </a:p>
+                  </a:txBody>
+                  <a:tcPr anchor="ctr">
+                    <a:lnL w="12700" cmpd="sng">
+                      <a:noFill/>
+                    </a:lnL>
+                    <a:lnR w="12700" cmpd="sng">
+                      <a:noFill/>
+                    </a:lnR>
+                    <a:lnT w="12700" cmpd="sng">
+                      <a:noFill/>
+                    </a:lnT>
+                    <a:lnB w="12700" cmpd="sng">
+                      <a:noFill/>
+                    </a:lnB>
+                    <a:lnTlToBr w="12700" cmpd="sng">
+                      <a:noFill/>
+                      <a:prstDash val="solid"/>
+                    </a:lnTlToBr>
+                    <a:lnBlToTr w="12700" cmpd="sng">
+                      <a:noFill/>
+                      <a:prstDash val="solid"/>
+                    </a:lnBlToTr>
+                    <a:noFill/>
+                  </a:tcPr>
+                </a:tc>
+                <a:tc>
+                  <a:txBody>
+                    <a:bodyPr/>
+                    <a:lstStyle/>
+                    <a:p>
+                      <a:pPr algn="ctr"/>
+                      <a:endParaRPr lang="de-DE" dirty="0"/>
+                    </a:p>
+                  </a:txBody>
+                  <a:tcPr anchor="ctr">
+                    <a:lnL w="12700" cmpd="sng">
+                      <a:noFill/>
+                    </a:lnL>
+                    <a:lnR w="12700" cmpd="sng">
+                      <a:noFill/>
+                    </a:lnR>
+                    <a:lnT w="12700" cmpd="sng">
+                      <a:noFill/>
+                    </a:lnT>
+                    <a:lnB w="12700" cmpd="sng">
+                      <a:noFill/>
+                    </a:lnB>
+                    <a:lnTlToBr w="12700" cmpd="sng">
+                      <a:noFill/>
+                      <a:prstDash val="solid"/>
+                    </a:lnTlToBr>
+                    <a:lnBlToTr w="12700" cmpd="sng">
+                      <a:noFill/>
+                      <a:prstDash val="solid"/>
+                    </a:lnBlToTr>
+                    <a:noFill/>
+                  </a:tcPr>
+                </a:tc>
+                <a:extLst>
+                  <a:ext uri="{0D108BD9-81ED-4DB2-BD59-A6C34878D82A}">
+                    <a16:rowId xmlns:a16="http://schemas.microsoft.com/office/drawing/2014/main" val="4039584035"/>
+                  </a:ext>
+                </a:extLst>
+              </a:tr>
+              <a:tr h="1530677">
+                <a:tc>
+                  <a:txBody>
+                    <a:bodyPr/>
+                    <a:lstStyle/>
+                    <a:p>
+                      <a:pPr algn="ctr"/>
+                      <a:r>
+                        <a:rPr lang="de-DE" sz="2800" dirty="0"/>
+                        <a:t>Multiplikation</a:t>
+                      </a:r>
+                    </a:p>
+                  </a:txBody>
+                  <a:tcPr anchor="ctr">
+                    <a:lnL w="12700" cmpd="sng">
+                      <a:noFill/>
+                    </a:lnL>
+                    <a:lnR w="12700" cmpd="sng">
+                      <a:noFill/>
+                    </a:lnR>
+                    <a:lnT w="12700" cmpd="sng">
+                      <a:noFill/>
+                    </a:lnT>
+                    <a:lnB w="12700" cmpd="sng">
+                      <a:noFill/>
+                    </a:lnB>
+                    <a:lnTlToBr w="12700" cmpd="sng">
+                      <a:noFill/>
+                      <a:prstDash val="solid"/>
+                    </a:lnTlToBr>
+                    <a:lnBlToTr w="12700" cmpd="sng">
+                      <a:noFill/>
+                      <a:prstDash val="solid"/>
+                    </a:lnBlToTr>
+                    <a:noFill/>
+                  </a:tcPr>
+                </a:tc>
+                <a:tc>
+                  <a:txBody>
+                    <a:bodyPr/>
+                    <a:lstStyle/>
+                    <a:p>
+                      <a:pPr algn="ctr"/>
+                      <a:endParaRPr lang="de-DE" dirty="0"/>
+                    </a:p>
+                  </a:txBody>
+                  <a:tcPr anchor="ctr">
+                    <a:lnL w="12700" cmpd="sng">
+                      <a:noFill/>
+                    </a:lnL>
+                    <a:lnR w="12700" cmpd="sng">
+                      <a:noFill/>
+                    </a:lnR>
+                    <a:lnT w="12700" cmpd="sng">
+                      <a:noFill/>
+                    </a:lnT>
+                    <a:lnB w="12700" cmpd="sng">
+                      <a:noFill/>
+                    </a:lnB>
+                    <a:lnTlToBr w="12700" cmpd="sng">
+                      <a:noFill/>
+                      <a:prstDash val="solid"/>
+                    </a:lnTlToBr>
+                    <a:lnBlToTr w="12700" cmpd="sng">
+                      <a:noFill/>
+                      <a:prstDash val="solid"/>
+                    </a:lnBlToTr>
+                    <a:noFill/>
+                  </a:tcPr>
+                </a:tc>
+                <a:tc>
+                  <a:txBody>
+                    <a:bodyPr/>
+                    <a:lstStyle/>
+                    <a:p>
+                      <a:pPr algn="ctr"/>
+                      <a:endParaRPr lang="de-DE" dirty="0"/>
+                    </a:p>
+                  </a:txBody>
+                  <a:tcPr anchor="ctr">
+                    <a:lnL w="12700" cmpd="sng">
+                      <a:noFill/>
+                    </a:lnL>
+                    <a:lnR w="12700" cmpd="sng">
+                      <a:noFill/>
+                    </a:lnR>
+                    <a:lnT w="12700" cmpd="sng">
+                      <a:noFill/>
+                    </a:lnT>
+                    <a:lnB w="12700" cmpd="sng">
+                      <a:noFill/>
+                    </a:lnB>
+                    <a:lnTlToBr w="12700" cmpd="sng">
+                      <a:noFill/>
+                      <a:prstDash val="solid"/>
+                    </a:lnTlToBr>
+                    <a:lnBlToTr w="12700" cmpd="sng">
+                      <a:noFill/>
+                      <a:prstDash val="solid"/>
+                    </a:lnBlToTr>
+                    <a:noFill/>
+                  </a:tcPr>
+                </a:tc>
+                <a:extLst>
+                  <a:ext uri="{0D108BD9-81ED-4DB2-BD59-A6C34878D82A}">
+                    <a16:rowId xmlns:a16="http://schemas.microsoft.com/office/drawing/2014/main" val="3587537"/>
+                  </a:ext>
+                </a:extLst>
+              </a:tr>
+            </a:tbl>
+          </a:graphicData>
+        </a:graphic>
+      </p:graphicFrame>
       <p:sp>
         <p:nvSpPr>
           <p:cNvPr id="2" name="Titel 1">
@@ -13413,2035 +13801,6 @@
           </a:p>
         </p:txBody>
       </p:sp>
-      <mc:AlternateContent xmlns:mc="http://schemas.openxmlformats.org/markup-compatibility/2006" xmlns:a14="http://schemas.microsoft.com/office/drawing/2010/main">
-        <mc:Choice Requires="a14">
-          <p:graphicFrame>
-            <p:nvGraphicFramePr>
-              <p:cNvPr id="7" name="Tabelle 7">
-                <a:extLst>
-                  <a:ext uri="{FF2B5EF4-FFF2-40B4-BE49-F238E27FC236}">
-                    <a16:creationId xmlns:a16="http://schemas.microsoft.com/office/drawing/2014/main" id="{1D620688-278A-8970-5E20-5E7CBB563480}"/>
-                  </a:ext>
-                </a:extLst>
-              </p:cNvPr>
-              <p:cNvGraphicFramePr>
-                <a:graphicFrameLocks noGrp="1"/>
-              </p:cNvGraphicFramePr>
-              <p:nvPr>
-                <p:ph idx="1"/>
-                <p:extLst>
-                  <p:ext uri="{D42A27DB-BD31-4B8C-83A1-F6EECF244321}">
-                    <p14:modId xmlns:p14="http://schemas.microsoft.com/office/powerpoint/2010/main" val="1079309506"/>
-                  </p:ext>
-                </p:extLst>
-              </p:nvPr>
-            </p:nvGraphicFramePr>
-            <p:xfrm>
-              <a:off x="221382" y="1825624"/>
-              <a:ext cx="11970618" cy="3911032"/>
-            </p:xfrm>
-            <a:graphic>
-              <a:graphicData uri="http://schemas.openxmlformats.org/drawingml/2006/table">
-                <a:tbl>
-                  <a:tblPr>
-                    <a:tableStyleId>{5C22544A-7EE6-4342-B048-85BDC9FD1C3A}</a:tableStyleId>
-                  </a:tblPr>
-                  <a:tblGrid>
-                    <a:gridCol w="2383892">
-                      <a:extLst>
-                        <a:ext uri="{9D8B030D-6E8A-4147-A177-3AD203B41FA5}">
-                          <a16:colId xmlns:a16="http://schemas.microsoft.com/office/drawing/2014/main" val="3467056871"/>
-                        </a:ext>
-                      </a:extLst>
-                    </a:gridCol>
-                    <a:gridCol w="3775348">
-                      <a:extLst>
-                        <a:ext uri="{9D8B030D-6E8A-4147-A177-3AD203B41FA5}">
-                          <a16:colId xmlns:a16="http://schemas.microsoft.com/office/drawing/2014/main" val="1201333690"/>
-                        </a:ext>
-                      </a:extLst>
-                    </a:gridCol>
-                    <a:gridCol w="5811378">
-                      <a:extLst>
-                        <a:ext uri="{9D8B030D-6E8A-4147-A177-3AD203B41FA5}">
-                          <a16:colId xmlns:a16="http://schemas.microsoft.com/office/drawing/2014/main" val="1993540366"/>
-                        </a:ext>
-                      </a:extLst>
-                    </a:gridCol>
-                  </a:tblGrid>
-                  <a:tr h="849678">
-                    <a:tc>
-                      <a:txBody>
-                        <a:bodyPr/>
-                        <a:lstStyle/>
-                        <a:p>
-                          <a:pPr algn="ctr"/>
-                          <a:endParaRPr lang="de-DE" sz="2800" dirty="0"/>
-                        </a:p>
-                      </a:txBody>
-                      <a:tcPr anchor="ctr">
-                        <a:lnL w="12700" cmpd="sng">
-                          <a:noFill/>
-                        </a:lnL>
-                        <a:lnR w="12700" cmpd="sng">
-                          <a:noFill/>
-                        </a:lnR>
-                        <a:lnT w="12700" cmpd="sng">
-                          <a:noFill/>
-                        </a:lnT>
-                        <a:lnB w="12700" cmpd="sng">
-                          <a:noFill/>
-                        </a:lnB>
-                        <a:lnTlToBr w="12700" cmpd="sng">
-                          <a:noFill/>
-                          <a:prstDash val="solid"/>
-                        </a:lnTlToBr>
-                        <a:lnBlToTr w="12700" cmpd="sng">
-                          <a:noFill/>
-                          <a:prstDash val="solid"/>
-                        </a:lnBlToTr>
-                        <a:noFill/>
-                      </a:tcPr>
-                    </a:tc>
-                    <a:tc>
-                      <a:txBody>
-                        <a:bodyPr/>
-                        <a:lstStyle/>
-                        <a:p>
-                          <a:pPr algn="ctr"/>
-                          <a:r>
-                            <a:rPr lang="de-DE" sz="2800" dirty="0"/>
-                            <a:t>Einfach</a:t>
-                          </a:r>
-                        </a:p>
-                      </a:txBody>
-                      <a:tcPr anchor="ctr">
-                        <a:lnL w="12700" cmpd="sng">
-                          <a:noFill/>
-                        </a:lnL>
-                        <a:lnR w="12700" cmpd="sng">
-                          <a:noFill/>
-                        </a:lnR>
-                        <a:lnT w="12700" cmpd="sng">
-                          <a:noFill/>
-                        </a:lnT>
-                        <a:lnB w="12700" cmpd="sng">
-                          <a:noFill/>
-                        </a:lnB>
-                        <a:lnTlToBr w="12700" cmpd="sng">
-                          <a:noFill/>
-                          <a:prstDash val="solid"/>
-                        </a:lnTlToBr>
-                        <a:lnBlToTr w="12700" cmpd="sng">
-                          <a:noFill/>
-                          <a:prstDash val="solid"/>
-                        </a:lnBlToTr>
-                        <a:noFill/>
-                      </a:tcPr>
-                    </a:tc>
-                    <a:tc>
-                      <a:txBody>
-                        <a:bodyPr/>
-                        <a:lstStyle/>
-                        <a:p>
-                          <a:pPr algn="ctr"/>
-                          <a:r>
-                            <a:rPr lang="de-DE" sz="2800" dirty="0"/>
-                            <a:t>Mit SIMD</a:t>
-                          </a:r>
-                        </a:p>
-                      </a:txBody>
-                      <a:tcPr anchor="ctr">
-                        <a:lnL w="12700" cmpd="sng">
-                          <a:noFill/>
-                        </a:lnL>
-                        <a:lnR w="12700" cmpd="sng">
-                          <a:noFill/>
-                        </a:lnR>
-                        <a:lnT w="12700" cmpd="sng">
-                          <a:noFill/>
-                        </a:lnT>
-                        <a:lnB w="12700" cmpd="sng">
-                          <a:noFill/>
-                        </a:lnB>
-                        <a:lnTlToBr w="12700" cmpd="sng">
-                          <a:noFill/>
-                          <a:prstDash val="solid"/>
-                        </a:lnTlToBr>
-                        <a:lnBlToTr w="12700" cmpd="sng">
-                          <a:noFill/>
-                          <a:prstDash val="solid"/>
-                        </a:lnBlToTr>
-                        <a:noFill/>
-                      </a:tcPr>
-                    </a:tc>
-                    <a:extLst>
-                      <a:ext uri="{0D108BD9-81ED-4DB2-BD59-A6C34878D82A}">
-                        <a16:rowId xmlns:a16="http://schemas.microsoft.com/office/drawing/2014/main" val="3124689841"/>
-                      </a:ext>
-                    </a:extLst>
-                  </a:tr>
-                  <a:tr h="1530677">
-                    <a:tc>
-                      <a:txBody>
-                        <a:bodyPr/>
-                        <a:lstStyle/>
-                        <a:p>
-                          <a:pPr algn="ctr"/>
-                          <a:r>
-                            <a:rPr lang="de-DE" sz="2800" dirty="0"/>
-                            <a:t>Addition</a:t>
-                          </a:r>
-                        </a:p>
-                      </a:txBody>
-                      <a:tcPr anchor="ctr">
-                        <a:lnL w="12700" cmpd="sng">
-                          <a:noFill/>
-                        </a:lnL>
-                        <a:lnR w="12700" cmpd="sng">
-                          <a:noFill/>
-                        </a:lnR>
-                        <a:lnT w="12700" cmpd="sng">
-                          <a:noFill/>
-                        </a:lnT>
-                        <a:lnB w="12700" cmpd="sng">
-                          <a:noFill/>
-                        </a:lnB>
-                        <a:lnTlToBr w="12700" cmpd="sng">
-                          <a:noFill/>
-                          <a:prstDash val="solid"/>
-                        </a:lnTlToBr>
-                        <a:lnBlToTr w="12700" cmpd="sng">
-                          <a:noFill/>
-                          <a:prstDash val="solid"/>
-                        </a:lnBlToTr>
-                        <a:noFill/>
-                      </a:tcPr>
-                    </a:tc>
-                    <a:tc>
-                      <a:txBody>
-                        <a:bodyPr/>
-                        <a:lstStyle/>
-                        <a:p>
-                          <a:pPr algn="ctr"/>
-                          <a14:m>
-                            <m:oMathPara xmlns:m="http://schemas.openxmlformats.org/officeDocument/2006/math">
-                              <m:oMathParaPr>
-                                <m:jc m:val="centerGroup"/>
-                              </m:oMathParaPr>
-                              <m:oMath xmlns:m="http://schemas.openxmlformats.org/officeDocument/2006/math">
-                                <m:r>
-                                  <a:rPr lang="de-DE" b="0" i="1" smtClean="0">
-                                    <a:latin typeface="Cambria Math" panose="02040503050406030204" pitchFamily="18" charset="0"/>
-                                  </a:rPr>
-                                  <m:t>𝑎</m:t>
-                                </m:r>
-                                <m:r>
-                                  <a:rPr lang="de-DE" b="0" i="1" smtClean="0">
-                                    <a:latin typeface="Cambria Math" panose="02040503050406030204" pitchFamily="18" charset="0"/>
-                                  </a:rPr>
-                                  <m:t>+</m:t>
-                                </m:r>
-                                <m:r>
-                                  <a:rPr lang="de-DE" b="0" i="1" smtClean="0">
-                                    <a:latin typeface="Cambria Math" panose="02040503050406030204" pitchFamily="18" charset="0"/>
-                                  </a:rPr>
-                                  <m:t>𝑏</m:t>
-                                </m:r>
-                                <m:r>
-                                  <a:rPr lang="de-DE" b="0" i="1" smtClean="0">
-                                    <a:latin typeface="Cambria Math" panose="02040503050406030204" pitchFamily="18" charset="0"/>
-                                  </a:rPr>
-                                  <m:t>=</m:t>
-                                </m:r>
-                                <m:nary>
-                                  <m:naryPr>
-                                    <m:chr m:val="∑"/>
-                                    <m:ctrlPr>
-                                      <a:rPr lang="de-DE" i="1" smtClean="0">
-                                        <a:latin typeface="Cambria Math" panose="02040503050406030204" pitchFamily="18" charset="0"/>
-                                      </a:rPr>
-                                    </m:ctrlPr>
-                                  </m:naryPr>
-                                  <m:sub>
-                                    <m:r>
-                                      <m:rPr>
-                                        <m:brk m:alnAt="23"/>
-                                      </m:rPr>
-                                      <a:rPr lang="de-DE" b="0" i="1" smtClean="0">
-                                        <a:latin typeface="Cambria Math" panose="02040503050406030204" pitchFamily="18" charset="0"/>
-                                      </a:rPr>
-                                      <m:t>𝑖</m:t>
-                                    </m:r>
-                                    <m:r>
-                                      <a:rPr lang="de-DE" b="0" i="1" smtClean="0">
-                                        <a:latin typeface="Cambria Math" panose="02040503050406030204" pitchFamily="18" charset="0"/>
-                                      </a:rPr>
-                                      <m:t>=0</m:t>
-                                    </m:r>
-                                  </m:sub>
-                                  <m:sup>
-                                    <m:r>
-                                      <a:rPr lang="de-DE" b="0" i="1" smtClean="0">
-                                        <a:latin typeface="Cambria Math" panose="02040503050406030204" pitchFamily="18" charset="0"/>
-                                      </a:rPr>
-                                      <m:t>𝑠𝑖𝑧𝑒</m:t>
-                                    </m:r>
-                                    <m:r>
-                                      <a:rPr lang="de-DE" b="0" i="1" smtClean="0">
-                                        <a:latin typeface="Cambria Math" panose="02040503050406030204" pitchFamily="18" charset="0"/>
-                                      </a:rPr>
-                                      <m:t>−1</m:t>
-                                    </m:r>
-                                  </m:sup>
-                                  <m:e>
-                                    <m:sSup>
-                                      <m:sSupPr>
-                                        <m:ctrlPr>
-                                          <a:rPr lang="de-DE" i="1" smtClean="0">
-                                            <a:latin typeface="Cambria Math" panose="02040503050406030204" pitchFamily="18" charset="0"/>
-                                          </a:rPr>
-                                        </m:ctrlPr>
-                                      </m:sSupPr>
-                                      <m:e>
-                                        <m:r>
-                                          <a:rPr lang="de-DE" b="0" i="1" smtClean="0">
-                                            <a:latin typeface="Cambria Math" panose="02040503050406030204" pitchFamily="18" charset="0"/>
-                                          </a:rPr>
-                                          <m:t>2</m:t>
-                                        </m:r>
-                                      </m:e>
-                                      <m:sup>
-                                        <m:r>
-                                          <a:rPr lang="de-DE" b="0" i="1" smtClean="0">
-                                            <a:latin typeface="Cambria Math" panose="02040503050406030204" pitchFamily="18" charset="0"/>
-                                          </a:rPr>
-                                          <m:t>32</m:t>
-                                        </m:r>
-                                        <m:r>
-                                          <a:rPr lang="de-DE" b="0" i="1" smtClean="0">
-                                            <a:latin typeface="Cambria Math" panose="02040503050406030204" pitchFamily="18" charset="0"/>
-                                          </a:rPr>
-                                          <m:t>𝑖</m:t>
-                                        </m:r>
-                                      </m:sup>
-                                    </m:sSup>
-                                    <m:d>
-                                      <m:dPr>
-                                        <m:ctrlPr>
-                                          <a:rPr lang="de-DE" i="1" smtClean="0">
-                                            <a:latin typeface="Cambria Math" panose="02040503050406030204" pitchFamily="18" charset="0"/>
-                                          </a:rPr>
-                                        </m:ctrlPr>
-                                      </m:dPr>
-                                      <m:e>
-                                        <m:sSub>
-                                          <m:sSubPr>
-                                            <m:ctrlPr>
-                                              <a:rPr lang="de-DE" i="1" smtClean="0">
-                                                <a:latin typeface="Cambria Math" panose="02040503050406030204" pitchFamily="18" charset="0"/>
-                                              </a:rPr>
-                                            </m:ctrlPr>
-                                          </m:sSubPr>
-                                          <m:e>
-                                            <m:r>
-                                              <a:rPr lang="de-DE" b="0" i="1" smtClean="0">
-                                                <a:latin typeface="Cambria Math" panose="02040503050406030204" pitchFamily="18" charset="0"/>
-                                              </a:rPr>
-                                              <m:t>𝑎</m:t>
-                                            </m:r>
-                                          </m:e>
-                                          <m:sub>
-                                            <m:r>
-                                              <a:rPr lang="de-DE" b="0" i="1" smtClean="0">
-                                                <a:latin typeface="Cambria Math" panose="02040503050406030204" pitchFamily="18" charset="0"/>
-                                              </a:rPr>
-                                              <m:t>𝑖</m:t>
-                                            </m:r>
-                                          </m:sub>
-                                        </m:sSub>
-                                        <m:r>
-                                          <a:rPr lang="de-DE" b="0" i="1" smtClean="0">
-                                            <a:latin typeface="Cambria Math" panose="02040503050406030204" pitchFamily="18" charset="0"/>
-                                          </a:rPr>
-                                          <m:t>+</m:t>
-                                        </m:r>
-                                        <m:sSub>
-                                          <m:sSubPr>
-                                            <m:ctrlPr>
-                                              <a:rPr lang="de-DE" b="0" i="1" smtClean="0">
-                                                <a:latin typeface="Cambria Math" panose="02040503050406030204" pitchFamily="18" charset="0"/>
-                                              </a:rPr>
-                                            </m:ctrlPr>
-                                          </m:sSubPr>
-                                          <m:e>
-                                            <m:r>
-                                              <a:rPr lang="de-DE" b="0" i="1" smtClean="0">
-                                                <a:latin typeface="Cambria Math" panose="02040503050406030204" pitchFamily="18" charset="0"/>
-                                              </a:rPr>
-                                              <m:t>𝑏</m:t>
-                                            </m:r>
-                                          </m:e>
-                                          <m:sub>
-                                            <m:r>
-                                              <a:rPr lang="de-DE" b="0" i="1" smtClean="0">
-                                                <a:latin typeface="Cambria Math" panose="02040503050406030204" pitchFamily="18" charset="0"/>
-                                              </a:rPr>
-                                              <m:t>𝑖</m:t>
-                                            </m:r>
-                                          </m:sub>
-                                        </m:sSub>
-                                      </m:e>
-                                    </m:d>
-                                  </m:e>
-                                </m:nary>
-                              </m:oMath>
-                            </m:oMathPara>
-                          </a14:m>
-                          <a:endParaRPr lang="de-DE" dirty="0"/>
-                        </a:p>
-                      </a:txBody>
-                      <a:tcPr anchor="ctr">
-                        <a:lnL w="12700" cmpd="sng">
-                          <a:noFill/>
-                        </a:lnL>
-                        <a:lnR w="12700" cmpd="sng">
-                          <a:noFill/>
-                        </a:lnR>
-                        <a:lnT w="12700" cmpd="sng">
-                          <a:noFill/>
-                        </a:lnT>
-                        <a:lnB w="12700" cmpd="sng">
-                          <a:noFill/>
-                        </a:lnB>
-                        <a:lnTlToBr w="12700" cmpd="sng">
-                          <a:noFill/>
-                          <a:prstDash val="solid"/>
-                        </a:lnTlToBr>
-                        <a:lnBlToTr w="12700" cmpd="sng">
-                          <a:noFill/>
-                          <a:prstDash val="solid"/>
-                        </a:lnBlToTr>
-                        <a:noFill/>
-                      </a:tcPr>
-                    </a:tc>
-                    <a:tc>
-                      <a:txBody>
-                        <a:bodyPr/>
-                        <a:lstStyle/>
-                        <a:p>
-                          <a:pPr marL="0" marR="0" lvl="0" indent="0" algn="ctr" defTabSz="914400" rtl="0" eaLnBrk="1" fontAlgn="auto" latinLnBrk="0" hangingPunct="1">
-                            <a:lnSpc>
-                              <a:spcPct val="100000"/>
-                            </a:lnSpc>
-                            <a:spcBef>
-                              <a:spcPts val="0"/>
-                            </a:spcBef>
-                            <a:spcAft>
-                              <a:spcPts val="0"/>
-                            </a:spcAft>
-                            <a:buClrTx/>
-                            <a:buSzTx/>
-                            <a:buFontTx/>
-                            <a:buNone/>
-                            <a:tabLst/>
-                            <a:defRPr/>
-                          </a:pPr>
-                          <a14:m>
-                            <m:oMathPara xmlns:m="http://schemas.openxmlformats.org/officeDocument/2006/math">
-                              <m:oMathParaPr>
-                                <m:jc m:val="centerGroup"/>
-                              </m:oMathParaPr>
-                              <m:oMath xmlns:m="http://schemas.openxmlformats.org/officeDocument/2006/math">
-                                <m:r>
-                                  <a:rPr lang="de-DE" b="0" i="1" smtClean="0">
-                                    <a:latin typeface="Cambria Math" panose="02040503050406030204" pitchFamily="18" charset="0"/>
-                                  </a:rPr>
-                                  <m:t>=</m:t>
-                                </m:r>
-                                <m:nary>
-                                  <m:naryPr>
-                                    <m:chr m:val="∑"/>
-                                    <m:ctrlPr>
-                                      <a:rPr lang="de-DE" i="1" smtClean="0">
-                                        <a:latin typeface="Cambria Math" panose="02040503050406030204" pitchFamily="18" charset="0"/>
-                                      </a:rPr>
-                                    </m:ctrlPr>
-                                  </m:naryPr>
-                                  <m:sub>
-                                    <m:r>
-                                      <m:rPr>
-                                        <m:brk m:alnAt="23"/>
-                                      </m:rPr>
-                                      <a:rPr lang="de-DE" b="0" i="1" smtClean="0">
-                                        <a:latin typeface="Cambria Math" panose="02040503050406030204" pitchFamily="18" charset="0"/>
-                                      </a:rPr>
-                                      <m:t>𝑖</m:t>
-                                    </m:r>
-                                    <m:r>
-                                      <a:rPr lang="de-DE" b="0" i="1" smtClean="0">
-                                        <a:latin typeface="Cambria Math" panose="02040503050406030204" pitchFamily="18" charset="0"/>
-                                      </a:rPr>
-                                      <m:t>=0</m:t>
-                                    </m:r>
-                                  </m:sub>
-                                  <m:sup>
-                                    <m:d>
-                                      <m:dPr>
-                                        <m:begChr m:val="⌊"/>
-                                        <m:endChr m:val="⌋"/>
-                                        <m:ctrlPr>
-                                          <a:rPr lang="de-DE" b="0" i="1" smtClean="0">
-                                            <a:latin typeface="Cambria Math" panose="02040503050406030204" pitchFamily="18" charset="0"/>
-                                          </a:rPr>
-                                        </m:ctrlPr>
-                                      </m:dPr>
-                                      <m:e>
-                                        <m:f>
-                                          <m:fPr>
-                                            <m:ctrlPr>
-                                              <a:rPr lang="de-DE" b="0" i="1" smtClean="0">
-                                                <a:latin typeface="Cambria Math" panose="02040503050406030204" pitchFamily="18" charset="0"/>
-                                              </a:rPr>
-                                            </m:ctrlPr>
-                                          </m:fPr>
-                                          <m:num>
-                                            <m:r>
-                                              <a:rPr lang="de-DE" b="0" i="1" smtClean="0">
-                                                <a:latin typeface="Cambria Math" panose="02040503050406030204" pitchFamily="18" charset="0"/>
-                                              </a:rPr>
-                                              <m:t>𝑠𝑖𝑧𝑒</m:t>
-                                            </m:r>
-                                          </m:num>
-                                          <m:den>
-                                            <m:r>
-                                              <a:rPr lang="de-DE" b="0" i="1" smtClean="0">
-                                                <a:latin typeface="Cambria Math" panose="02040503050406030204" pitchFamily="18" charset="0"/>
-                                              </a:rPr>
-                                              <m:t>4</m:t>
-                                            </m:r>
-                                          </m:den>
-                                        </m:f>
-                                      </m:e>
-                                    </m:d>
-                                    <m:r>
-                                      <a:rPr lang="de-DE" b="0" i="1" smtClean="0">
-                                        <a:latin typeface="Cambria Math" panose="02040503050406030204" pitchFamily="18" charset="0"/>
-                                      </a:rPr>
-                                      <m:t>−1</m:t>
-                                    </m:r>
-                                  </m:sup>
-                                  <m:e>
-                                    <m:sSup>
-                                      <m:sSupPr>
-                                        <m:ctrlPr>
-                                          <a:rPr lang="de-DE" i="1" smtClean="0">
-                                            <a:latin typeface="Cambria Math" panose="02040503050406030204" pitchFamily="18" charset="0"/>
-                                          </a:rPr>
-                                        </m:ctrlPr>
-                                      </m:sSupPr>
-                                      <m:e>
-                                        <m:r>
-                                          <a:rPr lang="de-DE" b="0" i="1" smtClean="0">
-                                            <a:latin typeface="Cambria Math" panose="02040503050406030204" pitchFamily="18" charset="0"/>
-                                          </a:rPr>
-                                          <m:t>2</m:t>
-                                        </m:r>
-                                      </m:e>
-                                      <m:sup>
-                                        <m:r>
-                                          <a:rPr lang="de-DE" b="0" i="1" smtClean="0">
-                                            <a:latin typeface="Cambria Math" panose="02040503050406030204" pitchFamily="18" charset="0"/>
-                                          </a:rPr>
-                                          <m:t>128</m:t>
-                                        </m:r>
-                                        <m:r>
-                                          <a:rPr lang="de-DE" b="0" i="1" smtClean="0">
-                                            <a:latin typeface="Cambria Math" panose="02040503050406030204" pitchFamily="18" charset="0"/>
-                                          </a:rPr>
-                                          <m:t>𝑖</m:t>
-                                        </m:r>
-                                      </m:sup>
-                                    </m:sSup>
-                                    <m:d>
-                                      <m:dPr>
-                                        <m:ctrlPr>
-                                          <a:rPr lang="de-DE" i="1" smtClean="0">
-                                            <a:latin typeface="Cambria Math" panose="02040503050406030204" pitchFamily="18" charset="0"/>
-                                          </a:rPr>
-                                        </m:ctrlPr>
-                                      </m:dPr>
-                                      <m:e>
-                                        <m:sSub>
-                                          <m:sSubPr>
-                                            <m:ctrlPr>
-                                              <a:rPr lang="de-DE" i="1" smtClean="0">
-                                                <a:latin typeface="Cambria Math" panose="02040503050406030204" pitchFamily="18" charset="0"/>
-                                              </a:rPr>
-                                            </m:ctrlPr>
-                                          </m:sSubPr>
-                                          <m:e>
-                                            <m:r>
-                                              <a:rPr lang="de-DE" b="0" i="1" smtClean="0">
-                                                <a:latin typeface="Cambria Math" panose="02040503050406030204" pitchFamily="18" charset="0"/>
-                                              </a:rPr>
-                                              <m:t>𝑎</m:t>
-                                            </m:r>
-                                          </m:e>
-                                          <m:sub>
-                                            <m:r>
-                                              <a:rPr lang="de-DE" b="0" i="1" smtClean="0">
-                                                <a:latin typeface="Cambria Math" panose="02040503050406030204" pitchFamily="18" charset="0"/>
-                                              </a:rPr>
-                                              <m:t>𝑖</m:t>
-                                            </m:r>
-                                          </m:sub>
-                                        </m:sSub>
-                                        <m:r>
-                                          <a:rPr lang="de-DE" b="0" i="1" smtClean="0">
-                                            <a:latin typeface="Cambria Math" panose="02040503050406030204" pitchFamily="18" charset="0"/>
-                                          </a:rPr>
-                                          <m:t>+</m:t>
-                                        </m:r>
-                                        <m:sSub>
-                                          <m:sSubPr>
-                                            <m:ctrlPr>
-                                              <a:rPr lang="de-DE" b="0" i="1" smtClean="0">
-                                                <a:latin typeface="Cambria Math" panose="02040503050406030204" pitchFamily="18" charset="0"/>
-                                              </a:rPr>
-                                            </m:ctrlPr>
-                                          </m:sSubPr>
-                                          <m:e>
-                                            <m:r>
-                                              <a:rPr lang="de-DE" b="0" i="1" smtClean="0">
-                                                <a:latin typeface="Cambria Math" panose="02040503050406030204" pitchFamily="18" charset="0"/>
-                                              </a:rPr>
-                                              <m:t>𝑏</m:t>
-                                            </m:r>
-                                          </m:e>
-                                          <m:sub>
-                                            <m:r>
-                                              <a:rPr lang="de-DE" b="0" i="1" smtClean="0">
-                                                <a:latin typeface="Cambria Math" panose="02040503050406030204" pitchFamily="18" charset="0"/>
-                                              </a:rPr>
-                                              <m:t>𝑖</m:t>
-                                            </m:r>
-                                          </m:sub>
-                                        </m:sSub>
-                                      </m:e>
-                                    </m:d>
-                                  </m:e>
-                                </m:nary>
-                                <m:r>
-                                  <a:rPr lang="de-DE" b="0" i="1" smtClean="0">
-                                    <a:latin typeface="Cambria Math" panose="02040503050406030204" pitchFamily="18" charset="0"/>
-                                  </a:rPr>
-                                  <m:t>+</m:t>
-                                </m:r>
-                                <m:nary>
-                                  <m:naryPr>
-                                    <m:chr m:val="∑"/>
-                                    <m:ctrlPr>
-                                      <a:rPr lang="de-DE" b="0" i="1" smtClean="0">
-                                        <a:latin typeface="Cambria Math" panose="02040503050406030204" pitchFamily="18" charset="0"/>
-                                      </a:rPr>
-                                    </m:ctrlPr>
-                                  </m:naryPr>
-                                  <m:sub>
-                                    <m:r>
-                                      <m:rPr>
-                                        <m:brk m:alnAt="23"/>
-                                      </m:rPr>
-                                      <a:rPr lang="de-DE" b="0" i="1" smtClean="0">
-                                        <a:latin typeface="Cambria Math" panose="02040503050406030204" pitchFamily="18" charset="0"/>
-                                      </a:rPr>
-                                      <m:t>𝑖</m:t>
-                                    </m:r>
-                                    <m:r>
-                                      <a:rPr lang="de-DE" b="0" i="1" smtClean="0">
-                                        <a:latin typeface="Cambria Math" panose="02040503050406030204" pitchFamily="18" charset="0"/>
-                                      </a:rPr>
-                                      <m:t>=</m:t>
-                                    </m:r>
-                                    <m:r>
-                                      <a:rPr lang="de-DE" b="0" i="1" smtClean="0">
-                                        <a:latin typeface="Cambria Math" panose="02040503050406030204" pitchFamily="18" charset="0"/>
-                                      </a:rPr>
-                                      <m:t>𝑠𝑖𝑧𝑒</m:t>
-                                    </m:r>
-                                    <m:r>
-                                      <a:rPr lang="de-DE" b="0" i="1" smtClean="0">
-                                        <a:latin typeface="Cambria Math" panose="02040503050406030204" pitchFamily="18" charset="0"/>
-                                      </a:rPr>
-                                      <m:t>−</m:t>
-                                    </m:r>
-                                    <m:r>
-                                      <a:rPr lang="de-DE" b="0" i="1" smtClean="0">
-                                        <a:latin typeface="Cambria Math" panose="02040503050406030204" pitchFamily="18" charset="0"/>
-                                      </a:rPr>
-                                      <m:t>𝑠𝑖𝑧𝑒</m:t>
-                                    </m:r>
-                                    <m:r>
-                                      <a:rPr lang="de-DE" b="0" i="1" smtClean="0">
-                                        <a:latin typeface="Cambria Math" panose="02040503050406030204" pitchFamily="18" charset="0"/>
-                                        <a:ea typeface="Cambria Math" panose="02040503050406030204" pitchFamily="18" charset="0"/>
-                                      </a:rPr>
-                                      <m:t>%4</m:t>
-                                    </m:r>
-                                  </m:sub>
-                                  <m:sup>
-                                    <m:r>
-                                      <a:rPr lang="de-DE" b="0" i="1" smtClean="0">
-                                        <a:latin typeface="Cambria Math" panose="02040503050406030204" pitchFamily="18" charset="0"/>
-                                      </a:rPr>
-                                      <m:t>𝑠𝑖𝑧𝑒</m:t>
-                                    </m:r>
-                                    <m:r>
-                                      <a:rPr lang="de-DE" b="0" i="1" smtClean="0">
-                                        <a:latin typeface="Cambria Math" panose="02040503050406030204" pitchFamily="18" charset="0"/>
-                                      </a:rPr>
-                                      <m:t>−1</m:t>
-                                    </m:r>
-                                  </m:sup>
-                                  <m:e>
-                                    <m:sSup>
-                                      <m:sSupPr>
-                                        <m:ctrlPr>
-                                          <a:rPr lang="de-DE" i="1" smtClean="0">
-                                            <a:latin typeface="Cambria Math" panose="02040503050406030204" pitchFamily="18" charset="0"/>
-                                          </a:rPr>
-                                        </m:ctrlPr>
-                                      </m:sSupPr>
-                                      <m:e>
-                                        <m:r>
-                                          <a:rPr lang="de-DE" b="0" i="1" smtClean="0">
-                                            <a:latin typeface="Cambria Math" panose="02040503050406030204" pitchFamily="18" charset="0"/>
-                                          </a:rPr>
-                                          <m:t>2</m:t>
-                                        </m:r>
-                                      </m:e>
-                                      <m:sup>
-                                        <m:r>
-                                          <a:rPr lang="de-DE" b="0" i="1" smtClean="0">
-                                            <a:latin typeface="Cambria Math" panose="02040503050406030204" pitchFamily="18" charset="0"/>
-                                          </a:rPr>
-                                          <m:t>32</m:t>
-                                        </m:r>
-                                        <m:r>
-                                          <a:rPr lang="de-DE" b="0" i="1" smtClean="0">
-                                            <a:latin typeface="Cambria Math" panose="02040503050406030204" pitchFamily="18" charset="0"/>
-                                          </a:rPr>
-                                          <m:t>𝑖</m:t>
-                                        </m:r>
-                                      </m:sup>
-                                    </m:sSup>
-                                    <m:d>
-                                      <m:dPr>
-                                        <m:ctrlPr>
-                                          <a:rPr lang="de-DE" i="1" smtClean="0">
-                                            <a:latin typeface="Cambria Math" panose="02040503050406030204" pitchFamily="18" charset="0"/>
-                                          </a:rPr>
-                                        </m:ctrlPr>
-                                      </m:dPr>
-                                      <m:e>
-                                        <m:sSub>
-                                          <m:sSubPr>
-                                            <m:ctrlPr>
-                                              <a:rPr lang="de-DE" i="1" smtClean="0">
-                                                <a:latin typeface="Cambria Math" panose="02040503050406030204" pitchFamily="18" charset="0"/>
-                                              </a:rPr>
-                                            </m:ctrlPr>
-                                          </m:sSubPr>
-                                          <m:e>
-                                            <m:r>
-                                              <a:rPr lang="de-DE" b="0" i="1" smtClean="0">
-                                                <a:latin typeface="Cambria Math" panose="02040503050406030204" pitchFamily="18" charset="0"/>
-                                              </a:rPr>
-                                              <m:t>𝑎</m:t>
-                                            </m:r>
-                                          </m:e>
-                                          <m:sub>
-                                            <m:r>
-                                              <a:rPr lang="de-DE" b="0" i="1" smtClean="0">
-                                                <a:latin typeface="Cambria Math" panose="02040503050406030204" pitchFamily="18" charset="0"/>
-                                              </a:rPr>
-                                              <m:t>𝑖</m:t>
-                                            </m:r>
-                                          </m:sub>
-                                        </m:sSub>
-                                        <m:r>
-                                          <a:rPr lang="de-DE" b="0" i="1" smtClean="0">
-                                            <a:latin typeface="Cambria Math" panose="02040503050406030204" pitchFamily="18" charset="0"/>
-                                          </a:rPr>
-                                          <m:t>+</m:t>
-                                        </m:r>
-                                        <m:sSub>
-                                          <m:sSubPr>
-                                            <m:ctrlPr>
-                                              <a:rPr lang="de-DE" b="0" i="1" smtClean="0">
-                                                <a:latin typeface="Cambria Math" panose="02040503050406030204" pitchFamily="18" charset="0"/>
-                                              </a:rPr>
-                                            </m:ctrlPr>
-                                          </m:sSubPr>
-                                          <m:e>
-                                            <m:r>
-                                              <a:rPr lang="de-DE" b="0" i="1" smtClean="0">
-                                                <a:latin typeface="Cambria Math" panose="02040503050406030204" pitchFamily="18" charset="0"/>
-                                              </a:rPr>
-                                              <m:t>𝑏</m:t>
-                                            </m:r>
-                                          </m:e>
-                                          <m:sub>
-                                            <m:r>
-                                              <a:rPr lang="de-DE" b="0" i="1" smtClean="0">
-                                                <a:latin typeface="Cambria Math" panose="02040503050406030204" pitchFamily="18" charset="0"/>
-                                              </a:rPr>
-                                              <m:t>𝑖</m:t>
-                                            </m:r>
-                                          </m:sub>
-                                        </m:sSub>
-                                      </m:e>
-                                    </m:d>
-                                  </m:e>
-                                </m:nary>
-                              </m:oMath>
-                            </m:oMathPara>
-                          </a14:m>
-                          <a:endParaRPr lang="de-DE" dirty="0"/>
-                        </a:p>
-                        <a:p>
-                          <a:pPr algn="ctr"/>
-                          <a:endParaRPr lang="de-DE" dirty="0"/>
-                        </a:p>
-                      </a:txBody>
-                      <a:tcPr anchor="ctr">
-                        <a:lnL w="12700" cmpd="sng">
-                          <a:noFill/>
-                        </a:lnL>
-                        <a:lnR w="12700" cmpd="sng">
-                          <a:noFill/>
-                        </a:lnR>
-                        <a:lnT w="12700" cmpd="sng">
-                          <a:noFill/>
-                        </a:lnT>
-                        <a:lnB w="12700" cmpd="sng">
-                          <a:noFill/>
-                        </a:lnB>
-                        <a:lnTlToBr w="12700" cmpd="sng">
-                          <a:noFill/>
-                          <a:prstDash val="solid"/>
-                        </a:lnTlToBr>
-                        <a:lnBlToTr w="12700" cmpd="sng">
-                          <a:noFill/>
-                          <a:prstDash val="solid"/>
-                        </a:lnBlToTr>
-                        <a:noFill/>
-                      </a:tcPr>
-                    </a:tc>
-                    <a:extLst>
-                      <a:ext uri="{0D108BD9-81ED-4DB2-BD59-A6C34878D82A}">
-                        <a16:rowId xmlns:a16="http://schemas.microsoft.com/office/drawing/2014/main" val="4039584035"/>
-                      </a:ext>
-                    </a:extLst>
-                  </a:tr>
-                  <a:tr h="1530677">
-                    <a:tc>
-                      <a:txBody>
-                        <a:bodyPr/>
-                        <a:lstStyle/>
-                        <a:p>
-                          <a:pPr algn="ctr"/>
-                          <a:r>
-                            <a:rPr lang="de-DE" sz="2800" dirty="0"/>
-                            <a:t>Multiplikation</a:t>
-                          </a:r>
-                        </a:p>
-                      </a:txBody>
-                      <a:tcPr anchor="ctr">
-                        <a:lnL w="12700" cmpd="sng">
-                          <a:noFill/>
-                        </a:lnL>
-                        <a:lnR w="12700" cmpd="sng">
-                          <a:noFill/>
-                        </a:lnR>
-                        <a:lnT w="12700" cmpd="sng">
-                          <a:noFill/>
-                        </a:lnT>
-                        <a:lnB w="12700" cmpd="sng">
-                          <a:noFill/>
-                        </a:lnB>
-                        <a:lnTlToBr w="12700" cmpd="sng">
-                          <a:noFill/>
-                          <a:prstDash val="solid"/>
-                        </a:lnTlToBr>
-                        <a:lnBlToTr w="12700" cmpd="sng">
-                          <a:noFill/>
-                          <a:prstDash val="solid"/>
-                        </a:lnBlToTr>
-                        <a:noFill/>
-                      </a:tcPr>
-                    </a:tc>
-                    <a:tc>
-                      <a:txBody>
-                        <a:bodyPr/>
-                        <a:lstStyle/>
-                        <a:p>
-                          <a:pPr algn="ctr"/>
-                          <a14:m>
-                            <m:oMathPara xmlns:m="http://schemas.openxmlformats.org/officeDocument/2006/math">
-                              <m:oMathParaPr>
-                                <m:jc m:val="centerGroup"/>
-                              </m:oMathParaPr>
-                              <m:oMath xmlns:m="http://schemas.openxmlformats.org/officeDocument/2006/math">
-                                <m:r>
-                                  <a:rPr lang="de-DE" i="1" smtClean="0">
-                                    <a:latin typeface="Cambria Math" panose="02040503050406030204" pitchFamily="18" charset="0"/>
-                                  </a:rPr>
-                                  <m:t>𝑎</m:t>
-                                </m:r>
-                                <m:r>
-                                  <a:rPr lang="de-DE" b="0" i="1" smtClean="0">
-                                    <a:latin typeface="Cambria Math" panose="02040503050406030204" pitchFamily="18" charset="0"/>
-                                    <a:ea typeface="Cambria Math" panose="02040503050406030204" pitchFamily="18" charset="0"/>
-                                  </a:rPr>
-                                  <m:t>∙</m:t>
-                                </m:r>
-                                <m:r>
-                                  <a:rPr lang="de-DE" b="0" i="1" smtClean="0">
-                                    <a:latin typeface="Cambria Math" panose="02040503050406030204" pitchFamily="18" charset="0"/>
-                                    <a:ea typeface="Cambria Math" panose="02040503050406030204" pitchFamily="18" charset="0"/>
-                                  </a:rPr>
-                                  <m:t>𝑏</m:t>
-                                </m:r>
-                                <m:r>
-                                  <a:rPr lang="de-DE" b="0" i="1" smtClean="0">
-                                    <a:latin typeface="Cambria Math" panose="02040503050406030204" pitchFamily="18" charset="0"/>
-                                    <a:ea typeface="Cambria Math" panose="02040503050406030204" pitchFamily="18" charset="0"/>
-                                  </a:rPr>
-                                  <m:t>=</m:t>
-                                </m:r>
-                                <m:nary>
-                                  <m:naryPr>
-                                    <m:chr m:val="∑"/>
-                                    <m:ctrlPr>
-                                      <a:rPr lang="de-DE" b="0" i="1" smtClean="0">
-                                        <a:latin typeface="Cambria Math" panose="02040503050406030204" pitchFamily="18" charset="0"/>
-                                        <a:ea typeface="Cambria Math" panose="02040503050406030204" pitchFamily="18" charset="0"/>
-                                      </a:rPr>
-                                    </m:ctrlPr>
-                                  </m:naryPr>
-                                  <m:sub>
-                                    <m:r>
-                                      <m:rPr>
-                                        <m:brk m:alnAt="23"/>
-                                      </m:rPr>
-                                      <a:rPr lang="de-DE" b="0" i="1" smtClean="0">
-                                        <a:latin typeface="Cambria Math" panose="02040503050406030204" pitchFamily="18" charset="0"/>
-                                        <a:ea typeface="Cambria Math" panose="02040503050406030204" pitchFamily="18" charset="0"/>
-                                      </a:rPr>
-                                      <m:t>𝑖</m:t>
-                                    </m:r>
-                                    <m:r>
-                                      <a:rPr lang="de-DE" b="0" i="1" smtClean="0">
-                                        <a:latin typeface="Cambria Math" panose="02040503050406030204" pitchFamily="18" charset="0"/>
-                                        <a:ea typeface="Cambria Math" panose="02040503050406030204" pitchFamily="18" charset="0"/>
-                                      </a:rPr>
-                                      <m:t>=0</m:t>
-                                    </m:r>
-                                  </m:sub>
-                                  <m:sup>
-                                    <m:r>
-                                      <a:rPr lang="de-DE" b="0" i="1" smtClean="0">
-                                        <a:latin typeface="Cambria Math" panose="02040503050406030204" pitchFamily="18" charset="0"/>
-                                        <a:ea typeface="Cambria Math" panose="02040503050406030204" pitchFamily="18" charset="0"/>
-                                      </a:rPr>
-                                      <m:t>𝑠𝑖𝑧𝑒</m:t>
-                                    </m:r>
-                                    <m:r>
-                                      <a:rPr lang="de-DE" b="0" i="1" smtClean="0">
-                                        <a:latin typeface="Cambria Math" panose="02040503050406030204" pitchFamily="18" charset="0"/>
-                                        <a:ea typeface="Cambria Math" panose="02040503050406030204" pitchFamily="18" charset="0"/>
-                                      </a:rPr>
-                                      <m:t>−1</m:t>
-                                    </m:r>
-                                  </m:sup>
-                                  <m:e>
-                                    <m:d>
-                                      <m:dPr>
-                                        <m:ctrlPr>
-                                          <a:rPr lang="de-DE" b="0" i="1" smtClean="0">
-                                            <a:latin typeface="Cambria Math" panose="02040503050406030204" pitchFamily="18" charset="0"/>
-                                            <a:ea typeface="Cambria Math" panose="02040503050406030204" pitchFamily="18" charset="0"/>
-                                          </a:rPr>
-                                        </m:ctrlPr>
-                                      </m:dPr>
-                                      <m:e>
-                                        <m:sSup>
-                                          <m:sSupPr>
-                                            <m:ctrlPr>
-                                              <a:rPr lang="de-DE" b="0" i="1" smtClean="0">
-                                                <a:latin typeface="Cambria Math" panose="02040503050406030204" pitchFamily="18" charset="0"/>
-                                                <a:ea typeface="Cambria Math" panose="02040503050406030204" pitchFamily="18" charset="0"/>
-                                              </a:rPr>
-                                            </m:ctrlPr>
-                                          </m:sSupPr>
-                                          <m:e>
-                                            <m:r>
-                                              <a:rPr lang="de-DE" b="0" i="1" smtClean="0">
-                                                <a:latin typeface="Cambria Math" panose="02040503050406030204" pitchFamily="18" charset="0"/>
-                                                <a:ea typeface="Cambria Math" panose="02040503050406030204" pitchFamily="18" charset="0"/>
-                                              </a:rPr>
-                                              <m:t>2</m:t>
-                                            </m:r>
-                                          </m:e>
-                                          <m:sup>
-                                            <m:r>
-                                              <a:rPr lang="de-DE" b="0" i="1" smtClean="0">
-                                                <a:latin typeface="Cambria Math" panose="02040503050406030204" pitchFamily="18" charset="0"/>
-                                                <a:ea typeface="Cambria Math" panose="02040503050406030204" pitchFamily="18" charset="0"/>
-                                              </a:rPr>
-                                              <m:t>32</m:t>
-                                            </m:r>
-                                            <m:r>
-                                              <a:rPr lang="de-DE" b="0" i="1" smtClean="0">
-                                                <a:latin typeface="Cambria Math" panose="02040503050406030204" pitchFamily="18" charset="0"/>
-                                                <a:ea typeface="Cambria Math" panose="02040503050406030204" pitchFamily="18" charset="0"/>
-                                              </a:rPr>
-                                              <m:t>𝑖</m:t>
-                                            </m:r>
-                                          </m:sup>
-                                        </m:sSup>
-                                        <m:sSub>
-                                          <m:sSubPr>
-                                            <m:ctrlPr>
-                                              <a:rPr lang="de-DE" b="0" i="1" smtClean="0">
-                                                <a:latin typeface="Cambria Math" panose="02040503050406030204" pitchFamily="18" charset="0"/>
-                                                <a:ea typeface="Cambria Math" panose="02040503050406030204" pitchFamily="18" charset="0"/>
-                                              </a:rPr>
-                                            </m:ctrlPr>
-                                          </m:sSubPr>
-                                          <m:e>
-                                            <m:r>
-                                              <a:rPr lang="de-DE" b="0" i="1" smtClean="0">
-                                                <a:latin typeface="Cambria Math" panose="02040503050406030204" pitchFamily="18" charset="0"/>
-                                                <a:ea typeface="Cambria Math" panose="02040503050406030204" pitchFamily="18" charset="0"/>
-                                              </a:rPr>
-                                              <m:t>𝑏</m:t>
-                                            </m:r>
-                                          </m:e>
-                                          <m:sub>
-                                            <m:r>
-                                              <a:rPr lang="de-DE" b="0" i="1" smtClean="0">
-                                                <a:latin typeface="Cambria Math" panose="02040503050406030204" pitchFamily="18" charset="0"/>
-                                                <a:ea typeface="Cambria Math" panose="02040503050406030204" pitchFamily="18" charset="0"/>
-                                              </a:rPr>
-                                              <m:t>𝑖</m:t>
-                                            </m:r>
-                                          </m:sub>
-                                        </m:sSub>
-                                        <m:nary>
-                                          <m:naryPr>
-                                            <m:chr m:val="∑"/>
-                                            <m:ctrlPr>
-                                              <a:rPr lang="de-DE" b="0" i="1" smtClean="0">
-                                                <a:latin typeface="Cambria Math" panose="02040503050406030204" pitchFamily="18" charset="0"/>
-                                                <a:ea typeface="Cambria Math" panose="02040503050406030204" pitchFamily="18" charset="0"/>
-                                              </a:rPr>
-                                            </m:ctrlPr>
-                                          </m:naryPr>
-                                          <m:sub>
-                                            <m:r>
-                                              <m:rPr>
-                                                <m:brk m:alnAt="23"/>
-                                              </m:rPr>
-                                              <a:rPr lang="de-DE" b="0" i="1" smtClean="0">
-                                                <a:latin typeface="Cambria Math" panose="02040503050406030204" pitchFamily="18" charset="0"/>
-                                                <a:ea typeface="Cambria Math" panose="02040503050406030204" pitchFamily="18" charset="0"/>
-                                              </a:rPr>
-                                              <m:t>𝑗</m:t>
-                                            </m:r>
-                                            <m:r>
-                                              <a:rPr lang="de-DE" b="0" i="1" smtClean="0">
-                                                <a:latin typeface="Cambria Math" panose="02040503050406030204" pitchFamily="18" charset="0"/>
-                                                <a:ea typeface="Cambria Math" panose="02040503050406030204" pitchFamily="18" charset="0"/>
-                                              </a:rPr>
-                                              <m:t>=0</m:t>
-                                            </m:r>
-                                          </m:sub>
-                                          <m:sup>
-                                            <m:r>
-                                              <a:rPr lang="de-DE" b="0" i="1" smtClean="0">
-                                                <a:latin typeface="Cambria Math" panose="02040503050406030204" pitchFamily="18" charset="0"/>
-                                                <a:ea typeface="Cambria Math" panose="02040503050406030204" pitchFamily="18" charset="0"/>
-                                              </a:rPr>
-                                              <m:t>𝑠𝑖𝑧𝑒</m:t>
-                                            </m:r>
-                                            <m:r>
-                                              <a:rPr lang="de-DE" b="0" i="1" smtClean="0">
-                                                <a:latin typeface="Cambria Math" panose="02040503050406030204" pitchFamily="18" charset="0"/>
-                                                <a:ea typeface="Cambria Math" panose="02040503050406030204" pitchFamily="18" charset="0"/>
-                                              </a:rPr>
-                                              <m:t>−1</m:t>
-                                            </m:r>
-                                          </m:sup>
-                                          <m:e>
-                                            <m:sSup>
-                                              <m:sSupPr>
-                                                <m:ctrlPr>
-                                                  <a:rPr lang="de-DE" b="0" i="1" smtClean="0">
-                                                    <a:latin typeface="Cambria Math" panose="02040503050406030204" pitchFamily="18" charset="0"/>
-                                                    <a:ea typeface="Cambria Math" panose="02040503050406030204" pitchFamily="18" charset="0"/>
-                                                  </a:rPr>
-                                                </m:ctrlPr>
-                                              </m:sSupPr>
-                                              <m:e>
-                                                <m:r>
-                                                  <a:rPr lang="de-DE" b="0" i="1" smtClean="0">
-                                                    <a:latin typeface="Cambria Math" panose="02040503050406030204" pitchFamily="18" charset="0"/>
-                                                    <a:ea typeface="Cambria Math" panose="02040503050406030204" pitchFamily="18" charset="0"/>
-                                                  </a:rPr>
-                                                  <m:t>2</m:t>
-                                                </m:r>
-                                              </m:e>
-                                              <m:sup>
-                                                <m:r>
-                                                  <a:rPr lang="de-DE" b="0" i="1" smtClean="0">
-                                                    <a:latin typeface="Cambria Math" panose="02040503050406030204" pitchFamily="18" charset="0"/>
-                                                    <a:ea typeface="Cambria Math" panose="02040503050406030204" pitchFamily="18" charset="0"/>
-                                                  </a:rPr>
-                                                  <m:t>32</m:t>
-                                                </m:r>
-                                                <m:r>
-                                                  <a:rPr lang="de-DE" b="0" i="1" smtClean="0">
-                                                    <a:latin typeface="Cambria Math" panose="02040503050406030204" pitchFamily="18" charset="0"/>
-                                                    <a:ea typeface="Cambria Math" panose="02040503050406030204" pitchFamily="18" charset="0"/>
-                                                  </a:rPr>
-                                                  <m:t>𝑗</m:t>
-                                                </m:r>
-                                              </m:sup>
-                                            </m:sSup>
-                                            <m:sSub>
-                                              <m:sSubPr>
-                                                <m:ctrlPr>
-                                                  <a:rPr lang="de-DE" b="0" i="1" smtClean="0">
-                                                    <a:latin typeface="Cambria Math" panose="02040503050406030204" pitchFamily="18" charset="0"/>
-                                                    <a:ea typeface="Cambria Math" panose="02040503050406030204" pitchFamily="18" charset="0"/>
-                                                  </a:rPr>
-                                                </m:ctrlPr>
-                                              </m:sSubPr>
-                                              <m:e>
-                                                <m:r>
-                                                  <a:rPr lang="de-DE" b="0" i="1" smtClean="0">
-                                                    <a:latin typeface="Cambria Math" panose="02040503050406030204" pitchFamily="18" charset="0"/>
-                                                    <a:ea typeface="Cambria Math" panose="02040503050406030204" pitchFamily="18" charset="0"/>
-                                                  </a:rPr>
-                                                  <m:t>𝑎</m:t>
-                                                </m:r>
-                                              </m:e>
-                                              <m:sub>
-                                                <m:r>
-                                                  <a:rPr lang="de-DE" b="0" i="1" smtClean="0">
-                                                    <a:latin typeface="Cambria Math" panose="02040503050406030204" pitchFamily="18" charset="0"/>
-                                                    <a:ea typeface="Cambria Math" panose="02040503050406030204" pitchFamily="18" charset="0"/>
-                                                  </a:rPr>
-                                                  <m:t>𝑖</m:t>
-                                                </m:r>
-                                              </m:sub>
-                                            </m:sSub>
-                                          </m:e>
-                                        </m:nary>
-                                      </m:e>
-                                    </m:d>
-                                  </m:e>
-                                </m:nary>
-                              </m:oMath>
-                            </m:oMathPara>
-                          </a14:m>
-                          <a:endParaRPr lang="de-DE" dirty="0"/>
-                        </a:p>
-                      </a:txBody>
-                      <a:tcPr anchor="ctr">
-                        <a:lnL w="12700" cmpd="sng">
-                          <a:noFill/>
-                        </a:lnL>
-                        <a:lnR w="12700" cmpd="sng">
-                          <a:noFill/>
-                        </a:lnR>
-                        <a:lnT w="12700" cmpd="sng">
-                          <a:noFill/>
-                        </a:lnT>
-                        <a:lnB w="12700" cmpd="sng">
-                          <a:noFill/>
-                        </a:lnB>
-                        <a:lnTlToBr w="12700" cmpd="sng">
-                          <a:noFill/>
-                          <a:prstDash val="solid"/>
-                        </a:lnTlToBr>
-                        <a:lnBlToTr w="12700" cmpd="sng">
-                          <a:noFill/>
-                          <a:prstDash val="solid"/>
-                        </a:lnBlToTr>
-                        <a:noFill/>
-                      </a:tcPr>
-                    </a:tc>
-                    <a:tc>
-                      <a:txBody>
-                        <a:bodyPr/>
-                        <a:lstStyle/>
-                        <a:p>
-                          <a:pPr algn="ctr"/>
-                          <a14:m>
-                            <m:oMathPara xmlns:m="http://schemas.openxmlformats.org/officeDocument/2006/math">
-                              <m:oMathParaPr>
-                                <m:jc m:val="centerGroup"/>
-                              </m:oMathParaPr>
-                              <m:oMath xmlns:m="http://schemas.openxmlformats.org/officeDocument/2006/math">
-                                <m:r>
-                                  <a:rPr lang="de-DE" b="0" i="1" smtClean="0">
-                                    <a:latin typeface="Cambria Math" panose="02040503050406030204" pitchFamily="18" charset="0"/>
-                                    <a:ea typeface="Cambria Math" panose="02040503050406030204" pitchFamily="18" charset="0"/>
-                                  </a:rPr>
-                                  <m:t>=</m:t>
-                                </m:r>
-                                <m:nary>
-                                  <m:naryPr>
-                                    <m:chr m:val="∑"/>
-                                    <m:ctrlPr>
-                                      <a:rPr lang="de-DE" b="0" i="1" smtClean="0">
-                                        <a:latin typeface="Cambria Math" panose="02040503050406030204" pitchFamily="18" charset="0"/>
-                                        <a:ea typeface="Cambria Math" panose="02040503050406030204" pitchFamily="18" charset="0"/>
-                                      </a:rPr>
-                                    </m:ctrlPr>
-                                  </m:naryPr>
-                                  <m:sub>
-                                    <m:r>
-                                      <m:rPr>
-                                        <m:brk m:alnAt="23"/>
-                                      </m:rPr>
-                                      <a:rPr lang="de-DE" b="0" i="1" smtClean="0">
-                                        <a:latin typeface="Cambria Math" panose="02040503050406030204" pitchFamily="18" charset="0"/>
-                                        <a:ea typeface="Cambria Math" panose="02040503050406030204" pitchFamily="18" charset="0"/>
-                                      </a:rPr>
-                                      <m:t>𝑖</m:t>
-                                    </m:r>
-                                    <m:r>
-                                      <a:rPr lang="de-DE" b="0" i="1" smtClean="0">
-                                        <a:latin typeface="Cambria Math" panose="02040503050406030204" pitchFamily="18" charset="0"/>
-                                        <a:ea typeface="Cambria Math" panose="02040503050406030204" pitchFamily="18" charset="0"/>
-                                      </a:rPr>
-                                      <m:t>=0</m:t>
-                                    </m:r>
-                                  </m:sub>
-                                  <m:sup>
-                                    <m:d>
-                                      <m:dPr>
-                                        <m:begChr m:val="⌊"/>
-                                        <m:endChr m:val="⌋"/>
-                                        <m:ctrlPr>
-                                          <a:rPr lang="de-DE" b="0" i="1" smtClean="0">
-                                            <a:latin typeface="Cambria Math" panose="02040503050406030204" pitchFamily="18" charset="0"/>
-                                          </a:rPr>
-                                        </m:ctrlPr>
-                                      </m:dPr>
-                                      <m:e>
-                                        <m:f>
-                                          <m:fPr>
-                                            <m:ctrlPr>
-                                              <a:rPr lang="de-DE" b="0" i="1" smtClean="0">
-                                                <a:latin typeface="Cambria Math" panose="02040503050406030204" pitchFamily="18" charset="0"/>
-                                              </a:rPr>
-                                            </m:ctrlPr>
-                                          </m:fPr>
-                                          <m:num>
-                                            <m:r>
-                                              <a:rPr lang="de-DE" b="0" i="1" smtClean="0">
-                                                <a:latin typeface="Cambria Math" panose="02040503050406030204" pitchFamily="18" charset="0"/>
-                                              </a:rPr>
-                                              <m:t>𝑠𝑖𝑧𝑒</m:t>
-                                            </m:r>
-                                          </m:num>
-                                          <m:den>
-                                            <m:r>
-                                              <a:rPr lang="de-DE" b="0" i="1" smtClean="0">
-                                                <a:latin typeface="Cambria Math" panose="02040503050406030204" pitchFamily="18" charset="0"/>
-                                              </a:rPr>
-                                              <m:t>2</m:t>
-                                            </m:r>
-                                          </m:den>
-                                        </m:f>
-                                      </m:e>
-                                    </m:d>
-                                    <m:r>
-                                      <a:rPr lang="de-DE" b="0" i="1" smtClean="0">
-                                        <a:latin typeface="Cambria Math" panose="02040503050406030204" pitchFamily="18" charset="0"/>
-                                      </a:rPr>
-                                      <m:t>−1</m:t>
-                                    </m:r>
-                                  </m:sup>
-                                  <m:e>
-                                    <m:d>
-                                      <m:dPr>
-                                        <m:ctrlPr>
-                                          <a:rPr lang="de-DE" b="0" i="1" smtClean="0">
-                                            <a:latin typeface="Cambria Math" panose="02040503050406030204" pitchFamily="18" charset="0"/>
-                                            <a:ea typeface="Cambria Math" panose="02040503050406030204" pitchFamily="18" charset="0"/>
-                                          </a:rPr>
-                                        </m:ctrlPr>
-                                      </m:dPr>
-                                      <m:e>
-                                        <m:sSup>
-                                          <m:sSupPr>
-                                            <m:ctrlPr>
-                                              <a:rPr lang="de-DE" b="0" i="1" smtClean="0">
-                                                <a:latin typeface="Cambria Math" panose="02040503050406030204" pitchFamily="18" charset="0"/>
-                                                <a:ea typeface="Cambria Math" panose="02040503050406030204" pitchFamily="18" charset="0"/>
-                                              </a:rPr>
-                                            </m:ctrlPr>
-                                          </m:sSupPr>
-                                          <m:e>
-                                            <m:r>
-                                              <a:rPr lang="de-DE" b="0" i="1" smtClean="0">
-                                                <a:latin typeface="Cambria Math" panose="02040503050406030204" pitchFamily="18" charset="0"/>
-                                                <a:ea typeface="Cambria Math" panose="02040503050406030204" pitchFamily="18" charset="0"/>
-                                              </a:rPr>
-                                              <m:t>2</m:t>
-                                            </m:r>
-                                          </m:e>
-                                          <m:sup>
-                                            <m:r>
-                                              <a:rPr lang="de-DE" b="0" i="1" smtClean="0">
-                                                <a:latin typeface="Cambria Math" panose="02040503050406030204" pitchFamily="18" charset="0"/>
-                                                <a:ea typeface="Cambria Math" panose="02040503050406030204" pitchFamily="18" charset="0"/>
-                                              </a:rPr>
-                                              <m:t>64</m:t>
-                                            </m:r>
-                                            <m:r>
-                                              <a:rPr lang="de-DE" b="0" i="1" smtClean="0">
-                                                <a:latin typeface="Cambria Math" panose="02040503050406030204" pitchFamily="18" charset="0"/>
-                                                <a:ea typeface="Cambria Math" panose="02040503050406030204" pitchFamily="18" charset="0"/>
-                                              </a:rPr>
-                                              <m:t>𝑖</m:t>
-                                            </m:r>
-                                          </m:sup>
-                                        </m:sSup>
-                                        <m:sSub>
-                                          <m:sSubPr>
-                                            <m:ctrlPr>
-                                              <a:rPr lang="de-DE" b="0" i="1" smtClean="0">
-                                                <a:latin typeface="Cambria Math" panose="02040503050406030204" pitchFamily="18" charset="0"/>
-                                                <a:ea typeface="Cambria Math" panose="02040503050406030204" pitchFamily="18" charset="0"/>
-                                              </a:rPr>
-                                            </m:ctrlPr>
-                                          </m:sSubPr>
-                                          <m:e>
-                                            <m:r>
-                                              <a:rPr lang="de-DE" b="0" i="1" smtClean="0">
-                                                <a:latin typeface="Cambria Math" panose="02040503050406030204" pitchFamily="18" charset="0"/>
-                                                <a:ea typeface="Cambria Math" panose="02040503050406030204" pitchFamily="18" charset="0"/>
-                                              </a:rPr>
-                                              <m:t>𝑏</m:t>
-                                            </m:r>
-                                          </m:e>
-                                          <m:sub>
-                                            <m:r>
-                                              <a:rPr lang="de-DE" b="0" i="1" smtClean="0">
-                                                <a:latin typeface="Cambria Math" panose="02040503050406030204" pitchFamily="18" charset="0"/>
-                                                <a:ea typeface="Cambria Math" panose="02040503050406030204" pitchFamily="18" charset="0"/>
-                                              </a:rPr>
-                                              <m:t>𝑖</m:t>
-                                            </m:r>
-                                          </m:sub>
-                                        </m:sSub>
-                                        <m:nary>
-                                          <m:naryPr>
-                                            <m:chr m:val="∑"/>
-                                            <m:ctrlPr>
-                                              <a:rPr lang="de-DE" b="0" i="1" smtClean="0">
-                                                <a:latin typeface="Cambria Math" panose="02040503050406030204" pitchFamily="18" charset="0"/>
-                                                <a:ea typeface="Cambria Math" panose="02040503050406030204" pitchFamily="18" charset="0"/>
-                                              </a:rPr>
-                                            </m:ctrlPr>
-                                          </m:naryPr>
-                                          <m:sub>
-                                            <m:r>
-                                              <m:rPr>
-                                                <m:brk m:alnAt="23"/>
-                                              </m:rPr>
-                                              <a:rPr lang="de-DE" b="0" i="1" smtClean="0">
-                                                <a:latin typeface="Cambria Math" panose="02040503050406030204" pitchFamily="18" charset="0"/>
-                                                <a:ea typeface="Cambria Math" panose="02040503050406030204" pitchFamily="18" charset="0"/>
-                                              </a:rPr>
-                                              <m:t>𝑗</m:t>
-                                            </m:r>
-                                            <m:r>
-                                              <a:rPr lang="de-DE" b="0" i="1" smtClean="0">
-                                                <a:latin typeface="Cambria Math" panose="02040503050406030204" pitchFamily="18" charset="0"/>
-                                                <a:ea typeface="Cambria Math" panose="02040503050406030204" pitchFamily="18" charset="0"/>
-                                              </a:rPr>
-                                              <m:t>=0</m:t>
-                                            </m:r>
-                                          </m:sub>
-                                          <m:sup>
-                                            <m:d>
-                                              <m:dPr>
-                                                <m:begChr m:val="⌊"/>
-                                                <m:endChr m:val="⌋"/>
-                                                <m:ctrlPr>
-                                                  <a:rPr lang="de-DE" b="0" i="1" smtClean="0">
-                                                    <a:latin typeface="Cambria Math" panose="02040503050406030204" pitchFamily="18" charset="0"/>
-                                                  </a:rPr>
-                                                </m:ctrlPr>
-                                              </m:dPr>
-                                              <m:e>
-                                                <m:f>
-                                                  <m:fPr>
-                                                    <m:ctrlPr>
-                                                      <a:rPr lang="de-DE" b="0" i="1" smtClean="0">
-                                                        <a:latin typeface="Cambria Math" panose="02040503050406030204" pitchFamily="18" charset="0"/>
-                                                      </a:rPr>
-                                                    </m:ctrlPr>
-                                                  </m:fPr>
-                                                  <m:num>
-                                                    <m:r>
-                                                      <a:rPr lang="de-DE" b="0" i="1" smtClean="0">
-                                                        <a:latin typeface="Cambria Math" panose="02040503050406030204" pitchFamily="18" charset="0"/>
-                                                      </a:rPr>
-                                                      <m:t>𝑠𝑖𝑧𝑒</m:t>
-                                                    </m:r>
-                                                  </m:num>
-                                                  <m:den>
-                                                    <m:r>
-                                                      <a:rPr lang="de-DE" b="0" i="1" smtClean="0">
-                                                        <a:latin typeface="Cambria Math" panose="02040503050406030204" pitchFamily="18" charset="0"/>
-                                                      </a:rPr>
-                                                      <m:t>2</m:t>
-                                                    </m:r>
-                                                  </m:den>
-                                                </m:f>
-                                              </m:e>
-                                            </m:d>
-                                            <m:r>
-                                              <a:rPr lang="de-DE" b="0" i="1" smtClean="0">
-                                                <a:latin typeface="Cambria Math" panose="02040503050406030204" pitchFamily="18" charset="0"/>
-                                              </a:rPr>
-                                              <m:t>−1</m:t>
-                                            </m:r>
-                                          </m:sup>
-                                          <m:e>
-                                            <m:sSup>
-                                              <m:sSupPr>
-                                                <m:ctrlPr>
-                                                  <a:rPr lang="de-DE" b="0" i="1" smtClean="0">
-                                                    <a:latin typeface="Cambria Math" panose="02040503050406030204" pitchFamily="18" charset="0"/>
-                                                    <a:ea typeface="Cambria Math" panose="02040503050406030204" pitchFamily="18" charset="0"/>
-                                                  </a:rPr>
-                                                </m:ctrlPr>
-                                              </m:sSupPr>
-                                              <m:e>
-                                                <m:r>
-                                                  <a:rPr lang="de-DE" b="0" i="1" smtClean="0">
-                                                    <a:latin typeface="Cambria Math" panose="02040503050406030204" pitchFamily="18" charset="0"/>
-                                                    <a:ea typeface="Cambria Math" panose="02040503050406030204" pitchFamily="18" charset="0"/>
-                                                  </a:rPr>
-                                                  <m:t>2</m:t>
-                                                </m:r>
-                                              </m:e>
-                                              <m:sup>
-                                                <m:r>
-                                                  <a:rPr lang="de-DE" b="0" i="1" smtClean="0">
-                                                    <a:latin typeface="Cambria Math" panose="02040503050406030204" pitchFamily="18" charset="0"/>
-                                                    <a:ea typeface="Cambria Math" panose="02040503050406030204" pitchFamily="18" charset="0"/>
-                                                  </a:rPr>
-                                                  <m:t>64</m:t>
-                                                </m:r>
-                                                <m:r>
-                                                  <a:rPr lang="de-DE" b="0" i="1" smtClean="0">
-                                                    <a:latin typeface="Cambria Math" panose="02040503050406030204" pitchFamily="18" charset="0"/>
-                                                    <a:ea typeface="Cambria Math" panose="02040503050406030204" pitchFamily="18" charset="0"/>
-                                                  </a:rPr>
-                                                  <m:t>𝑗</m:t>
-                                                </m:r>
-                                              </m:sup>
-                                            </m:sSup>
-                                            <m:sSub>
-                                              <m:sSubPr>
-                                                <m:ctrlPr>
-                                                  <a:rPr lang="de-DE" b="0" i="1" smtClean="0">
-                                                    <a:latin typeface="Cambria Math" panose="02040503050406030204" pitchFamily="18" charset="0"/>
-                                                    <a:ea typeface="Cambria Math" panose="02040503050406030204" pitchFamily="18" charset="0"/>
-                                                  </a:rPr>
-                                                </m:ctrlPr>
-                                              </m:sSubPr>
-                                              <m:e>
-                                                <m:r>
-                                                  <a:rPr lang="de-DE" b="0" i="1" smtClean="0">
-                                                    <a:latin typeface="Cambria Math" panose="02040503050406030204" pitchFamily="18" charset="0"/>
-                                                    <a:ea typeface="Cambria Math" panose="02040503050406030204" pitchFamily="18" charset="0"/>
-                                                  </a:rPr>
-                                                  <m:t>𝑎</m:t>
-                                                </m:r>
-                                              </m:e>
-                                              <m:sub>
-                                                <m:r>
-                                                  <a:rPr lang="de-DE" b="0" i="1" smtClean="0">
-                                                    <a:latin typeface="Cambria Math" panose="02040503050406030204" pitchFamily="18" charset="0"/>
-                                                    <a:ea typeface="Cambria Math" panose="02040503050406030204" pitchFamily="18" charset="0"/>
-                                                  </a:rPr>
-                                                  <m:t>𝑖</m:t>
-                                                </m:r>
-                                              </m:sub>
-                                            </m:sSub>
-                                          </m:e>
-                                        </m:nary>
-                                        <m:r>
-                                          <a:rPr lang="de-DE" b="0" i="1" smtClean="0">
-                                            <a:latin typeface="Cambria Math" panose="02040503050406030204" pitchFamily="18" charset="0"/>
-                                            <a:ea typeface="Cambria Math" panose="02040503050406030204" pitchFamily="18" charset="0"/>
-                                          </a:rPr>
-                                          <m:t>+</m:t>
-                                        </m:r>
-                                        <m:nary>
-                                          <m:naryPr>
-                                            <m:chr m:val="∑"/>
-                                            <m:ctrlPr>
-                                              <a:rPr lang="de-DE" b="0" i="1" smtClean="0">
-                                                <a:latin typeface="Cambria Math" panose="02040503050406030204" pitchFamily="18" charset="0"/>
-                                                <a:ea typeface="Cambria Math" panose="02040503050406030204" pitchFamily="18" charset="0"/>
-                                              </a:rPr>
-                                            </m:ctrlPr>
-                                          </m:naryPr>
-                                          <m:sub>
-                                            <m:r>
-                                              <m:rPr>
-                                                <m:brk m:alnAt="23"/>
-                                              </m:rPr>
-                                              <a:rPr lang="de-DE" b="0" i="1" smtClean="0">
-                                                <a:latin typeface="Cambria Math" panose="02040503050406030204" pitchFamily="18" charset="0"/>
-                                                <a:ea typeface="Cambria Math" panose="02040503050406030204" pitchFamily="18" charset="0"/>
-                                              </a:rPr>
-                                              <m:t>𝑗</m:t>
-                                            </m:r>
-                                            <m:r>
-                                              <a:rPr lang="de-DE" b="0" i="1" smtClean="0">
-                                                <a:latin typeface="Cambria Math" panose="02040503050406030204" pitchFamily="18" charset="0"/>
-                                                <a:ea typeface="Cambria Math" panose="02040503050406030204" pitchFamily="18" charset="0"/>
-                                              </a:rPr>
-                                              <m:t>=</m:t>
-                                            </m:r>
-                                            <m:r>
-                                              <a:rPr lang="de-DE" b="0" i="1" smtClean="0">
-                                                <a:latin typeface="Cambria Math" panose="02040503050406030204" pitchFamily="18" charset="0"/>
-                                                <a:ea typeface="Cambria Math" panose="02040503050406030204" pitchFamily="18" charset="0"/>
-                                              </a:rPr>
-                                              <m:t>𝑠𝑖𝑧𝑒</m:t>
-                                            </m:r>
-                                            <m:r>
-                                              <a:rPr lang="de-DE" b="0" i="1" smtClean="0">
-                                                <a:latin typeface="Cambria Math" panose="02040503050406030204" pitchFamily="18" charset="0"/>
-                                                <a:ea typeface="Cambria Math" panose="02040503050406030204" pitchFamily="18" charset="0"/>
-                                              </a:rPr>
-                                              <m:t>−</m:t>
-                                            </m:r>
-                                            <m:r>
-                                              <a:rPr lang="de-DE" b="0" i="1" smtClean="0">
-                                                <a:latin typeface="Cambria Math" panose="02040503050406030204" pitchFamily="18" charset="0"/>
-                                                <a:ea typeface="Cambria Math" panose="02040503050406030204" pitchFamily="18" charset="0"/>
-                                              </a:rPr>
-                                              <m:t>𝑠𝑖𝑧𝑒</m:t>
-                                            </m:r>
-                                            <m:r>
-                                              <a:rPr lang="de-DE" b="0" i="1" smtClean="0">
-                                                <a:latin typeface="Cambria Math" panose="02040503050406030204" pitchFamily="18" charset="0"/>
-                                                <a:ea typeface="Cambria Math" panose="02040503050406030204" pitchFamily="18" charset="0"/>
-                                              </a:rPr>
-                                              <m:t>%2</m:t>
-                                            </m:r>
-                                          </m:sub>
-                                          <m:sup>
-                                            <m:r>
-                                              <a:rPr lang="de-DE" b="0" i="1" smtClean="0">
-                                                <a:latin typeface="Cambria Math" panose="02040503050406030204" pitchFamily="18" charset="0"/>
-                                                <a:ea typeface="Cambria Math" panose="02040503050406030204" pitchFamily="18" charset="0"/>
-                                              </a:rPr>
-                                              <m:t>𝑠𝑖𝑧𝑒</m:t>
-                                            </m:r>
-                                            <m:r>
-                                              <a:rPr lang="de-DE" b="0" i="1" smtClean="0">
-                                                <a:latin typeface="Cambria Math" panose="02040503050406030204" pitchFamily="18" charset="0"/>
-                                                <a:ea typeface="Cambria Math" panose="02040503050406030204" pitchFamily="18" charset="0"/>
-                                              </a:rPr>
-                                              <m:t>−1</m:t>
-                                            </m:r>
-                                          </m:sup>
-                                          <m:e>
-                                            <m:r>
-                                              <a:rPr lang="de-DE" b="0" i="1" smtClean="0">
-                                                <a:latin typeface="Cambria Math" panose="02040503050406030204" pitchFamily="18" charset="0"/>
-                                                <a:ea typeface="Cambria Math" panose="02040503050406030204" pitchFamily="18" charset="0"/>
-                                              </a:rPr>
-                                              <m:t>⋯</m:t>
-                                            </m:r>
-                                          </m:e>
-                                        </m:nary>
-                                      </m:e>
-                                    </m:d>
-                                    <m:r>
-                                      <a:rPr lang="de-DE" b="0" i="1" smtClean="0">
-                                        <a:latin typeface="Cambria Math" panose="02040503050406030204" pitchFamily="18" charset="0"/>
-                                        <a:ea typeface="Cambria Math" panose="02040503050406030204" pitchFamily="18" charset="0"/>
-                                      </a:rPr>
-                                      <m:t>+⋯</m:t>
-                                    </m:r>
-                                  </m:e>
-                                </m:nary>
-                              </m:oMath>
-                            </m:oMathPara>
-                          </a14:m>
-                          <a:endParaRPr lang="de-DE" dirty="0"/>
-                        </a:p>
-                      </a:txBody>
-                      <a:tcPr anchor="ctr">
-                        <a:lnL w="12700" cmpd="sng">
-                          <a:noFill/>
-                        </a:lnL>
-                        <a:lnR w="12700" cmpd="sng">
-                          <a:noFill/>
-                        </a:lnR>
-                        <a:lnT w="12700" cmpd="sng">
-                          <a:noFill/>
-                        </a:lnT>
-                        <a:lnB w="12700" cmpd="sng">
-                          <a:noFill/>
-                        </a:lnB>
-                        <a:lnTlToBr w="12700" cmpd="sng">
-                          <a:noFill/>
-                          <a:prstDash val="solid"/>
-                        </a:lnTlToBr>
-                        <a:lnBlToTr w="12700" cmpd="sng">
-                          <a:noFill/>
-                          <a:prstDash val="solid"/>
-                        </a:lnBlToTr>
-                        <a:noFill/>
-                      </a:tcPr>
-                    </a:tc>
-                    <a:extLst>
-                      <a:ext uri="{0D108BD9-81ED-4DB2-BD59-A6C34878D82A}">
-                        <a16:rowId xmlns:a16="http://schemas.microsoft.com/office/drawing/2014/main" val="3587537"/>
-                      </a:ext>
-                    </a:extLst>
-                  </a:tr>
-                </a:tbl>
-              </a:graphicData>
-            </a:graphic>
-          </p:graphicFrame>
-        </mc:Choice>
-        <mc:Fallback xmlns="">
-          <p:graphicFrame>
-            <p:nvGraphicFramePr>
-              <p:cNvPr id="7" name="Tabelle 7">
-                <a:extLst>
-                  <a:ext uri="{FF2B5EF4-FFF2-40B4-BE49-F238E27FC236}">
-                    <a16:creationId xmlns:a16="http://schemas.microsoft.com/office/drawing/2014/main" id="{1D620688-278A-8970-5E20-5E7CBB563480}"/>
-                  </a:ext>
-                </a:extLst>
-              </p:cNvPr>
-              <p:cNvGraphicFramePr>
-                <a:graphicFrameLocks noGrp="1"/>
-              </p:cNvGraphicFramePr>
-              <p:nvPr>
-                <p:ph idx="1"/>
-                <p:extLst>
-                  <p:ext uri="{D42A27DB-BD31-4B8C-83A1-F6EECF244321}">
-                    <p14:modId xmlns:p14="http://schemas.microsoft.com/office/powerpoint/2010/main" val="1079309506"/>
-                  </p:ext>
-                </p:extLst>
-              </p:nvPr>
-            </p:nvGraphicFramePr>
-            <p:xfrm>
-              <a:off x="221382" y="1825624"/>
-              <a:ext cx="11970618" cy="3911032"/>
-            </p:xfrm>
-            <a:graphic>
-              <a:graphicData uri="http://schemas.openxmlformats.org/drawingml/2006/table">
-                <a:tbl>
-                  <a:tblPr>
-                    <a:tableStyleId>{5C22544A-7EE6-4342-B048-85BDC9FD1C3A}</a:tableStyleId>
-                  </a:tblPr>
-                  <a:tblGrid>
-                    <a:gridCol w="2383892">
-                      <a:extLst>
-                        <a:ext uri="{9D8B030D-6E8A-4147-A177-3AD203B41FA5}">
-                          <a16:colId xmlns:a16="http://schemas.microsoft.com/office/drawing/2014/main" val="3467056871"/>
-                        </a:ext>
-                      </a:extLst>
-                    </a:gridCol>
-                    <a:gridCol w="3775348">
-                      <a:extLst>
-                        <a:ext uri="{9D8B030D-6E8A-4147-A177-3AD203B41FA5}">
-                          <a16:colId xmlns:a16="http://schemas.microsoft.com/office/drawing/2014/main" val="1201333690"/>
-                        </a:ext>
-                      </a:extLst>
-                    </a:gridCol>
-                    <a:gridCol w="5811378">
-                      <a:extLst>
-                        <a:ext uri="{9D8B030D-6E8A-4147-A177-3AD203B41FA5}">
-                          <a16:colId xmlns:a16="http://schemas.microsoft.com/office/drawing/2014/main" val="1993540366"/>
-                        </a:ext>
-                      </a:extLst>
-                    </a:gridCol>
-                  </a:tblGrid>
-                  <a:tr h="849678">
-                    <a:tc>
-                      <a:txBody>
-                        <a:bodyPr/>
-                        <a:lstStyle/>
-                        <a:p>
-                          <a:pPr algn="ctr"/>
-                          <a:endParaRPr lang="de-DE" sz="2800" dirty="0"/>
-                        </a:p>
-                      </a:txBody>
-                      <a:tcPr anchor="ctr">
-                        <a:lnL w="12700" cmpd="sng">
-                          <a:noFill/>
-                        </a:lnL>
-                        <a:lnR w="12700" cmpd="sng">
-                          <a:noFill/>
-                        </a:lnR>
-                        <a:lnT w="12700" cmpd="sng">
-                          <a:noFill/>
-                        </a:lnT>
-                        <a:lnB w="12700" cmpd="sng">
-                          <a:noFill/>
-                        </a:lnB>
-                        <a:lnTlToBr w="12700" cmpd="sng">
-                          <a:noFill/>
-                          <a:prstDash val="solid"/>
-                        </a:lnTlToBr>
-                        <a:lnBlToTr w="12700" cmpd="sng">
-                          <a:noFill/>
-                          <a:prstDash val="solid"/>
-                        </a:lnBlToTr>
-                        <a:noFill/>
-                      </a:tcPr>
-                    </a:tc>
-                    <a:tc>
-                      <a:txBody>
-                        <a:bodyPr/>
-                        <a:lstStyle/>
-                        <a:p>
-                          <a:pPr algn="ctr"/>
-                          <a:r>
-                            <a:rPr lang="de-DE" sz="2800" dirty="0"/>
-                            <a:t>Einfach</a:t>
-                          </a:r>
-                        </a:p>
-                      </a:txBody>
-                      <a:tcPr anchor="ctr">
-                        <a:lnL w="12700" cmpd="sng">
-                          <a:noFill/>
-                        </a:lnL>
-                        <a:lnR w="12700" cmpd="sng">
-                          <a:noFill/>
-                        </a:lnR>
-                        <a:lnT w="12700" cmpd="sng">
-                          <a:noFill/>
-                        </a:lnT>
-                        <a:lnB w="12700" cmpd="sng">
-                          <a:noFill/>
-                        </a:lnB>
-                        <a:lnTlToBr w="12700" cmpd="sng">
-                          <a:noFill/>
-                          <a:prstDash val="solid"/>
-                        </a:lnTlToBr>
-                        <a:lnBlToTr w="12700" cmpd="sng">
-                          <a:noFill/>
-                          <a:prstDash val="solid"/>
-                        </a:lnBlToTr>
-                        <a:noFill/>
-                      </a:tcPr>
-                    </a:tc>
-                    <a:tc>
-                      <a:txBody>
-                        <a:bodyPr/>
-                        <a:lstStyle/>
-                        <a:p>
-                          <a:pPr algn="ctr"/>
-                          <a:r>
-                            <a:rPr lang="de-DE" sz="2800" dirty="0"/>
-                            <a:t>Mit SIMD</a:t>
-                          </a:r>
-                        </a:p>
-                      </a:txBody>
-                      <a:tcPr anchor="ctr">
-                        <a:lnL w="12700" cmpd="sng">
-                          <a:noFill/>
-                        </a:lnL>
-                        <a:lnR w="12700" cmpd="sng">
-                          <a:noFill/>
-                        </a:lnR>
-                        <a:lnT w="12700" cmpd="sng">
-                          <a:noFill/>
-                        </a:lnT>
-                        <a:lnB w="12700" cmpd="sng">
-                          <a:noFill/>
-                        </a:lnB>
-                        <a:lnTlToBr w="12700" cmpd="sng">
-                          <a:noFill/>
-                          <a:prstDash val="solid"/>
-                        </a:lnTlToBr>
-                        <a:lnBlToTr w="12700" cmpd="sng">
-                          <a:noFill/>
-                          <a:prstDash val="solid"/>
-                        </a:lnBlToTr>
-                        <a:noFill/>
-                      </a:tcPr>
-                    </a:tc>
-                    <a:extLst>
-                      <a:ext uri="{0D108BD9-81ED-4DB2-BD59-A6C34878D82A}">
-                        <a16:rowId xmlns:a16="http://schemas.microsoft.com/office/drawing/2014/main" val="3124689841"/>
-                      </a:ext>
-                    </a:extLst>
-                  </a:tr>
-                  <a:tr h="1530677">
-                    <a:tc>
-                      <a:txBody>
-                        <a:bodyPr/>
-                        <a:lstStyle/>
-                        <a:p>
-                          <a:pPr algn="ctr"/>
-                          <a:r>
-                            <a:rPr lang="de-DE" sz="2800" dirty="0"/>
-                            <a:t>Addition</a:t>
-                          </a:r>
-                        </a:p>
-                      </a:txBody>
-                      <a:tcPr anchor="ctr">
-                        <a:lnL w="12700" cmpd="sng">
-                          <a:noFill/>
-                        </a:lnL>
-                        <a:lnR w="12700" cmpd="sng">
-                          <a:noFill/>
-                        </a:lnR>
-                        <a:lnT w="12700" cmpd="sng">
-                          <a:noFill/>
-                        </a:lnT>
-                        <a:lnB w="12700" cmpd="sng">
-                          <a:noFill/>
-                        </a:lnB>
-                        <a:lnTlToBr w="12700" cmpd="sng">
-                          <a:noFill/>
-                          <a:prstDash val="solid"/>
-                        </a:lnTlToBr>
-                        <a:lnBlToTr w="12700" cmpd="sng">
-                          <a:noFill/>
-                          <a:prstDash val="solid"/>
-                        </a:lnBlToTr>
-                        <a:noFill/>
-                      </a:tcPr>
-                    </a:tc>
-                    <a:tc>
-                      <a:txBody>
-                        <a:bodyPr/>
-                        <a:lstStyle/>
-                        <a:p>
-                          <a:endParaRPr lang="de-DE"/>
-                        </a:p>
-                      </a:txBody>
-                      <a:tcPr anchor="ctr">
-                        <a:lnL w="12700" cmpd="sng">
-                          <a:noFill/>
-                        </a:lnL>
-                        <a:lnR w="12700" cmpd="sng">
-                          <a:noFill/>
-                        </a:lnR>
-                        <a:lnT w="12700" cmpd="sng">
-                          <a:noFill/>
-                        </a:lnT>
-                        <a:lnB w="12700" cmpd="sng">
-                          <a:noFill/>
-                        </a:lnB>
-                        <a:lnTlToBr w="12700" cmpd="sng">
-                          <a:noFill/>
-                          <a:prstDash val="solid"/>
-                        </a:lnTlToBr>
-                        <a:lnBlToTr w="12700" cmpd="sng">
-                          <a:noFill/>
-                          <a:prstDash val="solid"/>
-                        </a:lnBlToTr>
-                        <a:blipFill>
-                          <a:blip r:embed="rId2"/>
-                          <a:stretch>
-                            <a:fillRect l="-63300" t="-55372" r="-154545" b="-169421"/>
-                          </a:stretch>
-                        </a:blipFill>
-                      </a:tcPr>
-                    </a:tc>
-                    <a:tc>
-                      <a:txBody>
-                        <a:bodyPr/>
-                        <a:lstStyle/>
-                        <a:p>
-                          <a:endParaRPr lang="de-DE"/>
-                        </a:p>
-                      </a:txBody>
-                      <a:tcPr anchor="ctr">
-                        <a:lnL w="12700" cmpd="sng">
-                          <a:noFill/>
-                        </a:lnL>
-                        <a:lnR w="12700" cmpd="sng">
-                          <a:noFill/>
-                        </a:lnR>
-                        <a:lnT w="12700" cmpd="sng">
-                          <a:noFill/>
-                        </a:lnT>
-                        <a:lnB w="12700" cmpd="sng">
-                          <a:noFill/>
-                        </a:lnB>
-                        <a:lnTlToBr w="12700" cmpd="sng">
-                          <a:noFill/>
-                          <a:prstDash val="solid"/>
-                        </a:lnTlToBr>
-                        <a:lnBlToTr w="12700" cmpd="sng">
-                          <a:noFill/>
-                          <a:prstDash val="solid"/>
-                        </a:lnBlToTr>
-                        <a:blipFill>
-                          <a:blip r:embed="rId2"/>
-                          <a:stretch>
-                            <a:fillRect l="-105895" t="-55372" r="-218" b="-169421"/>
-                          </a:stretch>
-                        </a:blipFill>
-                      </a:tcPr>
-                    </a:tc>
-                    <a:extLst>
-                      <a:ext uri="{0D108BD9-81ED-4DB2-BD59-A6C34878D82A}">
-                        <a16:rowId xmlns:a16="http://schemas.microsoft.com/office/drawing/2014/main" val="4039584035"/>
-                      </a:ext>
-                    </a:extLst>
-                  </a:tr>
-                  <a:tr h="1530677">
-                    <a:tc>
-                      <a:txBody>
-                        <a:bodyPr/>
-                        <a:lstStyle/>
-                        <a:p>
-                          <a:pPr algn="ctr"/>
-                          <a:r>
-                            <a:rPr lang="de-DE" sz="2800" dirty="0"/>
-                            <a:t>Multiplikation</a:t>
-                          </a:r>
-                        </a:p>
-                      </a:txBody>
-                      <a:tcPr anchor="ctr">
-                        <a:lnL w="12700" cmpd="sng">
-                          <a:noFill/>
-                        </a:lnL>
-                        <a:lnR w="12700" cmpd="sng">
-                          <a:noFill/>
-                        </a:lnR>
-                        <a:lnT w="12700" cmpd="sng">
-                          <a:noFill/>
-                        </a:lnT>
-                        <a:lnB w="12700" cmpd="sng">
-                          <a:noFill/>
-                        </a:lnB>
-                        <a:lnTlToBr w="12700" cmpd="sng">
-                          <a:noFill/>
-                          <a:prstDash val="solid"/>
-                        </a:lnTlToBr>
-                        <a:lnBlToTr w="12700" cmpd="sng">
-                          <a:noFill/>
-                          <a:prstDash val="solid"/>
-                        </a:lnBlToTr>
-                        <a:noFill/>
-                      </a:tcPr>
-                    </a:tc>
-                    <a:tc>
-                      <a:txBody>
-                        <a:bodyPr/>
-                        <a:lstStyle/>
-                        <a:p>
-                          <a:endParaRPr lang="de-DE"/>
-                        </a:p>
-                      </a:txBody>
-                      <a:tcPr anchor="ctr">
-                        <a:lnL w="12700" cmpd="sng">
-                          <a:noFill/>
-                        </a:lnL>
-                        <a:lnR w="12700" cmpd="sng">
-                          <a:noFill/>
-                        </a:lnR>
-                        <a:lnT w="12700" cmpd="sng">
-                          <a:noFill/>
-                        </a:lnT>
-                        <a:lnB w="12700" cmpd="sng">
-                          <a:noFill/>
-                        </a:lnB>
-                        <a:lnTlToBr w="12700" cmpd="sng">
-                          <a:noFill/>
-                          <a:prstDash val="solid"/>
-                        </a:lnTlToBr>
-                        <a:lnBlToTr w="12700" cmpd="sng">
-                          <a:noFill/>
-                          <a:prstDash val="solid"/>
-                        </a:lnBlToTr>
-                        <a:blipFill>
-                          <a:blip r:embed="rId2"/>
-                          <a:stretch>
-                            <a:fillRect l="-63300" t="-155372" r="-154545" b="-69421"/>
-                          </a:stretch>
-                        </a:blipFill>
-                      </a:tcPr>
-                    </a:tc>
-                    <a:tc>
-                      <a:txBody>
-                        <a:bodyPr/>
-                        <a:lstStyle/>
-                        <a:p>
-                          <a:endParaRPr lang="de-DE"/>
-                        </a:p>
-                      </a:txBody>
-                      <a:tcPr anchor="ctr">
-                        <a:lnL w="12700" cmpd="sng">
-                          <a:noFill/>
-                        </a:lnL>
-                        <a:lnR w="12700" cmpd="sng">
-                          <a:noFill/>
-                        </a:lnR>
-                        <a:lnT w="12700" cmpd="sng">
-                          <a:noFill/>
-                        </a:lnT>
-                        <a:lnB w="12700" cmpd="sng">
-                          <a:noFill/>
-                        </a:lnB>
-                        <a:lnTlToBr w="12700" cmpd="sng">
-                          <a:noFill/>
-                          <a:prstDash val="solid"/>
-                        </a:lnTlToBr>
-                        <a:lnBlToTr w="12700" cmpd="sng">
-                          <a:noFill/>
-                          <a:prstDash val="solid"/>
-                        </a:lnBlToTr>
-                        <a:blipFill>
-                          <a:blip r:embed="rId2"/>
-                          <a:stretch>
-                            <a:fillRect l="-105895" t="-155372" r="-218" b="-69421"/>
-                          </a:stretch>
-                        </a:blipFill>
-                      </a:tcPr>
-                    </a:tc>
-                    <a:extLst>
-                      <a:ext uri="{0D108BD9-81ED-4DB2-BD59-A6C34878D82A}">
-                        <a16:rowId xmlns:a16="http://schemas.microsoft.com/office/drawing/2014/main" val="3587537"/>
-                      </a:ext>
-                    </a:extLst>
-                  </a:tr>
-                </a:tbl>
-              </a:graphicData>
-            </a:graphic>
-          </p:graphicFrame>
-        </mc:Fallback>
-      </mc:AlternateContent>
       <p:sp>
         <p:nvSpPr>
           <p:cNvPr id="4" name="Datumsplatzhalter 3">
@@ -15537,6 +13896,1712 @@
           </a:p>
         </p:txBody>
       </p:sp>
+      <p:sp>
+        <p:nvSpPr>
+          <p:cNvPr id="3" name="Textfeld 2">
+            <a:extLst>
+              <a:ext uri="{FF2B5EF4-FFF2-40B4-BE49-F238E27FC236}">
+                <a16:creationId xmlns:a16="http://schemas.microsoft.com/office/drawing/2014/main" id="{AD5E7722-9D85-7D5A-731E-FDE610402AB0}"/>
+              </a:ext>
+            </a:extLst>
+          </p:cNvPr>
+          <p:cNvSpPr txBox="1"/>
+          <p:nvPr/>
+        </p:nvSpPr>
+        <p:spPr>
+          <a:xfrm>
+            <a:off x="3825102" y="2835949"/>
+            <a:ext cx="340203" cy="369332"/>
+          </a:xfrm>
+          <a:prstGeom prst="rect">
+            <a:avLst/>
+          </a:prstGeom>
+          <a:noFill/>
+          <a:ln>
+            <a:solidFill>
+              <a:schemeClr val="tx1"/>
+            </a:solidFill>
+          </a:ln>
+        </p:spPr>
+        <p:txBody>
+          <a:bodyPr wrap="square" rtlCol="0" anchor="ctr">
+            <a:spAutoFit/>
+          </a:bodyPr>
+          <a:lstStyle/>
+          <a:p>
+            <a:pPr algn="ctr"/>
+            <a:endParaRPr lang="de-DE" dirty="0">
+              <a:ln>
+                <a:solidFill>
+                  <a:schemeClr val="tx1"/>
+                </a:solidFill>
+              </a:ln>
+            </a:endParaRPr>
+          </a:p>
+        </p:txBody>
+      </p:sp>
+      <p:sp>
+        <p:nvSpPr>
+          <p:cNvPr id="9" name="Textfeld 8">
+            <a:extLst>
+              <a:ext uri="{FF2B5EF4-FFF2-40B4-BE49-F238E27FC236}">
+                <a16:creationId xmlns:a16="http://schemas.microsoft.com/office/drawing/2014/main" id="{9B8980B4-670B-ECC1-E5B8-6231BDAF9B6E}"/>
+              </a:ext>
+            </a:extLst>
+          </p:cNvPr>
+          <p:cNvSpPr txBox="1"/>
+          <p:nvPr/>
+        </p:nvSpPr>
+        <p:spPr>
+          <a:xfrm>
+            <a:off x="4165305" y="2835949"/>
+            <a:ext cx="340203" cy="369332"/>
+          </a:xfrm>
+          <a:prstGeom prst="rect">
+            <a:avLst/>
+          </a:prstGeom>
+          <a:noFill/>
+          <a:ln>
+            <a:solidFill>
+              <a:schemeClr val="tx1"/>
+            </a:solidFill>
+          </a:ln>
+        </p:spPr>
+        <p:txBody>
+          <a:bodyPr wrap="square" rtlCol="0" anchor="ctr">
+            <a:spAutoFit/>
+          </a:bodyPr>
+          <a:lstStyle/>
+          <a:p>
+            <a:pPr algn="ctr"/>
+            <a:endParaRPr lang="de-DE" dirty="0">
+              <a:ln>
+                <a:solidFill>
+                  <a:schemeClr val="tx1"/>
+                </a:solidFill>
+              </a:ln>
+            </a:endParaRPr>
+          </a:p>
+        </p:txBody>
+      </p:sp>
+      <p:sp>
+        <p:nvSpPr>
+          <p:cNvPr id="10" name="Textfeld 9">
+            <a:extLst>
+              <a:ext uri="{FF2B5EF4-FFF2-40B4-BE49-F238E27FC236}">
+                <a16:creationId xmlns:a16="http://schemas.microsoft.com/office/drawing/2014/main" id="{F642B2E2-6F10-0314-882E-CD135C7C1992}"/>
+              </a:ext>
+            </a:extLst>
+          </p:cNvPr>
+          <p:cNvSpPr txBox="1"/>
+          <p:nvPr/>
+        </p:nvSpPr>
+        <p:spPr>
+          <a:xfrm>
+            <a:off x="4505508" y="2835949"/>
+            <a:ext cx="340203" cy="369332"/>
+          </a:xfrm>
+          <a:prstGeom prst="rect">
+            <a:avLst/>
+          </a:prstGeom>
+          <a:noFill/>
+          <a:ln>
+            <a:solidFill>
+              <a:schemeClr val="tx1"/>
+            </a:solidFill>
+          </a:ln>
+        </p:spPr>
+        <p:txBody>
+          <a:bodyPr wrap="square" rtlCol="0" anchor="ctr">
+            <a:spAutoFit/>
+          </a:bodyPr>
+          <a:lstStyle/>
+          <a:p>
+            <a:pPr algn="ctr"/>
+            <a:endParaRPr lang="de-DE" dirty="0">
+              <a:ln>
+                <a:solidFill>
+                  <a:schemeClr val="tx1"/>
+                </a:solidFill>
+              </a:ln>
+            </a:endParaRPr>
+          </a:p>
+        </p:txBody>
+      </p:sp>
+      <p:sp>
+        <p:nvSpPr>
+          <p:cNvPr id="11" name="Textfeld 10">
+            <a:extLst>
+              <a:ext uri="{FF2B5EF4-FFF2-40B4-BE49-F238E27FC236}">
+                <a16:creationId xmlns:a16="http://schemas.microsoft.com/office/drawing/2014/main" id="{F4B0987B-DFF3-BC7A-29AF-569DD3CB113A}"/>
+              </a:ext>
+            </a:extLst>
+          </p:cNvPr>
+          <p:cNvSpPr txBox="1"/>
+          <p:nvPr/>
+        </p:nvSpPr>
+        <p:spPr>
+          <a:xfrm>
+            <a:off x="4845711" y="2835949"/>
+            <a:ext cx="340203" cy="369332"/>
+          </a:xfrm>
+          <a:prstGeom prst="rect">
+            <a:avLst/>
+          </a:prstGeom>
+          <a:noFill/>
+          <a:ln>
+            <a:solidFill>
+              <a:schemeClr val="tx1"/>
+            </a:solidFill>
+          </a:ln>
+        </p:spPr>
+        <p:txBody>
+          <a:bodyPr wrap="square" rtlCol="0" anchor="ctr">
+            <a:spAutoFit/>
+          </a:bodyPr>
+          <a:lstStyle/>
+          <a:p>
+            <a:pPr algn="ctr"/>
+            <a:endParaRPr lang="de-DE" dirty="0">
+              <a:ln>
+                <a:solidFill>
+                  <a:schemeClr val="tx1"/>
+                </a:solidFill>
+              </a:ln>
+            </a:endParaRPr>
+          </a:p>
+        </p:txBody>
+      </p:sp>
+      <p:sp>
+        <p:nvSpPr>
+          <p:cNvPr id="12" name="Textfeld 11">
+            <a:extLst>
+              <a:ext uri="{FF2B5EF4-FFF2-40B4-BE49-F238E27FC236}">
+                <a16:creationId xmlns:a16="http://schemas.microsoft.com/office/drawing/2014/main" id="{16B1B0B9-40D4-F6A9-42F1-F5E8E3B4037A}"/>
+              </a:ext>
+            </a:extLst>
+          </p:cNvPr>
+          <p:cNvSpPr txBox="1"/>
+          <p:nvPr/>
+        </p:nvSpPr>
+        <p:spPr>
+          <a:xfrm>
+            <a:off x="5185914" y="2835949"/>
+            <a:ext cx="340203" cy="369332"/>
+          </a:xfrm>
+          <a:prstGeom prst="rect">
+            <a:avLst/>
+          </a:prstGeom>
+          <a:noFill/>
+          <a:ln>
+            <a:solidFill>
+              <a:schemeClr val="tx1"/>
+            </a:solidFill>
+          </a:ln>
+        </p:spPr>
+        <p:txBody>
+          <a:bodyPr wrap="square" rtlCol="0" anchor="ctr">
+            <a:spAutoFit/>
+          </a:bodyPr>
+          <a:lstStyle/>
+          <a:p>
+            <a:pPr algn="ctr"/>
+            <a:endParaRPr lang="de-DE" dirty="0">
+              <a:ln>
+                <a:solidFill>
+                  <a:schemeClr val="tx1"/>
+                </a:solidFill>
+              </a:ln>
+            </a:endParaRPr>
+          </a:p>
+        </p:txBody>
+      </p:sp>
+      <p:sp>
+        <p:nvSpPr>
+          <p:cNvPr id="13" name="Textfeld 12">
+            <a:extLst>
+              <a:ext uri="{FF2B5EF4-FFF2-40B4-BE49-F238E27FC236}">
+                <a16:creationId xmlns:a16="http://schemas.microsoft.com/office/drawing/2014/main" id="{1A26372E-1DF9-9845-D093-7C6F4BB23921}"/>
+              </a:ext>
+            </a:extLst>
+          </p:cNvPr>
+          <p:cNvSpPr txBox="1"/>
+          <p:nvPr/>
+        </p:nvSpPr>
+        <p:spPr>
+          <a:xfrm>
+            <a:off x="5526117" y="2835949"/>
+            <a:ext cx="340203" cy="369332"/>
+          </a:xfrm>
+          <a:prstGeom prst="rect">
+            <a:avLst/>
+          </a:prstGeom>
+          <a:noFill/>
+          <a:ln>
+            <a:solidFill>
+              <a:schemeClr val="tx1"/>
+            </a:solidFill>
+          </a:ln>
+        </p:spPr>
+        <p:txBody>
+          <a:bodyPr wrap="square" rtlCol="0" anchor="ctr">
+            <a:spAutoFit/>
+          </a:bodyPr>
+          <a:lstStyle/>
+          <a:p>
+            <a:pPr algn="ctr"/>
+            <a:endParaRPr lang="de-DE" dirty="0">
+              <a:ln>
+                <a:solidFill>
+                  <a:schemeClr val="tx1"/>
+                </a:solidFill>
+              </a:ln>
+            </a:endParaRPr>
+          </a:p>
+        </p:txBody>
+      </p:sp>
+      <p:sp>
+        <p:nvSpPr>
+          <p:cNvPr id="15" name="Textfeld 14">
+            <a:extLst>
+              <a:ext uri="{FF2B5EF4-FFF2-40B4-BE49-F238E27FC236}">
+                <a16:creationId xmlns:a16="http://schemas.microsoft.com/office/drawing/2014/main" id="{087BA1A9-26F2-5D04-3C08-A680A7285431}"/>
+              </a:ext>
+            </a:extLst>
+          </p:cNvPr>
+          <p:cNvSpPr txBox="1"/>
+          <p:nvPr/>
+        </p:nvSpPr>
+        <p:spPr>
+          <a:xfrm>
+            <a:off x="3825102" y="3399009"/>
+            <a:ext cx="340203" cy="369332"/>
+          </a:xfrm>
+          <a:prstGeom prst="rect">
+            <a:avLst/>
+          </a:prstGeom>
+          <a:noFill/>
+          <a:ln>
+            <a:solidFill>
+              <a:schemeClr val="tx1"/>
+            </a:solidFill>
+          </a:ln>
+        </p:spPr>
+        <p:txBody>
+          <a:bodyPr wrap="square" rtlCol="0" anchor="ctr">
+            <a:spAutoFit/>
+          </a:bodyPr>
+          <a:lstStyle/>
+          <a:p>
+            <a:pPr algn="ctr"/>
+            <a:endParaRPr lang="de-DE" dirty="0">
+              <a:ln>
+                <a:solidFill>
+                  <a:schemeClr val="tx1"/>
+                </a:solidFill>
+              </a:ln>
+            </a:endParaRPr>
+          </a:p>
+        </p:txBody>
+      </p:sp>
+      <p:sp>
+        <p:nvSpPr>
+          <p:cNvPr id="16" name="Textfeld 15">
+            <a:extLst>
+              <a:ext uri="{FF2B5EF4-FFF2-40B4-BE49-F238E27FC236}">
+                <a16:creationId xmlns:a16="http://schemas.microsoft.com/office/drawing/2014/main" id="{640FF0D1-25F6-2237-3644-2BCFB512CB21}"/>
+              </a:ext>
+            </a:extLst>
+          </p:cNvPr>
+          <p:cNvSpPr txBox="1"/>
+          <p:nvPr/>
+        </p:nvSpPr>
+        <p:spPr>
+          <a:xfrm>
+            <a:off x="4165305" y="3399009"/>
+            <a:ext cx="340203" cy="369332"/>
+          </a:xfrm>
+          <a:prstGeom prst="rect">
+            <a:avLst/>
+          </a:prstGeom>
+          <a:noFill/>
+          <a:ln>
+            <a:solidFill>
+              <a:schemeClr val="tx1"/>
+            </a:solidFill>
+          </a:ln>
+        </p:spPr>
+        <p:txBody>
+          <a:bodyPr wrap="square" rtlCol="0" anchor="ctr">
+            <a:spAutoFit/>
+          </a:bodyPr>
+          <a:lstStyle/>
+          <a:p>
+            <a:pPr algn="ctr"/>
+            <a:endParaRPr lang="de-DE" dirty="0">
+              <a:ln>
+                <a:solidFill>
+                  <a:schemeClr val="tx1"/>
+                </a:solidFill>
+              </a:ln>
+            </a:endParaRPr>
+          </a:p>
+        </p:txBody>
+      </p:sp>
+      <p:sp>
+        <p:nvSpPr>
+          <p:cNvPr id="17" name="Textfeld 16">
+            <a:extLst>
+              <a:ext uri="{FF2B5EF4-FFF2-40B4-BE49-F238E27FC236}">
+                <a16:creationId xmlns:a16="http://schemas.microsoft.com/office/drawing/2014/main" id="{7C303D22-7C31-D9D3-E0FE-FEF4CA9A1FC3}"/>
+              </a:ext>
+            </a:extLst>
+          </p:cNvPr>
+          <p:cNvSpPr txBox="1"/>
+          <p:nvPr/>
+        </p:nvSpPr>
+        <p:spPr>
+          <a:xfrm>
+            <a:off x="4505508" y="3399009"/>
+            <a:ext cx="340203" cy="369332"/>
+          </a:xfrm>
+          <a:prstGeom prst="rect">
+            <a:avLst/>
+          </a:prstGeom>
+          <a:noFill/>
+          <a:ln>
+            <a:solidFill>
+              <a:schemeClr val="tx1"/>
+            </a:solidFill>
+          </a:ln>
+        </p:spPr>
+        <p:txBody>
+          <a:bodyPr wrap="square" rtlCol="0" anchor="ctr">
+            <a:spAutoFit/>
+          </a:bodyPr>
+          <a:lstStyle/>
+          <a:p>
+            <a:pPr algn="ctr"/>
+            <a:endParaRPr lang="de-DE" dirty="0">
+              <a:ln>
+                <a:solidFill>
+                  <a:schemeClr val="tx1"/>
+                </a:solidFill>
+              </a:ln>
+            </a:endParaRPr>
+          </a:p>
+        </p:txBody>
+      </p:sp>
+      <p:sp>
+        <p:nvSpPr>
+          <p:cNvPr id="18" name="Textfeld 17">
+            <a:extLst>
+              <a:ext uri="{FF2B5EF4-FFF2-40B4-BE49-F238E27FC236}">
+                <a16:creationId xmlns:a16="http://schemas.microsoft.com/office/drawing/2014/main" id="{1AB1DF5C-F75F-B25C-4F6E-F834C612DA6C}"/>
+              </a:ext>
+            </a:extLst>
+          </p:cNvPr>
+          <p:cNvSpPr txBox="1"/>
+          <p:nvPr/>
+        </p:nvSpPr>
+        <p:spPr>
+          <a:xfrm>
+            <a:off x="4845711" y="3399009"/>
+            <a:ext cx="340203" cy="369332"/>
+          </a:xfrm>
+          <a:prstGeom prst="rect">
+            <a:avLst/>
+          </a:prstGeom>
+          <a:noFill/>
+          <a:ln>
+            <a:solidFill>
+              <a:schemeClr val="tx1"/>
+            </a:solidFill>
+          </a:ln>
+        </p:spPr>
+        <p:txBody>
+          <a:bodyPr wrap="square" rtlCol="0" anchor="ctr">
+            <a:spAutoFit/>
+          </a:bodyPr>
+          <a:lstStyle/>
+          <a:p>
+            <a:pPr algn="ctr"/>
+            <a:endParaRPr lang="de-DE" dirty="0">
+              <a:ln>
+                <a:solidFill>
+                  <a:schemeClr val="tx1"/>
+                </a:solidFill>
+              </a:ln>
+            </a:endParaRPr>
+          </a:p>
+        </p:txBody>
+      </p:sp>
+      <p:sp>
+        <p:nvSpPr>
+          <p:cNvPr id="19" name="Textfeld 18">
+            <a:extLst>
+              <a:ext uri="{FF2B5EF4-FFF2-40B4-BE49-F238E27FC236}">
+                <a16:creationId xmlns:a16="http://schemas.microsoft.com/office/drawing/2014/main" id="{EBFD5767-6E3E-AD6F-A9EC-5DBFC5917E7A}"/>
+              </a:ext>
+            </a:extLst>
+          </p:cNvPr>
+          <p:cNvSpPr txBox="1"/>
+          <p:nvPr/>
+        </p:nvSpPr>
+        <p:spPr>
+          <a:xfrm>
+            <a:off x="5185914" y="3399009"/>
+            <a:ext cx="340203" cy="369332"/>
+          </a:xfrm>
+          <a:prstGeom prst="rect">
+            <a:avLst/>
+          </a:prstGeom>
+          <a:noFill/>
+          <a:ln>
+            <a:solidFill>
+              <a:schemeClr val="tx1"/>
+            </a:solidFill>
+          </a:ln>
+        </p:spPr>
+        <p:txBody>
+          <a:bodyPr wrap="square" rtlCol="0" anchor="ctr">
+            <a:spAutoFit/>
+          </a:bodyPr>
+          <a:lstStyle/>
+          <a:p>
+            <a:pPr algn="ctr"/>
+            <a:endParaRPr lang="de-DE" dirty="0">
+              <a:ln>
+                <a:solidFill>
+                  <a:schemeClr val="tx1"/>
+                </a:solidFill>
+              </a:ln>
+            </a:endParaRPr>
+          </a:p>
+        </p:txBody>
+      </p:sp>
+      <p:sp>
+        <p:nvSpPr>
+          <p:cNvPr id="20" name="Textfeld 19">
+            <a:extLst>
+              <a:ext uri="{FF2B5EF4-FFF2-40B4-BE49-F238E27FC236}">
+                <a16:creationId xmlns:a16="http://schemas.microsoft.com/office/drawing/2014/main" id="{48AF3988-4BBA-5C26-1288-49747B4164B2}"/>
+              </a:ext>
+            </a:extLst>
+          </p:cNvPr>
+          <p:cNvSpPr txBox="1"/>
+          <p:nvPr/>
+        </p:nvSpPr>
+        <p:spPr>
+          <a:xfrm>
+            <a:off x="5526117" y="3399009"/>
+            <a:ext cx="340203" cy="369332"/>
+          </a:xfrm>
+          <a:prstGeom prst="rect">
+            <a:avLst/>
+          </a:prstGeom>
+          <a:noFill/>
+          <a:ln>
+            <a:solidFill>
+              <a:schemeClr val="tx1"/>
+            </a:solidFill>
+          </a:ln>
+        </p:spPr>
+        <p:txBody>
+          <a:bodyPr wrap="square" rtlCol="0" anchor="ctr">
+            <a:spAutoFit/>
+          </a:bodyPr>
+          <a:lstStyle/>
+          <a:p>
+            <a:pPr algn="ctr"/>
+            <a:endParaRPr lang="de-DE" dirty="0">
+              <a:ln>
+                <a:solidFill>
+                  <a:schemeClr val="tx1"/>
+                </a:solidFill>
+              </a:ln>
+            </a:endParaRPr>
+          </a:p>
+        </p:txBody>
+      </p:sp>
+      <p:sp>
+        <p:nvSpPr>
+          <p:cNvPr id="21" name="Textfeld 20">
+            <a:extLst>
+              <a:ext uri="{FF2B5EF4-FFF2-40B4-BE49-F238E27FC236}">
+                <a16:creationId xmlns:a16="http://schemas.microsoft.com/office/drawing/2014/main" id="{1CC780D4-16F7-4066-175C-1BD64E7194F3}"/>
+              </a:ext>
+            </a:extLst>
+          </p:cNvPr>
+          <p:cNvSpPr txBox="1"/>
+          <p:nvPr/>
+        </p:nvSpPr>
+        <p:spPr>
+          <a:xfrm>
+            <a:off x="3226020" y="4778666"/>
+            <a:ext cx="340203" cy="369332"/>
+          </a:xfrm>
+          <a:prstGeom prst="rect">
+            <a:avLst/>
+          </a:prstGeom>
+          <a:noFill/>
+          <a:ln>
+            <a:solidFill>
+              <a:schemeClr val="tx1"/>
+            </a:solidFill>
+          </a:ln>
+        </p:spPr>
+        <p:txBody>
+          <a:bodyPr wrap="square" rtlCol="0" anchor="ctr">
+            <a:spAutoFit/>
+          </a:bodyPr>
+          <a:lstStyle/>
+          <a:p>
+            <a:pPr algn="ctr"/>
+            <a:endParaRPr lang="de-DE" dirty="0">
+              <a:ln>
+                <a:solidFill>
+                  <a:schemeClr val="tx1"/>
+                </a:solidFill>
+              </a:ln>
+            </a:endParaRPr>
+          </a:p>
+        </p:txBody>
+      </p:sp>
+      <p:sp>
+        <p:nvSpPr>
+          <p:cNvPr id="22" name="Textfeld 21">
+            <a:extLst>
+              <a:ext uri="{FF2B5EF4-FFF2-40B4-BE49-F238E27FC236}">
+                <a16:creationId xmlns:a16="http://schemas.microsoft.com/office/drawing/2014/main" id="{A206ECC0-0C70-4ECC-5235-9E10BAB728D5}"/>
+              </a:ext>
+            </a:extLst>
+          </p:cNvPr>
+          <p:cNvSpPr txBox="1"/>
+          <p:nvPr/>
+        </p:nvSpPr>
+        <p:spPr>
+          <a:xfrm>
+            <a:off x="3566223" y="4778666"/>
+            <a:ext cx="340203" cy="369332"/>
+          </a:xfrm>
+          <a:prstGeom prst="rect">
+            <a:avLst/>
+          </a:prstGeom>
+          <a:noFill/>
+          <a:ln>
+            <a:solidFill>
+              <a:schemeClr val="tx1"/>
+            </a:solidFill>
+          </a:ln>
+        </p:spPr>
+        <p:txBody>
+          <a:bodyPr wrap="square" rtlCol="0" anchor="ctr">
+            <a:spAutoFit/>
+          </a:bodyPr>
+          <a:lstStyle/>
+          <a:p>
+            <a:pPr algn="ctr"/>
+            <a:endParaRPr lang="de-DE" dirty="0">
+              <a:ln>
+                <a:solidFill>
+                  <a:schemeClr val="tx1"/>
+                </a:solidFill>
+              </a:ln>
+            </a:endParaRPr>
+          </a:p>
+        </p:txBody>
+      </p:sp>
+      <p:sp>
+        <p:nvSpPr>
+          <p:cNvPr id="23" name="Textfeld 22">
+            <a:extLst>
+              <a:ext uri="{FF2B5EF4-FFF2-40B4-BE49-F238E27FC236}">
+                <a16:creationId xmlns:a16="http://schemas.microsoft.com/office/drawing/2014/main" id="{9B167D8B-1E80-B033-7196-FEBE60F28743}"/>
+              </a:ext>
+            </a:extLst>
+          </p:cNvPr>
+          <p:cNvSpPr txBox="1"/>
+          <p:nvPr/>
+        </p:nvSpPr>
+        <p:spPr>
+          <a:xfrm>
+            <a:off x="3906426" y="4778666"/>
+            <a:ext cx="340203" cy="369332"/>
+          </a:xfrm>
+          <a:prstGeom prst="rect">
+            <a:avLst/>
+          </a:prstGeom>
+          <a:noFill/>
+          <a:ln>
+            <a:solidFill>
+              <a:schemeClr val="tx1"/>
+            </a:solidFill>
+          </a:ln>
+        </p:spPr>
+        <p:txBody>
+          <a:bodyPr wrap="square" rtlCol="0" anchor="ctr">
+            <a:spAutoFit/>
+          </a:bodyPr>
+          <a:lstStyle/>
+          <a:p>
+            <a:pPr algn="ctr"/>
+            <a:endParaRPr lang="de-DE" dirty="0">
+              <a:ln>
+                <a:solidFill>
+                  <a:schemeClr val="tx1"/>
+                </a:solidFill>
+              </a:ln>
+            </a:endParaRPr>
+          </a:p>
+        </p:txBody>
+      </p:sp>
+      <p:sp>
+        <p:nvSpPr>
+          <p:cNvPr id="24" name="Textfeld 23">
+            <a:extLst>
+              <a:ext uri="{FF2B5EF4-FFF2-40B4-BE49-F238E27FC236}">
+                <a16:creationId xmlns:a16="http://schemas.microsoft.com/office/drawing/2014/main" id="{E03D3ED9-8D16-F2B9-7C17-0C1ABDBE637F}"/>
+              </a:ext>
+            </a:extLst>
+          </p:cNvPr>
+          <p:cNvSpPr txBox="1"/>
+          <p:nvPr/>
+        </p:nvSpPr>
+        <p:spPr>
+          <a:xfrm>
+            <a:off x="4246629" y="4778666"/>
+            <a:ext cx="340203" cy="369332"/>
+          </a:xfrm>
+          <a:prstGeom prst="rect">
+            <a:avLst/>
+          </a:prstGeom>
+          <a:noFill/>
+          <a:ln>
+            <a:solidFill>
+              <a:schemeClr val="tx1"/>
+            </a:solidFill>
+          </a:ln>
+        </p:spPr>
+        <p:txBody>
+          <a:bodyPr wrap="square" rtlCol="0" anchor="ctr">
+            <a:spAutoFit/>
+          </a:bodyPr>
+          <a:lstStyle/>
+          <a:p>
+            <a:pPr algn="ctr"/>
+            <a:endParaRPr lang="de-DE" dirty="0">
+              <a:ln>
+                <a:solidFill>
+                  <a:schemeClr val="tx1"/>
+                </a:solidFill>
+              </a:ln>
+            </a:endParaRPr>
+          </a:p>
+        </p:txBody>
+      </p:sp>
+      <p:sp>
+        <p:nvSpPr>
+          <p:cNvPr id="27" name="Textfeld 26">
+            <a:extLst>
+              <a:ext uri="{FF2B5EF4-FFF2-40B4-BE49-F238E27FC236}">
+                <a16:creationId xmlns:a16="http://schemas.microsoft.com/office/drawing/2014/main" id="{1C16C159-893E-B816-EB5F-1D9AA4E496AF}"/>
+              </a:ext>
+            </a:extLst>
+          </p:cNvPr>
+          <p:cNvSpPr txBox="1"/>
+          <p:nvPr/>
+        </p:nvSpPr>
+        <p:spPr>
+          <a:xfrm>
+            <a:off x="5097137" y="4778666"/>
+            <a:ext cx="340203" cy="369332"/>
+          </a:xfrm>
+          <a:prstGeom prst="rect">
+            <a:avLst/>
+          </a:prstGeom>
+          <a:noFill/>
+          <a:ln>
+            <a:solidFill>
+              <a:schemeClr val="tx1"/>
+            </a:solidFill>
+          </a:ln>
+        </p:spPr>
+        <p:txBody>
+          <a:bodyPr wrap="square" rtlCol="0" anchor="ctr">
+            <a:spAutoFit/>
+          </a:bodyPr>
+          <a:lstStyle/>
+          <a:p>
+            <a:pPr algn="ctr"/>
+            <a:endParaRPr lang="de-DE" dirty="0">
+              <a:ln>
+                <a:solidFill>
+                  <a:schemeClr val="tx1"/>
+                </a:solidFill>
+              </a:ln>
+            </a:endParaRPr>
+          </a:p>
+        </p:txBody>
+      </p:sp>
+      <p:sp>
+        <p:nvSpPr>
+          <p:cNvPr id="28" name="Textfeld 27">
+            <a:extLst>
+              <a:ext uri="{FF2B5EF4-FFF2-40B4-BE49-F238E27FC236}">
+                <a16:creationId xmlns:a16="http://schemas.microsoft.com/office/drawing/2014/main" id="{AACD1F44-8B40-25A2-2702-23844C1A3D03}"/>
+              </a:ext>
+            </a:extLst>
+          </p:cNvPr>
+          <p:cNvSpPr txBox="1"/>
+          <p:nvPr/>
+        </p:nvSpPr>
+        <p:spPr>
+          <a:xfrm>
+            <a:off x="5437340" y="4778666"/>
+            <a:ext cx="340203" cy="369332"/>
+          </a:xfrm>
+          <a:prstGeom prst="rect">
+            <a:avLst/>
+          </a:prstGeom>
+          <a:noFill/>
+          <a:ln>
+            <a:solidFill>
+              <a:schemeClr val="tx1"/>
+            </a:solidFill>
+          </a:ln>
+        </p:spPr>
+        <p:txBody>
+          <a:bodyPr wrap="square" rtlCol="0" anchor="ctr">
+            <a:spAutoFit/>
+          </a:bodyPr>
+          <a:lstStyle/>
+          <a:p>
+            <a:pPr algn="ctr"/>
+            <a:endParaRPr lang="de-DE" dirty="0">
+              <a:ln>
+                <a:solidFill>
+                  <a:schemeClr val="tx1"/>
+                </a:solidFill>
+              </a:ln>
+            </a:endParaRPr>
+          </a:p>
+        </p:txBody>
+      </p:sp>
+      <p:sp>
+        <p:nvSpPr>
+          <p:cNvPr id="29" name="Textfeld 28">
+            <a:extLst>
+              <a:ext uri="{FF2B5EF4-FFF2-40B4-BE49-F238E27FC236}">
+                <a16:creationId xmlns:a16="http://schemas.microsoft.com/office/drawing/2014/main" id="{5A32802D-FCDA-6B8C-317C-17C67D2A2110}"/>
+              </a:ext>
+            </a:extLst>
+          </p:cNvPr>
+          <p:cNvSpPr txBox="1"/>
+          <p:nvPr/>
+        </p:nvSpPr>
+        <p:spPr>
+          <a:xfrm>
+            <a:off x="5777543" y="4778666"/>
+            <a:ext cx="340203" cy="369332"/>
+          </a:xfrm>
+          <a:prstGeom prst="rect">
+            <a:avLst/>
+          </a:prstGeom>
+          <a:noFill/>
+          <a:ln>
+            <a:solidFill>
+              <a:schemeClr val="tx1"/>
+            </a:solidFill>
+          </a:ln>
+        </p:spPr>
+        <p:txBody>
+          <a:bodyPr wrap="square" rtlCol="0" anchor="ctr">
+            <a:spAutoFit/>
+          </a:bodyPr>
+          <a:lstStyle/>
+          <a:p>
+            <a:pPr algn="ctr"/>
+            <a:endParaRPr lang="de-DE" dirty="0">
+              <a:ln>
+                <a:solidFill>
+                  <a:schemeClr val="tx1"/>
+                </a:solidFill>
+              </a:ln>
+            </a:endParaRPr>
+          </a:p>
+        </p:txBody>
+      </p:sp>
+      <p:sp>
+        <p:nvSpPr>
+          <p:cNvPr id="30" name="Textfeld 29">
+            <a:extLst>
+              <a:ext uri="{FF2B5EF4-FFF2-40B4-BE49-F238E27FC236}">
+                <a16:creationId xmlns:a16="http://schemas.microsoft.com/office/drawing/2014/main" id="{38BBAB32-0063-6D5A-2414-F1D3AB5D29C1}"/>
+              </a:ext>
+            </a:extLst>
+          </p:cNvPr>
+          <p:cNvSpPr txBox="1"/>
+          <p:nvPr/>
+        </p:nvSpPr>
+        <p:spPr>
+          <a:xfrm>
+            <a:off x="6117746" y="4778666"/>
+            <a:ext cx="340203" cy="369332"/>
+          </a:xfrm>
+          <a:prstGeom prst="rect">
+            <a:avLst/>
+          </a:prstGeom>
+          <a:noFill/>
+          <a:ln>
+            <a:solidFill>
+              <a:schemeClr val="tx1"/>
+            </a:solidFill>
+          </a:ln>
+        </p:spPr>
+        <p:txBody>
+          <a:bodyPr wrap="square" rtlCol="0" anchor="ctr">
+            <a:spAutoFit/>
+          </a:bodyPr>
+          <a:lstStyle/>
+          <a:p>
+            <a:pPr algn="ctr"/>
+            <a:endParaRPr lang="de-DE" dirty="0">
+              <a:ln>
+                <a:solidFill>
+                  <a:schemeClr val="tx1"/>
+                </a:solidFill>
+              </a:ln>
+            </a:endParaRPr>
+          </a:p>
+        </p:txBody>
+      </p:sp>
+      <mc:AlternateContent xmlns:mc="http://schemas.openxmlformats.org/markup-compatibility/2006">
+        <mc:Choice xmlns:a14="http://schemas.microsoft.com/office/drawing/2010/main" Requires="a14">
+          <p:sp>
+            <p:nvSpPr>
+              <p:cNvPr id="31" name="Textfeld 30">
+                <a:extLst>
+                  <a:ext uri="{FF2B5EF4-FFF2-40B4-BE49-F238E27FC236}">
+                    <a16:creationId xmlns:a16="http://schemas.microsoft.com/office/drawing/2014/main" id="{D15D9259-FF2A-9AC1-4D4B-79D3CCC2F829}"/>
+                  </a:ext>
+                </a:extLst>
+              </p:cNvPr>
+              <p:cNvSpPr txBox="1"/>
+              <p:nvPr/>
+            </p:nvSpPr>
+            <p:spPr>
+              <a:xfrm>
+                <a:off x="3375676" y="3394052"/>
+                <a:ext cx="443060" cy="369332"/>
+              </a:xfrm>
+              <a:prstGeom prst="rect">
+                <a:avLst/>
+              </a:prstGeom>
+              <a:noFill/>
+            </p:spPr>
+            <p:txBody>
+              <a:bodyPr wrap="square" rtlCol="0" anchor="ctr">
+                <a:spAutoFit/>
+              </a:bodyPr>
+              <a:lstStyle/>
+              <a:p>
+                <a:pPr/>
+                <a14:m>
+                  <m:oMathPara xmlns:m="http://schemas.openxmlformats.org/officeDocument/2006/math">
+                    <m:oMathParaPr>
+                      <m:jc m:val="center"/>
+                    </m:oMathParaPr>
+                    <m:oMath xmlns:m="http://schemas.openxmlformats.org/officeDocument/2006/math">
+                      <m:r>
+                        <a:rPr lang="de-DE" b="0" i="1" smtClean="0">
+                          <a:latin typeface="Cambria Math" panose="02040503050406030204" pitchFamily="18" charset="0"/>
+                        </a:rPr>
+                        <m:t>+</m:t>
+                      </m:r>
+                    </m:oMath>
+                  </m:oMathPara>
+                </a14:m>
+                <a:endParaRPr lang="de-DE" dirty="0"/>
+              </a:p>
+            </p:txBody>
+          </p:sp>
+        </mc:Choice>
+        <mc:Fallback>
+          <p:sp>
+            <p:nvSpPr>
+              <p:cNvPr id="31" name="Textfeld 30">
+                <a:extLst>
+                  <a:ext uri="{FF2B5EF4-FFF2-40B4-BE49-F238E27FC236}">
+                    <a16:creationId xmlns:a16="http://schemas.microsoft.com/office/drawing/2014/main" id="{D15D9259-FF2A-9AC1-4D4B-79D3CCC2F829}"/>
+                  </a:ext>
+                </a:extLst>
+              </p:cNvPr>
+              <p:cNvSpPr txBox="1">
+                <a:spLocks noRot="1" noChangeAspect="1" noMove="1" noResize="1" noEditPoints="1" noAdjustHandles="1" noChangeArrowheads="1" noChangeShapeType="1" noTextEdit="1"/>
+              </p:cNvSpPr>
+              <p:nvPr/>
+            </p:nvSpPr>
+            <p:spPr>
+              <a:xfrm>
+                <a:off x="3375676" y="3394052"/>
+                <a:ext cx="443060" cy="369332"/>
+              </a:xfrm>
+              <a:prstGeom prst="rect">
+                <a:avLst/>
+              </a:prstGeom>
+              <a:blipFill>
+                <a:blip r:embed="rId2"/>
+                <a:stretch>
+                  <a:fillRect/>
+                </a:stretch>
+              </a:blipFill>
+            </p:spPr>
+            <p:txBody>
+              <a:bodyPr/>
+              <a:lstStyle/>
+              <a:p>
+                <a:r>
+                  <a:rPr lang="de-DE">
+                    <a:noFill/>
+                  </a:rPr>
+                  <a:t> </a:t>
+                </a:r>
+              </a:p>
+            </p:txBody>
+          </p:sp>
+        </mc:Fallback>
+      </mc:AlternateContent>
+      <mc:AlternateContent xmlns:mc="http://schemas.openxmlformats.org/markup-compatibility/2006">
+        <mc:Choice xmlns:a14="http://schemas.microsoft.com/office/drawing/2010/main" Requires="a14">
+          <p:sp>
+            <p:nvSpPr>
+              <p:cNvPr id="32" name="Textfeld 31">
+                <a:extLst>
+                  <a:ext uri="{FF2B5EF4-FFF2-40B4-BE49-F238E27FC236}">
+                    <a16:creationId xmlns:a16="http://schemas.microsoft.com/office/drawing/2014/main" id="{7931850F-4BAE-38C7-AF65-7A8EDD9C89FE}"/>
+                  </a:ext>
+                </a:extLst>
+              </p:cNvPr>
+              <p:cNvSpPr txBox="1"/>
+              <p:nvPr/>
+            </p:nvSpPr>
+            <p:spPr>
+              <a:xfrm>
+                <a:off x="4629956" y="4778666"/>
+                <a:ext cx="443060" cy="369332"/>
+              </a:xfrm>
+              <a:prstGeom prst="rect">
+                <a:avLst/>
+              </a:prstGeom>
+              <a:noFill/>
+            </p:spPr>
+            <p:txBody>
+              <a:bodyPr wrap="square" rtlCol="0" anchor="ctr">
+                <a:spAutoFit/>
+              </a:bodyPr>
+              <a:lstStyle/>
+              <a:p>
+                <a:pPr/>
+                <a14:m>
+                  <m:oMathPara xmlns:m="http://schemas.openxmlformats.org/officeDocument/2006/math">
+                    <m:oMathParaPr>
+                      <m:jc m:val="center"/>
+                    </m:oMathParaPr>
+                    <m:oMath xmlns:m="http://schemas.openxmlformats.org/officeDocument/2006/math">
+                      <m:r>
+                        <a:rPr lang="de-DE" i="1" smtClean="0">
+                          <a:latin typeface="Cambria Math" panose="02040503050406030204" pitchFamily="18" charset="0"/>
+                          <a:ea typeface="Cambria Math" panose="02040503050406030204" pitchFamily="18" charset="0"/>
+                        </a:rPr>
+                        <m:t>∙</m:t>
+                      </m:r>
+                    </m:oMath>
+                  </m:oMathPara>
+                </a14:m>
+                <a:endParaRPr lang="de-DE" dirty="0"/>
+              </a:p>
+            </p:txBody>
+          </p:sp>
+        </mc:Choice>
+        <mc:Fallback>
+          <p:sp>
+            <p:nvSpPr>
+              <p:cNvPr id="32" name="Textfeld 31">
+                <a:extLst>
+                  <a:ext uri="{FF2B5EF4-FFF2-40B4-BE49-F238E27FC236}">
+                    <a16:creationId xmlns:a16="http://schemas.microsoft.com/office/drawing/2014/main" id="{7931850F-4BAE-38C7-AF65-7A8EDD9C89FE}"/>
+                  </a:ext>
+                </a:extLst>
+              </p:cNvPr>
+              <p:cNvSpPr txBox="1">
+                <a:spLocks noRot="1" noChangeAspect="1" noMove="1" noResize="1" noEditPoints="1" noAdjustHandles="1" noChangeArrowheads="1" noChangeShapeType="1" noTextEdit="1"/>
+              </p:cNvSpPr>
+              <p:nvPr/>
+            </p:nvSpPr>
+            <p:spPr>
+              <a:xfrm>
+                <a:off x="4629956" y="4778666"/>
+                <a:ext cx="443060" cy="369332"/>
+              </a:xfrm>
+              <a:prstGeom prst="rect">
+                <a:avLst/>
+              </a:prstGeom>
+              <a:blipFill>
+                <a:blip r:embed="rId3"/>
+                <a:stretch>
+                  <a:fillRect/>
+                </a:stretch>
+              </a:blipFill>
+            </p:spPr>
+            <p:txBody>
+              <a:bodyPr/>
+              <a:lstStyle/>
+              <a:p>
+                <a:r>
+                  <a:rPr lang="de-DE">
+                    <a:noFill/>
+                  </a:rPr>
+                  <a:t> </a:t>
+                </a:r>
+              </a:p>
+            </p:txBody>
+          </p:sp>
+        </mc:Fallback>
+      </mc:AlternateContent>
+      <p:sp>
+        <p:nvSpPr>
+          <p:cNvPr id="34" name="Textfeld 33">
+            <a:extLst>
+              <a:ext uri="{FF2B5EF4-FFF2-40B4-BE49-F238E27FC236}">
+                <a16:creationId xmlns:a16="http://schemas.microsoft.com/office/drawing/2014/main" id="{A011E978-66F7-2FE0-F949-F562C2B62599}"/>
+              </a:ext>
+            </a:extLst>
+          </p:cNvPr>
+          <p:cNvSpPr txBox="1"/>
+          <p:nvPr/>
+        </p:nvSpPr>
+        <p:spPr>
+          <a:xfrm>
+            <a:off x="8760992" y="2835949"/>
+            <a:ext cx="1360812" cy="369332"/>
+          </a:xfrm>
+          <a:prstGeom prst="rect">
+            <a:avLst/>
+          </a:prstGeom>
+          <a:noFill/>
+          <a:ln>
+            <a:solidFill>
+              <a:schemeClr val="tx1"/>
+            </a:solidFill>
+          </a:ln>
+        </p:spPr>
+        <p:txBody>
+          <a:bodyPr wrap="square" rtlCol="0" anchor="ctr">
+            <a:spAutoFit/>
+          </a:bodyPr>
+          <a:lstStyle/>
+          <a:p>
+            <a:pPr algn="ctr"/>
+            <a:endParaRPr lang="de-DE" dirty="0">
+              <a:ln>
+                <a:solidFill>
+                  <a:schemeClr val="tx1"/>
+                </a:solidFill>
+              </a:ln>
+            </a:endParaRPr>
+          </a:p>
+        </p:txBody>
+      </p:sp>
+      <p:sp>
+        <p:nvSpPr>
+          <p:cNvPr id="38" name="Textfeld 37">
+            <a:extLst>
+              <a:ext uri="{FF2B5EF4-FFF2-40B4-BE49-F238E27FC236}">
+                <a16:creationId xmlns:a16="http://schemas.microsoft.com/office/drawing/2014/main" id="{429FFA07-BE2E-1594-BA07-AE3D5145A846}"/>
+              </a:ext>
+            </a:extLst>
+          </p:cNvPr>
+          <p:cNvSpPr txBox="1"/>
+          <p:nvPr/>
+        </p:nvSpPr>
+        <p:spPr>
+          <a:xfrm>
+            <a:off x="10121804" y="2835949"/>
+            <a:ext cx="340203" cy="369332"/>
+          </a:xfrm>
+          <a:prstGeom prst="rect">
+            <a:avLst/>
+          </a:prstGeom>
+          <a:noFill/>
+          <a:ln>
+            <a:solidFill>
+              <a:schemeClr val="tx1"/>
+            </a:solidFill>
+          </a:ln>
+        </p:spPr>
+        <p:txBody>
+          <a:bodyPr wrap="square" rtlCol="0" anchor="ctr">
+            <a:spAutoFit/>
+          </a:bodyPr>
+          <a:lstStyle/>
+          <a:p>
+            <a:pPr algn="ctr"/>
+            <a:endParaRPr lang="de-DE" dirty="0">
+              <a:ln>
+                <a:solidFill>
+                  <a:schemeClr val="tx1"/>
+                </a:solidFill>
+              </a:ln>
+            </a:endParaRPr>
+          </a:p>
+        </p:txBody>
+      </p:sp>
+      <p:sp>
+        <p:nvSpPr>
+          <p:cNvPr id="39" name="Textfeld 38">
+            <a:extLst>
+              <a:ext uri="{FF2B5EF4-FFF2-40B4-BE49-F238E27FC236}">
+                <a16:creationId xmlns:a16="http://schemas.microsoft.com/office/drawing/2014/main" id="{B43BACD0-0707-520E-7483-73B000A59B3D}"/>
+              </a:ext>
+            </a:extLst>
+          </p:cNvPr>
+          <p:cNvSpPr txBox="1"/>
+          <p:nvPr/>
+        </p:nvSpPr>
+        <p:spPr>
+          <a:xfrm>
+            <a:off x="10462007" y="2835949"/>
+            <a:ext cx="340203" cy="369332"/>
+          </a:xfrm>
+          <a:prstGeom prst="rect">
+            <a:avLst/>
+          </a:prstGeom>
+          <a:noFill/>
+          <a:ln>
+            <a:solidFill>
+              <a:schemeClr val="tx1"/>
+            </a:solidFill>
+          </a:ln>
+        </p:spPr>
+        <p:txBody>
+          <a:bodyPr wrap="square" rtlCol="0" anchor="ctr">
+            <a:spAutoFit/>
+          </a:bodyPr>
+          <a:lstStyle/>
+          <a:p>
+            <a:pPr algn="ctr"/>
+            <a:endParaRPr lang="de-DE" dirty="0">
+              <a:ln>
+                <a:solidFill>
+                  <a:schemeClr val="tx1"/>
+                </a:solidFill>
+              </a:ln>
+            </a:endParaRPr>
+          </a:p>
+        </p:txBody>
+      </p:sp>
+      <p:sp>
+        <p:nvSpPr>
+          <p:cNvPr id="40" name="Textfeld 39">
+            <a:extLst>
+              <a:ext uri="{FF2B5EF4-FFF2-40B4-BE49-F238E27FC236}">
+                <a16:creationId xmlns:a16="http://schemas.microsoft.com/office/drawing/2014/main" id="{00D41DF1-A5E1-B6C6-B32C-E9704AFA1236}"/>
+              </a:ext>
+            </a:extLst>
+          </p:cNvPr>
+          <p:cNvSpPr txBox="1"/>
+          <p:nvPr/>
+        </p:nvSpPr>
+        <p:spPr>
+          <a:xfrm>
+            <a:off x="8760992" y="3399009"/>
+            <a:ext cx="1360812" cy="369332"/>
+          </a:xfrm>
+          <a:prstGeom prst="rect">
+            <a:avLst/>
+          </a:prstGeom>
+          <a:noFill/>
+          <a:ln>
+            <a:solidFill>
+              <a:schemeClr val="tx1"/>
+            </a:solidFill>
+          </a:ln>
+        </p:spPr>
+        <p:txBody>
+          <a:bodyPr wrap="square" rtlCol="0" anchor="ctr">
+            <a:spAutoFit/>
+          </a:bodyPr>
+          <a:lstStyle/>
+          <a:p>
+            <a:pPr algn="ctr"/>
+            <a:endParaRPr lang="de-DE" dirty="0">
+              <a:ln>
+                <a:solidFill>
+                  <a:schemeClr val="tx1"/>
+                </a:solidFill>
+              </a:ln>
+            </a:endParaRPr>
+          </a:p>
+        </p:txBody>
+      </p:sp>
+      <p:sp>
+        <p:nvSpPr>
+          <p:cNvPr id="44" name="Textfeld 43">
+            <a:extLst>
+              <a:ext uri="{FF2B5EF4-FFF2-40B4-BE49-F238E27FC236}">
+                <a16:creationId xmlns:a16="http://schemas.microsoft.com/office/drawing/2014/main" id="{BE304DEC-BE2A-A0EE-1F8B-930121F85B20}"/>
+              </a:ext>
+            </a:extLst>
+          </p:cNvPr>
+          <p:cNvSpPr txBox="1"/>
+          <p:nvPr/>
+        </p:nvSpPr>
+        <p:spPr>
+          <a:xfrm>
+            <a:off x="10121804" y="3399009"/>
+            <a:ext cx="340203" cy="369332"/>
+          </a:xfrm>
+          <a:prstGeom prst="rect">
+            <a:avLst/>
+          </a:prstGeom>
+          <a:noFill/>
+          <a:ln>
+            <a:solidFill>
+              <a:schemeClr val="tx1"/>
+            </a:solidFill>
+          </a:ln>
+        </p:spPr>
+        <p:txBody>
+          <a:bodyPr wrap="square" rtlCol="0" anchor="ctr">
+            <a:spAutoFit/>
+          </a:bodyPr>
+          <a:lstStyle/>
+          <a:p>
+            <a:pPr algn="ctr"/>
+            <a:endParaRPr lang="de-DE" dirty="0">
+              <a:ln>
+                <a:solidFill>
+                  <a:schemeClr val="tx1"/>
+                </a:solidFill>
+              </a:ln>
+            </a:endParaRPr>
+          </a:p>
+        </p:txBody>
+      </p:sp>
+      <p:sp>
+        <p:nvSpPr>
+          <p:cNvPr id="45" name="Textfeld 44">
+            <a:extLst>
+              <a:ext uri="{FF2B5EF4-FFF2-40B4-BE49-F238E27FC236}">
+                <a16:creationId xmlns:a16="http://schemas.microsoft.com/office/drawing/2014/main" id="{788E7AEB-82DC-324E-639A-C38E5FBE7D9F}"/>
+              </a:ext>
+            </a:extLst>
+          </p:cNvPr>
+          <p:cNvSpPr txBox="1"/>
+          <p:nvPr/>
+        </p:nvSpPr>
+        <p:spPr>
+          <a:xfrm>
+            <a:off x="10462007" y="3399009"/>
+            <a:ext cx="340203" cy="369332"/>
+          </a:xfrm>
+          <a:prstGeom prst="rect">
+            <a:avLst/>
+          </a:prstGeom>
+          <a:noFill/>
+          <a:ln>
+            <a:solidFill>
+              <a:schemeClr val="tx1"/>
+            </a:solidFill>
+          </a:ln>
+        </p:spPr>
+        <p:txBody>
+          <a:bodyPr wrap="square" rtlCol="0" anchor="ctr">
+            <a:spAutoFit/>
+          </a:bodyPr>
+          <a:lstStyle/>
+          <a:p>
+            <a:pPr algn="ctr"/>
+            <a:endParaRPr lang="de-DE" dirty="0">
+              <a:ln>
+                <a:solidFill>
+                  <a:schemeClr val="tx1"/>
+                </a:solidFill>
+              </a:ln>
+            </a:endParaRPr>
+          </a:p>
+        </p:txBody>
+      </p:sp>
+      <p:sp>
+        <p:nvSpPr>
+          <p:cNvPr id="46" name="Textfeld 45">
+            <a:extLst>
+              <a:ext uri="{FF2B5EF4-FFF2-40B4-BE49-F238E27FC236}">
+                <a16:creationId xmlns:a16="http://schemas.microsoft.com/office/drawing/2014/main" id="{4D3C6999-2D18-8818-1E05-044BD92B14B8}"/>
+              </a:ext>
+            </a:extLst>
+          </p:cNvPr>
+          <p:cNvSpPr txBox="1"/>
+          <p:nvPr/>
+        </p:nvSpPr>
+        <p:spPr>
+          <a:xfrm>
+            <a:off x="8161910" y="4778666"/>
+            <a:ext cx="680406" cy="369332"/>
+          </a:xfrm>
+          <a:prstGeom prst="rect">
+            <a:avLst/>
+          </a:prstGeom>
+          <a:noFill/>
+          <a:ln>
+            <a:solidFill>
+              <a:schemeClr val="tx1"/>
+            </a:solidFill>
+          </a:ln>
+        </p:spPr>
+        <p:txBody>
+          <a:bodyPr wrap="square" rtlCol="0" anchor="ctr">
+            <a:spAutoFit/>
+          </a:bodyPr>
+          <a:lstStyle/>
+          <a:p>
+            <a:pPr algn="ctr"/>
+            <a:endParaRPr lang="de-DE" dirty="0">
+              <a:ln>
+                <a:solidFill>
+                  <a:schemeClr val="tx1"/>
+                </a:solidFill>
+              </a:ln>
+            </a:endParaRPr>
+          </a:p>
+        </p:txBody>
+      </p:sp>
+      <p:sp>
+        <p:nvSpPr>
+          <p:cNvPr id="48" name="Textfeld 47">
+            <a:extLst>
+              <a:ext uri="{FF2B5EF4-FFF2-40B4-BE49-F238E27FC236}">
+                <a16:creationId xmlns:a16="http://schemas.microsoft.com/office/drawing/2014/main" id="{EBE6A868-7C8A-C6DB-4E9C-D9F6D3AE286A}"/>
+              </a:ext>
+            </a:extLst>
+          </p:cNvPr>
+          <p:cNvSpPr txBox="1"/>
+          <p:nvPr/>
+        </p:nvSpPr>
+        <p:spPr>
+          <a:xfrm>
+            <a:off x="8842316" y="4778666"/>
+            <a:ext cx="680406" cy="369332"/>
+          </a:xfrm>
+          <a:prstGeom prst="rect">
+            <a:avLst/>
+          </a:prstGeom>
+          <a:noFill/>
+          <a:ln>
+            <a:solidFill>
+              <a:schemeClr val="tx1"/>
+            </a:solidFill>
+          </a:ln>
+        </p:spPr>
+        <p:txBody>
+          <a:bodyPr wrap="square" rtlCol="0" anchor="ctr">
+            <a:spAutoFit/>
+          </a:bodyPr>
+          <a:lstStyle/>
+          <a:p>
+            <a:pPr algn="ctr"/>
+            <a:endParaRPr lang="de-DE" dirty="0">
+              <a:ln>
+                <a:solidFill>
+                  <a:schemeClr val="tx1"/>
+                </a:solidFill>
+              </a:ln>
+            </a:endParaRPr>
+          </a:p>
+        </p:txBody>
+      </p:sp>
+      <p:sp>
+        <p:nvSpPr>
+          <p:cNvPr id="51" name="Textfeld 50">
+            <a:extLst>
+              <a:ext uri="{FF2B5EF4-FFF2-40B4-BE49-F238E27FC236}">
+                <a16:creationId xmlns:a16="http://schemas.microsoft.com/office/drawing/2014/main" id="{53CA26D9-6C2E-FF77-3B2F-AFBC6B5A39C4}"/>
+              </a:ext>
+            </a:extLst>
+          </p:cNvPr>
+          <p:cNvSpPr txBox="1"/>
+          <p:nvPr/>
+        </p:nvSpPr>
+        <p:spPr>
+          <a:xfrm>
+            <a:off x="10019226" y="4778666"/>
+            <a:ext cx="680406" cy="369332"/>
+          </a:xfrm>
+          <a:prstGeom prst="rect">
+            <a:avLst/>
+          </a:prstGeom>
+          <a:noFill/>
+          <a:ln>
+            <a:solidFill>
+              <a:schemeClr val="tx1"/>
+            </a:solidFill>
+          </a:ln>
+        </p:spPr>
+        <p:txBody>
+          <a:bodyPr wrap="square" rtlCol="0" anchor="ctr">
+            <a:spAutoFit/>
+          </a:bodyPr>
+          <a:lstStyle/>
+          <a:p>
+            <a:pPr algn="ctr"/>
+            <a:endParaRPr lang="de-DE" dirty="0">
+              <a:ln>
+                <a:solidFill>
+                  <a:schemeClr val="tx1"/>
+                </a:solidFill>
+              </a:ln>
+            </a:endParaRPr>
+          </a:p>
+        </p:txBody>
+      </p:sp>
+      <p:sp>
+        <p:nvSpPr>
+          <p:cNvPr id="53" name="Textfeld 52">
+            <a:extLst>
+              <a:ext uri="{FF2B5EF4-FFF2-40B4-BE49-F238E27FC236}">
+                <a16:creationId xmlns:a16="http://schemas.microsoft.com/office/drawing/2014/main" id="{84F5121B-C6A6-AF02-CA26-0DC57EBF720F}"/>
+              </a:ext>
+            </a:extLst>
+          </p:cNvPr>
+          <p:cNvSpPr txBox="1"/>
+          <p:nvPr/>
+        </p:nvSpPr>
+        <p:spPr>
+          <a:xfrm>
+            <a:off x="10699632" y="4778666"/>
+            <a:ext cx="680406" cy="369332"/>
+          </a:xfrm>
+          <a:prstGeom prst="rect">
+            <a:avLst/>
+          </a:prstGeom>
+          <a:noFill/>
+          <a:ln>
+            <a:solidFill>
+              <a:schemeClr val="tx1"/>
+            </a:solidFill>
+          </a:ln>
+        </p:spPr>
+        <p:txBody>
+          <a:bodyPr wrap="square" rtlCol="0" anchor="ctr">
+            <a:spAutoFit/>
+          </a:bodyPr>
+          <a:lstStyle/>
+          <a:p>
+            <a:pPr algn="ctr"/>
+            <a:endParaRPr lang="de-DE" dirty="0">
+              <a:ln>
+                <a:solidFill>
+                  <a:schemeClr val="tx1"/>
+                </a:solidFill>
+              </a:ln>
+            </a:endParaRPr>
+          </a:p>
+        </p:txBody>
+      </p:sp>
+      <mc:AlternateContent xmlns:mc="http://schemas.openxmlformats.org/markup-compatibility/2006">
+        <mc:Choice xmlns:a14="http://schemas.microsoft.com/office/drawing/2010/main" Requires="a14">
+          <p:sp>
+            <p:nvSpPr>
+              <p:cNvPr id="54" name="Textfeld 53">
+                <a:extLst>
+                  <a:ext uri="{FF2B5EF4-FFF2-40B4-BE49-F238E27FC236}">
+                    <a16:creationId xmlns:a16="http://schemas.microsoft.com/office/drawing/2014/main" id="{96DE9A60-6CC5-C208-4C62-264D0C55234E}"/>
+                  </a:ext>
+                </a:extLst>
+              </p:cNvPr>
+              <p:cNvSpPr txBox="1"/>
+              <p:nvPr/>
+            </p:nvSpPr>
+            <p:spPr>
+              <a:xfrm>
+                <a:off x="8311566" y="3394052"/>
+                <a:ext cx="443060" cy="369332"/>
+              </a:xfrm>
+              <a:prstGeom prst="rect">
+                <a:avLst/>
+              </a:prstGeom>
+              <a:noFill/>
+            </p:spPr>
+            <p:txBody>
+              <a:bodyPr wrap="square" rtlCol="0" anchor="ctr">
+                <a:spAutoFit/>
+              </a:bodyPr>
+              <a:lstStyle/>
+              <a:p>
+                <a:pPr/>
+                <a14:m>
+                  <m:oMathPara xmlns:m="http://schemas.openxmlformats.org/officeDocument/2006/math">
+                    <m:oMathParaPr>
+                      <m:jc m:val="center"/>
+                    </m:oMathParaPr>
+                    <m:oMath xmlns:m="http://schemas.openxmlformats.org/officeDocument/2006/math">
+                      <m:r>
+                        <a:rPr lang="de-DE" b="0" i="1" smtClean="0">
+                          <a:latin typeface="Cambria Math" panose="02040503050406030204" pitchFamily="18" charset="0"/>
+                        </a:rPr>
+                        <m:t>+</m:t>
+                      </m:r>
+                    </m:oMath>
+                  </m:oMathPara>
+                </a14:m>
+                <a:endParaRPr lang="de-DE" dirty="0"/>
+              </a:p>
+            </p:txBody>
+          </p:sp>
+        </mc:Choice>
+        <mc:Fallback>
+          <p:sp>
+            <p:nvSpPr>
+              <p:cNvPr id="54" name="Textfeld 53">
+                <a:extLst>
+                  <a:ext uri="{FF2B5EF4-FFF2-40B4-BE49-F238E27FC236}">
+                    <a16:creationId xmlns:a16="http://schemas.microsoft.com/office/drawing/2014/main" id="{96DE9A60-6CC5-C208-4C62-264D0C55234E}"/>
+                  </a:ext>
+                </a:extLst>
+              </p:cNvPr>
+              <p:cNvSpPr txBox="1">
+                <a:spLocks noRot="1" noChangeAspect="1" noMove="1" noResize="1" noEditPoints="1" noAdjustHandles="1" noChangeArrowheads="1" noChangeShapeType="1" noTextEdit="1"/>
+              </p:cNvSpPr>
+              <p:nvPr/>
+            </p:nvSpPr>
+            <p:spPr>
+              <a:xfrm>
+                <a:off x="8311566" y="3394052"/>
+                <a:ext cx="443060" cy="369332"/>
+              </a:xfrm>
+              <a:prstGeom prst="rect">
+                <a:avLst/>
+              </a:prstGeom>
+              <a:blipFill>
+                <a:blip r:embed="rId2"/>
+                <a:stretch>
+                  <a:fillRect/>
+                </a:stretch>
+              </a:blipFill>
+            </p:spPr>
+            <p:txBody>
+              <a:bodyPr/>
+              <a:lstStyle/>
+              <a:p>
+                <a:r>
+                  <a:rPr lang="de-DE">
+                    <a:noFill/>
+                  </a:rPr>
+                  <a:t> </a:t>
+                </a:r>
+              </a:p>
+            </p:txBody>
+          </p:sp>
+        </mc:Fallback>
+      </mc:AlternateContent>
+      <mc:AlternateContent xmlns:mc="http://schemas.openxmlformats.org/markup-compatibility/2006">
+        <mc:Choice xmlns:a14="http://schemas.microsoft.com/office/drawing/2010/main" Requires="a14">
+          <p:sp>
+            <p:nvSpPr>
+              <p:cNvPr id="55" name="Textfeld 54">
+                <a:extLst>
+                  <a:ext uri="{FF2B5EF4-FFF2-40B4-BE49-F238E27FC236}">
+                    <a16:creationId xmlns:a16="http://schemas.microsoft.com/office/drawing/2014/main" id="{07A62CEB-42BC-F2B9-E54E-1B2712522B77}"/>
+                  </a:ext>
+                </a:extLst>
+              </p:cNvPr>
+              <p:cNvSpPr txBox="1"/>
+              <p:nvPr/>
+            </p:nvSpPr>
+            <p:spPr>
+              <a:xfrm>
+                <a:off x="9549089" y="4778666"/>
+                <a:ext cx="443060" cy="369332"/>
+              </a:xfrm>
+              <a:prstGeom prst="rect">
+                <a:avLst/>
+              </a:prstGeom>
+              <a:noFill/>
+            </p:spPr>
+            <p:txBody>
+              <a:bodyPr wrap="square" rtlCol="0" anchor="ctr">
+                <a:spAutoFit/>
+              </a:bodyPr>
+              <a:lstStyle/>
+              <a:p>
+                <a:pPr/>
+                <a14:m>
+                  <m:oMathPara xmlns:m="http://schemas.openxmlformats.org/officeDocument/2006/math">
+                    <m:oMathParaPr>
+                      <m:jc m:val="center"/>
+                    </m:oMathParaPr>
+                    <m:oMath xmlns:m="http://schemas.openxmlformats.org/officeDocument/2006/math">
+                      <m:r>
+                        <a:rPr lang="de-DE" i="1" smtClean="0">
+                          <a:latin typeface="Cambria Math" panose="02040503050406030204" pitchFamily="18" charset="0"/>
+                          <a:ea typeface="Cambria Math" panose="02040503050406030204" pitchFamily="18" charset="0"/>
+                        </a:rPr>
+                        <m:t>∙</m:t>
+                      </m:r>
+                    </m:oMath>
+                  </m:oMathPara>
+                </a14:m>
+                <a:endParaRPr lang="de-DE" dirty="0"/>
+              </a:p>
+            </p:txBody>
+          </p:sp>
+        </mc:Choice>
+        <mc:Fallback>
+          <p:sp>
+            <p:nvSpPr>
+              <p:cNvPr id="55" name="Textfeld 54">
+                <a:extLst>
+                  <a:ext uri="{FF2B5EF4-FFF2-40B4-BE49-F238E27FC236}">
+                    <a16:creationId xmlns:a16="http://schemas.microsoft.com/office/drawing/2014/main" id="{07A62CEB-42BC-F2B9-E54E-1B2712522B77}"/>
+                  </a:ext>
+                </a:extLst>
+              </p:cNvPr>
+              <p:cNvSpPr txBox="1">
+                <a:spLocks noRot="1" noChangeAspect="1" noMove="1" noResize="1" noEditPoints="1" noAdjustHandles="1" noChangeArrowheads="1" noChangeShapeType="1" noTextEdit="1"/>
+              </p:cNvSpPr>
+              <p:nvPr/>
+            </p:nvSpPr>
+            <p:spPr>
+              <a:xfrm>
+                <a:off x="9549089" y="4778666"/>
+                <a:ext cx="443060" cy="369332"/>
+              </a:xfrm>
+              <a:prstGeom prst="rect">
+                <a:avLst/>
+              </a:prstGeom>
+              <a:blipFill>
+                <a:blip r:embed="rId3"/>
+                <a:stretch>
+                  <a:fillRect/>
+                </a:stretch>
+              </a:blipFill>
+            </p:spPr>
+            <p:txBody>
+              <a:bodyPr/>
+              <a:lstStyle/>
+              <a:p>
+                <a:r>
+                  <a:rPr lang="de-DE">
+                    <a:noFill/>
+                  </a:rPr>
+                  <a:t> </a:t>
+                </a:r>
+              </a:p>
+            </p:txBody>
+          </p:sp>
+        </mc:Fallback>
+      </mc:AlternateContent>
     </p:spTree>
     <p:extLst>
       <p:ext uri="{BB962C8B-B14F-4D97-AF65-F5344CB8AC3E}">
@@ -37444,8 +37509,8 @@
           </a:p>
         </p:txBody>
       </p:sp>
-      <mc:AlternateContent xmlns:mc="http://schemas.openxmlformats.org/markup-compatibility/2006" xmlns:a14="http://schemas.microsoft.com/office/drawing/2010/main">
-        <mc:Choice Requires="a14">
+      <mc:AlternateContent xmlns:mc="http://schemas.openxmlformats.org/markup-compatibility/2006">
+        <mc:Choice xmlns:a14="http://schemas.microsoft.com/office/drawing/2010/main" Requires="a14">
           <p:graphicFrame>
             <p:nvGraphicFramePr>
               <p:cNvPr id="7" name="Tabelle 7">
@@ -37462,7 +37527,7 @@
                 <p:ph idx="1"/>
                 <p:extLst>
                   <p:ext uri="{D42A27DB-BD31-4B8C-83A1-F6EECF244321}">
-                    <p14:modId xmlns:p14="http://schemas.microsoft.com/office/powerpoint/2010/main" val="905898435"/>
+                    <p14:modId xmlns:p14="http://schemas.microsoft.com/office/powerpoint/2010/main" val="3398353441"/>
                   </p:ext>
                 </p:extLst>
               </p:nvPr>
@@ -37485,14 +37550,14 @@
                         </a:ext>
                       </a:extLst>
                     </a:gridCol>
-                    <a:gridCol w="3775348">
+                    <a:gridCol w="4372469">
                       <a:extLst>
                         <a:ext uri="{9D8B030D-6E8A-4147-A177-3AD203B41FA5}">
                           <a16:colId xmlns:a16="http://schemas.microsoft.com/office/drawing/2014/main" val="1201333690"/>
                         </a:ext>
                       </a:extLst>
                     </a:gridCol>
-                    <a:gridCol w="5811378">
+                    <a:gridCol w="5214257">
                       <a:extLst>
                         <a:ext uri="{9D8B030D-6E8A-4147-A177-3AD203B41FA5}">
                           <a16:colId xmlns:a16="http://schemas.microsoft.com/office/drawing/2014/main" val="1993540366"/>
@@ -38276,7 +38341,7 @@
             </a:graphic>
           </p:graphicFrame>
         </mc:Choice>
-        <mc:Fallback xmlns="">
+        <mc:Fallback>
           <p:graphicFrame>
             <p:nvGraphicFramePr>
               <p:cNvPr id="7" name="Tabelle 7">
@@ -38293,7 +38358,7 @@
                 <p:ph idx="1"/>
                 <p:extLst>
                   <p:ext uri="{D42A27DB-BD31-4B8C-83A1-F6EECF244321}">
-                    <p14:modId xmlns:p14="http://schemas.microsoft.com/office/powerpoint/2010/main" val="905898435"/>
+                    <p14:modId xmlns:p14="http://schemas.microsoft.com/office/powerpoint/2010/main" val="3398353441"/>
                   </p:ext>
                 </p:extLst>
               </p:nvPr>
@@ -38316,14 +38381,14 @@
                         </a:ext>
                       </a:extLst>
                     </a:gridCol>
-                    <a:gridCol w="3775348">
+                    <a:gridCol w="4372469">
                       <a:extLst>
                         <a:ext uri="{9D8B030D-6E8A-4147-A177-3AD203B41FA5}">
                           <a16:colId xmlns:a16="http://schemas.microsoft.com/office/drawing/2014/main" val="1201333690"/>
                         </a:ext>
                       </a:extLst>
                     </a:gridCol>
-                    <a:gridCol w="5811378">
+                    <a:gridCol w="5214257">
                       <a:extLst>
                         <a:ext uri="{9D8B030D-6E8A-4147-A177-3AD203B41FA5}">
                           <a16:colId xmlns:a16="http://schemas.microsoft.com/office/drawing/2014/main" val="1993540366"/>
@@ -38509,7 +38574,7 @@
                         <a:blipFill>
                           <a:blip r:embed="rId2"/>
                           <a:stretch>
-                            <a:fillRect l="-63300" t="-55372" r="-154545" b="-163636"/>
+                            <a:fillRect l="-54651" t="-55372" r="-119767" b="-163636"/>
                           </a:stretch>
                         </a:blipFill>
                       </a:tcPr>
@@ -38622,7 +38687,7 @@
                         <a:blipFill>
                           <a:blip r:embed="rId2"/>
                           <a:stretch>
-                            <a:fillRect l="-63300" t="-155372" r="-154545" b="-63636"/>
+                            <a:fillRect l="-54651" t="-155372" r="-119767" b="-63636"/>
                           </a:stretch>
                         </a:blipFill>
                       </a:tcPr>
